--- a/Linux.pptx
+++ b/Linux.pptx
@@ -4,6 +4,9 @@
   <p:sldMasterIdLst>
     <p:sldMasterId id="2147483648" r:id="rId1"/>
   </p:sldMasterIdLst>
+  <p:notesMasterIdLst>
+    <p:notesMasterId r:id="rId4"/>
+  </p:notesMasterIdLst>
   <p:sldIdLst>
     <p:sldId id="256" r:id="rId2"/>
     <p:sldId id="257" r:id="rId3"/>
@@ -105,7 +108,501 @@
       </a:defRPr>
     </a:lvl9pPr>
   </p:defaultTextStyle>
+  <p:extLst>
+    <p:ext uri="{EFAFB233-063F-42B5-8137-9DF3F51BA10A}">
+      <p15:sldGuideLst xmlns:p15="http://schemas.microsoft.com/office/powerpoint/2012/main"/>
+    </p:ext>
+  </p:extLst>
 </p:presentation>
+</file>
+
+<file path=ppt/notesMasters/notesMaster1.xml><?xml version="1.0" encoding="utf-8"?>
+<p:notesMaster xmlns:a="http://schemas.openxmlformats.org/drawingml/2006/main" xmlns:r="http://schemas.openxmlformats.org/officeDocument/2006/relationships" xmlns:p="http://schemas.openxmlformats.org/presentationml/2006/main">
+  <p:cSld>
+    <p:bg>
+      <p:bgRef idx="1001">
+        <a:schemeClr val="bg1"/>
+      </p:bgRef>
+    </p:bg>
+    <p:spTree>
+      <p:nvGrpSpPr>
+        <p:cNvPr id="1" name=""/>
+        <p:cNvGrpSpPr/>
+        <p:nvPr/>
+      </p:nvGrpSpPr>
+      <p:grpSpPr>
+        <a:xfrm>
+          <a:off x="0" y="0"/>
+          <a:ext cx="0" cy="0"/>
+          <a:chOff x="0" y="0"/>
+          <a:chExt cx="0" cy="0"/>
+        </a:xfrm>
+      </p:grpSpPr>
+      <p:sp>
+        <p:nvSpPr>
+          <p:cNvPr id="2" name="Zástupný symbol pro záhlaví 1"/>
+          <p:cNvSpPr>
+            <a:spLocks noGrp="1"/>
+          </p:cNvSpPr>
+          <p:nvPr>
+            <p:ph type="hdr" sz="quarter"/>
+          </p:nvPr>
+        </p:nvSpPr>
+        <p:spPr>
+          <a:xfrm>
+            <a:off x="0" y="0"/>
+            <a:ext cx="2971800" cy="458788"/>
+          </a:xfrm>
+          <a:prstGeom prst="rect">
+            <a:avLst/>
+          </a:prstGeom>
+        </p:spPr>
+        <p:txBody>
+          <a:bodyPr vert="horz" lIns="91440" tIns="45720" rIns="91440" bIns="45720" rtlCol="0"/>
+          <a:lstStyle>
+            <a:lvl1pPr algn="l">
+              <a:defRPr sz="1200"/>
+            </a:lvl1pPr>
+          </a:lstStyle>
+          <a:p>
+            <a:endParaRPr lang="cs-CZ"/>
+          </a:p>
+        </p:txBody>
+      </p:sp>
+      <p:sp>
+        <p:nvSpPr>
+          <p:cNvPr id="3" name="Zástupný symbol pro datum 2"/>
+          <p:cNvSpPr>
+            <a:spLocks noGrp="1"/>
+          </p:cNvSpPr>
+          <p:nvPr>
+            <p:ph type="dt" idx="1"/>
+          </p:nvPr>
+        </p:nvSpPr>
+        <p:spPr>
+          <a:xfrm>
+            <a:off x="3884613" y="0"/>
+            <a:ext cx="2971800" cy="458788"/>
+          </a:xfrm>
+          <a:prstGeom prst="rect">
+            <a:avLst/>
+          </a:prstGeom>
+        </p:spPr>
+        <p:txBody>
+          <a:bodyPr vert="horz" lIns="91440" tIns="45720" rIns="91440" bIns="45720" rtlCol="0"/>
+          <a:lstStyle>
+            <a:lvl1pPr algn="r">
+              <a:defRPr sz="1200"/>
+            </a:lvl1pPr>
+          </a:lstStyle>
+          <a:p>
+            <a:fld id="{A2CB6FA3-EA73-4C76-9A50-C350990F3718}" type="datetimeFigureOut">
+              <a:rPr lang="cs-CZ" smtClean="0"/>
+              <a:t>08.01.2023</a:t>
+            </a:fld>
+            <a:endParaRPr lang="cs-CZ"/>
+          </a:p>
+        </p:txBody>
+      </p:sp>
+      <p:sp>
+        <p:nvSpPr>
+          <p:cNvPr id="4" name="Zástupný symbol pro obrázek snímku 3"/>
+          <p:cNvSpPr>
+            <a:spLocks noGrp="1" noRot="1" noChangeAspect="1"/>
+          </p:cNvSpPr>
+          <p:nvPr>
+            <p:ph type="sldImg" idx="2"/>
+          </p:nvPr>
+        </p:nvSpPr>
+        <p:spPr>
+          <a:xfrm>
+            <a:off x="685800" y="1143000"/>
+            <a:ext cx="5486400" cy="3086100"/>
+          </a:xfrm>
+          <a:prstGeom prst="rect">
+            <a:avLst/>
+          </a:prstGeom>
+          <a:noFill/>
+          <a:ln w="12700">
+            <a:solidFill>
+              <a:prstClr val="black"/>
+            </a:solidFill>
+          </a:ln>
+        </p:spPr>
+        <p:txBody>
+          <a:bodyPr vert="horz" lIns="91440" tIns="45720" rIns="91440" bIns="45720" rtlCol="0" anchor="ctr"/>
+          <a:lstStyle/>
+          <a:p>
+            <a:endParaRPr lang="cs-CZ"/>
+          </a:p>
+        </p:txBody>
+      </p:sp>
+      <p:sp>
+        <p:nvSpPr>
+          <p:cNvPr id="5" name="Zástupný symbol pro poznámky 4"/>
+          <p:cNvSpPr>
+            <a:spLocks noGrp="1"/>
+          </p:cNvSpPr>
+          <p:nvPr>
+            <p:ph type="body" sz="quarter" idx="3"/>
+          </p:nvPr>
+        </p:nvSpPr>
+        <p:spPr>
+          <a:xfrm>
+            <a:off x="685800" y="4400550"/>
+            <a:ext cx="5486400" cy="3600450"/>
+          </a:xfrm>
+          <a:prstGeom prst="rect">
+            <a:avLst/>
+          </a:prstGeom>
+        </p:spPr>
+        <p:txBody>
+          <a:bodyPr vert="horz" lIns="91440" tIns="45720" rIns="91440" bIns="45720" rtlCol="0"/>
+          <a:lstStyle/>
+          <a:p>
+            <a:pPr lvl="0"/>
+            <a:r>
+              <a:rPr lang="cs-CZ"/>
+              <a:t>Po kliknutí můžete upravovat styly textu v předloze.</a:t>
+            </a:r>
+          </a:p>
+          <a:p>
+            <a:pPr lvl="1"/>
+            <a:r>
+              <a:rPr lang="cs-CZ"/>
+              <a:t>Druhá úroveň</a:t>
+            </a:r>
+          </a:p>
+          <a:p>
+            <a:pPr lvl="2"/>
+            <a:r>
+              <a:rPr lang="cs-CZ"/>
+              <a:t>Třetí úroveň</a:t>
+            </a:r>
+          </a:p>
+          <a:p>
+            <a:pPr lvl="3"/>
+            <a:r>
+              <a:rPr lang="cs-CZ"/>
+              <a:t>Čtvrtá úroveň</a:t>
+            </a:r>
+          </a:p>
+          <a:p>
+            <a:pPr lvl="4"/>
+            <a:r>
+              <a:rPr lang="cs-CZ"/>
+              <a:t>Pátá úroveň</a:t>
+            </a:r>
+          </a:p>
+        </p:txBody>
+      </p:sp>
+      <p:sp>
+        <p:nvSpPr>
+          <p:cNvPr id="6" name="Zástupný symbol pro zápatí 5"/>
+          <p:cNvSpPr>
+            <a:spLocks noGrp="1"/>
+          </p:cNvSpPr>
+          <p:nvPr>
+            <p:ph type="ftr" sz="quarter" idx="4"/>
+          </p:nvPr>
+        </p:nvSpPr>
+        <p:spPr>
+          <a:xfrm>
+            <a:off x="0" y="8685213"/>
+            <a:ext cx="2971800" cy="458787"/>
+          </a:xfrm>
+          <a:prstGeom prst="rect">
+            <a:avLst/>
+          </a:prstGeom>
+        </p:spPr>
+        <p:txBody>
+          <a:bodyPr vert="horz" lIns="91440" tIns="45720" rIns="91440" bIns="45720" rtlCol="0" anchor="b"/>
+          <a:lstStyle>
+            <a:lvl1pPr algn="l">
+              <a:defRPr sz="1200"/>
+            </a:lvl1pPr>
+          </a:lstStyle>
+          <a:p>
+            <a:endParaRPr lang="cs-CZ"/>
+          </a:p>
+        </p:txBody>
+      </p:sp>
+      <p:sp>
+        <p:nvSpPr>
+          <p:cNvPr id="7" name="Zástupný symbol pro číslo snímku 6"/>
+          <p:cNvSpPr>
+            <a:spLocks noGrp="1"/>
+          </p:cNvSpPr>
+          <p:nvPr>
+            <p:ph type="sldNum" sz="quarter" idx="5"/>
+          </p:nvPr>
+        </p:nvSpPr>
+        <p:spPr>
+          <a:xfrm>
+            <a:off x="3884613" y="8685213"/>
+            <a:ext cx="2971800" cy="458787"/>
+          </a:xfrm>
+          <a:prstGeom prst="rect">
+            <a:avLst/>
+          </a:prstGeom>
+        </p:spPr>
+        <p:txBody>
+          <a:bodyPr vert="horz" lIns="91440" tIns="45720" rIns="91440" bIns="45720" rtlCol="0" anchor="b"/>
+          <a:lstStyle>
+            <a:lvl1pPr algn="r">
+              <a:defRPr sz="1200"/>
+            </a:lvl1pPr>
+          </a:lstStyle>
+          <a:p>
+            <a:fld id="{2392C61E-B012-4FBE-A281-EE11B83DE740}" type="slidenum">
+              <a:rPr lang="cs-CZ" smtClean="0"/>
+              <a:t>‹#›</a:t>
+            </a:fld>
+            <a:endParaRPr lang="cs-CZ"/>
+          </a:p>
+        </p:txBody>
+      </p:sp>
+    </p:spTree>
+    <p:extLst>
+      <p:ext uri="{BB962C8B-B14F-4D97-AF65-F5344CB8AC3E}">
+        <p14:creationId xmlns:p14="http://schemas.microsoft.com/office/powerpoint/2010/main" val="1620948051"/>
+      </p:ext>
+    </p:extLst>
+  </p:cSld>
+  <p:clrMap bg1="lt1" tx1="dk1" bg2="lt2" tx2="dk2" accent1="accent1" accent2="accent2" accent3="accent3" accent4="accent4" accent5="accent5" accent6="accent6" hlink="hlink" folHlink="folHlink"/>
+  <p:notesStyle>
+    <a:lvl1pPr marL="0" algn="l" defTabSz="914400" rtl="0" eaLnBrk="1" latinLnBrk="0" hangingPunct="1">
+      <a:defRPr sz="1200" kern="1200">
+        <a:solidFill>
+          <a:schemeClr val="tx1"/>
+        </a:solidFill>
+        <a:latin typeface="+mn-lt"/>
+        <a:ea typeface="+mn-ea"/>
+        <a:cs typeface="+mn-cs"/>
+      </a:defRPr>
+    </a:lvl1pPr>
+    <a:lvl2pPr marL="457200" algn="l" defTabSz="914400" rtl="0" eaLnBrk="1" latinLnBrk="0" hangingPunct="1">
+      <a:defRPr sz="1200" kern="1200">
+        <a:solidFill>
+          <a:schemeClr val="tx1"/>
+        </a:solidFill>
+        <a:latin typeface="+mn-lt"/>
+        <a:ea typeface="+mn-ea"/>
+        <a:cs typeface="+mn-cs"/>
+      </a:defRPr>
+    </a:lvl2pPr>
+    <a:lvl3pPr marL="914400" algn="l" defTabSz="914400" rtl="0" eaLnBrk="1" latinLnBrk="0" hangingPunct="1">
+      <a:defRPr sz="1200" kern="1200">
+        <a:solidFill>
+          <a:schemeClr val="tx1"/>
+        </a:solidFill>
+        <a:latin typeface="+mn-lt"/>
+        <a:ea typeface="+mn-ea"/>
+        <a:cs typeface="+mn-cs"/>
+      </a:defRPr>
+    </a:lvl3pPr>
+    <a:lvl4pPr marL="1371600" algn="l" defTabSz="914400" rtl="0" eaLnBrk="1" latinLnBrk="0" hangingPunct="1">
+      <a:defRPr sz="1200" kern="1200">
+        <a:solidFill>
+          <a:schemeClr val="tx1"/>
+        </a:solidFill>
+        <a:latin typeface="+mn-lt"/>
+        <a:ea typeface="+mn-ea"/>
+        <a:cs typeface="+mn-cs"/>
+      </a:defRPr>
+    </a:lvl4pPr>
+    <a:lvl5pPr marL="1828800" algn="l" defTabSz="914400" rtl="0" eaLnBrk="1" latinLnBrk="0" hangingPunct="1">
+      <a:defRPr sz="1200" kern="1200">
+        <a:solidFill>
+          <a:schemeClr val="tx1"/>
+        </a:solidFill>
+        <a:latin typeface="+mn-lt"/>
+        <a:ea typeface="+mn-ea"/>
+        <a:cs typeface="+mn-cs"/>
+      </a:defRPr>
+    </a:lvl5pPr>
+    <a:lvl6pPr marL="2286000" algn="l" defTabSz="914400" rtl="0" eaLnBrk="1" latinLnBrk="0" hangingPunct="1">
+      <a:defRPr sz="1200" kern="1200">
+        <a:solidFill>
+          <a:schemeClr val="tx1"/>
+        </a:solidFill>
+        <a:latin typeface="+mn-lt"/>
+        <a:ea typeface="+mn-ea"/>
+        <a:cs typeface="+mn-cs"/>
+      </a:defRPr>
+    </a:lvl6pPr>
+    <a:lvl7pPr marL="2743200" algn="l" defTabSz="914400" rtl="0" eaLnBrk="1" latinLnBrk="0" hangingPunct="1">
+      <a:defRPr sz="1200" kern="1200">
+        <a:solidFill>
+          <a:schemeClr val="tx1"/>
+        </a:solidFill>
+        <a:latin typeface="+mn-lt"/>
+        <a:ea typeface="+mn-ea"/>
+        <a:cs typeface="+mn-cs"/>
+      </a:defRPr>
+    </a:lvl7pPr>
+    <a:lvl8pPr marL="3200400" algn="l" defTabSz="914400" rtl="0" eaLnBrk="1" latinLnBrk="0" hangingPunct="1">
+      <a:defRPr sz="1200" kern="1200">
+        <a:solidFill>
+          <a:schemeClr val="tx1"/>
+        </a:solidFill>
+        <a:latin typeface="+mn-lt"/>
+        <a:ea typeface="+mn-ea"/>
+        <a:cs typeface="+mn-cs"/>
+      </a:defRPr>
+    </a:lvl8pPr>
+    <a:lvl9pPr marL="3657600" algn="l" defTabSz="914400" rtl="0" eaLnBrk="1" latinLnBrk="0" hangingPunct="1">
+      <a:defRPr sz="1200" kern="1200">
+        <a:solidFill>
+          <a:schemeClr val="tx1"/>
+        </a:solidFill>
+        <a:latin typeface="+mn-lt"/>
+        <a:ea typeface="+mn-ea"/>
+        <a:cs typeface="+mn-cs"/>
+      </a:defRPr>
+    </a:lvl9pPr>
+  </p:notesStyle>
+</p:notesMaster>
+</file>
+
+<file path=ppt/notesSlides/notesSlide1.xml><?xml version="1.0" encoding="utf-8"?>
+<p:notes xmlns:a="http://schemas.openxmlformats.org/drawingml/2006/main" xmlns:r="http://schemas.openxmlformats.org/officeDocument/2006/relationships" xmlns:p="http://schemas.openxmlformats.org/presentationml/2006/main">
+  <p:cSld>
+    <p:spTree>
+      <p:nvGrpSpPr>
+        <p:cNvPr id="1" name=""/>
+        <p:cNvGrpSpPr/>
+        <p:nvPr/>
+      </p:nvGrpSpPr>
+      <p:grpSpPr>
+        <a:xfrm>
+          <a:off x="0" y="0"/>
+          <a:ext cx="0" cy="0"/>
+          <a:chOff x="0" y="0"/>
+          <a:chExt cx="0" cy="0"/>
+        </a:xfrm>
+      </p:grpSpPr>
+      <p:sp>
+        <p:nvSpPr>
+          <p:cNvPr id="2" name="Zástupný symbol pro obrázek snímku 1"/>
+          <p:cNvSpPr>
+            <a:spLocks noGrp="1" noRot="1" noChangeAspect="1"/>
+          </p:cNvSpPr>
+          <p:nvPr>
+            <p:ph type="sldImg"/>
+          </p:nvPr>
+        </p:nvSpPr>
+        <p:spPr/>
+      </p:sp>
+      <p:sp>
+        <p:nvSpPr>
+          <p:cNvPr id="3" name="Zástupný symbol pro poznámky 2"/>
+          <p:cNvSpPr>
+            <a:spLocks noGrp="1"/>
+          </p:cNvSpPr>
+          <p:nvPr>
+            <p:ph type="body" idx="1"/>
+          </p:nvPr>
+        </p:nvSpPr>
+        <p:spPr/>
+        <p:txBody>
+          <a:bodyPr/>
+          <a:lstStyle/>
+          <a:p>
+            <a:r>
+              <a:rPr lang="cs-CZ" dirty="0"/>
+              <a:t>Live cd= systém na </a:t>
+            </a:r>
+            <a:r>
+              <a:rPr lang="cs-CZ" dirty="0" err="1"/>
+              <a:t>bootovatelnem</a:t>
+            </a:r>
+            <a:r>
+              <a:rPr lang="cs-CZ" dirty="0"/>
+              <a:t> cd </a:t>
+            </a:r>
+            <a:r>
+              <a:rPr lang="cs-CZ" dirty="0" err="1"/>
+              <a:t>pricemz</a:t>
+            </a:r>
+            <a:r>
+              <a:rPr lang="cs-CZ" dirty="0"/>
+              <a:t> </a:t>
+            </a:r>
+            <a:r>
+              <a:rPr lang="cs-CZ" dirty="0" err="1"/>
+              <a:t>nemusi</a:t>
+            </a:r>
+            <a:r>
+              <a:rPr lang="cs-CZ" dirty="0"/>
+              <a:t> byt </a:t>
+            </a:r>
+            <a:r>
+              <a:rPr lang="cs-CZ" dirty="0" err="1"/>
+              <a:t>nainstalovany</a:t>
+            </a:r>
+            <a:r>
+              <a:rPr lang="cs-CZ" dirty="0"/>
+              <a:t> v </a:t>
+            </a:r>
+            <a:r>
+              <a:rPr lang="cs-CZ" dirty="0" err="1"/>
+              <a:t>pevne</a:t>
+            </a:r>
+            <a:r>
+              <a:rPr lang="cs-CZ" dirty="0"/>
+              <a:t> </a:t>
+            </a:r>
+            <a:r>
+              <a:rPr lang="cs-CZ" dirty="0" err="1"/>
+              <a:t>pameti</a:t>
+            </a:r>
+            <a:r>
+              <a:rPr lang="cs-CZ" dirty="0"/>
+              <a:t> </a:t>
+            </a:r>
+            <a:r>
+              <a:rPr lang="cs-CZ" dirty="0" err="1"/>
+              <a:t>pc</a:t>
+            </a:r>
+            <a:endParaRPr lang="cs-CZ" dirty="0"/>
+          </a:p>
+        </p:txBody>
+      </p:sp>
+      <p:sp>
+        <p:nvSpPr>
+          <p:cNvPr id="4" name="Zástupný symbol pro číslo snímku 3"/>
+          <p:cNvSpPr>
+            <a:spLocks noGrp="1"/>
+          </p:cNvSpPr>
+          <p:nvPr>
+            <p:ph type="sldNum" sz="quarter" idx="5"/>
+          </p:nvPr>
+        </p:nvSpPr>
+        <p:spPr/>
+        <p:txBody>
+          <a:bodyPr/>
+          <a:lstStyle/>
+          <a:p>
+            <a:fld id="{2392C61E-B012-4FBE-A281-EE11B83DE740}" type="slidenum">
+              <a:rPr lang="cs-CZ" smtClean="0"/>
+              <a:t>2</a:t>
+            </a:fld>
+            <a:endParaRPr lang="cs-CZ"/>
+          </a:p>
+        </p:txBody>
+      </p:sp>
+    </p:spTree>
+    <p:extLst>
+      <p:ext uri="{BB962C8B-B14F-4D97-AF65-F5344CB8AC3E}">
+        <p14:creationId xmlns:p14="http://schemas.microsoft.com/office/powerpoint/2010/main" val="393434436"/>
+      </p:ext>
+    </p:extLst>
+  </p:cSld>
+  <p:clrMapOvr>
+    <a:masterClrMapping/>
+  </p:clrMapOvr>
+</p:notes>
 </file>
 
 <file path=ppt/slideLayouts/slideLayout1.xml><?xml version="1.0" encoding="utf-8"?>
@@ -382,7 +879,7 @@
           <a:p>
             <a:fld id="{78ABE3C1-DBE1-495D-B57B-2849774B866A}" type="datetimeFigureOut">
               <a:rPr lang="en-US" dirty="0"/>
-              <a:t>1/6/2023</a:t>
+              <a:t>1/8/2023</a:t>
             </a:fld>
             <a:endParaRPr lang="en-US" dirty="0"/>
           </a:p>
@@ -791,7 +1288,7 @@
           <a:p>
             <a:fld id="{446C117F-5CCF-4837-BE5F-2B92066CAFAF}" type="datetimeFigureOut">
               <a:rPr lang="en-US" dirty="0"/>
-              <a:t>1/6/2023</a:t>
+              <a:t>1/8/2023</a:t>
             </a:fld>
             <a:endParaRPr lang="en-US" dirty="0"/>
           </a:p>
@@ -1122,7 +1619,7 @@
           <a:p>
             <a:fld id="{84EB90BD-B6CE-46B7-997F-7313B992CCDC}" type="datetimeFigureOut">
               <a:rPr lang="en-US" dirty="0"/>
-              <a:t>1/6/2023</a:t>
+              <a:t>1/8/2023</a:t>
             </a:fld>
             <a:endParaRPr lang="en-US" dirty="0"/>
           </a:p>
@@ -1522,7 +2019,7 @@
           <a:p>
             <a:fld id="{CDB9D11F-B188-461D-B23F-39381795C052}" type="datetimeFigureOut">
               <a:rPr lang="en-US" dirty="0"/>
-              <a:t>1/6/2023</a:t>
+              <a:t>1/8/2023</a:t>
             </a:fld>
             <a:endParaRPr lang="en-US" dirty="0"/>
           </a:p>
@@ -2085,7 +2582,7 @@
           <a:p>
             <a:fld id="{52E6D8D9-55A2-4063-B0F3-121F44549695}" type="datetimeFigureOut">
               <a:rPr lang="en-US" dirty="0"/>
-              <a:t>1/6/2023</a:t>
+              <a:t>1/8/2023</a:t>
             </a:fld>
             <a:endParaRPr lang="en-US" dirty="0"/>
           </a:p>
@@ -2761,7 +3258,7 @@
           <a:p>
             <a:fld id="{D4B24536-994D-4021-A283-9F449C0DB509}" type="datetimeFigureOut">
               <a:rPr lang="en-US" dirty="0"/>
-              <a:t>1/6/2023</a:t>
+              <a:t>1/8/2023</a:t>
             </a:fld>
             <a:endParaRPr lang="en-US" dirty="0"/>
           </a:p>
@@ -3669,7 +4166,7 @@
           <a:p>
             <a:fld id="{3CBBBB78-C96F-47B7-AB17-D852CA960AC9}" type="datetimeFigureOut">
               <a:rPr lang="en-US" dirty="0"/>
-              <a:t>1/6/2023</a:t>
+              <a:t>1/8/2023</a:t>
             </a:fld>
             <a:endParaRPr lang="en-US" dirty="0"/>
           </a:p>
@@ -3977,7 +4474,7 @@
           <a:p>
             <a:fld id="{1FA3F48C-C7C6-4055-9F49-3777875E72AE}" type="datetimeFigureOut">
               <a:rPr lang="en-US" dirty="0"/>
-              <a:t>1/6/2023</a:t>
+              <a:t>1/8/2023</a:t>
             </a:fld>
             <a:endParaRPr lang="en-US" dirty="0"/>
           </a:p>
@@ -4236,7 +4733,7 @@
           <a:p>
             <a:fld id="{6178E61D-D431-422C-9764-11DAFE33AB63}" type="datetimeFigureOut">
               <a:rPr lang="en-US" dirty="0"/>
-              <a:t>1/6/2023</a:t>
+              <a:t>1/8/2023</a:t>
             </a:fld>
             <a:endParaRPr lang="en-US" dirty="0"/>
           </a:p>
@@ -4555,7 +5052,7 @@
           <a:p>
             <a:fld id="{12DE42F4-6EEF-4EF7-8ED4-2208F0F89A08}" type="datetimeFigureOut">
               <a:rPr lang="en-US" dirty="0"/>
-              <a:t>1/6/2023</a:t>
+              <a:t>1/8/2023</a:t>
             </a:fld>
             <a:endParaRPr lang="en-US" dirty="0"/>
           </a:p>
@@ -4939,7 +5436,7 @@
           <a:p>
             <a:fld id="{30578ACC-22D6-47C1-A373-4FD133E34F3C}" type="datetimeFigureOut">
               <a:rPr lang="en-US" dirty="0"/>
-              <a:t>1/6/2023</a:t>
+              <a:t>1/8/2023</a:t>
             </a:fld>
             <a:endParaRPr lang="en-US" dirty="0"/>
           </a:p>
@@ -5310,7 +5807,7 @@
           <a:p>
             <a:fld id="{4E5A6C69-6797-4E8A-BF37-F2C3751466E9}" type="datetimeFigureOut">
               <a:rPr lang="en-US" dirty="0"/>
-              <a:t>1/6/2023</a:t>
+              <a:t>1/8/2023</a:t>
             </a:fld>
             <a:endParaRPr lang="en-US" dirty="0"/>
           </a:p>
@@ -5811,7 +6308,7 @@
           <a:p>
             <a:fld id="{D82014A1-A632-4878-A0D3-F52BA7563730}" type="datetimeFigureOut">
               <a:rPr lang="en-US" dirty="0"/>
-              <a:t>1/6/2023</a:t>
+              <a:t>1/8/2023</a:t>
             </a:fld>
             <a:endParaRPr lang="en-US" dirty="0"/>
           </a:p>
@@ -6063,7 +6560,7 @@
           <a:p>
             <a:fld id="{CE99F462-093F-4566-844B-4C71F2739DA5}" type="datetimeFigureOut">
               <a:rPr lang="en-US" dirty="0"/>
-              <a:t>1/6/2023</a:t>
+              <a:t>1/8/2023</a:t>
             </a:fld>
             <a:endParaRPr lang="en-US" dirty="0"/>
           </a:p>
@@ -6221,7 +6718,7 @@
           <a:p>
             <a:fld id="{3D24A7AC-904D-4781-85BA-7D10C17ED021}" type="datetimeFigureOut">
               <a:rPr lang="en-US" dirty="0"/>
-              <a:t>1/6/2023</a:t>
+              <a:t>1/8/2023</a:t>
             </a:fld>
             <a:endParaRPr lang="en-US" dirty="0"/>
           </a:p>
@@ -6606,7 +7103,7 @@
           <a:p>
             <a:fld id="{E331444B-B92B-4E27-8C94-BB93EAF5CB18}" type="datetimeFigureOut">
               <a:rPr lang="en-US" dirty="0"/>
-              <a:t>1/6/2023</a:t>
+              <a:t>1/8/2023</a:t>
             </a:fld>
             <a:endParaRPr lang="en-US" dirty="0"/>
           </a:p>
@@ -7010,7 +7507,7 @@
           <a:p>
             <a:fld id="{363EFA5E-FA76-400D-B3DC-F0BA90E6D107}" type="datetimeFigureOut">
               <a:rPr lang="en-US" dirty="0"/>
-              <a:t>1/6/2023</a:t>
+              <a:t>1/8/2023</a:t>
             </a:fld>
             <a:endParaRPr lang="en-US" dirty="0"/>
           </a:p>
@@ -7249,7 +7746,7 @@
           <a:p>
             <a:fld id="{9D6E9DEC-419B-4CC5-A080-3B06BD5A8291}" type="datetimeFigureOut">
               <a:rPr lang="en-US" dirty="0"/>
-              <a:t>1/6/2023</a:t>
+              <a:t>1/8/2023</a:t>
             </a:fld>
             <a:endParaRPr lang="en-US" dirty="0"/>
           </a:p>
@@ -7750,7 +8247,7 @@
           <p:cNvPr id="2" name="Nadpis 1">
             <a:extLst>
               <a:ext uri="{FF2B5EF4-FFF2-40B4-BE49-F238E27FC236}">
-                <a16:creationId xmlns:a16="http://schemas.microsoft.com/office/drawing/2014/main" id="{47D40E70-5B14-63B3-0C90-6234FCC83763}"/>
+                <a16:creationId xmlns:a16="http://schemas.microsoft.com/office/drawing/2014/main" id="{55795A42-F7B4-A092-815F-5318135A8BFD}"/>
               </a:ext>
             </a:extLst>
           </p:cNvPr>
@@ -7766,7 +8263,10 @@
           <a:bodyPr/>
           <a:lstStyle/>
           <a:p>
-            <a:endParaRPr lang="cs-CZ"/>
+            <a:r>
+              <a:rPr lang="cs-CZ" dirty="0"/>
+              <a:t>Co je to Linux?</a:t>
+            </a:r>
           </a:p>
         </p:txBody>
       </p:sp>
@@ -7775,7 +8275,7 @@
           <p:cNvPr id="3" name="Zástupný obsah 2">
             <a:extLst>
               <a:ext uri="{FF2B5EF4-FFF2-40B4-BE49-F238E27FC236}">
-                <a16:creationId xmlns:a16="http://schemas.microsoft.com/office/drawing/2014/main" id="{3ABA06E8-820D-66B8-73C6-2E258F155EE7}"/>
+                <a16:creationId xmlns:a16="http://schemas.microsoft.com/office/drawing/2014/main" id="{A9CDE3B4-18E1-0B96-A275-46DA21F1C954}"/>
               </a:ext>
             </a:extLst>
           </p:cNvPr>
@@ -7792,17 +8292,142 @@
           <a:lstStyle/>
           <a:p>
             <a:r>
-              <a:rPr lang="cs-CZ" dirty="0" err="1"/>
-              <a:t>rdfsdf</a:t>
-            </a:r>
-            <a:endParaRPr lang="cs-CZ" dirty="0"/>
+              <a:rPr lang="cs-CZ" i="0" dirty="0">
+                <a:solidFill>
+                  <a:schemeClr val="bg1"/>
+                </a:solidFill>
+                <a:effectLst/>
+                <a:latin typeface="Arial" panose="020B0604020202020204" pitchFamily="34" charset="0"/>
+              </a:rPr>
+              <a:t>Linux je označení pro </a:t>
+            </a:r>
+            <a:r>
+              <a:rPr lang="cs-CZ" dirty="0">
+                <a:solidFill>
+                  <a:schemeClr val="bg1"/>
+                </a:solidFill>
+                <a:latin typeface="Arial" panose="020B0604020202020204" pitchFamily="34" charset="0"/>
+              </a:rPr>
+              <a:t>svobodný</a:t>
+            </a:r>
+            <a:r>
+              <a:rPr lang="cs-CZ" i="0" dirty="0">
+                <a:solidFill>
+                  <a:schemeClr val="bg1"/>
+                </a:solidFill>
+                <a:effectLst/>
+                <a:latin typeface="Arial" panose="020B0604020202020204" pitchFamily="34" charset="0"/>
+              </a:rPr>
+              <a:t> a </a:t>
+            </a:r>
+            <a:r>
+              <a:rPr lang="cs-CZ" dirty="0">
+                <a:solidFill>
+                  <a:schemeClr val="bg1"/>
+                </a:solidFill>
+                <a:latin typeface="Arial" panose="020B0604020202020204" pitchFamily="34" charset="0"/>
+              </a:rPr>
+              <a:t>otevřený</a:t>
+            </a:r>
+            <a:r>
+              <a:rPr lang="cs-CZ" i="0" dirty="0">
+                <a:solidFill>
+                  <a:schemeClr val="bg1"/>
+                </a:solidFill>
+                <a:effectLst/>
+                <a:latin typeface="Arial" panose="020B0604020202020204" pitchFamily="34" charset="0"/>
+              </a:rPr>
+              <a:t> počítačový </a:t>
+            </a:r>
+            <a:r>
+              <a:rPr lang="cs-CZ" dirty="0">
+                <a:solidFill>
+                  <a:schemeClr val="bg1"/>
+                </a:solidFill>
+                <a:latin typeface="Arial" panose="020B0604020202020204" pitchFamily="34" charset="0"/>
+              </a:rPr>
+              <a:t>operační systém</a:t>
+            </a:r>
+            <a:r>
+              <a:rPr lang="cs-CZ" i="0" dirty="0">
+                <a:solidFill>
+                  <a:schemeClr val="bg1"/>
+                </a:solidFill>
+                <a:effectLst/>
+                <a:latin typeface="Arial" panose="020B0604020202020204" pitchFamily="34" charset="0"/>
+              </a:rPr>
+              <a:t>, který je založený na </a:t>
+            </a:r>
+            <a:r>
+              <a:rPr lang="cs-CZ" dirty="0">
+                <a:solidFill>
+                  <a:schemeClr val="bg1"/>
+                </a:solidFill>
+                <a:latin typeface="Arial" panose="020B0604020202020204" pitchFamily="34" charset="0"/>
+              </a:rPr>
+              <a:t>linuxovém jádru</a:t>
+            </a:r>
+            <a:r>
+              <a:rPr lang="cs-CZ" i="0" dirty="0">
+                <a:solidFill>
+                  <a:schemeClr val="bg1"/>
+                </a:solidFill>
+                <a:effectLst/>
+                <a:latin typeface="Arial" panose="020B0604020202020204" pitchFamily="34" charset="0"/>
+              </a:rPr>
+              <a:t>. </a:t>
+            </a:r>
+            <a:r>
+              <a:rPr lang="cs-CZ" b="0" i="0" dirty="0">
+                <a:solidFill>
+                  <a:schemeClr val="bg1"/>
+                </a:solidFill>
+                <a:effectLst/>
+                <a:latin typeface="Arial" panose="020B0604020202020204" pitchFamily="34" charset="0"/>
+              </a:rPr>
+              <a:t>Linuxové systémy jsou šířeny v podobě distribucí, které je možné </a:t>
+            </a:r>
+            <a:r>
+              <a:rPr lang="cs-CZ" dirty="0">
+                <a:solidFill>
+                  <a:schemeClr val="bg1"/>
+                </a:solidFill>
+                <a:latin typeface="Arial" panose="020B0604020202020204" pitchFamily="34" charset="0"/>
+              </a:rPr>
+              <a:t>nainstalovat</a:t>
+            </a:r>
+            <a:r>
+              <a:rPr lang="cs-CZ" b="0" i="0" dirty="0">
+                <a:solidFill>
+                  <a:schemeClr val="bg1"/>
+                </a:solidFill>
+                <a:effectLst/>
+                <a:latin typeface="Arial" panose="020B0604020202020204" pitchFamily="34" charset="0"/>
+              </a:rPr>
+              <a:t> nebo používat bez instalace (live </a:t>
+            </a:r>
+            <a:r>
+              <a:rPr lang="cs-CZ" b="0" i="0">
+                <a:solidFill>
+                  <a:schemeClr val="bg1"/>
+                </a:solidFill>
+                <a:effectLst/>
+                <a:latin typeface="Arial" panose="020B0604020202020204" pitchFamily="34" charset="0"/>
+              </a:rPr>
+              <a:t>cd) https://cs.wikipedia.org/wiki/Linux</a:t>
+            </a:r>
+            <a:endParaRPr lang="cs-CZ" dirty="0">
+              <a:solidFill>
+                <a:schemeClr val="bg1"/>
+              </a:solidFill>
+            </a:endParaRPr>
           </a:p>
         </p:txBody>
       </p:sp>
     </p:spTree>
     <p:extLst>
       <p:ext uri="{BB962C8B-B14F-4D97-AF65-F5344CB8AC3E}">
-        <p14:creationId xmlns:p14="http://schemas.microsoft.com/office/powerpoint/2010/main" val="1615189238"/>
+        <p14:creationId xmlns:p14="http://schemas.microsoft.com/office/powerpoint/2010/main" val="1185456066"/>
       </p:ext>
     </p:extLst>
   </p:cSld>
@@ -8064,4 +8689,299 @@
     </a:ext>
   </a:extLst>
 </a:theme>
+</file>
+
+<file path=ppt/theme/theme2.xml><?xml version="1.0" encoding="utf-8"?>
+<a:theme xmlns:a="http://schemas.openxmlformats.org/drawingml/2006/main" name="Motiv Office">
+  <a:themeElements>
+    <a:clrScheme name="Office">
+      <a:dk1>
+        <a:sysClr val="windowText" lastClr="000000"/>
+      </a:dk1>
+      <a:lt1>
+        <a:sysClr val="window" lastClr="FFFFFF"/>
+      </a:lt1>
+      <a:dk2>
+        <a:srgbClr val="44546A"/>
+      </a:dk2>
+      <a:lt2>
+        <a:srgbClr val="E7E6E6"/>
+      </a:lt2>
+      <a:accent1>
+        <a:srgbClr val="4472C4"/>
+      </a:accent1>
+      <a:accent2>
+        <a:srgbClr val="ED7D31"/>
+      </a:accent2>
+      <a:accent3>
+        <a:srgbClr val="A5A5A5"/>
+      </a:accent3>
+      <a:accent4>
+        <a:srgbClr val="FFC000"/>
+      </a:accent4>
+      <a:accent5>
+        <a:srgbClr val="5B9BD5"/>
+      </a:accent5>
+      <a:accent6>
+        <a:srgbClr val="70AD47"/>
+      </a:accent6>
+      <a:hlink>
+        <a:srgbClr val="0563C1"/>
+      </a:hlink>
+      <a:folHlink>
+        <a:srgbClr val="954F72"/>
+      </a:folHlink>
+    </a:clrScheme>
+    <a:fontScheme name="Office">
+      <a:majorFont>
+        <a:latin typeface="Calibri Light" panose="020F0302020204030204"/>
+        <a:ea typeface=""/>
+        <a:cs typeface=""/>
+        <a:font script="Jpan" typeface="游ゴシック Light"/>
+        <a:font script="Hang" typeface="맑은 고딕"/>
+        <a:font script="Hans" typeface="等线 Light"/>
+        <a:font script="Hant" typeface="新細明體"/>
+        <a:font script="Arab" typeface="Times New Roman"/>
+        <a:font script="Hebr" typeface="Times New Roman"/>
+        <a:font script="Thai" typeface="Angsana New"/>
+        <a:font script="Ethi" typeface="Nyala"/>
+        <a:font script="Beng" typeface="Vrinda"/>
+        <a:font script="Gujr" typeface="Shruti"/>
+        <a:font script="Khmr" typeface="MoolBoran"/>
+        <a:font script="Knda" typeface="Tunga"/>
+        <a:font script="Guru" typeface="Raavi"/>
+        <a:font script="Cans" typeface="Euphemia"/>
+        <a:font script="Cher" typeface="Plantagenet Cherokee"/>
+        <a:font script="Yiii" typeface="Microsoft Yi Baiti"/>
+        <a:font script="Tibt" typeface="Microsoft Himalaya"/>
+        <a:font script="Thaa" typeface="MV Boli"/>
+        <a:font script="Deva" typeface="Mangal"/>
+        <a:font script="Telu" typeface="Gautami"/>
+        <a:font script="Taml" typeface="Latha"/>
+        <a:font script="Syrc" typeface="Estrangelo Edessa"/>
+        <a:font script="Orya" typeface="Kalinga"/>
+        <a:font script="Mlym" typeface="Kartika"/>
+        <a:font script="Laoo" typeface="DokChampa"/>
+        <a:font script="Sinh" typeface="Iskoola Pota"/>
+        <a:font script="Mong" typeface="Mongolian Baiti"/>
+        <a:font script="Viet" typeface="Times New Roman"/>
+        <a:font script="Uigh" typeface="Microsoft Uighur"/>
+        <a:font script="Geor" typeface="Sylfaen"/>
+        <a:font script="Armn" typeface="Arial"/>
+        <a:font script="Bugi" typeface="Leelawadee UI"/>
+        <a:font script="Bopo" typeface="Microsoft JhengHei"/>
+        <a:font script="Java" typeface="Javanese Text"/>
+        <a:font script="Lisu" typeface="Segoe UI"/>
+        <a:font script="Mymr" typeface="Myanmar Text"/>
+        <a:font script="Nkoo" typeface="Ebrima"/>
+        <a:font script="Olck" typeface="Nirmala UI"/>
+        <a:font script="Osma" typeface="Ebrima"/>
+        <a:font script="Phag" typeface="Phagspa"/>
+        <a:font script="Syrn" typeface="Estrangelo Edessa"/>
+        <a:font script="Syrj" typeface="Estrangelo Edessa"/>
+        <a:font script="Syre" typeface="Estrangelo Edessa"/>
+        <a:font script="Sora" typeface="Nirmala UI"/>
+        <a:font script="Tale" typeface="Microsoft Tai Le"/>
+        <a:font script="Talu" typeface="Microsoft New Tai Lue"/>
+        <a:font script="Tfng" typeface="Ebrima"/>
+      </a:majorFont>
+      <a:minorFont>
+        <a:latin typeface="Calibri" panose="020F0502020204030204"/>
+        <a:ea typeface=""/>
+        <a:cs typeface=""/>
+        <a:font script="Jpan" typeface="游ゴシック"/>
+        <a:font script="Hang" typeface="맑은 고딕"/>
+        <a:font script="Hans" typeface="等线"/>
+        <a:font script="Hant" typeface="新細明體"/>
+        <a:font script="Arab" typeface="Arial"/>
+        <a:font script="Hebr" typeface="Arial"/>
+        <a:font script="Thai" typeface="Cordia New"/>
+        <a:font script="Ethi" typeface="Nyala"/>
+        <a:font script="Beng" typeface="Vrinda"/>
+        <a:font script="Gujr" typeface="Shruti"/>
+        <a:font script="Khmr" typeface="DaunPenh"/>
+        <a:font script="Knda" typeface="Tunga"/>
+        <a:font script="Guru" typeface="Raavi"/>
+        <a:font script="Cans" typeface="Euphemia"/>
+        <a:font script="Cher" typeface="Plantagenet Cherokee"/>
+        <a:font script="Yiii" typeface="Microsoft Yi Baiti"/>
+        <a:font script="Tibt" typeface="Microsoft Himalaya"/>
+        <a:font script="Thaa" typeface="MV Boli"/>
+        <a:font script="Deva" typeface="Mangal"/>
+        <a:font script="Telu" typeface="Gautami"/>
+        <a:font script="Taml" typeface="Latha"/>
+        <a:font script="Syrc" typeface="Estrangelo Edessa"/>
+        <a:font script="Orya" typeface="Kalinga"/>
+        <a:font script="Mlym" typeface="Kartika"/>
+        <a:font script="Laoo" typeface="DokChampa"/>
+        <a:font script="Sinh" typeface="Iskoola Pota"/>
+        <a:font script="Mong" typeface="Mongolian Baiti"/>
+        <a:font script="Viet" typeface="Arial"/>
+        <a:font script="Uigh" typeface="Microsoft Uighur"/>
+        <a:font script="Geor" typeface="Sylfaen"/>
+        <a:font script="Armn" typeface="Arial"/>
+        <a:font script="Bugi" typeface="Leelawadee UI"/>
+        <a:font script="Bopo" typeface="Microsoft JhengHei"/>
+        <a:font script="Java" typeface="Javanese Text"/>
+        <a:font script="Lisu" typeface="Segoe UI"/>
+        <a:font script="Mymr" typeface="Myanmar Text"/>
+        <a:font script="Nkoo" typeface="Ebrima"/>
+        <a:font script="Olck" typeface="Nirmala UI"/>
+        <a:font script="Osma" typeface="Ebrima"/>
+        <a:font script="Phag" typeface="Phagspa"/>
+        <a:font script="Syrn" typeface="Estrangelo Edessa"/>
+        <a:font script="Syrj" typeface="Estrangelo Edessa"/>
+        <a:font script="Syre" typeface="Estrangelo Edessa"/>
+        <a:font script="Sora" typeface="Nirmala UI"/>
+        <a:font script="Tale" typeface="Microsoft Tai Le"/>
+        <a:font script="Talu" typeface="Microsoft New Tai Lue"/>
+        <a:font script="Tfng" typeface="Ebrima"/>
+      </a:minorFont>
+    </a:fontScheme>
+    <a:fmtScheme name="Office">
+      <a:fillStyleLst>
+        <a:solidFill>
+          <a:schemeClr val="phClr"/>
+        </a:solidFill>
+        <a:gradFill rotWithShape="1">
+          <a:gsLst>
+            <a:gs pos="0">
+              <a:schemeClr val="phClr">
+                <a:lumMod val="110000"/>
+                <a:satMod val="105000"/>
+                <a:tint val="67000"/>
+              </a:schemeClr>
+            </a:gs>
+            <a:gs pos="50000">
+              <a:schemeClr val="phClr">
+                <a:lumMod val="105000"/>
+                <a:satMod val="103000"/>
+                <a:tint val="73000"/>
+              </a:schemeClr>
+            </a:gs>
+            <a:gs pos="100000">
+              <a:schemeClr val="phClr">
+                <a:lumMod val="105000"/>
+                <a:satMod val="109000"/>
+                <a:tint val="81000"/>
+              </a:schemeClr>
+            </a:gs>
+          </a:gsLst>
+          <a:lin ang="5400000" scaled="0"/>
+        </a:gradFill>
+        <a:gradFill rotWithShape="1">
+          <a:gsLst>
+            <a:gs pos="0">
+              <a:schemeClr val="phClr">
+                <a:satMod val="103000"/>
+                <a:lumMod val="102000"/>
+                <a:tint val="94000"/>
+              </a:schemeClr>
+            </a:gs>
+            <a:gs pos="50000">
+              <a:schemeClr val="phClr">
+                <a:satMod val="110000"/>
+                <a:lumMod val="100000"/>
+                <a:shade val="100000"/>
+              </a:schemeClr>
+            </a:gs>
+            <a:gs pos="100000">
+              <a:schemeClr val="phClr">
+                <a:lumMod val="99000"/>
+                <a:satMod val="120000"/>
+                <a:shade val="78000"/>
+              </a:schemeClr>
+            </a:gs>
+          </a:gsLst>
+          <a:lin ang="5400000" scaled="0"/>
+        </a:gradFill>
+      </a:fillStyleLst>
+      <a:lnStyleLst>
+        <a:ln w="6350" cap="flat" cmpd="sng" algn="ctr">
+          <a:solidFill>
+            <a:schemeClr val="phClr"/>
+          </a:solidFill>
+          <a:prstDash val="solid"/>
+          <a:miter lim="800000"/>
+        </a:ln>
+        <a:ln w="12700" cap="flat" cmpd="sng" algn="ctr">
+          <a:solidFill>
+            <a:schemeClr val="phClr"/>
+          </a:solidFill>
+          <a:prstDash val="solid"/>
+          <a:miter lim="800000"/>
+        </a:ln>
+        <a:ln w="19050" cap="flat" cmpd="sng" algn="ctr">
+          <a:solidFill>
+            <a:schemeClr val="phClr"/>
+          </a:solidFill>
+          <a:prstDash val="solid"/>
+          <a:miter lim="800000"/>
+        </a:ln>
+      </a:lnStyleLst>
+      <a:effectStyleLst>
+        <a:effectStyle>
+          <a:effectLst/>
+        </a:effectStyle>
+        <a:effectStyle>
+          <a:effectLst/>
+        </a:effectStyle>
+        <a:effectStyle>
+          <a:effectLst>
+            <a:outerShdw blurRad="57150" dist="19050" dir="5400000" algn="ctr" rotWithShape="0">
+              <a:srgbClr val="000000">
+                <a:alpha val="63000"/>
+              </a:srgbClr>
+            </a:outerShdw>
+          </a:effectLst>
+        </a:effectStyle>
+      </a:effectStyleLst>
+      <a:bgFillStyleLst>
+        <a:solidFill>
+          <a:schemeClr val="phClr"/>
+        </a:solidFill>
+        <a:solidFill>
+          <a:schemeClr val="phClr">
+            <a:tint val="95000"/>
+            <a:satMod val="170000"/>
+          </a:schemeClr>
+        </a:solidFill>
+        <a:gradFill rotWithShape="1">
+          <a:gsLst>
+            <a:gs pos="0">
+              <a:schemeClr val="phClr">
+                <a:tint val="93000"/>
+                <a:satMod val="150000"/>
+                <a:shade val="98000"/>
+                <a:lumMod val="102000"/>
+              </a:schemeClr>
+            </a:gs>
+            <a:gs pos="50000">
+              <a:schemeClr val="phClr">
+                <a:tint val="98000"/>
+                <a:satMod val="130000"/>
+                <a:shade val="90000"/>
+                <a:lumMod val="103000"/>
+              </a:schemeClr>
+            </a:gs>
+            <a:gs pos="100000">
+              <a:schemeClr val="phClr">
+                <a:shade val="63000"/>
+                <a:satMod val="120000"/>
+              </a:schemeClr>
+            </a:gs>
+          </a:gsLst>
+          <a:lin ang="5400000" scaled="0"/>
+        </a:gradFill>
+      </a:bgFillStyleLst>
+    </a:fmtScheme>
+  </a:themeElements>
+  <a:objectDefaults/>
+  <a:extraClrSchemeLst/>
+  <a:extLst>
+    <a:ext uri="{05A4C25C-085E-4340-85A3-A5531E510DB2}">
+      <thm15:themeFamily xmlns:thm15="http://schemas.microsoft.com/office/thememl/2012/main" name="Office Theme" id="{62F939B6-93AF-4DB8-9C6B-D6C7DFDC589F}" vid="{4A3C46E8-61CC-4603-A589-7422A47A8E4A}"/>
+    </a:ext>
+  </a:extLst>
+</a:theme>
 </file>
--- a/Linux.pptx
+++ b/Linux.pptx
@@ -5,11 +5,13 @@
     <p:sldMasterId id="2147483648" r:id="rId1"/>
   </p:sldMasterIdLst>
   <p:notesMasterIdLst>
-    <p:notesMasterId r:id="rId4"/>
+    <p:notesMasterId r:id="rId6"/>
   </p:notesMasterIdLst>
   <p:sldIdLst>
     <p:sldId id="256" r:id="rId2"/>
     <p:sldId id="257" r:id="rId3"/>
+    <p:sldId id="258" r:id="rId4"/>
+    <p:sldId id="259" r:id="rId5"/>
   </p:sldIdLst>
   <p:sldSz cx="12192000" cy="6858000"/>
   <p:notesSz cx="6858000" cy="9144000"/>
@@ -198,7 +200,7 @@
           <a:p>
             <a:fld id="{A2CB6FA3-EA73-4C76-9A50-C350990F3718}" type="datetimeFigureOut">
               <a:rPr lang="cs-CZ" smtClean="0"/>
-              <a:t>08.01.2023</a:t>
+              <a:t>12.01.2023</a:t>
             </a:fld>
             <a:endParaRPr lang="cs-CZ"/>
           </a:p>
@@ -879,7 +881,7 @@
           <a:p>
             <a:fld id="{78ABE3C1-DBE1-495D-B57B-2849774B866A}" type="datetimeFigureOut">
               <a:rPr lang="en-US" dirty="0"/>
-              <a:t>1/8/2023</a:t>
+              <a:t>1/12/2023</a:t>
             </a:fld>
             <a:endParaRPr lang="en-US" dirty="0"/>
           </a:p>
@@ -1288,7 +1290,7 @@
           <a:p>
             <a:fld id="{446C117F-5CCF-4837-BE5F-2B92066CAFAF}" type="datetimeFigureOut">
               <a:rPr lang="en-US" dirty="0"/>
-              <a:t>1/8/2023</a:t>
+              <a:t>1/12/2023</a:t>
             </a:fld>
             <a:endParaRPr lang="en-US" dirty="0"/>
           </a:p>
@@ -1619,7 +1621,7 @@
           <a:p>
             <a:fld id="{84EB90BD-B6CE-46B7-997F-7313B992CCDC}" type="datetimeFigureOut">
               <a:rPr lang="en-US" dirty="0"/>
-              <a:t>1/8/2023</a:t>
+              <a:t>1/12/2023</a:t>
             </a:fld>
             <a:endParaRPr lang="en-US" dirty="0"/>
           </a:p>
@@ -2019,7 +2021,7 @@
           <a:p>
             <a:fld id="{CDB9D11F-B188-461D-B23F-39381795C052}" type="datetimeFigureOut">
               <a:rPr lang="en-US" dirty="0"/>
-              <a:t>1/8/2023</a:t>
+              <a:t>1/12/2023</a:t>
             </a:fld>
             <a:endParaRPr lang="en-US" dirty="0"/>
           </a:p>
@@ -2582,7 +2584,7 @@
           <a:p>
             <a:fld id="{52E6D8D9-55A2-4063-B0F3-121F44549695}" type="datetimeFigureOut">
               <a:rPr lang="en-US" dirty="0"/>
-              <a:t>1/8/2023</a:t>
+              <a:t>1/12/2023</a:t>
             </a:fld>
             <a:endParaRPr lang="en-US" dirty="0"/>
           </a:p>
@@ -3258,7 +3260,7 @@
           <a:p>
             <a:fld id="{D4B24536-994D-4021-A283-9F449C0DB509}" type="datetimeFigureOut">
               <a:rPr lang="en-US" dirty="0"/>
-              <a:t>1/8/2023</a:t>
+              <a:t>1/12/2023</a:t>
             </a:fld>
             <a:endParaRPr lang="en-US" dirty="0"/>
           </a:p>
@@ -4166,7 +4168,7 @@
           <a:p>
             <a:fld id="{3CBBBB78-C96F-47B7-AB17-D852CA960AC9}" type="datetimeFigureOut">
               <a:rPr lang="en-US" dirty="0"/>
-              <a:t>1/8/2023</a:t>
+              <a:t>1/12/2023</a:t>
             </a:fld>
             <a:endParaRPr lang="en-US" dirty="0"/>
           </a:p>
@@ -4474,7 +4476,7 @@
           <a:p>
             <a:fld id="{1FA3F48C-C7C6-4055-9F49-3777875E72AE}" type="datetimeFigureOut">
               <a:rPr lang="en-US" dirty="0"/>
-              <a:t>1/8/2023</a:t>
+              <a:t>1/12/2023</a:t>
             </a:fld>
             <a:endParaRPr lang="en-US" dirty="0"/>
           </a:p>
@@ -4733,7 +4735,7 @@
           <a:p>
             <a:fld id="{6178E61D-D431-422C-9764-11DAFE33AB63}" type="datetimeFigureOut">
               <a:rPr lang="en-US" dirty="0"/>
-              <a:t>1/8/2023</a:t>
+              <a:t>1/12/2023</a:t>
             </a:fld>
             <a:endParaRPr lang="en-US" dirty="0"/>
           </a:p>
@@ -5052,7 +5054,7 @@
           <a:p>
             <a:fld id="{12DE42F4-6EEF-4EF7-8ED4-2208F0F89A08}" type="datetimeFigureOut">
               <a:rPr lang="en-US" dirty="0"/>
-              <a:t>1/8/2023</a:t>
+              <a:t>1/12/2023</a:t>
             </a:fld>
             <a:endParaRPr lang="en-US" dirty="0"/>
           </a:p>
@@ -5436,7 +5438,7 @@
           <a:p>
             <a:fld id="{30578ACC-22D6-47C1-A373-4FD133E34F3C}" type="datetimeFigureOut">
               <a:rPr lang="en-US" dirty="0"/>
-              <a:t>1/8/2023</a:t>
+              <a:t>1/12/2023</a:t>
             </a:fld>
             <a:endParaRPr lang="en-US" dirty="0"/>
           </a:p>
@@ -5807,7 +5809,7 @@
           <a:p>
             <a:fld id="{4E5A6C69-6797-4E8A-BF37-F2C3751466E9}" type="datetimeFigureOut">
               <a:rPr lang="en-US" dirty="0"/>
-              <a:t>1/8/2023</a:t>
+              <a:t>1/12/2023</a:t>
             </a:fld>
             <a:endParaRPr lang="en-US" dirty="0"/>
           </a:p>
@@ -6308,7 +6310,7 @@
           <a:p>
             <a:fld id="{D82014A1-A632-4878-A0D3-F52BA7563730}" type="datetimeFigureOut">
               <a:rPr lang="en-US" dirty="0"/>
-              <a:t>1/8/2023</a:t>
+              <a:t>1/12/2023</a:t>
             </a:fld>
             <a:endParaRPr lang="en-US" dirty="0"/>
           </a:p>
@@ -6560,7 +6562,7 @@
           <a:p>
             <a:fld id="{CE99F462-093F-4566-844B-4C71F2739DA5}" type="datetimeFigureOut">
               <a:rPr lang="en-US" dirty="0"/>
-              <a:t>1/8/2023</a:t>
+              <a:t>1/12/2023</a:t>
             </a:fld>
             <a:endParaRPr lang="en-US" dirty="0"/>
           </a:p>
@@ -6718,7 +6720,7 @@
           <a:p>
             <a:fld id="{3D24A7AC-904D-4781-85BA-7D10C17ED021}" type="datetimeFigureOut">
               <a:rPr lang="en-US" dirty="0"/>
-              <a:t>1/8/2023</a:t>
+              <a:t>1/12/2023</a:t>
             </a:fld>
             <a:endParaRPr lang="en-US" dirty="0"/>
           </a:p>
@@ -7103,7 +7105,7 @@
           <a:p>
             <a:fld id="{E331444B-B92B-4E27-8C94-BB93EAF5CB18}" type="datetimeFigureOut">
               <a:rPr lang="en-US" dirty="0"/>
-              <a:t>1/8/2023</a:t>
+              <a:t>1/12/2023</a:t>
             </a:fld>
             <a:endParaRPr lang="en-US" dirty="0"/>
           </a:p>
@@ -7507,7 +7509,7 @@
           <a:p>
             <a:fld id="{363EFA5E-FA76-400D-B3DC-F0BA90E6D107}" type="datetimeFigureOut">
               <a:rPr lang="en-US" dirty="0"/>
-              <a:t>1/8/2023</a:t>
+              <a:t>1/12/2023</a:t>
             </a:fld>
             <a:endParaRPr lang="en-US" dirty="0"/>
           </a:p>
@@ -7746,7 +7748,7 @@
           <a:p>
             <a:fld id="{9D6E9DEC-419B-4CC5-A080-3B06BD5A8291}" type="datetimeFigureOut">
               <a:rPr lang="en-US" dirty="0"/>
-              <a:t>1/8/2023</a:t>
+              <a:t>1/12/2023</a:t>
             </a:fld>
             <a:endParaRPr lang="en-US" dirty="0"/>
           </a:p>
@@ -8404,30 +8406,288 @@
                 <a:effectLst/>
                 <a:latin typeface="Arial" panose="020B0604020202020204" pitchFamily="34" charset="0"/>
               </a:rPr>
-              <a:t> nebo používat bez instalace (live </a:t>
-            </a:r>
-            <a:r>
-              <a:rPr lang="cs-CZ" b="0" i="0">
+              <a:t> nebo používat bez instalace (live cd) https://cs.wikipedia.org/wiki/Linux</a:t>
+            </a:r>
+            <a:endParaRPr lang="cs-CZ" dirty="0">
+              <a:solidFill>
+                <a:schemeClr val="bg1"/>
+              </a:solidFill>
+            </a:endParaRPr>
+          </a:p>
+        </p:txBody>
+      </p:sp>
+    </p:spTree>
+    <p:extLst>
+      <p:ext uri="{BB962C8B-B14F-4D97-AF65-F5344CB8AC3E}">
+        <p14:creationId xmlns:p14="http://schemas.microsoft.com/office/powerpoint/2010/main" val="1185456066"/>
+      </p:ext>
+    </p:extLst>
+  </p:cSld>
+  <p:clrMapOvr>
+    <a:masterClrMapping/>
+  </p:clrMapOvr>
+</p:sld>
+</file>
+
+<file path=ppt/slides/slide3.xml><?xml version="1.0" encoding="utf-8"?>
+<p:sld xmlns:a="http://schemas.openxmlformats.org/drawingml/2006/main" xmlns:r="http://schemas.openxmlformats.org/officeDocument/2006/relationships" xmlns:p="http://schemas.openxmlformats.org/presentationml/2006/main">
+  <p:cSld>
+    <p:spTree>
+      <p:nvGrpSpPr>
+        <p:cNvPr id="1" name=""/>
+        <p:cNvGrpSpPr/>
+        <p:nvPr/>
+      </p:nvGrpSpPr>
+      <p:grpSpPr>
+        <a:xfrm>
+          <a:off x="0" y="0"/>
+          <a:ext cx="0" cy="0"/>
+          <a:chOff x="0" y="0"/>
+          <a:chExt cx="0" cy="0"/>
+        </a:xfrm>
+      </p:grpSpPr>
+      <p:sp>
+        <p:nvSpPr>
+          <p:cNvPr id="2" name="Nadpis 1">
+            <a:extLst>
+              <a:ext uri="{FF2B5EF4-FFF2-40B4-BE49-F238E27FC236}">
+                <a16:creationId xmlns:a16="http://schemas.microsoft.com/office/drawing/2014/main" id="{E1940D4E-BEC9-4ADD-344D-0C2C930C7BA4}"/>
+              </a:ext>
+            </a:extLst>
+          </p:cNvPr>
+          <p:cNvSpPr>
+            <a:spLocks noGrp="1"/>
+          </p:cNvSpPr>
+          <p:nvPr>
+            <p:ph type="title"/>
+          </p:nvPr>
+        </p:nvSpPr>
+        <p:spPr/>
+        <p:txBody>
+          <a:bodyPr/>
+          <a:lstStyle/>
+          <a:p>
+            <a:r>
+              <a:rPr lang="cs-CZ" dirty="0"/>
+              <a:t>Čím se Linux odlišuje od jiných operačních systémů?</a:t>
+            </a:r>
+          </a:p>
+        </p:txBody>
+      </p:sp>
+      <p:sp>
+        <p:nvSpPr>
+          <p:cNvPr id="3" name="Zástupný obsah 2">
+            <a:extLst>
+              <a:ext uri="{FF2B5EF4-FFF2-40B4-BE49-F238E27FC236}">
+                <a16:creationId xmlns:a16="http://schemas.microsoft.com/office/drawing/2014/main" id="{1737F88F-17C9-4CD3-0226-4086265AFCA1}"/>
+              </a:ext>
+            </a:extLst>
+          </p:cNvPr>
+          <p:cNvSpPr>
+            <a:spLocks noGrp="1"/>
+          </p:cNvSpPr>
+          <p:nvPr>
+            <p:ph idx="1"/>
+          </p:nvPr>
+        </p:nvSpPr>
+        <p:spPr/>
+        <p:txBody>
+          <a:bodyPr/>
+          <a:lstStyle/>
+          <a:p>
+            <a:r>
+              <a:rPr lang="cs-CZ" dirty="0">
+                <a:solidFill>
+                  <a:schemeClr val="bg1"/>
+                </a:solidFill>
+              </a:rPr>
+              <a:t>Licence Linuxu </a:t>
+            </a:r>
+            <a:r>
+              <a:rPr lang="cs-CZ" i="0" dirty="0">
                 <a:solidFill>
                   <a:schemeClr val="bg1"/>
                 </a:solidFill>
                 <a:effectLst/>
                 <a:latin typeface="Arial" panose="020B0604020202020204" pitchFamily="34" charset="0"/>
               </a:rPr>
-              <a:t>cd) https://cs.wikipedia.org/wiki/Linux</a:t>
-            </a:r>
-            <a:endParaRPr lang="cs-CZ" dirty="0">
-              <a:solidFill>
-                <a:schemeClr val="bg1"/>
-              </a:solidFill>
-            </a:endParaRPr>
+              <a:t>umožňují systém zdarma a velmi volně používat, distribuovat (kopírovat, sdílet) i </a:t>
+            </a:r>
+            <a:r>
+              <a:rPr lang="cs-CZ" i="0" dirty="0" err="1">
+                <a:solidFill>
+                  <a:schemeClr val="bg1"/>
+                </a:solidFill>
+                <a:effectLst/>
+                <a:latin typeface="Arial" panose="020B0604020202020204" pitchFamily="34" charset="0"/>
+              </a:rPr>
+              <a:t>upravovat.Tím</a:t>
+            </a:r>
+            <a:r>
+              <a:rPr lang="cs-CZ" i="0" dirty="0">
+                <a:solidFill>
+                  <a:schemeClr val="bg1"/>
+                </a:solidFill>
+                <a:effectLst/>
+                <a:latin typeface="Arial" panose="020B0604020202020204" pitchFamily="34" charset="0"/>
+              </a:rPr>
+              <a:t> se odlišuje od systémů (např. </a:t>
+            </a:r>
+            <a:r>
+              <a:rPr lang="cs-CZ" dirty="0">
+                <a:solidFill>
+                  <a:schemeClr val="bg1"/>
+                </a:solidFill>
+                <a:latin typeface="Arial" panose="020B0604020202020204" pitchFamily="34" charset="0"/>
+              </a:rPr>
+              <a:t>Windows</a:t>
+            </a:r>
+            <a:r>
+              <a:rPr lang="cs-CZ" i="0" dirty="0">
+                <a:solidFill>
+                  <a:schemeClr val="bg1"/>
+                </a:solidFill>
+                <a:effectLst/>
+                <a:latin typeface="Arial" panose="020B0604020202020204" pitchFamily="34" charset="0"/>
+              </a:rPr>
+              <a:t> či </a:t>
+            </a:r>
+            <a:r>
+              <a:rPr lang="cs-CZ" dirty="0">
+                <a:solidFill>
+                  <a:schemeClr val="bg1"/>
+                </a:solidFill>
+                <a:latin typeface="Arial" panose="020B0604020202020204" pitchFamily="34" charset="0"/>
+              </a:rPr>
+              <a:t>macOS</a:t>
+            </a:r>
+            <a:r>
+              <a:rPr lang="cs-CZ" i="0" dirty="0">
+                <a:solidFill>
+                  <a:schemeClr val="bg1"/>
+                </a:solidFill>
+                <a:effectLst/>
+                <a:latin typeface="Arial" panose="020B0604020202020204" pitchFamily="34" charset="0"/>
+              </a:rPr>
+              <a:t>), za které je nutné platit a dodržovat omezující </a:t>
+            </a:r>
+            <a:r>
+              <a:rPr lang="cs-CZ" dirty="0">
+                <a:solidFill>
+                  <a:schemeClr val="bg1"/>
+                </a:solidFill>
+                <a:latin typeface="Arial" panose="020B0604020202020204" pitchFamily="34" charset="0"/>
+              </a:rPr>
+              <a:t>licence</a:t>
+            </a:r>
+            <a:r>
+              <a:rPr lang="cs-CZ" i="0" dirty="0">
+                <a:solidFill>
+                  <a:schemeClr val="bg1"/>
+                </a:solidFill>
+                <a:effectLst/>
+                <a:latin typeface="Arial" panose="020B0604020202020204" pitchFamily="34" charset="0"/>
+              </a:rPr>
+              <a:t>.</a:t>
+            </a:r>
+            <a:r>
+              <a:rPr lang="cs-CZ" dirty="0">
+                <a:solidFill>
+                  <a:schemeClr val="bg1"/>
+                </a:solidFill>
+              </a:rPr>
+              <a:t> </a:t>
+            </a:r>
           </a:p>
         </p:txBody>
       </p:sp>
     </p:spTree>
     <p:extLst>
       <p:ext uri="{BB962C8B-B14F-4D97-AF65-F5344CB8AC3E}">
-        <p14:creationId xmlns:p14="http://schemas.microsoft.com/office/powerpoint/2010/main" val="1185456066"/>
+        <p14:creationId xmlns:p14="http://schemas.microsoft.com/office/powerpoint/2010/main" val="2213426074"/>
+      </p:ext>
+    </p:extLst>
+  </p:cSld>
+  <p:clrMapOvr>
+    <a:masterClrMapping/>
+  </p:clrMapOvr>
+</p:sld>
+</file>
+
+<file path=ppt/slides/slide4.xml><?xml version="1.0" encoding="utf-8"?>
+<p:sld xmlns:a="http://schemas.openxmlformats.org/drawingml/2006/main" xmlns:r="http://schemas.openxmlformats.org/officeDocument/2006/relationships" xmlns:p="http://schemas.openxmlformats.org/presentationml/2006/main">
+  <p:cSld>
+    <p:spTree>
+      <p:nvGrpSpPr>
+        <p:cNvPr id="1" name=""/>
+        <p:cNvGrpSpPr/>
+        <p:nvPr/>
+      </p:nvGrpSpPr>
+      <p:grpSpPr>
+        <a:xfrm>
+          <a:off x="0" y="0"/>
+          <a:ext cx="0" cy="0"/>
+          <a:chOff x="0" y="0"/>
+          <a:chExt cx="0" cy="0"/>
+        </a:xfrm>
+      </p:grpSpPr>
+      <p:sp>
+        <p:nvSpPr>
+          <p:cNvPr id="2" name="Nadpis 1">
+            <a:extLst>
+              <a:ext uri="{FF2B5EF4-FFF2-40B4-BE49-F238E27FC236}">
+                <a16:creationId xmlns:a16="http://schemas.microsoft.com/office/drawing/2014/main" id="{AD0844C5-5CEE-2BD4-8168-41F468EF2B70}"/>
+              </a:ext>
+            </a:extLst>
+          </p:cNvPr>
+          <p:cNvSpPr>
+            <a:spLocks noGrp="1"/>
+          </p:cNvSpPr>
+          <p:nvPr>
+            <p:ph type="title"/>
+          </p:nvPr>
+        </p:nvSpPr>
+        <p:spPr/>
+        <p:txBody>
+          <a:bodyPr/>
+          <a:lstStyle/>
+          <a:p>
+            <a:r>
+              <a:rPr lang="cs-CZ" dirty="0"/>
+              <a:t>Historie</a:t>
+            </a:r>
+          </a:p>
+        </p:txBody>
+      </p:sp>
+      <p:sp>
+        <p:nvSpPr>
+          <p:cNvPr id="3" name="Zástupný obsah 2">
+            <a:extLst>
+              <a:ext uri="{FF2B5EF4-FFF2-40B4-BE49-F238E27FC236}">
+                <a16:creationId xmlns:a16="http://schemas.microsoft.com/office/drawing/2014/main" id="{502569D2-4299-B616-61BA-5E4D6E406A43}"/>
+              </a:ext>
+            </a:extLst>
+          </p:cNvPr>
+          <p:cNvSpPr>
+            <a:spLocks noGrp="1"/>
+          </p:cNvSpPr>
+          <p:nvPr>
+            <p:ph idx="1"/>
+          </p:nvPr>
+        </p:nvSpPr>
+        <p:spPr/>
+        <p:txBody>
+          <a:bodyPr/>
+          <a:lstStyle/>
+          <a:p>
+            <a:endParaRPr lang="cs-CZ"/>
+          </a:p>
+        </p:txBody>
+      </p:sp>
+    </p:spTree>
+    <p:extLst>
+      <p:ext uri="{BB962C8B-B14F-4D97-AF65-F5344CB8AC3E}">
+        <p14:creationId xmlns:p14="http://schemas.microsoft.com/office/powerpoint/2010/main" val="21305179"/>
       </p:ext>
     </p:extLst>
   </p:cSld>

--- a/Linux.pptx
+++ b/Linux.pptx
@@ -5,13 +5,14 @@
     <p:sldMasterId id="2147483648" r:id="rId1"/>
   </p:sldMasterIdLst>
   <p:notesMasterIdLst>
-    <p:notesMasterId r:id="rId6"/>
+    <p:notesMasterId r:id="rId7"/>
   </p:notesMasterIdLst>
   <p:sldIdLst>
     <p:sldId id="256" r:id="rId2"/>
     <p:sldId id="257" r:id="rId3"/>
     <p:sldId id="258" r:id="rId4"/>
     <p:sldId id="259" r:id="rId5"/>
+    <p:sldId id="260" r:id="rId6"/>
   </p:sldIdLst>
   <p:sldSz cx="12192000" cy="6858000"/>
   <p:notesSz cx="6858000" cy="9144000"/>
@@ -200,7 +201,7 @@
           <a:p>
             <a:fld id="{A2CB6FA3-EA73-4C76-9A50-C350990F3718}" type="datetimeFigureOut">
               <a:rPr lang="cs-CZ" smtClean="0"/>
-              <a:t>12.01.2023</a:t>
+              <a:t>13.01.2023</a:t>
             </a:fld>
             <a:endParaRPr lang="cs-CZ"/>
           </a:p>
@@ -607,6 +608,207 @@
 </p:notes>
 </file>
 
+<file path=ppt/notesSlides/notesSlide2.xml><?xml version="1.0" encoding="utf-8"?>
+<p:notes xmlns:a="http://schemas.openxmlformats.org/drawingml/2006/main" xmlns:r="http://schemas.openxmlformats.org/officeDocument/2006/relationships" xmlns:p="http://schemas.openxmlformats.org/presentationml/2006/main">
+  <p:cSld>
+    <p:spTree>
+      <p:nvGrpSpPr>
+        <p:cNvPr id="1" name=""/>
+        <p:cNvGrpSpPr/>
+        <p:nvPr/>
+      </p:nvGrpSpPr>
+      <p:grpSpPr>
+        <a:xfrm>
+          <a:off x="0" y="0"/>
+          <a:ext cx="0" cy="0"/>
+          <a:chOff x="0" y="0"/>
+          <a:chExt cx="0" cy="0"/>
+        </a:xfrm>
+      </p:grpSpPr>
+      <p:sp>
+        <p:nvSpPr>
+          <p:cNvPr id="2" name="Zástupný symbol pro obrázek snímku 1"/>
+          <p:cNvSpPr>
+            <a:spLocks noGrp="1" noRot="1" noChangeAspect="1"/>
+          </p:cNvSpPr>
+          <p:nvPr>
+            <p:ph type="sldImg"/>
+          </p:nvPr>
+        </p:nvSpPr>
+        <p:spPr/>
+      </p:sp>
+      <p:sp>
+        <p:nvSpPr>
+          <p:cNvPr id="3" name="Zástupný symbol pro poznámky 2"/>
+          <p:cNvSpPr>
+            <a:spLocks noGrp="1"/>
+          </p:cNvSpPr>
+          <p:nvPr>
+            <p:ph type="body" idx="1"/>
+          </p:nvPr>
+        </p:nvSpPr>
+        <p:spPr/>
+        <p:txBody>
+          <a:bodyPr/>
+          <a:lstStyle/>
+          <a:p>
+            <a:r>
+              <a:rPr lang="cs-CZ" dirty="0"/>
+              <a:t>Během necelých 10 let se stal GNU zcela použitelným systémem, měl všechny důležité aplikace (systémové knihovny, textový editor,..) Chybělo jen jádro..</a:t>
+            </a:r>
+          </a:p>
+        </p:txBody>
+      </p:sp>
+      <p:sp>
+        <p:nvSpPr>
+          <p:cNvPr id="4" name="Zástupný symbol pro číslo snímku 3"/>
+          <p:cNvSpPr>
+            <a:spLocks noGrp="1"/>
+          </p:cNvSpPr>
+          <p:nvPr>
+            <p:ph type="sldNum" sz="quarter" idx="5"/>
+          </p:nvPr>
+        </p:nvSpPr>
+        <p:spPr/>
+        <p:txBody>
+          <a:bodyPr/>
+          <a:lstStyle/>
+          <a:p>
+            <a:fld id="{2392C61E-B012-4FBE-A281-EE11B83DE740}" type="slidenum">
+              <a:rPr lang="cs-CZ" smtClean="0"/>
+              <a:t>4</a:t>
+            </a:fld>
+            <a:endParaRPr lang="cs-CZ"/>
+          </a:p>
+        </p:txBody>
+      </p:sp>
+    </p:spTree>
+    <p:extLst>
+      <p:ext uri="{BB962C8B-B14F-4D97-AF65-F5344CB8AC3E}">
+        <p14:creationId xmlns:p14="http://schemas.microsoft.com/office/powerpoint/2010/main" val="450007586"/>
+      </p:ext>
+    </p:extLst>
+  </p:cSld>
+  <p:clrMapOvr>
+    <a:masterClrMapping/>
+  </p:clrMapOvr>
+</p:notes>
+</file>
+
+<file path=ppt/notesSlides/notesSlide3.xml><?xml version="1.0" encoding="utf-8"?>
+<p:notes xmlns:a="http://schemas.openxmlformats.org/drawingml/2006/main" xmlns:r="http://schemas.openxmlformats.org/officeDocument/2006/relationships" xmlns:p="http://schemas.openxmlformats.org/presentationml/2006/main">
+  <p:cSld>
+    <p:spTree>
+      <p:nvGrpSpPr>
+        <p:cNvPr id="1" name=""/>
+        <p:cNvGrpSpPr/>
+        <p:nvPr/>
+      </p:nvGrpSpPr>
+      <p:grpSpPr>
+        <a:xfrm>
+          <a:off x="0" y="0"/>
+          <a:ext cx="0" cy="0"/>
+          <a:chOff x="0" y="0"/>
+          <a:chExt cx="0" cy="0"/>
+        </a:xfrm>
+      </p:grpSpPr>
+      <p:sp>
+        <p:nvSpPr>
+          <p:cNvPr id="2" name="Zástupný symbol pro obrázek snímku 1"/>
+          <p:cNvSpPr>
+            <a:spLocks noGrp="1" noRot="1" noChangeAspect="1"/>
+          </p:cNvSpPr>
+          <p:nvPr>
+            <p:ph type="sldImg"/>
+          </p:nvPr>
+        </p:nvSpPr>
+        <p:spPr/>
+      </p:sp>
+      <p:sp>
+        <p:nvSpPr>
+          <p:cNvPr id="3" name="Zástupný symbol pro poznámky 2"/>
+          <p:cNvSpPr>
+            <a:spLocks noGrp="1"/>
+          </p:cNvSpPr>
+          <p:nvPr>
+            <p:ph type="body" idx="1"/>
+          </p:nvPr>
+        </p:nvSpPr>
+        <p:spPr/>
+        <p:txBody>
+          <a:bodyPr/>
+          <a:lstStyle/>
+          <a:p>
+            <a:r>
+              <a:rPr lang="cs-CZ" b="0" i="0" dirty="0">
+                <a:solidFill>
+                  <a:srgbClr val="000000"/>
+                </a:solidFill>
+                <a:effectLst/>
+                <a:latin typeface="Roboto" panose="02000000000000000000" pitchFamily="2" charset="0"/>
+              </a:rPr>
+              <a:t> Ve škole se totiž seznámil s unixovým operačním systémem </a:t>
+            </a:r>
+            <a:r>
+              <a:rPr lang="cs-CZ" b="0" i="0" dirty="0" err="1">
+                <a:solidFill>
+                  <a:srgbClr val="000000"/>
+                </a:solidFill>
+                <a:effectLst/>
+                <a:latin typeface="Roboto" panose="02000000000000000000" pitchFamily="2" charset="0"/>
+              </a:rPr>
+              <a:t>Minix</a:t>
+            </a:r>
+            <a:r>
+              <a:rPr lang="cs-CZ" b="0" i="0" dirty="0">
+                <a:solidFill>
+                  <a:srgbClr val="000000"/>
+                </a:solidFill>
+                <a:effectLst/>
+                <a:latin typeface="Roboto" panose="02000000000000000000" pitchFamily="2" charset="0"/>
+              </a:rPr>
+              <a:t>. unixový koncept se mu líbil a chtěl taky jeden</a:t>
+            </a:r>
+            <a:endParaRPr lang="cs-CZ" dirty="0"/>
+          </a:p>
+        </p:txBody>
+      </p:sp>
+      <p:sp>
+        <p:nvSpPr>
+          <p:cNvPr id="4" name="Zástupný symbol pro číslo snímku 3"/>
+          <p:cNvSpPr>
+            <a:spLocks noGrp="1"/>
+          </p:cNvSpPr>
+          <p:nvPr>
+            <p:ph type="sldNum" sz="quarter" idx="5"/>
+          </p:nvPr>
+        </p:nvSpPr>
+        <p:spPr/>
+        <p:txBody>
+          <a:bodyPr/>
+          <a:lstStyle/>
+          <a:p>
+            <a:fld id="{2392C61E-B012-4FBE-A281-EE11B83DE740}" type="slidenum">
+              <a:rPr lang="cs-CZ" smtClean="0"/>
+              <a:t>5</a:t>
+            </a:fld>
+            <a:endParaRPr lang="cs-CZ"/>
+          </a:p>
+        </p:txBody>
+      </p:sp>
+    </p:spTree>
+    <p:extLst>
+      <p:ext uri="{BB962C8B-B14F-4D97-AF65-F5344CB8AC3E}">
+        <p14:creationId xmlns:p14="http://schemas.microsoft.com/office/powerpoint/2010/main" val="238153773"/>
+      </p:ext>
+    </p:extLst>
+  </p:cSld>
+  <p:clrMapOvr>
+    <a:masterClrMapping/>
+  </p:clrMapOvr>
+</p:notes>
+</file>
+
 <file path=ppt/slideLayouts/slideLayout1.xml><?xml version="1.0" encoding="utf-8"?>
 <p:sldLayout xmlns:a="http://schemas.openxmlformats.org/drawingml/2006/main" xmlns:r="http://schemas.openxmlformats.org/officeDocument/2006/relationships" xmlns:p="http://schemas.openxmlformats.org/presentationml/2006/main" type="title" preserve="1">
   <p:cSld name="Úvodní snímek">
@@ -881,7 +1083,7 @@
           <a:p>
             <a:fld id="{78ABE3C1-DBE1-495D-B57B-2849774B866A}" type="datetimeFigureOut">
               <a:rPr lang="en-US" dirty="0"/>
-              <a:t>1/12/2023</a:t>
+              <a:t>1/13/2023</a:t>
             </a:fld>
             <a:endParaRPr lang="en-US" dirty="0"/>
           </a:p>
@@ -1290,7 +1492,7 @@
           <a:p>
             <a:fld id="{446C117F-5CCF-4837-BE5F-2B92066CAFAF}" type="datetimeFigureOut">
               <a:rPr lang="en-US" dirty="0"/>
-              <a:t>1/12/2023</a:t>
+              <a:t>1/13/2023</a:t>
             </a:fld>
             <a:endParaRPr lang="en-US" dirty="0"/>
           </a:p>
@@ -1621,7 +1823,7 @@
           <a:p>
             <a:fld id="{84EB90BD-B6CE-46B7-997F-7313B992CCDC}" type="datetimeFigureOut">
               <a:rPr lang="en-US" dirty="0"/>
-              <a:t>1/12/2023</a:t>
+              <a:t>1/13/2023</a:t>
             </a:fld>
             <a:endParaRPr lang="en-US" dirty="0"/>
           </a:p>
@@ -2021,7 +2223,7 @@
           <a:p>
             <a:fld id="{CDB9D11F-B188-461D-B23F-39381795C052}" type="datetimeFigureOut">
               <a:rPr lang="en-US" dirty="0"/>
-              <a:t>1/12/2023</a:t>
+              <a:t>1/13/2023</a:t>
             </a:fld>
             <a:endParaRPr lang="en-US" dirty="0"/>
           </a:p>
@@ -2584,7 +2786,7 @@
           <a:p>
             <a:fld id="{52E6D8D9-55A2-4063-B0F3-121F44549695}" type="datetimeFigureOut">
               <a:rPr lang="en-US" dirty="0"/>
-              <a:t>1/12/2023</a:t>
+              <a:t>1/13/2023</a:t>
             </a:fld>
             <a:endParaRPr lang="en-US" dirty="0"/>
           </a:p>
@@ -3260,7 +3462,7 @@
           <a:p>
             <a:fld id="{D4B24536-994D-4021-A283-9F449C0DB509}" type="datetimeFigureOut">
               <a:rPr lang="en-US" dirty="0"/>
-              <a:t>1/12/2023</a:t>
+              <a:t>1/13/2023</a:t>
             </a:fld>
             <a:endParaRPr lang="en-US" dirty="0"/>
           </a:p>
@@ -4168,7 +4370,7 @@
           <a:p>
             <a:fld id="{3CBBBB78-C96F-47B7-AB17-D852CA960AC9}" type="datetimeFigureOut">
               <a:rPr lang="en-US" dirty="0"/>
-              <a:t>1/12/2023</a:t>
+              <a:t>1/13/2023</a:t>
             </a:fld>
             <a:endParaRPr lang="en-US" dirty="0"/>
           </a:p>
@@ -4476,7 +4678,7 @@
           <a:p>
             <a:fld id="{1FA3F48C-C7C6-4055-9F49-3777875E72AE}" type="datetimeFigureOut">
               <a:rPr lang="en-US" dirty="0"/>
-              <a:t>1/12/2023</a:t>
+              <a:t>1/13/2023</a:t>
             </a:fld>
             <a:endParaRPr lang="en-US" dirty="0"/>
           </a:p>
@@ -4735,7 +4937,7 @@
           <a:p>
             <a:fld id="{6178E61D-D431-422C-9764-11DAFE33AB63}" type="datetimeFigureOut">
               <a:rPr lang="en-US" dirty="0"/>
-              <a:t>1/12/2023</a:t>
+              <a:t>1/13/2023</a:t>
             </a:fld>
             <a:endParaRPr lang="en-US" dirty="0"/>
           </a:p>
@@ -5054,7 +5256,7 @@
           <a:p>
             <a:fld id="{12DE42F4-6EEF-4EF7-8ED4-2208F0F89A08}" type="datetimeFigureOut">
               <a:rPr lang="en-US" dirty="0"/>
-              <a:t>1/12/2023</a:t>
+              <a:t>1/13/2023</a:t>
             </a:fld>
             <a:endParaRPr lang="en-US" dirty="0"/>
           </a:p>
@@ -5438,7 +5640,7 @@
           <a:p>
             <a:fld id="{30578ACC-22D6-47C1-A373-4FD133E34F3C}" type="datetimeFigureOut">
               <a:rPr lang="en-US" dirty="0"/>
-              <a:t>1/12/2023</a:t>
+              <a:t>1/13/2023</a:t>
             </a:fld>
             <a:endParaRPr lang="en-US" dirty="0"/>
           </a:p>
@@ -5809,7 +6011,7 @@
           <a:p>
             <a:fld id="{4E5A6C69-6797-4E8A-BF37-F2C3751466E9}" type="datetimeFigureOut">
               <a:rPr lang="en-US" dirty="0"/>
-              <a:t>1/12/2023</a:t>
+              <a:t>1/13/2023</a:t>
             </a:fld>
             <a:endParaRPr lang="en-US" dirty="0"/>
           </a:p>
@@ -6310,7 +6512,7 @@
           <a:p>
             <a:fld id="{D82014A1-A632-4878-A0D3-F52BA7563730}" type="datetimeFigureOut">
               <a:rPr lang="en-US" dirty="0"/>
-              <a:t>1/12/2023</a:t>
+              <a:t>1/13/2023</a:t>
             </a:fld>
             <a:endParaRPr lang="en-US" dirty="0"/>
           </a:p>
@@ -6562,7 +6764,7 @@
           <a:p>
             <a:fld id="{CE99F462-093F-4566-844B-4C71F2739DA5}" type="datetimeFigureOut">
               <a:rPr lang="en-US" dirty="0"/>
-              <a:t>1/12/2023</a:t>
+              <a:t>1/13/2023</a:t>
             </a:fld>
             <a:endParaRPr lang="en-US" dirty="0"/>
           </a:p>
@@ -6720,7 +6922,7 @@
           <a:p>
             <a:fld id="{3D24A7AC-904D-4781-85BA-7D10C17ED021}" type="datetimeFigureOut">
               <a:rPr lang="en-US" dirty="0"/>
-              <a:t>1/12/2023</a:t>
+              <a:t>1/13/2023</a:t>
             </a:fld>
             <a:endParaRPr lang="en-US" dirty="0"/>
           </a:p>
@@ -7105,7 +7307,7 @@
           <a:p>
             <a:fld id="{E331444B-B92B-4E27-8C94-BB93EAF5CB18}" type="datetimeFigureOut">
               <a:rPr lang="en-US" dirty="0"/>
-              <a:t>1/12/2023</a:t>
+              <a:t>1/13/2023</a:t>
             </a:fld>
             <a:endParaRPr lang="en-US" dirty="0"/>
           </a:p>
@@ -7509,7 +7711,7 @@
           <a:p>
             <a:fld id="{363EFA5E-FA76-400D-B3DC-F0BA90E6D107}" type="datetimeFigureOut">
               <a:rPr lang="en-US" dirty="0"/>
-              <a:t>1/12/2023</a:t>
+              <a:t>1/13/2023</a:t>
             </a:fld>
             <a:endParaRPr lang="en-US" dirty="0"/>
           </a:p>
@@ -7748,7 +7950,7 @@
           <a:p>
             <a:fld id="{9D6E9DEC-419B-4CC5-A080-3B06BD5A8291}" type="datetimeFigureOut">
               <a:rPr lang="en-US" dirty="0"/>
-              <a:t>1/12/2023</a:t>
+              <a:t>1/13/2023</a:t>
             </a:fld>
             <a:endParaRPr lang="en-US" dirty="0"/>
           </a:p>
@@ -8290,11 +8492,13 @@
         </p:nvSpPr>
         <p:spPr/>
         <p:txBody>
-          <a:bodyPr/>
+          <a:bodyPr>
+            <a:normAutofit/>
+          </a:bodyPr>
           <a:lstStyle/>
           <a:p>
             <a:r>
-              <a:rPr lang="cs-CZ" i="0" dirty="0">
+              <a:rPr lang="cs-CZ" sz="2800" i="0" dirty="0">
                 <a:solidFill>
                   <a:schemeClr val="bg1"/>
                 </a:solidFill>
@@ -8304,7 +8508,7 @@
               <a:t>Linux je označení pro </a:t>
             </a:r>
             <a:r>
-              <a:rPr lang="cs-CZ" dirty="0">
+              <a:rPr lang="cs-CZ" sz="2800" dirty="0">
                 <a:solidFill>
                   <a:schemeClr val="bg1"/>
                 </a:solidFill>
@@ -8313,7 +8517,7 @@
               <a:t>svobodný</a:t>
             </a:r>
             <a:r>
-              <a:rPr lang="cs-CZ" i="0" dirty="0">
+              <a:rPr lang="cs-CZ" sz="2800" i="0" dirty="0">
                 <a:solidFill>
                   <a:schemeClr val="bg1"/>
                 </a:solidFill>
@@ -8323,7 +8527,7 @@
               <a:t> a </a:t>
             </a:r>
             <a:r>
-              <a:rPr lang="cs-CZ" dirty="0">
+              <a:rPr lang="cs-CZ" sz="2800" dirty="0">
                 <a:solidFill>
                   <a:schemeClr val="bg1"/>
                 </a:solidFill>
@@ -8332,7 +8536,7 @@
               <a:t>otevřený</a:t>
             </a:r>
             <a:r>
-              <a:rPr lang="cs-CZ" i="0" dirty="0">
+              <a:rPr lang="cs-CZ" sz="2800" i="0" dirty="0">
                 <a:solidFill>
                   <a:schemeClr val="bg1"/>
                 </a:solidFill>
@@ -8342,7 +8546,7 @@
               <a:t> počítačový </a:t>
             </a:r>
             <a:r>
-              <a:rPr lang="cs-CZ" dirty="0">
+              <a:rPr lang="cs-CZ" sz="2800" dirty="0">
                 <a:solidFill>
                   <a:schemeClr val="bg1"/>
                 </a:solidFill>
@@ -8351,7 +8555,7 @@
               <a:t>operační systém</a:t>
             </a:r>
             <a:r>
-              <a:rPr lang="cs-CZ" i="0" dirty="0">
+              <a:rPr lang="cs-CZ" sz="2800" i="0" dirty="0">
                 <a:solidFill>
                   <a:schemeClr val="bg1"/>
                 </a:solidFill>
@@ -8361,7 +8565,7 @@
               <a:t>, který je založený na </a:t>
             </a:r>
             <a:r>
-              <a:rPr lang="cs-CZ" dirty="0">
+              <a:rPr lang="cs-CZ" sz="2800" dirty="0">
                 <a:solidFill>
                   <a:schemeClr val="bg1"/>
                 </a:solidFill>
@@ -8370,7 +8574,7 @@
               <a:t>linuxovém jádru</a:t>
             </a:r>
             <a:r>
-              <a:rPr lang="cs-CZ" i="0" dirty="0">
+              <a:rPr lang="cs-CZ" sz="2800" i="0" dirty="0">
                 <a:solidFill>
                   <a:schemeClr val="bg1"/>
                 </a:solidFill>
@@ -8380,7 +8584,7 @@
               <a:t>. </a:t>
             </a:r>
             <a:r>
-              <a:rPr lang="cs-CZ" b="0" i="0" dirty="0">
+              <a:rPr lang="cs-CZ" sz="2800" b="0" i="0" dirty="0">
                 <a:solidFill>
                   <a:schemeClr val="bg1"/>
                 </a:solidFill>
@@ -8390,7 +8594,7 @@
               <a:t>Linuxové systémy jsou šířeny v podobě distribucí, které je možné </a:t>
             </a:r>
             <a:r>
-              <a:rPr lang="cs-CZ" dirty="0">
+              <a:rPr lang="cs-CZ" sz="2800" dirty="0">
                 <a:solidFill>
                   <a:schemeClr val="bg1"/>
                 </a:solidFill>
@@ -8399,7 +8603,7 @@
               <a:t>nainstalovat</a:t>
             </a:r>
             <a:r>
-              <a:rPr lang="cs-CZ" b="0" i="0" dirty="0">
+              <a:rPr lang="cs-CZ" sz="2800" b="0" i="0" dirty="0">
                 <a:solidFill>
                   <a:schemeClr val="bg1"/>
                 </a:solidFill>
@@ -8408,7 +8612,7 @@
               </a:rPr>
               <a:t> nebo používat bez instalace (live cd) https://cs.wikipedia.org/wiki/Linux</a:t>
             </a:r>
-            <a:endParaRPr lang="cs-CZ" dirty="0">
+            <a:endParaRPr lang="cs-CZ" sz="2800" dirty="0">
               <a:solidFill>
                 <a:schemeClr val="bg1"/>
               </a:solidFill>
@@ -8680,7 +8884,69 @@
           <a:bodyPr/>
           <a:lstStyle/>
           <a:p>
-            <a:endParaRPr lang="cs-CZ"/>
+            <a:r>
+              <a:rPr lang="cs-CZ" i="0" dirty="0">
+                <a:solidFill>
+                  <a:schemeClr val="bg1"/>
+                </a:solidFill>
+                <a:effectLst/>
+                <a:latin typeface="Roboto" panose="020B0604020202020204" pitchFamily="2" charset="0"/>
+              </a:rPr>
+              <a:t>V roce 1983 byl založen projekt GNU, jehož cílem bylo vytvořit nový operační systém unixového typu, který by byl složen jen ze svobodného software. Otcem a zakladatelem projektu je </a:t>
+            </a:r>
+            <a:r>
+              <a:rPr lang="cs-CZ" dirty="0">
+                <a:solidFill>
+                  <a:schemeClr val="bg1"/>
+                </a:solidFill>
+                <a:latin typeface="Roboto" panose="020B0604020202020204" pitchFamily="2" charset="0"/>
+              </a:rPr>
+              <a:t>Richard Matthew </a:t>
+            </a:r>
+            <a:r>
+              <a:rPr lang="cs-CZ" dirty="0" err="1">
+                <a:solidFill>
+                  <a:schemeClr val="bg1"/>
+                </a:solidFill>
+                <a:latin typeface="Roboto" panose="020B0604020202020204" pitchFamily="2" charset="0"/>
+              </a:rPr>
+              <a:t>Stallman</a:t>
+            </a:r>
+            <a:r>
+              <a:rPr lang="cs-CZ" i="0" dirty="0">
+                <a:solidFill>
+                  <a:schemeClr val="bg1"/>
+                </a:solidFill>
+                <a:effectLst/>
+                <a:latin typeface="Roboto" panose="020B0604020202020204" pitchFamily="2" charset="0"/>
+              </a:rPr>
+              <a:t>. Za tímto účelem sepsal </a:t>
+            </a:r>
+            <a:r>
+              <a:rPr lang="cs-CZ" i="0" dirty="0" err="1">
+                <a:solidFill>
+                  <a:schemeClr val="bg1"/>
+                </a:solidFill>
+                <a:effectLst/>
+                <a:latin typeface="Roboto" panose="020B0604020202020204" pitchFamily="2" charset="0"/>
+              </a:rPr>
+              <a:t>Stallman</a:t>
+            </a:r>
+            <a:r>
+              <a:rPr lang="cs-CZ" i="0" dirty="0">
+                <a:solidFill>
+                  <a:schemeClr val="bg1"/>
+                </a:solidFill>
+                <a:effectLst/>
+                <a:latin typeface="Roboto" panose="020B0604020202020204" pitchFamily="2" charset="0"/>
+              </a:rPr>
+              <a:t> novou licenci GNU GPL, pod kterou jsou šířeny všechny části systému GNU.</a:t>
+            </a:r>
+            <a:endParaRPr lang="cs-CZ" dirty="0">
+              <a:solidFill>
+                <a:schemeClr val="bg1"/>
+              </a:solidFill>
+            </a:endParaRPr>
           </a:p>
         </p:txBody>
       </p:sp>
@@ -8688,6 +8954,150 @@
     <p:extLst>
       <p:ext uri="{BB962C8B-B14F-4D97-AF65-F5344CB8AC3E}">
         <p14:creationId xmlns:p14="http://schemas.microsoft.com/office/powerpoint/2010/main" val="21305179"/>
+      </p:ext>
+    </p:extLst>
+  </p:cSld>
+  <p:clrMapOvr>
+    <a:masterClrMapping/>
+  </p:clrMapOvr>
+</p:sld>
+</file>
+
+<file path=ppt/slides/slide5.xml><?xml version="1.0" encoding="utf-8"?>
+<p:sld xmlns:a="http://schemas.openxmlformats.org/drawingml/2006/main" xmlns:r="http://schemas.openxmlformats.org/officeDocument/2006/relationships" xmlns:p="http://schemas.openxmlformats.org/presentationml/2006/main">
+  <p:cSld>
+    <p:spTree>
+      <p:nvGrpSpPr>
+        <p:cNvPr id="1" name=""/>
+        <p:cNvGrpSpPr/>
+        <p:nvPr/>
+      </p:nvGrpSpPr>
+      <p:grpSpPr>
+        <a:xfrm>
+          <a:off x="0" y="0"/>
+          <a:ext cx="0" cy="0"/>
+          <a:chOff x="0" y="0"/>
+          <a:chExt cx="0" cy="0"/>
+        </a:xfrm>
+      </p:grpSpPr>
+      <p:sp>
+        <p:nvSpPr>
+          <p:cNvPr id="2" name="Nadpis 1">
+            <a:extLst>
+              <a:ext uri="{FF2B5EF4-FFF2-40B4-BE49-F238E27FC236}">
+                <a16:creationId xmlns:a16="http://schemas.microsoft.com/office/drawing/2014/main" id="{0EB3D1C6-CD3D-8F26-D9AA-3CE90ACC708A}"/>
+              </a:ext>
+            </a:extLst>
+          </p:cNvPr>
+          <p:cNvSpPr>
+            <a:spLocks noGrp="1"/>
+          </p:cNvSpPr>
+          <p:nvPr>
+            <p:ph type="title"/>
+          </p:nvPr>
+        </p:nvSpPr>
+        <p:spPr/>
+        <p:txBody>
+          <a:bodyPr/>
+          <a:lstStyle/>
+          <a:p>
+            <a:r>
+              <a:rPr lang="cs-CZ" dirty="0"/>
+              <a:t>Historie-jádro</a:t>
+            </a:r>
+          </a:p>
+        </p:txBody>
+      </p:sp>
+      <p:sp>
+        <p:nvSpPr>
+          <p:cNvPr id="3" name="Zástupný obsah 2">
+            <a:extLst>
+              <a:ext uri="{FF2B5EF4-FFF2-40B4-BE49-F238E27FC236}">
+                <a16:creationId xmlns:a16="http://schemas.microsoft.com/office/drawing/2014/main" id="{3CD2F039-C1D0-3481-1DE2-E6EB8C3D8369}"/>
+              </a:ext>
+            </a:extLst>
+          </p:cNvPr>
+          <p:cNvSpPr>
+            <a:spLocks noGrp="1"/>
+          </p:cNvSpPr>
+          <p:nvPr>
+            <p:ph idx="1"/>
+          </p:nvPr>
+        </p:nvSpPr>
+        <p:spPr/>
+        <p:txBody>
+          <a:bodyPr/>
+          <a:lstStyle/>
+          <a:p>
+            <a:r>
+              <a:rPr lang="cs-CZ" b="0" i="0" dirty="0">
+                <a:solidFill>
+                  <a:schemeClr val="bg1"/>
+                </a:solidFill>
+                <a:effectLst/>
+                <a:latin typeface="Roboto" panose="02000000000000000000" pitchFamily="2" charset="0"/>
+              </a:rPr>
+              <a:t>v roce 1991 začal finský student </a:t>
+            </a:r>
+            <a:r>
+              <a:rPr lang="cs-CZ" dirty="0">
+                <a:solidFill>
+                  <a:schemeClr val="bg1"/>
+                </a:solidFill>
+                <a:latin typeface="Roboto" panose="02000000000000000000" pitchFamily="2" charset="0"/>
+              </a:rPr>
+              <a:t>Linus</a:t>
+            </a:r>
+            <a:r>
+              <a:rPr lang="cs-CZ" u="sng" dirty="0">
+                <a:solidFill>
+                  <a:schemeClr val="bg1"/>
+                </a:solidFill>
+                <a:latin typeface="Roboto" panose="02000000000000000000" pitchFamily="2" charset="0"/>
+              </a:rPr>
+              <a:t> </a:t>
+            </a:r>
+            <a:r>
+              <a:rPr lang="cs-CZ" dirty="0" err="1">
+                <a:solidFill>
+                  <a:schemeClr val="bg1"/>
+                </a:solidFill>
+                <a:latin typeface="Roboto" panose="02000000000000000000" pitchFamily="2" charset="0"/>
+              </a:rPr>
+              <a:t>Torvalds</a:t>
+            </a:r>
+            <a:r>
+              <a:rPr lang="cs-CZ" b="0" i="0" dirty="0">
+                <a:solidFill>
+                  <a:schemeClr val="bg1"/>
+                </a:solidFill>
+                <a:effectLst/>
+                <a:latin typeface="Roboto" panose="02000000000000000000" pitchFamily="2" charset="0"/>
+              </a:rPr>
+              <a:t> pracovat na vývoji vlastního unixového jádra. </a:t>
+            </a:r>
+            <a:r>
+              <a:rPr lang="cs-CZ" b="0" i="0">
+                <a:solidFill>
+                  <a:schemeClr val="bg1"/>
+                </a:solidFill>
+                <a:effectLst/>
+                <a:latin typeface="Roboto" panose="02000000000000000000" pitchFamily="2" charset="0"/>
+              </a:rPr>
+              <a:t>https://www.root.cz/texty/historie-operacniho-systemu-gnulinux/</a:t>
+            </a:r>
+            <a:endParaRPr lang="cs-CZ" dirty="0">
+              <a:solidFill>
+                <a:schemeClr val="bg1"/>
+              </a:solidFill>
+            </a:endParaRPr>
+          </a:p>
+        </p:txBody>
+      </p:sp>
+    </p:spTree>
+    <p:extLst>
+      <p:ext uri="{BB962C8B-B14F-4D97-AF65-F5344CB8AC3E}">
+        <p14:creationId xmlns:p14="http://schemas.microsoft.com/office/powerpoint/2010/main" val="2425386937"/>
       </p:ext>
     </p:extLst>
   </p:cSld>

--- a/Linux.pptx
+++ b/Linux.pptx
@@ -5,7 +5,7 @@
     <p:sldMasterId id="2147483648" r:id="rId1"/>
   </p:sldMasterIdLst>
   <p:notesMasterIdLst>
-    <p:notesMasterId r:id="rId7"/>
+    <p:notesMasterId r:id="rId9"/>
   </p:notesMasterIdLst>
   <p:sldIdLst>
     <p:sldId id="256" r:id="rId2"/>
@@ -13,6 +13,8 @@
     <p:sldId id="258" r:id="rId4"/>
     <p:sldId id="259" r:id="rId5"/>
     <p:sldId id="260" r:id="rId6"/>
+    <p:sldId id="261" r:id="rId7"/>
+    <p:sldId id="262" r:id="rId8"/>
   </p:sldIdLst>
   <p:sldSz cx="12192000" cy="6858000"/>
   <p:notesSz cx="6858000" cy="9144000"/>
@@ -201,7 +203,7 @@
           <a:p>
             <a:fld id="{A2CB6FA3-EA73-4C76-9A50-C350990F3718}" type="datetimeFigureOut">
               <a:rPr lang="cs-CZ" smtClean="0"/>
-              <a:t>13.01.2023</a:t>
+              <a:t>14.01.2023</a:t>
             </a:fld>
             <a:endParaRPr lang="cs-CZ"/>
           </a:p>
@@ -767,7 +769,27 @@
                 <a:effectLst/>
                 <a:latin typeface="Roboto" panose="02000000000000000000" pitchFamily="2" charset="0"/>
               </a:rPr>
-              <a:t>. unixový koncept se mu líbil a chtěl taky jeden</a:t>
+              <a:t>. unixový koncept se mu líbil a chtěl ho mít na svém </a:t>
+            </a:r>
+            <a:r>
+              <a:rPr lang="cs-CZ" b="0" i="0" dirty="0" err="1">
+                <a:solidFill>
+                  <a:srgbClr val="000000"/>
+                </a:solidFill>
+                <a:effectLst/>
+                <a:latin typeface="Roboto" panose="02000000000000000000" pitchFamily="2" charset="0"/>
+              </a:rPr>
+              <a:t>pc</a:t>
+            </a:r>
+            <a:r>
+              <a:rPr lang="cs-CZ" b="0" i="0" dirty="0">
+                <a:solidFill>
+                  <a:srgbClr val="000000"/>
+                </a:solidFill>
+                <a:effectLst/>
+                <a:latin typeface="Roboto" panose="02000000000000000000" pitchFamily="2" charset="0"/>
+              </a:rPr>
+              <a:t>.</a:t>
             </a:r>
             <a:endParaRPr lang="cs-CZ" dirty="0"/>
           </a:p>
@@ -800,6 +822,140 @@
     <p:extLst>
       <p:ext uri="{BB962C8B-B14F-4D97-AF65-F5344CB8AC3E}">
         <p14:creationId xmlns:p14="http://schemas.microsoft.com/office/powerpoint/2010/main" val="238153773"/>
+      </p:ext>
+    </p:extLst>
+  </p:cSld>
+  <p:clrMapOvr>
+    <a:masterClrMapping/>
+  </p:clrMapOvr>
+</p:notes>
+</file>
+
+<file path=ppt/notesSlides/notesSlide4.xml><?xml version="1.0" encoding="utf-8"?>
+<p:notes xmlns:a="http://schemas.openxmlformats.org/drawingml/2006/main" xmlns:r="http://schemas.openxmlformats.org/officeDocument/2006/relationships" xmlns:p="http://schemas.openxmlformats.org/presentationml/2006/main">
+  <p:cSld>
+    <p:spTree>
+      <p:nvGrpSpPr>
+        <p:cNvPr id="1" name=""/>
+        <p:cNvGrpSpPr/>
+        <p:nvPr/>
+      </p:nvGrpSpPr>
+      <p:grpSpPr>
+        <a:xfrm>
+          <a:off x="0" y="0"/>
+          <a:ext cx="0" cy="0"/>
+          <a:chOff x="0" y="0"/>
+          <a:chExt cx="0" cy="0"/>
+        </a:xfrm>
+      </p:grpSpPr>
+      <p:sp>
+        <p:nvSpPr>
+          <p:cNvPr id="2" name="Zástupný symbol pro obrázek snímku 1"/>
+          <p:cNvSpPr>
+            <a:spLocks noGrp="1" noRot="1" noChangeAspect="1"/>
+          </p:cNvSpPr>
+          <p:nvPr>
+            <p:ph type="sldImg"/>
+          </p:nvPr>
+        </p:nvSpPr>
+        <p:spPr/>
+      </p:sp>
+      <p:sp>
+        <p:nvSpPr>
+          <p:cNvPr id="3" name="Zástupný symbol pro poznámky 2"/>
+          <p:cNvSpPr>
+            <a:spLocks noGrp="1"/>
+          </p:cNvSpPr>
+          <p:nvPr>
+            <p:ph type="body" idx="1"/>
+          </p:nvPr>
+        </p:nvSpPr>
+        <p:spPr/>
+        <p:txBody>
+          <a:bodyPr/>
+          <a:lstStyle/>
+          <a:p>
+            <a:r>
+              <a:rPr lang="en-US" b="0" i="0" dirty="0">
+                <a:solidFill>
+                  <a:srgbClr val="4D5156"/>
+                </a:solidFill>
+                <a:effectLst/>
+                <a:latin typeface="arial" panose="020B0604020202020204" pitchFamily="34" charset="0"/>
+              </a:rPr>
+              <a:t>GNU GPL je </a:t>
+            </a:r>
+            <a:r>
+              <a:rPr lang="en-US" b="0" i="0" dirty="0" err="1">
+                <a:solidFill>
+                  <a:srgbClr val="4D5156"/>
+                </a:solidFill>
+                <a:effectLst/>
+                <a:latin typeface="arial" panose="020B0604020202020204" pitchFamily="34" charset="0"/>
+              </a:rPr>
+              <a:t>licence</a:t>
+            </a:r>
+            <a:r>
+              <a:rPr lang="en-US" b="0" i="0" dirty="0">
+                <a:solidFill>
+                  <a:srgbClr val="4D5156"/>
+                </a:solidFill>
+                <a:effectLst/>
+                <a:latin typeface="arial" panose="020B0604020202020204" pitchFamily="34" charset="0"/>
+              </a:rPr>
+              <a:t> pro </a:t>
+            </a:r>
+            <a:r>
+              <a:rPr lang="en-US" b="0" i="0" dirty="0" err="1">
+                <a:solidFill>
+                  <a:srgbClr val="4D5156"/>
+                </a:solidFill>
+                <a:effectLst/>
+                <a:latin typeface="arial" panose="020B0604020202020204" pitchFamily="34" charset="0"/>
+              </a:rPr>
+              <a:t>svobodný</a:t>
+            </a:r>
+            <a:r>
+              <a:rPr lang="en-US" b="0" i="0" dirty="0">
+                <a:solidFill>
+                  <a:srgbClr val="4D5156"/>
+                </a:solidFill>
+                <a:effectLst/>
+                <a:latin typeface="arial" panose="020B0604020202020204" pitchFamily="34" charset="0"/>
+              </a:rPr>
+              <a:t> software</a:t>
+            </a:r>
+            <a:endParaRPr lang="cs-CZ" dirty="0"/>
+          </a:p>
+        </p:txBody>
+      </p:sp>
+      <p:sp>
+        <p:nvSpPr>
+          <p:cNvPr id="4" name="Zástupný symbol pro číslo snímku 3"/>
+          <p:cNvSpPr>
+            <a:spLocks noGrp="1"/>
+          </p:cNvSpPr>
+          <p:nvPr>
+            <p:ph type="sldNum" sz="quarter" idx="5"/>
+          </p:nvPr>
+        </p:nvSpPr>
+        <p:spPr/>
+        <p:txBody>
+          <a:bodyPr/>
+          <a:lstStyle/>
+          <a:p>
+            <a:fld id="{2392C61E-B012-4FBE-A281-EE11B83DE740}" type="slidenum">
+              <a:rPr lang="cs-CZ" smtClean="0"/>
+              <a:t>6</a:t>
+            </a:fld>
+            <a:endParaRPr lang="cs-CZ"/>
+          </a:p>
+        </p:txBody>
+      </p:sp>
+    </p:spTree>
+    <p:extLst>
+      <p:ext uri="{BB962C8B-B14F-4D97-AF65-F5344CB8AC3E}">
+        <p14:creationId xmlns:p14="http://schemas.microsoft.com/office/powerpoint/2010/main" val="4040710463"/>
       </p:ext>
     </p:extLst>
   </p:cSld>
@@ -1083,7 +1239,7 @@
           <a:p>
             <a:fld id="{78ABE3C1-DBE1-495D-B57B-2849774B866A}" type="datetimeFigureOut">
               <a:rPr lang="en-US" dirty="0"/>
-              <a:t>1/13/2023</a:t>
+              <a:t>1/14/2023</a:t>
             </a:fld>
             <a:endParaRPr lang="en-US" dirty="0"/>
           </a:p>
@@ -1492,7 +1648,7 @@
           <a:p>
             <a:fld id="{446C117F-5CCF-4837-BE5F-2B92066CAFAF}" type="datetimeFigureOut">
               <a:rPr lang="en-US" dirty="0"/>
-              <a:t>1/13/2023</a:t>
+              <a:t>1/14/2023</a:t>
             </a:fld>
             <a:endParaRPr lang="en-US" dirty="0"/>
           </a:p>
@@ -1823,7 +1979,7 @@
           <a:p>
             <a:fld id="{84EB90BD-B6CE-46B7-997F-7313B992CCDC}" type="datetimeFigureOut">
               <a:rPr lang="en-US" dirty="0"/>
-              <a:t>1/13/2023</a:t>
+              <a:t>1/14/2023</a:t>
             </a:fld>
             <a:endParaRPr lang="en-US" dirty="0"/>
           </a:p>
@@ -2223,7 +2379,7 @@
           <a:p>
             <a:fld id="{CDB9D11F-B188-461D-B23F-39381795C052}" type="datetimeFigureOut">
               <a:rPr lang="en-US" dirty="0"/>
-              <a:t>1/13/2023</a:t>
+              <a:t>1/14/2023</a:t>
             </a:fld>
             <a:endParaRPr lang="en-US" dirty="0"/>
           </a:p>
@@ -2786,7 +2942,7 @@
           <a:p>
             <a:fld id="{52E6D8D9-55A2-4063-B0F3-121F44549695}" type="datetimeFigureOut">
               <a:rPr lang="en-US" dirty="0"/>
-              <a:t>1/13/2023</a:t>
+              <a:t>1/14/2023</a:t>
             </a:fld>
             <a:endParaRPr lang="en-US" dirty="0"/>
           </a:p>
@@ -3462,7 +3618,7 @@
           <a:p>
             <a:fld id="{D4B24536-994D-4021-A283-9F449C0DB509}" type="datetimeFigureOut">
               <a:rPr lang="en-US" dirty="0"/>
-              <a:t>1/13/2023</a:t>
+              <a:t>1/14/2023</a:t>
             </a:fld>
             <a:endParaRPr lang="en-US" dirty="0"/>
           </a:p>
@@ -4370,7 +4526,7 @@
           <a:p>
             <a:fld id="{3CBBBB78-C96F-47B7-AB17-D852CA960AC9}" type="datetimeFigureOut">
               <a:rPr lang="en-US" dirty="0"/>
-              <a:t>1/13/2023</a:t>
+              <a:t>1/14/2023</a:t>
             </a:fld>
             <a:endParaRPr lang="en-US" dirty="0"/>
           </a:p>
@@ -4678,7 +4834,7 @@
           <a:p>
             <a:fld id="{1FA3F48C-C7C6-4055-9F49-3777875E72AE}" type="datetimeFigureOut">
               <a:rPr lang="en-US" dirty="0"/>
-              <a:t>1/13/2023</a:t>
+              <a:t>1/14/2023</a:t>
             </a:fld>
             <a:endParaRPr lang="en-US" dirty="0"/>
           </a:p>
@@ -4937,7 +5093,7 @@
           <a:p>
             <a:fld id="{6178E61D-D431-422C-9764-11DAFE33AB63}" type="datetimeFigureOut">
               <a:rPr lang="en-US" dirty="0"/>
-              <a:t>1/13/2023</a:t>
+              <a:t>1/14/2023</a:t>
             </a:fld>
             <a:endParaRPr lang="en-US" dirty="0"/>
           </a:p>
@@ -5256,7 +5412,7 @@
           <a:p>
             <a:fld id="{12DE42F4-6EEF-4EF7-8ED4-2208F0F89A08}" type="datetimeFigureOut">
               <a:rPr lang="en-US" dirty="0"/>
-              <a:t>1/13/2023</a:t>
+              <a:t>1/14/2023</a:t>
             </a:fld>
             <a:endParaRPr lang="en-US" dirty="0"/>
           </a:p>
@@ -5640,7 +5796,7 @@
           <a:p>
             <a:fld id="{30578ACC-22D6-47C1-A373-4FD133E34F3C}" type="datetimeFigureOut">
               <a:rPr lang="en-US" dirty="0"/>
-              <a:t>1/13/2023</a:t>
+              <a:t>1/14/2023</a:t>
             </a:fld>
             <a:endParaRPr lang="en-US" dirty="0"/>
           </a:p>
@@ -6011,7 +6167,7 @@
           <a:p>
             <a:fld id="{4E5A6C69-6797-4E8A-BF37-F2C3751466E9}" type="datetimeFigureOut">
               <a:rPr lang="en-US" dirty="0"/>
-              <a:t>1/13/2023</a:t>
+              <a:t>1/14/2023</a:t>
             </a:fld>
             <a:endParaRPr lang="en-US" dirty="0"/>
           </a:p>
@@ -6512,7 +6668,7 @@
           <a:p>
             <a:fld id="{D82014A1-A632-4878-A0D3-F52BA7563730}" type="datetimeFigureOut">
               <a:rPr lang="en-US" dirty="0"/>
-              <a:t>1/13/2023</a:t>
+              <a:t>1/14/2023</a:t>
             </a:fld>
             <a:endParaRPr lang="en-US" dirty="0"/>
           </a:p>
@@ -6764,7 +6920,7 @@
           <a:p>
             <a:fld id="{CE99F462-093F-4566-844B-4C71F2739DA5}" type="datetimeFigureOut">
               <a:rPr lang="en-US" dirty="0"/>
-              <a:t>1/13/2023</a:t>
+              <a:t>1/14/2023</a:t>
             </a:fld>
             <a:endParaRPr lang="en-US" dirty="0"/>
           </a:p>
@@ -6922,7 +7078,7 @@
           <a:p>
             <a:fld id="{3D24A7AC-904D-4781-85BA-7D10C17ED021}" type="datetimeFigureOut">
               <a:rPr lang="en-US" dirty="0"/>
-              <a:t>1/13/2023</a:t>
+              <a:t>1/14/2023</a:t>
             </a:fld>
             <a:endParaRPr lang="en-US" dirty="0"/>
           </a:p>
@@ -7307,7 +7463,7 @@
           <a:p>
             <a:fld id="{E331444B-B92B-4E27-8C94-BB93EAF5CB18}" type="datetimeFigureOut">
               <a:rPr lang="en-US" dirty="0"/>
-              <a:t>1/13/2023</a:t>
+              <a:t>1/14/2023</a:t>
             </a:fld>
             <a:endParaRPr lang="en-US" dirty="0"/>
           </a:p>
@@ -7711,7 +7867,7 @@
           <a:p>
             <a:fld id="{363EFA5E-FA76-400D-B3DC-F0BA90E6D107}" type="datetimeFigureOut">
               <a:rPr lang="en-US" dirty="0"/>
-              <a:t>1/13/2023</a:t>
+              <a:t>1/14/2023</a:t>
             </a:fld>
             <a:endParaRPr lang="en-US" dirty="0"/>
           </a:p>
@@ -7950,7 +8106,7 @@
           <a:p>
             <a:fld id="{9D6E9DEC-419B-4CC5-A080-3B06BD5A8291}" type="datetimeFigureOut">
               <a:rPr lang="en-US" dirty="0"/>
-              <a:t>1/13/2023</a:t>
+              <a:t>1/14/2023</a:t>
             </a:fld>
             <a:endParaRPr lang="en-US" dirty="0"/>
           </a:p>
@@ -9077,14 +9233,54 @@
               <a:t> pracovat na vývoji vlastního unixového jádra. </a:t>
             </a:r>
             <a:r>
-              <a:rPr lang="cs-CZ" b="0" i="0">
+              <a:rPr lang="cs-CZ" b="0" i="0" dirty="0" err="1">
+                <a:solidFill>
+                  <a:srgbClr val="000000"/>
+                </a:solidFill>
+                <a:effectLst/>
+                <a:latin typeface="Roboto" panose="02000000000000000000" pitchFamily="2" charset="0"/>
+              </a:rPr>
+              <a:t>Minix</a:t>
+            </a:r>
+            <a:r>
+              <a:rPr lang="cs-CZ" b="0" i="0" dirty="0">
+                <a:solidFill>
+                  <a:srgbClr val="000000"/>
+                </a:solidFill>
+                <a:effectLst/>
+                <a:latin typeface="Roboto" panose="02000000000000000000" pitchFamily="2" charset="0"/>
+              </a:rPr>
+              <a:t> byl ovšem až příliš jednoduchý  a navíc k němu nebylo možno získat zdrojové kódy. Proto se Linus rozhodl jít cestou nejmenšího odporu a napsat si vlastní operační systém, který by se podobal </a:t>
+            </a:r>
+            <a:r>
+              <a:rPr lang="cs-CZ" b="0" i="0" dirty="0" err="1">
+                <a:solidFill>
+                  <a:srgbClr val="000000"/>
+                </a:solidFill>
+                <a:effectLst/>
+                <a:latin typeface="Roboto" panose="02000000000000000000" pitchFamily="2" charset="0"/>
+              </a:rPr>
+              <a:t>Minixu</a:t>
+            </a:r>
+            <a:r>
+              <a:rPr lang="cs-CZ" b="0" i="0" dirty="0">
+                <a:solidFill>
+                  <a:srgbClr val="000000"/>
+                </a:solidFill>
+                <a:effectLst/>
+                <a:latin typeface="Roboto" panose="02000000000000000000" pitchFamily="2" charset="0"/>
+              </a:rPr>
+              <a:t> a byl provozovatelný na běžném PC. </a:t>
+            </a:r>
+            <a:r>
+              <a:rPr lang="cs-CZ" b="0" i="0" dirty="0">
                 <a:solidFill>
                   <a:schemeClr val="bg1"/>
                 </a:solidFill>
                 <a:effectLst/>
                 <a:latin typeface="Roboto" panose="02000000000000000000" pitchFamily="2" charset="0"/>
               </a:rPr>
-              <a:t>https://www.root.cz/texty/historie-operacniho-systemu-gnulinux/</a:t>
+              <a:t> https://www.root.cz/texty/historie-operacniho-systemu-gnulinux/</a:t>
             </a:r>
             <a:endParaRPr lang="cs-CZ" dirty="0">
               <a:solidFill>
@@ -9098,6 +9294,241 @@
     <p:extLst>
       <p:ext uri="{BB962C8B-B14F-4D97-AF65-F5344CB8AC3E}">
         <p14:creationId xmlns:p14="http://schemas.microsoft.com/office/powerpoint/2010/main" val="2425386937"/>
+      </p:ext>
+    </p:extLst>
+  </p:cSld>
+  <p:clrMapOvr>
+    <a:masterClrMapping/>
+  </p:clrMapOvr>
+</p:sld>
+</file>
+
+<file path=ppt/slides/slide6.xml><?xml version="1.0" encoding="utf-8"?>
+<p:sld xmlns:a="http://schemas.openxmlformats.org/drawingml/2006/main" xmlns:r="http://schemas.openxmlformats.org/officeDocument/2006/relationships" xmlns:p="http://schemas.openxmlformats.org/presentationml/2006/main">
+  <p:cSld>
+    <p:spTree>
+      <p:nvGrpSpPr>
+        <p:cNvPr id="1" name=""/>
+        <p:cNvGrpSpPr/>
+        <p:nvPr/>
+      </p:nvGrpSpPr>
+      <p:grpSpPr>
+        <a:xfrm>
+          <a:off x="0" y="0"/>
+          <a:ext cx="0" cy="0"/>
+          <a:chOff x="0" y="0"/>
+          <a:chExt cx="0" cy="0"/>
+        </a:xfrm>
+      </p:grpSpPr>
+      <p:sp>
+        <p:nvSpPr>
+          <p:cNvPr id="2" name="Nadpis 1">
+            <a:extLst>
+              <a:ext uri="{FF2B5EF4-FFF2-40B4-BE49-F238E27FC236}">
+                <a16:creationId xmlns:a16="http://schemas.microsoft.com/office/drawing/2014/main" id="{4DD4391A-CDBD-DD3D-69FD-CD9BE159B2F8}"/>
+              </a:ext>
+            </a:extLst>
+          </p:cNvPr>
+          <p:cNvSpPr>
+            <a:spLocks noGrp="1"/>
+          </p:cNvSpPr>
+          <p:nvPr>
+            <p:ph type="title"/>
+          </p:nvPr>
+        </p:nvSpPr>
+        <p:spPr/>
+        <p:txBody>
+          <a:bodyPr/>
+          <a:lstStyle/>
+          <a:p>
+            <a:r>
+              <a:rPr lang="cs-CZ" dirty="0"/>
+              <a:t>Historie-zakončení</a:t>
+            </a:r>
+          </a:p>
+        </p:txBody>
+      </p:sp>
+      <p:sp>
+        <p:nvSpPr>
+          <p:cNvPr id="3" name="Zástupný obsah 2">
+            <a:extLst>
+              <a:ext uri="{FF2B5EF4-FFF2-40B4-BE49-F238E27FC236}">
+                <a16:creationId xmlns:a16="http://schemas.microsoft.com/office/drawing/2014/main" id="{DC453D37-C260-DD94-37ED-CBA89DD5A020}"/>
+              </a:ext>
+            </a:extLst>
+          </p:cNvPr>
+          <p:cNvSpPr>
+            <a:spLocks noGrp="1"/>
+          </p:cNvSpPr>
+          <p:nvPr>
+            <p:ph idx="1"/>
+          </p:nvPr>
+        </p:nvSpPr>
+        <p:spPr/>
+        <p:txBody>
+          <a:bodyPr/>
+          <a:lstStyle/>
+          <a:p>
+            <a:pPr algn="l"/>
+            <a:r>
+              <a:rPr lang="cs-CZ" b="0" i="0" dirty="0">
+                <a:solidFill>
+                  <a:srgbClr val="000000"/>
+                </a:solidFill>
+                <a:effectLst/>
+                <a:latin typeface="Roboto" panose="02000000000000000000" pitchFamily="2" charset="0"/>
+              </a:rPr>
+              <a:t>Jeho </a:t>
+            </a:r>
+            <a:r>
+              <a:rPr lang="cs-CZ" dirty="0">
+                <a:solidFill>
+                  <a:schemeClr val="bg1"/>
+                </a:solidFill>
+                <a:latin typeface="Roboto" panose="02000000000000000000" pitchFamily="2" charset="0"/>
+              </a:rPr>
+              <a:t>jádro</a:t>
+            </a:r>
+            <a:r>
+              <a:rPr lang="cs-CZ" b="0" i="0" dirty="0">
+                <a:solidFill>
+                  <a:srgbClr val="000000"/>
+                </a:solidFill>
+                <a:effectLst/>
+                <a:latin typeface="Roboto" panose="02000000000000000000" pitchFamily="2" charset="0"/>
+              </a:rPr>
+              <a:t> si okamžitě našlo řadu příznivců, kteří začali na jeho vývoji spolupracovat a přispívat vlastními myšlenkami. Vývoj se rozrostl do obřích rozměrů. Linus se později rozhodl zdrojové kódy uvolnit pod svobodnou licencí GNU GPL. Tím vznikl výsledný produkt se správným názvem GNU/Linux. Velmi často se používá jen krátké označení Linux, ale podstatná část systému pochází právě z projektu GNU, který kromě Linuxu může běžet s jádry Hurd, </a:t>
+            </a:r>
+            <a:r>
+              <a:rPr lang="cs-CZ" b="0" i="0" dirty="0" err="1">
+                <a:solidFill>
+                  <a:srgbClr val="000000"/>
+                </a:solidFill>
+                <a:effectLst/>
+                <a:latin typeface="Roboto" panose="02000000000000000000" pitchFamily="2" charset="0"/>
+              </a:rPr>
+              <a:t>Minix</a:t>
+            </a:r>
+            <a:r>
+              <a:rPr lang="cs-CZ" b="0" i="0" dirty="0">
+                <a:solidFill>
+                  <a:srgbClr val="000000"/>
+                </a:solidFill>
+                <a:effectLst/>
+                <a:latin typeface="Roboto" panose="02000000000000000000" pitchFamily="2" charset="0"/>
+              </a:rPr>
+              <a:t>, </a:t>
+            </a:r>
+            <a:r>
+              <a:rPr lang="cs-CZ" b="0" i="0" dirty="0" err="1">
+                <a:solidFill>
+                  <a:srgbClr val="000000"/>
+                </a:solidFill>
+                <a:effectLst/>
+                <a:latin typeface="Roboto" panose="02000000000000000000" pitchFamily="2" charset="0"/>
+              </a:rPr>
+              <a:t>FreeBSD</a:t>
+            </a:r>
+            <a:r>
+              <a:rPr lang="cs-CZ" b="0" i="0" dirty="0">
+                <a:solidFill>
+                  <a:srgbClr val="000000"/>
+                </a:solidFill>
+                <a:effectLst/>
+                <a:latin typeface="Roboto" panose="02000000000000000000" pitchFamily="2" charset="0"/>
+              </a:rPr>
+              <a:t> a dalšími.</a:t>
+            </a:r>
+          </a:p>
+          <a:p>
+            <a:endParaRPr lang="cs-CZ" dirty="0"/>
+          </a:p>
+        </p:txBody>
+      </p:sp>
+    </p:spTree>
+    <p:extLst>
+      <p:ext uri="{BB962C8B-B14F-4D97-AF65-F5344CB8AC3E}">
+        <p14:creationId xmlns:p14="http://schemas.microsoft.com/office/powerpoint/2010/main" val="192504061"/>
+      </p:ext>
+    </p:extLst>
+  </p:cSld>
+  <p:clrMapOvr>
+    <a:masterClrMapping/>
+  </p:clrMapOvr>
+</p:sld>
+</file>
+
+<file path=ppt/slides/slide7.xml><?xml version="1.0" encoding="utf-8"?>
+<p:sld xmlns:a="http://schemas.openxmlformats.org/drawingml/2006/main" xmlns:r="http://schemas.openxmlformats.org/officeDocument/2006/relationships" xmlns:p="http://schemas.openxmlformats.org/presentationml/2006/main">
+  <p:cSld>
+    <p:spTree>
+      <p:nvGrpSpPr>
+        <p:cNvPr id="1" name=""/>
+        <p:cNvGrpSpPr/>
+        <p:nvPr/>
+      </p:nvGrpSpPr>
+      <p:grpSpPr>
+        <a:xfrm>
+          <a:off x="0" y="0"/>
+          <a:ext cx="0" cy="0"/>
+          <a:chOff x="0" y="0"/>
+          <a:chExt cx="0" cy="0"/>
+        </a:xfrm>
+      </p:grpSpPr>
+      <p:sp>
+        <p:nvSpPr>
+          <p:cNvPr id="2" name="Nadpis 1">
+            <a:extLst>
+              <a:ext uri="{FF2B5EF4-FFF2-40B4-BE49-F238E27FC236}">
+                <a16:creationId xmlns:a16="http://schemas.microsoft.com/office/drawing/2014/main" id="{97944F6D-73E0-55A8-5C3A-6147875EA0DB}"/>
+              </a:ext>
+            </a:extLst>
+          </p:cNvPr>
+          <p:cNvSpPr>
+            <a:spLocks noGrp="1"/>
+          </p:cNvSpPr>
+          <p:nvPr>
+            <p:ph type="title"/>
+          </p:nvPr>
+        </p:nvSpPr>
+        <p:spPr/>
+        <p:txBody>
+          <a:bodyPr/>
+          <a:lstStyle/>
+          <a:p>
+            <a:endParaRPr lang="cs-CZ"/>
+          </a:p>
+        </p:txBody>
+      </p:sp>
+      <p:sp>
+        <p:nvSpPr>
+          <p:cNvPr id="3" name="Zástupný obsah 2">
+            <a:extLst>
+              <a:ext uri="{FF2B5EF4-FFF2-40B4-BE49-F238E27FC236}">
+                <a16:creationId xmlns:a16="http://schemas.microsoft.com/office/drawing/2014/main" id="{864C8048-2C7B-0DFE-92AD-6EE13070B856}"/>
+              </a:ext>
+            </a:extLst>
+          </p:cNvPr>
+          <p:cNvSpPr>
+            <a:spLocks noGrp="1"/>
+          </p:cNvSpPr>
+          <p:nvPr>
+            <p:ph idx="1"/>
+          </p:nvPr>
+        </p:nvSpPr>
+        <p:spPr/>
+        <p:txBody>
+          <a:bodyPr/>
+          <a:lstStyle/>
+          <a:p>
+            <a:endParaRPr lang="cs-CZ"/>
+          </a:p>
+        </p:txBody>
+      </p:sp>
+    </p:spTree>
+    <p:extLst>
+      <p:ext uri="{BB962C8B-B14F-4D97-AF65-F5344CB8AC3E}">
+        <p14:creationId xmlns:p14="http://schemas.microsoft.com/office/powerpoint/2010/main" val="2707703952"/>
       </p:ext>
     </p:extLst>
   </p:cSld>

--- a/Linux.pptx
+++ b/Linux.pptx
@@ -5,7 +5,7 @@
     <p:sldMasterId id="2147483648" r:id="rId1"/>
   </p:sldMasterIdLst>
   <p:notesMasterIdLst>
-    <p:notesMasterId r:id="rId9"/>
+    <p:notesMasterId r:id="rId11"/>
   </p:notesMasterIdLst>
   <p:sldIdLst>
     <p:sldId id="256" r:id="rId2"/>
@@ -14,7 +14,9 @@
     <p:sldId id="259" r:id="rId5"/>
     <p:sldId id="260" r:id="rId6"/>
     <p:sldId id="261" r:id="rId7"/>
-    <p:sldId id="262" r:id="rId8"/>
+    <p:sldId id="263" r:id="rId8"/>
+    <p:sldId id="262" r:id="rId9"/>
+    <p:sldId id="264" r:id="rId10"/>
   </p:sldIdLst>
   <p:sldSz cx="12192000" cy="6858000"/>
   <p:notesSz cx="6858000" cy="9144000"/>
@@ -203,7 +205,7 @@
           <a:p>
             <a:fld id="{A2CB6FA3-EA73-4C76-9A50-C350990F3718}" type="datetimeFigureOut">
               <a:rPr lang="cs-CZ" smtClean="0"/>
-              <a:t>14.01.2023</a:t>
+              <a:t>15.01.2023</a:t>
             </a:fld>
             <a:endParaRPr lang="cs-CZ"/>
           </a:p>
@@ -965,6 +967,378 @@
 </p:notes>
 </file>
 
+<file path=ppt/notesSlides/notesSlide5.xml><?xml version="1.0" encoding="utf-8"?>
+<p:notes xmlns:a="http://schemas.openxmlformats.org/drawingml/2006/main" xmlns:r="http://schemas.openxmlformats.org/officeDocument/2006/relationships" xmlns:p="http://schemas.openxmlformats.org/presentationml/2006/main">
+  <p:cSld>
+    <p:spTree>
+      <p:nvGrpSpPr>
+        <p:cNvPr id="1" name=""/>
+        <p:cNvGrpSpPr/>
+        <p:nvPr/>
+      </p:nvGrpSpPr>
+      <p:grpSpPr>
+        <a:xfrm>
+          <a:off x="0" y="0"/>
+          <a:ext cx="0" cy="0"/>
+          <a:chOff x="0" y="0"/>
+          <a:chExt cx="0" cy="0"/>
+        </a:xfrm>
+      </p:grpSpPr>
+      <p:sp>
+        <p:nvSpPr>
+          <p:cNvPr id="2" name="Zástupný symbol pro obrázek snímku 1"/>
+          <p:cNvSpPr>
+            <a:spLocks noGrp="1" noRot="1" noChangeAspect="1"/>
+          </p:cNvSpPr>
+          <p:nvPr>
+            <p:ph type="sldImg"/>
+          </p:nvPr>
+        </p:nvSpPr>
+        <p:spPr/>
+      </p:sp>
+      <p:sp>
+        <p:nvSpPr>
+          <p:cNvPr id="3" name="Zástupný symbol pro poznámky 2"/>
+          <p:cNvSpPr>
+            <a:spLocks noGrp="1"/>
+          </p:cNvSpPr>
+          <p:nvPr>
+            <p:ph type="body" idx="1"/>
+          </p:nvPr>
+        </p:nvSpPr>
+        <p:spPr/>
+        <p:txBody>
+          <a:bodyPr/>
+          <a:lstStyle/>
+          <a:p>
+            <a:pPr marL="0" marR="0" lvl="0" indent="0" algn="l" defTabSz="914400" rtl="0" eaLnBrk="1" fontAlgn="auto" latinLnBrk="0" hangingPunct="1">
+              <a:lnSpc>
+                <a:spcPct val="100000"/>
+              </a:lnSpc>
+              <a:spcBef>
+                <a:spcPts val="0"/>
+              </a:spcBef>
+              <a:spcAft>
+                <a:spcPts val="0"/>
+              </a:spcAft>
+              <a:buClrTx/>
+              <a:buSzTx/>
+              <a:buFontTx/>
+              <a:buNone/>
+              <a:tabLst/>
+              <a:defRPr/>
+            </a:pPr>
+            <a:r>
+              <a:rPr lang="cs-CZ" dirty="0"/>
+              <a:t>Nejoblíbenější L. distribuce=1. MX Linux,2. </a:t>
+            </a:r>
+            <a:r>
+              <a:rPr lang="cs-CZ" b="1" i="0" dirty="0" err="1">
+                <a:solidFill>
+                  <a:srgbClr val="000000"/>
+                </a:solidFill>
+                <a:effectLst/>
+                <a:latin typeface="Noticia Text"/>
+              </a:rPr>
+              <a:t>Manjaro</a:t>
+            </a:r>
+            <a:r>
+              <a:rPr lang="cs-CZ" b="1" i="0" dirty="0">
+                <a:solidFill>
+                  <a:srgbClr val="000000"/>
+                </a:solidFill>
+                <a:effectLst/>
+                <a:latin typeface="Noticia Text"/>
+              </a:rPr>
+              <a:t> Linux, 3. místo: Linux </a:t>
+            </a:r>
+            <a:r>
+              <a:rPr lang="cs-CZ" b="1" i="1" u="sng" dirty="0" err="1">
+                <a:solidFill>
+                  <a:srgbClr val="000000"/>
+                </a:solidFill>
+                <a:effectLst/>
+                <a:latin typeface="Noticia Text"/>
+              </a:rPr>
+              <a:t>Mint</a:t>
+            </a:r>
+            <a:r>
+              <a:rPr lang="cs-CZ" b="1" i="1" u="sng" dirty="0">
+                <a:solidFill>
+                  <a:srgbClr val="000000"/>
+                </a:solidFill>
+                <a:effectLst/>
+                <a:latin typeface="Noticia Text"/>
+              </a:rPr>
+              <a:t> </a:t>
+            </a:r>
+            <a:endParaRPr lang="cs-CZ" b="1" i="1" u="sng" dirty="0">
+              <a:solidFill>
+                <a:srgbClr val="FF0000"/>
+              </a:solidFill>
+              <a:effectLst/>
+              <a:highlight>
+                <a:srgbClr val="FFFF00"/>
+              </a:highlight>
+              <a:latin typeface="Noticia Text"/>
+            </a:endParaRPr>
+          </a:p>
+          <a:p>
+            <a:pPr marL="0" marR="0" lvl="0" indent="0" algn="l" defTabSz="914400" rtl="0" eaLnBrk="1" fontAlgn="auto" latinLnBrk="0" hangingPunct="1">
+              <a:lnSpc>
+                <a:spcPct val="100000"/>
+              </a:lnSpc>
+              <a:spcBef>
+                <a:spcPts val="0"/>
+              </a:spcBef>
+              <a:spcAft>
+                <a:spcPts val="0"/>
+              </a:spcAft>
+              <a:buClrTx/>
+              <a:buSzTx/>
+              <a:buFontTx/>
+              <a:buNone/>
+              <a:tabLst/>
+              <a:defRPr/>
+            </a:pPr>
+            <a:r>
+              <a:rPr lang="cs-CZ" b="1" i="0" dirty="0">
+                <a:solidFill>
+                  <a:srgbClr val="000000"/>
+                </a:solidFill>
+                <a:effectLst/>
+                <a:latin typeface="Noticia Text"/>
+              </a:rPr>
+              <a:t> Utility=pomocný programy </a:t>
+            </a:r>
+          </a:p>
+          <a:p>
+            <a:pPr marL="0" marR="0" lvl="0" indent="0" algn="l" defTabSz="914400" rtl="0" eaLnBrk="1" fontAlgn="auto" latinLnBrk="0" hangingPunct="1">
+              <a:lnSpc>
+                <a:spcPct val="100000"/>
+              </a:lnSpc>
+              <a:spcBef>
+                <a:spcPts val="0"/>
+              </a:spcBef>
+              <a:spcAft>
+                <a:spcPts val="0"/>
+              </a:spcAft>
+              <a:buClrTx/>
+              <a:buSzTx/>
+              <a:buFontTx/>
+              <a:buNone/>
+              <a:tabLst/>
+              <a:defRPr/>
+            </a:pPr>
+            <a:r>
+              <a:rPr lang="cs-CZ" b="1" i="0" u="sng" dirty="0">
+                <a:solidFill>
+                  <a:srgbClr val="202122"/>
+                </a:solidFill>
+                <a:effectLst/>
+                <a:latin typeface="Arial" panose="020B0604020202020204" pitchFamily="34" charset="0"/>
+              </a:rPr>
+              <a:t>Protože jsou výše zmíněné nástroje i aplikace na Internetu dostupné v podobě </a:t>
+            </a:r>
+            <a:r>
+              <a:rPr lang="cs-CZ" b="1" i="0" u="sng" strike="noStrike" dirty="0">
+                <a:solidFill>
+                  <a:srgbClr val="0645AD"/>
+                </a:solidFill>
+                <a:effectLst/>
+                <a:latin typeface="Arial" panose="020B0604020202020204" pitchFamily="34" charset="0"/>
+                <a:hlinkClick r:id="rId3" tooltip="Zdrojový kód"/>
+              </a:rPr>
+              <a:t>zdrojových kódů</a:t>
+            </a:r>
+            <a:r>
+              <a:rPr lang="cs-CZ" b="1" i="0" u="sng" dirty="0">
+                <a:solidFill>
+                  <a:srgbClr val="202122"/>
+                </a:solidFill>
+                <a:effectLst/>
+                <a:latin typeface="Arial" panose="020B0604020202020204" pitchFamily="34" charset="0"/>
+              </a:rPr>
+              <a:t>, které je nejprve nutné </a:t>
+            </a:r>
+            <a:r>
+              <a:rPr lang="cs-CZ" b="1" i="0" u="sng" strike="noStrike" dirty="0">
+                <a:solidFill>
+                  <a:srgbClr val="0645AD"/>
+                </a:solidFill>
+                <a:effectLst/>
+                <a:latin typeface="Arial" panose="020B0604020202020204" pitchFamily="34" charset="0"/>
+                <a:hlinkClick r:id="rId4" tooltip="Překladač"/>
+              </a:rPr>
+              <a:t>přeložit</a:t>
+            </a:r>
+            <a:r>
+              <a:rPr lang="cs-CZ" b="1" i="0" u="sng" dirty="0">
+                <a:solidFill>
+                  <a:srgbClr val="202122"/>
+                </a:solidFill>
+                <a:effectLst/>
+                <a:latin typeface="Arial" panose="020B0604020202020204" pitchFamily="34" charset="0"/>
+              </a:rPr>
+              <a:t> do formy </a:t>
+            </a:r>
+            <a:r>
+              <a:rPr lang="cs-CZ" b="1" i="0" u="sng" strike="noStrike" dirty="0">
+                <a:solidFill>
+                  <a:srgbClr val="0645AD"/>
+                </a:solidFill>
+                <a:effectLst/>
+                <a:latin typeface="Arial" panose="020B0604020202020204" pitchFamily="34" charset="0"/>
+                <a:hlinkClick r:id="rId5" tooltip="Spustitelný soubor"/>
+              </a:rPr>
+              <a:t>spustitelných souborů</a:t>
+            </a:r>
+            <a:r>
+              <a:rPr lang="cs-CZ" b="1" i="0" u="sng" dirty="0">
+                <a:solidFill>
+                  <a:srgbClr val="202122"/>
+                </a:solidFill>
+                <a:effectLst/>
+                <a:latin typeface="Arial" panose="020B0604020202020204" pitchFamily="34" charset="0"/>
+              </a:rPr>
+              <a:t>, bylo by pro uživatele velmi nepohodlné, kdyby si vše musel dělat </a:t>
+            </a:r>
+            <a:r>
+              <a:rPr lang="cs-CZ" b="1" i="0" u="sng" dirty="0" err="1">
+                <a:solidFill>
+                  <a:srgbClr val="202122"/>
+                </a:solidFill>
+                <a:effectLst/>
+                <a:latin typeface="Arial" panose="020B0604020202020204" pitchFamily="34" charset="0"/>
+              </a:rPr>
+              <a:t>sámProto</a:t>
+            </a:r>
+            <a:r>
+              <a:rPr lang="cs-CZ" b="1" i="0" u="sng" dirty="0">
+                <a:solidFill>
+                  <a:srgbClr val="202122"/>
+                </a:solidFill>
+                <a:effectLst/>
+                <a:latin typeface="Arial" panose="020B0604020202020204" pitchFamily="34" charset="0"/>
+              </a:rPr>
+              <a:t> existují takzvané </a:t>
+            </a:r>
+            <a:r>
+              <a:rPr lang="cs-CZ" b="1" i="1" u="sng" dirty="0">
+                <a:solidFill>
+                  <a:srgbClr val="202122"/>
+                </a:solidFill>
+                <a:effectLst/>
+                <a:latin typeface="Arial" panose="020B0604020202020204" pitchFamily="34" charset="0"/>
+              </a:rPr>
+              <a:t>distribuce</a:t>
+            </a:r>
+            <a:r>
+              <a:rPr lang="cs-CZ" b="1" i="0" u="sng" dirty="0">
+                <a:solidFill>
+                  <a:srgbClr val="202122"/>
+                </a:solidFill>
+                <a:effectLst/>
+                <a:latin typeface="Arial" panose="020B0604020202020204" pitchFamily="34" charset="0"/>
+              </a:rPr>
+              <a:t>, které obsahují vše potřebné v úhledném balení – přeložené </a:t>
+            </a:r>
+            <a:r>
+              <a:rPr lang="cs-CZ" b="1" i="0" u="sng" strike="noStrike" dirty="0">
+                <a:solidFill>
+                  <a:srgbClr val="0645AD"/>
+                </a:solidFill>
+                <a:effectLst/>
+                <a:latin typeface="Arial" panose="020B0604020202020204" pitchFamily="34" charset="0"/>
+                <a:hlinkClick r:id="rId6" tooltip="Binární soubor"/>
+              </a:rPr>
+              <a:t>binární soubory</a:t>
+            </a:r>
+            <a:r>
+              <a:rPr lang="cs-CZ" b="1" i="0" u="sng" dirty="0">
+                <a:solidFill>
+                  <a:srgbClr val="202122"/>
+                </a:solidFill>
+                <a:effectLst/>
+                <a:latin typeface="Arial" panose="020B0604020202020204" pitchFamily="34" charset="0"/>
+              </a:rPr>
+              <a:t> včetně instalačního programu</a:t>
+            </a:r>
+            <a:endParaRPr lang="cs-CZ" b="1" i="0" u="sng" dirty="0">
+              <a:solidFill>
+                <a:srgbClr val="000000"/>
+              </a:solidFill>
+              <a:effectLst/>
+              <a:latin typeface="Noticia Text"/>
+            </a:endParaRPr>
+          </a:p>
+          <a:p>
+            <a:pPr marL="0" marR="0" lvl="0" indent="0" algn="l" defTabSz="914400" rtl="0" eaLnBrk="1" fontAlgn="auto" latinLnBrk="0" hangingPunct="1">
+              <a:lnSpc>
+                <a:spcPct val="100000"/>
+              </a:lnSpc>
+              <a:spcBef>
+                <a:spcPts val="0"/>
+              </a:spcBef>
+              <a:spcAft>
+                <a:spcPts val="0"/>
+              </a:spcAft>
+              <a:buClrTx/>
+              <a:buSzTx/>
+              <a:buFontTx/>
+              <a:buNone/>
+              <a:tabLst/>
+              <a:defRPr/>
+            </a:pPr>
+            <a:endParaRPr lang="cs-CZ" b="1" i="0" dirty="0">
+              <a:solidFill>
+                <a:srgbClr val="000000"/>
+              </a:solidFill>
+              <a:effectLst/>
+              <a:latin typeface="Noticia Text"/>
+            </a:endParaRPr>
+          </a:p>
+          <a:p>
+            <a:endParaRPr lang="cs-CZ" dirty="0"/>
+          </a:p>
+        </p:txBody>
+      </p:sp>
+      <p:sp>
+        <p:nvSpPr>
+          <p:cNvPr id="4" name="Zástupný symbol pro číslo snímku 3"/>
+          <p:cNvSpPr>
+            <a:spLocks noGrp="1"/>
+          </p:cNvSpPr>
+          <p:nvPr>
+            <p:ph type="sldNum" sz="quarter" idx="5"/>
+          </p:nvPr>
+        </p:nvSpPr>
+        <p:spPr/>
+        <p:txBody>
+          <a:bodyPr/>
+          <a:lstStyle/>
+          <a:p>
+            <a:fld id="{2392C61E-B012-4FBE-A281-EE11B83DE740}" type="slidenum">
+              <a:rPr lang="cs-CZ" smtClean="0"/>
+              <a:t>8</a:t>
+            </a:fld>
+            <a:endParaRPr lang="cs-CZ"/>
+          </a:p>
+        </p:txBody>
+      </p:sp>
+    </p:spTree>
+    <p:extLst>
+      <p:ext uri="{BB962C8B-B14F-4D97-AF65-F5344CB8AC3E}">
+        <p14:creationId xmlns:p14="http://schemas.microsoft.com/office/powerpoint/2010/main" val="1494332809"/>
+      </p:ext>
+    </p:extLst>
+  </p:cSld>
+  <p:clrMapOvr>
+    <a:masterClrMapping/>
+  </p:clrMapOvr>
+</p:notes>
+</file>
+
 <file path=ppt/slideLayouts/slideLayout1.xml><?xml version="1.0" encoding="utf-8"?>
 <p:sldLayout xmlns:a="http://schemas.openxmlformats.org/drawingml/2006/main" xmlns:r="http://schemas.openxmlformats.org/officeDocument/2006/relationships" xmlns:p="http://schemas.openxmlformats.org/presentationml/2006/main" type="title" preserve="1">
   <p:cSld name="Úvodní snímek">
@@ -1239,7 +1613,7 @@
           <a:p>
             <a:fld id="{78ABE3C1-DBE1-495D-B57B-2849774B866A}" type="datetimeFigureOut">
               <a:rPr lang="en-US" dirty="0"/>
-              <a:t>1/14/2023</a:t>
+              <a:t>1/15/2023</a:t>
             </a:fld>
             <a:endParaRPr lang="en-US" dirty="0"/>
           </a:p>
@@ -1648,7 +2022,7 @@
           <a:p>
             <a:fld id="{446C117F-5CCF-4837-BE5F-2B92066CAFAF}" type="datetimeFigureOut">
               <a:rPr lang="en-US" dirty="0"/>
-              <a:t>1/14/2023</a:t>
+              <a:t>1/15/2023</a:t>
             </a:fld>
             <a:endParaRPr lang="en-US" dirty="0"/>
           </a:p>
@@ -1979,7 +2353,7 @@
           <a:p>
             <a:fld id="{84EB90BD-B6CE-46B7-997F-7313B992CCDC}" type="datetimeFigureOut">
               <a:rPr lang="en-US" dirty="0"/>
-              <a:t>1/14/2023</a:t>
+              <a:t>1/15/2023</a:t>
             </a:fld>
             <a:endParaRPr lang="en-US" dirty="0"/>
           </a:p>
@@ -2379,7 +2753,7 @@
           <a:p>
             <a:fld id="{CDB9D11F-B188-461D-B23F-39381795C052}" type="datetimeFigureOut">
               <a:rPr lang="en-US" dirty="0"/>
-              <a:t>1/14/2023</a:t>
+              <a:t>1/15/2023</a:t>
             </a:fld>
             <a:endParaRPr lang="en-US" dirty="0"/>
           </a:p>
@@ -2942,7 +3316,7 @@
           <a:p>
             <a:fld id="{52E6D8D9-55A2-4063-B0F3-121F44549695}" type="datetimeFigureOut">
               <a:rPr lang="en-US" dirty="0"/>
-              <a:t>1/14/2023</a:t>
+              <a:t>1/15/2023</a:t>
             </a:fld>
             <a:endParaRPr lang="en-US" dirty="0"/>
           </a:p>
@@ -3618,7 +3992,7 @@
           <a:p>
             <a:fld id="{D4B24536-994D-4021-A283-9F449C0DB509}" type="datetimeFigureOut">
               <a:rPr lang="en-US" dirty="0"/>
-              <a:t>1/14/2023</a:t>
+              <a:t>1/15/2023</a:t>
             </a:fld>
             <a:endParaRPr lang="en-US" dirty="0"/>
           </a:p>
@@ -4526,7 +4900,7 @@
           <a:p>
             <a:fld id="{3CBBBB78-C96F-47B7-AB17-D852CA960AC9}" type="datetimeFigureOut">
               <a:rPr lang="en-US" dirty="0"/>
-              <a:t>1/14/2023</a:t>
+              <a:t>1/15/2023</a:t>
             </a:fld>
             <a:endParaRPr lang="en-US" dirty="0"/>
           </a:p>
@@ -4834,7 +5208,7 @@
           <a:p>
             <a:fld id="{1FA3F48C-C7C6-4055-9F49-3777875E72AE}" type="datetimeFigureOut">
               <a:rPr lang="en-US" dirty="0"/>
-              <a:t>1/14/2023</a:t>
+              <a:t>1/15/2023</a:t>
             </a:fld>
             <a:endParaRPr lang="en-US" dirty="0"/>
           </a:p>
@@ -5093,7 +5467,7 @@
           <a:p>
             <a:fld id="{6178E61D-D431-422C-9764-11DAFE33AB63}" type="datetimeFigureOut">
               <a:rPr lang="en-US" dirty="0"/>
-              <a:t>1/14/2023</a:t>
+              <a:t>1/15/2023</a:t>
             </a:fld>
             <a:endParaRPr lang="en-US" dirty="0"/>
           </a:p>
@@ -5412,7 +5786,7 @@
           <a:p>
             <a:fld id="{12DE42F4-6EEF-4EF7-8ED4-2208F0F89A08}" type="datetimeFigureOut">
               <a:rPr lang="en-US" dirty="0"/>
-              <a:t>1/14/2023</a:t>
+              <a:t>1/15/2023</a:t>
             </a:fld>
             <a:endParaRPr lang="en-US" dirty="0"/>
           </a:p>
@@ -5796,7 +6170,7 @@
           <a:p>
             <a:fld id="{30578ACC-22D6-47C1-A373-4FD133E34F3C}" type="datetimeFigureOut">
               <a:rPr lang="en-US" dirty="0"/>
-              <a:t>1/14/2023</a:t>
+              <a:t>1/15/2023</a:t>
             </a:fld>
             <a:endParaRPr lang="en-US" dirty="0"/>
           </a:p>
@@ -6167,7 +6541,7 @@
           <a:p>
             <a:fld id="{4E5A6C69-6797-4E8A-BF37-F2C3751466E9}" type="datetimeFigureOut">
               <a:rPr lang="en-US" dirty="0"/>
-              <a:t>1/14/2023</a:t>
+              <a:t>1/15/2023</a:t>
             </a:fld>
             <a:endParaRPr lang="en-US" dirty="0"/>
           </a:p>
@@ -6668,7 +7042,7 @@
           <a:p>
             <a:fld id="{D82014A1-A632-4878-A0D3-F52BA7563730}" type="datetimeFigureOut">
               <a:rPr lang="en-US" dirty="0"/>
-              <a:t>1/14/2023</a:t>
+              <a:t>1/15/2023</a:t>
             </a:fld>
             <a:endParaRPr lang="en-US" dirty="0"/>
           </a:p>
@@ -6920,7 +7294,7 @@
           <a:p>
             <a:fld id="{CE99F462-093F-4566-844B-4C71F2739DA5}" type="datetimeFigureOut">
               <a:rPr lang="en-US" dirty="0"/>
-              <a:t>1/14/2023</a:t>
+              <a:t>1/15/2023</a:t>
             </a:fld>
             <a:endParaRPr lang="en-US" dirty="0"/>
           </a:p>
@@ -7078,7 +7452,7 @@
           <a:p>
             <a:fld id="{3D24A7AC-904D-4781-85BA-7D10C17ED021}" type="datetimeFigureOut">
               <a:rPr lang="en-US" dirty="0"/>
-              <a:t>1/14/2023</a:t>
+              <a:t>1/15/2023</a:t>
             </a:fld>
             <a:endParaRPr lang="en-US" dirty="0"/>
           </a:p>
@@ -7463,7 +7837,7 @@
           <a:p>
             <a:fld id="{E331444B-B92B-4E27-8C94-BB93EAF5CB18}" type="datetimeFigureOut">
               <a:rPr lang="en-US" dirty="0"/>
-              <a:t>1/14/2023</a:t>
+              <a:t>1/15/2023</a:t>
             </a:fld>
             <a:endParaRPr lang="en-US" dirty="0"/>
           </a:p>
@@ -7867,7 +8241,7 @@
           <a:p>
             <a:fld id="{363EFA5E-FA76-400D-B3DC-F0BA90E6D107}" type="datetimeFigureOut">
               <a:rPr lang="en-US" dirty="0"/>
-              <a:t>1/14/2023</a:t>
+              <a:t>1/15/2023</a:t>
             </a:fld>
             <a:endParaRPr lang="en-US" dirty="0"/>
           </a:p>
@@ -8106,7 +8480,7 @@
           <a:p>
             <a:fld id="{9D6E9DEC-419B-4CC5-A080-3B06BD5A8291}" type="datetimeFigureOut">
               <a:rPr lang="en-US" dirty="0"/>
-              <a:t>1/14/2023</a:t>
+              <a:t>1/15/2023</a:t>
             </a:fld>
             <a:endParaRPr lang="en-US" dirty="0"/>
           </a:p>
@@ -9192,6 +9566,8 @@
                 </a:solidFill>
                 <a:effectLst/>
                 <a:latin typeface="Roboto" panose="02000000000000000000" pitchFamily="2" charset="0"/>
+                <a:ea typeface="Roboto" panose="02000000000000000000" pitchFamily="2" charset="0"/>
+                <a:cs typeface="Roboto" panose="02000000000000000000" pitchFamily="2" charset="0"/>
               </a:rPr>
               <a:t>v roce 1991 začal finský student </a:t>
             </a:r>
@@ -9201,6 +9577,8 @@
                   <a:schemeClr val="bg1"/>
                 </a:solidFill>
                 <a:latin typeface="Roboto" panose="02000000000000000000" pitchFamily="2" charset="0"/>
+                <a:ea typeface="Roboto" panose="02000000000000000000" pitchFamily="2" charset="0"/>
+                <a:cs typeface="Roboto" panose="02000000000000000000" pitchFamily="2" charset="0"/>
               </a:rPr>
               <a:t>Linus</a:t>
             </a:r>
@@ -9210,6 +9588,8 @@
                   <a:schemeClr val="bg1"/>
                 </a:solidFill>
                 <a:latin typeface="Roboto" panose="02000000000000000000" pitchFamily="2" charset="0"/>
+                <a:ea typeface="Roboto" panose="02000000000000000000" pitchFamily="2" charset="0"/>
+                <a:cs typeface="Roboto" panose="02000000000000000000" pitchFamily="2" charset="0"/>
               </a:rPr>
               <a:t> </a:t>
             </a:r>
@@ -9219,6 +9599,8 @@
                   <a:schemeClr val="bg1"/>
                 </a:solidFill>
                 <a:latin typeface="Roboto" panose="02000000000000000000" pitchFamily="2" charset="0"/>
+                <a:ea typeface="Roboto" panose="02000000000000000000" pitchFamily="2" charset="0"/>
+                <a:cs typeface="Roboto" panose="02000000000000000000" pitchFamily="2" charset="0"/>
               </a:rPr>
               <a:t>Torvalds</a:t>
             </a:r>
@@ -9229,6 +9611,8 @@
                 </a:solidFill>
                 <a:effectLst/>
                 <a:latin typeface="Roboto" panose="02000000000000000000" pitchFamily="2" charset="0"/>
+                <a:ea typeface="Roboto" panose="02000000000000000000" pitchFamily="2" charset="0"/>
+                <a:cs typeface="Roboto" panose="02000000000000000000" pitchFamily="2" charset="0"/>
               </a:rPr>
               <a:t> pracovat na vývoji vlastního unixového jádra. </a:t>
             </a:r>
@@ -9239,6 +9623,8 @@
                 </a:solidFill>
                 <a:effectLst/>
                 <a:latin typeface="Roboto" panose="02000000000000000000" pitchFamily="2" charset="0"/>
+                <a:ea typeface="Roboto" panose="02000000000000000000" pitchFamily="2" charset="0"/>
+                <a:cs typeface="Roboto" panose="02000000000000000000" pitchFamily="2" charset="0"/>
               </a:rPr>
               <a:t>Minix</a:t>
             </a:r>
@@ -9249,6 +9635,8 @@
                 </a:solidFill>
                 <a:effectLst/>
                 <a:latin typeface="Roboto" panose="02000000000000000000" pitchFamily="2" charset="0"/>
+                <a:ea typeface="Roboto" panose="02000000000000000000" pitchFamily="2" charset="0"/>
+                <a:cs typeface="Roboto" panose="02000000000000000000" pitchFamily="2" charset="0"/>
               </a:rPr>
               <a:t> byl ovšem až příliš jednoduchý  a navíc k němu nebylo možno získat zdrojové kódy. Proto se Linus rozhodl jít cestou nejmenšího odporu a napsat si vlastní operační systém, který by se podobal </a:t>
             </a:r>
@@ -9259,6 +9647,8 @@
                 </a:solidFill>
                 <a:effectLst/>
                 <a:latin typeface="Roboto" panose="02000000000000000000" pitchFamily="2" charset="0"/>
+                <a:ea typeface="Roboto" panose="02000000000000000000" pitchFamily="2" charset="0"/>
+                <a:cs typeface="Roboto" panose="02000000000000000000" pitchFamily="2" charset="0"/>
               </a:rPr>
               <a:t>Minixu</a:t>
             </a:r>
@@ -9269,6 +9659,8 @@
                 </a:solidFill>
                 <a:effectLst/>
                 <a:latin typeface="Roboto" panose="02000000000000000000" pitchFamily="2" charset="0"/>
+                <a:ea typeface="Roboto" panose="02000000000000000000" pitchFamily="2" charset="0"/>
+                <a:cs typeface="Roboto" panose="02000000000000000000" pitchFamily="2" charset="0"/>
               </a:rPr>
               <a:t> a byl provozovatelný na běžném PC. </a:t>
             </a:r>
@@ -9279,6 +9671,8 @@
                 </a:solidFill>
                 <a:effectLst/>
                 <a:latin typeface="Roboto" panose="02000000000000000000" pitchFamily="2" charset="0"/>
+                <a:ea typeface="Roboto" panose="02000000000000000000" pitchFamily="2" charset="0"/>
+                <a:cs typeface="Roboto" panose="02000000000000000000" pitchFamily="2" charset="0"/>
               </a:rPr>
               <a:t> https://www.root.cz/texty/historie-operacniho-systemu-gnulinux/</a:t>
             </a:r>
@@ -9286,6 +9680,9 @@
               <a:solidFill>
                 <a:schemeClr val="bg1"/>
               </a:solidFill>
+              <a:latin typeface="Roboto" panose="02000000000000000000" pitchFamily="2" charset="0"/>
+              <a:ea typeface="Roboto" panose="02000000000000000000" pitchFamily="2" charset="0"/>
+              <a:cs typeface="Roboto" panose="02000000000000000000" pitchFamily="2" charset="0"/>
             </a:endParaRPr>
           </a:p>
         </p:txBody>
@@ -9480,6 +9877,89 @@
           <p:cNvPr id="2" name="Nadpis 1">
             <a:extLst>
               <a:ext uri="{FF2B5EF4-FFF2-40B4-BE49-F238E27FC236}">
+                <a16:creationId xmlns:a16="http://schemas.microsoft.com/office/drawing/2014/main" id="{C504C81C-DC31-E9FB-04DE-568600D745F4}"/>
+              </a:ext>
+            </a:extLst>
+          </p:cNvPr>
+          <p:cNvSpPr>
+            <a:spLocks noGrp="1"/>
+          </p:cNvSpPr>
+          <p:nvPr>
+            <p:ph type="title"/>
+          </p:nvPr>
+        </p:nvSpPr>
+        <p:spPr/>
+        <p:txBody>
+          <a:bodyPr/>
+          <a:lstStyle/>
+          <a:p>
+            <a:r>
+              <a:rPr lang="cs-CZ" dirty="0"/>
+              <a:t>Linuxoví maskot</a:t>
+            </a:r>
+          </a:p>
+        </p:txBody>
+      </p:sp>
+      <p:sp>
+        <p:nvSpPr>
+          <p:cNvPr id="3" name="Zástupný obsah 2">
+            <a:extLst>
+              <a:ext uri="{FF2B5EF4-FFF2-40B4-BE49-F238E27FC236}">
+                <a16:creationId xmlns:a16="http://schemas.microsoft.com/office/drawing/2014/main" id="{43182772-BDEA-A0D8-1BF5-E4D775B98751}"/>
+              </a:ext>
+            </a:extLst>
+          </p:cNvPr>
+          <p:cNvSpPr>
+            <a:spLocks noGrp="1"/>
+          </p:cNvSpPr>
+          <p:nvPr>
+            <p:ph idx="1"/>
+          </p:nvPr>
+        </p:nvSpPr>
+        <p:spPr/>
+        <p:txBody>
+          <a:bodyPr/>
+          <a:lstStyle/>
+          <a:p>
+            <a:endParaRPr lang="cs-CZ" dirty="0"/>
+          </a:p>
+        </p:txBody>
+      </p:sp>
+    </p:spTree>
+    <p:extLst>
+      <p:ext uri="{BB962C8B-B14F-4D97-AF65-F5344CB8AC3E}">
+        <p14:creationId xmlns:p14="http://schemas.microsoft.com/office/powerpoint/2010/main" val="1922307236"/>
+      </p:ext>
+    </p:extLst>
+  </p:cSld>
+  <p:clrMapOvr>
+    <a:masterClrMapping/>
+  </p:clrMapOvr>
+</p:sld>
+</file>
+
+<file path=ppt/slides/slide8.xml><?xml version="1.0" encoding="utf-8"?>
+<p:sld xmlns:a="http://schemas.openxmlformats.org/drawingml/2006/main" xmlns:r="http://schemas.openxmlformats.org/officeDocument/2006/relationships" xmlns:p="http://schemas.openxmlformats.org/presentationml/2006/main">
+  <p:cSld>
+    <p:spTree>
+      <p:nvGrpSpPr>
+        <p:cNvPr id="1" name=""/>
+        <p:cNvGrpSpPr/>
+        <p:nvPr/>
+      </p:nvGrpSpPr>
+      <p:grpSpPr>
+        <a:xfrm>
+          <a:off x="0" y="0"/>
+          <a:ext cx="0" cy="0"/>
+          <a:chOff x="0" y="0"/>
+          <a:chExt cx="0" cy="0"/>
+        </a:xfrm>
+      </p:grpSpPr>
+      <p:sp>
+        <p:nvSpPr>
+          <p:cNvPr id="2" name="Nadpis 1">
+            <a:extLst>
+              <a:ext uri="{FF2B5EF4-FFF2-40B4-BE49-F238E27FC236}">
                 <a16:creationId xmlns:a16="http://schemas.microsoft.com/office/drawing/2014/main" id="{97944F6D-73E0-55A8-5C3A-6147875EA0DB}"/>
               </a:ext>
             </a:extLst>
@@ -9496,7 +9976,10 @@
           <a:bodyPr/>
           <a:lstStyle/>
           <a:p>
-            <a:endParaRPr lang="cs-CZ"/>
+            <a:r>
+              <a:rPr lang="cs-CZ" dirty="0"/>
+              <a:t>Linuxové distribuce</a:t>
+            </a:r>
           </a:p>
         </p:txBody>
       </p:sp>
@@ -9516,12 +9999,202 @@
             <p:ph idx="1"/>
           </p:nvPr>
         </p:nvSpPr>
-        <p:spPr/>
-        <p:txBody>
-          <a:bodyPr/>
+        <p:spPr>
+          <a:xfrm>
+            <a:off x="1" y="2392857"/>
+            <a:ext cx="10294181" cy="3599316"/>
+          </a:xfrm>
+        </p:spPr>
+        <p:txBody>
+          <a:bodyPr>
+            <a:normAutofit/>
+          </a:bodyPr>
           <a:lstStyle/>
           <a:p>
-            <a:endParaRPr lang="cs-CZ"/>
+            <a:pPr lvl="1"/>
+            <a:r>
+              <a:rPr lang="cs-CZ" sz="2800" b="0" i="0" dirty="0">
+                <a:solidFill>
+                  <a:srgbClr val="202122"/>
+                </a:solidFill>
+                <a:effectLst/>
+                <a:latin typeface="Roboto" panose="02000000000000000000" pitchFamily="2" charset="0"/>
+                <a:ea typeface="Roboto" panose="02000000000000000000" pitchFamily="2" charset="0"/>
+                <a:cs typeface="Roboto" panose="02000000000000000000" pitchFamily="2" charset="0"/>
+              </a:rPr>
+              <a:t>Linux jako takový je pouze </a:t>
+            </a:r>
+            <a:r>
+              <a:rPr lang="cs-CZ" sz="2800" dirty="0">
+                <a:solidFill>
+                  <a:schemeClr val="bg1"/>
+                </a:solidFill>
+                <a:latin typeface="Roboto" panose="02000000000000000000" pitchFamily="2" charset="0"/>
+                <a:ea typeface="Roboto" panose="02000000000000000000" pitchFamily="2" charset="0"/>
+                <a:cs typeface="Roboto" panose="02000000000000000000" pitchFamily="2" charset="0"/>
+              </a:rPr>
+              <a:t>jádro</a:t>
+            </a:r>
+            <a:r>
+              <a:rPr lang="cs-CZ" sz="2800" b="0" i="0" dirty="0">
+                <a:solidFill>
+                  <a:schemeClr val="bg1"/>
+                </a:solidFill>
+                <a:effectLst/>
+                <a:latin typeface="Roboto" panose="02000000000000000000" pitchFamily="2" charset="0"/>
+                <a:ea typeface="Roboto" panose="02000000000000000000" pitchFamily="2" charset="0"/>
+                <a:cs typeface="Roboto" panose="02000000000000000000" pitchFamily="2" charset="0"/>
+              </a:rPr>
+              <a:t> </a:t>
+            </a:r>
+            <a:r>
+              <a:rPr lang="cs-CZ" sz="2800" dirty="0">
+                <a:solidFill>
+                  <a:schemeClr val="bg1"/>
+                </a:solidFill>
+                <a:latin typeface="Roboto" panose="02000000000000000000" pitchFamily="2" charset="0"/>
+                <a:ea typeface="Roboto" panose="02000000000000000000" pitchFamily="2" charset="0"/>
+                <a:cs typeface="Roboto" panose="02000000000000000000" pitchFamily="2" charset="0"/>
+              </a:rPr>
+              <a:t>operačního systému</a:t>
+            </a:r>
+            <a:r>
+              <a:rPr lang="cs-CZ" sz="2800" b="0" i="0" dirty="0">
+                <a:solidFill>
+                  <a:srgbClr val="202122"/>
+                </a:solidFill>
+                <a:effectLst/>
+                <a:latin typeface="Roboto" panose="02000000000000000000" pitchFamily="2" charset="0"/>
+                <a:ea typeface="Roboto" panose="02000000000000000000" pitchFamily="2" charset="0"/>
+                <a:cs typeface="Roboto" panose="02000000000000000000" pitchFamily="2" charset="0"/>
+              </a:rPr>
+              <a:t>. </a:t>
+            </a:r>
+            <a:r>
+              <a:rPr lang="cs-CZ" sz="2800" b="0" i="0" dirty="0">
+                <a:solidFill>
+                  <a:schemeClr val="bg1"/>
+                </a:solidFill>
+                <a:effectLst/>
+                <a:latin typeface="Roboto" panose="02000000000000000000" pitchFamily="2" charset="0"/>
+                <a:ea typeface="Roboto" panose="02000000000000000000" pitchFamily="2" charset="0"/>
+                <a:cs typeface="Roboto" panose="02000000000000000000" pitchFamily="2" charset="0"/>
+              </a:rPr>
+              <a:t>K tomu, aby bylo možné počítač s Linuxem používat, je nutné doplnit jádro o další programy.</a:t>
+            </a:r>
+            <a:r>
+              <a:rPr lang="cs-CZ" sz="2400" b="0" i="0" dirty="0">
+                <a:solidFill>
+                  <a:srgbClr val="202122"/>
+                </a:solidFill>
+                <a:effectLst/>
+                <a:latin typeface="Roboto" panose="02000000000000000000" pitchFamily="2" charset="0"/>
+                <a:ea typeface="Roboto" panose="02000000000000000000" pitchFamily="2" charset="0"/>
+                <a:cs typeface="Roboto" panose="02000000000000000000" pitchFamily="2" charset="0"/>
+              </a:rPr>
+              <a:t> </a:t>
+            </a:r>
+            <a:r>
+              <a:rPr lang="cs-CZ" sz="2800" b="0" i="0" dirty="0">
+                <a:solidFill>
+                  <a:schemeClr val="bg1"/>
+                </a:solidFill>
+                <a:effectLst/>
+                <a:latin typeface="Roboto" panose="02000000000000000000" pitchFamily="2" charset="0"/>
+                <a:ea typeface="Roboto" panose="02000000000000000000" pitchFamily="2" charset="0"/>
+                <a:cs typeface="Roboto" panose="02000000000000000000" pitchFamily="2" charset="0"/>
+              </a:rPr>
+              <a:t>Základ tvoří jednoduché </a:t>
+            </a:r>
+            <a:r>
+              <a:rPr lang="cs-CZ" sz="2800" dirty="0">
+                <a:solidFill>
+                  <a:schemeClr val="bg1"/>
+                </a:solidFill>
+                <a:latin typeface="Roboto" panose="02000000000000000000" pitchFamily="2" charset="0"/>
+                <a:ea typeface="Roboto" panose="02000000000000000000" pitchFamily="2" charset="0"/>
+                <a:cs typeface="Roboto" panose="02000000000000000000" pitchFamily="2" charset="0"/>
+              </a:rPr>
+              <a:t>utility. </a:t>
+            </a:r>
+            <a:r>
+              <a:rPr lang="cs-CZ" sz="2800" b="0" i="0" dirty="0">
+                <a:solidFill>
+                  <a:schemeClr val="bg1"/>
+                </a:solidFill>
+                <a:effectLst/>
+                <a:latin typeface="Roboto" panose="02000000000000000000" pitchFamily="2" charset="0"/>
+                <a:ea typeface="Roboto" panose="02000000000000000000" pitchFamily="2" charset="0"/>
+                <a:cs typeface="Roboto" panose="02000000000000000000" pitchFamily="2" charset="0"/>
+              </a:rPr>
+              <a:t>Pro uživatele jsou pak k dispozici </a:t>
+            </a:r>
+            <a:r>
+              <a:rPr lang="cs-CZ" sz="2800" dirty="0">
+                <a:solidFill>
+                  <a:schemeClr val="bg1"/>
+                </a:solidFill>
+                <a:latin typeface="Roboto" panose="02000000000000000000" pitchFamily="2" charset="0"/>
+                <a:ea typeface="Roboto" panose="02000000000000000000" pitchFamily="2" charset="0"/>
+                <a:cs typeface="Roboto" panose="02000000000000000000" pitchFamily="2" charset="0"/>
+              </a:rPr>
+              <a:t>aplikace. </a:t>
+            </a:r>
+            <a:r>
+              <a:rPr lang="cs-CZ" sz="2800" b="0" i="0" dirty="0">
+                <a:solidFill>
+                  <a:schemeClr val="bg1"/>
+                </a:solidFill>
+                <a:effectLst/>
+                <a:latin typeface="Roboto" panose="02000000000000000000" pitchFamily="2" charset="0"/>
+                <a:ea typeface="Roboto" panose="02000000000000000000" pitchFamily="2" charset="0"/>
+                <a:cs typeface="Roboto" panose="02000000000000000000" pitchFamily="2" charset="0"/>
+              </a:rPr>
+              <a:t>Jednotlivé běžně používané nástroje i aplikace jsou volně dostupné na i</a:t>
+            </a:r>
+            <a:r>
+              <a:rPr lang="cs-CZ" sz="2800" dirty="0">
+                <a:solidFill>
+                  <a:schemeClr val="bg1"/>
+                </a:solidFill>
+                <a:latin typeface="Roboto" panose="02000000000000000000" pitchFamily="2" charset="0"/>
+                <a:ea typeface="Roboto" panose="02000000000000000000" pitchFamily="2" charset="0"/>
+                <a:cs typeface="Roboto" panose="02000000000000000000" pitchFamily="2" charset="0"/>
+              </a:rPr>
+              <a:t>nternetu</a:t>
+            </a:r>
+            <a:r>
+              <a:rPr lang="cs-CZ" sz="2800" b="1" i="0" dirty="0">
+                <a:solidFill>
+                  <a:schemeClr val="bg1"/>
+                </a:solidFill>
+                <a:effectLst/>
+                <a:latin typeface="Roboto" panose="02000000000000000000" pitchFamily="2" charset="0"/>
+                <a:ea typeface="Roboto" panose="02000000000000000000" pitchFamily="2" charset="0"/>
+                <a:cs typeface="Roboto" panose="02000000000000000000" pitchFamily="2" charset="0"/>
+              </a:rPr>
+              <a:t>. </a:t>
+            </a:r>
+            <a:r>
+              <a:rPr lang="cs-CZ" sz="2800" b="1" i="0">
+                <a:solidFill>
+                  <a:schemeClr val="bg1"/>
+                </a:solidFill>
+                <a:effectLst/>
+                <a:latin typeface="Roboto" panose="02000000000000000000" pitchFamily="2" charset="0"/>
+                <a:ea typeface="Roboto" panose="02000000000000000000" pitchFamily="2" charset="0"/>
+                <a:cs typeface="Roboto" panose="02000000000000000000" pitchFamily="2" charset="0"/>
+              </a:rPr>
+              <a:t>https://cs.wikipedia.org/wiki/Linux#Logo_a_n%C3%A1zev</a:t>
+            </a:r>
+            <a:endParaRPr lang="cs-CZ" sz="2800" dirty="0">
+              <a:solidFill>
+                <a:schemeClr val="bg1"/>
+              </a:solidFill>
+              <a:latin typeface="Roboto" panose="02000000000000000000" pitchFamily="2" charset="0"/>
+              <a:ea typeface="Roboto" panose="02000000000000000000" pitchFamily="2" charset="0"/>
+              <a:cs typeface="Roboto" panose="02000000000000000000" pitchFamily="2" charset="0"/>
+            </a:endParaRPr>
           </a:p>
         </p:txBody>
       </p:sp>
@@ -9529,6 +10202,86 @@
     <p:extLst>
       <p:ext uri="{BB962C8B-B14F-4D97-AF65-F5344CB8AC3E}">
         <p14:creationId xmlns:p14="http://schemas.microsoft.com/office/powerpoint/2010/main" val="2707703952"/>
+      </p:ext>
+    </p:extLst>
+  </p:cSld>
+  <p:clrMapOvr>
+    <a:masterClrMapping/>
+  </p:clrMapOvr>
+</p:sld>
+</file>
+
+<file path=ppt/slides/slide9.xml><?xml version="1.0" encoding="utf-8"?>
+<p:sld xmlns:a="http://schemas.openxmlformats.org/drawingml/2006/main" xmlns:r="http://schemas.openxmlformats.org/officeDocument/2006/relationships" xmlns:p="http://schemas.openxmlformats.org/presentationml/2006/main">
+  <p:cSld>
+    <p:spTree>
+      <p:nvGrpSpPr>
+        <p:cNvPr id="1" name=""/>
+        <p:cNvGrpSpPr/>
+        <p:nvPr/>
+      </p:nvGrpSpPr>
+      <p:grpSpPr>
+        <a:xfrm>
+          <a:off x="0" y="0"/>
+          <a:ext cx="0" cy="0"/>
+          <a:chOff x="0" y="0"/>
+          <a:chExt cx="0" cy="0"/>
+        </a:xfrm>
+      </p:grpSpPr>
+      <p:sp>
+        <p:nvSpPr>
+          <p:cNvPr id="2" name="Nadpis 1">
+            <a:extLst>
+              <a:ext uri="{FF2B5EF4-FFF2-40B4-BE49-F238E27FC236}">
+                <a16:creationId xmlns:a16="http://schemas.microsoft.com/office/drawing/2014/main" id="{65F52AB9-F992-CCAE-0E2F-6AF485228FEC}"/>
+              </a:ext>
+            </a:extLst>
+          </p:cNvPr>
+          <p:cNvSpPr>
+            <a:spLocks noGrp="1"/>
+          </p:cNvSpPr>
+          <p:nvPr>
+            <p:ph type="title"/>
+          </p:nvPr>
+        </p:nvSpPr>
+        <p:spPr/>
+        <p:txBody>
+          <a:bodyPr/>
+          <a:lstStyle/>
+          <a:p>
+            <a:endParaRPr lang="cs-CZ"/>
+          </a:p>
+        </p:txBody>
+      </p:sp>
+      <p:sp>
+        <p:nvSpPr>
+          <p:cNvPr id="3" name="Zástupný obsah 2">
+            <a:extLst>
+              <a:ext uri="{FF2B5EF4-FFF2-40B4-BE49-F238E27FC236}">
+                <a16:creationId xmlns:a16="http://schemas.microsoft.com/office/drawing/2014/main" id="{B5FF33DB-1CA5-C115-8014-9622EBBE545D}"/>
+              </a:ext>
+            </a:extLst>
+          </p:cNvPr>
+          <p:cNvSpPr>
+            <a:spLocks noGrp="1"/>
+          </p:cNvSpPr>
+          <p:nvPr>
+            <p:ph idx="1"/>
+          </p:nvPr>
+        </p:nvSpPr>
+        <p:spPr/>
+        <p:txBody>
+          <a:bodyPr/>
+          <a:lstStyle/>
+          <a:p>
+            <a:endParaRPr lang="cs-CZ"/>
+          </a:p>
+        </p:txBody>
+      </p:sp>
+    </p:spTree>
+    <p:extLst>
+      <p:ext uri="{BB962C8B-B14F-4D97-AF65-F5344CB8AC3E}">
+        <p14:creationId xmlns:p14="http://schemas.microsoft.com/office/powerpoint/2010/main" val="1351967194"/>
       </p:ext>
     </p:extLst>
   </p:cSld>

--- a/Linux.pptx
+++ b/Linux.pptx
@@ -5,7 +5,7 @@
     <p:sldMasterId id="2147483648" r:id="rId1"/>
   </p:sldMasterIdLst>
   <p:notesMasterIdLst>
-    <p:notesMasterId r:id="rId11"/>
+    <p:notesMasterId r:id="rId13"/>
   </p:notesMasterIdLst>
   <p:sldIdLst>
     <p:sldId id="256" r:id="rId2"/>
@@ -16,7 +16,9 @@
     <p:sldId id="261" r:id="rId7"/>
     <p:sldId id="263" r:id="rId8"/>
     <p:sldId id="262" r:id="rId9"/>
-    <p:sldId id="264" r:id="rId10"/>
+    <p:sldId id="265" r:id="rId10"/>
+    <p:sldId id="266" r:id="rId11"/>
+    <p:sldId id="267" r:id="rId12"/>
   </p:sldIdLst>
   <p:sldSz cx="12192000" cy="6858000"/>
   <p:notesSz cx="6858000" cy="9144000"/>
@@ -1330,6 +1332,100 @@
     <p:extLst>
       <p:ext uri="{BB962C8B-B14F-4D97-AF65-F5344CB8AC3E}">
         <p14:creationId xmlns:p14="http://schemas.microsoft.com/office/powerpoint/2010/main" val="1494332809"/>
+      </p:ext>
+    </p:extLst>
+  </p:cSld>
+  <p:clrMapOvr>
+    <a:masterClrMapping/>
+  </p:clrMapOvr>
+</p:notes>
+</file>
+
+<file path=ppt/notesSlides/notesSlide6.xml><?xml version="1.0" encoding="utf-8"?>
+<p:notes xmlns:a="http://schemas.openxmlformats.org/drawingml/2006/main" xmlns:r="http://schemas.openxmlformats.org/officeDocument/2006/relationships" xmlns:p="http://schemas.openxmlformats.org/presentationml/2006/main">
+  <p:cSld>
+    <p:spTree>
+      <p:nvGrpSpPr>
+        <p:cNvPr id="1" name=""/>
+        <p:cNvGrpSpPr/>
+        <p:nvPr/>
+      </p:nvGrpSpPr>
+      <p:grpSpPr>
+        <a:xfrm>
+          <a:off x="0" y="0"/>
+          <a:ext cx="0" cy="0"/>
+          <a:chOff x="0" y="0"/>
+          <a:chExt cx="0" cy="0"/>
+        </a:xfrm>
+      </p:grpSpPr>
+      <p:sp>
+        <p:nvSpPr>
+          <p:cNvPr id="2" name="Zástupný symbol pro obrázek snímku 1"/>
+          <p:cNvSpPr>
+            <a:spLocks noGrp="1" noRot="1" noChangeAspect="1"/>
+          </p:cNvSpPr>
+          <p:nvPr>
+            <p:ph type="sldImg"/>
+          </p:nvPr>
+        </p:nvSpPr>
+        <p:spPr/>
+      </p:sp>
+      <p:sp>
+        <p:nvSpPr>
+          <p:cNvPr id="3" name="Zástupný symbol pro poznámky 2"/>
+          <p:cNvSpPr>
+            <a:spLocks noGrp="1"/>
+          </p:cNvSpPr>
+          <p:nvPr>
+            <p:ph type="body" idx="1"/>
+          </p:nvPr>
+        </p:nvSpPr>
+        <p:spPr/>
+        <p:txBody>
+          <a:bodyPr/>
+          <a:lstStyle/>
+          <a:p>
+            <a:r>
+              <a:rPr lang="cs-CZ" b="0" i="0" dirty="0">
+                <a:solidFill>
+                  <a:srgbClr val="202122"/>
+                </a:solidFill>
+                <a:effectLst/>
+                <a:latin typeface="Arial" panose="020B0604020202020204" pitchFamily="34" charset="0"/>
+              </a:rPr>
+              <a:t>(ve skutečnosti open source programy vyžadují, aby s nimi licence byla dodávána nejen u zdrojových kódů, ale i u funkční podoby)</a:t>
+            </a:r>
+            <a:endParaRPr lang="cs-CZ" dirty="0"/>
+          </a:p>
+        </p:txBody>
+      </p:sp>
+      <p:sp>
+        <p:nvSpPr>
+          <p:cNvPr id="4" name="Zástupný symbol pro číslo snímku 3"/>
+          <p:cNvSpPr>
+            <a:spLocks noGrp="1"/>
+          </p:cNvSpPr>
+          <p:nvPr>
+            <p:ph type="sldNum" sz="quarter" idx="5"/>
+          </p:nvPr>
+        </p:nvSpPr>
+        <p:spPr/>
+        <p:txBody>
+          <a:bodyPr/>
+          <a:lstStyle/>
+          <a:p>
+            <a:fld id="{2392C61E-B012-4FBE-A281-EE11B83DE740}" type="slidenum">
+              <a:rPr lang="cs-CZ" smtClean="0"/>
+              <a:t>9</a:t>
+            </a:fld>
+            <a:endParaRPr lang="cs-CZ"/>
+          </a:p>
+        </p:txBody>
+      </p:sp>
+    </p:spTree>
+    <p:extLst>
+      <p:ext uri="{BB962C8B-B14F-4D97-AF65-F5344CB8AC3E}">
+        <p14:creationId xmlns:p14="http://schemas.microsoft.com/office/powerpoint/2010/main" val="2144685517"/>
       </p:ext>
     </p:extLst>
   </p:cSld>
@@ -8959,6 +9055,354 @@
 </p:sld>
 </file>
 
+<file path=ppt/slides/slide10.xml><?xml version="1.0" encoding="utf-8"?>
+<p:sld xmlns:a="http://schemas.openxmlformats.org/drawingml/2006/main" xmlns:r="http://schemas.openxmlformats.org/officeDocument/2006/relationships" xmlns:p="http://schemas.openxmlformats.org/presentationml/2006/main">
+  <p:cSld>
+    <p:spTree>
+      <p:nvGrpSpPr>
+        <p:cNvPr id="1" name=""/>
+        <p:cNvGrpSpPr/>
+        <p:nvPr/>
+      </p:nvGrpSpPr>
+      <p:grpSpPr>
+        <a:xfrm>
+          <a:off x="0" y="0"/>
+          <a:ext cx="0" cy="0"/>
+          <a:chOff x="0" y="0"/>
+          <a:chExt cx="0" cy="0"/>
+        </a:xfrm>
+      </p:grpSpPr>
+      <p:sp>
+        <p:nvSpPr>
+          <p:cNvPr id="2" name="Nadpis 1">
+            <a:extLst>
+              <a:ext uri="{FF2B5EF4-FFF2-40B4-BE49-F238E27FC236}">
+                <a16:creationId xmlns:a16="http://schemas.microsoft.com/office/drawing/2014/main" id="{99405512-64A7-99C7-9FD0-C56646CFE47F}"/>
+              </a:ext>
+            </a:extLst>
+          </p:cNvPr>
+          <p:cNvSpPr>
+            <a:spLocks noGrp="1"/>
+          </p:cNvSpPr>
+          <p:nvPr>
+            <p:ph type="title"/>
+          </p:nvPr>
+        </p:nvSpPr>
+        <p:spPr/>
+        <p:txBody>
+          <a:bodyPr/>
+          <a:lstStyle/>
+          <a:p>
+            <a:r>
+              <a:rPr lang="cs-CZ" dirty="0"/>
+              <a:t>Licence</a:t>
+            </a:r>
+          </a:p>
+        </p:txBody>
+      </p:sp>
+      <p:sp>
+        <p:nvSpPr>
+          <p:cNvPr id="3" name="Zástupný obsah 2">
+            <a:extLst>
+              <a:ext uri="{FF2B5EF4-FFF2-40B4-BE49-F238E27FC236}">
+                <a16:creationId xmlns:a16="http://schemas.microsoft.com/office/drawing/2014/main" id="{276005DA-B895-D62E-DCBC-95DC9DB38293}"/>
+              </a:ext>
+            </a:extLst>
+          </p:cNvPr>
+          <p:cNvSpPr>
+            <a:spLocks noGrp="1"/>
+          </p:cNvSpPr>
+          <p:nvPr>
+            <p:ph idx="1"/>
+          </p:nvPr>
+        </p:nvSpPr>
+        <p:spPr/>
+        <p:txBody>
+          <a:bodyPr/>
+          <a:lstStyle/>
+          <a:p>
+            <a:r>
+              <a:rPr lang="cs-CZ" b="0" i="0" dirty="0">
+                <a:solidFill>
+                  <a:schemeClr val="bg1"/>
+                </a:solidFill>
+                <a:effectLst/>
+                <a:latin typeface="Arial" panose="020B0604020202020204" pitchFamily="34" charset="0"/>
+              </a:rPr>
+              <a:t> Některé však mohou obsahovat nesvobodný software, takže je lze volně používat, ale je omezeno jejich šíření. Například v případě, že obsahují komerční programy (</a:t>
+            </a:r>
+            <a:r>
+              <a:rPr lang="cs-CZ" dirty="0">
+                <a:solidFill>
+                  <a:schemeClr val="bg1"/>
+                </a:solidFill>
+                <a:latin typeface="Arial" panose="020B0604020202020204" pitchFamily="34" charset="0"/>
+              </a:rPr>
+              <a:t>ovladače</a:t>
+            </a:r>
+            <a:r>
+              <a:rPr lang="cs-CZ" b="0" i="0" dirty="0">
+                <a:solidFill>
+                  <a:schemeClr val="bg1"/>
+                </a:solidFill>
+                <a:effectLst/>
+                <a:latin typeface="Arial" panose="020B0604020202020204" pitchFamily="34" charset="0"/>
+              </a:rPr>
+              <a:t> pro </a:t>
+            </a:r>
+            <a:r>
+              <a:rPr lang="cs-CZ" dirty="0">
+                <a:solidFill>
+                  <a:schemeClr val="bg1"/>
+                </a:solidFill>
+                <a:latin typeface="Arial" panose="020B0604020202020204" pitchFamily="34" charset="0"/>
+              </a:rPr>
+              <a:t>grafickou kartu, počítačové hry,..) </a:t>
+            </a:r>
+          </a:p>
+          <a:p>
+            <a:r>
+              <a:rPr lang="cs-CZ" b="0" i="0" dirty="0">
+                <a:solidFill>
+                  <a:schemeClr val="bg1"/>
+                </a:solidFill>
+                <a:effectLst/>
+                <a:latin typeface="Arial" panose="020B0604020202020204" pitchFamily="34" charset="0"/>
+              </a:rPr>
+              <a:t>Také profesionální komerční distribuce jsou dostupné pouze po zaplacení (například </a:t>
+            </a:r>
+            <a:r>
+              <a:rPr lang="cs-CZ" u="sng" dirty="0" err="1">
+                <a:solidFill>
+                  <a:schemeClr val="bg1"/>
+                </a:solidFill>
+                <a:latin typeface="Arial" panose="020B0604020202020204" pitchFamily="34" charset="0"/>
+              </a:rPr>
+              <a:t>Red</a:t>
+            </a:r>
+            <a:r>
+              <a:rPr lang="cs-CZ" u="sng" dirty="0">
+                <a:solidFill>
+                  <a:schemeClr val="bg1"/>
+                </a:solidFill>
+                <a:latin typeface="Arial" panose="020B0604020202020204" pitchFamily="34" charset="0"/>
+              </a:rPr>
+              <a:t> </a:t>
+            </a:r>
+            <a:r>
+              <a:rPr lang="cs-CZ" u="sng" dirty="0" err="1">
+                <a:solidFill>
+                  <a:schemeClr val="bg1"/>
+                </a:solidFill>
+                <a:latin typeface="Arial" panose="020B0604020202020204" pitchFamily="34" charset="0"/>
+              </a:rPr>
+              <a:t>Hat</a:t>
+            </a:r>
+            <a:r>
+              <a:rPr lang="cs-CZ" u="sng" dirty="0">
+                <a:solidFill>
+                  <a:schemeClr val="bg1"/>
+                </a:solidFill>
+                <a:latin typeface="Arial" panose="020B0604020202020204" pitchFamily="34" charset="0"/>
+              </a:rPr>
+              <a:t> </a:t>
+            </a:r>
+            <a:r>
+              <a:rPr lang="cs-CZ" u="sng" dirty="0" err="1">
+                <a:solidFill>
+                  <a:schemeClr val="bg1"/>
+                </a:solidFill>
+                <a:latin typeface="Arial" panose="020B0604020202020204" pitchFamily="34" charset="0"/>
+              </a:rPr>
+              <a:t>Enterprise</a:t>
+            </a:r>
+            <a:r>
+              <a:rPr lang="cs-CZ" u="sng" dirty="0">
+                <a:solidFill>
+                  <a:schemeClr val="bg1"/>
+                </a:solidFill>
+                <a:latin typeface="Arial" panose="020B0604020202020204" pitchFamily="34" charset="0"/>
+              </a:rPr>
+              <a:t> Linux</a:t>
+            </a:r>
+            <a:r>
+              <a:rPr lang="cs-CZ" b="0" i="0" dirty="0">
+                <a:solidFill>
+                  <a:schemeClr val="bg1"/>
+                </a:solidFill>
+                <a:effectLst/>
+                <a:latin typeface="Arial" panose="020B0604020202020204" pitchFamily="34" charset="0"/>
+              </a:rPr>
+              <a:t>, </a:t>
+            </a:r>
+            <a:r>
+              <a:rPr lang="cs-CZ" u="sng" dirty="0">
+                <a:solidFill>
+                  <a:schemeClr val="bg1"/>
+                </a:solidFill>
+                <a:latin typeface="Arial" panose="020B0604020202020204" pitchFamily="34" charset="0"/>
+              </a:rPr>
+              <a:t>SUSE Linux </a:t>
+            </a:r>
+            <a:r>
+              <a:rPr lang="cs-CZ" u="sng" dirty="0" err="1">
+                <a:solidFill>
+                  <a:schemeClr val="bg1"/>
+                </a:solidFill>
+                <a:latin typeface="Arial" panose="020B0604020202020204" pitchFamily="34" charset="0"/>
+              </a:rPr>
+              <a:t>Enterprise</a:t>
+            </a:r>
+            <a:r>
+              <a:rPr lang="cs-CZ" u="sng" dirty="0">
+                <a:solidFill>
+                  <a:schemeClr val="bg1"/>
+                </a:solidFill>
+                <a:latin typeface="Arial" panose="020B0604020202020204" pitchFamily="34" charset="0"/>
+              </a:rPr>
+              <a:t> Server</a:t>
+            </a:r>
+            <a:r>
+              <a:rPr lang="cs-CZ" b="0" i="0" dirty="0">
+                <a:solidFill>
+                  <a:schemeClr val="bg1"/>
+                </a:solidFill>
+                <a:effectLst/>
+                <a:latin typeface="Arial" panose="020B0604020202020204" pitchFamily="34" charset="0"/>
+              </a:rPr>
+              <a:t>), avšak díky povaze open source k některým existují volně šiřitelné identické klony (např. </a:t>
+            </a:r>
+            <a:r>
+              <a:rPr lang="cs-CZ" u="sng" dirty="0" err="1">
+                <a:solidFill>
+                  <a:schemeClr val="bg1"/>
+                </a:solidFill>
+                <a:latin typeface="Arial" panose="020B0604020202020204" pitchFamily="34" charset="0"/>
+              </a:rPr>
+              <a:t>CentOS</a:t>
+            </a:r>
+            <a:r>
+              <a:rPr lang="cs-CZ" b="0" i="0" dirty="0">
+                <a:solidFill>
+                  <a:schemeClr val="bg1"/>
+                </a:solidFill>
+                <a:effectLst/>
+                <a:latin typeface="Arial" panose="020B0604020202020204" pitchFamily="34" charset="0"/>
+              </a:rPr>
+              <a:t>). </a:t>
+            </a:r>
+            <a:r>
+              <a:rPr lang="cs-CZ" b="0" i="0">
+                <a:solidFill>
+                  <a:schemeClr val="bg1"/>
+                </a:solidFill>
+                <a:effectLst/>
+                <a:latin typeface="Arial" panose="020B0604020202020204" pitchFamily="34" charset="0"/>
+              </a:rPr>
+              <a:t>https://cs.wikipedia.org/wiki/Linux#Licence</a:t>
+            </a:r>
+            <a:endParaRPr lang="cs-CZ" dirty="0">
+              <a:solidFill>
+                <a:schemeClr val="bg1"/>
+              </a:solidFill>
+              <a:latin typeface="Arial" panose="020B0604020202020204" pitchFamily="34" charset="0"/>
+            </a:endParaRPr>
+          </a:p>
+        </p:txBody>
+      </p:sp>
+    </p:spTree>
+    <p:extLst>
+      <p:ext uri="{BB962C8B-B14F-4D97-AF65-F5344CB8AC3E}">
+        <p14:creationId xmlns:p14="http://schemas.microsoft.com/office/powerpoint/2010/main" val="2267382108"/>
+      </p:ext>
+    </p:extLst>
+  </p:cSld>
+  <p:clrMapOvr>
+    <a:masterClrMapping/>
+  </p:clrMapOvr>
+</p:sld>
+</file>
+
+<file path=ppt/slides/slide11.xml><?xml version="1.0" encoding="utf-8"?>
+<p:sld xmlns:a="http://schemas.openxmlformats.org/drawingml/2006/main" xmlns:r="http://schemas.openxmlformats.org/officeDocument/2006/relationships" xmlns:p="http://schemas.openxmlformats.org/presentationml/2006/main">
+  <p:cSld>
+    <p:spTree>
+      <p:nvGrpSpPr>
+        <p:cNvPr id="1" name=""/>
+        <p:cNvGrpSpPr/>
+        <p:nvPr/>
+      </p:nvGrpSpPr>
+      <p:grpSpPr>
+        <a:xfrm>
+          <a:off x="0" y="0"/>
+          <a:ext cx="0" cy="0"/>
+          <a:chOff x="0" y="0"/>
+          <a:chExt cx="0" cy="0"/>
+        </a:xfrm>
+      </p:grpSpPr>
+      <p:sp>
+        <p:nvSpPr>
+          <p:cNvPr id="2" name="Nadpis 1">
+            <a:extLst>
+              <a:ext uri="{FF2B5EF4-FFF2-40B4-BE49-F238E27FC236}">
+                <a16:creationId xmlns:a16="http://schemas.microsoft.com/office/drawing/2014/main" id="{83E4EC67-7DE5-FDD9-338E-46FE2B486643}"/>
+              </a:ext>
+            </a:extLst>
+          </p:cNvPr>
+          <p:cNvSpPr>
+            <a:spLocks noGrp="1"/>
+          </p:cNvSpPr>
+          <p:nvPr>
+            <p:ph type="title"/>
+          </p:nvPr>
+        </p:nvSpPr>
+        <p:spPr/>
+        <p:txBody>
+          <a:bodyPr/>
+          <a:lstStyle/>
+          <a:p>
+            <a:endParaRPr lang="cs-CZ"/>
+          </a:p>
+        </p:txBody>
+      </p:sp>
+      <p:sp>
+        <p:nvSpPr>
+          <p:cNvPr id="3" name="Zástupný obsah 2">
+            <a:extLst>
+              <a:ext uri="{FF2B5EF4-FFF2-40B4-BE49-F238E27FC236}">
+                <a16:creationId xmlns:a16="http://schemas.microsoft.com/office/drawing/2014/main" id="{A7FD3F4F-F3D7-BC46-99B4-EC5AA23A2C88}"/>
+              </a:ext>
+            </a:extLst>
+          </p:cNvPr>
+          <p:cNvSpPr>
+            <a:spLocks noGrp="1"/>
+          </p:cNvSpPr>
+          <p:nvPr>
+            <p:ph idx="1"/>
+          </p:nvPr>
+        </p:nvSpPr>
+        <p:spPr/>
+        <p:txBody>
+          <a:bodyPr/>
+          <a:lstStyle/>
+          <a:p>
+            <a:endParaRPr lang="cs-CZ"/>
+          </a:p>
+        </p:txBody>
+      </p:sp>
+    </p:spTree>
+    <p:extLst>
+      <p:ext uri="{BB962C8B-B14F-4D97-AF65-F5344CB8AC3E}">
+        <p14:creationId xmlns:p14="http://schemas.microsoft.com/office/powerpoint/2010/main" val="232546817"/>
+      </p:ext>
+    </p:extLst>
+  </p:cSld>
+  <p:clrMapOvr>
+    <a:masterClrMapping/>
+  </p:clrMapOvr>
+</p:sld>
+</file>
+
 <file path=ppt/slides/slide2.xml><?xml version="1.0" encoding="utf-8"?>
 <p:sld xmlns:a="http://schemas.openxmlformats.org/drawingml/2006/main" xmlns:r="http://schemas.openxmlformats.org/officeDocument/2006/relationships" xmlns:p="http://schemas.openxmlformats.org/presentationml/2006/main">
   <p:cSld>
@@ -10173,19 +10617,7 @@
                 <a:ea typeface="Roboto" panose="02000000000000000000" pitchFamily="2" charset="0"/>
                 <a:cs typeface="Roboto" panose="02000000000000000000" pitchFamily="2" charset="0"/>
               </a:rPr>
-              <a:t>. </a:t>
-            </a:r>
-            <a:r>
-              <a:rPr lang="cs-CZ" sz="2800" b="1" i="0">
-                <a:solidFill>
-                  <a:schemeClr val="bg1"/>
-                </a:solidFill>
-                <a:effectLst/>
-                <a:latin typeface="Roboto" panose="02000000000000000000" pitchFamily="2" charset="0"/>
-                <a:ea typeface="Roboto" panose="02000000000000000000" pitchFamily="2" charset="0"/>
-                <a:cs typeface="Roboto" panose="02000000000000000000" pitchFamily="2" charset="0"/>
-              </a:rPr>
-              <a:t>https://cs.wikipedia.org/wiki/Linux#Logo_a_n%C3%A1zev</a:t>
+              <a:t>. https://cs.wikipedia.org/wiki/Linux#Logo_a_n%C3%A1zev</a:t>
             </a:r>
             <a:endParaRPr lang="cs-CZ" sz="2800" dirty="0">
               <a:solidFill>
@@ -10233,7 +10665,7 @@
           <p:cNvPr id="2" name="Nadpis 1">
             <a:extLst>
               <a:ext uri="{FF2B5EF4-FFF2-40B4-BE49-F238E27FC236}">
-                <a16:creationId xmlns:a16="http://schemas.microsoft.com/office/drawing/2014/main" id="{65F52AB9-F992-CCAE-0E2F-6AF485228FEC}"/>
+                <a16:creationId xmlns:a16="http://schemas.microsoft.com/office/drawing/2014/main" id="{4994B7B4-6CC0-431F-D6EE-3B92D10ED6E5}"/>
               </a:ext>
             </a:extLst>
           </p:cNvPr>
@@ -10249,7 +10681,10 @@
           <a:bodyPr/>
           <a:lstStyle/>
           <a:p>
-            <a:endParaRPr lang="cs-CZ"/>
+            <a:r>
+              <a:rPr lang="cs-CZ" dirty="0"/>
+              <a:t>Licence</a:t>
+            </a:r>
           </a:p>
         </p:txBody>
       </p:sp>
@@ -10258,7 +10693,7 @@
           <p:cNvPr id="3" name="Zástupný obsah 2">
             <a:extLst>
               <a:ext uri="{FF2B5EF4-FFF2-40B4-BE49-F238E27FC236}">
-                <a16:creationId xmlns:a16="http://schemas.microsoft.com/office/drawing/2014/main" id="{B5FF33DB-1CA5-C115-8014-9622EBBE545D}"/>
+                <a16:creationId xmlns:a16="http://schemas.microsoft.com/office/drawing/2014/main" id="{435D0798-8E76-BF08-0BFD-2E04983E908B}"/>
               </a:ext>
             </a:extLst>
           </p:cNvPr>
@@ -10274,14 +10709,116 @@
           <a:bodyPr/>
           <a:lstStyle/>
           <a:p>
-            <a:endParaRPr lang="cs-CZ"/>
+            <a:r>
+              <a:rPr lang="cs-CZ" b="0" i="0" dirty="0">
+                <a:solidFill>
+                  <a:schemeClr val="bg1"/>
+                </a:solidFill>
+                <a:effectLst/>
+                <a:latin typeface="Roboto" panose="02000000000000000000" pitchFamily="2" charset="0"/>
+                <a:ea typeface="Roboto" panose="02000000000000000000" pitchFamily="2" charset="0"/>
+                <a:cs typeface="Roboto" panose="02000000000000000000" pitchFamily="2" charset="0"/>
+              </a:rPr>
+              <a:t>Distribuce lze nalézt na Internetu a lze je i volně používat, protože se skládají z </a:t>
+            </a:r>
+            <a:r>
+              <a:rPr lang="cs-CZ" dirty="0">
+                <a:solidFill>
+                  <a:schemeClr val="bg1"/>
+                </a:solidFill>
+                <a:latin typeface="Roboto" panose="02000000000000000000" pitchFamily="2" charset="0"/>
+                <a:ea typeface="Roboto" panose="02000000000000000000" pitchFamily="2" charset="0"/>
+                <a:cs typeface="Roboto" panose="02000000000000000000" pitchFamily="2" charset="0"/>
+              </a:rPr>
+              <a:t>open source</a:t>
+            </a:r>
+            <a:r>
+              <a:rPr lang="cs-CZ" b="0" i="0" dirty="0">
+                <a:solidFill>
+                  <a:schemeClr val="bg1"/>
+                </a:solidFill>
+                <a:effectLst/>
+                <a:latin typeface="Roboto" panose="02000000000000000000" pitchFamily="2" charset="0"/>
+                <a:ea typeface="Roboto" panose="02000000000000000000" pitchFamily="2" charset="0"/>
+                <a:cs typeface="Roboto" panose="02000000000000000000" pitchFamily="2" charset="0"/>
+              </a:rPr>
+              <a:t> programů. I v distribuci je ke každému programu standardně přiložena licence, která je při instalaci uložena společně s programem na </a:t>
+            </a:r>
+            <a:r>
+              <a:rPr lang="cs-CZ" dirty="0">
+                <a:solidFill>
+                  <a:schemeClr val="bg1"/>
+                </a:solidFill>
+                <a:latin typeface="Roboto" panose="02000000000000000000" pitchFamily="2" charset="0"/>
+                <a:ea typeface="Roboto" panose="02000000000000000000" pitchFamily="2" charset="0"/>
+                <a:cs typeface="Roboto" panose="02000000000000000000" pitchFamily="2" charset="0"/>
+              </a:rPr>
+              <a:t>pevný disk</a:t>
+            </a:r>
+            <a:r>
+              <a:rPr lang="cs-CZ" b="0" i="0" dirty="0">
+                <a:solidFill>
+                  <a:schemeClr val="bg1"/>
+                </a:solidFill>
+                <a:effectLst/>
+                <a:latin typeface="Roboto" panose="02000000000000000000" pitchFamily="2" charset="0"/>
+                <a:ea typeface="Roboto" panose="02000000000000000000" pitchFamily="2" charset="0"/>
+                <a:cs typeface="Roboto" panose="02000000000000000000" pitchFamily="2" charset="0"/>
+              </a:rPr>
+              <a:t>, takže si vše uživatel může ověřit. </a:t>
+            </a:r>
+          </a:p>
+          <a:p>
+            <a:r>
+              <a:rPr lang="cs-CZ" b="0" i="0" dirty="0">
+                <a:solidFill>
+                  <a:schemeClr val="bg1"/>
+                </a:solidFill>
+                <a:effectLst/>
+                <a:latin typeface="Roboto" panose="02000000000000000000" pitchFamily="2" charset="0"/>
+                <a:ea typeface="Roboto" panose="02000000000000000000" pitchFamily="2" charset="0"/>
+                <a:cs typeface="Roboto" panose="02000000000000000000" pitchFamily="2" charset="0"/>
+              </a:rPr>
+              <a:t>Distribuce také podléhá licenci, avšak typicky se opět jedná o open source. Většina linuxových distribucí je sestavována výhradně ze </a:t>
+            </a:r>
+            <a:r>
+              <a:rPr lang="cs-CZ" dirty="0">
+                <a:solidFill>
+                  <a:schemeClr val="bg1"/>
+                </a:solidFill>
+                <a:latin typeface="Roboto" panose="02000000000000000000" pitchFamily="2" charset="0"/>
+                <a:ea typeface="Roboto" panose="02000000000000000000" pitchFamily="2" charset="0"/>
+                <a:cs typeface="Roboto" panose="02000000000000000000" pitchFamily="2" charset="0"/>
+              </a:rPr>
+              <a:t>svobodného software</a:t>
+            </a:r>
+            <a:r>
+              <a:rPr lang="cs-CZ" b="0" i="0" dirty="0">
+                <a:solidFill>
+                  <a:schemeClr val="bg1"/>
+                </a:solidFill>
+                <a:effectLst/>
+                <a:latin typeface="Roboto" panose="02000000000000000000" pitchFamily="2" charset="0"/>
+                <a:ea typeface="Roboto" panose="02000000000000000000" pitchFamily="2" charset="0"/>
+                <a:cs typeface="Roboto" panose="02000000000000000000" pitchFamily="2" charset="0"/>
+              </a:rPr>
+              <a:t>, takže je lze nejen volně používat, ale i dále šířit.</a:t>
+            </a:r>
+            <a:endParaRPr lang="cs-CZ" dirty="0">
+              <a:solidFill>
+                <a:schemeClr val="bg1"/>
+              </a:solidFill>
+              <a:latin typeface="Roboto" panose="02000000000000000000" pitchFamily="2" charset="0"/>
+              <a:ea typeface="Roboto" panose="02000000000000000000" pitchFamily="2" charset="0"/>
+              <a:cs typeface="Roboto" panose="02000000000000000000" pitchFamily="2" charset="0"/>
+            </a:endParaRPr>
           </a:p>
         </p:txBody>
       </p:sp>
     </p:spTree>
     <p:extLst>
       <p:ext uri="{BB962C8B-B14F-4D97-AF65-F5344CB8AC3E}">
-        <p14:creationId xmlns:p14="http://schemas.microsoft.com/office/powerpoint/2010/main" val="1351967194"/>
+        <p14:creationId xmlns:p14="http://schemas.microsoft.com/office/powerpoint/2010/main" val="1454442584"/>
       </p:ext>
     </p:extLst>
   </p:cSld>

--- a/Linux.pptx
+++ b/Linux.pptx
@@ -5,7 +5,7 @@
     <p:sldMasterId id="2147483648" r:id="rId1"/>
   </p:sldMasterIdLst>
   <p:notesMasterIdLst>
-    <p:notesMasterId r:id="rId13"/>
+    <p:notesMasterId r:id="rId17"/>
   </p:notesMasterIdLst>
   <p:sldIdLst>
     <p:sldId id="256" r:id="rId2"/>
@@ -16,9 +16,13 @@
     <p:sldId id="261" r:id="rId7"/>
     <p:sldId id="263" r:id="rId8"/>
     <p:sldId id="262" r:id="rId9"/>
-    <p:sldId id="265" r:id="rId10"/>
-    <p:sldId id="266" r:id="rId11"/>
-    <p:sldId id="267" r:id="rId12"/>
+    <p:sldId id="269" r:id="rId10"/>
+    <p:sldId id="268" r:id="rId11"/>
+    <p:sldId id="265" r:id="rId12"/>
+    <p:sldId id="266" r:id="rId13"/>
+    <p:sldId id="271" r:id="rId14"/>
+    <p:sldId id="267" r:id="rId15"/>
+    <p:sldId id="270" r:id="rId16"/>
   </p:sldIdLst>
   <p:sldSz cx="12192000" cy="6858000"/>
   <p:notesSz cx="6858000" cy="9144000"/>
@@ -207,7 +211,7 @@
           <a:p>
             <a:fld id="{A2CB6FA3-EA73-4C76-9A50-C350990F3718}" type="datetimeFigureOut">
               <a:rPr lang="cs-CZ" smtClean="0"/>
-              <a:t>15.01.2023</a:t>
+              <a:t>17.01.2023</a:t>
             </a:fld>
             <a:endParaRPr lang="cs-CZ"/>
           </a:p>
@@ -1013,294 +1017,76 @@
           <a:bodyPr/>
           <a:lstStyle/>
           <a:p>
-            <a:pPr marL="0" marR="0" lvl="0" indent="0" algn="l" defTabSz="914400" rtl="0" eaLnBrk="1" fontAlgn="auto" latinLnBrk="0" hangingPunct="1">
-              <a:lnSpc>
-                <a:spcPct val="100000"/>
-              </a:lnSpc>
-              <a:spcBef>
-                <a:spcPts val="0"/>
-              </a:spcBef>
-              <a:spcAft>
-                <a:spcPts val="0"/>
-              </a:spcAft>
-              <a:buClrTx/>
-              <a:buSzTx/>
-              <a:buFontTx/>
-              <a:buNone/>
-              <a:tabLst/>
-              <a:defRPr/>
-            </a:pPr>
-            <a:r>
-              <a:rPr lang="cs-CZ" dirty="0"/>
-              <a:t>Nejoblíbenější L. distribuce=1. MX Linux,2. </a:t>
-            </a:r>
-            <a:r>
-              <a:rPr lang="cs-CZ" b="1" i="0" dirty="0" err="1">
-                <a:solidFill>
-                  <a:srgbClr val="000000"/>
-                </a:solidFill>
-                <a:effectLst/>
-                <a:latin typeface="Noticia Text"/>
-              </a:rPr>
-              <a:t>Manjaro</a:t>
-            </a:r>
-            <a:r>
-              <a:rPr lang="cs-CZ" b="1" i="0" dirty="0">
-                <a:solidFill>
-                  <a:srgbClr val="000000"/>
-                </a:solidFill>
-                <a:effectLst/>
-                <a:latin typeface="Noticia Text"/>
-              </a:rPr>
-              <a:t> Linux, 3. místo: Linux </a:t>
-            </a:r>
-            <a:r>
-              <a:rPr lang="cs-CZ" b="1" i="1" u="sng" dirty="0" err="1">
-                <a:solidFill>
-                  <a:srgbClr val="000000"/>
-                </a:solidFill>
-                <a:effectLst/>
-                <a:latin typeface="Noticia Text"/>
-              </a:rPr>
-              <a:t>Mint</a:t>
-            </a:r>
-            <a:r>
-              <a:rPr lang="cs-CZ" b="1" i="1" u="sng" dirty="0">
-                <a:solidFill>
-                  <a:srgbClr val="000000"/>
-                </a:solidFill>
-                <a:effectLst/>
-                <a:latin typeface="Noticia Text"/>
+            <a:r>
+              <a:rPr lang="cs-CZ" b="0" i="0" dirty="0">
+                <a:solidFill>
+                  <a:srgbClr val="202122"/>
+                </a:solidFill>
+                <a:effectLst/>
+                <a:latin typeface="Arial" panose="020B0604020202020204" pitchFamily="34" charset="0"/>
+              </a:rPr>
+              <a:t> tučňák </a:t>
+            </a:r>
+            <a:r>
+              <a:rPr lang="cs-CZ" b="0" i="0" u="none" strike="noStrike" dirty="0" err="1">
+                <a:solidFill>
+                  <a:srgbClr val="0645AD"/>
+                </a:solidFill>
+                <a:effectLst/>
+                <a:latin typeface="Arial" panose="020B0604020202020204" pitchFamily="34" charset="0"/>
+              </a:rPr>
+              <a:t>Tux</a:t>
+            </a:r>
+            <a:r>
+              <a:rPr lang="cs-CZ" b="0" i="0" u="none" strike="noStrike" dirty="0">
+                <a:solidFill>
+                  <a:srgbClr val="0645AD"/>
+                </a:solidFill>
+                <a:effectLst/>
+                <a:latin typeface="Arial" panose="020B0604020202020204" pitchFamily="34" charset="0"/>
+              </a:rPr>
+              <a:t> 1996, </a:t>
+            </a:r>
+            <a:r>
+              <a:rPr lang="cs-CZ" b="0" i="0" dirty="0">
+                <a:solidFill>
+                  <a:srgbClr val="202122"/>
+                </a:solidFill>
+                <a:effectLst/>
+                <a:latin typeface="Arial" panose="020B0604020202020204" pitchFamily="34" charset="0"/>
+              </a:rPr>
+              <a:t> </a:t>
+            </a:r>
+            <a:r>
+              <a:rPr lang="cs-CZ" b="0" i="0" u="none" strike="noStrike" dirty="0" err="1">
+                <a:solidFill>
+                  <a:srgbClr val="BA0000"/>
+                </a:solidFill>
+                <a:effectLst/>
+                <a:latin typeface="Arial" panose="020B0604020202020204" pitchFamily="34" charset="0"/>
+              </a:rPr>
+              <a:t>Ari</a:t>
+            </a:r>
+            <a:r>
+              <a:rPr lang="cs-CZ" b="0" i="0" u="none" strike="noStrike" dirty="0">
+                <a:solidFill>
+                  <a:srgbClr val="BA0000"/>
+                </a:solidFill>
+                <a:effectLst/>
+                <a:latin typeface="Arial" panose="020B0604020202020204" pitchFamily="34" charset="0"/>
               </a:rPr>
               <a:t> </a:t>
             </a:r>
-            <a:endParaRPr lang="cs-CZ" b="1" i="1" u="sng" dirty="0">
-              <a:solidFill>
-                <a:srgbClr val="FF0000"/>
-              </a:solidFill>
-              <a:effectLst/>
-              <a:highlight>
-                <a:srgbClr val="FFFF00"/>
-              </a:highlight>
-              <a:latin typeface="Noticia Text"/>
-            </a:endParaRPr>
-          </a:p>
-          <a:p>
-            <a:pPr marL="0" marR="0" lvl="0" indent="0" algn="l" defTabSz="914400" rtl="0" eaLnBrk="1" fontAlgn="auto" latinLnBrk="0" hangingPunct="1">
-              <a:lnSpc>
-                <a:spcPct val="100000"/>
-              </a:lnSpc>
-              <a:spcBef>
-                <a:spcPts val="0"/>
-              </a:spcBef>
-              <a:spcAft>
-                <a:spcPts val="0"/>
-              </a:spcAft>
-              <a:buClrTx/>
-              <a:buSzTx/>
-              <a:buFontTx/>
-              <a:buNone/>
-              <a:tabLst/>
-              <a:defRPr/>
-            </a:pPr>
-            <a:r>
-              <a:rPr lang="cs-CZ" b="1" i="0" dirty="0">
-                <a:solidFill>
-                  <a:srgbClr val="000000"/>
-                </a:solidFill>
-                <a:effectLst/>
-                <a:latin typeface="Noticia Text"/>
-              </a:rPr>
-              <a:t> Utility=pomocný programy </a:t>
-            </a:r>
-          </a:p>
-          <a:p>
-            <a:pPr marL="0" marR="0" lvl="0" indent="0" algn="l" defTabSz="914400" rtl="0" eaLnBrk="1" fontAlgn="auto" latinLnBrk="0" hangingPunct="1">
-              <a:lnSpc>
-                <a:spcPct val="100000"/>
-              </a:lnSpc>
-              <a:spcBef>
-                <a:spcPts val="0"/>
-              </a:spcBef>
-              <a:spcAft>
-                <a:spcPts val="0"/>
-              </a:spcAft>
-              <a:buClrTx/>
-              <a:buSzTx/>
-              <a:buFontTx/>
-              <a:buNone/>
-              <a:tabLst/>
-              <a:defRPr/>
-            </a:pPr>
-            <a:r>
-              <a:rPr lang="cs-CZ" b="1" i="0" u="sng" dirty="0">
-                <a:solidFill>
-                  <a:srgbClr val="202122"/>
+            <a:r>
+              <a:rPr lang="cs-CZ" b="0" i="0" u="none" strike="noStrike" dirty="0" err="1">
+                <a:solidFill>
+                  <a:srgbClr val="BA0000"/>
                 </a:solidFill>
                 <a:effectLst/>
                 <a:latin typeface="Arial" panose="020B0604020202020204" pitchFamily="34" charset="0"/>
               </a:rPr>
-              <a:t>Protože jsou výše zmíněné nástroje i aplikace na Internetu dostupné v podobě </a:t>
-            </a:r>
-            <a:r>
-              <a:rPr lang="cs-CZ" b="1" i="0" u="sng" strike="noStrike" dirty="0">
-                <a:solidFill>
-                  <a:srgbClr val="0645AD"/>
-                </a:solidFill>
-                <a:effectLst/>
-                <a:latin typeface="Arial" panose="020B0604020202020204" pitchFamily="34" charset="0"/>
-                <a:hlinkClick r:id="rId3" tooltip="Zdrojový kód"/>
-              </a:rPr>
-              <a:t>zdrojových kódů</a:t>
-            </a:r>
-            <a:r>
-              <a:rPr lang="cs-CZ" b="1" i="0" u="sng" dirty="0">
-                <a:solidFill>
-                  <a:srgbClr val="202122"/>
-                </a:solidFill>
-                <a:effectLst/>
-                <a:latin typeface="Arial" panose="020B0604020202020204" pitchFamily="34" charset="0"/>
-              </a:rPr>
-              <a:t>, které je nejprve nutné </a:t>
-            </a:r>
-            <a:r>
-              <a:rPr lang="cs-CZ" b="1" i="0" u="sng" strike="noStrike" dirty="0">
-                <a:solidFill>
-                  <a:srgbClr val="0645AD"/>
-                </a:solidFill>
-                <a:effectLst/>
-                <a:latin typeface="Arial" panose="020B0604020202020204" pitchFamily="34" charset="0"/>
-                <a:hlinkClick r:id="rId4" tooltip="Překladač"/>
-              </a:rPr>
-              <a:t>přeložit</a:t>
-            </a:r>
-            <a:r>
-              <a:rPr lang="cs-CZ" b="1" i="0" u="sng" dirty="0">
-                <a:solidFill>
-                  <a:srgbClr val="202122"/>
-                </a:solidFill>
-                <a:effectLst/>
-                <a:latin typeface="Arial" panose="020B0604020202020204" pitchFamily="34" charset="0"/>
-              </a:rPr>
-              <a:t> do formy </a:t>
-            </a:r>
-            <a:r>
-              <a:rPr lang="cs-CZ" b="1" i="0" u="sng" strike="noStrike" dirty="0">
-                <a:solidFill>
-                  <a:srgbClr val="0645AD"/>
-                </a:solidFill>
-                <a:effectLst/>
-                <a:latin typeface="Arial" panose="020B0604020202020204" pitchFamily="34" charset="0"/>
-                <a:hlinkClick r:id="rId5" tooltip="Spustitelný soubor"/>
-              </a:rPr>
-              <a:t>spustitelných souborů</a:t>
-            </a:r>
-            <a:r>
-              <a:rPr lang="cs-CZ" b="1" i="0" u="sng" dirty="0">
-                <a:solidFill>
-                  <a:srgbClr val="202122"/>
-                </a:solidFill>
-                <a:effectLst/>
-                <a:latin typeface="Arial" panose="020B0604020202020204" pitchFamily="34" charset="0"/>
-              </a:rPr>
-              <a:t>, bylo by pro uživatele velmi nepohodlné, kdyby si vše musel dělat </a:t>
-            </a:r>
-            <a:r>
-              <a:rPr lang="cs-CZ" b="1" i="0" u="sng" dirty="0" err="1">
-                <a:solidFill>
-                  <a:srgbClr val="202122"/>
-                </a:solidFill>
-                <a:effectLst/>
-                <a:latin typeface="Arial" panose="020B0604020202020204" pitchFamily="34" charset="0"/>
-              </a:rPr>
-              <a:t>sámProto</a:t>
-            </a:r>
-            <a:r>
-              <a:rPr lang="cs-CZ" b="1" i="0" u="sng" dirty="0">
-                <a:solidFill>
-                  <a:srgbClr val="202122"/>
-                </a:solidFill>
-                <a:effectLst/>
-                <a:latin typeface="Arial" panose="020B0604020202020204" pitchFamily="34" charset="0"/>
-              </a:rPr>
-              <a:t> existují takzvané </a:t>
-            </a:r>
-            <a:r>
-              <a:rPr lang="cs-CZ" b="1" i="1" u="sng" dirty="0">
-                <a:solidFill>
-                  <a:srgbClr val="202122"/>
-                </a:solidFill>
-                <a:effectLst/>
-                <a:latin typeface="Arial" panose="020B0604020202020204" pitchFamily="34" charset="0"/>
-              </a:rPr>
-              <a:t>distribuce</a:t>
-            </a:r>
-            <a:r>
-              <a:rPr lang="cs-CZ" b="1" i="0" u="sng" dirty="0">
-                <a:solidFill>
-                  <a:srgbClr val="202122"/>
-                </a:solidFill>
-                <a:effectLst/>
-                <a:latin typeface="Arial" panose="020B0604020202020204" pitchFamily="34" charset="0"/>
-              </a:rPr>
-              <a:t>, které obsahují vše potřebné v úhledném balení – přeložené </a:t>
-            </a:r>
-            <a:r>
-              <a:rPr lang="cs-CZ" b="1" i="0" u="sng" strike="noStrike" dirty="0">
-                <a:solidFill>
-                  <a:srgbClr val="0645AD"/>
-                </a:solidFill>
-                <a:effectLst/>
-                <a:latin typeface="Arial" panose="020B0604020202020204" pitchFamily="34" charset="0"/>
-                <a:hlinkClick r:id="rId6" tooltip="Binární soubor"/>
-              </a:rPr>
-              <a:t>binární soubory</a:t>
-            </a:r>
-            <a:r>
-              <a:rPr lang="cs-CZ" b="1" i="0" u="sng" dirty="0">
-                <a:solidFill>
-                  <a:srgbClr val="202122"/>
-                </a:solidFill>
-                <a:effectLst/>
-                <a:latin typeface="Arial" panose="020B0604020202020204" pitchFamily="34" charset="0"/>
-              </a:rPr>
-              <a:t> včetně instalačního programu</a:t>
-            </a:r>
-            <a:endParaRPr lang="cs-CZ" b="1" i="0" u="sng" dirty="0">
-              <a:solidFill>
-                <a:srgbClr val="000000"/>
-              </a:solidFill>
-              <a:effectLst/>
-              <a:latin typeface="Noticia Text"/>
-            </a:endParaRPr>
-          </a:p>
-          <a:p>
-            <a:pPr marL="0" marR="0" lvl="0" indent="0" algn="l" defTabSz="914400" rtl="0" eaLnBrk="1" fontAlgn="auto" latinLnBrk="0" hangingPunct="1">
-              <a:lnSpc>
-                <a:spcPct val="100000"/>
-              </a:lnSpc>
-              <a:spcBef>
-                <a:spcPts val="0"/>
-              </a:spcBef>
-              <a:spcAft>
-                <a:spcPts val="0"/>
-              </a:spcAft>
-              <a:buClrTx/>
-              <a:buSzTx/>
-              <a:buFontTx/>
-              <a:buNone/>
-              <a:tabLst/>
-              <a:defRPr/>
-            </a:pPr>
-            <a:endParaRPr lang="cs-CZ" b="1" i="0" dirty="0">
-              <a:solidFill>
-                <a:srgbClr val="000000"/>
-              </a:solidFill>
-              <a:effectLst/>
-              <a:latin typeface="Noticia Text"/>
-            </a:endParaRPr>
-          </a:p>
-          <a:p>
+              <a:t>Lemmke</a:t>
+            </a:r>
             <a:endParaRPr lang="cs-CZ" dirty="0"/>
           </a:p>
         </p:txBody>
@@ -1322,7 +1108,7 @@
           <a:p>
             <a:fld id="{2392C61E-B012-4FBE-A281-EE11B83DE740}" type="slidenum">
               <a:rPr lang="cs-CZ" smtClean="0"/>
-              <a:t>8</a:t>
+              <a:t>7</a:t>
             </a:fld>
             <a:endParaRPr lang="cs-CZ"/>
           </a:p>
@@ -1331,7 +1117,7 @@
     </p:spTree>
     <p:extLst>
       <p:ext uri="{BB962C8B-B14F-4D97-AF65-F5344CB8AC3E}">
-        <p14:creationId xmlns:p14="http://schemas.microsoft.com/office/powerpoint/2010/main" val="1494332809"/>
+        <p14:creationId xmlns:p14="http://schemas.microsoft.com/office/powerpoint/2010/main" val="22119155"/>
       </p:ext>
     </p:extLst>
   </p:cSld>
@@ -1385,16 +1171,274 @@
           <a:bodyPr/>
           <a:lstStyle/>
           <a:p>
-            <a:r>
-              <a:rPr lang="cs-CZ" b="0" i="0" dirty="0">
+            <a:pPr marL="0" marR="0" lvl="0" indent="0" algn="l" defTabSz="914400" rtl="0" eaLnBrk="1" fontAlgn="auto" latinLnBrk="0" hangingPunct="1">
+              <a:lnSpc>
+                <a:spcPct val="100000"/>
+              </a:lnSpc>
+              <a:spcBef>
+                <a:spcPts val="0"/>
+              </a:spcBef>
+              <a:spcAft>
+                <a:spcPts val="0"/>
+              </a:spcAft>
+              <a:buClrTx/>
+              <a:buSzTx/>
+              <a:buFontTx/>
+              <a:buNone/>
+              <a:tabLst/>
+              <a:defRPr/>
+            </a:pPr>
+            <a:r>
+              <a:rPr lang="cs-CZ" dirty="0"/>
+              <a:t>Nejoblíbenější L. distribuce=1. MX Linux,2. </a:t>
+            </a:r>
+            <a:r>
+              <a:rPr lang="cs-CZ" b="1" i="0" dirty="0" err="1">
+                <a:solidFill>
+                  <a:srgbClr val="000000"/>
+                </a:solidFill>
+                <a:effectLst/>
+                <a:latin typeface="Noticia Text"/>
+              </a:rPr>
+              <a:t>Manjaro</a:t>
+            </a:r>
+            <a:r>
+              <a:rPr lang="cs-CZ" b="1" i="0" dirty="0">
+                <a:solidFill>
+                  <a:srgbClr val="000000"/>
+                </a:solidFill>
+                <a:effectLst/>
+                <a:latin typeface="Noticia Text"/>
+              </a:rPr>
+              <a:t> Linux, 3. místo: Linux </a:t>
+            </a:r>
+            <a:r>
+              <a:rPr lang="cs-CZ" b="1" i="1" u="sng" dirty="0" err="1">
+                <a:solidFill>
+                  <a:srgbClr val="000000"/>
+                </a:solidFill>
+                <a:effectLst/>
+                <a:latin typeface="Noticia Text"/>
+              </a:rPr>
+              <a:t>Mint</a:t>
+            </a:r>
+            <a:r>
+              <a:rPr lang="cs-CZ" b="1" i="1" u="sng" dirty="0">
+                <a:solidFill>
+                  <a:srgbClr val="000000"/>
+                </a:solidFill>
+                <a:effectLst/>
+                <a:latin typeface="Noticia Text"/>
+              </a:rPr>
+              <a:t> </a:t>
+            </a:r>
+            <a:endParaRPr lang="cs-CZ" b="1" i="1" u="sng" dirty="0">
+              <a:solidFill>
+                <a:srgbClr val="FF0000"/>
+              </a:solidFill>
+              <a:effectLst/>
+              <a:highlight>
+                <a:srgbClr val="FFFF00"/>
+              </a:highlight>
+              <a:latin typeface="Noticia Text"/>
+            </a:endParaRPr>
+          </a:p>
+          <a:p>
+            <a:pPr marL="0" marR="0" lvl="0" indent="0" algn="l" defTabSz="914400" rtl="0" eaLnBrk="1" fontAlgn="auto" latinLnBrk="0" hangingPunct="1">
+              <a:lnSpc>
+                <a:spcPct val="100000"/>
+              </a:lnSpc>
+              <a:spcBef>
+                <a:spcPts val="0"/>
+              </a:spcBef>
+              <a:spcAft>
+                <a:spcPts val="0"/>
+              </a:spcAft>
+              <a:buClrTx/>
+              <a:buSzTx/>
+              <a:buFontTx/>
+              <a:buNone/>
+              <a:tabLst/>
+              <a:defRPr/>
+            </a:pPr>
+            <a:r>
+              <a:rPr lang="cs-CZ" b="1" i="0" dirty="0">
+                <a:solidFill>
+                  <a:srgbClr val="000000"/>
+                </a:solidFill>
+                <a:effectLst/>
+                <a:latin typeface="Noticia Text"/>
+              </a:rPr>
+              <a:t> Utility=pomocný programy </a:t>
+            </a:r>
+          </a:p>
+          <a:p>
+            <a:pPr marL="0" marR="0" lvl="0" indent="0" algn="l" defTabSz="914400" rtl="0" eaLnBrk="1" fontAlgn="auto" latinLnBrk="0" hangingPunct="1">
+              <a:lnSpc>
+                <a:spcPct val="100000"/>
+              </a:lnSpc>
+              <a:spcBef>
+                <a:spcPts val="0"/>
+              </a:spcBef>
+              <a:spcAft>
+                <a:spcPts val="0"/>
+              </a:spcAft>
+              <a:buClrTx/>
+              <a:buSzTx/>
+              <a:buFontTx/>
+              <a:buNone/>
+              <a:tabLst/>
+              <a:defRPr/>
+            </a:pPr>
+            <a:r>
+              <a:rPr lang="cs-CZ" b="1" i="0" u="sng" dirty="0">
                 <a:solidFill>
                   <a:srgbClr val="202122"/>
                 </a:solidFill>
                 <a:effectLst/>
                 <a:latin typeface="Arial" panose="020B0604020202020204" pitchFamily="34" charset="0"/>
               </a:rPr>
-              <a:t>(ve skutečnosti open source programy vyžadují, aby s nimi licence byla dodávána nejen u zdrojových kódů, ale i u funkční podoby)</a:t>
-            </a:r>
+              <a:t>Protože jsou nástroje i aplikace na Internetu dostupné v podobě </a:t>
+            </a:r>
+            <a:r>
+              <a:rPr lang="cs-CZ" b="1" i="0" u="sng" strike="noStrike" dirty="0">
+                <a:solidFill>
+                  <a:srgbClr val="0645AD"/>
+                </a:solidFill>
+                <a:effectLst/>
+                <a:latin typeface="Arial" panose="020B0604020202020204" pitchFamily="34" charset="0"/>
+                <a:hlinkClick r:id="rId3" tooltip="Zdrojový kód"/>
+              </a:rPr>
+              <a:t>zdrojových kódů</a:t>
+            </a:r>
+            <a:r>
+              <a:rPr lang="cs-CZ" b="1" i="0" u="sng" dirty="0">
+                <a:solidFill>
+                  <a:srgbClr val="202122"/>
+                </a:solidFill>
+                <a:effectLst/>
+                <a:latin typeface="Arial" panose="020B0604020202020204" pitchFamily="34" charset="0"/>
+              </a:rPr>
+              <a:t>, které je nejprve nutné </a:t>
+            </a:r>
+            <a:r>
+              <a:rPr lang="cs-CZ" b="1" i="0" u="sng" strike="noStrike" dirty="0">
+                <a:solidFill>
+                  <a:srgbClr val="0645AD"/>
+                </a:solidFill>
+                <a:effectLst/>
+                <a:latin typeface="Arial" panose="020B0604020202020204" pitchFamily="34" charset="0"/>
+                <a:hlinkClick r:id="rId4" tooltip="Překladač"/>
+              </a:rPr>
+              <a:t>přeložit</a:t>
+            </a:r>
+            <a:r>
+              <a:rPr lang="cs-CZ" b="1" i="0" u="sng" dirty="0">
+                <a:solidFill>
+                  <a:srgbClr val="202122"/>
+                </a:solidFill>
+                <a:effectLst/>
+                <a:latin typeface="Arial" panose="020B0604020202020204" pitchFamily="34" charset="0"/>
+              </a:rPr>
+              <a:t> do formy </a:t>
+            </a:r>
+            <a:r>
+              <a:rPr lang="cs-CZ" b="1" i="0" u="sng" strike="noStrike" dirty="0">
+                <a:solidFill>
+                  <a:srgbClr val="0645AD"/>
+                </a:solidFill>
+                <a:effectLst/>
+                <a:latin typeface="Arial" panose="020B0604020202020204" pitchFamily="34" charset="0"/>
+                <a:hlinkClick r:id="rId5" tooltip="Spustitelný soubor"/>
+              </a:rPr>
+              <a:t>spustitelných souborů</a:t>
+            </a:r>
+            <a:r>
+              <a:rPr lang="cs-CZ" b="1" i="0" u="sng" dirty="0">
+                <a:solidFill>
+                  <a:srgbClr val="202122"/>
+                </a:solidFill>
+                <a:effectLst/>
+                <a:latin typeface="Arial" panose="020B0604020202020204" pitchFamily="34" charset="0"/>
+              </a:rPr>
+              <a:t>, bylo by pro uživatele velmi nepohodlné proto existují takzvané </a:t>
+            </a:r>
+            <a:r>
+              <a:rPr lang="cs-CZ" b="1" i="1" u="sng" dirty="0">
+                <a:solidFill>
+                  <a:srgbClr val="202122"/>
+                </a:solidFill>
+                <a:effectLst/>
+                <a:latin typeface="Arial" panose="020B0604020202020204" pitchFamily="34" charset="0"/>
+              </a:rPr>
+              <a:t>distribuce</a:t>
+            </a:r>
+            <a:r>
+              <a:rPr lang="cs-CZ" b="1" i="0" u="sng" dirty="0">
+                <a:solidFill>
+                  <a:srgbClr val="202122"/>
+                </a:solidFill>
+                <a:effectLst/>
+                <a:latin typeface="Arial" panose="020B0604020202020204" pitchFamily="34" charset="0"/>
+              </a:rPr>
+              <a:t>, které obsahují vše potřebné v úhledném balení – přeložené </a:t>
+            </a:r>
+            <a:r>
+              <a:rPr lang="cs-CZ" b="1" i="0" u="sng" strike="noStrike" dirty="0">
+                <a:solidFill>
+                  <a:srgbClr val="0645AD"/>
+                </a:solidFill>
+                <a:effectLst/>
+                <a:latin typeface="Arial" panose="020B0604020202020204" pitchFamily="34" charset="0"/>
+                <a:hlinkClick r:id="rId6" tooltip="Binární soubor"/>
+              </a:rPr>
+              <a:t>binární soubory</a:t>
+            </a:r>
+            <a:r>
+              <a:rPr lang="cs-CZ" b="1" i="0" u="sng" dirty="0">
+                <a:solidFill>
+                  <a:srgbClr val="202122"/>
+                </a:solidFill>
+                <a:effectLst/>
+                <a:latin typeface="Arial" panose="020B0604020202020204" pitchFamily="34" charset="0"/>
+              </a:rPr>
+              <a:t> včetně instalačního programu</a:t>
+            </a:r>
+            <a:endParaRPr lang="cs-CZ" b="1" i="0" u="sng" dirty="0">
+              <a:solidFill>
+                <a:srgbClr val="000000"/>
+              </a:solidFill>
+              <a:effectLst/>
+              <a:latin typeface="Noticia Text"/>
+            </a:endParaRPr>
+          </a:p>
+          <a:p>
+            <a:pPr marL="0" marR="0" lvl="0" indent="0" algn="l" defTabSz="914400" rtl="0" eaLnBrk="1" fontAlgn="auto" latinLnBrk="0" hangingPunct="1">
+              <a:lnSpc>
+                <a:spcPct val="100000"/>
+              </a:lnSpc>
+              <a:spcBef>
+                <a:spcPts val="0"/>
+              </a:spcBef>
+              <a:spcAft>
+                <a:spcPts val="0"/>
+              </a:spcAft>
+              <a:buClrTx/>
+              <a:buSzTx/>
+              <a:buFontTx/>
+              <a:buNone/>
+              <a:tabLst/>
+              <a:defRPr/>
+            </a:pPr>
+            <a:endParaRPr lang="cs-CZ" b="1" i="0" dirty="0">
+              <a:solidFill>
+                <a:srgbClr val="000000"/>
+              </a:solidFill>
+              <a:effectLst/>
+              <a:latin typeface="Noticia Text"/>
+            </a:endParaRPr>
+          </a:p>
+          <a:p>
             <a:endParaRPr lang="cs-CZ" dirty="0"/>
           </a:p>
         </p:txBody>
@@ -1416,7 +1460,477 @@
           <a:p>
             <a:fld id="{2392C61E-B012-4FBE-A281-EE11B83DE740}" type="slidenum">
               <a:rPr lang="cs-CZ" smtClean="0"/>
-              <a:t>9</a:t>
+              <a:t>8</a:t>
+            </a:fld>
+            <a:endParaRPr lang="cs-CZ"/>
+          </a:p>
+        </p:txBody>
+      </p:sp>
+    </p:spTree>
+    <p:extLst>
+      <p:ext uri="{BB962C8B-B14F-4D97-AF65-F5344CB8AC3E}">
+        <p14:creationId xmlns:p14="http://schemas.microsoft.com/office/powerpoint/2010/main" val="1494332809"/>
+      </p:ext>
+    </p:extLst>
+  </p:cSld>
+  <p:clrMapOvr>
+    <a:masterClrMapping/>
+  </p:clrMapOvr>
+</p:notes>
+</file>
+
+<file path=ppt/notesSlides/notesSlide7.xml><?xml version="1.0" encoding="utf-8"?>
+<p:notes xmlns:a="http://schemas.openxmlformats.org/drawingml/2006/main" xmlns:r="http://schemas.openxmlformats.org/officeDocument/2006/relationships" xmlns:p="http://schemas.openxmlformats.org/presentationml/2006/main">
+  <p:cSld>
+    <p:spTree>
+      <p:nvGrpSpPr>
+        <p:cNvPr id="1" name=""/>
+        <p:cNvGrpSpPr/>
+        <p:nvPr/>
+      </p:nvGrpSpPr>
+      <p:grpSpPr>
+        <a:xfrm>
+          <a:off x="0" y="0"/>
+          <a:ext cx="0" cy="0"/>
+          <a:chOff x="0" y="0"/>
+          <a:chExt cx="0" cy="0"/>
+        </a:xfrm>
+      </p:grpSpPr>
+      <p:sp>
+        <p:nvSpPr>
+          <p:cNvPr id="2" name="Zástupný symbol pro obrázek snímku 1"/>
+          <p:cNvSpPr>
+            <a:spLocks noGrp="1" noRot="1" noChangeAspect="1"/>
+          </p:cNvSpPr>
+          <p:nvPr>
+            <p:ph type="sldImg"/>
+          </p:nvPr>
+        </p:nvSpPr>
+        <p:spPr/>
+      </p:sp>
+      <p:sp>
+        <p:nvSpPr>
+          <p:cNvPr id="3" name="Zástupný symbol pro poznámky 2"/>
+          <p:cNvSpPr>
+            <a:spLocks noGrp="1"/>
+          </p:cNvSpPr>
+          <p:nvPr>
+            <p:ph type="body" idx="1"/>
+          </p:nvPr>
+        </p:nvSpPr>
+        <p:spPr/>
+        <p:txBody>
+          <a:bodyPr/>
+          <a:lstStyle/>
+          <a:p>
+            <a:r>
+              <a:rPr lang="cs-CZ" dirty="0">
+                <a:solidFill>
+                  <a:schemeClr val="accent6">
+                    <a:lumMod val="75000"/>
+                  </a:schemeClr>
+                </a:solidFill>
+                <a:highlight>
+                  <a:srgbClr val="FFFF00"/>
+                </a:highlight>
+              </a:rPr>
+              <a:t>Fedora= cíl je os pro všeobecné použití open source, </a:t>
+            </a:r>
+            <a:r>
+              <a:rPr lang="cs-CZ" b="0" i="0" dirty="0">
+                <a:solidFill>
+                  <a:schemeClr val="accent6">
+                    <a:lumMod val="75000"/>
+                  </a:schemeClr>
+                </a:solidFill>
+                <a:effectLst/>
+                <a:highlight>
+                  <a:srgbClr val="FFFF00"/>
+                </a:highlight>
+                <a:latin typeface="Arial" panose="020B0604020202020204" pitchFamily="34" charset="0"/>
+              </a:rPr>
+              <a:t>Vyvíjí ji komunita vývojářů za </a:t>
+            </a:r>
+            <a:r>
+              <a:rPr lang="cs-CZ" b="0" i="0" u="none" dirty="0">
+                <a:solidFill>
+                  <a:schemeClr val="accent6">
+                    <a:lumMod val="75000"/>
+                  </a:schemeClr>
+                </a:solidFill>
+                <a:effectLst/>
+                <a:highlight>
+                  <a:srgbClr val="FFFF00"/>
+                </a:highlight>
+                <a:latin typeface="Arial" panose="020B0604020202020204" pitchFamily="34" charset="0"/>
+              </a:rPr>
+              <a:t>podpory společnosti </a:t>
+            </a:r>
+            <a:r>
+              <a:rPr lang="cs-CZ" b="0" i="0" u="none" strike="noStrike" dirty="0" err="1">
+                <a:solidFill>
+                  <a:schemeClr val="accent6">
+                    <a:lumMod val="75000"/>
+                  </a:schemeClr>
+                </a:solidFill>
+                <a:effectLst/>
+                <a:highlight>
+                  <a:srgbClr val="FFFF00"/>
+                </a:highlight>
+                <a:latin typeface="Arial" panose="020B0604020202020204" pitchFamily="34" charset="0"/>
+              </a:rPr>
+              <a:t>Red</a:t>
+            </a:r>
+            <a:r>
+              <a:rPr lang="cs-CZ" b="0" i="0" u="none" strike="noStrike" dirty="0">
+                <a:solidFill>
+                  <a:schemeClr val="accent6">
+                    <a:lumMod val="75000"/>
+                  </a:schemeClr>
+                </a:solidFill>
+                <a:effectLst/>
+                <a:highlight>
+                  <a:srgbClr val="FFFF00"/>
+                </a:highlight>
+                <a:latin typeface="Arial" panose="020B0604020202020204" pitchFamily="34" charset="0"/>
+              </a:rPr>
+              <a:t> </a:t>
+            </a:r>
+            <a:r>
+              <a:rPr lang="cs-CZ" b="0" i="0" u="none" strike="noStrike" dirty="0" err="1">
+                <a:solidFill>
+                  <a:schemeClr val="accent6">
+                    <a:lumMod val="75000"/>
+                  </a:schemeClr>
+                </a:solidFill>
+                <a:effectLst/>
+                <a:highlight>
+                  <a:srgbClr val="FFFF00"/>
+                </a:highlight>
+                <a:latin typeface="Arial" panose="020B0604020202020204" pitchFamily="34" charset="0"/>
+              </a:rPr>
+              <a:t>Hat</a:t>
+            </a:r>
+            <a:r>
+              <a:rPr lang="cs-CZ" b="0" i="0" u="none" strike="noStrike" dirty="0">
+                <a:solidFill>
+                  <a:schemeClr val="accent6">
+                    <a:lumMod val="75000"/>
+                  </a:schemeClr>
+                </a:solidFill>
+                <a:effectLst/>
+                <a:highlight>
+                  <a:srgbClr val="FFFF00"/>
+                </a:highlight>
+                <a:latin typeface="Arial" panose="020B0604020202020204" pitchFamily="34" charset="0"/>
+              </a:rPr>
+              <a:t>.   ARCH LINUX=</a:t>
+            </a:r>
+            <a:r>
+              <a:rPr lang="cs-CZ" sz="1200" b="0" i="0" dirty="0">
+                <a:solidFill>
+                  <a:srgbClr val="202122"/>
+                </a:solidFill>
+                <a:effectLst/>
+                <a:latin typeface="Arial" panose="020B0604020202020204" pitchFamily="34" charset="0"/>
+              </a:rPr>
+              <a:t>vhodná pro pokročilejší uživatele, kterým umožňuje přizpůsobit si systém specifickým potřebám </a:t>
+            </a:r>
+            <a:r>
+              <a:rPr lang="cs-CZ" sz="1200" b="0" i="0" dirty="0" err="1">
+                <a:solidFill>
+                  <a:srgbClr val="202122"/>
+                </a:solidFill>
+                <a:effectLst/>
+                <a:latin typeface="Arial" panose="020B0604020202020204" pitchFamily="34" charset="0"/>
+              </a:rPr>
+              <a:t>open.s</a:t>
+            </a:r>
+            <a:r>
+              <a:rPr lang="cs-CZ" sz="1200" b="0" i="0" dirty="0">
+                <a:solidFill>
+                  <a:srgbClr val="202122"/>
+                </a:solidFill>
+                <a:effectLst/>
+                <a:latin typeface="Arial" panose="020B0604020202020204" pitchFamily="34" charset="0"/>
+              </a:rPr>
+              <a:t>.</a:t>
+            </a:r>
+          </a:p>
+          <a:p>
+            <a:r>
+              <a:rPr lang="cs-CZ" b="0" i="0" dirty="0">
+                <a:solidFill>
+                  <a:srgbClr val="202122"/>
+                </a:solidFill>
+                <a:effectLst/>
+                <a:latin typeface="Arial" panose="020B0604020202020204" pitchFamily="34" charset="0"/>
+              </a:rPr>
+              <a:t> </a:t>
+            </a:r>
+            <a:r>
+              <a:rPr lang="cs-CZ" b="0" i="0" dirty="0" err="1">
+                <a:solidFill>
+                  <a:srgbClr val="202122"/>
+                </a:solidFill>
+                <a:effectLst/>
+                <a:latin typeface="Arial" panose="020B0604020202020204" pitchFamily="34" charset="0"/>
+              </a:rPr>
+              <a:t>Red</a:t>
+            </a:r>
+            <a:r>
+              <a:rPr lang="cs-CZ" b="0" i="0" dirty="0">
+                <a:solidFill>
+                  <a:srgbClr val="202122"/>
+                </a:solidFill>
+                <a:effectLst/>
+                <a:latin typeface="Arial" panose="020B0604020202020204" pitchFamily="34" charset="0"/>
+              </a:rPr>
+              <a:t> </a:t>
+            </a:r>
+            <a:r>
+              <a:rPr lang="cs-CZ" b="0" i="0" dirty="0" err="1">
+                <a:solidFill>
+                  <a:srgbClr val="202122"/>
+                </a:solidFill>
+                <a:effectLst/>
+                <a:latin typeface="Arial" panose="020B0604020202020204" pitchFamily="34" charset="0"/>
+              </a:rPr>
+              <a:t>Hat</a:t>
+            </a:r>
+            <a:r>
+              <a:rPr lang="cs-CZ" b="0" i="0" dirty="0">
+                <a:solidFill>
+                  <a:srgbClr val="202122"/>
+                </a:solidFill>
+                <a:effectLst/>
+                <a:latin typeface="Arial" panose="020B0604020202020204" pitchFamily="34" charset="0"/>
+              </a:rPr>
+              <a:t> </a:t>
+            </a:r>
+            <a:r>
+              <a:rPr lang="cs-CZ" b="0" i="0" dirty="0" err="1">
+                <a:solidFill>
+                  <a:srgbClr val="202122"/>
+                </a:solidFill>
+                <a:effectLst/>
+                <a:latin typeface="Arial" panose="020B0604020202020204" pitchFamily="34" charset="0"/>
+              </a:rPr>
+              <a:t>Enterprise</a:t>
+            </a:r>
+            <a:r>
+              <a:rPr lang="cs-CZ" b="0" i="0" dirty="0">
+                <a:solidFill>
+                  <a:srgbClr val="202122"/>
+                </a:solidFill>
+                <a:effectLst/>
+                <a:latin typeface="Arial" panose="020B0604020202020204" pitchFamily="34" charset="0"/>
+              </a:rPr>
+              <a:t> Linux určena pro komerční sféru. Placená je pouze podpora a servis včetně přístupu k </a:t>
+            </a:r>
+            <a:r>
+              <a:rPr lang="cs-CZ" b="0" i="0" u="none" strike="noStrike" dirty="0">
+                <a:solidFill>
+                  <a:srgbClr val="0645AD"/>
+                </a:solidFill>
+                <a:effectLst/>
+                <a:latin typeface="Arial" panose="020B0604020202020204" pitchFamily="34" charset="0"/>
+              </a:rPr>
+              <a:t>webové službě</a:t>
+            </a:r>
+            <a:r>
+              <a:rPr lang="cs-CZ" b="0" i="0" dirty="0">
+                <a:solidFill>
+                  <a:srgbClr val="202122"/>
+                </a:solidFill>
+                <a:effectLst/>
+                <a:latin typeface="Arial" panose="020B0604020202020204" pitchFamily="34" charset="0"/>
+              </a:rPr>
+              <a:t> s názvem </a:t>
+            </a:r>
+            <a:r>
+              <a:rPr lang="cs-CZ" b="0" i="0" u="sng" dirty="0" err="1">
+                <a:solidFill>
+                  <a:srgbClr val="BA0000"/>
+                </a:solidFill>
+                <a:effectLst/>
+                <a:latin typeface="Arial" panose="020B0604020202020204" pitchFamily="34" charset="0"/>
+              </a:rPr>
+              <a:t>Red</a:t>
+            </a:r>
+            <a:r>
+              <a:rPr lang="cs-CZ" b="0" i="0" u="sng" dirty="0">
+                <a:solidFill>
+                  <a:srgbClr val="BA0000"/>
+                </a:solidFill>
+                <a:effectLst/>
+                <a:latin typeface="Arial" panose="020B0604020202020204" pitchFamily="34" charset="0"/>
+              </a:rPr>
+              <a:t> </a:t>
+            </a:r>
+            <a:r>
+              <a:rPr lang="cs-CZ" b="0" i="0" u="sng" dirty="0" err="1">
+                <a:solidFill>
+                  <a:srgbClr val="BA0000"/>
+                </a:solidFill>
+                <a:effectLst/>
+                <a:latin typeface="Arial" panose="020B0604020202020204" pitchFamily="34" charset="0"/>
+              </a:rPr>
+              <a:t>Hat</a:t>
+            </a:r>
+            <a:r>
+              <a:rPr lang="cs-CZ" b="0" i="0" u="sng" dirty="0">
+                <a:solidFill>
+                  <a:srgbClr val="BA0000"/>
+                </a:solidFill>
+                <a:effectLst/>
+                <a:latin typeface="Arial" panose="020B0604020202020204" pitchFamily="34" charset="0"/>
+              </a:rPr>
+              <a:t> Network</a:t>
+            </a:r>
+            <a:endParaRPr lang="cs-CZ" sz="1200" b="0" i="0" dirty="0">
+              <a:solidFill>
+                <a:srgbClr val="202122"/>
+              </a:solidFill>
+              <a:effectLst/>
+              <a:latin typeface="Arial" panose="020B0604020202020204" pitchFamily="34" charset="0"/>
+            </a:endParaRPr>
+          </a:p>
+          <a:p>
+            <a:endParaRPr lang="cs-CZ" sz="1200" b="0" i="0" dirty="0">
+              <a:solidFill>
+                <a:srgbClr val="202122"/>
+              </a:solidFill>
+              <a:effectLst/>
+              <a:latin typeface="Arial" panose="020B0604020202020204" pitchFamily="34" charset="0"/>
+            </a:endParaRPr>
+          </a:p>
+          <a:p>
+            <a:endParaRPr lang="cs-CZ" u="none" dirty="0">
+              <a:solidFill>
+                <a:schemeClr val="accent6">
+                  <a:lumMod val="75000"/>
+                </a:schemeClr>
+              </a:solidFill>
+              <a:highlight>
+                <a:srgbClr val="FFFF00"/>
+              </a:highlight>
+            </a:endParaRPr>
+          </a:p>
+        </p:txBody>
+      </p:sp>
+      <p:sp>
+        <p:nvSpPr>
+          <p:cNvPr id="4" name="Zástupný symbol pro číslo snímku 3"/>
+          <p:cNvSpPr>
+            <a:spLocks noGrp="1"/>
+          </p:cNvSpPr>
+          <p:nvPr>
+            <p:ph type="sldNum" sz="quarter" idx="5"/>
+          </p:nvPr>
+        </p:nvSpPr>
+        <p:spPr/>
+        <p:txBody>
+          <a:bodyPr/>
+          <a:lstStyle/>
+          <a:p>
+            <a:fld id="{2392C61E-B012-4FBE-A281-EE11B83DE740}" type="slidenum">
+              <a:rPr lang="cs-CZ" smtClean="0"/>
+              <a:t>10</a:t>
+            </a:fld>
+            <a:endParaRPr lang="cs-CZ"/>
+          </a:p>
+        </p:txBody>
+      </p:sp>
+    </p:spTree>
+    <p:extLst>
+      <p:ext uri="{BB962C8B-B14F-4D97-AF65-F5344CB8AC3E}">
+        <p14:creationId xmlns:p14="http://schemas.microsoft.com/office/powerpoint/2010/main" val="3950031735"/>
+      </p:ext>
+    </p:extLst>
+  </p:cSld>
+  <p:clrMapOvr>
+    <a:masterClrMapping/>
+  </p:clrMapOvr>
+</p:notes>
+</file>
+
+<file path=ppt/notesSlides/notesSlide8.xml><?xml version="1.0" encoding="utf-8"?>
+<p:notes xmlns:a="http://schemas.openxmlformats.org/drawingml/2006/main" xmlns:r="http://schemas.openxmlformats.org/officeDocument/2006/relationships" xmlns:p="http://schemas.openxmlformats.org/presentationml/2006/main">
+  <p:cSld>
+    <p:spTree>
+      <p:nvGrpSpPr>
+        <p:cNvPr id="1" name=""/>
+        <p:cNvGrpSpPr/>
+        <p:nvPr/>
+      </p:nvGrpSpPr>
+      <p:grpSpPr>
+        <a:xfrm>
+          <a:off x="0" y="0"/>
+          <a:ext cx="0" cy="0"/>
+          <a:chOff x="0" y="0"/>
+          <a:chExt cx="0" cy="0"/>
+        </a:xfrm>
+      </p:grpSpPr>
+      <p:sp>
+        <p:nvSpPr>
+          <p:cNvPr id="2" name="Zástupný symbol pro obrázek snímku 1"/>
+          <p:cNvSpPr>
+            <a:spLocks noGrp="1" noRot="1" noChangeAspect="1"/>
+          </p:cNvSpPr>
+          <p:nvPr>
+            <p:ph type="sldImg"/>
+          </p:nvPr>
+        </p:nvSpPr>
+        <p:spPr/>
+      </p:sp>
+      <p:sp>
+        <p:nvSpPr>
+          <p:cNvPr id="3" name="Zástupný symbol pro poznámky 2"/>
+          <p:cNvSpPr>
+            <a:spLocks noGrp="1"/>
+          </p:cNvSpPr>
+          <p:nvPr>
+            <p:ph type="body" idx="1"/>
+          </p:nvPr>
+        </p:nvSpPr>
+        <p:spPr/>
+        <p:txBody>
+          <a:bodyPr/>
+          <a:lstStyle/>
+          <a:p>
+            <a:r>
+              <a:rPr lang="cs-CZ" b="0" i="0" dirty="0">
+                <a:solidFill>
+                  <a:srgbClr val="202122"/>
+                </a:solidFill>
+                <a:effectLst/>
+                <a:latin typeface="Arial" panose="020B0604020202020204" pitchFamily="34" charset="0"/>
+              </a:rPr>
+              <a:t>(ve skutečnosti open source programy vyžadují, aby s nimi licence byla dodávána nejen u zdrojových kódů, ale i u funkční podoby)</a:t>
+            </a:r>
+            <a:endParaRPr lang="cs-CZ" dirty="0"/>
+          </a:p>
+        </p:txBody>
+      </p:sp>
+      <p:sp>
+        <p:nvSpPr>
+          <p:cNvPr id="4" name="Zástupný symbol pro číslo snímku 3"/>
+          <p:cNvSpPr>
+            <a:spLocks noGrp="1"/>
+          </p:cNvSpPr>
+          <p:nvPr>
+            <p:ph type="sldNum" sz="quarter" idx="5"/>
+          </p:nvPr>
+        </p:nvSpPr>
+        <p:spPr/>
+        <p:txBody>
+          <a:bodyPr/>
+          <a:lstStyle/>
+          <a:p>
+            <a:fld id="{2392C61E-B012-4FBE-A281-EE11B83DE740}" type="slidenum">
+              <a:rPr lang="cs-CZ" smtClean="0"/>
+              <a:t>11</a:t>
             </a:fld>
             <a:endParaRPr lang="cs-CZ"/>
           </a:p>
@@ -1426,6 +1940,98 @@
     <p:extLst>
       <p:ext uri="{BB962C8B-B14F-4D97-AF65-F5344CB8AC3E}">
         <p14:creationId xmlns:p14="http://schemas.microsoft.com/office/powerpoint/2010/main" val="2144685517"/>
+      </p:ext>
+    </p:extLst>
+  </p:cSld>
+  <p:clrMapOvr>
+    <a:masterClrMapping/>
+  </p:clrMapOvr>
+</p:notes>
+</file>
+
+<file path=ppt/notesSlides/notesSlide9.xml><?xml version="1.0" encoding="utf-8"?>
+<p:notes xmlns:a="http://schemas.openxmlformats.org/drawingml/2006/main" xmlns:r="http://schemas.openxmlformats.org/officeDocument/2006/relationships" xmlns:p="http://schemas.openxmlformats.org/presentationml/2006/main">
+  <p:cSld>
+    <p:spTree>
+      <p:nvGrpSpPr>
+        <p:cNvPr id="1" name=""/>
+        <p:cNvGrpSpPr/>
+        <p:nvPr/>
+      </p:nvGrpSpPr>
+      <p:grpSpPr>
+        <a:xfrm>
+          <a:off x="0" y="0"/>
+          <a:ext cx="0" cy="0"/>
+          <a:chOff x="0" y="0"/>
+          <a:chExt cx="0" cy="0"/>
+        </a:xfrm>
+      </p:grpSpPr>
+      <p:sp>
+        <p:nvSpPr>
+          <p:cNvPr id="2" name="Zástupný symbol pro obrázek snímku 1"/>
+          <p:cNvSpPr>
+            <a:spLocks noGrp="1" noRot="1" noChangeAspect="1"/>
+          </p:cNvSpPr>
+          <p:nvPr>
+            <p:ph type="sldImg"/>
+          </p:nvPr>
+        </p:nvSpPr>
+        <p:spPr/>
+      </p:sp>
+      <p:sp>
+        <p:nvSpPr>
+          <p:cNvPr id="3" name="Zástupný symbol pro poznámky 2"/>
+          <p:cNvSpPr>
+            <a:spLocks noGrp="1"/>
+          </p:cNvSpPr>
+          <p:nvPr>
+            <p:ph type="body" idx="1"/>
+          </p:nvPr>
+        </p:nvSpPr>
+        <p:spPr/>
+        <p:txBody>
+          <a:bodyPr/>
+          <a:lstStyle/>
+          <a:p>
+            <a:r>
+              <a:rPr lang="cs-CZ" dirty="0"/>
+              <a:t>Shell=jazyk v </a:t>
+            </a:r>
+            <a:r>
+              <a:rPr lang="cs-CZ" dirty="0" err="1"/>
+              <a:t>cmd</a:t>
+            </a:r>
+            <a:endParaRPr lang="cs-CZ" dirty="0"/>
+          </a:p>
+        </p:txBody>
+      </p:sp>
+      <p:sp>
+        <p:nvSpPr>
+          <p:cNvPr id="4" name="Zástupný symbol pro číslo snímku 3"/>
+          <p:cNvSpPr>
+            <a:spLocks noGrp="1"/>
+          </p:cNvSpPr>
+          <p:nvPr>
+            <p:ph type="sldNum" sz="quarter" idx="5"/>
+          </p:nvPr>
+        </p:nvSpPr>
+        <p:spPr/>
+        <p:txBody>
+          <a:bodyPr/>
+          <a:lstStyle/>
+          <a:p>
+            <a:fld id="{2392C61E-B012-4FBE-A281-EE11B83DE740}" type="slidenum">
+              <a:rPr lang="cs-CZ" smtClean="0"/>
+              <a:t>13</a:t>
+            </a:fld>
+            <a:endParaRPr lang="cs-CZ"/>
+          </a:p>
+        </p:txBody>
+      </p:sp>
+    </p:spTree>
+    <p:extLst>
+      <p:ext uri="{BB962C8B-B14F-4D97-AF65-F5344CB8AC3E}">
+        <p14:creationId xmlns:p14="http://schemas.microsoft.com/office/powerpoint/2010/main" val="3992470682"/>
       </p:ext>
     </p:extLst>
   </p:cSld>
@@ -1709,7 +2315,7 @@
           <a:p>
             <a:fld id="{78ABE3C1-DBE1-495D-B57B-2849774B866A}" type="datetimeFigureOut">
               <a:rPr lang="en-US" dirty="0"/>
-              <a:t>1/15/2023</a:t>
+              <a:t>1/17/2023</a:t>
             </a:fld>
             <a:endParaRPr lang="en-US" dirty="0"/>
           </a:p>
@@ -2118,7 +2724,7 @@
           <a:p>
             <a:fld id="{446C117F-5CCF-4837-BE5F-2B92066CAFAF}" type="datetimeFigureOut">
               <a:rPr lang="en-US" dirty="0"/>
-              <a:t>1/15/2023</a:t>
+              <a:t>1/17/2023</a:t>
             </a:fld>
             <a:endParaRPr lang="en-US" dirty="0"/>
           </a:p>
@@ -2449,7 +3055,7 @@
           <a:p>
             <a:fld id="{84EB90BD-B6CE-46B7-997F-7313B992CCDC}" type="datetimeFigureOut">
               <a:rPr lang="en-US" dirty="0"/>
-              <a:t>1/15/2023</a:t>
+              <a:t>1/17/2023</a:t>
             </a:fld>
             <a:endParaRPr lang="en-US" dirty="0"/>
           </a:p>
@@ -2849,7 +3455,7 @@
           <a:p>
             <a:fld id="{CDB9D11F-B188-461D-B23F-39381795C052}" type="datetimeFigureOut">
               <a:rPr lang="en-US" dirty="0"/>
-              <a:t>1/15/2023</a:t>
+              <a:t>1/17/2023</a:t>
             </a:fld>
             <a:endParaRPr lang="en-US" dirty="0"/>
           </a:p>
@@ -3412,7 +4018,7 @@
           <a:p>
             <a:fld id="{52E6D8D9-55A2-4063-B0F3-121F44549695}" type="datetimeFigureOut">
               <a:rPr lang="en-US" dirty="0"/>
-              <a:t>1/15/2023</a:t>
+              <a:t>1/17/2023</a:t>
             </a:fld>
             <a:endParaRPr lang="en-US" dirty="0"/>
           </a:p>
@@ -4088,7 +4694,7 @@
           <a:p>
             <a:fld id="{D4B24536-994D-4021-A283-9F449C0DB509}" type="datetimeFigureOut">
               <a:rPr lang="en-US" dirty="0"/>
-              <a:t>1/15/2023</a:t>
+              <a:t>1/17/2023</a:t>
             </a:fld>
             <a:endParaRPr lang="en-US" dirty="0"/>
           </a:p>
@@ -4996,7 +5602,7 @@
           <a:p>
             <a:fld id="{3CBBBB78-C96F-47B7-AB17-D852CA960AC9}" type="datetimeFigureOut">
               <a:rPr lang="en-US" dirty="0"/>
-              <a:t>1/15/2023</a:t>
+              <a:t>1/17/2023</a:t>
             </a:fld>
             <a:endParaRPr lang="en-US" dirty="0"/>
           </a:p>
@@ -5304,7 +5910,7 @@
           <a:p>
             <a:fld id="{1FA3F48C-C7C6-4055-9F49-3777875E72AE}" type="datetimeFigureOut">
               <a:rPr lang="en-US" dirty="0"/>
-              <a:t>1/15/2023</a:t>
+              <a:t>1/17/2023</a:t>
             </a:fld>
             <a:endParaRPr lang="en-US" dirty="0"/>
           </a:p>
@@ -5563,7 +6169,7 @@
           <a:p>
             <a:fld id="{6178E61D-D431-422C-9764-11DAFE33AB63}" type="datetimeFigureOut">
               <a:rPr lang="en-US" dirty="0"/>
-              <a:t>1/15/2023</a:t>
+              <a:t>1/17/2023</a:t>
             </a:fld>
             <a:endParaRPr lang="en-US" dirty="0"/>
           </a:p>
@@ -5882,7 +6488,7 @@
           <a:p>
             <a:fld id="{12DE42F4-6EEF-4EF7-8ED4-2208F0F89A08}" type="datetimeFigureOut">
               <a:rPr lang="en-US" dirty="0"/>
-              <a:t>1/15/2023</a:t>
+              <a:t>1/17/2023</a:t>
             </a:fld>
             <a:endParaRPr lang="en-US" dirty="0"/>
           </a:p>
@@ -6266,7 +6872,7 @@
           <a:p>
             <a:fld id="{30578ACC-22D6-47C1-A373-4FD133E34F3C}" type="datetimeFigureOut">
               <a:rPr lang="en-US" dirty="0"/>
-              <a:t>1/15/2023</a:t>
+              <a:t>1/17/2023</a:t>
             </a:fld>
             <a:endParaRPr lang="en-US" dirty="0"/>
           </a:p>
@@ -6637,7 +7243,7 @@
           <a:p>
             <a:fld id="{4E5A6C69-6797-4E8A-BF37-F2C3751466E9}" type="datetimeFigureOut">
               <a:rPr lang="en-US" dirty="0"/>
-              <a:t>1/15/2023</a:t>
+              <a:t>1/17/2023</a:t>
             </a:fld>
             <a:endParaRPr lang="en-US" dirty="0"/>
           </a:p>
@@ -7138,7 +7744,7 @@
           <a:p>
             <a:fld id="{D82014A1-A632-4878-A0D3-F52BA7563730}" type="datetimeFigureOut">
               <a:rPr lang="en-US" dirty="0"/>
-              <a:t>1/15/2023</a:t>
+              <a:t>1/17/2023</a:t>
             </a:fld>
             <a:endParaRPr lang="en-US" dirty="0"/>
           </a:p>
@@ -7390,7 +7996,7 @@
           <a:p>
             <a:fld id="{CE99F462-093F-4566-844B-4C71F2739DA5}" type="datetimeFigureOut">
               <a:rPr lang="en-US" dirty="0"/>
-              <a:t>1/15/2023</a:t>
+              <a:t>1/17/2023</a:t>
             </a:fld>
             <a:endParaRPr lang="en-US" dirty="0"/>
           </a:p>
@@ -7548,7 +8154,7 @@
           <a:p>
             <a:fld id="{3D24A7AC-904D-4781-85BA-7D10C17ED021}" type="datetimeFigureOut">
               <a:rPr lang="en-US" dirty="0"/>
-              <a:t>1/15/2023</a:t>
+              <a:t>1/17/2023</a:t>
             </a:fld>
             <a:endParaRPr lang="en-US" dirty="0"/>
           </a:p>
@@ -7933,7 +8539,7 @@
           <a:p>
             <a:fld id="{E331444B-B92B-4E27-8C94-BB93EAF5CB18}" type="datetimeFigureOut">
               <a:rPr lang="en-US" dirty="0"/>
-              <a:t>1/15/2023</a:t>
+              <a:t>1/17/2023</a:t>
             </a:fld>
             <a:endParaRPr lang="en-US" dirty="0"/>
           </a:p>
@@ -8337,7 +8943,7 @@
           <a:p>
             <a:fld id="{363EFA5E-FA76-400D-B3DC-F0BA90E6D107}" type="datetimeFigureOut">
               <a:rPr lang="en-US" dirty="0"/>
-              <a:t>1/15/2023</a:t>
+              <a:t>1/17/2023</a:t>
             </a:fld>
             <a:endParaRPr lang="en-US" dirty="0"/>
           </a:p>
@@ -8576,7 +9182,7 @@
           <a:p>
             <a:fld id="{9D6E9DEC-419B-4CC5-A080-3B06BD5A8291}" type="datetimeFigureOut">
               <a:rPr lang="en-US" dirty="0"/>
-              <a:t>1/15/2023</a:t>
+              <a:t>1/17/2023</a:t>
             </a:fld>
             <a:endParaRPr lang="en-US" dirty="0"/>
           </a:p>
@@ -9077,7 +9683,7 @@
           <p:cNvPr id="2" name="Nadpis 1">
             <a:extLst>
               <a:ext uri="{FF2B5EF4-FFF2-40B4-BE49-F238E27FC236}">
-                <a16:creationId xmlns:a16="http://schemas.microsoft.com/office/drawing/2014/main" id="{99405512-64A7-99C7-9FD0-C56646CFE47F}"/>
+                <a16:creationId xmlns:a16="http://schemas.microsoft.com/office/drawing/2014/main" id="{19C482C5-5F3D-354E-94BF-8FE6E1F890D2}"/>
               </a:ext>
             </a:extLst>
           </p:cNvPr>
@@ -9095,225 +9701,382 @@
           <a:p>
             <a:r>
               <a:rPr lang="cs-CZ" dirty="0"/>
-              <a:t>Licence</a:t>
-            </a:r>
-          </a:p>
-        </p:txBody>
-      </p:sp>
-      <p:sp>
-        <p:nvSpPr>
-          <p:cNvPr id="3" name="Zástupný obsah 2">
+              <a:t>Nejznámější Linuxové distribuce</a:t>
+            </a:r>
+          </a:p>
+        </p:txBody>
+      </p:sp>
+      <p:pic>
+        <p:nvPicPr>
+          <p:cNvPr id="1026" name="Picture 2" descr="Fedora 36 a GNOME 42">
             <a:extLst>
               <a:ext uri="{FF2B5EF4-FFF2-40B4-BE49-F238E27FC236}">
-                <a16:creationId xmlns:a16="http://schemas.microsoft.com/office/drawing/2014/main" id="{276005DA-B895-D62E-DCBC-95DC9DB38293}"/>
+                <a16:creationId xmlns:a16="http://schemas.microsoft.com/office/drawing/2014/main" id="{D7898A53-AF28-9472-99FF-461EF1433855}"/>
               </a:ext>
             </a:extLst>
           </p:cNvPr>
-          <p:cNvSpPr>
-            <a:spLocks noGrp="1"/>
-          </p:cNvSpPr>
+          <p:cNvPicPr>
+            <a:picLocks noGrp="1" noChangeAspect="1" noChangeArrowheads="1"/>
+          </p:cNvPicPr>
           <p:nvPr>
             <p:ph idx="1"/>
           </p:nvPr>
-        </p:nvSpPr>
-        <p:spPr/>
-        <p:txBody>
-          <a:bodyPr/>
+        </p:nvPicPr>
+        <p:blipFill>
+          <a:blip r:embed="rId3">
+            <a:extLst>
+              <a:ext uri="{28A0092B-C50C-407E-A947-70E740481C1C}">
+                <a14:useLocalDpi xmlns:a14="http://schemas.microsoft.com/office/drawing/2010/main" val="0"/>
+              </a:ext>
+            </a:extLst>
+          </a:blip>
+          <a:srcRect/>
+          <a:stretch>
+            <a:fillRect/>
+          </a:stretch>
+        </p:blipFill>
+        <p:spPr bwMode="auto">
+          <a:xfrm>
+            <a:off x="48620" y="3169215"/>
+            <a:ext cx="3287003" cy="2051090"/>
+          </a:xfrm>
+          <a:prstGeom prst="rect">
+            <a:avLst/>
+          </a:prstGeom>
+          <a:noFill/>
+          <a:extLst>
+            <a:ext uri="{909E8E84-426E-40DD-AFC4-6F175D3DCCD1}">
+              <a14:hiddenFill xmlns:a14="http://schemas.microsoft.com/office/drawing/2010/main">
+                <a:solidFill>
+                  <a:srgbClr val="FFFFFF"/>
+                </a:solidFill>
+              </a14:hiddenFill>
+            </a:ext>
+          </a:extLst>
+        </p:spPr>
+      </p:pic>
+      <p:sp>
+        <p:nvSpPr>
+          <p:cNvPr id="5" name="TextovéPole 4">
+            <a:extLst>
+              <a:ext uri="{FF2B5EF4-FFF2-40B4-BE49-F238E27FC236}">
+                <a16:creationId xmlns:a16="http://schemas.microsoft.com/office/drawing/2014/main" id="{1C830313-B782-08FB-6540-55B6FB8603C8}"/>
+              </a:ext>
+            </a:extLst>
+          </p:cNvPr>
+          <p:cNvSpPr txBox="1"/>
+          <p:nvPr/>
+        </p:nvSpPr>
+        <p:spPr>
+          <a:xfrm>
+            <a:off x="1126306" y="2746563"/>
+            <a:ext cx="6097554" cy="369332"/>
+          </a:xfrm>
+          <a:prstGeom prst="rect">
+            <a:avLst/>
+          </a:prstGeom>
+          <a:noFill/>
+        </p:spPr>
+        <p:txBody>
+          <a:bodyPr wrap="square">
+            <a:spAutoFit/>
+          </a:bodyPr>
           <a:lstStyle/>
           <a:p>
             <a:r>
-              <a:rPr lang="cs-CZ" b="0" i="0" dirty="0">
-                <a:solidFill>
-                  <a:schemeClr val="bg1"/>
+              <a:rPr lang="cs-CZ" b="1" i="0" dirty="0">
+                <a:solidFill>
+                  <a:srgbClr val="202122"/>
                 </a:solidFill>
                 <a:effectLst/>
                 <a:latin typeface="Arial" panose="020B0604020202020204" pitchFamily="34" charset="0"/>
               </a:rPr>
-              <a:t> Některé však mohou obsahovat nesvobodný software, takže je lze volně používat, ale je omezeno jejich šíření. Například v případě, že obsahují komerční programy (</a:t>
-            </a:r>
-            <a:r>
-              <a:rPr lang="cs-CZ" dirty="0">
-                <a:solidFill>
-                  <a:schemeClr val="bg1"/>
-                </a:solidFill>
+              <a:t>Fedora</a:t>
+            </a:r>
+            <a:endParaRPr lang="cs-CZ" dirty="0"/>
+          </a:p>
+        </p:txBody>
+      </p:sp>
+      <p:sp>
+        <p:nvSpPr>
+          <p:cNvPr id="7" name="TextovéPole 6">
+            <a:extLst>
+              <a:ext uri="{FF2B5EF4-FFF2-40B4-BE49-F238E27FC236}">
+                <a16:creationId xmlns:a16="http://schemas.microsoft.com/office/drawing/2014/main" id="{3D28168A-3D5D-3AB1-C6C6-A2A83E377034}"/>
+              </a:ext>
+            </a:extLst>
+          </p:cNvPr>
+          <p:cNvSpPr txBox="1"/>
+          <p:nvPr/>
+        </p:nvSpPr>
+        <p:spPr>
+          <a:xfrm>
+            <a:off x="-121298" y="5073133"/>
+            <a:ext cx="4126463" cy="369332"/>
+          </a:xfrm>
+          <a:prstGeom prst="rect">
+            <a:avLst/>
+          </a:prstGeom>
+          <a:noFill/>
+        </p:spPr>
+        <p:txBody>
+          <a:bodyPr wrap="square">
+            <a:spAutoFit/>
+          </a:bodyPr>
+          <a:lstStyle/>
+          <a:p>
+            <a:r>
+              <a:rPr lang="pt-BR" b="0" i="0" dirty="0">
+                <a:solidFill>
+                  <a:srgbClr val="202122"/>
+                </a:solidFill>
+                <a:effectLst/>
                 <a:latin typeface="Arial" panose="020B0604020202020204" pitchFamily="34" charset="0"/>
               </a:rPr>
-              <a:t>ovladače</a:t>
-            </a:r>
-            <a:r>
-              <a:rPr lang="cs-CZ" b="0" i="0" dirty="0">
-                <a:solidFill>
-                  <a:schemeClr val="bg1"/>
+              <a:t>.</a:t>
+            </a:r>
+            <a:endParaRPr lang="cs-CZ" dirty="0"/>
+          </a:p>
+        </p:txBody>
+      </p:sp>
+      <p:pic>
+        <p:nvPicPr>
+          <p:cNvPr id="1028" name="Picture 4" descr="Arch Linux s upraveným GNOME 40">
+            <a:extLst>
+              <a:ext uri="{FF2B5EF4-FFF2-40B4-BE49-F238E27FC236}">
+                <a16:creationId xmlns:a16="http://schemas.microsoft.com/office/drawing/2014/main" id="{1A01912C-35C6-CE9B-B56D-40C77DC108E4}"/>
+              </a:ext>
+            </a:extLst>
+          </p:cNvPr>
+          <p:cNvPicPr>
+            <a:picLocks noChangeAspect="1" noChangeArrowheads="1"/>
+          </p:cNvPicPr>
+          <p:nvPr/>
+        </p:nvPicPr>
+        <p:blipFill>
+          <a:blip r:embed="rId4">
+            <a:extLst>
+              <a:ext uri="{28A0092B-C50C-407E-A947-70E740481C1C}">
+                <a14:useLocalDpi xmlns:a14="http://schemas.microsoft.com/office/drawing/2010/main" val="0"/>
+              </a:ext>
+            </a:extLst>
+          </a:blip>
+          <a:srcRect/>
+          <a:stretch>
+            <a:fillRect/>
+          </a:stretch>
+        </p:blipFill>
+        <p:spPr bwMode="auto">
+          <a:xfrm>
+            <a:off x="4175083" y="3137842"/>
+            <a:ext cx="3747934" cy="2113835"/>
+          </a:xfrm>
+          <a:prstGeom prst="rect">
+            <a:avLst/>
+          </a:prstGeom>
+          <a:noFill/>
+          <a:extLst>
+            <a:ext uri="{909E8E84-426E-40DD-AFC4-6F175D3DCCD1}">
+              <a14:hiddenFill xmlns:a14="http://schemas.microsoft.com/office/drawing/2010/main">
+                <a:solidFill>
+                  <a:srgbClr val="FFFFFF"/>
+                </a:solidFill>
+              </a14:hiddenFill>
+            </a:ext>
+          </a:extLst>
+        </p:spPr>
+      </p:pic>
+      <p:sp>
+        <p:nvSpPr>
+          <p:cNvPr id="9" name="TextovéPole 8">
+            <a:extLst>
+              <a:ext uri="{FF2B5EF4-FFF2-40B4-BE49-F238E27FC236}">
+                <a16:creationId xmlns:a16="http://schemas.microsoft.com/office/drawing/2014/main" id="{BCFE734A-C925-6042-895A-B609F04FD71D}"/>
+              </a:ext>
+            </a:extLst>
+          </p:cNvPr>
+          <p:cNvSpPr txBox="1"/>
+          <p:nvPr/>
+        </p:nvSpPr>
+        <p:spPr>
+          <a:xfrm>
+            <a:off x="5272085" y="2739442"/>
+            <a:ext cx="6445865" cy="369332"/>
+          </a:xfrm>
+          <a:prstGeom prst="rect">
+            <a:avLst/>
+          </a:prstGeom>
+          <a:noFill/>
+        </p:spPr>
+        <p:txBody>
+          <a:bodyPr wrap="square">
+            <a:spAutoFit/>
+          </a:bodyPr>
+          <a:lstStyle/>
+          <a:p>
+            <a:r>
+              <a:rPr lang="cs-CZ" b="1" i="0" dirty="0">
+                <a:solidFill>
+                  <a:srgbClr val="202122"/>
                 </a:solidFill>
                 <a:effectLst/>
                 <a:latin typeface="Arial" panose="020B0604020202020204" pitchFamily="34" charset="0"/>
               </a:rPr>
-              <a:t> pro </a:t>
-            </a:r>
-            <a:r>
-              <a:rPr lang="cs-CZ" dirty="0">
-                <a:solidFill>
-                  <a:schemeClr val="bg1"/>
-                </a:solidFill>
+              <a:t>Arch Linux</a:t>
+            </a:r>
+            <a:endParaRPr lang="cs-CZ" dirty="0"/>
+          </a:p>
+        </p:txBody>
+      </p:sp>
+      <p:pic>
+        <p:nvPicPr>
+          <p:cNvPr id="1030" name="Picture 6" descr="GNOME Shell v Red Hat Enterprise Linux 9">
+            <a:extLst>
+              <a:ext uri="{FF2B5EF4-FFF2-40B4-BE49-F238E27FC236}">
+                <a16:creationId xmlns:a16="http://schemas.microsoft.com/office/drawing/2014/main" id="{A4EA06B1-8A9B-D4DA-69A9-E0A5F2BA8BF7}"/>
+              </a:ext>
+            </a:extLst>
+          </p:cNvPr>
+          <p:cNvPicPr>
+            <a:picLocks noChangeAspect="1" noChangeArrowheads="1"/>
+          </p:cNvPicPr>
+          <p:nvPr/>
+        </p:nvPicPr>
+        <p:blipFill>
+          <a:blip r:embed="rId5">
+            <a:extLst>
+              <a:ext uri="{28A0092B-C50C-407E-A947-70E740481C1C}">
+                <a14:useLocalDpi xmlns:a14="http://schemas.microsoft.com/office/drawing/2010/main" val="0"/>
+              </a:ext>
+            </a:extLst>
+          </a:blip>
+          <a:srcRect/>
+          <a:stretch>
+            <a:fillRect/>
+          </a:stretch>
+        </p:blipFill>
+        <p:spPr bwMode="auto">
+          <a:xfrm>
+            <a:off x="8495018" y="3083722"/>
+            <a:ext cx="3598328" cy="2245357"/>
+          </a:xfrm>
+          <a:prstGeom prst="rect">
+            <a:avLst/>
+          </a:prstGeom>
+          <a:noFill/>
+          <a:extLst>
+            <a:ext uri="{909E8E84-426E-40DD-AFC4-6F175D3DCCD1}">
+              <a14:hiddenFill xmlns:a14="http://schemas.microsoft.com/office/drawing/2010/main">
+                <a:solidFill>
+                  <a:srgbClr val="FFFFFF"/>
+                </a:solidFill>
+              </a14:hiddenFill>
+            </a:ext>
+          </a:extLst>
+        </p:spPr>
+      </p:pic>
+      <p:sp>
+        <p:nvSpPr>
+          <p:cNvPr id="11" name="TextovéPole 10">
+            <a:extLst>
+              <a:ext uri="{FF2B5EF4-FFF2-40B4-BE49-F238E27FC236}">
+                <a16:creationId xmlns:a16="http://schemas.microsoft.com/office/drawing/2014/main" id="{41504C25-F455-D683-862E-DD1ECD81F7DD}"/>
+              </a:ext>
+            </a:extLst>
+          </p:cNvPr>
+          <p:cNvSpPr txBox="1"/>
+          <p:nvPr/>
+        </p:nvSpPr>
+        <p:spPr>
+          <a:xfrm>
+            <a:off x="8935819" y="2714390"/>
+            <a:ext cx="3442252" cy="369332"/>
+          </a:xfrm>
+          <a:prstGeom prst="rect">
+            <a:avLst/>
+          </a:prstGeom>
+          <a:noFill/>
+        </p:spPr>
+        <p:txBody>
+          <a:bodyPr wrap="square">
+            <a:spAutoFit/>
+          </a:bodyPr>
+          <a:lstStyle/>
+          <a:p>
+            <a:pPr algn="l"/>
+            <a:r>
+              <a:rPr lang="cs-CZ" b="1" i="0" dirty="0" err="1">
+                <a:solidFill>
+                  <a:srgbClr val="000000"/>
+                </a:solidFill>
+                <a:effectLst/>
                 <a:latin typeface="Arial" panose="020B0604020202020204" pitchFamily="34" charset="0"/>
-              </a:rPr>
-              <a:t>grafickou kartu, počítačové hry,..) </a:t>
-            </a:r>
-          </a:p>
-          <a:p>
-            <a:r>
-              <a:rPr lang="cs-CZ" b="0" i="0" dirty="0">
-                <a:solidFill>
-                  <a:schemeClr val="bg1"/>
+                <a:cs typeface="Arial" panose="020B0604020202020204" pitchFamily="34" charset="0"/>
+              </a:rPr>
+              <a:t>Red</a:t>
+            </a:r>
+            <a:r>
+              <a:rPr lang="cs-CZ" b="1" i="0" dirty="0">
+                <a:solidFill>
+                  <a:srgbClr val="000000"/>
                 </a:solidFill>
                 <a:effectLst/>
                 <a:latin typeface="Arial" panose="020B0604020202020204" pitchFamily="34" charset="0"/>
-              </a:rPr>
-              <a:t>Také profesionální komerční distribuce jsou dostupné pouze po zaplacení (například </a:t>
-            </a:r>
-            <a:r>
-              <a:rPr lang="cs-CZ" u="sng" dirty="0" err="1">
-                <a:solidFill>
-                  <a:schemeClr val="bg1"/>
-                </a:solidFill>
+                <a:cs typeface="Arial" panose="020B0604020202020204" pitchFamily="34" charset="0"/>
+              </a:rPr>
+              <a:t> </a:t>
+            </a:r>
+            <a:r>
+              <a:rPr lang="cs-CZ" b="1" i="0" dirty="0" err="1">
+                <a:solidFill>
+                  <a:srgbClr val="000000"/>
+                </a:solidFill>
+                <a:effectLst/>
                 <a:latin typeface="Arial" panose="020B0604020202020204" pitchFamily="34" charset="0"/>
-              </a:rPr>
-              <a:t>Red</a:t>
-            </a:r>
-            <a:r>
-              <a:rPr lang="cs-CZ" u="sng" dirty="0">
-                <a:solidFill>
-                  <a:schemeClr val="bg1"/>
-                </a:solidFill>
+                <a:cs typeface="Arial" panose="020B0604020202020204" pitchFamily="34" charset="0"/>
+              </a:rPr>
+              <a:t>Hat</a:t>
+            </a:r>
+            <a:r>
+              <a:rPr lang="cs-CZ" b="1" i="0" dirty="0">
+                <a:solidFill>
+                  <a:srgbClr val="000000"/>
+                </a:solidFill>
+                <a:effectLst/>
                 <a:latin typeface="Arial" panose="020B0604020202020204" pitchFamily="34" charset="0"/>
+                <a:cs typeface="Arial" panose="020B0604020202020204" pitchFamily="34" charset="0"/>
               </a:rPr>
               <a:t> </a:t>
             </a:r>
             <a:r>
-              <a:rPr lang="cs-CZ" u="sng" dirty="0" err="1">
-                <a:solidFill>
-                  <a:schemeClr val="bg1"/>
-                </a:solidFill>
+              <a:rPr lang="cs-CZ" b="1" i="0" dirty="0" err="1">
+                <a:solidFill>
+                  <a:srgbClr val="000000"/>
+                </a:solidFill>
+                <a:effectLst/>
                 <a:latin typeface="Arial" panose="020B0604020202020204" pitchFamily="34" charset="0"/>
-              </a:rPr>
-              <a:t>Hat</a:t>
-            </a:r>
-            <a:r>
-              <a:rPr lang="cs-CZ" u="sng" dirty="0">
-                <a:solidFill>
-                  <a:schemeClr val="bg1"/>
-                </a:solidFill>
+                <a:cs typeface="Arial" panose="020B0604020202020204" pitchFamily="34" charset="0"/>
+              </a:rPr>
+              <a:t>Enterprise</a:t>
+            </a:r>
+            <a:r>
+              <a:rPr lang="cs-CZ" b="1" i="0" dirty="0">
+                <a:solidFill>
+                  <a:srgbClr val="000000"/>
+                </a:solidFill>
+                <a:effectLst/>
                 <a:latin typeface="Arial" panose="020B0604020202020204" pitchFamily="34" charset="0"/>
-              </a:rPr>
-              <a:t> </a:t>
-            </a:r>
-            <a:r>
-              <a:rPr lang="cs-CZ" u="sng" dirty="0" err="1">
-                <a:solidFill>
-                  <a:schemeClr val="bg1"/>
-                </a:solidFill>
-                <a:latin typeface="Arial" panose="020B0604020202020204" pitchFamily="34" charset="0"/>
-              </a:rPr>
-              <a:t>Enterprise</a:t>
-            </a:r>
-            <a:r>
-              <a:rPr lang="cs-CZ" u="sng" dirty="0">
-                <a:solidFill>
-                  <a:schemeClr val="bg1"/>
-                </a:solidFill>
-                <a:latin typeface="Arial" panose="020B0604020202020204" pitchFamily="34" charset="0"/>
+                <a:cs typeface="Arial" panose="020B0604020202020204" pitchFamily="34" charset="0"/>
               </a:rPr>
               <a:t> Linux</a:t>
             </a:r>
-            <a:r>
-              <a:rPr lang="cs-CZ" b="0" i="0" dirty="0">
-                <a:solidFill>
-                  <a:schemeClr val="bg1"/>
-                </a:solidFill>
-                <a:effectLst/>
-                <a:latin typeface="Arial" panose="020B0604020202020204" pitchFamily="34" charset="0"/>
-              </a:rPr>
-              <a:t>, </a:t>
-            </a:r>
-            <a:r>
-              <a:rPr lang="cs-CZ" u="sng" dirty="0">
-                <a:solidFill>
-                  <a:schemeClr val="bg1"/>
-                </a:solidFill>
-                <a:latin typeface="Arial" panose="020B0604020202020204" pitchFamily="34" charset="0"/>
-              </a:rPr>
-              <a:t>SUSE Linux </a:t>
-            </a:r>
-            <a:r>
-              <a:rPr lang="cs-CZ" u="sng" dirty="0" err="1">
-                <a:solidFill>
-                  <a:schemeClr val="bg1"/>
-                </a:solidFill>
-                <a:latin typeface="Arial" panose="020B0604020202020204" pitchFamily="34" charset="0"/>
-              </a:rPr>
-              <a:t>Enterprise</a:t>
-            </a:r>
-            <a:r>
-              <a:rPr lang="cs-CZ" u="sng" dirty="0">
-                <a:solidFill>
-                  <a:schemeClr val="bg1"/>
-                </a:solidFill>
-                <a:latin typeface="Arial" panose="020B0604020202020204" pitchFamily="34" charset="0"/>
-              </a:rPr>
-              <a:t> Server</a:t>
-            </a:r>
-            <a:r>
-              <a:rPr lang="cs-CZ" b="0" i="0" dirty="0">
-                <a:solidFill>
-                  <a:schemeClr val="bg1"/>
-                </a:solidFill>
-                <a:effectLst/>
-                <a:latin typeface="Arial" panose="020B0604020202020204" pitchFamily="34" charset="0"/>
-              </a:rPr>
-              <a:t>), avšak díky povaze open source k některým existují volně šiřitelné identické klony (např. </a:t>
-            </a:r>
-            <a:r>
-              <a:rPr lang="cs-CZ" u="sng" dirty="0" err="1">
-                <a:solidFill>
-                  <a:schemeClr val="bg1"/>
-                </a:solidFill>
-                <a:latin typeface="Arial" panose="020B0604020202020204" pitchFamily="34" charset="0"/>
-              </a:rPr>
-              <a:t>CentOS</a:t>
-            </a:r>
-            <a:r>
-              <a:rPr lang="cs-CZ" b="0" i="0" dirty="0">
-                <a:solidFill>
-                  <a:schemeClr val="bg1"/>
-                </a:solidFill>
-                <a:effectLst/>
-                <a:latin typeface="Arial" panose="020B0604020202020204" pitchFamily="34" charset="0"/>
-              </a:rPr>
-              <a:t>). </a:t>
-            </a:r>
-            <a:r>
-              <a:rPr lang="cs-CZ" b="0" i="0">
-                <a:solidFill>
-                  <a:schemeClr val="bg1"/>
-                </a:solidFill>
-                <a:effectLst/>
-                <a:latin typeface="Arial" panose="020B0604020202020204" pitchFamily="34" charset="0"/>
-              </a:rPr>
-              <a:t>https://cs.wikipedia.org/wiki/Linux#Licence</a:t>
-            </a:r>
-            <a:endParaRPr lang="cs-CZ" dirty="0">
-              <a:solidFill>
-                <a:schemeClr val="bg1"/>
-              </a:solidFill>
-              <a:latin typeface="Arial" panose="020B0604020202020204" pitchFamily="34" charset="0"/>
-            </a:endParaRPr>
           </a:p>
         </p:txBody>
       </p:sp>
     </p:spTree>
     <p:extLst>
       <p:ext uri="{BB962C8B-B14F-4D97-AF65-F5344CB8AC3E}">
-        <p14:creationId xmlns:p14="http://schemas.microsoft.com/office/powerpoint/2010/main" val="2267382108"/>
+        <p14:creationId xmlns:p14="http://schemas.microsoft.com/office/powerpoint/2010/main" val="789081118"/>
       </p:ext>
     </p:extLst>
   </p:cSld>
@@ -9345,6 +10108,540 @@
           <p:cNvPr id="2" name="Nadpis 1">
             <a:extLst>
               <a:ext uri="{FF2B5EF4-FFF2-40B4-BE49-F238E27FC236}">
+                <a16:creationId xmlns:a16="http://schemas.microsoft.com/office/drawing/2014/main" id="{4994B7B4-6CC0-431F-D6EE-3B92D10ED6E5}"/>
+              </a:ext>
+            </a:extLst>
+          </p:cNvPr>
+          <p:cNvSpPr>
+            <a:spLocks noGrp="1"/>
+          </p:cNvSpPr>
+          <p:nvPr>
+            <p:ph type="title"/>
+          </p:nvPr>
+        </p:nvSpPr>
+        <p:spPr/>
+        <p:txBody>
+          <a:bodyPr/>
+          <a:lstStyle/>
+          <a:p>
+            <a:r>
+              <a:rPr lang="cs-CZ" dirty="0"/>
+              <a:t>Licence </a:t>
+            </a:r>
+            <a:r>
+              <a:rPr lang="cs-CZ" dirty="0" err="1"/>
+              <a:t>distibucí</a:t>
+            </a:r>
+            <a:endParaRPr lang="cs-CZ" dirty="0"/>
+          </a:p>
+        </p:txBody>
+      </p:sp>
+      <p:sp>
+        <p:nvSpPr>
+          <p:cNvPr id="3" name="Zástupný obsah 2">
+            <a:extLst>
+              <a:ext uri="{FF2B5EF4-FFF2-40B4-BE49-F238E27FC236}">
+                <a16:creationId xmlns:a16="http://schemas.microsoft.com/office/drawing/2014/main" id="{435D0798-8E76-BF08-0BFD-2E04983E908B}"/>
+              </a:ext>
+            </a:extLst>
+          </p:cNvPr>
+          <p:cNvSpPr>
+            <a:spLocks noGrp="1"/>
+          </p:cNvSpPr>
+          <p:nvPr>
+            <p:ph idx="1"/>
+          </p:nvPr>
+        </p:nvSpPr>
+        <p:spPr/>
+        <p:txBody>
+          <a:bodyPr/>
+          <a:lstStyle/>
+          <a:p>
+            <a:r>
+              <a:rPr lang="cs-CZ" b="0" i="0" dirty="0">
+                <a:effectLst/>
+                <a:latin typeface="Roboto" panose="02000000000000000000" pitchFamily="2" charset="0"/>
+                <a:ea typeface="Roboto" panose="02000000000000000000" pitchFamily="2" charset="0"/>
+                <a:cs typeface="Roboto" panose="02000000000000000000" pitchFamily="2" charset="0"/>
+              </a:rPr>
+              <a:t>Distribuce lze nalézt na Internetu a lze je i volně používat, protože se skládají z </a:t>
+            </a:r>
+            <a:r>
+              <a:rPr lang="cs-CZ" dirty="0">
+                <a:latin typeface="Roboto" panose="02000000000000000000" pitchFamily="2" charset="0"/>
+                <a:ea typeface="Roboto" panose="02000000000000000000" pitchFamily="2" charset="0"/>
+                <a:cs typeface="Roboto" panose="02000000000000000000" pitchFamily="2" charset="0"/>
+              </a:rPr>
+              <a:t>open source</a:t>
+            </a:r>
+            <a:r>
+              <a:rPr lang="cs-CZ" b="0" i="0" dirty="0">
+                <a:effectLst/>
+                <a:latin typeface="Roboto" panose="02000000000000000000" pitchFamily="2" charset="0"/>
+                <a:ea typeface="Roboto" panose="02000000000000000000" pitchFamily="2" charset="0"/>
+                <a:cs typeface="Roboto" panose="02000000000000000000" pitchFamily="2" charset="0"/>
+              </a:rPr>
+              <a:t> programů. I v distribuci je ke každému programu standardně přiložena licence, která je při instalaci uložena společně s programem na </a:t>
+            </a:r>
+            <a:r>
+              <a:rPr lang="cs-CZ" dirty="0">
+                <a:latin typeface="Roboto" panose="02000000000000000000" pitchFamily="2" charset="0"/>
+                <a:ea typeface="Roboto" panose="02000000000000000000" pitchFamily="2" charset="0"/>
+                <a:cs typeface="Roboto" panose="02000000000000000000" pitchFamily="2" charset="0"/>
+              </a:rPr>
+              <a:t>pevný disk</a:t>
+            </a:r>
+            <a:r>
+              <a:rPr lang="cs-CZ" b="0" i="0" dirty="0">
+                <a:effectLst/>
+                <a:latin typeface="Roboto" panose="02000000000000000000" pitchFamily="2" charset="0"/>
+                <a:ea typeface="Roboto" panose="02000000000000000000" pitchFamily="2" charset="0"/>
+                <a:cs typeface="Roboto" panose="02000000000000000000" pitchFamily="2" charset="0"/>
+              </a:rPr>
+              <a:t>, takže si vše uživatel může ověřit. </a:t>
+            </a:r>
+          </a:p>
+          <a:p>
+            <a:r>
+              <a:rPr lang="cs-CZ" b="0" i="0" dirty="0">
+                <a:effectLst/>
+                <a:latin typeface="Roboto" panose="02000000000000000000" pitchFamily="2" charset="0"/>
+                <a:ea typeface="Roboto" panose="02000000000000000000" pitchFamily="2" charset="0"/>
+                <a:cs typeface="Roboto" panose="02000000000000000000" pitchFamily="2" charset="0"/>
+              </a:rPr>
+              <a:t>Distribuce také podléhá licenci, avšak typicky se opět jedná o open source. Většina linuxových distribucí je sestavována výhradně ze </a:t>
+            </a:r>
+            <a:r>
+              <a:rPr lang="cs-CZ" dirty="0">
+                <a:latin typeface="Roboto" panose="02000000000000000000" pitchFamily="2" charset="0"/>
+                <a:ea typeface="Roboto" panose="02000000000000000000" pitchFamily="2" charset="0"/>
+                <a:cs typeface="Roboto" panose="02000000000000000000" pitchFamily="2" charset="0"/>
+              </a:rPr>
+              <a:t>svobodného software</a:t>
+            </a:r>
+            <a:r>
+              <a:rPr lang="cs-CZ" b="0" i="0" dirty="0">
+                <a:effectLst/>
+                <a:latin typeface="Roboto" panose="02000000000000000000" pitchFamily="2" charset="0"/>
+                <a:ea typeface="Roboto" panose="02000000000000000000" pitchFamily="2" charset="0"/>
+                <a:cs typeface="Roboto" panose="02000000000000000000" pitchFamily="2" charset="0"/>
+              </a:rPr>
+              <a:t>, takže je lze nejen volně používat, ale i dále šířit.</a:t>
+            </a:r>
+            <a:endParaRPr lang="cs-CZ" dirty="0">
+              <a:latin typeface="Roboto" panose="02000000000000000000" pitchFamily="2" charset="0"/>
+              <a:ea typeface="Roboto" panose="02000000000000000000" pitchFamily="2" charset="0"/>
+              <a:cs typeface="Roboto" panose="02000000000000000000" pitchFamily="2" charset="0"/>
+            </a:endParaRPr>
+          </a:p>
+        </p:txBody>
+      </p:sp>
+    </p:spTree>
+    <p:extLst>
+      <p:ext uri="{BB962C8B-B14F-4D97-AF65-F5344CB8AC3E}">
+        <p14:creationId xmlns:p14="http://schemas.microsoft.com/office/powerpoint/2010/main" val="1454442584"/>
+      </p:ext>
+    </p:extLst>
+  </p:cSld>
+  <p:clrMapOvr>
+    <a:masterClrMapping/>
+  </p:clrMapOvr>
+</p:sld>
+</file>
+
+<file path=ppt/slides/slide12.xml><?xml version="1.0" encoding="utf-8"?>
+<p:sld xmlns:a="http://schemas.openxmlformats.org/drawingml/2006/main" xmlns:r="http://schemas.openxmlformats.org/officeDocument/2006/relationships" xmlns:p="http://schemas.openxmlformats.org/presentationml/2006/main">
+  <p:cSld>
+    <p:spTree>
+      <p:nvGrpSpPr>
+        <p:cNvPr id="1" name=""/>
+        <p:cNvGrpSpPr/>
+        <p:nvPr/>
+      </p:nvGrpSpPr>
+      <p:grpSpPr>
+        <a:xfrm>
+          <a:off x="0" y="0"/>
+          <a:ext cx="0" cy="0"/>
+          <a:chOff x="0" y="0"/>
+          <a:chExt cx="0" cy="0"/>
+        </a:xfrm>
+      </p:grpSpPr>
+      <p:sp>
+        <p:nvSpPr>
+          <p:cNvPr id="2" name="Nadpis 1">
+            <a:extLst>
+              <a:ext uri="{FF2B5EF4-FFF2-40B4-BE49-F238E27FC236}">
+                <a16:creationId xmlns:a16="http://schemas.microsoft.com/office/drawing/2014/main" id="{99405512-64A7-99C7-9FD0-C56646CFE47F}"/>
+              </a:ext>
+            </a:extLst>
+          </p:cNvPr>
+          <p:cNvSpPr>
+            <a:spLocks noGrp="1"/>
+          </p:cNvSpPr>
+          <p:nvPr>
+            <p:ph type="title"/>
+          </p:nvPr>
+        </p:nvSpPr>
+        <p:spPr/>
+        <p:txBody>
+          <a:bodyPr/>
+          <a:lstStyle/>
+          <a:p>
+            <a:r>
+              <a:rPr lang="cs-CZ" dirty="0"/>
+              <a:t>Licence distribucí</a:t>
+            </a:r>
+          </a:p>
+        </p:txBody>
+      </p:sp>
+      <p:sp>
+        <p:nvSpPr>
+          <p:cNvPr id="3" name="Zástupný obsah 2">
+            <a:extLst>
+              <a:ext uri="{FF2B5EF4-FFF2-40B4-BE49-F238E27FC236}">
+                <a16:creationId xmlns:a16="http://schemas.microsoft.com/office/drawing/2014/main" id="{276005DA-B895-D62E-DCBC-95DC9DB38293}"/>
+              </a:ext>
+            </a:extLst>
+          </p:cNvPr>
+          <p:cNvSpPr>
+            <a:spLocks noGrp="1"/>
+          </p:cNvSpPr>
+          <p:nvPr>
+            <p:ph idx="1"/>
+          </p:nvPr>
+        </p:nvSpPr>
+        <p:spPr/>
+        <p:txBody>
+          <a:bodyPr/>
+          <a:lstStyle/>
+          <a:p>
+            <a:r>
+              <a:rPr lang="cs-CZ" b="0" i="0" dirty="0">
+                <a:effectLst/>
+                <a:latin typeface="Arial" panose="020B0604020202020204" pitchFamily="34" charset="0"/>
+              </a:rPr>
+              <a:t> Některé však mohou obsahovat nesvobodný software, takže je lze volně používat, ale je omezeno jejich šíření. Například v případě, že obsahují komerční programy (</a:t>
+            </a:r>
+            <a:r>
+              <a:rPr lang="cs-CZ" dirty="0">
+                <a:latin typeface="Arial" panose="020B0604020202020204" pitchFamily="34" charset="0"/>
+              </a:rPr>
+              <a:t>ovladače</a:t>
+            </a:r>
+            <a:r>
+              <a:rPr lang="cs-CZ" b="0" i="0" dirty="0">
+                <a:effectLst/>
+                <a:latin typeface="Arial" panose="020B0604020202020204" pitchFamily="34" charset="0"/>
+              </a:rPr>
+              <a:t> pro </a:t>
+            </a:r>
+            <a:r>
+              <a:rPr lang="cs-CZ" dirty="0">
+                <a:latin typeface="Arial" panose="020B0604020202020204" pitchFamily="34" charset="0"/>
+              </a:rPr>
+              <a:t>grafickou kartu, počítačové hry,..) </a:t>
+            </a:r>
+          </a:p>
+          <a:p>
+            <a:r>
+              <a:rPr lang="cs-CZ" b="0" i="0" dirty="0">
+                <a:effectLst/>
+                <a:latin typeface="Arial" panose="020B0604020202020204" pitchFamily="34" charset="0"/>
+              </a:rPr>
+              <a:t>Také profesionální komerční distribuce jsou dostupné pouze po zaplacení (například </a:t>
+            </a:r>
+            <a:r>
+              <a:rPr lang="cs-CZ" u="sng" dirty="0" err="1">
+                <a:latin typeface="Arial" panose="020B0604020202020204" pitchFamily="34" charset="0"/>
+              </a:rPr>
+              <a:t>Red</a:t>
+            </a:r>
+            <a:r>
+              <a:rPr lang="cs-CZ" u="sng" dirty="0">
+                <a:latin typeface="Arial" panose="020B0604020202020204" pitchFamily="34" charset="0"/>
+              </a:rPr>
+              <a:t> </a:t>
+            </a:r>
+            <a:r>
+              <a:rPr lang="cs-CZ" u="sng" dirty="0" err="1">
+                <a:latin typeface="Arial" panose="020B0604020202020204" pitchFamily="34" charset="0"/>
+              </a:rPr>
+              <a:t>Hat</a:t>
+            </a:r>
+            <a:r>
+              <a:rPr lang="cs-CZ" u="sng" dirty="0">
+                <a:latin typeface="Arial" panose="020B0604020202020204" pitchFamily="34" charset="0"/>
+              </a:rPr>
+              <a:t> </a:t>
+            </a:r>
+            <a:r>
+              <a:rPr lang="cs-CZ" u="sng" dirty="0" err="1">
+                <a:latin typeface="Arial" panose="020B0604020202020204" pitchFamily="34" charset="0"/>
+              </a:rPr>
+              <a:t>Enterprise</a:t>
+            </a:r>
+            <a:r>
+              <a:rPr lang="cs-CZ" u="sng" dirty="0">
+                <a:latin typeface="Arial" panose="020B0604020202020204" pitchFamily="34" charset="0"/>
+              </a:rPr>
+              <a:t> Linux</a:t>
+            </a:r>
+            <a:r>
+              <a:rPr lang="cs-CZ" b="0" i="0" dirty="0">
+                <a:effectLst/>
+                <a:latin typeface="Arial" panose="020B0604020202020204" pitchFamily="34" charset="0"/>
+              </a:rPr>
+              <a:t>, </a:t>
+            </a:r>
+            <a:r>
+              <a:rPr lang="cs-CZ" u="sng" dirty="0">
+                <a:latin typeface="Arial" panose="020B0604020202020204" pitchFamily="34" charset="0"/>
+              </a:rPr>
+              <a:t>SUSE Linux </a:t>
+            </a:r>
+            <a:r>
+              <a:rPr lang="cs-CZ" u="sng" dirty="0" err="1">
+                <a:latin typeface="Arial" panose="020B0604020202020204" pitchFamily="34" charset="0"/>
+              </a:rPr>
+              <a:t>Enterprise</a:t>
+            </a:r>
+            <a:r>
+              <a:rPr lang="cs-CZ" u="sng" dirty="0">
+                <a:latin typeface="Arial" panose="020B0604020202020204" pitchFamily="34" charset="0"/>
+              </a:rPr>
+              <a:t> Server</a:t>
+            </a:r>
+            <a:r>
+              <a:rPr lang="cs-CZ" b="0" i="0" dirty="0">
+                <a:effectLst/>
+                <a:latin typeface="Arial" panose="020B0604020202020204" pitchFamily="34" charset="0"/>
+              </a:rPr>
+              <a:t>), avšak díky povaze open source k některým existují volně šiřitelné identické klony (např. </a:t>
+            </a:r>
+            <a:r>
+              <a:rPr lang="cs-CZ" u="sng" dirty="0" err="1">
+                <a:latin typeface="Arial" panose="020B0604020202020204" pitchFamily="34" charset="0"/>
+              </a:rPr>
+              <a:t>CentOS</a:t>
+            </a:r>
+            <a:r>
+              <a:rPr lang="cs-CZ" b="0" i="0" dirty="0">
+                <a:effectLst/>
+                <a:latin typeface="Arial" panose="020B0604020202020204" pitchFamily="34" charset="0"/>
+              </a:rPr>
+              <a:t>). </a:t>
+            </a:r>
+            <a:endParaRPr lang="cs-CZ" dirty="0">
+              <a:latin typeface="Arial" panose="020B0604020202020204" pitchFamily="34" charset="0"/>
+            </a:endParaRPr>
+          </a:p>
+        </p:txBody>
+      </p:sp>
+    </p:spTree>
+    <p:extLst>
+      <p:ext uri="{BB962C8B-B14F-4D97-AF65-F5344CB8AC3E}">
+        <p14:creationId xmlns:p14="http://schemas.microsoft.com/office/powerpoint/2010/main" val="2267382108"/>
+      </p:ext>
+    </p:extLst>
+  </p:cSld>
+  <p:clrMapOvr>
+    <a:masterClrMapping/>
+  </p:clrMapOvr>
+</p:sld>
+</file>
+
+<file path=ppt/slides/slide13.xml><?xml version="1.0" encoding="utf-8"?>
+<p:sld xmlns:a="http://schemas.openxmlformats.org/drawingml/2006/main" xmlns:r="http://schemas.openxmlformats.org/officeDocument/2006/relationships" xmlns:p="http://schemas.openxmlformats.org/presentationml/2006/main">
+  <p:cSld>
+    <p:spTree>
+      <p:nvGrpSpPr>
+        <p:cNvPr id="1" name=""/>
+        <p:cNvGrpSpPr/>
+        <p:nvPr/>
+      </p:nvGrpSpPr>
+      <p:grpSpPr>
+        <a:xfrm>
+          <a:off x="0" y="0"/>
+          <a:ext cx="0" cy="0"/>
+          <a:chOff x="0" y="0"/>
+          <a:chExt cx="0" cy="0"/>
+        </a:xfrm>
+      </p:grpSpPr>
+      <p:sp>
+        <p:nvSpPr>
+          <p:cNvPr id="2" name="Nadpis 1">
+            <a:extLst>
+              <a:ext uri="{FF2B5EF4-FFF2-40B4-BE49-F238E27FC236}">
+                <a16:creationId xmlns:a16="http://schemas.microsoft.com/office/drawing/2014/main" id="{34C38762-BD51-795A-EE8A-F891827487EB}"/>
+              </a:ext>
+            </a:extLst>
+          </p:cNvPr>
+          <p:cNvSpPr>
+            <a:spLocks noGrp="1"/>
+          </p:cNvSpPr>
+          <p:nvPr>
+            <p:ph type="title"/>
+          </p:nvPr>
+        </p:nvSpPr>
+        <p:spPr/>
+        <p:txBody>
+          <a:bodyPr/>
+          <a:lstStyle/>
+          <a:p>
+            <a:r>
+              <a:rPr lang="cs-CZ" i="0" dirty="0">
+                <a:effectLst/>
+              </a:rPr>
+              <a:t>Programování na Linuxu</a:t>
+            </a:r>
+            <a:endParaRPr lang="cs-CZ" dirty="0"/>
+          </a:p>
+        </p:txBody>
+      </p:sp>
+      <p:sp>
+        <p:nvSpPr>
+          <p:cNvPr id="3" name="Zástupný obsah 2">
+            <a:extLst>
+              <a:ext uri="{FF2B5EF4-FFF2-40B4-BE49-F238E27FC236}">
+                <a16:creationId xmlns:a16="http://schemas.microsoft.com/office/drawing/2014/main" id="{B343801A-9EB3-A4EF-C677-BFFDC6BF78CD}"/>
+              </a:ext>
+            </a:extLst>
+          </p:cNvPr>
+          <p:cNvSpPr>
+            <a:spLocks noGrp="1"/>
+          </p:cNvSpPr>
+          <p:nvPr>
+            <p:ph idx="1"/>
+          </p:nvPr>
+        </p:nvSpPr>
+        <p:spPr/>
+        <p:txBody>
+          <a:bodyPr>
+            <a:normAutofit/>
+          </a:bodyPr>
+          <a:lstStyle/>
+          <a:p>
+            <a:r>
+              <a:rPr lang="cs-CZ" dirty="0"/>
+              <a:t>Základní programovací jazyk: C</a:t>
+            </a:r>
+          </a:p>
+          <a:p>
+            <a:pPr algn="l"/>
+            <a:r>
+              <a:rPr lang="cs-CZ" b="0" i="0" dirty="0">
+                <a:effectLst/>
+                <a:latin typeface="Arial" panose="020B0604020202020204" pitchFamily="34" charset="0"/>
+              </a:rPr>
+              <a:t>Linux podporuje i celou řadu dalších programovacích jazyků. Kromě jednoduchého jazyka zabudovaného přímo v příkazovém řádku jsou nejpoužívanějšími jazyky v linuxovém prostředí </a:t>
+            </a:r>
+            <a:r>
+              <a:rPr lang="cs-CZ" b="0" i="0" u="none" strike="noStrike" dirty="0">
+                <a:effectLst/>
+                <a:latin typeface="Arial" panose="020B0604020202020204" pitchFamily="34" charset="0"/>
+                <a:hlinkClick r:id="rId3" tooltip="Perl">
+                  <a:extLst>
+                    <a:ext uri="{A12FA001-AC4F-418D-AE19-62706E023703}">
+                      <ahyp:hlinkClr xmlns:ahyp="http://schemas.microsoft.com/office/drawing/2018/hyperlinkcolor" val="tx"/>
+                    </a:ext>
+                  </a:extLst>
+                </a:hlinkClick>
+              </a:rPr>
+              <a:t>Perl</a:t>
+            </a:r>
+            <a:r>
+              <a:rPr lang="cs-CZ" b="0" i="0" dirty="0">
+                <a:effectLst/>
+                <a:latin typeface="Arial" panose="020B0604020202020204" pitchFamily="34" charset="0"/>
+              </a:rPr>
+              <a:t> a </a:t>
+            </a:r>
+            <a:r>
+              <a:rPr lang="cs-CZ" b="0" i="0" u="none" strike="noStrike" dirty="0">
+                <a:effectLst/>
+                <a:latin typeface="Arial" panose="020B0604020202020204" pitchFamily="34" charset="0"/>
+                <a:hlinkClick r:id="rId4" tooltip="Python">
+                  <a:extLst>
+                    <a:ext uri="{A12FA001-AC4F-418D-AE19-62706E023703}">
+                      <ahyp:hlinkClr xmlns:ahyp="http://schemas.microsoft.com/office/drawing/2018/hyperlinkcolor" val="tx"/>
+                    </a:ext>
+                  </a:extLst>
+                </a:hlinkClick>
+              </a:rPr>
+              <a:t>Python</a:t>
+            </a:r>
+            <a:r>
+              <a:rPr lang="cs-CZ" b="0" i="0" dirty="0">
+                <a:effectLst/>
+                <a:latin typeface="Arial" panose="020B0604020202020204" pitchFamily="34" charset="0"/>
+              </a:rPr>
+              <a:t>.</a:t>
+            </a:r>
+          </a:p>
+          <a:p>
+            <a:pPr algn="l"/>
+            <a:r>
+              <a:rPr lang="cs-CZ" b="0" i="0" dirty="0">
+                <a:effectLst/>
+                <a:latin typeface="Arial" panose="020B0604020202020204" pitchFamily="34" charset="0"/>
+              </a:rPr>
+              <a:t>Linux je velmi populární platformou pro provoz </a:t>
+            </a:r>
+            <a:r>
+              <a:rPr lang="cs-CZ" dirty="0">
+                <a:latin typeface="Arial" panose="020B0604020202020204" pitchFamily="34" charset="0"/>
+              </a:rPr>
+              <a:t>WWW</a:t>
+            </a:r>
+            <a:r>
+              <a:rPr lang="cs-CZ" b="0" i="0" dirty="0">
+                <a:effectLst/>
+                <a:latin typeface="Arial" panose="020B0604020202020204" pitchFamily="34" charset="0"/>
+              </a:rPr>
+              <a:t> serverů.</a:t>
+            </a:r>
+            <a:br>
+              <a:rPr lang="cs-CZ" dirty="0"/>
+            </a:br>
+            <a:endParaRPr lang="cs-CZ" dirty="0"/>
+          </a:p>
+        </p:txBody>
+      </p:sp>
+    </p:spTree>
+    <p:extLst>
+      <p:ext uri="{BB962C8B-B14F-4D97-AF65-F5344CB8AC3E}">
+        <p14:creationId xmlns:p14="http://schemas.microsoft.com/office/powerpoint/2010/main" val="639250695"/>
+      </p:ext>
+    </p:extLst>
+  </p:cSld>
+  <p:clrMapOvr>
+    <a:masterClrMapping/>
+  </p:clrMapOvr>
+</p:sld>
+</file>
+
+<file path=ppt/slides/slide14.xml><?xml version="1.0" encoding="utf-8"?>
+<p:sld xmlns:a="http://schemas.openxmlformats.org/drawingml/2006/main" xmlns:r="http://schemas.openxmlformats.org/officeDocument/2006/relationships" xmlns:p="http://schemas.openxmlformats.org/presentationml/2006/main">
+  <p:cSld>
+    <p:spTree>
+      <p:nvGrpSpPr>
+        <p:cNvPr id="1" name=""/>
+        <p:cNvGrpSpPr/>
+        <p:nvPr/>
+      </p:nvGrpSpPr>
+      <p:grpSpPr>
+        <a:xfrm>
+          <a:off x="0" y="0"/>
+          <a:ext cx="0" cy="0"/>
+          <a:chOff x="0" y="0"/>
+          <a:chExt cx="0" cy="0"/>
+        </a:xfrm>
+      </p:grpSpPr>
+      <p:sp>
+        <p:nvSpPr>
+          <p:cNvPr id="2" name="Nadpis 1">
+            <a:extLst>
+              <a:ext uri="{FF2B5EF4-FFF2-40B4-BE49-F238E27FC236}">
                 <a16:creationId xmlns:a16="http://schemas.microsoft.com/office/drawing/2014/main" id="{83E4EC67-7DE5-FDD9-338E-46FE2B486643}"/>
               </a:ext>
             </a:extLst>
@@ -9361,7 +10658,10 @@
           <a:bodyPr/>
           <a:lstStyle/>
           <a:p>
-            <a:endParaRPr lang="cs-CZ"/>
+            <a:r>
+              <a:rPr lang="cs-CZ" dirty="0"/>
+              <a:t>Zdroje</a:t>
+            </a:r>
           </a:p>
         </p:txBody>
       </p:sp>
@@ -9381,12 +10681,825 @@
             <p:ph idx="1"/>
           </p:nvPr>
         </p:nvSpPr>
-        <p:spPr/>
-        <p:txBody>
-          <a:bodyPr/>
+        <p:spPr>
+          <a:xfrm>
+            <a:off x="581201" y="2052735"/>
+            <a:ext cx="11029597" cy="4655975"/>
+          </a:xfrm>
+        </p:spPr>
+        <p:txBody>
+          <a:bodyPr>
+            <a:normAutofit fontScale="47500" lnSpcReduction="20000"/>
+          </a:bodyPr>
           <a:lstStyle/>
           <a:p>
-            <a:endParaRPr lang="cs-CZ"/>
+            <a:r>
+              <a:rPr lang="en-US" sz="3600" b="0" i="0" dirty="0">
+                <a:solidFill>
+                  <a:schemeClr val="bg1"/>
+                </a:solidFill>
+                <a:effectLst/>
+                <a:latin typeface="Open Sans" panose="020B0604020202020204" pitchFamily="34" charset="0"/>
+              </a:rPr>
+              <a:t>Linux. In: </a:t>
+            </a:r>
+            <a:r>
+              <a:rPr lang="en-US" sz="3600" b="0" i="1" dirty="0">
+                <a:solidFill>
+                  <a:schemeClr val="bg1"/>
+                </a:solidFill>
+                <a:effectLst/>
+                <a:latin typeface="Open Sans" panose="020B0604020202020204" pitchFamily="34" charset="0"/>
+              </a:rPr>
+              <a:t>Wikipedia: the free encyclopedia</a:t>
+            </a:r>
+            <a:r>
+              <a:rPr lang="en-US" sz="3600" b="0" i="0" dirty="0">
+                <a:solidFill>
+                  <a:schemeClr val="bg1"/>
+                </a:solidFill>
+                <a:effectLst/>
+                <a:latin typeface="Open Sans" panose="020B0604020202020204" pitchFamily="34" charset="0"/>
+              </a:rPr>
+              <a:t> [online]. San Francisco (CA): Wikimedia Foundation, 2001- [cit. 2023-01-17]. </a:t>
+            </a:r>
+            <a:r>
+              <a:rPr lang="en-US" sz="3600" b="0" i="0" dirty="0" err="1">
+                <a:solidFill>
+                  <a:schemeClr val="bg1"/>
+                </a:solidFill>
+                <a:effectLst/>
+                <a:latin typeface="Open Sans" panose="020B0604020202020204" pitchFamily="34" charset="0"/>
+              </a:rPr>
+              <a:t>Dostupné</a:t>
+            </a:r>
+            <a:r>
+              <a:rPr lang="en-US" sz="3600" b="0" i="0" dirty="0">
+                <a:solidFill>
+                  <a:schemeClr val="bg1"/>
+                </a:solidFill>
+                <a:effectLst/>
+                <a:latin typeface="Open Sans" panose="020B0604020202020204" pitchFamily="34" charset="0"/>
+              </a:rPr>
+              <a:t> z: </a:t>
+            </a:r>
+            <a:r>
+              <a:rPr lang="en-US" sz="3600" b="0" i="0" dirty="0">
+                <a:solidFill>
+                  <a:schemeClr val="bg1"/>
+                </a:solidFill>
+                <a:effectLst/>
+                <a:latin typeface="Open Sans" panose="020B0604020202020204" pitchFamily="34" charset="0"/>
+                <a:hlinkClick r:id="rId2">
+                  <a:extLst>
+                    <a:ext uri="{A12FA001-AC4F-418D-AE19-62706E023703}">
+                      <ahyp:hlinkClr xmlns:ahyp="http://schemas.microsoft.com/office/drawing/2018/hyperlinkcolor" val="tx"/>
+                    </a:ext>
+                  </a:extLst>
+                </a:hlinkClick>
+              </a:rPr>
+              <a:t>https://cs.wikipedia.org/wiki/Linux</a:t>
+            </a:r>
+            <a:endParaRPr lang="cs-CZ" sz="3600" b="0" i="0" dirty="0">
+              <a:solidFill>
+                <a:schemeClr val="bg1"/>
+              </a:solidFill>
+              <a:effectLst/>
+              <a:latin typeface="Open Sans" panose="020B0604020202020204" pitchFamily="34" charset="0"/>
+            </a:endParaRPr>
+          </a:p>
+          <a:p>
+            <a:r>
+              <a:rPr lang="cs-CZ" sz="3600" b="0" i="0" dirty="0">
+                <a:solidFill>
+                  <a:schemeClr val="bg1"/>
+                </a:solidFill>
+                <a:effectLst/>
+                <a:latin typeface="Open Sans" panose="020B0606030504020204" pitchFamily="34" charset="0"/>
+              </a:rPr>
+              <a:t>Historie operačního systému GNU/Linux. </a:t>
+            </a:r>
+            <a:r>
+              <a:rPr lang="cs-CZ" sz="3600" b="0" i="1" dirty="0">
+                <a:solidFill>
+                  <a:schemeClr val="bg1"/>
+                </a:solidFill>
+                <a:effectLst/>
+                <a:latin typeface="Open Sans" panose="020B0606030504020204" pitchFamily="34" charset="0"/>
+              </a:rPr>
+              <a:t>Https://www.root.cz/texty/historie-operacniho-systemu-gnulinux/</a:t>
+            </a:r>
+            <a:r>
+              <a:rPr lang="cs-CZ" sz="3600" b="0" i="0" dirty="0">
+                <a:solidFill>
+                  <a:schemeClr val="bg1"/>
+                </a:solidFill>
+                <a:effectLst/>
+                <a:latin typeface="Open Sans" panose="020B0606030504020204" pitchFamily="34" charset="0"/>
+              </a:rPr>
+              <a:t> [online]. [cit. 2023-01-17]. Dostupné z: </a:t>
+            </a:r>
+            <a:r>
+              <a:rPr lang="cs-CZ" sz="3600" b="0" i="0" dirty="0">
+                <a:solidFill>
+                  <a:schemeClr val="bg1"/>
+                </a:solidFill>
+                <a:effectLst/>
+                <a:latin typeface="Open Sans" panose="020B0606030504020204" pitchFamily="34" charset="0"/>
+                <a:hlinkClick r:id="rId3">
+                  <a:extLst>
+                    <a:ext uri="{A12FA001-AC4F-418D-AE19-62706E023703}">
+                      <ahyp:hlinkClr xmlns:ahyp="http://schemas.microsoft.com/office/drawing/2018/hyperlinkcolor" val="tx"/>
+                    </a:ext>
+                  </a:extLst>
+                </a:hlinkClick>
+              </a:rPr>
+              <a:t>https://www.root.cz/texty/historie-operacniho-systemu-gnulinux/</a:t>
+            </a:r>
+            <a:endParaRPr lang="cs-CZ" sz="3600" b="0" i="0" dirty="0">
+              <a:solidFill>
+                <a:schemeClr val="bg1"/>
+              </a:solidFill>
+              <a:effectLst/>
+              <a:latin typeface="Open Sans" panose="020B0606030504020204" pitchFamily="34" charset="0"/>
+            </a:endParaRPr>
+          </a:p>
+          <a:p>
+            <a:r>
+              <a:rPr lang="cs-CZ" sz="3600" b="0" i="0" dirty="0">
+                <a:solidFill>
+                  <a:schemeClr val="bg1"/>
+                </a:solidFill>
+                <a:effectLst/>
+                <a:latin typeface="Open Sans" panose="020B0606030504020204" pitchFamily="34" charset="0"/>
+              </a:rPr>
+              <a:t>Linuxové distribuce. In: </a:t>
+            </a:r>
+            <a:r>
+              <a:rPr lang="cs-CZ" sz="3600" b="0" i="1" dirty="0">
+                <a:solidFill>
+                  <a:schemeClr val="bg1"/>
+                </a:solidFill>
+                <a:effectLst/>
+                <a:latin typeface="Open Sans" panose="020B0606030504020204" pitchFamily="34" charset="0"/>
+              </a:rPr>
+              <a:t>Wikipedia: </a:t>
+            </a:r>
+            <a:r>
+              <a:rPr lang="cs-CZ" sz="3600" b="0" i="1" dirty="0" err="1">
+                <a:solidFill>
+                  <a:schemeClr val="bg1"/>
+                </a:solidFill>
+                <a:effectLst/>
+                <a:latin typeface="Open Sans" panose="020B0606030504020204" pitchFamily="34" charset="0"/>
+              </a:rPr>
+              <a:t>the</a:t>
+            </a:r>
+            <a:r>
+              <a:rPr lang="cs-CZ" sz="3600" b="0" i="1" dirty="0">
+                <a:solidFill>
+                  <a:schemeClr val="bg1"/>
+                </a:solidFill>
+                <a:effectLst/>
+                <a:latin typeface="Open Sans" panose="020B0606030504020204" pitchFamily="34" charset="0"/>
+              </a:rPr>
+              <a:t> free </a:t>
+            </a:r>
+            <a:r>
+              <a:rPr lang="cs-CZ" sz="3600" b="0" i="1" dirty="0" err="1">
+                <a:solidFill>
+                  <a:schemeClr val="bg1"/>
+                </a:solidFill>
+                <a:effectLst/>
+                <a:latin typeface="Open Sans" panose="020B0606030504020204" pitchFamily="34" charset="0"/>
+              </a:rPr>
+              <a:t>encyclopedia</a:t>
+            </a:r>
+            <a:r>
+              <a:rPr lang="cs-CZ" sz="3600" b="0" i="0" dirty="0">
+                <a:solidFill>
+                  <a:schemeClr val="bg1"/>
+                </a:solidFill>
+                <a:effectLst/>
+                <a:latin typeface="Open Sans" panose="020B0606030504020204" pitchFamily="34" charset="0"/>
+              </a:rPr>
+              <a:t> [online]. San Francisco (CA): </a:t>
+            </a:r>
+            <a:r>
+              <a:rPr lang="cs-CZ" sz="3600" b="0" i="0" dirty="0" err="1">
+                <a:solidFill>
+                  <a:schemeClr val="bg1"/>
+                </a:solidFill>
+                <a:effectLst/>
+                <a:latin typeface="Open Sans" panose="020B0606030504020204" pitchFamily="34" charset="0"/>
+              </a:rPr>
+              <a:t>Wikimedia</a:t>
+            </a:r>
+            <a:r>
+              <a:rPr lang="cs-CZ" sz="3600" b="0" i="0" dirty="0">
+                <a:solidFill>
+                  <a:schemeClr val="bg1"/>
+                </a:solidFill>
+                <a:effectLst/>
+                <a:latin typeface="Open Sans" panose="020B0606030504020204" pitchFamily="34" charset="0"/>
+              </a:rPr>
+              <a:t> </a:t>
+            </a:r>
+            <a:r>
+              <a:rPr lang="cs-CZ" sz="3600" b="0" i="0" dirty="0" err="1">
+                <a:solidFill>
+                  <a:schemeClr val="bg1"/>
+                </a:solidFill>
+                <a:effectLst/>
+                <a:latin typeface="Open Sans" panose="020B0606030504020204" pitchFamily="34" charset="0"/>
+              </a:rPr>
+              <a:t>Foundation</a:t>
+            </a:r>
+            <a:r>
+              <a:rPr lang="cs-CZ" sz="3600" b="0" i="0" dirty="0">
+                <a:solidFill>
+                  <a:schemeClr val="bg1"/>
+                </a:solidFill>
+                <a:effectLst/>
+                <a:latin typeface="Open Sans" panose="020B0606030504020204" pitchFamily="34" charset="0"/>
+              </a:rPr>
+              <a:t>, 2001- [cit. 2023-01-17]. Dostupné z: </a:t>
+            </a:r>
+            <a:r>
+              <a:rPr lang="cs-CZ" sz="3600" b="0" i="0" dirty="0">
+                <a:solidFill>
+                  <a:schemeClr val="bg1"/>
+                </a:solidFill>
+                <a:effectLst/>
+                <a:latin typeface="Open Sans" panose="020B0606030504020204" pitchFamily="34" charset="0"/>
+                <a:hlinkClick r:id="rId4">
+                  <a:extLst>
+                    <a:ext uri="{A12FA001-AC4F-418D-AE19-62706E023703}">
+                      <ahyp:hlinkClr xmlns:ahyp="http://schemas.microsoft.com/office/drawing/2018/hyperlinkcolor" val="tx"/>
+                    </a:ext>
+                  </a:extLst>
+                </a:hlinkClick>
+              </a:rPr>
+              <a:t>https://cs.wikipedia.org/wiki/Linux#Linuxov%C3%A9_distribuce</a:t>
+            </a:r>
+            <a:endParaRPr lang="cs-CZ" sz="3600" b="0" i="0" dirty="0">
+              <a:solidFill>
+                <a:schemeClr val="bg1"/>
+              </a:solidFill>
+              <a:effectLst/>
+              <a:latin typeface="Open Sans" panose="020B0606030504020204" pitchFamily="34" charset="0"/>
+            </a:endParaRPr>
+          </a:p>
+          <a:p>
+            <a:r>
+              <a:rPr lang="cs-CZ" sz="3600" b="0" i="1" dirty="0">
+                <a:solidFill>
+                  <a:schemeClr val="bg1"/>
+                </a:solidFill>
+                <a:effectLst/>
+                <a:latin typeface="Open Sans" panose="020B0606030504020204" pitchFamily="34" charset="0"/>
+              </a:rPr>
+              <a:t>Linux je stejně jako Microsoft Windows nebo Mac OS operační systém</a:t>
+            </a:r>
+            <a:r>
+              <a:rPr lang="cs-CZ" sz="3600" b="0" i="0" dirty="0">
+                <a:solidFill>
+                  <a:schemeClr val="bg1"/>
+                </a:solidFill>
+                <a:effectLst/>
+                <a:latin typeface="Open Sans" panose="020B0606030504020204" pitchFamily="34" charset="0"/>
+              </a:rPr>
+              <a:t> [online]. In: . [cit. 2023-01-17]. Dostupné z: https://www.linuxexpres.cz/co-je-linux</a:t>
+            </a:r>
+          </a:p>
+          <a:p>
+            <a:r>
+              <a:rPr lang="en-US" sz="3600" b="0" i="0" dirty="0">
+                <a:solidFill>
+                  <a:schemeClr val="bg1"/>
+                </a:solidFill>
+                <a:effectLst/>
+                <a:latin typeface="Open Sans" panose="020B0606030504020204" pitchFamily="34" charset="0"/>
+              </a:rPr>
+              <a:t>Linux. In: </a:t>
+            </a:r>
+            <a:r>
+              <a:rPr lang="en-US" sz="3600" b="0" i="1" dirty="0">
+                <a:solidFill>
+                  <a:schemeClr val="bg1"/>
+                </a:solidFill>
+                <a:effectLst/>
+                <a:latin typeface="Open Sans" panose="020B0606030504020204" pitchFamily="34" charset="0"/>
+              </a:rPr>
+              <a:t>Wikipedia: the free encyclopedia</a:t>
+            </a:r>
+            <a:r>
+              <a:rPr lang="en-US" sz="3600" b="0" i="0" dirty="0">
+                <a:solidFill>
+                  <a:schemeClr val="bg1"/>
+                </a:solidFill>
+                <a:effectLst/>
+                <a:latin typeface="Open Sans" panose="020B0606030504020204" pitchFamily="34" charset="0"/>
+              </a:rPr>
+              <a:t> [online]. San Francisco (CA): Wikimedia Foundation, 2001- [cit. 2023-01-17]. </a:t>
+            </a:r>
+            <a:r>
+              <a:rPr lang="en-US" sz="3600" b="0" i="0" dirty="0" err="1">
+                <a:solidFill>
+                  <a:schemeClr val="bg1"/>
+                </a:solidFill>
+                <a:effectLst/>
+                <a:latin typeface="Open Sans" panose="020B0606030504020204" pitchFamily="34" charset="0"/>
+              </a:rPr>
+              <a:t>Dostupné</a:t>
+            </a:r>
+            <a:r>
+              <a:rPr lang="en-US" sz="3600" b="0" i="0" dirty="0">
+                <a:solidFill>
+                  <a:schemeClr val="bg1"/>
+                </a:solidFill>
+                <a:effectLst/>
+                <a:latin typeface="Open Sans" panose="020B0606030504020204" pitchFamily="34" charset="0"/>
+              </a:rPr>
+              <a:t> z: </a:t>
+            </a:r>
+            <a:r>
+              <a:rPr lang="en-US" sz="3600" b="0" i="0" dirty="0">
+                <a:solidFill>
+                  <a:schemeClr val="bg1"/>
+                </a:solidFill>
+                <a:effectLst/>
+                <a:latin typeface="Open Sans" panose="020B0606030504020204" pitchFamily="34" charset="0"/>
+                <a:hlinkClick r:id="rId2"/>
+              </a:rPr>
+              <a:t>https://cs.wikipedia.org/wiki/Linux</a:t>
+            </a:r>
+            <a:endParaRPr lang="cs-CZ" sz="3600" b="0" i="0" dirty="0">
+              <a:solidFill>
+                <a:schemeClr val="bg1"/>
+              </a:solidFill>
+              <a:effectLst/>
+              <a:latin typeface="Open Sans" panose="020B0606030504020204" pitchFamily="34" charset="0"/>
+            </a:endParaRPr>
+          </a:p>
+          <a:p>
+            <a:r>
+              <a:rPr lang="en-US" sz="3600" b="0" i="0" dirty="0">
+                <a:solidFill>
+                  <a:srgbClr val="212529"/>
+                </a:solidFill>
+                <a:effectLst/>
+                <a:latin typeface="Open Sans" panose="020B0606030504020204" pitchFamily="34" charset="0"/>
+              </a:rPr>
+              <a:t>Linux-</a:t>
+            </a:r>
+            <a:r>
+              <a:rPr lang="en-US" sz="3600" b="0" i="0" dirty="0" err="1">
+                <a:solidFill>
+                  <a:srgbClr val="212529"/>
+                </a:solidFill>
+                <a:effectLst/>
+                <a:latin typeface="Open Sans" panose="020B0606030504020204" pitchFamily="34" charset="0"/>
+              </a:rPr>
+              <a:t>licence</a:t>
+            </a:r>
+            <a:r>
+              <a:rPr lang="en-US" sz="3600" b="0" i="0" dirty="0">
+                <a:solidFill>
+                  <a:srgbClr val="212529"/>
+                </a:solidFill>
+                <a:effectLst/>
+                <a:latin typeface="Open Sans" panose="020B0606030504020204" pitchFamily="34" charset="0"/>
+              </a:rPr>
+              <a:t>. In: </a:t>
+            </a:r>
+            <a:r>
+              <a:rPr lang="en-US" sz="3600" b="0" i="1" dirty="0">
+                <a:solidFill>
+                  <a:srgbClr val="212529"/>
+                </a:solidFill>
+                <a:effectLst/>
+                <a:latin typeface="Open Sans" panose="020B0606030504020204" pitchFamily="34" charset="0"/>
+              </a:rPr>
+              <a:t>Wikipedia: the free encyclopedia</a:t>
+            </a:r>
+            <a:r>
+              <a:rPr lang="en-US" sz="3600" b="0" i="0" dirty="0">
+                <a:solidFill>
+                  <a:srgbClr val="212529"/>
+                </a:solidFill>
+                <a:effectLst/>
+                <a:latin typeface="Open Sans" panose="020B0606030504020204" pitchFamily="34" charset="0"/>
+              </a:rPr>
+              <a:t> [online]. San Francisco (CA): Wikimedia Foundation, 2001- [cit. 2023-01-17]. </a:t>
+            </a:r>
+            <a:r>
+              <a:rPr lang="en-US" sz="3600" b="0" i="0" dirty="0" err="1">
+                <a:solidFill>
+                  <a:srgbClr val="212529"/>
+                </a:solidFill>
+                <a:effectLst/>
+                <a:latin typeface="Open Sans" panose="020B0606030504020204" pitchFamily="34" charset="0"/>
+              </a:rPr>
+              <a:t>Dostupné</a:t>
+            </a:r>
+            <a:r>
+              <a:rPr lang="en-US" sz="3600" b="0" i="0" dirty="0">
+                <a:solidFill>
+                  <a:srgbClr val="212529"/>
+                </a:solidFill>
+                <a:effectLst/>
+                <a:latin typeface="Open Sans" panose="020B0606030504020204" pitchFamily="34" charset="0"/>
+              </a:rPr>
+              <a:t> z: </a:t>
+            </a:r>
+            <a:r>
+              <a:rPr lang="en-US" sz="3600" b="0" i="0" dirty="0">
+                <a:solidFill>
+                  <a:srgbClr val="212529"/>
+                </a:solidFill>
+                <a:effectLst/>
+                <a:latin typeface="Open Sans" panose="020B0606030504020204" pitchFamily="34" charset="0"/>
+                <a:hlinkClick r:id="rId5"/>
+              </a:rPr>
+              <a:t>https://cs.wikipedia.org/wiki/Linux#Licence</a:t>
+            </a:r>
+            <a:endParaRPr lang="cs-CZ" sz="3600" b="0" i="0" dirty="0">
+              <a:solidFill>
+                <a:srgbClr val="212529"/>
+              </a:solidFill>
+              <a:effectLst/>
+              <a:latin typeface="Open Sans" panose="020B0606030504020204" pitchFamily="34" charset="0"/>
+            </a:endParaRPr>
+          </a:p>
+          <a:p>
+            <a:r>
+              <a:rPr lang="cs-CZ" sz="3600" b="0" i="0" dirty="0">
+                <a:solidFill>
+                  <a:srgbClr val="212529"/>
+                </a:solidFill>
+                <a:effectLst/>
+                <a:latin typeface="Open Sans" panose="020B0606030504020204" pitchFamily="34" charset="0"/>
+              </a:rPr>
+              <a:t>Fedora. In: </a:t>
+            </a:r>
+            <a:r>
+              <a:rPr lang="cs-CZ" sz="3600" b="0" i="1" dirty="0">
+                <a:solidFill>
+                  <a:srgbClr val="212529"/>
+                </a:solidFill>
+                <a:effectLst/>
+                <a:latin typeface="Open Sans" panose="020B0606030504020204" pitchFamily="34" charset="0"/>
+              </a:rPr>
+              <a:t>Wikipedia: </a:t>
+            </a:r>
+            <a:r>
+              <a:rPr lang="cs-CZ" sz="3600" b="0" i="1" dirty="0" err="1">
+                <a:solidFill>
+                  <a:srgbClr val="212529"/>
+                </a:solidFill>
+                <a:effectLst/>
+                <a:latin typeface="Open Sans" panose="020B0606030504020204" pitchFamily="34" charset="0"/>
+              </a:rPr>
+              <a:t>the</a:t>
+            </a:r>
+            <a:r>
+              <a:rPr lang="cs-CZ" sz="3600" b="0" i="1" dirty="0">
+                <a:solidFill>
+                  <a:srgbClr val="212529"/>
+                </a:solidFill>
+                <a:effectLst/>
+                <a:latin typeface="Open Sans" panose="020B0606030504020204" pitchFamily="34" charset="0"/>
+              </a:rPr>
+              <a:t> free </a:t>
+            </a:r>
+            <a:r>
+              <a:rPr lang="cs-CZ" sz="3600" b="0" i="1" dirty="0" err="1">
+                <a:solidFill>
+                  <a:srgbClr val="212529"/>
+                </a:solidFill>
+                <a:effectLst/>
+                <a:latin typeface="Open Sans" panose="020B0606030504020204" pitchFamily="34" charset="0"/>
+              </a:rPr>
+              <a:t>encyclopedia</a:t>
+            </a:r>
+            <a:r>
+              <a:rPr lang="cs-CZ" sz="3600" b="0" i="0" dirty="0">
+                <a:solidFill>
+                  <a:srgbClr val="212529"/>
+                </a:solidFill>
+                <a:effectLst/>
+                <a:latin typeface="Open Sans" panose="020B0606030504020204" pitchFamily="34" charset="0"/>
+              </a:rPr>
+              <a:t> [online]. San Francisco (CA): </a:t>
+            </a:r>
+            <a:r>
+              <a:rPr lang="cs-CZ" sz="3600" b="0" i="0" dirty="0" err="1">
+                <a:solidFill>
+                  <a:srgbClr val="212529"/>
+                </a:solidFill>
+                <a:effectLst/>
+                <a:latin typeface="Open Sans" panose="020B0606030504020204" pitchFamily="34" charset="0"/>
+              </a:rPr>
+              <a:t>Wikimedia</a:t>
+            </a:r>
+            <a:r>
+              <a:rPr lang="cs-CZ" sz="3600" b="0" i="0" dirty="0">
+                <a:solidFill>
+                  <a:srgbClr val="212529"/>
+                </a:solidFill>
+                <a:effectLst/>
+                <a:latin typeface="Open Sans" panose="020B0606030504020204" pitchFamily="34" charset="0"/>
+              </a:rPr>
+              <a:t> </a:t>
+            </a:r>
+            <a:r>
+              <a:rPr lang="cs-CZ" sz="3600" b="0" i="0" dirty="0" err="1">
+                <a:solidFill>
+                  <a:srgbClr val="212529"/>
+                </a:solidFill>
+                <a:effectLst/>
+                <a:latin typeface="Open Sans" panose="020B0606030504020204" pitchFamily="34" charset="0"/>
+              </a:rPr>
+              <a:t>Foundation</a:t>
+            </a:r>
+            <a:r>
+              <a:rPr lang="cs-CZ" sz="3600" b="0" i="0" dirty="0">
+                <a:solidFill>
+                  <a:srgbClr val="212529"/>
+                </a:solidFill>
+                <a:effectLst/>
+                <a:latin typeface="Open Sans" panose="020B0606030504020204" pitchFamily="34" charset="0"/>
+              </a:rPr>
+              <a:t>, 2001- [cit. 2023-01-17]. Dostupné z: </a:t>
+            </a:r>
+            <a:r>
+              <a:rPr lang="cs-CZ" sz="3600" b="0" i="0" dirty="0">
+                <a:solidFill>
+                  <a:srgbClr val="212529"/>
+                </a:solidFill>
+                <a:effectLst/>
+                <a:latin typeface="Open Sans" panose="020B0606030504020204" pitchFamily="34" charset="0"/>
+                <a:hlinkClick r:id="rId6"/>
+              </a:rPr>
+              <a:t>https://cs.wikipedia.org/wiki/Fedora</a:t>
+            </a:r>
+            <a:endParaRPr lang="cs-CZ" sz="3600" b="0" i="0" dirty="0">
+              <a:solidFill>
+                <a:srgbClr val="212529"/>
+              </a:solidFill>
+              <a:effectLst/>
+              <a:latin typeface="Open Sans" panose="020B0606030504020204" pitchFamily="34" charset="0"/>
+            </a:endParaRPr>
+          </a:p>
+          <a:p>
+            <a:r>
+              <a:rPr lang="cs-CZ" sz="3600" b="0" i="0" dirty="0" err="1">
+                <a:solidFill>
+                  <a:srgbClr val="212529"/>
+                </a:solidFill>
+                <a:effectLst/>
+                <a:latin typeface="Open Sans" panose="020B0606030504020204" pitchFamily="34" charset="0"/>
+              </a:rPr>
+              <a:t>Red</a:t>
+            </a:r>
+            <a:r>
+              <a:rPr lang="cs-CZ" sz="3600" b="0" i="0" dirty="0">
+                <a:solidFill>
+                  <a:srgbClr val="212529"/>
+                </a:solidFill>
+                <a:effectLst/>
+                <a:latin typeface="Open Sans" panose="020B0606030504020204" pitchFamily="34" charset="0"/>
+              </a:rPr>
+              <a:t> </a:t>
+            </a:r>
+            <a:r>
+              <a:rPr lang="cs-CZ" sz="3600" b="0" i="0" dirty="0" err="1">
+                <a:solidFill>
+                  <a:srgbClr val="212529"/>
+                </a:solidFill>
+                <a:effectLst/>
+                <a:latin typeface="Open Sans" panose="020B0606030504020204" pitchFamily="34" charset="0"/>
+              </a:rPr>
+              <a:t>Hat</a:t>
+            </a:r>
+            <a:r>
+              <a:rPr lang="cs-CZ" sz="3600" b="0" i="0" dirty="0">
+                <a:solidFill>
+                  <a:srgbClr val="212529"/>
+                </a:solidFill>
+                <a:effectLst/>
+                <a:latin typeface="Open Sans" panose="020B0606030504020204" pitchFamily="34" charset="0"/>
+              </a:rPr>
+              <a:t> </a:t>
+            </a:r>
+            <a:r>
+              <a:rPr lang="cs-CZ" sz="3600" b="0" i="0" dirty="0" err="1">
+                <a:solidFill>
+                  <a:srgbClr val="212529"/>
+                </a:solidFill>
+                <a:effectLst/>
+                <a:latin typeface="Open Sans" panose="020B0606030504020204" pitchFamily="34" charset="0"/>
+              </a:rPr>
+              <a:t>Enterprise</a:t>
+            </a:r>
+            <a:r>
+              <a:rPr lang="cs-CZ" sz="3600" b="0" i="0" dirty="0">
+                <a:solidFill>
+                  <a:srgbClr val="212529"/>
+                </a:solidFill>
+                <a:effectLst/>
+                <a:latin typeface="Open Sans" panose="020B0606030504020204" pitchFamily="34" charset="0"/>
+              </a:rPr>
+              <a:t> Linux. In: </a:t>
+            </a:r>
+            <a:r>
+              <a:rPr lang="cs-CZ" sz="3600" b="0" i="1" dirty="0">
+                <a:solidFill>
+                  <a:srgbClr val="212529"/>
+                </a:solidFill>
+                <a:effectLst/>
+                <a:latin typeface="Open Sans" panose="020B0606030504020204" pitchFamily="34" charset="0"/>
+              </a:rPr>
+              <a:t>Wikipedia: </a:t>
+            </a:r>
+            <a:r>
+              <a:rPr lang="cs-CZ" sz="3600" b="0" i="1" dirty="0" err="1">
+                <a:solidFill>
+                  <a:srgbClr val="212529"/>
+                </a:solidFill>
+                <a:effectLst/>
+                <a:latin typeface="Open Sans" panose="020B0606030504020204" pitchFamily="34" charset="0"/>
+              </a:rPr>
+              <a:t>the</a:t>
+            </a:r>
+            <a:r>
+              <a:rPr lang="cs-CZ" sz="3600" b="0" i="1" dirty="0">
+                <a:solidFill>
+                  <a:srgbClr val="212529"/>
+                </a:solidFill>
+                <a:effectLst/>
+                <a:latin typeface="Open Sans" panose="020B0606030504020204" pitchFamily="34" charset="0"/>
+              </a:rPr>
+              <a:t> free </a:t>
+            </a:r>
+            <a:r>
+              <a:rPr lang="cs-CZ" sz="3600" b="0" i="1" dirty="0" err="1">
+                <a:solidFill>
+                  <a:srgbClr val="212529"/>
+                </a:solidFill>
+                <a:effectLst/>
+                <a:latin typeface="Open Sans" panose="020B0606030504020204" pitchFamily="34" charset="0"/>
+              </a:rPr>
+              <a:t>encyclopedia</a:t>
+            </a:r>
+            <a:r>
+              <a:rPr lang="cs-CZ" sz="3600" b="0" i="0" dirty="0">
+                <a:solidFill>
+                  <a:srgbClr val="212529"/>
+                </a:solidFill>
+                <a:effectLst/>
+                <a:latin typeface="Open Sans" panose="020B0606030504020204" pitchFamily="34" charset="0"/>
+              </a:rPr>
+              <a:t> [online]. San Francisco (CA): </a:t>
+            </a:r>
+            <a:r>
+              <a:rPr lang="cs-CZ" sz="3600" b="0" i="0" dirty="0" err="1">
+                <a:solidFill>
+                  <a:srgbClr val="212529"/>
+                </a:solidFill>
+                <a:effectLst/>
+                <a:latin typeface="Open Sans" panose="020B0606030504020204" pitchFamily="34" charset="0"/>
+              </a:rPr>
+              <a:t>Wikimedia</a:t>
+            </a:r>
+            <a:r>
+              <a:rPr lang="cs-CZ" sz="3600" b="0" i="0" dirty="0">
+                <a:solidFill>
+                  <a:srgbClr val="212529"/>
+                </a:solidFill>
+                <a:effectLst/>
+                <a:latin typeface="Open Sans" panose="020B0606030504020204" pitchFamily="34" charset="0"/>
+              </a:rPr>
+              <a:t> </a:t>
+            </a:r>
+            <a:r>
+              <a:rPr lang="cs-CZ" sz="3600" b="0" i="0" dirty="0" err="1">
+                <a:solidFill>
+                  <a:srgbClr val="212529"/>
+                </a:solidFill>
+                <a:effectLst/>
+                <a:latin typeface="Open Sans" panose="020B0606030504020204" pitchFamily="34" charset="0"/>
+              </a:rPr>
+              <a:t>Foundation</a:t>
+            </a:r>
+            <a:r>
+              <a:rPr lang="cs-CZ" sz="3600" b="0" i="0" dirty="0">
+                <a:solidFill>
+                  <a:srgbClr val="212529"/>
+                </a:solidFill>
+                <a:effectLst/>
+                <a:latin typeface="Open Sans" panose="020B0606030504020204" pitchFamily="34" charset="0"/>
+              </a:rPr>
+              <a:t>, 2001- [cit. 2023-01-17]. Dostupné z: </a:t>
+            </a:r>
+            <a:r>
+              <a:rPr lang="cs-CZ" sz="3600" b="0" i="0" dirty="0">
+                <a:solidFill>
+                  <a:srgbClr val="212529"/>
+                </a:solidFill>
+                <a:effectLst/>
+                <a:latin typeface="Open Sans" panose="020B0606030504020204" pitchFamily="34" charset="0"/>
+                <a:hlinkClick r:id="rId7"/>
+              </a:rPr>
+              <a:t>https://cs.wikipedia.org/wiki/Red_Hat_Enterprise_Linux</a:t>
+            </a:r>
+            <a:endParaRPr lang="cs-CZ" sz="3600" b="0" i="0" dirty="0">
+              <a:solidFill>
+                <a:srgbClr val="212529"/>
+              </a:solidFill>
+              <a:effectLst/>
+              <a:latin typeface="Open Sans" panose="020B0606030504020204" pitchFamily="34" charset="0"/>
+            </a:endParaRPr>
+          </a:p>
+          <a:p>
+            <a:r>
+              <a:rPr lang="en-US" sz="2800" b="0" i="0" dirty="0">
+                <a:solidFill>
+                  <a:srgbClr val="212529"/>
+                </a:solidFill>
+                <a:effectLst/>
+                <a:latin typeface="Open Sans" panose="020B0606030504020204" pitchFamily="34" charset="0"/>
+              </a:rPr>
+              <a:t>Arch Linux. In: </a:t>
+            </a:r>
+            <a:r>
+              <a:rPr lang="en-US" sz="2800" b="0" i="1" dirty="0">
+                <a:solidFill>
+                  <a:srgbClr val="212529"/>
+                </a:solidFill>
+                <a:effectLst/>
+                <a:latin typeface="Open Sans" panose="020B0606030504020204" pitchFamily="34" charset="0"/>
+              </a:rPr>
+              <a:t>Wikipedia: the free encyclopedia</a:t>
+            </a:r>
+            <a:r>
+              <a:rPr lang="en-US" sz="2800" b="0" i="0" dirty="0">
+                <a:solidFill>
+                  <a:srgbClr val="212529"/>
+                </a:solidFill>
+                <a:effectLst/>
+                <a:latin typeface="Open Sans" panose="020B0606030504020204" pitchFamily="34" charset="0"/>
+              </a:rPr>
+              <a:t> [online]. San Francisco (CA): Wikimedia Foundation, 2001- [cit. 2023-01-17]. </a:t>
+            </a:r>
+            <a:r>
+              <a:rPr lang="en-US" sz="2800" b="0" i="0" dirty="0" err="1">
+                <a:solidFill>
+                  <a:srgbClr val="212529"/>
+                </a:solidFill>
+                <a:effectLst/>
+                <a:latin typeface="Open Sans" panose="020B0606030504020204" pitchFamily="34" charset="0"/>
+              </a:rPr>
+              <a:t>Dostupné</a:t>
+            </a:r>
+            <a:r>
+              <a:rPr lang="en-US" sz="2800" b="0" i="0" dirty="0">
+                <a:solidFill>
+                  <a:srgbClr val="212529"/>
+                </a:solidFill>
+                <a:effectLst/>
+                <a:latin typeface="Open Sans" panose="020B0606030504020204" pitchFamily="34" charset="0"/>
+              </a:rPr>
+              <a:t> z: https://cs.wikipedia.org/wiki/Arch_Linux</a:t>
+            </a:r>
+            <a:endParaRPr lang="cs-CZ" sz="3600" dirty="0">
+              <a:solidFill>
+                <a:srgbClr val="212529"/>
+              </a:solidFill>
+              <a:latin typeface="Open Sans" panose="020B0606030504020204" pitchFamily="34" charset="0"/>
+            </a:endParaRPr>
+          </a:p>
+          <a:p>
+            <a:endParaRPr lang="cs-CZ" sz="2600" b="0" i="0" dirty="0">
+              <a:solidFill>
+                <a:schemeClr val="bg1"/>
+              </a:solidFill>
+              <a:effectLst/>
+              <a:latin typeface="Open Sans" panose="020B0604020202020204" pitchFamily="34" charset="0"/>
+            </a:endParaRPr>
+          </a:p>
+          <a:p>
+            <a:endParaRPr lang="cs-CZ" b="0" i="0" dirty="0">
+              <a:solidFill>
+                <a:schemeClr val="bg1"/>
+              </a:solidFill>
+              <a:effectLst/>
+              <a:latin typeface="Open Sans" panose="020B0604020202020204" pitchFamily="34" charset="0"/>
+            </a:endParaRPr>
+          </a:p>
+          <a:p>
+            <a:endParaRPr lang="cs-CZ" dirty="0"/>
           </a:p>
         </p:txBody>
       </p:sp>
@@ -9394,6 +11507,138 @@
     <p:extLst>
       <p:ext uri="{BB962C8B-B14F-4D97-AF65-F5344CB8AC3E}">
         <p14:creationId xmlns:p14="http://schemas.microsoft.com/office/powerpoint/2010/main" val="232546817"/>
+      </p:ext>
+    </p:extLst>
+  </p:cSld>
+  <p:clrMapOvr>
+    <a:masterClrMapping/>
+  </p:clrMapOvr>
+</p:sld>
+</file>
+
+<file path=ppt/slides/slide15.xml><?xml version="1.0" encoding="utf-8"?>
+<p:sld xmlns:a="http://schemas.openxmlformats.org/drawingml/2006/main" xmlns:r="http://schemas.openxmlformats.org/officeDocument/2006/relationships" xmlns:p="http://schemas.openxmlformats.org/presentationml/2006/main">
+  <p:cSld>
+    <p:spTree>
+      <p:nvGrpSpPr>
+        <p:cNvPr id="1" name=""/>
+        <p:cNvGrpSpPr/>
+        <p:nvPr/>
+      </p:nvGrpSpPr>
+      <p:grpSpPr>
+        <a:xfrm>
+          <a:off x="0" y="0"/>
+          <a:ext cx="0" cy="0"/>
+          <a:chOff x="0" y="0"/>
+          <a:chExt cx="0" cy="0"/>
+        </a:xfrm>
+      </p:grpSpPr>
+      <p:sp>
+        <p:nvSpPr>
+          <p:cNvPr id="2" name="Nadpis 1">
+            <a:extLst>
+              <a:ext uri="{FF2B5EF4-FFF2-40B4-BE49-F238E27FC236}">
+                <a16:creationId xmlns:a16="http://schemas.microsoft.com/office/drawing/2014/main" id="{BAD535E1-DCD4-B32B-4BE4-821EFCE6DB15}"/>
+              </a:ext>
+            </a:extLst>
+          </p:cNvPr>
+          <p:cNvSpPr>
+            <a:spLocks noGrp="1"/>
+          </p:cNvSpPr>
+          <p:nvPr>
+            <p:ph type="title"/>
+          </p:nvPr>
+        </p:nvSpPr>
+        <p:spPr/>
+        <p:txBody>
+          <a:bodyPr/>
+          <a:lstStyle/>
+          <a:p>
+            <a:r>
+              <a:rPr lang="cs-CZ" dirty="0"/>
+              <a:t>Na dodělání</a:t>
+            </a:r>
+          </a:p>
+        </p:txBody>
+      </p:sp>
+      <p:sp>
+        <p:nvSpPr>
+          <p:cNvPr id="3" name="Zástupný obsah 2">
+            <a:extLst>
+              <a:ext uri="{FF2B5EF4-FFF2-40B4-BE49-F238E27FC236}">
+                <a16:creationId xmlns:a16="http://schemas.microsoft.com/office/drawing/2014/main" id="{F42F1918-4AF7-BDFD-1BD0-4C51C429CA3A}"/>
+              </a:ext>
+            </a:extLst>
+          </p:cNvPr>
+          <p:cNvSpPr>
+            <a:spLocks noGrp="1"/>
+          </p:cNvSpPr>
+          <p:nvPr>
+            <p:ph idx="1"/>
+          </p:nvPr>
+        </p:nvSpPr>
+        <p:spPr/>
+        <p:txBody>
+          <a:bodyPr/>
+          <a:lstStyle/>
+          <a:p>
+            <a:r>
+              <a:rPr lang="cs-CZ" dirty="0">
+                <a:hlinkClick r:id="rId2"/>
+              </a:rPr>
+              <a:t>https://cs.wikipedia.org/wiki/Fedora</a:t>
+            </a:r>
+            <a:r>
+              <a:rPr lang="cs-CZ" dirty="0"/>
+              <a:t> citace </a:t>
+            </a:r>
+            <a:r>
+              <a:rPr lang="cs-CZ" dirty="0" err="1"/>
+              <a:t>obrazku</a:t>
+            </a:r>
+            <a:endParaRPr lang="cs-CZ" dirty="0"/>
+          </a:p>
+          <a:p>
+            <a:r>
+              <a:rPr lang="cs-CZ" dirty="0">
+                <a:hlinkClick r:id="rId3"/>
+              </a:rPr>
+              <a:t>https://cs.wikipedia.org/wiki/Arch_Linux</a:t>
+            </a:r>
+            <a:r>
+              <a:rPr lang="cs-CZ" dirty="0"/>
+              <a:t> citace </a:t>
+            </a:r>
+            <a:r>
+              <a:rPr lang="cs-CZ" dirty="0" err="1"/>
+              <a:t>obrazku</a:t>
+            </a:r>
+            <a:endParaRPr lang="cs-CZ" dirty="0"/>
+          </a:p>
+          <a:p>
+            <a:r>
+              <a:rPr lang="cs-CZ" dirty="0">
+                <a:hlinkClick r:id="rId4"/>
+              </a:rPr>
+              <a:t>https://cs.wikipedia.org/wiki/Red_Hat_Enterprise_Linux</a:t>
+            </a:r>
+            <a:r>
+              <a:rPr lang="cs-CZ" dirty="0"/>
+              <a:t> obraz</a:t>
+            </a:r>
+          </a:p>
+          <a:p>
+            <a:endParaRPr lang="cs-CZ" dirty="0"/>
+          </a:p>
+          <a:p>
+            <a:endParaRPr lang="cs-CZ" dirty="0"/>
+          </a:p>
+        </p:txBody>
+      </p:sp>
+    </p:spTree>
+    <p:extLst>
+      <p:ext uri="{BB962C8B-B14F-4D97-AF65-F5344CB8AC3E}">
+        <p14:creationId xmlns:p14="http://schemas.microsoft.com/office/powerpoint/2010/main" val="1270714483"/>
       </p:ext>
     </p:extLst>
   </p:cSld>
@@ -9473,9 +11718,6 @@
           <a:p>
             <a:r>
               <a:rPr lang="cs-CZ" sz="2800" i="0" dirty="0">
-                <a:solidFill>
-                  <a:schemeClr val="bg1"/>
-                </a:solidFill>
                 <a:effectLst/>
                 <a:latin typeface="Arial" panose="020B0604020202020204" pitchFamily="34" charset="0"/>
               </a:rPr>
@@ -9483,18 +11725,12 @@
             </a:r>
             <a:r>
               <a:rPr lang="cs-CZ" sz="2800" dirty="0">
-                <a:solidFill>
-                  <a:schemeClr val="bg1"/>
-                </a:solidFill>
                 <a:latin typeface="Arial" panose="020B0604020202020204" pitchFamily="34" charset="0"/>
               </a:rPr>
               <a:t>svobodný</a:t>
             </a:r>
             <a:r>
               <a:rPr lang="cs-CZ" sz="2800" i="0" dirty="0">
-                <a:solidFill>
-                  <a:schemeClr val="bg1"/>
-                </a:solidFill>
                 <a:effectLst/>
                 <a:latin typeface="Arial" panose="020B0604020202020204" pitchFamily="34" charset="0"/>
               </a:rPr>
@@ -9502,18 +11738,12 @@
             </a:r>
             <a:r>
               <a:rPr lang="cs-CZ" sz="2800" dirty="0">
-                <a:solidFill>
-                  <a:schemeClr val="bg1"/>
-                </a:solidFill>
                 <a:latin typeface="Arial" panose="020B0604020202020204" pitchFamily="34" charset="0"/>
               </a:rPr>
               <a:t>otevřený</a:t>
             </a:r>
             <a:r>
               <a:rPr lang="cs-CZ" sz="2800" i="0" dirty="0">
-                <a:solidFill>
-                  <a:schemeClr val="bg1"/>
-                </a:solidFill>
                 <a:effectLst/>
                 <a:latin typeface="Arial" panose="020B0604020202020204" pitchFamily="34" charset="0"/>
               </a:rPr>
@@ -9521,18 +11751,12 @@
             </a:r>
             <a:r>
               <a:rPr lang="cs-CZ" sz="2800" dirty="0">
-                <a:solidFill>
-                  <a:schemeClr val="bg1"/>
-                </a:solidFill>
                 <a:latin typeface="Arial" panose="020B0604020202020204" pitchFamily="34" charset="0"/>
               </a:rPr>
               <a:t>operační systém</a:t>
             </a:r>
             <a:r>
               <a:rPr lang="cs-CZ" sz="2800" i="0" dirty="0">
-                <a:solidFill>
-                  <a:schemeClr val="bg1"/>
-                </a:solidFill>
                 <a:effectLst/>
                 <a:latin typeface="Arial" panose="020B0604020202020204" pitchFamily="34" charset="0"/>
               </a:rPr>
@@ -9540,18 +11764,12 @@
             </a:r>
             <a:r>
               <a:rPr lang="cs-CZ" sz="2800" dirty="0">
-                <a:solidFill>
-                  <a:schemeClr val="bg1"/>
-                </a:solidFill>
                 <a:latin typeface="Arial" panose="020B0604020202020204" pitchFamily="34" charset="0"/>
               </a:rPr>
               <a:t>linuxovém jádru</a:t>
             </a:r>
             <a:r>
               <a:rPr lang="cs-CZ" sz="2800" i="0" dirty="0">
-                <a:solidFill>
-                  <a:schemeClr val="bg1"/>
-                </a:solidFill>
                 <a:effectLst/>
                 <a:latin typeface="Arial" panose="020B0604020202020204" pitchFamily="34" charset="0"/>
               </a:rPr>
@@ -9559,9 +11777,6 @@
             </a:r>
             <a:r>
               <a:rPr lang="cs-CZ" sz="2800" b="0" i="0" dirty="0">
-                <a:solidFill>
-                  <a:schemeClr val="bg1"/>
-                </a:solidFill>
                 <a:effectLst/>
                 <a:latin typeface="Arial" panose="020B0604020202020204" pitchFamily="34" charset="0"/>
               </a:rPr>
@@ -9569,28 +11784,18 @@
             </a:r>
             <a:r>
               <a:rPr lang="cs-CZ" sz="2800" dirty="0">
-                <a:solidFill>
-                  <a:schemeClr val="bg1"/>
-                </a:solidFill>
                 <a:latin typeface="Arial" panose="020B0604020202020204" pitchFamily="34" charset="0"/>
               </a:rPr>
               <a:t>nainstalovat</a:t>
             </a:r>
             <a:r>
               <a:rPr lang="cs-CZ" sz="2800" b="0" i="0" dirty="0">
-                <a:solidFill>
-                  <a:schemeClr val="bg1"/>
-                </a:solidFill>
                 <a:effectLst/>
                 <a:latin typeface="Arial" panose="020B0604020202020204" pitchFamily="34" charset="0"/>
               </a:rPr>
-              <a:t> nebo používat bez instalace (live cd) https://cs.wikipedia.org/wiki/Linux</a:t>
-            </a:r>
-            <a:endParaRPr lang="cs-CZ" sz="2800" dirty="0">
-              <a:solidFill>
-                <a:schemeClr val="bg1"/>
-              </a:solidFill>
-            </a:endParaRPr>
+              <a:t> nebo používat bez instalace (live cd). Distribuce se dále se dělí na svobodný a nesvobodný software</a:t>
+            </a:r>
+            <a:endParaRPr lang="cs-CZ" sz="2800" dirty="0"/>
           </a:p>
         </p:txBody>
       </p:sp>
@@ -9674,108 +11879,30 @@
           <a:lstStyle/>
           <a:p>
             <a:r>
+              <a:rPr lang="cs-CZ" dirty="0"/>
+              <a:t>Linux se liší v </a:t>
+            </a:r>
+            <a:r>
+              <a:rPr lang="cs-CZ" b="0" i="0" dirty="0">
+                <a:effectLst/>
+                <a:latin typeface="Arial" panose="020B0604020202020204" pitchFamily="34" charset="0"/>
+              </a:rPr>
+              <a:t>tom, že je poskytován s licencí, která uživatele neomezuje a dovoluje mu </a:t>
+            </a:r>
+            <a:r>
               <a:rPr lang="cs-CZ" dirty="0">
-                <a:solidFill>
-                  <a:schemeClr val="bg1"/>
-                </a:solidFill>
-              </a:rPr>
-              <a:t>Licence Linuxu </a:t>
-            </a:r>
-            <a:r>
-              <a:rPr lang="cs-CZ" i="0" dirty="0">
-                <a:solidFill>
-                  <a:schemeClr val="bg1"/>
-                </a:solidFill>
-                <a:effectLst/>
                 <a:latin typeface="Arial" panose="020B0604020202020204" pitchFamily="34" charset="0"/>
               </a:rPr>
-              <a:t>umožňují systém zdarma a velmi volně používat, distribuovat (kopírovat, sdílet) i </a:t>
-            </a:r>
-            <a:r>
-              <a:rPr lang="cs-CZ" i="0" dirty="0" err="1">
-                <a:solidFill>
-                  <a:schemeClr val="bg1"/>
-                </a:solidFill>
+              <a:t>Linux</a:t>
+            </a:r>
+            <a:r>
+              <a:rPr lang="cs-CZ" b="0" i="0" dirty="0">
                 <a:effectLst/>
                 <a:latin typeface="Arial" panose="020B0604020202020204" pitchFamily="34" charset="0"/>
               </a:rPr>
-              <a:t>upravovat.Tím</a:t>
-            </a:r>
-            <a:r>
-              <a:rPr lang="cs-CZ" i="0" dirty="0">
-                <a:solidFill>
-                  <a:schemeClr val="bg1"/>
-                </a:solidFill>
-                <a:effectLst/>
-                <a:latin typeface="Arial" panose="020B0604020202020204" pitchFamily="34" charset="0"/>
-              </a:rPr>
-              <a:t> se odlišuje od systémů (např. </a:t>
-            </a:r>
-            <a:r>
-              <a:rPr lang="cs-CZ" dirty="0">
-                <a:solidFill>
-                  <a:schemeClr val="bg1"/>
-                </a:solidFill>
-                <a:latin typeface="Arial" panose="020B0604020202020204" pitchFamily="34" charset="0"/>
-              </a:rPr>
-              <a:t>Windows</a:t>
-            </a:r>
-            <a:r>
-              <a:rPr lang="cs-CZ" i="0" dirty="0">
-                <a:solidFill>
-                  <a:schemeClr val="bg1"/>
-                </a:solidFill>
-                <a:effectLst/>
-                <a:latin typeface="Arial" panose="020B0604020202020204" pitchFamily="34" charset="0"/>
-              </a:rPr>
-              <a:t> či </a:t>
-            </a:r>
-            <a:r>
-              <a:rPr lang="cs-CZ" dirty="0">
-                <a:solidFill>
-                  <a:schemeClr val="bg1"/>
-                </a:solidFill>
-                <a:latin typeface="Arial" panose="020B0604020202020204" pitchFamily="34" charset="0"/>
-              </a:rPr>
-              <a:t>macOS</a:t>
-            </a:r>
-            <a:r>
-              <a:rPr lang="cs-CZ" i="0" dirty="0">
-                <a:solidFill>
-                  <a:schemeClr val="bg1"/>
-                </a:solidFill>
-                <a:effectLst/>
-                <a:latin typeface="Arial" panose="020B0604020202020204" pitchFamily="34" charset="0"/>
-              </a:rPr>
-              <a:t>), za které je nutné platit a dodržovat omezující </a:t>
-            </a:r>
-            <a:r>
-              <a:rPr lang="cs-CZ" dirty="0">
-                <a:solidFill>
-                  <a:schemeClr val="bg1"/>
-                </a:solidFill>
-                <a:latin typeface="Arial" panose="020B0604020202020204" pitchFamily="34" charset="0"/>
-              </a:rPr>
-              <a:t>licence</a:t>
-            </a:r>
-            <a:r>
-              <a:rPr lang="cs-CZ" i="0" dirty="0">
-                <a:solidFill>
-                  <a:schemeClr val="bg1"/>
-                </a:solidFill>
-                <a:effectLst/>
-                <a:latin typeface="Arial" panose="020B0604020202020204" pitchFamily="34" charset="0"/>
-              </a:rPr>
-              <a:t>.</a:t>
-            </a:r>
-            <a:r>
-              <a:rPr lang="cs-CZ" dirty="0">
-                <a:solidFill>
-                  <a:schemeClr val="bg1"/>
-                </a:solidFill>
-              </a:rPr>
-              <a:t> </a:t>
-            </a:r>
+              <a:t> a jeho software kopírovat dalším osobám čímž se může velmi volně používat. To s komerčním softwarem provádět nemůžete - porušili byste tím zákon. Krom toho může být Linux zdarma. A vývojáři oceňují, že získají zdrojové kódy programů a mohou je dále rozvíjet</a:t>
+            </a:r>
+            <a:endParaRPr lang="cs-CZ" dirty="0"/>
           </a:p>
         </p:txBody>
       </p:sp>
@@ -9860,9 +11987,6 @@
           <a:p>
             <a:r>
               <a:rPr lang="cs-CZ" i="0" dirty="0">
-                <a:solidFill>
-                  <a:schemeClr val="bg1"/>
-                </a:solidFill>
                 <a:effectLst/>
                 <a:latin typeface="Roboto" panose="020B0604020202020204" pitchFamily="2" charset="0"/>
               </a:rPr>
@@ -9870,27 +11994,18 @@
             </a:r>
             <a:r>
               <a:rPr lang="cs-CZ" dirty="0">
-                <a:solidFill>
-                  <a:schemeClr val="bg1"/>
-                </a:solidFill>
                 <a:latin typeface="Roboto" panose="020B0604020202020204" pitchFamily="2" charset="0"/>
               </a:rPr>
               <a:t>Richard Matthew </a:t>
             </a:r>
             <a:r>
               <a:rPr lang="cs-CZ" dirty="0" err="1">
-                <a:solidFill>
-                  <a:schemeClr val="bg1"/>
-                </a:solidFill>
                 <a:latin typeface="Roboto" panose="020B0604020202020204" pitchFamily="2" charset="0"/>
               </a:rPr>
               <a:t>Stallman</a:t>
             </a:r>
             <a:r>
               <a:rPr lang="cs-CZ" i="0" dirty="0">
-                <a:solidFill>
-                  <a:schemeClr val="bg1"/>
-                </a:solidFill>
                 <a:effectLst/>
                 <a:latin typeface="Roboto" panose="020B0604020202020204" pitchFamily="2" charset="0"/>
               </a:rPr>
@@ -9898,9 +12013,6 @@
             </a:r>
             <a:r>
               <a:rPr lang="cs-CZ" i="0" dirty="0" err="1">
-                <a:solidFill>
-                  <a:schemeClr val="bg1"/>
-                </a:solidFill>
                 <a:effectLst/>
                 <a:latin typeface="Roboto" panose="020B0604020202020204" pitchFamily="2" charset="0"/>
               </a:rPr>
@@ -9908,19 +12020,12 @@
             </a:r>
             <a:r>
               <a:rPr lang="cs-CZ" i="0" dirty="0">
-                <a:solidFill>
-                  <a:schemeClr val="bg1"/>
-                </a:solidFill>
                 <a:effectLst/>
                 <a:latin typeface="Roboto" panose="020B0604020202020204" pitchFamily="2" charset="0"/>
               </a:rPr>
               <a:t> novou licenci GNU GPL, pod kterou jsou šířeny všechny části systému GNU.</a:t>
             </a:r>
-            <a:endParaRPr lang="cs-CZ" dirty="0">
-              <a:solidFill>
-                <a:schemeClr val="bg1"/>
-              </a:solidFill>
-            </a:endParaRPr>
+            <a:endParaRPr lang="cs-CZ" dirty="0"/>
           </a:p>
         </p:txBody>
       </p:sp>
@@ -9977,7 +12082,7 @@
           <a:p>
             <a:r>
               <a:rPr lang="cs-CZ" dirty="0"/>
-              <a:t>Historie-jádro</a:t>
+              <a:t>Historie</a:t>
             </a:r>
           </a:p>
         </p:txBody>
@@ -10000,14 +12105,13 @@
         </p:nvSpPr>
         <p:spPr/>
         <p:txBody>
-          <a:bodyPr/>
+          <a:bodyPr>
+            <a:normAutofit/>
+          </a:bodyPr>
           <a:lstStyle/>
           <a:p>
             <a:r>
               <a:rPr lang="cs-CZ" b="0" i="0" dirty="0">
-                <a:solidFill>
-                  <a:schemeClr val="bg1"/>
-                </a:solidFill>
                 <a:effectLst/>
                 <a:latin typeface="Roboto" panose="02000000000000000000" pitchFamily="2" charset="0"/>
                 <a:ea typeface="Roboto" panose="02000000000000000000" pitchFamily="2" charset="0"/>
@@ -10017,9 +12121,6 @@
             </a:r>
             <a:r>
               <a:rPr lang="cs-CZ" dirty="0">
-                <a:solidFill>
-                  <a:schemeClr val="bg1"/>
-                </a:solidFill>
                 <a:latin typeface="Roboto" panose="02000000000000000000" pitchFamily="2" charset="0"/>
                 <a:ea typeface="Roboto" panose="02000000000000000000" pitchFamily="2" charset="0"/>
                 <a:cs typeface="Roboto" panose="02000000000000000000" pitchFamily="2" charset="0"/>
@@ -10028,9 +12129,6 @@
             </a:r>
             <a:r>
               <a:rPr lang="cs-CZ" u="sng" dirty="0">
-                <a:solidFill>
-                  <a:schemeClr val="bg1"/>
-                </a:solidFill>
                 <a:latin typeface="Roboto" panose="02000000000000000000" pitchFamily="2" charset="0"/>
                 <a:ea typeface="Roboto" panose="02000000000000000000" pitchFamily="2" charset="0"/>
                 <a:cs typeface="Roboto" panose="02000000000000000000" pitchFamily="2" charset="0"/>
@@ -10039,9 +12137,6 @@
             </a:r>
             <a:r>
               <a:rPr lang="cs-CZ" dirty="0" err="1">
-                <a:solidFill>
-                  <a:schemeClr val="bg1"/>
-                </a:solidFill>
                 <a:latin typeface="Roboto" panose="02000000000000000000" pitchFamily="2" charset="0"/>
                 <a:ea typeface="Roboto" panose="02000000000000000000" pitchFamily="2" charset="0"/>
                 <a:cs typeface="Roboto" panose="02000000000000000000" pitchFamily="2" charset="0"/>
@@ -10050,9 +12145,6 @@
             </a:r>
             <a:r>
               <a:rPr lang="cs-CZ" b="0" i="0" dirty="0">
-                <a:solidFill>
-                  <a:schemeClr val="bg1"/>
-                </a:solidFill>
                 <a:effectLst/>
                 <a:latin typeface="Roboto" panose="02000000000000000000" pitchFamily="2" charset="0"/>
                 <a:ea typeface="Roboto" panose="02000000000000000000" pitchFamily="2" charset="0"/>
@@ -10062,9 +12154,6 @@
             </a:r>
             <a:r>
               <a:rPr lang="cs-CZ" b="0" i="0" dirty="0" err="1">
-                <a:solidFill>
-                  <a:srgbClr val="000000"/>
-                </a:solidFill>
                 <a:effectLst/>
                 <a:latin typeface="Roboto" panose="02000000000000000000" pitchFamily="2" charset="0"/>
                 <a:ea typeface="Roboto" panose="02000000000000000000" pitchFamily="2" charset="0"/>
@@ -10074,9 +12163,6 @@
             </a:r>
             <a:r>
               <a:rPr lang="cs-CZ" b="0" i="0" dirty="0">
-                <a:solidFill>
-                  <a:srgbClr val="000000"/>
-                </a:solidFill>
                 <a:effectLst/>
                 <a:latin typeface="Roboto" panose="02000000000000000000" pitchFamily="2" charset="0"/>
                 <a:ea typeface="Roboto" panose="02000000000000000000" pitchFamily="2" charset="0"/>
@@ -10086,9 +12172,6 @@
             </a:r>
             <a:r>
               <a:rPr lang="cs-CZ" b="0" i="0" dirty="0" err="1">
-                <a:solidFill>
-                  <a:srgbClr val="000000"/>
-                </a:solidFill>
                 <a:effectLst/>
                 <a:latin typeface="Roboto" panose="02000000000000000000" pitchFamily="2" charset="0"/>
                 <a:ea typeface="Roboto" panose="02000000000000000000" pitchFamily="2" charset="0"/>
@@ -10098,9 +12181,6 @@
             </a:r>
             <a:r>
               <a:rPr lang="cs-CZ" b="0" i="0" dirty="0">
-                <a:solidFill>
-                  <a:srgbClr val="000000"/>
-                </a:solidFill>
                 <a:effectLst/>
                 <a:latin typeface="Roboto" panose="02000000000000000000" pitchFamily="2" charset="0"/>
                 <a:ea typeface="Roboto" panose="02000000000000000000" pitchFamily="2" charset="0"/>
@@ -10108,22 +12188,7 @@
               </a:rPr>
               <a:t> a byl provozovatelný na běžném PC. </a:t>
             </a:r>
-            <a:r>
-              <a:rPr lang="cs-CZ" b="0" i="0" dirty="0">
-                <a:solidFill>
-                  <a:schemeClr val="bg1"/>
-                </a:solidFill>
-                <a:effectLst/>
-                <a:latin typeface="Roboto" panose="02000000000000000000" pitchFamily="2" charset="0"/>
-                <a:ea typeface="Roboto" panose="02000000000000000000" pitchFamily="2" charset="0"/>
-                <a:cs typeface="Roboto" panose="02000000000000000000" pitchFamily="2" charset="0"/>
-              </a:rPr>
-              <a:t> https://www.root.cz/texty/historie-operacniho-systemu-gnulinux/</a:t>
-            </a:r>
             <a:endParaRPr lang="cs-CZ" dirty="0">
-              <a:solidFill>
-                <a:schemeClr val="bg1"/>
-              </a:solidFill>
               <a:latin typeface="Roboto" panose="02000000000000000000" pitchFamily="2" charset="0"/>
               <a:ea typeface="Roboto" panose="02000000000000000000" pitchFamily="2" charset="0"/>
               <a:cs typeface="Roboto" panose="02000000000000000000" pitchFamily="2" charset="0"/>
@@ -10213,9 +12278,6 @@
             <a:pPr algn="l"/>
             <a:r>
               <a:rPr lang="cs-CZ" b="0" i="0" dirty="0">
-                <a:solidFill>
-                  <a:srgbClr val="000000"/>
-                </a:solidFill>
                 <a:effectLst/>
                 <a:latin typeface="Roboto" panose="02000000000000000000" pitchFamily="2" charset="0"/>
               </a:rPr>
@@ -10223,18 +12285,12 @@
             </a:r>
             <a:r>
               <a:rPr lang="cs-CZ" dirty="0">
-                <a:solidFill>
-                  <a:schemeClr val="bg1"/>
-                </a:solidFill>
                 <a:latin typeface="Roboto" panose="02000000000000000000" pitchFamily="2" charset="0"/>
               </a:rPr>
               <a:t>jádro</a:t>
             </a:r>
             <a:r>
               <a:rPr lang="cs-CZ" b="0" i="0" dirty="0">
-                <a:solidFill>
-                  <a:srgbClr val="000000"/>
-                </a:solidFill>
                 <a:effectLst/>
                 <a:latin typeface="Roboto" panose="02000000000000000000" pitchFamily="2" charset="0"/>
               </a:rPr>
@@ -10242,9 +12298,6 @@
             </a:r>
             <a:r>
               <a:rPr lang="cs-CZ" b="0" i="0" dirty="0" err="1">
-                <a:solidFill>
-                  <a:srgbClr val="000000"/>
-                </a:solidFill>
                 <a:effectLst/>
                 <a:latin typeface="Roboto" panose="02000000000000000000" pitchFamily="2" charset="0"/>
               </a:rPr>
@@ -10252,9 +12305,6 @@
             </a:r>
             <a:r>
               <a:rPr lang="cs-CZ" b="0" i="0" dirty="0">
-                <a:solidFill>
-                  <a:srgbClr val="000000"/>
-                </a:solidFill>
                 <a:effectLst/>
                 <a:latin typeface="Roboto" panose="02000000000000000000" pitchFamily="2" charset="0"/>
               </a:rPr>
@@ -10262,9 +12312,6 @@
             </a:r>
             <a:r>
               <a:rPr lang="cs-CZ" b="0" i="0" dirty="0" err="1">
-                <a:solidFill>
-                  <a:srgbClr val="000000"/>
-                </a:solidFill>
                 <a:effectLst/>
                 <a:latin typeface="Roboto" panose="02000000000000000000" pitchFamily="2" charset="0"/>
               </a:rPr>
@@ -10272,9 +12319,6 @@
             </a:r>
             <a:r>
               <a:rPr lang="cs-CZ" b="0" i="0" dirty="0">
-                <a:solidFill>
-                  <a:srgbClr val="000000"/>
-                </a:solidFill>
                 <a:effectLst/>
                 <a:latin typeface="Roboto" panose="02000000000000000000" pitchFamily="2" charset="0"/>
               </a:rPr>
@@ -10458,9 +12502,6 @@
             <a:pPr lvl="1"/>
             <a:r>
               <a:rPr lang="cs-CZ" sz="2800" b="0" i="0" dirty="0">
-                <a:solidFill>
-                  <a:srgbClr val="202122"/>
-                </a:solidFill>
                 <a:effectLst/>
                 <a:latin typeface="Roboto" panose="02000000000000000000" pitchFamily="2" charset="0"/>
                 <a:ea typeface="Roboto" panose="02000000000000000000" pitchFamily="2" charset="0"/>
@@ -10470,9 +12511,6 @@
             </a:r>
             <a:r>
               <a:rPr lang="cs-CZ" sz="2800" dirty="0">
-                <a:solidFill>
-                  <a:schemeClr val="bg1"/>
-                </a:solidFill>
                 <a:latin typeface="Roboto" panose="02000000000000000000" pitchFamily="2" charset="0"/>
                 <a:ea typeface="Roboto" panose="02000000000000000000" pitchFamily="2" charset="0"/>
                 <a:cs typeface="Roboto" panose="02000000000000000000" pitchFamily="2" charset="0"/>
@@ -10481,9 +12519,6 @@
             </a:r>
             <a:r>
               <a:rPr lang="cs-CZ" sz="2800" b="0" i="0" dirty="0">
-                <a:solidFill>
-                  <a:schemeClr val="bg1"/>
-                </a:solidFill>
                 <a:effectLst/>
                 <a:latin typeface="Roboto" panose="02000000000000000000" pitchFamily="2" charset="0"/>
                 <a:ea typeface="Roboto" panose="02000000000000000000" pitchFamily="2" charset="0"/>
@@ -10493,9 +12528,6 @@
             </a:r>
             <a:r>
               <a:rPr lang="cs-CZ" sz="2800" dirty="0">
-                <a:solidFill>
-                  <a:schemeClr val="bg1"/>
-                </a:solidFill>
                 <a:latin typeface="Roboto" panose="02000000000000000000" pitchFamily="2" charset="0"/>
                 <a:ea typeface="Roboto" panose="02000000000000000000" pitchFamily="2" charset="0"/>
                 <a:cs typeface="Roboto" panose="02000000000000000000" pitchFamily="2" charset="0"/>
@@ -10504,125 +12536,83 @@
             </a:r>
             <a:r>
               <a:rPr lang="cs-CZ" sz="2800" b="0" i="0" dirty="0">
-                <a:solidFill>
-                  <a:srgbClr val="202122"/>
-                </a:solidFill>
                 <a:effectLst/>
                 <a:latin typeface="Roboto" panose="02000000000000000000" pitchFamily="2" charset="0"/>
                 <a:ea typeface="Roboto" panose="02000000000000000000" pitchFamily="2" charset="0"/>
                 <a:cs typeface="Roboto" panose="02000000000000000000" pitchFamily="2" charset="0"/>
               </a:rPr>
-              <a:t>. </a:t>
-            </a:r>
-            <a:r>
-              <a:rPr lang="cs-CZ" sz="2800" b="0" i="0" dirty="0">
-                <a:solidFill>
-                  <a:schemeClr val="bg1"/>
-                </a:solidFill>
+              <a:t>. K tomu, aby bylo možné počítač s Linuxem používat, je nutné doplnit jádro o další programy.</a:t>
+            </a:r>
+            <a:r>
+              <a:rPr lang="cs-CZ" sz="2400" b="0" i="0" dirty="0">
                 <a:effectLst/>
                 <a:latin typeface="Roboto" panose="02000000000000000000" pitchFamily="2" charset="0"/>
                 <a:ea typeface="Roboto" panose="02000000000000000000" pitchFamily="2" charset="0"/>
                 <a:cs typeface="Roboto" panose="02000000000000000000" pitchFamily="2" charset="0"/>
               </a:rPr>
-              <a:t>K tomu, aby bylo možné počítač s Linuxem používat, je nutné doplnit jádro o další programy.</a:t>
-            </a:r>
-            <a:r>
-              <a:rPr lang="cs-CZ" sz="2400" b="0" i="0" dirty="0">
-                <a:solidFill>
-                  <a:srgbClr val="202122"/>
-                </a:solidFill>
+              <a:t> </a:t>
+            </a:r>
+            <a:r>
+              <a:rPr lang="cs-CZ" sz="2800" b="0" i="0" dirty="0">
                 <a:effectLst/>
                 <a:latin typeface="Roboto" panose="02000000000000000000" pitchFamily="2" charset="0"/>
                 <a:ea typeface="Roboto" panose="02000000000000000000" pitchFamily="2" charset="0"/>
                 <a:cs typeface="Roboto" panose="02000000000000000000" pitchFamily="2" charset="0"/>
               </a:rPr>
-              <a:t> </a:t>
-            </a:r>
-            <a:r>
-              <a:rPr lang="cs-CZ" sz="2800" b="0" i="0" dirty="0">
-                <a:solidFill>
-                  <a:schemeClr val="bg1"/>
-                </a:solidFill>
-                <a:effectLst/>
+              <a:t>Základ tvoří jednoduché </a:t>
+            </a:r>
+            <a:r>
+              <a:rPr lang="cs-CZ" sz="2800" dirty="0">
                 <a:latin typeface="Roboto" panose="02000000000000000000" pitchFamily="2" charset="0"/>
                 <a:ea typeface="Roboto" panose="02000000000000000000" pitchFamily="2" charset="0"/>
                 <a:cs typeface="Roboto" panose="02000000000000000000" pitchFamily="2" charset="0"/>
               </a:rPr>
-              <a:t>Základ tvoří jednoduché </a:t>
-            </a:r>
-            <a:r>
-              <a:rPr lang="cs-CZ" sz="2800" dirty="0">
-                <a:solidFill>
-                  <a:schemeClr val="bg1"/>
-                </a:solidFill>
+              <a:t>utility. </a:t>
+            </a:r>
+            <a:r>
+              <a:rPr lang="cs-CZ" sz="2800" b="0" i="0" dirty="0">
+                <a:effectLst/>
                 <a:latin typeface="Roboto" panose="02000000000000000000" pitchFamily="2" charset="0"/>
                 <a:ea typeface="Roboto" panose="02000000000000000000" pitchFamily="2" charset="0"/>
                 <a:cs typeface="Roboto" panose="02000000000000000000" pitchFamily="2" charset="0"/>
               </a:rPr>
-              <a:t>utility. </a:t>
-            </a:r>
-            <a:r>
-              <a:rPr lang="cs-CZ" sz="2800" b="0" i="0" dirty="0">
-                <a:solidFill>
-                  <a:schemeClr val="bg1"/>
-                </a:solidFill>
-                <a:effectLst/>
+              <a:t>Pro uživatele jsou pak k dispozici </a:t>
+            </a:r>
+            <a:r>
+              <a:rPr lang="cs-CZ" sz="2800" dirty="0">
                 <a:latin typeface="Roboto" panose="02000000000000000000" pitchFamily="2" charset="0"/>
                 <a:ea typeface="Roboto" panose="02000000000000000000" pitchFamily="2" charset="0"/>
                 <a:cs typeface="Roboto" panose="02000000000000000000" pitchFamily="2" charset="0"/>
               </a:rPr>
-              <a:t>Pro uživatele jsou pak k dispozici </a:t>
-            </a:r>
-            <a:r>
-              <a:rPr lang="cs-CZ" sz="2800" dirty="0">
-                <a:solidFill>
-                  <a:schemeClr val="bg1"/>
-                </a:solidFill>
+              <a:t>aplikace. </a:t>
+            </a:r>
+            <a:r>
+              <a:rPr lang="cs-CZ" sz="2800" b="0" i="0" dirty="0">
+                <a:effectLst/>
                 <a:latin typeface="Roboto" panose="02000000000000000000" pitchFamily="2" charset="0"/>
                 <a:ea typeface="Roboto" panose="02000000000000000000" pitchFamily="2" charset="0"/>
                 <a:cs typeface="Roboto" panose="02000000000000000000" pitchFamily="2" charset="0"/>
               </a:rPr>
-              <a:t>aplikace. </a:t>
-            </a:r>
-            <a:r>
-              <a:rPr lang="cs-CZ" sz="2800" b="0" i="0" dirty="0">
-                <a:solidFill>
-                  <a:schemeClr val="bg1"/>
-                </a:solidFill>
-                <a:effectLst/>
+              <a:t>Jednotlivé běžně používané nástroje i aplikace jsou volně dostupné na i</a:t>
+            </a:r>
+            <a:r>
+              <a:rPr lang="cs-CZ" sz="2800" dirty="0">
                 <a:latin typeface="Roboto" panose="02000000000000000000" pitchFamily="2" charset="0"/>
                 <a:ea typeface="Roboto" panose="02000000000000000000" pitchFamily="2" charset="0"/>
                 <a:cs typeface="Roboto" panose="02000000000000000000" pitchFamily="2" charset="0"/>
               </a:rPr>
-              <a:t>Jednotlivé běžně používané nástroje i aplikace jsou volně dostupné na i</a:t>
-            </a:r>
-            <a:r>
-              <a:rPr lang="cs-CZ" sz="2800" dirty="0">
-                <a:solidFill>
-                  <a:schemeClr val="bg1"/>
-                </a:solidFill>
+              <a:t>nternetu</a:t>
+            </a:r>
+            <a:r>
+              <a:rPr lang="cs-CZ" sz="2800" b="1" i="0" dirty="0">
+                <a:effectLst/>
                 <a:latin typeface="Roboto" panose="02000000000000000000" pitchFamily="2" charset="0"/>
                 <a:ea typeface="Roboto" panose="02000000000000000000" pitchFamily="2" charset="0"/>
                 <a:cs typeface="Roboto" panose="02000000000000000000" pitchFamily="2" charset="0"/>
               </a:rPr>
-              <a:t>nternetu</a:t>
-            </a:r>
-            <a:r>
-              <a:rPr lang="cs-CZ" sz="2800" b="1" i="0" dirty="0">
-                <a:solidFill>
-                  <a:schemeClr val="bg1"/>
-                </a:solidFill>
-                <a:effectLst/>
-                <a:latin typeface="Roboto" panose="02000000000000000000" pitchFamily="2" charset="0"/>
-                <a:ea typeface="Roboto" panose="02000000000000000000" pitchFamily="2" charset="0"/>
-                <a:cs typeface="Roboto" panose="02000000000000000000" pitchFamily="2" charset="0"/>
-              </a:rPr>
-              <a:t>. https://cs.wikipedia.org/wiki/Linux#Logo_a_n%C3%A1zev</a:t>
+              <a:t>. </a:t>
             </a:r>
             <a:endParaRPr lang="cs-CZ" sz="2800" dirty="0">
-              <a:solidFill>
-                <a:schemeClr val="bg1"/>
-              </a:solidFill>
               <a:latin typeface="Roboto" panose="02000000000000000000" pitchFamily="2" charset="0"/>
               <a:ea typeface="Roboto" panose="02000000000000000000" pitchFamily="2" charset="0"/>
               <a:cs typeface="Roboto" panose="02000000000000000000" pitchFamily="2" charset="0"/>
@@ -10665,7 +12655,7 @@
           <p:cNvPr id="2" name="Nadpis 1">
             <a:extLst>
               <a:ext uri="{FF2B5EF4-FFF2-40B4-BE49-F238E27FC236}">
-                <a16:creationId xmlns:a16="http://schemas.microsoft.com/office/drawing/2014/main" id="{4994B7B4-6CC0-431F-D6EE-3B92D10ED6E5}"/>
+                <a16:creationId xmlns:a16="http://schemas.microsoft.com/office/drawing/2014/main" id="{F68B8BCD-B92B-6C65-D289-DCF672D1AAE2}"/>
               </a:ext>
             </a:extLst>
           </p:cNvPr>
@@ -10683,7 +12673,7 @@
           <a:p>
             <a:r>
               <a:rPr lang="cs-CZ" dirty="0"/>
-              <a:t>Licence</a:t>
+              <a:t>Linuxové distribuce</a:t>
             </a:r>
           </a:p>
         </p:txBody>
@@ -10693,7 +12683,7 @@
           <p:cNvPr id="3" name="Zástupný obsah 2">
             <a:extLst>
               <a:ext uri="{FF2B5EF4-FFF2-40B4-BE49-F238E27FC236}">
-                <a16:creationId xmlns:a16="http://schemas.microsoft.com/office/drawing/2014/main" id="{435D0798-8E76-BF08-0BFD-2E04983E908B}"/>
+                <a16:creationId xmlns:a16="http://schemas.microsoft.com/office/drawing/2014/main" id="{EB278334-E3D5-5EAE-122E-3CCAC9266C05}"/>
               </a:ext>
             </a:extLst>
           </p:cNvPr>
@@ -10711,114 +12701,76 @@
           <a:p>
             <a:r>
               <a:rPr lang="cs-CZ" b="0" i="0" dirty="0">
-                <a:solidFill>
-                  <a:schemeClr val="bg1"/>
-                </a:solidFill>
-                <a:effectLst/>
-                <a:latin typeface="Roboto" panose="02000000000000000000" pitchFamily="2" charset="0"/>
-                <a:ea typeface="Roboto" panose="02000000000000000000" pitchFamily="2" charset="0"/>
-                <a:cs typeface="Roboto" panose="02000000000000000000" pitchFamily="2" charset="0"/>
-              </a:rPr>
-              <a:t>Distribuce lze nalézt na Internetu a lze je i volně používat, protože se skládají z </a:t>
+                <a:effectLst/>
+                <a:latin typeface="Arial" panose="020B0604020202020204" pitchFamily="34" charset="0"/>
+              </a:rPr>
+              <a:t>Distribuce jsou sestavovány jednotlivci, týmy dobrovolníků, ale i komerčními firmami. </a:t>
+            </a:r>
+          </a:p>
+          <a:p>
+            <a:r>
+              <a:rPr lang="cs-CZ" b="0" i="0" dirty="0">
+                <a:effectLst/>
+                <a:latin typeface="Arial" panose="020B0604020202020204" pitchFamily="34" charset="0"/>
+              </a:rPr>
+              <a:t>Distribuce zahrnuje jádro, další systémový a aplikační software, </a:t>
             </a:r>
             <a:r>
               <a:rPr lang="cs-CZ" dirty="0">
-                <a:solidFill>
-                  <a:schemeClr val="bg1"/>
-                </a:solidFill>
-                <a:latin typeface="Roboto" panose="02000000000000000000" pitchFamily="2" charset="0"/>
-                <a:ea typeface="Roboto" panose="02000000000000000000" pitchFamily="2" charset="0"/>
-                <a:cs typeface="Roboto" panose="02000000000000000000" pitchFamily="2" charset="0"/>
-              </a:rPr>
-              <a:t>open source</a:t>
-            </a:r>
+                <a:latin typeface="Arial" panose="020B0604020202020204" pitchFamily="34" charset="0"/>
+              </a:rPr>
+              <a:t>grafické uživatelské rozhraní</a:t>
+            </a:r>
+            <a:r>
+              <a:rPr lang="cs-CZ" b="0" i="0" u="none" strike="noStrike" dirty="0">
+                <a:effectLst/>
+                <a:latin typeface="Arial" panose="020B0604020202020204" pitchFamily="34" charset="0"/>
+              </a:rPr>
+              <a:t>.</a:t>
+            </a:r>
+          </a:p>
+          <a:p>
             <a:r>
               <a:rPr lang="cs-CZ" b="0" i="0" dirty="0">
-                <a:solidFill>
-                  <a:schemeClr val="bg1"/>
-                </a:solidFill>
-                <a:effectLst/>
-                <a:latin typeface="Roboto" panose="02000000000000000000" pitchFamily="2" charset="0"/>
-                <a:ea typeface="Roboto" panose="02000000000000000000" pitchFamily="2" charset="0"/>
-                <a:cs typeface="Roboto" panose="02000000000000000000" pitchFamily="2" charset="0"/>
-              </a:rPr>
-              <a:t> programů. I v distribuci je ke každému programu standardně přiložena licence, která je při instalaci uložena společně s programem na </a:t>
+                <a:effectLst/>
+                <a:latin typeface="Arial" panose="020B0604020202020204" pitchFamily="34" charset="0"/>
+              </a:rPr>
+              <a:t>Distribuce mají různá zaměření, například výběr obsažených programů, podpora určité </a:t>
             </a:r>
             <a:r>
               <a:rPr lang="cs-CZ" dirty="0">
-                <a:solidFill>
-                  <a:schemeClr val="bg1"/>
-                </a:solidFill>
-                <a:latin typeface="Roboto" panose="02000000000000000000" pitchFamily="2" charset="0"/>
-                <a:ea typeface="Roboto" panose="02000000000000000000" pitchFamily="2" charset="0"/>
-                <a:cs typeface="Roboto" panose="02000000000000000000" pitchFamily="2" charset="0"/>
-              </a:rPr>
-              <a:t>pevný disk</a:t>
+                <a:latin typeface="Arial" panose="020B0604020202020204" pitchFamily="34" charset="0"/>
+              </a:rPr>
+              <a:t>počítačové architektury</a:t>
             </a:r>
             <a:r>
               <a:rPr lang="cs-CZ" b="0" i="0" dirty="0">
-                <a:solidFill>
-                  <a:schemeClr val="bg1"/>
-                </a:solidFill>
-                <a:effectLst/>
-                <a:latin typeface="Roboto" panose="02000000000000000000" pitchFamily="2" charset="0"/>
-                <a:ea typeface="Roboto" panose="02000000000000000000" pitchFamily="2" charset="0"/>
-                <a:cs typeface="Roboto" panose="02000000000000000000" pitchFamily="2" charset="0"/>
-              </a:rPr>
-              <a:t>, takže si vše uživatel může ověřit. </a:t>
-            </a:r>
-          </a:p>
-          <a:p>
+                <a:effectLst/>
+                <a:latin typeface="Arial" panose="020B0604020202020204" pitchFamily="34" charset="0"/>
+              </a:rPr>
+              <a:t>, použití ve </a:t>
+            </a:r>
+            <a:r>
+              <a:rPr lang="cs-CZ" dirty="0">
+                <a:latin typeface="Arial" panose="020B0604020202020204" pitchFamily="34" charset="0"/>
+              </a:rPr>
+              <a:t>vestavěných systémech</a:t>
+            </a:r>
             <a:r>
               <a:rPr lang="cs-CZ" b="0" i="0" dirty="0">
-                <a:solidFill>
-                  <a:schemeClr val="bg1"/>
-                </a:solidFill>
-                <a:effectLst/>
-                <a:latin typeface="Roboto" panose="02000000000000000000" pitchFamily="2" charset="0"/>
-                <a:ea typeface="Roboto" panose="02000000000000000000" pitchFamily="2" charset="0"/>
-                <a:cs typeface="Roboto" panose="02000000000000000000" pitchFamily="2" charset="0"/>
-              </a:rPr>
-              <a:t>Distribuce také podléhá licenci, avšak typicky se opět jedná o open source. Většina linuxových distribucí je sestavována výhradně ze </a:t>
-            </a:r>
-            <a:r>
-              <a:rPr lang="cs-CZ" dirty="0">
-                <a:solidFill>
-                  <a:schemeClr val="bg1"/>
-                </a:solidFill>
-                <a:latin typeface="Roboto" panose="02000000000000000000" pitchFamily="2" charset="0"/>
-                <a:ea typeface="Roboto" panose="02000000000000000000" pitchFamily="2" charset="0"/>
-                <a:cs typeface="Roboto" panose="02000000000000000000" pitchFamily="2" charset="0"/>
-              </a:rPr>
-              <a:t>svobodného software</a:t>
-            </a:r>
-            <a:r>
-              <a:rPr lang="cs-CZ" b="0" i="0" dirty="0">
-                <a:solidFill>
-                  <a:schemeClr val="bg1"/>
-                </a:solidFill>
-                <a:effectLst/>
-                <a:latin typeface="Roboto" panose="02000000000000000000" pitchFamily="2" charset="0"/>
-                <a:ea typeface="Roboto" panose="02000000000000000000" pitchFamily="2" charset="0"/>
-                <a:cs typeface="Roboto" panose="02000000000000000000" pitchFamily="2" charset="0"/>
-              </a:rPr>
-              <a:t>, takže je lze nejen volně používat, ale i dále šířit.</a:t>
-            </a:r>
-            <a:endParaRPr lang="cs-CZ" dirty="0">
-              <a:solidFill>
-                <a:schemeClr val="bg1"/>
-              </a:solidFill>
-              <a:latin typeface="Roboto" panose="02000000000000000000" pitchFamily="2" charset="0"/>
-              <a:ea typeface="Roboto" panose="02000000000000000000" pitchFamily="2" charset="0"/>
-              <a:cs typeface="Roboto" panose="02000000000000000000" pitchFamily="2" charset="0"/>
-            </a:endParaRPr>
+                <a:effectLst/>
+                <a:latin typeface="Arial" panose="020B0604020202020204" pitchFamily="34" charset="0"/>
+              </a:rPr>
+              <a:t> atd. V současné době existuje kolem 450 různých distribucí.</a:t>
+            </a:r>
+            <a:endParaRPr lang="cs-CZ" dirty="0"/>
           </a:p>
         </p:txBody>
       </p:sp>
     </p:spTree>
     <p:extLst>
       <p:ext uri="{BB962C8B-B14F-4D97-AF65-F5344CB8AC3E}">
-        <p14:creationId xmlns:p14="http://schemas.microsoft.com/office/powerpoint/2010/main" val="1454442584"/>
+        <p14:creationId xmlns:p14="http://schemas.microsoft.com/office/powerpoint/2010/main" val="2835591160"/>
       </p:ext>
     </p:extLst>
   </p:cSld>

--- a/Linux.pptx
+++ b/Linux.pptx
@@ -5,24 +5,25 @@
     <p:sldMasterId id="2147483648" r:id="rId1"/>
   </p:sldMasterIdLst>
   <p:notesMasterIdLst>
-    <p:notesMasterId r:id="rId17"/>
+    <p:notesMasterId r:id="rId18"/>
   </p:notesMasterIdLst>
   <p:sldIdLst>
     <p:sldId id="256" r:id="rId2"/>
     <p:sldId id="257" r:id="rId3"/>
     <p:sldId id="258" r:id="rId4"/>
     <p:sldId id="259" r:id="rId5"/>
-    <p:sldId id="260" r:id="rId6"/>
-    <p:sldId id="261" r:id="rId7"/>
-    <p:sldId id="263" r:id="rId8"/>
-    <p:sldId id="262" r:id="rId9"/>
-    <p:sldId id="269" r:id="rId10"/>
-    <p:sldId id="268" r:id="rId11"/>
-    <p:sldId id="265" r:id="rId12"/>
-    <p:sldId id="266" r:id="rId13"/>
-    <p:sldId id="271" r:id="rId14"/>
-    <p:sldId id="267" r:id="rId15"/>
-    <p:sldId id="270" r:id="rId16"/>
+    <p:sldId id="261" r:id="rId6"/>
+    <p:sldId id="263" r:id="rId7"/>
+    <p:sldId id="262" r:id="rId8"/>
+    <p:sldId id="269" r:id="rId9"/>
+    <p:sldId id="268" r:id="rId10"/>
+    <p:sldId id="265" r:id="rId11"/>
+    <p:sldId id="266" r:id="rId12"/>
+    <p:sldId id="274" r:id="rId13"/>
+    <p:sldId id="272" r:id="rId14"/>
+    <p:sldId id="273" r:id="rId15"/>
+    <p:sldId id="267" r:id="rId16"/>
+    <p:sldId id="270" r:id="rId17"/>
   </p:sldIdLst>
   <p:sldSz cx="12192000" cy="6858000"/>
   <p:notesSz cx="6858000" cy="9144000"/>
@@ -211,7 +212,7 @@
           <a:p>
             <a:fld id="{A2CB6FA3-EA73-4C76-9A50-C350990F3718}" type="datetimeFigureOut">
               <a:rPr lang="cs-CZ" smtClean="0"/>
-              <a:t>17.01.2023</a:t>
+              <a:t>18.01.2023</a:t>
             </a:fld>
             <a:endParaRPr lang="cs-CZ"/>
           </a:p>
@@ -580,6 +581,81 @@
             </a:r>
             <a:endParaRPr lang="cs-CZ" dirty="0"/>
           </a:p>
+          <a:p>
+            <a:r>
+              <a:rPr lang="cs-CZ" b="0" i="0" dirty="0">
+                <a:solidFill>
+                  <a:srgbClr val="202122"/>
+                </a:solidFill>
+                <a:effectLst/>
+                <a:latin typeface="Arial" panose="020B0604020202020204" pitchFamily="34" charset="0"/>
+              </a:rPr>
+              <a:t>Název </a:t>
+            </a:r>
+            <a:r>
+              <a:rPr lang="cs-CZ" b="0" i="1" dirty="0">
+                <a:solidFill>
+                  <a:srgbClr val="202122"/>
+                </a:solidFill>
+                <a:effectLst/>
+                <a:latin typeface="Arial" panose="020B0604020202020204" pitchFamily="34" charset="0"/>
+              </a:rPr>
+              <a:t>Linux</a:t>
+            </a:r>
+            <a:r>
+              <a:rPr lang="cs-CZ" b="0" i="0" dirty="0">
+                <a:solidFill>
+                  <a:srgbClr val="202122"/>
+                </a:solidFill>
+                <a:effectLst/>
+                <a:latin typeface="Arial" panose="020B0604020202020204" pitchFamily="34" charset="0"/>
+              </a:rPr>
+              <a:t> původně označoval jen </a:t>
+            </a:r>
+            <a:r>
+              <a:rPr lang="cs-CZ" b="0" i="0" u="none" strike="noStrike" dirty="0">
+                <a:solidFill>
+                  <a:srgbClr val="0645AD"/>
+                </a:solidFill>
+                <a:effectLst/>
+                <a:latin typeface="Arial" panose="020B0604020202020204" pitchFamily="34" charset="0"/>
+                <a:hlinkClick r:id="rId3" tooltip="Linux (jádro)"/>
+              </a:rPr>
+              <a:t>samotné jádro</a:t>
+            </a:r>
+            <a:r>
+              <a:rPr lang="cs-CZ" b="0" i="0" dirty="0">
+                <a:solidFill>
+                  <a:srgbClr val="202122"/>
+                </a:solidFill>
+                <a:effectLst/>
+                <a:latin typeface="Arial" panose="020B0604020202020204" pitchFamily="34" charset="0"/>
+              </a:rPr>
+              <a:t>, ale velmi brzy byl název zevšeobecněn a vztažen na celý operační systém skládající se z jádra Linux a operačního systému </a:t>
+            </a:r>
+            <a:r>
+              <a:rPr lang="cs-CZ" b="0" i="0" u="none" strike="noStrike" dirty="0">
+                <a:solidFill>
+                  <a:srgbClr val="0645AD"/>
+                </a:solidFill>
+                <a:effectLst/>
+                <a:latin typeface="Arial" panose="020B0604020202020204" pitchFamily="34" charset="0"/>
+                <a:hlinkClick r:id="rId4" tooltip="GNU"/>
+              </a:rPr>
+              <a:t>GNU</a:t>
+            </a:r>
+            <a:r>
+              <a:rPr lang="cs-CZ" b="0" i="0" dirty="0">
+                <a:solidFill>
+                  <a:srgbClr val="202122"/>
+                </a:solidFill>
+                <a:effectLst/>
+                <a:latin typeface="Arial" panose="020B0604020202020204" pitchFamily="34" charset="0"/>
+              </a:rPr>
+              <a:t>. </a:t>
+            </a:r>
+            <a:endParaRPr lang="cs-CZ" dirty="0"/>
+          </a:p>
         </p:txBody>
       </p:sp>
       <p:sp>
@@ -609,6 +685,90 @@
     <p:extLst>
       <p:ext uri="{BB962C8B-B14F-4D97-AF65-F5344CB8AC3E}">
         <p14:creationId xmlns:p14="http://schemas.microsoft.com/office/powerpoint/2010/main" val="393434436"/>
+      </p:ext>
+    </p:extLst>
+  </p:cSld>
+  <p:clrMapOvr>
+    <a:masterClrMapping/>
+  </p:clrMapOvr>
+</p:notes>
+</file>
+
+<file path=ppt/notesSlides/notesSlide10.xml><?xml version="1.0" encoding="utf-8"?>
+<p:notes xmlns:a="http://schemas.openxmlformats.org/drawingml/2006/main" xmlns:r="http://schemas.openxmlformats.org/officeDocument/2006/relationships" xmlns:p="http://schemas.openxmlformats.org/presentationml/2006/main">
+  <p:cSld>
+    <p:spTree>
+      <p:nvGrpSpPr>
+        <p:cNvPr id="1" name=""/>
+        <p:cNvGrpSpPr/>
+        <p:nvPr/>
+      </p:nvGrpSpPr>
+      <p:grpSpPr>
+        <a:xfrm>
+          <a:off x="0" y="0"/>
+          <a:ext cx="0" cy="0"/>
+          <a:chOff x="0" y="0"/>
+          <a:chExt cx="0" cy="0"/>
+        </a:xfrm>
+      </p:grpSpPr>
+      <p:sp>
+        <p:nvSpPr>
+          <p:cNvPr id="2" name="Zástupný symbol pro obrázek snímku 1"/>
+          <p:cNvSpPr>
+            <a:spLocks noGrp="1" noRot="1" noChangeAspect="1"/>
+          </p:cNvSpPr>
+          <p:nvPr>
+            <p:ph type="sldImg"/>
+          </p:nvPr>
+        </p:nvSpPr>
+        <p:spPr/>
+      </p:sp>
+      <p:sp>
+        <p:nvSpPr>
+          <p:cNvPr id="3" name="Zástupný symbol pro poznámky 2"/>
+          <p:cNvSpPr>
+            <a:spLocks noGrp="1"/>
+          </p:cNvSpPr>
+          <p:nvPr>
+            <p:ph type="body" idx="1"/>
+          </p:nvPr>
+        </p:nvSpPr>
+        <p:spPr/>
+        <p:txBody>
+          <a:bodyPr/>
+          <a:lstStyle/>
+          <a:p>
+            <a:endParaRPr lang="cs-CZ" dirty="0"/>
+          </a:p>
+        </p:txBody>
+      </p:sp>
+      <p:sp>
+        <p:nvSpPr>
+          <p:cNvPr id="4" name="Zástupný symbol pro číslo snímku 3"/>
+          <p:cNvSpPr>
+            <a:spLocks noGrp="1"/>
+          </p:cNvSpPr>
+          <p:nvPr>
+            <p:ph type="sldNum" sz="quarter" idx="5"/>
+          </p:nvPr>
+        </p:nvSpPr>
+        <p:spPr/>
+        <p:txBody>
+          <a:bodyPr/>
+          <a:lstStyle/>
+          <a:p>
+            <a:fld id="{2392C61E-B012-4FBE-A281-EE11B83DE740}" type="slidenum">
+              <a:rPr lang="cs-CZ" smtClean="0"/>
+              <a:t>14</a:t>
+            </a:fld>
+            <a:endParaRPr lang="cs-CZ"/>
+          </a:p>
+        </p:txBody>
+      </p:sp>
+    </p:spTree>
+    <p:extLst>
+      <p:ext uri="{BB962C8B-B14F-4D97-AF65-F5344CB8AC3E}">
+        <p14:creationId xmlns:p14="http://schemas.microsoft.com/office/powerpoint/2010/main" val="2453941971"/>
       </p:ext>
     </p:extLst>
   </p:cSld>
@@ -662,10 +822,81 @@
           <a:bodyPr/>
           <a:lstStyle/>
           <a:p>
+            <a:pPr marL="0" marR="0" lvl="0" indent="0" algn="l" defTabSz="914400" rtl="0" eaLnBrk="1" fontAlgn="auto" latinLnBrk="0" hangingPunct="1">
+              <a:lnSpc>
+                <a:spcPct val="100000"/>
+              </a:lnSpc>
+              <a:spcBef>
+                <a:spcPts val="0"/>
+              </a:spcBef>
+              <a:spcAft>
+                <a:spcPts val="0"/>
+              </a:spcAft>
+              <a:buClrTx/>
+              <a:buSzTx/>
+              <a:buFontTx/>
+              <a:buNone/>
+              <a:tabLst/>
+              <a:defRPr/>
+            </a:pPr>
             <a:r>
               <a:rPr lang="cs-CZ" dirty="0"/>
-              <a:t>Během necelých 10 let se stal GNU zcela použitelným systémem, měl všechny důležité aplikace (systémové knihovny, textový editor,..) Chybělo jen jádro..</a:t>
-            </a:r>
+              <a:t>Během necelých 10 let se stal GNU zcela použitelným systémem, měl všechny důležité aplikace (systémové knihovny, textový editor,..) Chybělo jen jádro.. </a:t>
+            </a:r>
+            <a:r>
+              <a:rPr lang="cs-CZ" b="0" i="0" dirty="0">
+                <a:solidFill>
+                  <a:srgbClr val="000000"/>
+                </a:solidFill>
+                <a:effectLst/>
+                <a:latin typeface="Roboto" panose="02000000000000000000" pitchFamily="2" charset="0"/>
+              </a:rPr>
+              <a:t> Ve škole se totiž seznámil s unixovým operačním systémem </a:t>
+            </a:r>
+            <a:r>
+              <a:rPr lang="cs-CZ" b="0" i="0" dirty="0" err="1">
+                <a:solidFill>
+                  <a:srgbClr val="000000"/>
+                </a:solidFill>
+                <a:effectLst/>
+                <a:latin typeface="Roboto" panose="02000000000000000000" pitchFamily="2" charset="0"/>
+              </a:rPr>
+              <a:t>Minix</a:t>
+            </a:r>
+            <a:r>
+              <a:rPr lang="cs-CZ" b="0" i="0" dirty="0">
+                <a:solidFill>
+                  <a:srgbClr val="000000"/>
+                </a:solidFill>
+                <a:effectLst/>
+                <a:latin typeface="Roboto" panose="02000000000000000000" pitchFamily="2" charset="0"/>
+              </a:rPr>
+              <a:t>. unixový koncept se mu líbil a chtěl ho mít na svém </a:t>
+            </a:r>
+            <a:r>
+              <a:rPr lang="cs-CZ" b="0" i="0" dirty="0" err="1">
+                <a:solidFill>
+                  <a:srgbClr val="000000"/>
+                </a:solidFill>
+                <a:effectLst/>
+                <a:latin typeface="Roboto" panose="02000000000000000000" pitchFamily="2" charset="0"/>
+              </a:rPr>
+              <a:t>pc</a:t>
+            </a:r>
+            <a:r>
+              <a:rPr lang="cs-CZ" b="0" i="0" dirty="0">
+                <a:solidFill>
+                  <a:srgbClr val="000000"/>
+                </a:solidFill>
+                <a:effectLst/>
+                <a:latin typeface="Roboto" panose="02000000000000000000" pitchFamily="2" charset="0"/>
+              </a:rPr>
+              <a:t>.</a:t>
+            </a:r>
+            <a:endParaRPr lang="cs-CZ" dirty="0"/>
+          </a:p>
+          <a:p>
+            <a:endParaRPr lang="cs-CZ" dirty="0"/>
           </a:p>
         </p:txBody>
       </p:sp>
@@ -750,54 +981,54 @@
           <a:lstStyle/>
           <a:p>
             <a:r>
-              <a:rPr lang="cs-CZ" b="0" i="0" dirty="0">
+              <a:rPr lang="en-US" b="0" i="0" dirty="0">
                 <a:solidFill>
-                  <a:srgbClr val="000000"/>
+                  <a:srgbClr val="4D5156"/>
                 </a:solidFill>
                 <a:effectLst/>
-                <a:latin typeface="Roboto" panose="02000000000000000000" pitchFamily="2" charset="0"/>
-              </a:rPr>
-              <a:t> Ve škole se totiž seznámil s unixovým operačním systémem </a:t>
-            </a:r>
-            <a:r>
-              <a:rPr lang="cs-CZ" b="0" i="0" dirty="0" err="1">
+                <a:latin typeface="arial" panose="020B0604020202020204" pitchFamily="34" charset="0"/>
+              </a:rPr>
+              <a:t>GNU GPL je </a:t>
+            </a:r>
+            <a:r>
+              <a:rPr lang="en-US" b="0" i="0" dirty="0" err="1">
                 <a:solidFill>
-                  <a:srgbClr val="000000"/>
+                  <a:srgbClr val="4D5156"/>
                 </a:solidFill>
                 <a:effectLst/>
-                <a:latin typeface="Roboto" panose="02000000000000000000" pitchFamily="2" charset="0"/>
-              </a:rPr>
-              <a:t>Minix</a:t>
-            </a:r>
-            <a:r>
-              <a:rPr lang="cs-CZ" b="0" i="0" dirty="0">
+                <a:latin typeface="arial" panose="020B0604020202020204" pitchFamily="34" charset="0"/>
+              </a:rPr>
+              <a:t>licence</a:t>
+            </a:r>
+            <a:r>
+              <a:rPr lang="en-US" b="0" i="0" dirty="0">
                 <a:solidFill>
-                  <a:srgbClr val="000000"/>
+                  <a:srgbClr val="4D5156"/>
                 </a:solidFill>
                 <a:effectLst/>
-                <a:latin typeface="Roboto" panose="02000000000000000000" pitchFamily="2" charset="0"/>
-              </a:rPr>
-              <a:t>. unixový koncept se mu líbil a chtěl ho mít na svém </a:t>
-            </a:r>
-            <a:r>
-              <a:rPr lang="cs-CZ" b="0" i="0" dirty="0" err="1">
+                <a:latin typeface="arial" panose="020B0604020202020204" pitchFamily="34" charset="0"/>
+              </a:rPr>
+              <a:t> pro </a:t>
+            </a:r>
+            <a:r>
+              <a:rPr lang="en-US" b="0" i="0" dirty="0" err="1">
                 <a:solidFill>
-                  <a:srgbClr val="000000"/>
+                  <a:srgbClr val="4D5156"/>
                 </a:solidFill>
                 <a:effectLst/>
-                <a:latin typeface="Roboto" panose="02000000000000000000" pitchFamily="2" charset="0"/>
-              </a:rPr>
-              <a:t>pc</a:t>
-            </a:r>
-            <a:r>
-              <a:rPr lang="cs-CZ" b="0" i="0" dirty="0">
+                <a:latin typeface="arial" panose="020B0604020202020204" pitchFamily="34" charset="0"/>
+              </a:rPr>
+              <a:t>svobodný</a:t>
+            </a:r>
+            <a:r>
+              <a:rPr lang="en-US" b="0" i="0" dirty="0">
                 <a:solidFill>
-                  <a:srgbClr val="000000"/>
+                  <a:srgbClr val="4D5156"/>
                 </a:solidFill>
                 <a:effectLst/>
-                <a:latin typeface="Roboto" panose="02000000000000000000" pitchFamily="2" charset="0"/>
-              </a:rPr>
-              <a:t>.</a:t>
+                <a:latin typeface="arial" panose="020B0604020202020204" pitchFamily="34" charset="0"/>
+              </a:rPr>
+              <a:t> software</a:t>
             </a:r>
             <a:endParaRPr lang="cs-CZ" dirty="0"/>
           </a:p>
@@ -829,7 +1060,7 @@
     </p:spTree>
     <p:extLst>
       <p:ext uri="{BB962C8B-B14F-4D97-AF65-F5344CB8AC3E}">
-        <p14:creationId xmlns:p14="http://schemas.microsoft.com/office/powerpoint/2010/main" val="238153773"/>
+        <p14:creationId xmlns:p14="http://schemas.microsoft.com/office/powerpoint/2010/main" val="4040710463"/>
       </p:ext>
     </p:extLst>
   </p:cSld>
@@ -884,54 +1115,74 @@
           <a:lstStyle/>
           <a:p>
             <a:r>
-              <a:rPr lang="en-US" b="0" i="0" dirty="0">
+              <a:rPr lang="cs-CZ" b="0" i="0" dirty="0">
                 <a:solidFill>
-                  <a:srgbClr val="4D5156"/>
+                  <a:srgbClr val="202122"/>
                 </a:solidFill>
                 <a:effectLst/>
-                <a:latin typeface="arial" panose="020B0604020202020204" pitchFamily="34" charset="0"/>
-              </a:rPr>
-              <a:t>GNU GPL je </a:t>
-            </a:r>
-            <a:r>
-              <a:rPr lang="en-US" b="0" i="0" dirty="0" err="1">
+                <a:latin typeface="Arial" panose="020B0604020202020204" pitchFamily="34" charset="0"/>
+              </a:rPr>
+              <a:t> tučňák </a:t>
+            </a:r>
+            <a:r>
+              <a:rPr lang="cs-CZ" b="0" i="0" u="none" strike="noStrike" dirty="0" err="1">
                 <a:solidFill>
-                  <a:srgbClr val="4D5156"/>
+                  <a:srgbClr val="0645AD"/>
                 </a:solidFill>
                 <a:effectLst/>
-                <a:latin typeface="arial" panose="020B0604020202020204" pitchFamily="34" charset="0"/>
-              </a:rPr>
-              <a:t>licence</a:t>
-            </a:r>
-            <a:r>
-              <a:rPr lang="en-US" b="0" i="0" dirty="0">
+                <a:latin typeface="Arial" panose="020B0604020202020204" pitchFamily="34" charset="0"/>
+              </a:rPr>
+              <a:t>Tux</a:t>
+            </a:r>
+            <a:r>
+              <a:rPr lang="cs-CZ" b="0" i="0" u="none" strike="noStrike" dirty="0">
                 <a:solidFill>
-                  <a:srgbClr val="4D5156"/>
+                  <a:srgbClr val="0645AD"/>
                 </a:solidFill>
                 <a:effectLst/>
-                <a:latin typeface="arial" panose="020B0604020202020204" pitchFamily="34" charset="0"/>
-              </a:rPr>
-              <a:t> pro </a:t>
-            </a:r>
-            <a:r>
-              <a:rPr lang="en-US" b="0" i="0" dirty="0" err="1">
+                <a:latin typeface="Arial" panose="020B0604020202020204" pitchFamily="34" charset="0"/>
+              </a:rPr>
+              <a:t> 1996, </a:t>
+            </a:r>
+            <a:r>
+              <a:rPr lang="cs-CZ" b="0" i="0" dirty="0">
                 <a:solidFill>
-                  <a:srgbClr val="4D5156"/>
+                  <a:srgbClr val="202122"/>
                 </a:solidFill>
                 <a:effectLst/>
-                <a:latin typeface="arial" panose="020B0604020202020204" pitchFamily="34" charset="0"/>
-              </a:rPr>
-              <a:t>svobodný</a:t>
-            </a:r>
-            <a:r>
-              <a:rPr lang="en-US" b="0" i="0" dirty="0">
+                <a:latin typeface="Arial" panose="020B0604020202020204" pitchFamily="34" charset="0"/>
+              </a:rPr>
+              <a:t> </a:t>
+            </a:r>
+            <a:r>
+              <a:rPr lang="cs-CZ" b="0" i="0" u="none" strike="noStrike" dirty="0" err="1">
                 <a:solidFill>
-                  <a:srgbClr val="4D5156"/>
+                  <a:srgbClr val="BA0000"/>
                 </a:solidFill>
                 <a:effectLst/>
-                <a:latin typeface="arial" panose="020B0604020202020204" pitchFamily="34" charset="0"/>
-              </a:rPr>
-              <a:t> software</a:t>
+                <a:latin typeface="Arial" panose="020B0604020202020204" pitchFamily="34" charset="0"/>
+              </a:rPr>
+              <a:t>Ari</a:t>
+            </a:r>
+            <a:r>
+              <a:rPr lang="cs-CZ" b="0" i="0" u="none" strike="noStrike" dirty="0">
+                <a:solidFill>
+                  <a:srgbClr val="BA0000"/>
+                </a:solidFill>
+                <a:effectLst/>
+                <a:latin typeface="Arial" panose="020B0604020202020204" pitchFamily="34" charset="0"/>
+              </a:rPr>
+              <a:t> </a:t>
+            </a:r>
+            <a:r>
+              <a:rPr lang="cs-CZ" b="0" i="0" u="none" strike="noStrike" dirty="0" err="1">
+                <a:solidFill>
+                  <a:srgbClr val="BA0000"/>
+                </a:solidFill>
+                <a:effectLst/>
+                <a:latin typeface="Arial" panose="020B0604020202020204" pitchFamily="34" charset="0"/>
+              </a:rPr>
+              <a:t>Lemmke</a:t>
             </a:r>
             <a:endParaRPr lang="cs-CZ" dirty="0"/>
           </a:p>
@@ -963,7 +1214,7 @@
     </p:spTree>
     <p:extLst>
       <p:ext uri="{BB962C8B-B14F-4D97-AF65-F5344CB8AC3E}">
-        <p14:creationId xmlns:p14="http://schemas.microsoft.com/office/powerpoint/2010/main" val="4040710463"/>
+        <p14:creationId xmlns:p14="http://schemas.microsoft.com/office/powerpoint/2010/main" val="22119155"/>
       </p:ext>
     </p:extLst>
   </p:cSld>
@@ -1017,76 +1268,274 @@
           <a:bodyPr/>
           <a:lstStyle/>
           <a:p>
-            <a:r>
-              <a:rPr lang="cs-CZ" b="0" i="0" dirty="0">
+            <a:pPr marL="0" marR="0" lvl="0" indent="0" algn="l" defTabSz="914400" rtl="0" eaLnBrk="1" fontAlgn="auto" latinLnBrk="0" hangingPunct="1">
+              <a:lnSpc>
+                <a:spcPct val="100000"/>
+              </a:lnSpc>
+              <a:spcBef>
+                <a:spcPts val="0"/>
+              </a:spcBef>
+              <a:spcAft>
+                <a:spcPts val="0"/>
+              </a:spcAft>
+              <a:buClrTx/>
+              <a:buSzTx/>
+              <a:buFontTx/>
+              <a:buNone/>
+              <a:tabLst/>
+              <a:defRPr/>
+            </a:pPr>
+            <a:r>
+              <a:rPr lang="cs-CZ" dirty="0"/>
+              <a:t>Nejoblíbenější L. distribuce=1. MX Linux,2. </a:t>
+            </a:r>
+            <a:r>
+              <a:rPr lang="cs-CZ" b="1" i="0" dirty="0" err="1">
+                <a:solidFill>
+                  <a:srgbClr val="000000"/>
+                </a:solidFill>
+                <a:effectLst/>
+                <a:latin typeface="Noticia Text"/>
+              </a:rPr>
+              <a:t>Manjaro</a:t>
+            </a:r>
+            <a:r>
+              <a:rPr lang="cs-CZ" b="1" i="0" dirty="0">
+                <a:solidFill>
+                  <a:srgbClr val="000000"/>
+                </a:solidFill>
+                <a:effectLst/>
+                <a:latin typeface="Noticia Text"/>
+              </a:rPr>
+              <a:t> Linux, 3. místo: Linux </a:t>
+            </a:r>
+            <a:r>
+              <a:rPr lang="cs-CZ" b="1" i="1" u="sng" dirty="0" err="1">
+                <a:solidFill>
+                  <a:srgbClr val="000000"/>
+                </a:solidFill>
+                <a:effectLst/>
+                <a:latin typeface="Noticia Text"/>
+              </a:rPr>
+              <a:t>Mint</a:t>
+            </a:r>
+            <a:r>
+              <a:rPr lang="cs-CZ" b="1" i="1" u="sng" dirty="0">
+                <a:solidFill>
+                  <a:srgbClr val="000000"/>
+                </a:solidFill>
+                <a:effectLst/>
+                <a:latin typeface="Noticia Text"/>
+              </a:rPr>
+              <a:t> </a:t>
+            </a:r>
+            <a:endParaRPr lang="cs-CZ" b="1" i="1" u="sng" dirty="0">
+              <a:solidFill>
+                <a:srgbClr val="FF0000"/>
+              </a:solidFill>
+              <a:effectLst/>
+              <a:highlight>
+                <a:srgbClr val="FFFF00"/>
+              </a:highlight>
+              <a:latin typeface="Noticia Text"/>
+            </a:endParaRPr>
+          </a:p>
+          <a:p>
+            <a:pPr marL="0" marR="0" lvl="0" indent="0" algn="l" defTabSz="914400" rtl="0" eaLnBrk="1" fontAlgn="auto" latinLnBrk="0" hangingPunct="1">
+              <a:lnSpc>
+                <a:spcPct val="100000"/>
+              </a:lnSpc>
+              <a:spcBef>
+                <a:spcPts val="0"/>
+              </a:spcBef>
+              <a:spcAft>
+                <a:spcPts val="0"/>
+              </a:spcAft>
+              <a:buClrTx/>
+              <a:buSzTx/>
+              <a:buFontTx/>
+              <a:buNone/>
+              <a:tabLst/>
+              <a:defRPr/>
+            </a:pPr>
+            <a:r>
+              <a:rPr lang="cs-CZ" b="1" i="0" dirty="0">
+                <a:solidFill>
+                  <a:srgbClr val="000000"/>
+                </a:solidFill>
+                <a:effectLst/>
+                <a:latin typeface="Noticia Text"/>
+              </a:rPr>
+              <a:t> Utility=pomocný programy </a:t>
+            </a:r>
+          </a:p>
+          <a:p>
+            <a:pPr marL="0" marR="0" lvl="0" indent="0" algn="l" defTabSz="914400" rtl="0" eaLnBrk="1" fontAlgn="auto" latinLnBrk="0" hangingPunct="1">
+              <a:lnSpc>
+                <a:spcPct val="100000"/>
+              </a:lnSpc>
+              <a:spcBef>
+                <a:spcPts val="0"/>
+              </a:spcBef>
+              <a:spcAft>
+                <a:spcPts val="0"/>
+              </a:spcAft>
+              <a:buClrTx/>
+              <a:buSzTx/>
+              <a:buFontTx/>
+              <a:buNone/>
+              <a:tabLst/>
+              <a:defRPr/>
+            </a:pPr>
+            <a:r>
+              <a:rPr lang="cs-CZ" b="1" i="0" u="sng" dirty="0">
                 <a:solidFill>
                   <a:srgbClr val="202122"/>
                 </a:solidFill>
                 <a:effectLst/>
                 <a:latin typeface="Arial" panose="020B0604020202020204" pitchFamily="34" charset="0"/>
               </a:rPr>
-              <a:t> tučňák </a:t>
-            </a:r>
-            <a:r>
-              <a:rPr lang="cs-CZ" b="0" i="0" u="none" strike="noStrike" dirty="0" err="1">
+              <a:t>Protože jsou nástroje i aplikace na Internetu dostupné v podobě </a:t>
+            </a:r>
+            <a:r>
+              <a:rPr lang="cs-CZ" b="1" i="0" u="sng" strike="noStrike" dirty="0">
                 <a:solidFill>
                   <a:srgbClr val="0645AD"/>
                 </a:solidFill>
                 <a:effectLst/>
                 <a:latin typeface="Arial" panose="020B0604020202020204" pitchFamily="34" charset="0"/>
-              </a:rPr>
-              <a:t>Tux</a:t>
-            </a:r>
-            <a:r>
-              <a:rPr lang="cs-CZ" b="0" i="0" u="none" strike="noStrike" dirty="0">
+                <a:hlinkClick r:id="rId3" tooltip="Zdrojový kód"/>
+              </a:rPr>
+              <a:t>zdrojových kódů</a:t>
+            </a:r>
+            <a:r>
+              <a:rPr lang="cs-CZ" b="1" i="0" u="sng" dirty="0">
+                <a:solidFill>
+                  <a:srgbClr val="202122"/>
+                </a:solidFill>
+                <a:effectLst/>
+                <a:latin typeface="Arial" panose="020B0604020202020204" pitchFamily="34" charset="0"/>
+              </a:rPr>
+              <a:t>, které je nejprve nutné </a:t>
+            </a:r>
+            <a:r>
+              <a:rPr lang="cs-CZ" b="1" i="0" u="sng" strike="noStrike" dirty="0">
                 <a:solidFill>
                   <a:srgbClr val="0645AD"/>
                 </a:solidFill>
                 <a:effectLst/>
                 <a:latin typeface="Arial" panose="020B0604020202020204" pitchFamily="34" charset="0"/>
-              </a:rPr>
-              <a:t> 1996, </a:t>
-            </a:r>
-            <a:r>
-              <a:rPr lang="cs-CZ" b="0" i="0" dirty="0">
+                <a:hlinkClick r:id="rId4" tooltip="Překladač"/>
+              </a:rPr>
+              <a:t>přeložit</a:t>
+            </a:r>
+            <a:r>
+              <a:rPr lang="cs-CZ" b="1" i="0" u="sng" dirty="0">
                 <a:solidFill>
                   <a:srgbClr val="202122"/>
                 </a:solidFill>
                 <a:effectLst/>
                 <a:latin typeface="Arial" panose="020B0604020202020204" pitchFamily="34" charset="0"/>
               </a:rPr>
-              <a:t> </a:t>
-            </a:r>
-            <a:r>
-              <a:rPr lang="cs-CZ" b="0" i="0" u="none" strike="noStrike" dirty="0" err="1">
+              <a:t> do formy </a:t>
+            </a:r>
+            <a:r>
+              <a:rPr lang="cs-CZ" b="1" i="0" u="sng" strike="noStrike" dirty="0">
                 <a:solidFill>
-                  <a:srgbClr val="BA0000"/>
+                  <a:srgbClr val="0645AD"/>
                 </a:solidFill>
                 <a:effectLst/>
                 <a:latin typeface="Arial" panose="020B0604020202020204" pitchFamily="34" charset="0"/>
-              </a:rPr>
-              <a:t>Ari</a:t>
-            </a:r>
-            <a:r>
-              <a:rPr lang="cs-CZ" b="0" i="0" u="none" strike="noStrike" dirty="0">
+                <a:hlinkClick r:id="rId5" tooltip="Spustitelný soubor"/>
+              </a:rPr>
+              <a:t>spustitelných souborů</a:t>
+            </a:r>
+            <a:r>
+              <a:rPr lang="cs-CZ" b="1" i="0" u="sng" dirty="0">
                 <a:solidFill>
-                  <a:srgbClr val="BA0000"/>
+                  <a:srgbClr val="202122"/>
                 </a:solidFill>
                 <a:effectLst/>
                 <a:latin typeface="Arial" panose="020B0604020202020204" pitchFamily="34" charset="0"/>
               </a:rPr>
-              <a:t> </a:t>
-            </a:r>
-            <a:r>
-              <a:rPr lang="cs-CZ" b="0" i="0" u="none" strike="noStrike" dirty="0" err="1">
+              <a:t>, bylo by pro uživatele velmi nepohodlné proto existují takzvané </a:t>
+            </a:r>
+            <a:r>
+              <a:rPr lang="cs-CZ" b="1" i="1" u="sng" dirty="0">
                 <a:solidFill>
-                  <a:srgbClr val="BA0000"/>
+                  <a:srgbClr val="202122"/>
                 </a:solidFill>
                 <a:effectLst/>
                 <a:latin typeface="Arial" panose="020B0604020202020204" pitchFamily="34" charset="0"/>
               </a:rPr>
-              <a:t>Lemmke</a:t>
-            </a:r>
+              <a:t>distribuce</a:t>
+            </a:r>
+            <a:r>
+              <a:rPr lang="cs-CZ" b="1" i="0" u="sng" dirty="0">
+                <a:solidFill>
+                  <a:srgbClr val="202122"/>
+                </a:solidFill>
+                <a:effectLst/>
+                <a:latin typeface="Arial" panose="020B0604020202020204" pitchFamily="34" charset="0"/>
+              </a:rPr>
+              <a:t>, které obsahují vše potřebné v úhledném balení – přeložené </a:t>
+            </a:r>
+            <a:r>
+              <a:rPr lang="cs-CZ" b="1" i="0" u="sng" strike="noStrike" dirty="0">
+                <a:solidFill>
+                  <a:srgbClr val="0645AD"/>
+                </a:solidFill>
+                <a:effectLst/>
+                <a:latin typeface="Arial" panose="020B0604020202020204" pitchFamily="34" charset="0"/>
+                <a:hlinkClick r:id="rId6" tooltip="Binární soubor"/>
+              </a:rPr>
+              <a:t>binární soubory</a:t>
+            </a:r>
+            <a:r>
+              <a:rPr lang="cs-CZ" b="1" i="0" u="sng" dirty="0">
+                <a:solidFill>
+                  <a:srgbClr val="202122"/>
+                </a:solidFill>
+                <a:effectLst/>
+                <a:latin typeface="Arial" panose="020B0604020202020204" pitchFamily="34" charset="0"/>
+              </a:rPr>
+              <a:t> včetně instalačního programu</a:t>
+            </a:r>
+            <a:endParaRPr lang="cs-CZ" b="1" i="0" u="sng" dirty="0">
+              <a:solidFill>
+                <a:srgbClr val="000000"/>
+              </a:solidFill>
+              <a:effectLst/>
+              <a:latin typeface="Noticia Text"/>
+            </a:endParaRPr>
+          </a:p>
+          <a:p>
+            <a:pPr marL="0" marR="0" lvl="0" indent="0" algn="l" defTabSz="914400" rtl="0" eaLnBrk="1" fontAlgn="auto" latinLnBrk="0" hangingPunct="1">
+              <a:lnSpc>
+                <a:spcPct val="100000"/>
+              </a:lnSpc>
+              <a:spcBef>
+                <a:spcPts val="0"/>
+              </a:spcBef>
+              <a:spcAft>
+                <a:spcPts val="0"/>
+              </a:spcAft>
+              <a:buClrTx/>
+              <a:buSzTx/>
+              <a:buFontTx/>
+              <a:buNone/>
+              <a:tabLst/>
+              <a:defRPr/>
+            </a:pPr>
+            <a:endParaRPr lang="cs-CZ" b="1" i="0" dirty="0">
+              <a:solidFill>
+                <a:srgbClr val="000000"/>
+              </a:solidFill>
+              <a:effectLst/>
+              <a:latin typeface="Noticia Text"/>
+            </a:endParaRPr>
+          </a:p>
+          <a:p>
             <a:endParaRPr lang="cs-CZ" dirty="0"/>
           </a:p>
         </p:txBody>
@@ -1117,7 +1566,7 @@
     </p:spTree>
     <p:extLst>
       <p:ext uri="{BB962C8B-B14F-4D97-AF65-F5344CB8AC3E}">
-        <p14:creationId xmlns:p14="http://schemas.microsoft.com/office/powerpoint/2010/main" val="22119155"/>
+        <p14:creationId xmlns:p14="http://schemas.microsoft.com/office/powerpoint/2010/main" val="1494332809"/>
       </p:ext>
     </p:extLst>
   </p:cSld>
@@ -1171,275 +1620,14 @@
           <a:bodyPr/>
           <a:lstStyle/>
           <a:p>
-            <a:pPr marL="0" marR="0" lvl="0" indent="0" algn="l" defTabSz="914400" rtl="0" eaLnBrk="1" fontAlgn="auto" latinLnBrk="0" hangingPunct="1">
-              <a:lnSpc>
-                <a:spcPct val="100000"/>
-              </a:lnSpc>
-              <a:spcBef>
-                <a:spcPts val="0"/>
-              </a:spcBef>
-              <a:spcAft>
-                <a:spcPts val="0"/>
-              </a:spcAft>
-              <a:buClrTx/>
-              <a:buSzTx/>
-              <a:buFontTx/>
-              <a:buNone/>
-              <a:tabLst/>
-              <a:defRPr/>
-            </a:pPr>
+            <a:r>
+              <a:rPr lang="cs-CZ" dirty="0" err="1"/>
+              <a:t>Jádro+systémové</a:t>
+            </a:r>
             <a:r>
               <a:rPr lang="cs-CZ" dirty="0"/>
-              <a:t>Nejoblíbenější L. distribuce=1. MX Linux,2. </a:t>
-            </a:r>
-            <a:r>
-              <a:rPr lang="cs-CZ" b="1" i="0" dirty="0" err="1">
-                <a:solidFill>
-                  <a:srgbClr val="000000"/>
-                </a:solidFill>
-                <a:effectLst/>
-                <a:latin typeface="Noticia Text"/>
-              </a:rPr>
-              <a:t>Manjaro</a:t>
-            </a:r>
-            <a:r>
-              <a:rPr lang="cs-CZ" b="1" i="0" dirty="0">
-                <a:solidFill>
-                  <a:srgbClr val="000000"/>
-                </a:solidFill>
-                <a:effectLst/>
-                <a:latin typeface="Noticia Text"/>
-              </a:rPr>
-              <a:t> Linux, 3. místo: Linux </a:t>
-            </a:r>
-            <a:r>
-              <a:rPr lang="cs-CZ" b="1" i="1" u="sng" dirty="0" err="1">
-                <a:solidFill>
-                  <a:srgbClr val="000000"/>
-                </a:solidFill>
-                <a:effectLst/>
-                <a:latin typeface="Noticia Text"/>
-              </a:rPr>
-              <a:t>Mint</a:t>
-            </a:r>
-            <a:r>
-              <a:rPr lang="cs-CZ" b="1" i="1" u="sng" dirty="0">
-                <a:solidFill>
-                  <a:srgbClr val="000000"/>
-                </a:solidFill>
-                <a:effectLst/>
-                <a:latin typeface="Noticia Text"/>
-              </a:rPr>
-              <a:t> </a:t>
-            </a:r>
-            <a:endParaRPr lang="cs-CZ" b="1" i="1" u="sng" dirty="0">
-              <a:solidFill>
-                <a:srgbClr val="FF0000"/>
-              </a:solidFill>
-              <a:effectLst/>
-              <a:highlight>
-                <a:srgbClr val="FFFF00"/>
-              </a:highlight>
-              <a:latin typeface="Noticia Text"/>
-            </a:endParaRPr>
-          </a:p>
-          <a:p>
-            <a:pPr marL="0" marR="0" lvl="0" indent="0" algn="l" defTabSz="914400" rtl="0" eaLnBrk="1" fontAlgn="auto" latinLnBrk="0" hangingPunct="1">
-              <a:lnSpc>
-                <a:spcPct val="100000"/>
-              </a:lnSpc>
-              <a:spcBef>
-                <a:spcPts val="0"/>
-              </a:spcBef>
-              <a:spcAft>
-                <a:spcPts val="0"/>
-              </a:spcAft>
-              <a:buClrTx/>
-              <a:buSzTx/>
-              <a:buFontTx/>
-              <a:buNone/>
-              <a:tabLst/>
-              <a:defRPr/>
-            </a:pPr>
-            <a:r>
-              <a:rPr lang="cs-CZ" b="1" i="0" dirty="0">
-                <a:solidFill>
-                  <a:srgbClr val="000000"/>
-                </a:solidFill>
-                <a:effectLst/>
-                <a:latin typeface="Noticia Text"/>
-              </a:rPr>
-              <a:t> Utility=pomocný programy </a:t>
-            </a:r>
-          </a:p>
-          <a:p>
-            <a:pPr marL="0" marR="0" lvl="0" indent="0" algn="l" defTabSz="914400" rtl="0" eaLnBrk="1" fontAlgn="auto" latinLnBrk="0" hangingPunct="1">
-              <a:lnSpc>
-                <a:spcPct val="100000"/>
-              </a:lnSpc>
-              <a:spcBef>
-                <a:spcPts val="0"/>
-              </a:spcBef>
-              <a:spcAft>
-                <a:spcPts val="0"/>
-              </a:spcAft>
-              <a:buClrTx/>
-              <a:buSzTx/>
-              <a:buFontTx/>
-              <a:buNone/>
-              <a:tabLst/>
-              <a:defRPr/>
-            </a:pPr>
-            <a:r>
-              <a:rPr lang="cs-CZ" b="1" i="0" u="sng" dirty="0">
-                <a:solidFill>
-                  <a:srgbClr val="202122"/>
-                </a:solidFill>
-                <a:effectLst/>
-                <a:latin typeface="Arial" panose="020B0604020202020204" pitchFamily="34" charset="0"/>
-              </a:rPr>
-              <a:t>Protože jsou nástroje i aplikace na Internetu dostupné v podobě </a:t>
-            </a:r>
-            <a:r>
-              <a:rPr lang="cs-CZ" b="1" i="0" u="sng" strike="noStrike" dirty="0">
-                <a:solidFill>
-                  <a:srgbClr val="0645AD"/>
-                </a:solidFill>
-                <a:effectLst/>
-                <a:latin typeface="Arial" panose="020B0604020202020204" pitchFamily="34" charset="0"/>
-                <a:hlinkClick r:id="rId3" tooltip="Zdrojový kód"/>
-              </a:rPr>
-              <a:t>zdrojových kódů</a:t>
-            </a:r>
-            <a:r>
-              <a:rPr lang="cs-CZ" b="1" i="0" u="sng" dirty="0">
-                <a:solidFill>
-                  <a:srgbClr val="202122"/>
-                </a:solidFill>
-                <a:effectLst/>
-                <a:latin typeface="Arial" panose="020B0604020202020204" pitchFamily="34" charset="0"/>
-              </a:rPr>
-              <a:t>, které je nejprve nutné </a:t>
-            </a:r>
-            <a:r>
-              <a:rPr lang="cs-CZ" b="1" i="0" u="sng" strike="noStrike" dirty="0">
-                <a:solidFill>
-                  <a:srgbClr val="0645AD"/>
-                </a:solidFill>
-                <a:effectLst/>
-                <a:latin typeface="Arial" panose="020B0604020202020204" pitchFamily="34" charset="0"/>
-                <a:hlinkClick r:id="rId4" tooltip="Překladač"/>
-              </a:rPr>
-              <a:t>přeložit</a:t>
-            </a:r>
-            <a:r>
-              <a:rPr lang="cs-CZ" b="1" i="0" u="sng" dirty="0">
-                <a:solidFill>
-                  <a:srgbClr val="202122"/>
-                </a:solidFill>
-                <a:effectLst/>
-                <a:latin typeface="Arial" panose="020B0604020202020204" pitchFamily="34" charset="0"/>
-              </a:rPr>
-              <a:t> do formy </a:t>
-            </a:r>
-            <a:r>
-              <a:rPr lang="cs-CZ" b="1" i="0" u="sng" strike="noStrike" dirty="0">
-                <a:solidFill>
-                  <a:srgbClr val="0645AD"/>
-                </a:solidFill>
-                <a:effectLst/>
-                <a:latin typeface="Arial" panose="020B0604020202020204" pitchFamily="34" charset="0"/>
-                <a:hlinkClick r:id="rId5" tooltip="Spustitelný soubor"/>
-              </a:rPr>
-              <a:t>spustitelných souborů</a:t>
-            </a:r>
-            <a:r>
-              <a:rPr lang="cs-CZ" b="1" i="0" u="sng" dirty="0">
-                <a:solidFill>
-                  <a:srgbClr val="202122"/>
-                </a:solidFill>
-                <a:effectLst/>
-                <a:latin typeface="Arial" panose="020B0604020202020204" pitchFamily="34" charset="0"/>
-              </a:rPr>
-              <a:t>, bylo by pro uživatele velmi nepohodlné proto existují takzvané </a:t>
-            </a:r>
-            <a:r>
-              <a:rPr lang="cs-CZ" b="1" i="1" u="sng" dirty="0">
-                <a:solidFill>
-                  <a:srgbClr val="202122"/>
-                </a:solidFill>
-                <a:effectLst/>
-                <a:latin typeface="Arial" panose="020B0604020202020204" pitchFamily="34" charset="0"/>
-              </a:rPr>
-              <a:t>distribuce</a:t>
-            </a:r>
-            <a:r>
-              <a:rPr lang="cs-CZ" b="1" i="0" u="sng" dirty="0">
-                <a:solidFill>
-                  <a:srgbClr val="202122"/>
-                </a:solidFill>
-                <a:effectLst/>
-                <a:latin typeface="Arial" panose="020B0604020202020204" pitchFamily="34" charset="0"/>
-              </a:rPr>
-              <a:t>, které obsahují vše potřebné v úhledném balení – přeložené </a:t>
-            </a:r>
-            <a:r>
-              <a:rPr lang="cs-CZ" b="1" i="0" u="sng" strike="noStrike" dirty="0">
-                <a:solidFill>
-                  <a:srgbClr val="0645AD"/>
-                </a:solidFill>
-                <a:effectLst/>
-                <a:latin typeface="Arial" panose="020B0604020202020204" pitchFamily="34" charset="0"/>
-                <a:hlinkClick r:id="rId6" tooltip="Binární soubor"/>
-              </a:rPr>
-              <a:t>binární soubory</a:t>
-            </a:r>
-            <a:r>
-              <a:rPr lang="cs-CZ" b="1" i="0" u="sng" dirty="0">
-                <a:solidFill>
-                  <a:srgbClr val="202122"/>
-                </a:solidFill>
-                <a:effectLst/>
-                <a:latin typeface="Arial" panose="020B0604020202020204" pitchFamily="34" charset="0"/>
-              </a:rPr>
-              <a:t> včetně instalačního programu</a:t>
-            </a:r>
-            <a:endParaRPr lang="cs-CZ" b="1" i="0" u="sng" dirty="0">
-              <a:solidFill>
-                <a:srgbClr val="000000"/>
-              </a:solidFill>
-              <a:effectLst/>
-              <a:latin typeface="Noticia Text"/>
-            </a:endParaRPr>
-          </a:p>
-          <a:p>
-            <a:pPr marL="0" marR="0" lvl="0" indent="0" algn="l" defTabSz="914400" rtl="0" eaLnBrk="1" fontAlgn="auto" latinLnBrk="0" hangingPunct="1">
-              <a:lnSpc>
-                <a:spcPct val="100000"/>
-              </a:lnSpc>
-              <a:spcBef>
-                <a:spcPts val="0"/>
-              </a:spcBef>
-              <a:spcAft>
-                <a:spcPts val="0"/>
-              </a:spcAft>
-              <a:buClrTx/>
-              <a:buSzTx/>
-              <a:buFontTx/>
-              <a:buNone/>
-              <a:tabLst/>
-              <a:defRPr/>
-            </a:pPr>
-            <a:endParaRPr lang="cs-CZ" b="1" i="0" dirty="0">
-              <a:solidFill>
-                <a:srgbClr val="000000"/>
-              </a:solidFill>
-              <a:effectLst/>
-              <a:latin typeface="Noticia Text"/>
-            </a:endParaRPr>
-          </a:p>
-          <a:p>
-            <a:endParaRPr lang="cs-CZ" dirty="0"/>
+              <a:t> programy=linuxová distribuce</a:t>
+            </a:r>
           </a:p>
         </p:txBody>
       </p:sp>
@@ -1469,7 +1657,7 @@
     </p:spTree>
     <p:extLst>
       <p:ext uri="{BB962C8B-B14F-4D97-AF65-F5344CB8AC3E}">
-        <p14:creationId xmlns:p14="http://schemas.microsoft.com/office/powerpoint/2010/main" val="1494332809"/>
+        <p14:creationId xmlns:p14="http://schemas.microsoft.com/office/powerpoint/2010/main" val="4109816928"/>
       </p:ext>
     </p:extLst>
   </p:cSld>
@@ -1836,7 +2024,7 @@
           <a:p>
             <a:fld id="{2392C61E-B012-4FBE-A281-EE11B83DE740}" type="slidenum">
               <a:rPr lang="cs-CZ" smtClean="0"/>
-              <a:t>10</a:t>
+              <a:t>9</a:t>
             </a:fld>
             <a:endParaRPr lang="cs-CZ"/>
           </a:p>
@@ -1930,7 +2118,7 @@
           <a:p>
             <a:fld id="{2392C61E-B012-4FBE-A281-EE11B83DE740}" type="slidenum">
               <a:rPr lang="cs-CZ" smtClean="0"/>
-              <a:t>11</a:t>
+              <a:t>10</a:t>
             </a:fld>
             <a:endParaRPr lang="cs-CZ"/>
           </a:p>
@@ -1995,11 +2183,11 @@
           <a:p>
             <a:r>
               <a:rPr lang="cs-CZ" dirty="0"/>
-              <a:t>Shell=jazyk v </a:t>
+              <a:t>Tvorba grafického rozhraní v </a:t>
             </a:r>
             <a:r>
               <a:rPr lang="cs-CZ" dirty="0" err="1"/>
-              <a:t>cmd</a:t>
+              <a:t>Glade</a:t>
             </a:r>
             <a:endParaRPr lang="cs-CZ" dirty="0"/>
           </a:p>
@@ -2031,7 +2219,7 @@
     </p:spTree>
     <p:extLst>
       <p:ext uri="{BB962C8B-B14F-4D97-AF65-F5344CB8AC3E}">
-        <p14:creationId xmlns:p14="http://schemas.microsoft.com/office/powerpoint/2010/main" val="3992470682"/>
+        <p14:creationId xmlns:p14="http://schemas.microsoft.com/office/powerpoint/2010/main" val="3433888549"/>
       </p:ext>
     </p:extLst>
   </p:cSld>
@@ -2315,7 +2503,7 @@
           <a:p>
             <a:fld id="{78ABE3C1-DBE1-495D-B57B-2849774B866A}" type="datetimeFigureOut">
               <a:rPr lang="en-US" dirty="0"/>
-              <a:t>1/17/2023</a:t>
+              <a:t>1/18/2023</a:t>
             </a:fld>
             <a:endParaRPr lang="en-US" dirty="0"/>
           </a:p>
@@ -2724,7 +2912,7 @@
           <a:p>
             <a:fld id="{446C117F-5CCF-4837-BE5F-2B92066CAFAF}" type="datetimeFigureOut">
               <a:rPr lang="en-US" dirty="0"/>
-              <a:t>1/17/2023</a:t>
+              <a:t>1/18/2023</a:t>
             </a:fld>
             <a:endParaRPr lang="en-US" dirty="0"/>
           </a:p>
@@ -3055,7 +3243,7 @@
           <a:p>
             <a:fld id="{84EB90BD-B6CE-46B7-997F-7313B992CCDC}" type="datetimeFigureOut">
               <a:rPr lang="en-US" dirty="0"/>
-              <a:t>1/17/2023</a:t>
+              <a:t>1/18/2023</a:t>
             </a:fld>
             <a:endParaRPr lang="en-US" dirty="0"/>
           </a:p>
@@ -3455,7 +3643,7 @@
           <a:p>
             <a:fld id="{CDB9D11F-B188-461D-B23F-39381795C052}" type="datetimeFigureOut">
               <a:rPr lang="en-US" dirty="0"/>
-              <a:t>1/17/2023</a:t>
+              <a:t>1/18/2023</a:t>
             </a:fld>
             <a:endParaRPr lang="en-US" dirty="0"/>
           </a:p>
@@ -4018,7 +4206,7 @@
           <a:p>
             <a:fld id="{52E6D8D9-55A2-4063-B0F3-121F44549695}" type="datetimeFigureOut">
               <a:rPr lang="en-US" dirty="0"/>
-              <a:t>1/17/2023</a:t>
+              <a:t>1/18/2023</a:t>
             </a:fld>
             <a:endParaRPr lang="en-US" dirty="0"/>
           </a:p>
@@ -4694,7 +4882,7 @@
           <a:p>
             <a:fld id="{D4B24536-994D-4021-A283-9F449C0DB509}" type="datetimeFigureOut">
               <a:rPr lang="en-US" dirty="0"/>
-              <a:t>1/17/2023</a:t>
+              <a:t>1/18/2023</a:t>
             </a:fld>
             <a:endParaRPr lang="en-US" dirty="0"/>
           </a:p>
@@ -5602,7 +5790,7 @@
           <a:p>
             <a:fld id="{3CBBBB78-C96F-47B7-AB17-D852CA960AC9}" type="datetimeFigureOut">
               <a:rPr lang="en-US" dirty="0"/>
-              <a:t>1/17/2023</a:t>
+              <a:t>1/18/2023</a:t>
             </a:fld>
             <a:endParaRPr lang="en-US" dirty="0"/>
           </a:p>
@@ -5910,7 +6098,7 @@
           <a:p>
             <a:fld id="{1FA3F48C-C7C6-4055-9F49-3777875E72AE}" type="datetimeFigureOut">
               <a:rPr lang="en-US" dirty="0"/>
-              <a:t>1/17/2023</a:t>
+              <a:t>1/18/2023</a:t>
             </a:fld>
             <a:endParaRPr lang="en-US" dirty="0"/>
           </a:p>
@@ -6169,7 +6357,7 @@
           <a:p>
             <a:fld id="{6178E61D-D431-422C-9764-11DAFE33AB63}" type="datetimeFigureOut">
               <a:rPr lang="en-US" dirty="0"/>
-              <a:t>1/17/2023</a:t>
+              <a:t>1/18/2023</a:t>
             </a:fld>
             <a:endParaRPr lang="en-US" dirty="0"/>
           </a:p>
@@ -6488,7 +6676,7 @@
           <a:p>
             <a:fld id="{12DE42F4-6EEF-4EF7-8ED4-2208F0F89A08}" type="datetimeFigureOut">
               <a:rPr lang="en-US" dirty="0"/>
-              <a:t>1/17/2023</a:t>
+              <a:t>1/18/2023</a:t>
             </a:fld>
             <a:endParaRPr lang="en-US" dirty="0"/>
           </a:p>
@@ -6872,7 +7060,7 @@
           <a:p>
             <a:fld id="{30578ACC-22D6-47C1-A373-4FD133E34F3C}" type="datetimeFigureOut">
               <a:rPr lang="en-US" dirty="0"/>
-              <a:t>1/17/2023</a:t>
+              <a:t>1/18/2023</a:t>
             </a:fld>
             <a:endParaRPr lang="en-US" dirty="0"/>
           </a:p>
@@ -7243,7 +7431,7 @@
           <a:p>
             <a:fld id="{4E5A6C69-6797-4E8A-BF37-F2C3751466E9}" type="datetimeFigureOut">
               <a:rPr lang="en-US" dirty="0"/>
-              <a:t>1/17/2023</a:t>
+              <a:t>1/18/2023</a:t>
             </a:fld>
             <a:endParaRPr lang="en-US" dirty="0"/>
           </a:p>
@@ -7744,7 +7932,7 @@
           <a:p>
             <a:fld id="{D82014A1-A632-4878-A0D3-F52BA7563730}" type="datetimeFigureOut">
               <a:rPr lang="en-US" dirty="0"/>
-              <a:t>1/17/2023</a:t>
+              <a:t>1/18/2023</a:t>
             </a:fld>
             <a:endParaRPr lang="en-US" dirty="0"/>
           </a:p>
@@ -7996,7 +8184,7 @@
           <a:p>
             <a:fld id="{CE99F462-093F-4566-844B-4C71F2739DA5}" type="datetimeFigureOut">
               <a:rPr lang="en-US" dirty="0"/>
-              <a:t>1/17/2023</a:t>
+              <a:t>1/18/2023</a:t>
             </a:fld>
             <a:endParaRPr lang="en-US" dirty="0"/>
           </a:p>
@@ -8154,7 +8342,7 @@
           <a:p>
             <a:fld id="{3D24A7AC-904D-4781-85BA-7D10C17ED021}" type="datetimeFigureOut">
               <a:rPr lang="en-US" dirty="0"/>
-              <a:t>1/17/2023</a:t>
+              <a:t>1/18/2023</a:t>
             </a:fld>
             <a:endParaRPr lang="en-US" dirty="0"/>
           </a:p>
@@ -8539,7 +8727,7 @@
           <a:p>
             <a:fld id="{E331444B-B92B-4E27-8C94-BB93EAF5CB18}" type="datetimeFigureOut">
               <a:rPr lang="en-US" dirty="0"/>
-              <a:t>1/17/2023</a:t>
+              <a:t>1/18/2023</a:t>
             </a:fld>
             <a:endParaRPr lang="en-US" dirty="0"/>
           </a:p>
@@ -8943,7 +9131,7 @@
           <a:p>
             <a:fld id="{363EFA5E-FA76-400D-B3DC-F0BA90E6D107}" type="datetimeFigureOut">
               <a:rPr lang="en-US" dirty="0"/>
-              <a:t>1/17/2023</a:t>
+              <a:t>1/18/2023</a:t>
             </a:fld>
             <a:endParaRPr lang="en-US" dirty="0"/>
           </a:p>
@@ -9182,7 +9370,7 @@
           <a:p>
             <a:fld id="{9D6E9DEC-419B-4CC5-A080-3B06BD5A8291}" type="datetimeFigureOut">
               <a:rPr lang="en-US" dirty="0"/>
-              <a:t>1/17/2023</a:t>
+              <a:t>1/18/2023</a:t>
             </a:fld>
             <a:endParaRPr lang="en-US" dirty="0"/>
           </a:p>
@@ -9683,7 +9871,7 @@
           <p:cNvPr id="2" name="Nadpis 1">
             <a:extLst>
               <a:ext uri="{FF2B5EF4-FFF2-40B4-BE49-F238E27FC236}">
-                <a16:creationId xmlns:a16="http://schemas.microsoft.com/office/drawing/2014/main" id="{19C482C5-5F3D-354E-94BF-8FE6E1F890D2}"/>
+                <a16:creationId xmlns:a16="http://schemas.microsoft.com/office/drawing/2014/main" id="{4994B7B4-6CC0-431F-D6EE-3B92D10ED6E5}"/>
               </a:ext>
             </a:extLst>
           </p:cNvPr>
@@ -9701,382 +9889,120 @@
           <a:p>
             <a:r>
               <a:rPr lang="cs-CZ" dirty="0"/>
-              <a:t>Nejznámější Linuxové distribuce</a:t>
-            </a:r>
-          </a:p>
-        </p:txBody>
-      </p:sp>
-      <p:pic>
-        <p:nvPicPr>
-          <p:cNvPr id="1026" name="Picture 2" descr="Fedora 36 a GNOME 42">
+              <a:t>Licence </a:t>
+            </a:r>
+            <a:r>
+              <a:rPr lang="cs-CZ" dirty="0" err="1"/>
+              <a:t>distibucí</a:t>
+            </a:r>
+            <a:endParaRPr lang="cs-CZ" dirty="0"/>
+          </a:p>
+        </p:txBody>
+      </p:sp>
+      <p:sp>
+        <p:nvSpPr>
+          <p:cNvPr id="3" name="Zástupný obsah 2">
             <a:extLst>
               <a:ext uri="{FF2B5EF4-FFF2-40B4-BE49-F238E27FC236}">
-                <a16:creationId xmlns:a16="http://schemas.microsoft.com/office/drawing/2014/main" id="{D7898A53-AF28-9472-99FF-461EF1433855}"/>
+                <a16:creationId xmlns:a16="http://schemas.microsoft.com/office/drawing/2014/main" id="{435D0798-8E76-BF08-0BFD-2E04983E908B}"/>
               </a:ext>
             </a:extLst>
           </p:cNvPr>
-          <p:cNvPicPr>
-            <a:picLocks noGrp="1" noChangeAspect="1" noChangeArrowheads="1"/>
-          </p:cNvPicPr>
+          <p:cNvSpPr>
+            <a:spLocks noGrp="1"/>
+          </p:cNvSpPr>
           <p:nvPr>
             <p:ph idx="1"/>
           </p:nvPr>
-        </p:nvPicPr>
-        <p:blipFill>
-          <a:blip r:embed="rId3">
-            <a:extLst>
-              <a:ext uri="{28A0092B-C50C-407E-A947-70E740481C1C}">
-                <a14:useLocalDpi xmlns:a14="http://schemas.microsoft.com/office/drawing/2010/main" val="0"/>
-              </a:ext>
-            </a:extLst>
-          </a:blip>
-          <a:srcRect/>
-          <a:stretch>
-            <a:fillRect/>
-          </a:stretch>
-        </p:blipFill>
-        <p:spPr bwMode="auto">
-          <a:xfrm>
-            <a:off x="48620" y="3169215"/>
-            <a:ext cx="3287003" cy="2051090"/>
-          </a:xfrm>
-          <a:prstGeom prst="rect">
-            <a:avLst/>
-          </a:prstGeom>
-          <a:noFill/>
-          <a:extLst>
-            <a:ext uri="{909E8E84-426E-40DD-AFC4-6F175D3DCCD1}">
-              <a14:hiddenFill xmlns:a14="http://schemas.microsoft.com/office/drawing/2010/main">
-                <a:solidFill>
-                  <a:srgbClr val="FFFFFF"/>
-                </a:solidFill>
-              </a14:hiddenFill>
-            </a:ext>
-          </a:extLst>
-        </p:spPr>
-      </p:pic>
-      <p:sp>
-        <p:nvSpPr>
-          <p:cNvPr id="5" name="TextovéPole 4">
-            <a:extLst>
-              <a:ext uri="{FF2B5EF4-FFF2-40B4-BE49-F238E27FC236}">
-                <a16:creationId xmlns:a16="http://schemas.microsoft.com/office/drawing/2014/main" id="{1C830313-B782-08FB-6540-55B6FB8603C8}"/>
-              </a:ext>
-            </a:extLst>
-          </p:cNvPr>
-          <p:cNvSpPr txBox="1"/>
-          <p:nvPr/>
-        </p:nvSpPr>
-        <p:spPr>
-          <a:xfrm>
-            <a:off x="1126306" y="2746563"/>
-            <a:ext cx="6097554" cy="369332"/>
-          </a:xfrm>
-          <a:prstGeom prst="rect">
-            <a:avLst/>
-          </a:prstGeom>
-          <a:noFill/>
-        </p:spPr>
-        <p:txBody>
-          <a:bodyPr wrap="square">
-            <a:spAutoFit/>
-          </a:bodyPr>
+        </p:nvSpPr>
+        <p:spPr/>
+        <p:txBody>
+          <a:bodyPr/>
           <a:lstStyle/>
           <a:p>
             <a:r>
-              <a:rPr lang="cs-CZ" b="1" i="0" dirty="0">
-                <a:solidFill>
-                  <a:srgbClr val="202122"/>
-                </a:solidFill>
-                <a:effectLst/>
-                <a:latin typeface="Arial" panose="020B0604020202020204" pitchFamily="34" charset="0"/>
-              </a:rPr>
-              <a:t>Fedora</a:t>
-            </a:r>
-            <a:endParaRPr lang="cs-CZ" dirty="0"/>
-          </a:p>
-        </p:txBody>
-      </p:sp>
-      <p:sp>
-        <p:nvSpPr>
-          <p:cNvPr id="7" name="TextovéPole 6">
-            <a:extLst>
-              <a:ext uri="{FF2B5EF4-FFF2-40B4-BE49-F238E27FC236}">
-                <a16:creationId xmlns:a16="http://schemas.microsoft.com/office/drawing/2014/main" id="{3D28168A-3D5D-3AB1-C6C6-A2A83E377034}"/>
-              </a:ext>
-            </a:extLst>
-          </p:cNvPr>
-          <p:cNvSpPr txBox="1"/>
-          <p:nvPr/>
-        </p:nvSpPr>
-        <p:spPr>
-          <a:xfrm>
-            <a:off x="-121298" y="5073133"/>
-            <a:ext cx="4126463" cy="369332"/>
-          </a:xfrm>
-          <a:prstGeom prst="rect">
-            <a:avLst/>
-          </a:prstGeom>
-          <a:noFill/>
-        </p:spPr>
-        <p:txBody>
-          <a:bodyPr wrap="square">
-            <a:spAutoFit/>
-          </a:bodyPr>
-          <a:lstStyle/>
-          <a:p>
-            <a:r>
-              <a:rPr lang="pt-BR" b="0" i="0" dirty="0">
-                <a:solidFill>
-                  <a:srgbClr val="202122"/>
-                </a:solidFill>
-                <a:effectLst/>
-                <a:latin typeface="Arial" panose="020B0604020202020204" pitchFamily="34" charset="0"/>
-              </a:rPr>
-              <a:t>.</a:t>
-            </a:r>
-            <a:endParaRPr lang="cs-CZ" dirty="0"/>
-          </a:p>
-        </p:txBody>
-      </p:sp>
-      <p:pic>
-        <p:nvPicPr>
-          <p:cNvPr id="1028" name="Picture 4" descr="Arch Linux s upraveným GNOME 40">
-            <a:extLst>
-              <a:ext uri="{FF2B5EF4-FFF2-40B4-BE49-F238E27FC236}">
-                <a16:creationId xmlns:a16="http://schemas.microsoft.com/office/drawing/2014/main" id="{1A01912C-35C6-CE9B-B56D-40C77DC108E4}"/>
-              </a:ext>
-            </a:extLst>
-          </p:cNvPr>
-          <p:cNvPicPr>
-            <a:picLocks noChangeAspect="1" noChangeArrowheads="1"/>
-          </p:cNvPicPr>
-          <p:nvPr/>
-        </p:nvPicPr>
-        <p:blipFill>
-          <a:blip r:embed="rId4">
-            <a:extLst>
-              <a:ext uri="{28A0092B-C50C-407E-A947-70E740481C1C}">
-                <a14:useLocalDpi xmlns:a14="http://schemas.microsoft.com/office/drawing/2010/main" val="0"/>
-              </a:ext>
-            </a:extLst>
-          </a:blip>
-          <a:srcRect/>
-          <a:stretch>
-            <a:fillRect/>
-          </a:stretch>
-        </p:blipFill>
-        <p:spPr bwMode="auto">
-          <a:xfrm>
-            <a:off x="4175083" y="3137842"/>
-            <a:ext cx="3747934" cy="2113835"/>
-          </a:xfrm>
-          <a:prstGeom prst="rect">
-            <a:avLst/>
-          </a:prstGeom>
-          <a:noFill/>
-          <a:extLst>
-            <a:ext uri="{909E8E84-426E-40DD-AFC4-6F175D3DCCD1}">
-              <a14:hiddenFill xmlns:a14="http://schemas.microsoft.com/office/drawing/2010/main">
-                <a:solidFill>
-                  <a:srgbClr val="FFFFFF"/>
-                </a:solidFill>
-              </a14:hiddenFill>
-            </a:ext>
-          </a:extLst>
-        </p:spPr>
-      </p:pic>
-      <p:sp>
-        <p:nvSpPr>
-          <p:cNvPr id="9" name="TextovéPole 8">
-            <a:extLst>
-              <a:ext uri="{FF2B5EF4-FFF2-40B4-BE49-F238E27FC236}">
-                <a16:creationId xmlns:a16="http://schemas.microsoft.com/office/drawing/2014/main" id="{BCFE734A-C925-6042-895A-B609F04FD71D}"/>
-              </a:ext>
-            </a:extLst>
-          </p:cNvPr>
-          <p:cNvSpPr txBox="1"/>
-          <p:nvPr/>
-        </p:nvSpPr>
-        <p:spPr>
-          <a:xfrm>
-            <a:off x="5272085" y="2739442"/>
-            <a:ext cx="6445865" cy="369332"/>
-          </a:xfrm>
-          <a:prstGeom prst="rect">
-            <a:avLst/>
-          </a:prstGeom>
-          <a:noFill/>
-        </p:spPr>
-        <p:txBody>
-          <a:bodyPr wrap="square">
-            <a:spAutoFit/>
-          </a:bodyPr>
-          <a:lstStyle/>
-          <a:p>
-            <a:r>
-              <a:rPr lang="cs-CZ" b="1" i="0" dirty="0">
-                <a:solidFill>
-                  <a:srgbClr val="202122"/>
-                </a:solidFill>
-                <a:effectLst/>
-                <a:latin typeface="Arial" panose="020B0604020202020204" pitchFamily="34" charset="0"/>
-              </a:rPr>
-              <a:t>Arch Linux</a:t>
-            </a:r>
-            <a:endParaRPr lang="cs-CZ" dirty="0"/>
-          </a:p>
-        </p:txBody>
-      </p:sp>
-      <p:pic>
-        <p:nvPicPr>
-          <p:cNvPr id="1030" name="Picture 6" descr="GNOME Shell v Red Hat Enterprise Linux 9">
-            <a:extLst>
-              <a:ext uri="{FF2B5EF4-FFF2-40B4-BE49-F238E27FC236}">
-                <a16:creationId xmlns:a16="http://schemas.microsoft.com/office/drawing/2014/main" id="{A4EA06B1-8A9B-D4DA-69A9-E0A5F2BA8BF7}"/>
-              </a:ext>
-            </a:extLst>
-          </p:cNvPr>
-          <p:cNvPicPr>
-            <a:picLocks noChangeAspect="1" noChangeArrowheads="1"/>
-          </p:cNvPicPr>
-          <p:nvPr/>
-        </p:nvPicPr>
-        <p:blipFill>
-          <a:blip r:embed="rId5">
-            <a:extLst>
-              <a:ext uri="{28A0092B-C50C-407E-A947-70E740481C1C}">
-                <a14:useLocalDpi xmlns:a14="http://schemas.microsoft.com/office/drawing/2010/main" val="0"/>
-              </a:ext>
-            </a:extLst>
-          </a:blip>
-          <a:srcRect/>
-          <a:stretch>
-            <a:fillRect/>
-          </a:stretch>
-        </p:blipFill>
-        <p:spPr bwMode="auto">
-          <a:xfrm>
-            <a:off x="8495018" y="3083722"/>
-            <a:ext cx="3598328" cy="2245357"/>
-          </a:xfrm>
-          <a:prstGeom prst="rect">
-            <a:avLst/>
-          </a:prstGeom>
-          <a:noFill/>
-          <a:extLst>
-            <a:ext uri="{909E8E84-426E-40DD-AFC4-6F175D3DCCD1}">
-              <a14:hiddenFill xmlns:a14="http://schemas.microsoft.com/office/drawing/2010/main">
-                <a:solidFill>
-                  <a:srgbClr val="FFFFFF"/>
-                </a:solidFill>
-              </a14:hiddenFill>
-            </a:ext>
-          </a:extLst>
-        </p:spPr>
-      </p:pic>
-      <p:sp>
-        <p:nvSpPr>
-          <p:cNvPr id="11" name="TextovéPole 10">
-            <a:extLst>
-              <a:ext uri="{FF2B5EF4-FFF2-40B4-BE49-F238E27FC236}">
-                <a16:creationId xmlns:a16="http://schemas.microsoft.com/office/drawing/2014/main" id="{41504C25-F455-D683-862E-DD1ECD81F7DD}"/>
-              </a:ext>
-            </a:extLst>
-          </p:cNvPr>
-          <p:cNvSpPr txBox="1"/>
-          <p:nvPr/>
-        </p:nvSpPr>
-        <p:spPr>
-          <a:xfrm>
-            <a:off x="8935819" y="2714390"/>
-            <a:ext cx="3442252" cy="369332"/>
-          </a:xfrm>
-          <a:prstGeom prst="rect">
-            <a:avLst/>
-          </a:prstGeom>
-          <a:noFill/>
-        </p:spPr>
-        <p:txBody>
-          <a:bodyPr wrap="square">
-            <a:spAutoFit/>
-          </a:bodyPr>
-          <a:lstStyle/>
-          <a:p>
-            <a:pPr algn="l"/>
-            <a:r>
-              <a:rPr lang="cs-CZ" b="1" i="0" dirty="0" err="1">
-                <a:solidFill>
-                  <a:srgbClr val="000000"/>
-                </a:solidFill>
-                <a:effectLst/>
-                <a:latin typeface="Arial" panose="020B0604020202020204" pitchFamily="34" charset="0"/>
-                <a:cs typeface="Arial" panose="020B0604020202020204" pitchFamily="34" charset="0"/>
-              </a:rPr>
-              <a:t>Red</a:t>
-            </a:r>
-            <a:r>
-              <a:rPr lang="cs-CZ" b="1" i="0" dirty="0">
-                <a:solidFill>
-                  <a:srgbClr val="000000"/>
-                </a:solidFill>
-                <a:effectLst/>
-                <a:latin typeface="Arial" panose="020B0604020202020204" pitchFamily="34" charset="0"/>
-                <a:cs typeface="Arial" panose="020B0604020202020204" pitchFamily="34" charset="0"/>
-              </a:rPr>
-              <a:t> </a:t>
-            </a:r>
-            <a:r>
-              <a:rPr lang="cs-CZ" b="1" i="0" dirty="0" err="1">
-                <a:solidFill>
-                  <a:srgbClr val="000000"/>
-                </a:solidFill>
-                <a:effectLst/>
-                <a:latin typeface="Arial" panose="020B0604020202020204" pitchFamily="34" charset="0"/>
-                <a:cs typeface="Arial" panose="020B0604020202020204" pitchFamily="34" charset="0"/>
-              </a:rPr>
-              <a:t>Hat</a:t>
-            </a:r>
-            <a:r>
-              <a:rPr lang="cs-CZ" b="1" i="0" dirty="0">
-                <a:solidFill>
-                  <a:srgbClr val="000000"/>
-                </a:solidFill>
-                <a:effectLst/>
-                <a:latin typeface="Arial" panose="020B0604020202020204" pitchFamily="34" charset="0"/>
-                <a:cs typeface="Arial" panose="020B0604020202020204" pitchFamily="34" charset="0"/>
-              </a:rPr>
-              <a:t> </a:t>
-            </a:r>
-            <a:r>
-              <a:rPr lang="cs-CZ" b="1" i="0" dirty="0" err="1">
-                <a:solidFill>
-                  <a:srgbClr val="000000"/>
-                </a:solidFill>
-                <a:effectLst/>
-                <a:latin typeface="Arial" panose="020B0604020202020204" pitchFamily="34" charset="0"/>
-                <a:cs typeface="Arial" panose="020B0604020202020204" pitchFamily="34" charset="0"/>
-              </a:rPr>
-              <a:t>Enterprise</a:t>
-            </a:r>
-            <a:r>
-              <a:rPr lang="cs-CZ" b="1" i="0" dirty="0">
-                <a:solidFill>
-                  <a:srgbClr val="000000"/>
-                </a:solidFill>
-                <a:effectLst/>
-                <a:latin typeface="Arial" panose="020B0604020202020204" pitchFamily="34" charset="0"/>
-                <a:cs typeface="Arial" panose="020B0604020202020204" pitchFamily="34" charset="0"/>
-              </a:rPr>
-              <a:t> Linux</a:t>
-            </a:r>
+              <a:rPr lang="cs-CZ" b="0" i="0" dirty="0">
+                <a:effectLst/>
+                <a:latin typeface="Roboto" panose="02000000000000000000" pitchFamily="2" charset="0"/>
+                <a:ea typeface="Roboto" panose="02000000000000000000" pitchFamily="2" charset="0"/>
+                <a:cs typeface="Roboto" panose="02000000000000000000" pitchFamily="2" charset="0"/>
+              </a:rPr>
+              <a:t>Distribuce lze nalézt na Internetu a lze je i volně používat, protože se skládají z </a:t>
+            </a:r>
+            <a:r>
+              <a:rPr lang="cs-CZ" dirty="0">
+                <a:latin typeface="Roboto" panose="02000000000000000000" pitchFamily="2" charset="0"/>
+                <a:ea typeface="Roboto" panose="02000000000000000000" pitchFamily="2" charset="0"/>
+                <a:cs typeface="Roboto" panose="02000000000000000000" pitchFamily="2" charset="0"/>
+              </a:rPr>
+              <a:t>open source</a:t>
+            </a:r>
+            <a:r>
+              <a:rPr lang="cs-CZ" b="0" i="0" dirty="0">
+                <a:effectLst/>
+                <a:latin typeface="Roboto" panose="02000000000000000000" pitchFamily="2" charset="0"/>
+                <a:ea typeface="Roboto" panose="02000000000000000000" pitchFamily="2" charset="0"/>
+                <a:cs typeface="Roboto" panose="02000000000000000000" pitchFamily="2" charset="0"/>
+              </a:rPr>
+              <a:t> programů. I v distribuci je ke každému programu standardně přiložena licence, která je při instalaci uložena společně s programem na </a:t>
+            </a:r>
+            <a:r>
+              <a:rPr lang="cs-CZ" dirty="0">
+                <a:latin typeface="Roboto" panose="02000000000000000000" pitchFamily="2" charset="0"/>
+                <a:ea typeface="Roboto" panose="02000000000000000000" pitchFamily="2" charset="0"/>
+                <a:cs typeface="Roboto" panose="02000000000000000000" pitchFamily="2" charset="0"/>
+              </a:rPr>
+              <a:t>pevný disk</a:t>
+            </a:r>
+            <a:r>
+              <a:rPr lang="cs-CZ" b="0" i="0" dirty="0">
+                <a:effectLst/>
+                <a:latin typeface="Roboto" panose="02000000000000000000" pitchFamily="2" charset="0"/>
+                <a:ea typeface="Roboto" panose="02000000000000000000" pitchFamily="2" charset="0"/>
+                <a:cs typeface="Roboto" panose="02000000000000000000" pitchFamily="2" charset="0"/>
+              </a:rPr>
+              <a:t>, takže si vše uživatel může ověřit. </a:t>
+            </a:r>
+          </a:p>
+          <a:p>
+            <a:r>
+              <a:rPr lang="cs-CZ" b="0" i="0" dirty="0">
+                <a:effectLst/>
+                <a:latin typeface="Roboto" panose="02000000000000000000" pitchFamily="2" charset="0"/>
+                <a:ea typeface="Roboto" panose="02000000000000000000" pitchFamily="2" charset="0"/>
+                <a:cs typeface="Roboto" panose="02000000000000000000" pitchFamily="2" charset="0"/>
+              </a:rPr>
+              <a:t>Distribuce také podléhá licenci, avšak typicky se opět jedná o open source. Většina linuxových distribucí je sestavována výhradně ze </a:t>
+            </a:r>
+            <a:r>
+              <a:rPr lang="cs-CZ" dirty="0">
+                <a:latin typeface="Roboto" panose="02000000000000000000" pitchFamily="2" charset="0"/>
+                <a:ea typeface="Roboto" panose="02000000000000000000" pitchFamily="2" charset="0"/>
+                <a:cs typeface="Roboto" panose="02000000000000000000" pitchFamily="2" charset="0"/>
+              </a:rPr>
+              <a:t>svobodného software</a:t>
+            </a:r>
+            <a:r>
+              <a:rPr lang="cs-CZ" b="0" i="0" dirty="0">
+                <a:effectLst/>
+                <a:latin typeface="Roboto" panose="02000000000000000000" pitchFamily="2" charset="0"/>
+                <a:ea typeface="Roboto" panose="02000000000000000000" pitchFamily="2" charset="0"/>
+                <a:cs typeface="Roboto" panose="02000000000000000000" pitchFamily="2" charset="0"/>
+              </a:rPr>
+              <a:t>, takže je lze nejen volně používat, ale i dále šířit.</a:t>
+            </a:r>
+            <a:endParaRPr lang="cs-CZ" dirty="0">
+              <a:latin typeface="Roboto" panose="02000000000000000000" pitchFamily="2" charset="0"/>
+              <a:ea typeface="Roboto" panose="02000000000000000000" pitchFamily="2" charset="0"/>
+              <a:cs typeface="Roboto" panose="02000000000000000000" pitchFamily="2" charset="0"/>
+            </a:endParaRPr>
           </a:p>
         </p:txBody>
       </p:sp>
     </p:spTree>
     <p:extLst>
       <p:ext uri="{BB962C8B-B14F-4D97-AF65-F5344CB8AC3E}">
-        <p14:creationId xmlns:p14="http://schemas.microsoft.com/office/powerpoint/2010/main" val="789081118"/>
+        <p14:creationId xmlns:p14="http://schemas.microsoft.com/office/powerpoint/2010/main" val="1454442584"/>
       </p:ext>
     </p:extLst>
   </p:cSld>
@@ -10108,7 +10034,7 @@
           <p:cNvPr id="2" name="Nadpis 1">
             <a:extLst>
               <a:ext uri="{FF2B5EF4-FFF2-40B4-BE49-F238E27FC236}">
-                <a16:creationId xmlns:a16="http://schemas.microsoft.com/office/drawing/2014/main" id="{4994B7B4-6CC0-431F-D6EE-3B92D10ED6E5}"/>
+                <a16:creationId xmlns:a16="http://schemas.microsoft.com/office/drawing/2014/main" id="{99405512-64A7-99C7-9FD0-C56646CFE47F}"/>
               </a:ext>
             </a:extLst>
           </p:cNvPr>
@@ -10126,13 +10052,8 @@
           <a:p>
             <a:r>
               <a:rPr lang="cs-CZ" dirty="0"/>
-              <a:t>Licence </a:t>
-            </a:r>
-            <a:r>
-              <a:rPr lang="cs-CZ" dirty="0" err="1"/>
-              <a:t>distibucí</a:t>
-            </a:r>
-            <a:endParaRPr lang="cs-CZ" dirty="0"/>
+              <a:t>Licence distribucí</a:t>
+            </a:r>
           </a:p>
         </p:txBody>
       </p:sp>
@@ -10141,7 +10062,7 @@
           <p:cNvPr id="3" name="Zástupný obsah 2">
             <a:extLst>
               <a:ext uri="{FF2B5EF4-FFF2-40B4-BE49-F238E27FC236}">
-                <a16:creationId xmlns:a16="http://schemas.microsoft.com/office/drawing/2014/main" id="{435D0798-8E76-BF08-0BFD-2E04983E908B}"/>
+                <a16:creationId xmlns:a16="http://schemas.microsoft.com/office/drawing/2014/main" id="{276005DA-B895-D62E-DCBC-95DC9DB38293}"/>
               </a:ext>
             </a:extLst>
           </p:cNvPr>
@@ -10160,78 +10081,121 @@
             <a:r>
               <a:rPr lang="cs-CZ" b="0" i="0" dirty="0">
                 <a:effectLst/>
-                <a:latin typeface="Roboto" panose="02000000000000000000" pitchFamily="2" charset="0"/>
-                <a:ea typeface="Roboto" panose="02000000000000000000" pitchFamily="2" charset="0"/>
-                <a:cs typeface="Roboto" panose="02000000000000000000" pitchFamily="2" charset="0"/>
-              </a:rPr>
-              <a:t>Distribuce lze nalézt na Internetu a lze je i volně používat, protože se skládají z </a:t>
+                <a:latin typeface="Arial" panose="020B0604020202020204" pitchFamily="34" charset="0"/>
+              </a:rPr>
+              <a:t> Některé však mohou obsahovat nesvobodný software, takže je lze volně používat, ale je omezeno jejich šíření. Například v případě, že obsahují komerční programy (</a:t>
             </a:r>
             <a:r>
               <a:rPr lang="cs-CZ" dirty="0">
-                <a:latin typeface="Roboto" panose="02000000000000000000" pitchFamily="2" charset="0"/>
-                <a:ea typeface="Roboto" panose="02000000000000000000" pitchFamily="2" charset="0"/>
-                <a:cs typeface="Roboto" panose="02000000000000000000" pitchFamily="2" charset="0"/>
-              </a:rPr>
-              <a:t>open source</a:t>
+                <a:latin typeface="Arial" panose="020B0604020202020204" pitchFamily="34" charset="0"/>
+              </a:rPr>
+              <a:t>ovladače</a:t>
             </a:r>
             <a:r>
               <a:rPr lang="cs-CZ" b="0" i="0" dirty="0">
                 <a:effectLst/>
-                <a:latin typeface="Roboto" panose="02000000000000000000" pitchFamily="2" charset="0"/>
-                <a:ea typeface="Roboto" panose="02000000000000000000" pitchFamily="2" charset="0"/>
-                <a:cs typeface="Roboto" panose="02000000000000000000" pitchFamily="2" charset="0"/>
-              </a:rPr>
-              <a:t> programů. I v distribuci je ke každému programu standardně přiložena licence, která je při instalaci uložena společně s programem na </a:t>
+                <a:latin typeface="Arial" panose="020B0604020202020204" pitchFamily="34" charset="0"/>
+              </a:rPr>
+              <a:t> pro </a:t>
             </a:r>
             <a:r>
               <a:rPr lang="cs-CZ" dirty="0">
-                <a:latin typeface="Roboto" panose="02000000000000000000" pitchFamily="2" charset="0"/>
-                <a:ea typeface="Roboto" panose="02000000000000000000" pitchFamily="2" charset="0"/>
-                <a:cs typeface="Roboto" panose="02000000000000000000" pitchFamily="2" charset="0"/>
-              </a:rPr>
-              <a:t>pevný disk</a:t>
-            </a:r>
+                <a:latin typeface="Arial" panose="020B0604020202020204" pitchFamily="34" charset="0"/>
+              </a:rPr>
+              <a:t>grafickou kartu, počítačové hry,..) </a:t>
+            </a:r>
+          </a:p>
+          <a:p>
             <a:r>
               <a:rPr lang="cs-CZ" b="0" i="0" dirty="0">
                 <a:effectLst/>
-                <a:latin typeface="Roboto" panose="02000000000000000000" pitchFamily="2" charset="0"/>
-                <a:ea typeface="Roboto" panose="02000000000000000000" pitchFamily="2" charset="0"/>
-                <a:cs typeface="Roboto" panose="02000000000000000000" pitchFamily="2" charset="0"/>
-              </a:rPr>
-              <a:t>, takže si vše uživatel může ověřit. </a:t>
-            </a:r>
-          </a:p>
-          <a:p>
+                <a:latin typeface="Arial" panose="020B0604020202020204" pitchFamily="34" charset="0"/>
+              </a:rPr>
+              <a:t>Také profesionální komerční distribuce jsou dostupné pouze po zaplacení (například </a:t>
+            </a:r>
+            <a:r>
+              <a:rPr lang="cs-CZ" u="sng" dirty="0" err="1">
+                <a:latin typeface="Arial" panose="020B0604020202020204" pitchFamily="34" charset="0"/>
+              </a:rPr>
+              <a:t>Red</a:t>
+            </a:r>
+            <a:r>
+              <a:rPr lang="cs-CZ" u="sng" dirty="0">
+                <a:latin typeface="Arial" panose="020B0604020202020204" pitchFamily="34" charset="0"/>
+              </a:rPr>
+              <a:t> </a:t>
+            </a:r>
+            <a:r>
+              <a:rPr lang="cs-CZ" u="sng" dirty="0" err="1">
+                <a:latin typeface="Arial" panose="020B0604020202020204" pitchFamily="34" charset="0"/>
+              </a:rPr>
+              <a:t>Hat</a:t>
+            </a:r>
+            <a:r>
+              <a:rPr lang="cs-CZ" u="sng" dirty="0">
+                <a:latin typeface="Arial" panose="020B0604020202020204" pitchFamily="34" charset="0"/>
+              </a:rPr>
+              <a:t> </a:t>
+            </a:r>
+            <a:r>
+              <a:rPr lang="cs-CZ" u="sng" dirty="0" err="1">
+                <a:latin typeface="Arial" panose="020B0604020202020204" pitchFamily="34" charset="0"/>
+              </a:rPr>
+              <a:t>Enterprise</a:t>
+            </a:r>
+            <a:r>
+              <a:rPr lang="cs-CZ" u="sng" dirty="0">
+                <a:latin typeface="Arial" panose="020B0604020202020204" pitchFamily="34" charset="0"/>
+              </a:rPr>
+              <a:t> Linux</a:t>
+            </a:r>
             <a:r>
               <a:rPr lang="cs-CZ" b="0" i="0" dirty="0">
                 <a:effectLst/>
-                <a:latin typeface="Roboto" panose="02000000000000000000" pitchFamily="2" charset="0"/>
-                <a:ea typeface="Roboto" panose="02000000000000000000" pitchFamily="2" charset="0"/>
-                <a:cs typeface="Roboto" panose="02000000000000000000" pitchFamily="2" charset="0"/>
-              </a:rPr>
-              <a:t>Distribuce také podléhá licenci, avšak typicky se opět jedná o open source. Většina linuxových distribucí je sestavována výhradně ze </a:t>
-            </a:r>
-            <a:r>
-              <a:rPr lang="cs-CZ" dirty="0">
-                <a:latin typeface="Roboto" panose="02000000000000000000" pitchFamily="2" charset="0"/>
-                <a:ea typeface="Roboto" panose="02000000000000000000" pitchFamily="2" charset="0"/>
-                <a:cs typeface="Roboto" panose="02000000000000000000" pitchFamily="2" charset="0"/>
-              </a:rPr>
-              <a:t>svobodného software</a:t>
+                <a:latin typeface="Arial" panose="020B0604020202020204" pitchFamily="34" charset="0"/>
+              </a:rPr>
+              <a:t>, </a:t>
+            </a:r>
+            <a:r>
+              <a:rPr lang="cs-CZ" u="sng" dirty="0">
+                <a:latin typeface="Arial" panose="020B0604020202020204" pitchFamily="34" charset="0"/>
+              </a:rPr>
+              <a:t>SUSE Linux </a:t>
+            </a:r>
+            <a:r>
+              <a:rPr lang="cs-CZ" u="sng" dirty="0" err="1">
+                <a:latin typeface="Arial" panose="020B0604020202020204" pitchFamily="34" charset="0"/>
+              </a:rPr>
+              <a:t>Enterprise</a:t>
+            </a:r>
+            <a:r>
+              <a:rPr lang="cs-CZ" u="sng" dirty="0">
+                <a:latin typeface="Arial" panose="020B0604020202020204" pitchFamily="34" charset="0"/>
+              </a:rPr>
+              <a:t> Server</a:t>
             </a:r>
             <a:r>
               <a:rPr lang="cs-CZ" b="0" i="0" dirty="0">
                 <a:effectLst/>
-                <a:latin typeface="Roboto" panose="02000000000000000000" pitchFamily="2" charset="0"/>
-                <a:ea typeface="Roboto" panose="02000000000000000000" pitchFamily="2" charset="0"/>
-                <a:cs typeface="Roboto" panose="02000000000000000000" pitchFamily="2" charset="0"/>
-              </a:rPr>
-              <a:t>, takže je lze nejen volně používat, ale i dále šířit.</a:t>
+                <a:latin typeface="Arial" panose="020B0604020202020204" pitchFamily="34" charset="0"/>
+              </a:rPr>
+              <a:t>), avšak díky povaze open source k některým existují volně šiřitelné identické klony (např. </a:t>
+            </a:r>
+            <a:r>
+              <a:rPr lang="cs-CZ" u="sng" dirty="0" err="1">
+                <a:latin typeface="Arial" panose="020B0604020202020204" pitchFamily="34" charset="0"/>
+              </a:rPr>
+              <a:t>CentOS</a:t>
+            </a:r>
+            <a:r>
+              <a:rPr lang="cs-CZ" b="0" i="0" dirty="0">
+                <a:effectLst/>
+                <a:latin typeface="Arial" panose="020B0604020202020204" pitchFamily="34" charset="0"/>
+              </a:rPr>
+              <a:t>). </a:t>
             </a:r>
             <a:endParaRPr lang="cs-CZ" dirty="0">
-              <a:latin typeface="Roboto" panose="02000000000000000000" pitchFamily="2" charset="0"/>
-              <a:ea typeface="Roboto" panose="02000000000000000000" pitchFamily="2" charset="0"/>
-              <a:cs typeface="Roboto" panose="02000000000000000000" pitchFamily="2" charset="0"/>
+              <a:latin typeface="Arial" panose="020B0604020202020204" pitchFamily="34" charset="0"/>
             </a:endParaRPr>
           </a:p>
         </p:txBody>
@@ -10239,7 +10203,7 @@
     </p:spTree>
     <p:extLst>
       <p:ext uri="{BB962C8B-B14F-4D97-AF65-F5344CB8AC3E}">
-        <p14:creationId xmlns:p14="http://schemas.microsoft.com/office/powerpoint/2010/main" val="1454442584"/>
+        <p14:creationId xmlns:p14="http://schemas.microsoft.com/office/powerpoint/2010/main" val="2267382108"/>
       </p:ext>
     </p:extLst>
   </p:cSld>
@@ -10271,7 +10235,7 @@
           <p:cNvPr id="2" name="Nadpis 1">
             <a:extLst>
               <a:ext uri="{FF2B5EF4-FFF2-40B4-BE49-F238E27FC236}">
-                <a16:creationId xmlns:a16="http://schemas.microsoft.com/office/drawing/2014/main" id="{99405512-64A7-99C7-9FD0-C56646CFE47F}"/>
+                <a16:creationId xmlns:a16="http://schemas.microsoft.com/office/drawing/2014/main" id="{E722232A-795F-1C2D-A538-5948295DA5C3}"/>
               </a:ext>
             </a:extLst>
           </p:cNvPr>
@@ -10289,7 +10253,7 @@
           <a:p>
             <a:r>
               <a:rPr lang="cs-CZ" dirty="0"/>
-              <a:t>Licence distribucí</a:t>
+              <a:t>Linuxové distribuce</a:t>
             </a:r>
           </a:p>
         </p:txBody>
@@ -10299,7 +10263,7 @@
           <p:cNvPr id="3" name="Zástupný obsah 2">
             <a:extLst>
               <a:ext uri="{FF2B5EF4-FFF2-40B4-BE49-F238E27FC236}">
-                <a16:creationId xmlns:a16="http://schemas.microsoft.com/office/drawing/2014/main" id="{276005DA-B895-D62E-DCBC-95DC9DB38293}"/>
+                <a16:creationId xmlns:a16="http://schemas.microsoft.com/office/drawing/2014/main" id="{76ECEDE3-C97F-53B1-9EEE-93FE8664EA9A}"/>
               </a:ext>
             </a:extLst>
           </p:cNvPr>
@@ -10320,127 +10284,101 @@
                 <a:effectLst/>
                 <a:latin typeface="Arial" panose="020B0604020202020204" pitchFamily="34" charset="0"/>
               </a:rPr>
-              <a:t> Některé však mohou obsahovat nesvobodný software, takže je lze volně používat, ale je omezeno jejich šíření. Například v případě, že obsahují komerční programy (</a:t>
+              <a:t>Základní výhodou linuxových distribucí jsou </a:t>
+            </a:r>
+            <a:r>
+              <a:rPr lang="cs-CZ" dirty="0" err="1">
+                <a:latin typeface="Arial" panose="020B0604020202020204" pitchFamily="34" charset="0"/>
+              </a:rPr>
+              <a:t>repozitáře</a:t>
+            </a:r>
+            <a:r>
+              <a:rPr lang="cs-CZ" b="0" i="0" dirty="0">
+                <a:effectLst/>
+                <a:latin typeface="Arial" panose="020B0604020202020204" pitchFamily="34" charset="0"/>
+              </a:rPr>
+              <a:t>, které obsahují snadno </a:t>
+            </a:r>
+            <a:r>
+              <a:rPr lang="cs-CZ" dirty="0" err="1">
+                <a:latin typeface="Arial" panose="020B0604020202020204" pitchFamily="34" charset="0"/>
+              </a:rPr>
+              <a:t>instalovatelné</a:t>
             </a:r>
             <a:r>
               <a:rPr lang="cs-CZ" dirty="0">
                 <a:latin typeface="Arial" panose="020B0604020202020204" pitchFamily="34" charset="0"/>
               </a:rPr>
-              <a:t>ovladače</a:t>
+              <a:t> balíčky</a:t>
             </a:r>
             <a:r>
               <a:rPr lang="cs-CZ" b="0" i="0" dirty="0">
                 <a:effectLst/>
                 <a:latin typeface="Arial" panose="020B0604020202020204" pitchFamily="34" charset="0"/>
               </a:rPr>
-              <a:t> pro </a:t>
+              <a:t> s jednotlivými programy. Díky tomu lze v linuxových distribucích velmi pohodlně instalovat jednotlivé součásti systému a aplikace. Do </a:t>
+            </a:r>
+            <a:r>
+              <a:rPr lang="cs-CZ" b="0" i="0" dirty="0" err="1">
+                <a:effectLst/>
+                <a:latin typeface="Arial" panose="020B0604020202020204" pitchFamily="34" charset="0"/>
+              </a:rPr>
+              <a:t>repozitářů</a:t>
+            </a:r>
+            <a:r>
+              <a:rPr lang="cs-CZ" b="0" i="0" dirty="0">
+                <a:effectLst/>
+                <a:latin typeface="Arial" panose="020B0604020202020204" pitchFamily="34" charset="0"/>
+              </a:rPr>
+              <a:t> jsou umisťovány také aktualizace, které umožňují zajistit nejen automatické </a:t>
             </a:r>
             <a:r>
               <a:rPr lang="cs-CZ" dirty="0">
                 <a:latin typeface="Arial" panose="020B0604020202020204" pitchFamily="34" charset="0"/>
               </a:rPr>
-              <a:t>grafickou kartu, počítačové hry,..) </a:t>
-            </a:r>
-          </a:p>
-          <a:p>
+              <a:t>opravy chyb</a:t>
+            </a:r>
             <a:r>
               <a:rPr lang="cs-CZ" b="0" i="0" dirty="0">
                 <a:effectLst/>
                 <a:latin typeface="Arial" panose="020B0604020202020204" pitchFamily="34" charset="0"/>
               </a:rPr>
-              <a:t>Také profesionální komerční distribuce jsou dostupné pouze po zaplacení (například </a:t>
-            </a:r>
-            <a:r>
-              <a:rPr lang="cs-CZ" u="sng" dirty="0" err="1">
+              <a:t>, ale zajišťují také bezpečnost </a:t>
+            </a:r>
+            <a:r>
+              <a:rPr lang="cs-CZ" dirty="0">
                 <a:latin typeface="Arial" panose="020B0604020202020204" pitchFamily="34" charset="0"/>
               </a:rPr>
-              <a:t>Red</a:t>
-            </a:r>
-            <a:r>
-              <a:rPr lang="cs-CZ" u="sng" dirty="0">
+              <a:t>systému</a:t>
+            </a:r>
+            <a:r>
+              <a:rPr lang="cs-CZ" b="0" i="0" dirty="0">
+                <a:effectLst/>
                 <a:latin typeface="Arial" panose="020B0604020202020204" pitchFamily="34" charset="0"/>
               </a:rPr>
-              <a:t> </a:t>
-            </a:r>
-            <a:r>
-              <a:rPr lang="cs-CZ" u="sng" dirty="0" err="1">
+              <a:t> odstraňováním zjištěných </a:t>
+            </a:r>
+            <a:r>
+              <a:rPr lang="cs-CZ" dirty="0">
                 <a:latin typeface="Arial" panose="020B0604020202020204" pitchFamily="34" charset="0"/>
               </a:rPr>
-              <a:t>Hat</a:t>
-            </a:r>
-            <a:r>
-              <a:rPr lang="cs-CZ" u="sng" dirty="0">
+              <a:t>zranitelností</a:t>
+            </a:r>
+            <a:r>
+              <a:rPr lang="cs-CZ" b="0" i="0" dirty="0">
+                <a:effectLst/>
                 <a:latin typeface="Arial" panose="020B0604020202020204" pitchFamily="34" charset="0"/>
               </a:rPr>
-              <a:t> </a:t>
-            </a:r>
-            <a:r>
-              <a:rPr lang="cs-CZ" u="sng" dirty="0" err="1">
-                <a:latin typeface="Arial" panose="020B0604020202020204" pitchFamily="34" charset="0"/>
-              </a:rPr>
-              <a:t>Enterprise</a:t>
-            </a:r>
-            <a:r>
-              <a:rPr lang="cs-CZ" u="sng" dirty="0">
-                <a:latin typeface="Arial" panose="020B0604020202020204" pitchFamily="34" charset="0"/>
-              </a:rPr>
-              <a:t> Linux</a:t>
-            </a:r>
-            <a:r>
-              <a:rPr lang="cs-CZ" b="0" i="0" dirty="0">
-                <a:effectLst/>
-                <a:latin typeface="Arial" panose="020B0604020202020204" pitchFamily="34" charset="0"/>
-              </a:rPr>
-              <a:t>, </a:t>
-            </a:r>
-            <a:r>
-              <a:rPr lang="cs-CZ" u="sng" dirty="0">
-                <a:latin typeface="Arial" panose="020B0604020202020204" pitchFamily="34" charset="0"/>
-              </a:rPr>
-              <a:t>SUSE Linux </a:t>
-            </a:r>
-            <a:r>
-              <a:rPr lang="cs-CZ" u="sng" dirty="0" err="1">
-                <a:latin typeface="Arial" panose="020B0604020202020204" pitchFamily="34" charset="0"/>
-              </a:rPr>
-              <a:t>Enterprise</a:t>
-            </a:r>
-            <a:r>
-              <a:rPr lang="cs-CZ" u="sng" dirty="0">
-                <a:latin typeface="Arial" panose="020B0604020202020204" pitchFamily="34" charset="0"/>
-              </a:rPr>
-              <a:t> Server</a:t>
-            </a:r>
-            <a:r>
-              <a:rPr lang="cs-CZ" b="0" i="0" dirty="0">
-                <a:effectLst/>
-                <a:latin typeface="Arial" panose="020B0604020202020204" pitchFamily="34" charset="0"/>
-              </a:rPr>
-              <a:t>), avšak díky povaze open source k některým existují volně šiřitelné identické klony (např. </a:t>
-            </a:r>
-            <a:r>
-              <a:rPr lang="cs-CZ" u="sng" dirty="0" err="1">
-                <a:latin typeface="Arial" panose="020B0604020202020204" pitchFamily="34" charset="0"/>
-              </a:rPr>
-              <a:t>CentOS</a:t>
-            </a:r>
-            <a:r>
-              <a:rPr lang="cs-CZ" b="0" i="0" dirty="0">
-                <a:effectLst/>
-                <a:latin typeface="Arial" panose="020B0604020202020204" pitchFamily="34" charset="0"/>
-              </a:rPr>
-              <a:t>). </a:t>
-            </a:r>
-            <a:endParaRPr lang="cs-CZ" dirty="0">
-              <a:latin typeface="Arial" panose="020B0604020202020204" pitchFamily="34" charset="0"/>
-            </a:endParaRPr>
+              <a:t> a to nejen pro samotný operační systém, ale i pro všechny ostatní součásti příslušné distribuce.</a:t>
+            </a:r>
+            <a:endParaRPr lang="cs-CZ" dirty="0"/>
           </a:p>
         </p:txBody>
       </p:sp>
     </p:spTree>
     <p:extLst>
       <p:ext uri="{BB962C8B-B14F-4D97-AF65-F5344CB8AC3E}">
-        <p14:creationId xmlns:p14="http://schemas.microsoft.com/office/powerpoint/2010/main" val="2267382108"/>
+        <p14:creationId xmlns:p14="http://schemas.microsoft.com/office/powerpoint/2010/main" val="3212880037"/>
       </p:ext>
     </p:extLst>
   </p:cSld>
@@ -10472,7 +10410,7 @@
           <p:cNvPr id="2" name="Nadpis 1">
             <a:extLst>
               <a:ext uri="{FF2B5EF4-FFF2-40B4-BE49-F238E27FC236}">
-                <a16:creationId xmlns:a16="http://schemas.microsoft.com/office/drawing/2014/main" id="{34C38762-BD51-795A-EE8A-F891827487EB}"/>
+                <a16:creationId xmlns:a16="http://schemas.microsoft.com/office/drawing/2014/main" id="{AFBCFCF0-262D-6F27-FFBC-6F578C6B9E3A}"/>
               </a:ext>
             </a:extLst>
           </p:cNvPr>
@@ -10489,12 +10427,9 @@
           <a:lstStyle/>
           <a:p>
             <a:r>
-              <a:rPr lang="cs-CZ" i="0" dirty="0">
-                <a:effectLst/>
-              </a:rPr>
+              <a:rPr lang="cs-CZ" dirty="0"/>
               <a:t>Programování na Linuxu</a:t>
             </a:r>
-            <a:endParaRPr lang="cs-CZ" dirty="0"/>
           </a:p>
         </p:txBody>
       </p:sp>
@@ -10503,7 +10438,7 @@
           <p:cNvPr id="3" name="Zástupný obsah 2">
             <a:extLst>
               <a:ext uri="{FF2B5EF4-FFF2-40B4-BE49-F238E27FC236}">
-                <a16:creationId xmlns:a16="http://schemas.microsoft.com/office/drawing/2014/main" id="{B343801A-9EB3-A4EF-C677-BFFDC6BF78CD}"/>
+                <a16:creationId xmlns:a16="http://schemas.microsoft.com/office/drawing/2014/main" id="{AF1A5F0E-D2D6-210F-65C9-6F5C72DDBD7E}"/>
               </a:ext>
             </a:extLst>
           </p:cNvPr>
@@ -10514,11 +10449,14 @@
             <p:ph idx="1"/>
           </p:nvPr>
         </p:nvSpPr>
-        <p:spPr/>
-        <p:txBody>
-          <a:bodyPr>
-            <a:normAutofit/>
-          </a:bodyPr>
+        <p:spPr>
+          <a:xfrm>
+            <a:off x="503039" y="2245508"/>
+            <a:ext cx="6376732" cy="3859265"/>
+          </a:xfrm>
+        </p:spPr>
+        <p:txBody>
+          <a:bodyPr/>
           <a:lstStyle/>
           <a:p>
             <a:r>
@@ -10527,70 +10465,52 @@
             </a:r>
           </a:p>
           <a:p>
-            <a:pPr algn="l"/>
             <a:r>
               <a:rPr lang="cs-CZ" b="0" i="0" dirty="0">
                 <a:effectLst/>
                 <a:latin typeface="Arial" panose="020B0604020202020204" pitchFamily="34" charset="0"/>
               </a:rPr>
               <a:t>Linux podporuje i celou řadu dalších programovacích jazyků. Kromě jednoduchého jazyka zabudovaného přímo v příkazovém řádku jsou nejpoužívanějšími jazyky v linuxovém prostředí </a:t>
-            </a:r>
-            <a:r>
-              <a:rPr lang="cs-CZ" b="0" i="0" u="none" strike="noStrike" dirty="0">
-                <a:effectLst/>
-                <a:latin typeface="Arial" panose="020B0604020202020204" pitchFamily="34" charset="0"/>
-                <a:hlinkClick r:id="rId3" tooltip="Perl">
-                  <a:extLst>
-                    <a:ext uri="{A12FA001-AC4F-418D-AE19-62706E023703}">
-                      <ahyp:hlinkClr xmlns:ahyp="http://schemas.microsoft.com/office/drawing/2018/hyperlinkcolor" val="tx"/>
-                    </a:ext>
-                  </a:extLst>
-                </a:hlinkClick>
-              </a:rPr>
-              <a:t>Perl</a:t>
-            </a:r>
-            <a:r>
-              <a:rPr lang="cs-CZ" b="0" i="0" dirty="0">
-                <a:effectLst/>
-                <a:latin typeface="Arial" panose="020B0604020202020204" pitchFamily="34" charset="0"/>
-              </a:rPr>
-              <a:t> a </a:t>
-            </a:r>
-            <a:r>
-              <a:rPr lang="cs-CZ" b="0" i="0" u="none" strike="noStrike" dirty="0">
-                <a:effectLst/>
-                <a:latin typeface="Arial" panose="020B0604020202020204" pitchFamily="34" charset="0"/>
-                <a:hlinkClick r:id="rId4" tooltip="Python">
-                  <a:extLst>
-                    <a:ext uri="{A12FA001-AC4F-418D-AE19-62706E023703}">
-                      <ahyp:hlinkClr xmlns:ahyp="http://schemas.microsoft.com/office/drawing/2018/hyperlinkcolor" val="tx"/>
-                    </a:ext>
-                  </a:extLst>
-                </a:hlinkClick>
-              </a:rPr>
-              <a:t>Python</a:t>
-            </a:r>
-            <a:r>
-              <a:rPr lang="cs-CZ" b="0" i="0" dirty="0">
-                <a:effectLst/>
-                <a:latin typeface="Arial" panose="020B0604020202020204" pitchFamily="34" charset="0"/>
-              </a:rPr>
-              <a:t>.</a:t>
-            </a:r>
-          </a:p>
-          <a:p>
-            <a:pPr algn="l"/>
-            <a:r>
-              <a:rPr lang="cs-CZ" b="0" i="0" dirty="0">
-                <a:effectLst/>
-                <a:latin typeface="Arial" panose="020B0604020202020204" pitchFamily="34" charset="0"/>
-              </a:rPr>
-              <a:t>Linux je velmi populární platformou pro provoz </a:t>
             </a:r>
             <a:r>
               <a:rPr lang="cs-CZ" dirty="0">
                 <a:latin typeface="Arial" panose="020B0604020202020204" pitchFamily="34" charset="0"/>
               </a:rPr>
+              <a:t>Perl</a:t>
+            </a:r>
+            <a:r>
+              <a:rPr lang="cs-CZ" b="0" i="0" dirty="0">
+                <a:effectLst/>
+                <a:latin typeface="Arial" panose="020B0604020202020204" pitchFamily="34" charset="0"/>
+              </a:rPr>
+              <a:t> a </a:t>
+            </a:r>
+            <a:r>
+              <a:rPr lang="cs-CZ" dirty="0">
+                <a:latin typeface="Arial" panose="020B0604020202020204" pitchFamily="34" charset="0"/>
+              </a:rPr>
+              <a:t>Python</a:t>
+            </a:r>
+            <a:r>
+              <a:rPr lang="cs-CZ" b="0" i="0" dirty="0">
+                <a:effectLst/>
+                <a:latin typeface="Arial" panose="020B0604020202020204" pitchFamily="34" charset="0"/>
+              </a:rPr>
+              <a:t>.</a:t>
+            </a:r>
+          </a:p>
+          <a:p>
+            <a:r>
+              <a:rPr lang="cs-CZ" b="0" i="0" dirty="0">
+                <a:effectLst/>
+                <a:latin typeface="Arial" panose="020B0604020202020204" pitchFamily="34" charset="0"/>
+              </a:rPr>
+              <a:t>Linux je velmi populární platformou pro provoz </a:t>
+            </a:r>
+            <a:r>
+              <a:rPr lang="cs-CZ" dirty="0">
+                <a:latin typeface="Arial" panose="020B0604020202020204" pitchFamily="34" charset="0"/>
+              </a:rPr>
               <a:t>WWW</a:t>
             </a:r>
             <a:r>
@@ -10600,17 +10520,94 @@
               </a:rPr>
               <a:t> serverů.</a:t>
             </a:r>
-            <a:br>
-              <a:rPr lang="cs-CZ" dirty="0"/>
-            </a:br>
             <a:endParaRPr lang="cs-CZ" dirty="0"/>
           </a:p>
-        </p:txBody>
-      </p:sp>
+          <a:p>
+            <a:endParaRPr lang="cs-CZ" dirty="0"/>
+          </a:p>
+        </p:txBody>
+      </p:sp>
+      <p:sp>
+        <p:nvSpPr>
+          <p:cNvPr id="4" name="Zástupný text 3">
+            <a:extLst>
+              <a:ext uri="{FF2B5EF4-FFF2-40B4-BE49-F238E27FC236}">
+                <a16:creationId xmlns:a16="http://schemas.microsoft.com/office/drawing/2014/main" id="{DB4C5DD5-3B59-FCEE-3E04-05E22E367D34}"/>
+              </a:ext>
+            </a:extLst>
+          </p:cNvPr>
+          <p:cNvSpPr>
+            <a:spLocks noGrp="1"/>
+          </p:cNvSpPr>
+          <p:nvPr>
+            <p:ph type="body" sz="half" idx="2"/>
+          </p:nvPr>
+        </p:nvSpPr>
+        <p:spPr>
+          <a:xfrm>
+            <a:off x="-1493710" y="3210561"/>
+            <a:ext cx="1123381" cy="2235325"/>
+          </a:xfrm>
+        </p:spPr>
+        <p:txBody>
+          <a:bodyPr/>
+          <a:lstStyle/>
+          <a:p>
+            <a:endParaRPr lang="cs-CZ" dirty="0"/>
+          </a:p>
+        </p:txBody>
+      </p:sp>
+      <p:pic>
+        <p:nvPicPr>
+          <p:cNvPr id="2050" name="Picture 2">
+            <a:extLst>
+              <a:ext uri="{FF2B5EF4-FFF2-40B4-BE49-F238E27FC236}">
+                <a16:creationId xmlns:a16="http://schemas.microsoft.com/office/drawing/2014/main" id="{89EF0D3A-F87C-8959-1B07-E371A7F6BE64}"/>
+              </a:ext>
+            </a:extLst>
+          </p:cNvPr>
+          <p:cNvPicPr>
+            <a:picLocks noChangeAspect="1" noChangeArrowheads="1"/>
+          </p:cNvPicPr>
+          <p:nvPr/>
+        </p:nvPicPr>
+        <p:blipFill>
+          <a:blip r:embed="rId3">
+            <a:extLst>
+              <a:ext uri="{28A0092B-C50C-407E-A947-70E740481C1C}">
+                <a14:useLocalDpi xmlns:a14="http://schemas.microsoft.com/office/drawing/2010/main" val="0"/>
+              </a:ext>
+            </a:extLst>
+          </a:blip>
+          <a:srcRect/>
+          <a:stretch>
+            <a:fillRect/>
+          </a:stretch>
+        </p:blipFill>
+        <p:spPr bwMode="auto">
+          <a:xfrm>
+            <a:off x="7057053" y="2443315"/>
+            <a:ext cx="4732336" cy="3087849"/>
+          </a:xfrm>
+          <a:prstGeom prst="rect">
+            <a:avLst/>
+          </a:prstGeom>
+          <a:noFill/>
+          <a:extLst>
+            <a:ext uri="{909E8E84-426E-40DD-AFC4-6F175D3DCCD1}">
+              <a14:hiddenFill xmlns:a14="http://schemas.microsoft.com/office/drawing/2010/main">
+                <a:solidFill>
+                  <a:srgbClr val="FFFFFF"/>
+                </a:solidFill>
+              </a14:hiddenFill>
+            </a:ext>
+          </a:extLst>
+        </p:spPr>
+      </p:pic>
     </p:spTree>
     <p:extLst>
       <p:ext uri="{BB962C8B-B14F-4D97-AF65-F5344CB8AC3E}">
-        <p14:creationId xmlns:p14="http://schemas.microsoft.com/office/powerpoint/2010/main" val="639250695"/>
+        <p14:creationId xmlns:p14="http://schemas.microsoft.com/office/powerpoint/2010/main" val="751013550"/>
       </p:ext>
     </p:extLst>
   </p:cSld>
@@ -10642,6 +10639,170 @@
           <p:cNvPr id="2" name="Nadpis 1">
             <a:extLst>
               <a:ext uri="{FF2B5EF4-FFF2-40B4-BE49-F238E27FC236}">
+                <a16:creationId xmlns:a16="http://schemas.microsoft.com/office/drawing/2014/main" id="{BB850AD0-552D-E7BF-0385-0846F3EE6A15}"/>
+              </a:ext>
+            </a:extLst>
+          </p:cNvPr>
+          <p:cNvSpPr>
+            <a:spLocks noGrp="1"/>
+          </p:cNvSpPr>
+          <p:nvPr>
+            <p:ph type="title"/>
+          </p:nvPr>
+        </p:nvSpPr>
+        <p:spPr/>
+        <p:txBody>
+          <a:bodyPr/>
+          <a:lstStyle/>
+          <a:p>
+            <a:r>
+              <a:rPr lang="cs-CZ" dirty="0"/>
+              <a:t>Hry</a:t>
+            </a:r>
+          </a:p>
+        </p:txBody>
+      </p:sp>
+      <p:sp>
+        <p:nvSpPr>
+          <p:cNvPr id="3" name="Zástupný obsah 2">
+            <a:extLst>
+              <a:ext uri="{FF2B5EF4-FFF2-40B4-BE49-F238E27FC236}">
+                <a16:creationId xmlns:a16="http://schemas.microsoft.com/office/drawing/2014/main" id="{187949A4-C0F1-41EF-E96C-4D951B59CA2C}"/>
+              </a:ext>
+            </a:extLst>
+          </p:cNvPr>
+          <p:cNvSpPr>
+            <a:spLocks noGrp="1"/>
+          </p:cNvSpPr>
+          <p:nvPr>
+            <p:ph idx="1"/>
+          </p:nvPr>
+        </p:nvSpPr>
+        <p:spPr/>
+        <p:txBody>
+          <a:bodyPr/>
+          <a:lstStyle/>
+          <a:p>
+            <a:r>
+              <a:rPr lang="cs-CZ" dirty="0"/>
+              <a:t>V minulosti bylo pro Linux dostupných pouze málo her. </a:t>
+            </a:r>
+          </a:p>
+          <a:p>
+            <a:r>
+              <a:rPr lang="cs-CZ" b="0" i="0" dirty="0">
+                <a:effectLst/>
+                <a:latin typeface="Arial" panose="020B0604020202020204" pitchFamily="34" charset="0"/>
+              </a:rPr>
+              <a:t>V posledních letech bylo vydáno více her s podporou Linuxu s výjimkou několika herních AAA titulů. </a:t>
+            </a:r>
+            <a:r>
+              <a:rPr lang="cs-CZ" dirty="0">
+                <a:latin typeface="Arial" panose="020B0604020202020204" pitchFamily="34" charset="0"/>
+              </a:rPr>
+              <a:t>Android, platforma </a:t>
+            </a:r>
+            <a:r>
+              <a:rPr lang="cs-CZ" b="0" i="0" dirty="0">
+                <a:effectLst/>
+                <a:latin typeface="Arial" panose="020B0604020202020204" pitchFamily="34" charset="0"/>
+              </a:rPr>
+              <a:t>která používá </a:t>
+            </a:r>
+            <a:r>
+              <a:rPr lang="cs-CZ" dirty="0">
+                <a:latin typeface="Arial" panose="020B0604020202020204" pitchFamily="34" charset="0"/>
+              </a:rPr>
+              <a:t>jádro Linuxu</a:t>
+            </a:r>
+            <a:r>
+              <a:rPr lang="cs-CZ" b="0" i="0" dirty="0">
+                <a:effectLst/>
+                <a:latin typeface="Arial" panose="020B0604020202020204" pitchFamily="34" charset="0"/>
+              </a:rPr>
+              <a:t>, začala hodně zajímat vývojáře a je jednou z hlavních platforem pro vývoj mobilních her spolu s operačním systémem </a:t>
+            </a:r>
+            <a:r>
+              <a:rPr lang="cs-CZ" dirty="0">
+                <a:latin typeface="Arial" panose="020B0604020202020204" pitchFamily="34" charset="0"/>
+              </a:rPr>
+              <a:t>iOS</a:t>
+            </a:r>
+          </a:p>
+          <a:p>
+            <a:r>
+              <a:rPr lang="cs-CZ" b="0" i="0" dirty="0">
+                <a:effectLst/>
+                <a:latin typeface="Arial" panose="020B0604020202020204" pitchFamily="34" charset="0"/>
+              </a:rPr>
+              <a:t>Někteří uživatelé systému Linux hrají Windows hry přes </a:t>
+            </a:r>
+            <a:r>
+              <a:rPr lang="cs-CZ" dirty="0" err="1">
+                <a:latin typeface="Arial" panose="020B0604020202020204" pitchFamily="34" charset="0"/>
+              </a:rPr>
+              <a:t>Wine</a:t>
+            </a:r>
+            <a:r>
+              <a:rPr lang="cs-CZ" b="0" i="0" dirty="0">
+                <a:effectLst/>
+                <a:latin typeface="Arial" panose="020B0604020202020204" pitchFamily="34" charset="0"/>
+              </a:rPr>
+              <a:t>, Proton nebo </a:t>
+            </a:r>
+            <a:r>
+              <a:rPr lang="cs-CZ" b="0" i="0" dirty="0" err="1">
+                <a:effectLst/>
+                <a:latin typeface="Arial" panose="020B0604020202020204" pitchFamily="34" charset="0"/>
+              </a:rPr>
+              <a:t>CrossOver</a:t>
+            </a:r>
+            <a:r>
+              <a:rPr lang="cs-CZ" b="0" i="0" dirty="0">
+                <a:effectLst/>
+                <a:latin typeface="Arial" panose="020B0604020202020204" pitchFamily="34" charset="0"/>
+              </a:rPr>
+              <a:t> Linux.</a:t>
+            </a:r>
+            <a:endParaRPr lang="cs-CZ" dirty="0"/>
+          </a:p>
+        </p:txBody>
+      </p:sp>
+    </p:spTree>
+    <p:extLst>
+      <p:ext uri="{BB962C8B-B14F-4D97-AF65-F5344CB8AC3E}">
+        <p14:creationId xmlns:p14="http://schemas.microsoft.com/office/powerpoint/2010/main" val="3796572634"/>
+      </p:ext>
+    </p:extLst>
+  </p:cSld>
+  <p:clrMapOvr>
+    <a:masterClrMapping/>
+  </p:clrMapOvr>
+</p:sld>
+</file>
+
+<file path=ppt/slides/slide15.xml><?xml version="1.0" encoding="utf-8"?>
+<p:sld xmlns:a="http://schemas.openxmlformats.org/drawingml/2006/main" xmlns:r="http://schemas.openxmlformats.org/officeDocument/2006/relationships" xmlns:p="http://schemas.openxmlformats.org/presentationml/2006/main">
+  <p:cSld>
+    <p:spTree>
+      <p:nvGrpSpPr>
+        <p:cNvPr id="1" name=""/>
+        <p:cNvGrpSpPr/>
+        <p:nvPr/>
+      </p:nvGrpSpPr>
+      <p:grpSpPr>
+        <a:xfrm>
+          <a:off x="0" y="0"/>
+          <a:ext cx="0" cy="0"/>
+          <a:chOff x="0" y="0"/>
+          <a:chExt cx="0" cy="0"/>
+        </a:xfrm>
+      </p:grpSpPr>
+      <p:sp>
+        <p:nvSpPr>
+          <p:cNvPr id="2" name="Nadpis 1">
+            <a:extLst>
+              <a:ext uri="{FF2B5EF4-FFF2-40B4-BE49-F238E27FC236}">
                 <a16:creationId xmlns:a16="http://schemas.microsoft.com/office/drawing/2014/main" id="{83E4EC67-7DE5-FDD9-338E-46FE2B486643}"/>
               </a:ext>
             </a:extLst>
@@ -10683,71 +10844,53 @@
         </p:nvSpPr>
         <p:spPr>
           <a:xfrm>
-            <a:off x="581201" y="2052735"/>
-            <a:ext cx="11029597" cy="4655975"/>
+            <a:off x="-83976" y="1987420"/>
+            <a:ext cx="12391053" cy="4721290"/>
           </a:xfrm>
         </p:spPr>
         <p:txBody>
           <a:bodyPr>
-            <a:normAutofit fontScale="47500" lnSpcReduction="20000"/>
+            <a:normAutofit/>
           </a:bodyPr>
           <a:lstStyle/>
           <a:p>
             <a:r>
-              <a:rPr lang="en-US" sz="3600" b="0" i="0" dirty="0">
-                <a:solidFill>
-                  <a:schemeClr val="bg1"/>
-                </a:solidFill>
+              <a:rPr lang="en-US" sz="1000" b="0" i="0" dirty="0">
                 <a:effectLst/>
                 <a:latin typeface="Open Sans" panose="020B0604020202020204" pitchFamily="34" charset="0"/>
               </a:rPr>
               <a:t>Linux. In: </a:t>
             </a:r>
             <a:r>
-              <a:rPr lang="en-US" sz="3600" b="0" i="1" dirty="0">
-                <a:solidFill>
-                  <a:schemeClr val="bg1"/>
-                </a:solidFill>
+              <a:rPr lang="en-US" sz="1000" b="0" i="1" dirty="0">
                 <a:effectLst/>
                 <a:latin typeface="Open Sans" panose="020B0604020202020204" pitchFamily="34" charset="0"/>
               </a:rPr>
               <a:t>Wikipedia: the free encyclopedia</a:t>
             </a:r>
             <a:r>
-              <a:rPr lang="en-US" sz="3600" b="0" i="0" dirty="0">
-                <a:solidFill>
-                  <a:schemeClr val="bg1"/>
-                </a:solidFill>
+              <a:rPr lang="en-US" sz="1000" b="0" i="0" dirty="0">
                 <a:effectLst/>
                 <a:latin typeface="Open Sans" panose="020B0604020202020204" pitchFamily="34" charset="0"/>
               </a:rPr>
               <a:t> [online]. San Francisco (CA): Wikimedia Foundation, 2001- [cit. 2023-01-17]. </a:t>
             </a:r>
             <a:r>
-              <a:rPr lang="en-US" sz="3600" b="0" i="0" dirty="0" err="1">
-                <a:solidFill>
-                  <a:schemeClr val="bg1"/>
-                </a:solidFill>
+              <a:rPr lang="en-US" sz="1000" b="0" i="0" dirty="0" err="1">
                 <a:effectLst/>
                 <a:latin typeface="Open Sans" panose="020B0604020202020204" pitchFamily="34" charset="0"/>
               </a:rPr>
               <a:t>Dostupné</a:t>
             </a:r>
             <a:r>
-              <a:rPr lang="en-US" sz="3600" b="0" i="0" dirty="0">
-                <a:solidFill>
-                  <a:schemeClr val="bg1"/>
-                </a:solidFill>
+              <a:rPr lang="en-US" sz="1000" b="0" i="0" dirty="0">
                 <a:effectLst/>
                 <a:latin typeface="Open Sans" panose="020B0604020202020204" pitchFamily="34" charset="0"/>
               </a:rPr>
               <a:t> z: </a:t>
             </a:r>
             <a:r>
-              <a:rPr lang="en-US" sz="3600" b="0" i="0" dirty="0">
-                <a:solidFill>
-                  <a:schemeClr val="bg1"/>
-                </a:solidFill>
+              <a:rPr lang="en-US" sz="1000" b="0" i="0" dirty="0">
                 <a:effectLst/>
                 <a:latin typeface="Open Sans" panose="020B0604020202020204" pitchFamily="34" charset="0"/>
                 <a:hlinkClick r:id="rId2">
@@ -10760,50 +10903,35 @@
               </a:rPr>
               <a:t>https://cs.wikipedia.org/wiki/Linux</a:t>
             </a:r>
-            <a:endParaRPr lang="cs-CZ" sz="3600" b="0" i="0" dirty="0">
-              <a:solidFill>
-                <a:schemeClr val="bg1"/>
-              </a:solidFill>
+            <a:endParaRPr lang="cs-CZ" sz="1000" b="0" i="0" dirty="0">
               <a:effectLst/>
               <a:latin typeface="Open Sans" panose="020B0604020202020204" pitchFamily="34" charset="0"/>
             </a:endParaRPr>
           </a:p>
           <a:p>
             <a:r>
-              <a:rPr lang="cs-CZ" sz="3600" b="0" i="0" dirty="0">
-                <a:solidFill>
-                  <a:schemeClr val="bg1"/>
-                </a:solidFill>
+              <a:rPr lang="cs-CZ" sz="1000" b="0" i="0" dirty="0">
                 <a:effectLst/>
                 <a:latin typeface="Open Sans" panose="020B0606030504020204" pitchFamily="34" charset="0"/>
               </a:rPr>
               <a:t>Historie operačního systému GNU/Linux. </a:t>
             </a:r>
             <a:r>
-              <a:rPr lang="cs-CZ" sz="3600" b="0" i="1" dirty="0">
-                <a:solidFill>
-                  <a:schemeClr val="bg1"/>
-                </a:solidFill>
+              <a:rPr lang="cs-CZ" sz="1000" b="0" i="1" dirty="0">
                 <a:effectLst/>
                 <a:latin typeface="Open Sans" panose="020B0606030504020204" pitchFamily="34" charset="0"/>
               </a:rPr>
               <a:t>Https://www.root.cz/texty/historie-operacniho-systemu-gnulinux/</a:t>
             </a:r>
             <a:r>
-              <a:rPr lang="cs-CZ" sz="3600" b="0" i="0" dirty="0">
-                <a:solidFill>
-                  <a:schemeClr val="bg1"/>
-                </a:solidFill>
+              <a:rPr lang="cs-CZ" sz="1000" b="0" i="0" dirty="0">
                 <a:effectLst/>
                 <a:latin typeface="Open Sans" panose="020B0606030504020204" pitchFamily="34" charset="0"/>
               </a:rPr>
               <a:t> [online]. [cit. 2023-01-17]. Dostupné z: </a:t>
             </a:r>
             <a:r>
-              <a:rPr lang="cs-CZ" sz="3600" b="0" i="0" dirty="0">
-                <a:solidFill>
-                  <a:schemeClr val="bg1"/>
-                </a:solidFill>
+              <a:rPr lang="cs-CZ" sz="1000" b="0" i="0" dirty="0">
                 <a:effectLst/>
                 <a:latin typeface="Open Sans" panose="020B0606030504020204" pitchFamily="34" charset="0"/>
                 <a:hlinkClick r:id="rId3">
@@ -10816,120 +10944,84 @@
               </a:rPr>
               <a:t>https://www.root.cz/texty/historie-operacniho-systemu-gnulinux/</a:t>
             </a:r>
-            <a:endParaRPr lang="cs-CZ" sz="3600" b="0" i="0" dirty="0">
-              <a:solidFill>
-                <a:schemeClr val="bg1"/>
-              </a:solidFill>
+            <a:endParaRPr lang="cs-CZ" sz="1000" b="0" i="0" dirty="0">
               <a:effectLst/>
               <a:latin typeface="Open Sans" panose="020B0606030504020204" pitchFamily="34" charset="0"/>
             </a:endParaRPr>
           </a:p>
           <a:p>
             <a:r>
-              <a:rPr lang="cs-CZ" sz="3600" b="0" i="0" dirty="0">
-                <a:solidFill>
-                  <a:schemeClr val="bg1"/>
-                </a:solidFill>
+              <a:rPr lang="cs-CZ" sz="1000" b="0" i="0" dirty="0">
                 <a:effectLst/>
                 <a:latin typeface="Open Sans" panose="020B0606030504020204" pitchFamily="34" charset="0"/>
               </a:rPr>
               <a:t>Linuxové distribuce. In: </a:t>
             </a:r>
             <a:r>
-              <a:rPr lang="cs-CZ" sz="3600" b="0" i="1" dirty="0">
-                <a:solidFill>
-                  <a:schemeClr val="bg1"/>
-                </a:solidFill>
+              <a:rPr lang="cs-CZ" sz="1000" b="0" i="1" dirty="0">
                 <a:effectLst/>
                 <a:latin typeface="Open Sans" panose="020B0606030504020204" pitchFamily="34" charset="0"/>
               </a:rPr>
               <a:t>Wikipedia: </a:t>
             </a:r>
             <a:r>
-              <a:rPr lang="cs-CZ" sz="3600" b="0" i="1" dirty="0" err="1">
-                <a:solidFill>
-                  <a:schemeClr val="bg1"/>
-                </a:solidFill>
+              <a:rPr lang="cs-CZ" sz="1000" b="0" i="1" dirty="0" err="1">
                 <a:effectLst/>
                 <a:latin typeface="Open Sans" panose="020B0606030504020204" pitchFamily="34" charset="0"/>
               </a:rPr>
               <a:t>the</a:t>
             </a:r>
             <a:r>
-              <a:rPr lang="cs-CZ" sz="3600" b="0" i="1" dirty="0">
-                <a:solidFill>
-                  <a:schemeClr val="bg1"/>
-                </a:solidFill>
+              <a:rPr lang="cs-CZ" sz="1000" b="0" i="1" dirty="0">
                 <a:effectLst/>
                 <a:latin typeface="Open Sans" panose="020B0606030504020204" pitchFamily="34" charset="0"/>
               </a:rPr>
               <a:t> free </a:t>
             </a:r>
             <a:r>
-              <a:rPr lang="cs-CZ" sz="3600" b="0" i="1" dirty="0" err="1">
-                <a:solidFill>
-                  <a:schemeClr val="bg1"/>
-                </a:solidFill>
+              <a:rPr lang="cs-CZ" sz="1000" b="0" i="1" dirty="0" err="1">
                 <a:effectLst/>
                 <a:latin typeface="Open Sans" panose="020B0606030504020204" pitchFamily="34" charset="0"/>
               </a:rPr>
               <a:t>encyclopedia</a:t>
             </a:r>
             <a:r>
-              <a:rPr lang="cs-CZ" sz="3600" b="0" i="0" dirty="0">
-                <a:solidFill>
-                  <a:schemeClr val="bg1"/>
-                </a:solidFill>
+              <a:rPr lang="cs-CZ" sz="1000" b="0" i="0" dirty="0">
                 <a:effectLst/>
                 <a:latin typeface="Open Sans" panose="020B0606030504020204" pitchFamily="34" charset="0"/>
               </a:rPr>
               <a:t> [online]. San Francisco (CA): </a:t>
             </a:r>
             <a:r>
-              <a:rPr lang="cs-CZ" sz="3600" b="0" i="0" dirty="0" err="1">
-                <a:solidFill>
-                  <a:schemeClr val="bg1"/>
-                </a:solidFill>
+              <a:rPr lang="cs-CZ" sz="1000" b="0" i="0" dirty="0" err="1">
                 <a:effectLst/>
                 <a:latin typeface="Open Sans" panose="020B0606030504020204" pitchFamily="34" charset="0"/>
               </a:rPr>
               <a:t>Wikimedia</a:t>
             </a:r>
             <a:r>
-              <a:rPr lang="cs-CZ" sz="3600" b="0" i="0" dirty="0">
-                <a:solidFill>
-                  <a:schemeClr val="bg1"/>
-                </a:solidFill>
+              <a:rPr lang="cs-CZ" sz="1000" b="0" i="0" dirty="0">
                 <a:effectLst/>
                 <a:latin typeface="Open Sans" panose="020B0606030504020204" pitchFamily="34" charset="0"/>
               </a:rPr>
               <a:t> </a:t>
             </a:r>
             <a:r>
-              <a:rPr lang="cs-CZ" sz="3600" b="0" i="0" dirty="0" err="1">
-                <a:solidFill>
-                  <a:schemeClr val="bg1"/>
-                </a:solidFill>
+              <a:rPr lang="cs-CZ" sz="1000" b="0" i="0" dirty="0" err="1">
                 <a:effectLst/>
                 <a:latin typeface="Open Sans" panose="020B0606030504020204" pitchFamily="34" charset="0"/>
               </a:rPr>
               <a:t>Foundation</a:t>
             </a:r>
             <a:r>
-              <a:rPr lang="cs-CZ" sz="3600" b="0" i="0" dirty="0">
-                <a:solidFill>
-                  <a:schemeClr val="bg1"/>
-                </a:solidFill>
+              <a:rPr lang="cs-CZ" sz="1000" b="0" i="0" dirty="0">
                 <a:effectLst/>
                 <a:latin typeface="Open Sans" panose="020B0606030504020204" pitchFamily="34" charset="0"/>
               </a:rPr>
               <a:t>, 2001- [cit. 2023-01-17]. Dostupné z: </a:t>
             </a:r>
             <a:r>
-              <a:rPr lang="cs-CZ" sz="3600" b="0" i="0" dirty="0">
-                <a:solidFill>
-                  <a:schemeClr val="bg1"/>
-                </a:solidFill>
+              <a:rPr lang="cs-CZ" sz="1000" b="0" i="0" dirty="0">
                 <a:effectLst/>
                 <a:latin typeface="Open Sans" panose="020B0606030504020204" pitchFamily="34" charset="0"/>
                 <a:hlinkClick r:id="rId4">
@@ -10942,30 +11034,21 @@
               </a:rPr>
               <a:t>https://cs.wikipedia.org/wiki/Linux#Linuxov%C3%A9_distribuce</a:t>
             </a:r>
-            <a:endParaRPr lang="cs-CZ" sz="3600" b="0" i="0" dirty="0">
-              <a:solidFill>
-                <a:schemeClr val="bg1"/>
-              </a:solidFill>
+            <a:endParaRPr lang="cs-CZ" sz="1000" b="0" i="0" dirty="0">
               <a:effectLst/>
               <a:latin typeface="Open Sans" panose="020B0606030504020204" pitchFamily="34" charset="0"/>
             </a:endParaRPr>
           </a:p>
           <a:p>
             <a:r>
-              <a:rPr lang="cs-CZ" sz="3600" b="0" i="1" dirty="0">
-                <a:solidFill>
-                  <a:schemeClr val="bg1"/>
-                </a:solidFill>
+              <a:rPr lang="cs-CZ" sz="1000" b="0" i="1" dirty="0">
                 <a:effectLst/>
                 <a:latin typeface="Open Sans" panose="020B0606030504020204" pitchFamily="34" charset="0"/>
               </a:rPr>
               <a:t>Linux je stejně jako Microsoft Windows nebo Mac OS operační systém</a:t>
             </a:r>
             <a:r>
-              <a:rPr lang="cs-CZ" sz="3600" b="0" i="0" dirty="0">
-                <a:solidFill>
-                  <a:schemeClr val="bg1"/>
-                </a:solidFill>
+              <a:rPr lang="cs-CZ" sz="1000" b="0" i="0" dirty="0">
                 <a:effectLst/>
                 <a:latin typeface="Open Sans" panose="020B0606030504020204" pitchFamily="34" charset="0"/>
               </a:rPr>
@@ -10974,157 +11057,612 @@
           </a:p>
           <a:p>
             <a:r>
-              <a:rPr lang="en-US" sz="3600" b="0" i="0" dirty="0">
-                <a:solidFill>
-                  <a:schemeClr val="bg1"/>
-                </a:solidFill>
+              <a:rPr lang="en-US" sz="1000" b="0" i="0" dirty="0">
                 <a:effectLst/>
                 <a:latin typeface="Open Sans" panose="020B0606030504020204" pitchFamily="34" charset="0"/>
               </a:rPr>
               <a:t>Linux. In: </a:t>
             </a:r>
             <a:r>
-              <a:rPr lang="en-US" sz="3600" b="0" i="1" dirty="0">
-                <a:solidFill>
-                  <a:schemeClr val="bg1"/>
-                </a:solidFill>
+              <a:rPr lang="en-US" sz="1000" b="0" i="1" dirty="0">
                 <a:effectLst/>
                 <a:latin typeface="Open Sans" panose="020B0606030504020204" pitchFamily="34" charset="0"/>
               </a:rPr>
               <a:t>Wikipedia: the free encyclopedia</a:t>
             </a:r>
             <a:r>
-              <a:rPr lang="en-US" sz="3600" b="0" i="0" dirty="0">
-                <a:solidFill>
-                  <a:schemeClr val="bg1"/>
-                </a:solidFill>
+              <a:rPr lang="en-US" sz="1000" b="0" i="0" dirty="0">
                 <a:effectLst/>
                 <a:latin typeface="Open Sans" panose="020B0606030504020204" pitchFamily="34" charset="0"/>
               </a:rPr>
               <a:t> [online]. San Francisco (CA): Wikimedia Foundation, 2001- [cit. 2023-01-17]. </a:t>
             </a:r>
             <a:r>
-              <a:rPr lang="en-US" sz="3600" b="0" i="0" dirty="0" err="1">
-                <a:solidFill>
-                  <a:schemeClr val="bg1"/>
-                </a:solidFill>
+              <a:rPr lang="en-US" sz="1000" b="0" i="0" dirty="0" err="1">
                 <a:effectLst/>
                 <a:latin typeface="Open Sans" panose="020B0606030504020204" pitchFamily="34" charset="0"/>
               </a:rPr>
               <a:t>Dostupné</a:t>
             </a:r>
             <a:r>
-              <a:rPr lang="en-US" sz="3600" b="0" i="0" dirty="0">
-                <a:solidFill>
-                  <a:schemeClr val="bg1"/>
-                </a:solidFill>
+              <a:rPr lang="en-US" sz="1000" b="0" i="0" dirty="0">
                 <a:effectLst/>
                 <a:latin typeface="Open Sans" panose="020B0606030504020204" pitchFamily="34" charset="0"/>
               </a:rPr>
               <a:t> z: </a:t>
             </a:r>
             <a:r>
-              <a:rPr lang="en-US" sz="3600" b="0" i="0" dirty="0">
-                <a:solidFill>
-                  <a:schemeClr val="bg1"/>
-                </a:solidFill>
+              <a:rPr lang="en-US" sz="1000" b="0" i="0" dirty="0">
                 <a:effectLst/>
                 <a:latin typeface="Open Sans" panose="020B0606030504020204" pitchFamily="34" charset="0"/>
-                <a:hlinkClick r:id="rId2"/>
+                <a:hlinkClick r:id="rId2">
+                  <a:extLst>
+                    <a:ext uri="{A12FA001-AC4F-418D-AE19-62706E023703}">
+                      <ahyp:hlinkClr xmlns:ahyp="http://schemas.microsoft.com/office/drawing/2018/hyperlinkcolor" val="tx"/>
+                    </a:ext>
+                  </a:extLst>
+                </a:hlinkClick>
               </a:rPr>
               <a:t>https://cs.wikipedia.org/wiki/Linux</a:t>
             </a:r>
-            <a:endParaRPr lang="cs-CZ" sz="3600" b="0" i="0" dirty="0">
-              <a:solidFill>
-                <a:schemeClr val="bg1"/>
-              </a:solidFill>
+            <a:endParaRPr lang="cs-CZ" sz="1000" b="0" i="0" dirty="0">
               <a:effectLst/>
               <a:latin typeface="Open Sans" panose="020B0606030504020204" pitchFamily="34" charset="0"/>
             </a:endParaRPr>
           </a:p>
           <a:p>
             <a:r>
-              <a:rPr lang="en-US" sz="3600" b="0" i="0" dirty="0">
+              <a:rPr lang="en-US" sz="1000" b="0" i="0" dirty="0">
+                <a:effectLst/>
+                <a:latin typeface="Open Sans" panose="020B0606030504020204" pitchFamily="34" charset="0"/>
+              </a:rPr>
+              <a:t>Linux-</a:t>
+            </a:r>
+            <a:r>
+              <a:rPr lang="en-US" sz="1000" b="0" i="0" dirty="0" err="1">
+                <a:effectLst/>
+                <a:latin typeface="Open Sans" panose="020B0606030504020204" pitchFamily="34" charset="0"/>
+              </a:rPr>
+              <a:t>licence</a:t>
+            </a:r>
+            <a:r>
+              <a:rPr lang="en-US" sz="1000" b="0" i="0" dirty="0">
+                <a:effectLst/>
+                <a:latin typeface="Open Sans" panose="020B0606030504020204" pitchFamily="34" charset="0"/>
+              </a:rPr>
+              <a:t>. In: </a:t>
+            </a:r>
+            <a:r>
+              <a:rPr lang="en-US" sz="1000" b="0" i="1" dirty="0">
+                <a:effectLst/>
+                <a:latin typeface="Open Sans" panose="020B0606030504020204" pitchFamily="34" charset="0"/>
+              </a:rPr>
+              <a:t>Wikipedia: the free encyclopedia</a:t>
+            </a:r>
+            <a:r>
+              <a:rPr lang="en-US" sz="1000" b="0" i="0" dirty="0">
+                <a:effectLst/>
+                <a:latin typeface="Open Sans" panose="020B0606030504020204" pitchFamily="34" charset="0"/>
+              </a:rPr>
+              <a:t> [online]. San Francisco (CA): Wikimedia Foundation, 2001- [cit. 2023-01-17]. </a:t>
+            </a:r>
+            <a:r>
+              <a:rPr lang="en-US" sz="1000" b="0" i="0" dirty="0" err="1">
+                <a:effectLst/>
+                <a:latin typeface="Open Sans" panose="020B0606030504020204" pitchFamily="34" charset="0"/>
+              </a:rPr>
+              <a:t>Dostupné</a:t>
+            </a:r>
+            <a:r>
+              <a:rPr lang="en-US" sz="1000" b="0" i="0" dirty="0">
+                <a:effectLst/>
+                <a:latin typeface="Open Sans" panose="020B0606030504020204" pitchFamily="34" charset="0"/>
+              </a:rPr>
+              <a:t> z: </a:t>
+            </a:r>
+            <a:r>
+              <a:rPr lang="en-US" sz="1000" b="0" i="0" dirty="0">
+                <a:effectLst/>
+                <a:latin typeface="Open Sans" panose="020B0606030504020204" pitchFamily="34" charset="0"/>
+                <a:hlinkClick r:id="rId5">
+                  <a:extLst>
+                    <a:ext uri="{A12FA001-AC4F-418D-AE19-62706E023703}">
+                      <ahyp:hlinkClr xmlns:ahyp="http://schemas.microsoft.com/office/drawing/2018/hyperlinkcolor" val="tx"/>
+                    </a:ext>
+                  </a:extLst>
+                </a:hlinkClick>
+              </a:rPr>
+              <a:t>https://cs.wikipedia.org/wiki/Linux#Licence</a:t>
+            </a:r>
+            <a:endParaRPr lang="cs-CZ" sz="1000" b="0" i="0" dirty="0">
+              <a:effectLst/>
+              <a:latin typeface="Open Sans" panose="020B0606030504020204" pitchFamily="34" charset="0"/>
+            </a:endParaRPr>
+          </a:p>
+          <a:p>
+            <a:r>
+              <a:rPr lang="cs-CZ" sz="1000" b="0" i="0" dirty="0">
+                <a:effectLst/>
+                <a:latin typeface="Open Sans" panose="020B0606030504020204" pitchFamily="34" charset="0"/>
+              </a:rPr>
+              <a:t>Fedora. In: </a:t>
+            </a:r>
+            <a:r>
+              <a:rPr lang="cs-CZ" sz="1000" b="0" i="1" dirty="0">
+                <a:effectLst/>
+                <a:latin typeface="Open Sans" panose="020B0606030504020204" pitchFamily="34" charset="0"/>
+              </a:rPr>
+              <a:t>Wikipedia: </a:t>
+            </a:r>
+            <a:r>
+              <a:rPr lang="cs-CZ" sz="1000" b="0" i="1" dirty="0" err="1">
+                <a:effectLst/>
+                <a:latin typeface="Open Sans" panose="020B0606030504020204" pitchFamily="34" charset="0"/>
+              </a:rPr>
+              <a:t>the</a:t>
+            </a:r>
+            <a:r>
+              <a:rPr lang="cs-CZ" sz="1000" b="0" i="1" dirty="0">
+                <a:effectLst/>
+                <a:latin typeface="Open Sans" panose="020B0606030504020204" pitchFamily="34" charset="0"/>
+              </a:rPr>
+              <a:t> free </a:t>
+            </a:r>
+            <a:r>
+              <a:rPr lang="cs-CZ" sz="1000" b="0" i="1" dirty="0" err="1">
+                <a:effectLst/>
+                <a:latin typeface="Open Sans" panose="020B0606030504020204" pitchFamily="34" charset="0"/>
+              </a:rPr>
+              <a:t>encyclopedia</a:t>
+            </a:r>
+            <a:r>
+              <a:rPr lang="cs-CZ" sz="1000" b="0" i="0" dirty="0">
+                <a:effectLst/>
+                <a:latin typeface="Open Sans" panose="020B0606030504020204" pitchFamily="34" charset="0"/>
+              </a:rPr>
+              <a:t> [online]. San Francisco (CA): </a:t>
+            </a:r>
+            <a:r>
+              <a:rPr lang="cs-CZ" sz="1000" b="0" i="0" dirty="0" err="1">
+                <a:effectLst/>
+                <a:latin typeface="Open Sans" panose="020B0606030504020204" pitchFamily="34" charset="0"/>
+              </a:rPr>
+              <a:t>Wikimedia</a:t>
+            </a:r>
+            <a:r>
+              <a:rPr lang="cs-CZ" sz="1000" b="0" i="0" dirty="0">
+                <a:effectLst/>
+                <a:latin typeface="Open Sans" panose="020B0606030504020204" pitchFamily="34" charset="0"/>
+              </a:rPr>
+              <a:t> </a:t>
+            </a:r>
+            <a:r>
+              <a:rPr lang="cs-CZ" sz="1000" b="0" i="0" dirty="0" err="1">
+                <a:effectLst/>
+                <a:latin typeface="Open Sans" panose="020B0606030504020204" pitchFamily="34" charset="0"/>
+              </a:rPr>
+              <a:t>Foundation</a:t>
+            </a:r>
+            <a:r>
+              <a:rPr lang="cs-CZ" sz="1000" b="0" i="0" dirty="0">
+                <a:effectLst/>
+                <a:latin typeface="Open Sans" panose="020B0606030504020204" pitchFamily="34" charset="0"/>
+              </a:rPr>
+              <a:t>, 2001- [cit. 2023-01-17]. Dostupné z: </a:t>
+            </a:r>
+            <a:r>
+              <a:rPr lang="cs-CZ" sz="1000" b="0" i="0" dirty="0">
+                <a:effectLst/>
+                <a:latin typeface="Open Sans" panose="020B0606030504020204" pitchFamily="34" charset="0"/>
+                <a:hlinkClick r:id="rId6">
+                  <a:extLst>
+                    <a:ext uri="{A12FA001-AC4F-418D-AE19-62706E023703}">
+                      <ahyp:hlinkClr xmlns:ahyp="http://schemas.microsoft.com/office/drawing/2018/hyperlinkcolor" val="tx"/>
+                    </a:ext>
+                  </a:extLst>
+                </a:hlinkClick>
+              </a:rPr>
+              <a:t>https://cs.wikipedia.org/wiki/Fedora</a:t>
+            </a:r>
+            <a:endParaRPr lang="cs-CZ" sz="1000" b="0" i="0" dirty="0">
+              <a:effectLst/>
+              <a:latin typeface="Open Sans" panose="020B0606030504020204" pitchFamily="34" charset="0"/>
+            </a:endParaRPr>
+          </a:p>
+          <a:p>
+            <a:r>
+              <a:rPr lang="cs-CZ" sz="1000" b="0" i="0" dirty="0" err="1">
+                <a:effectLst/>
+                <a:latin typeface="Open Sans" panose="020B0606030504020204" pitchFamily="34" charset="0"/>
+              </a:rPr>
+              <a:t>Red</a:t>
+            </a:r>
+            <a:r>
+              <a:rPr lang="cs-CZ" sz="1000" b="0" i="0" dirty="0">
+                <a:effectLst/>
+                <a:latin typeface="Open Sans" panose="020B0606030504020204" pitchFamily="34" charset="0"/>
+              </a:rPr>
+              <a:t> </a:t>
+            </a:r>
+            <a:r>
+              <a:rPr lang="cs-CZ" sz="1000" b="0" i="0" dirty="0" err="1">
+                <a:effectLst/>
+                <a:latin typeface="Open Sans" panose="020B0606030504020204" pitchFamily="34" charset="0"/>
+              </a:rPr>
+              <a:t>Hat</a:t>
+            </a:r>
+            <a:r>
+              <a:rPr lang="cs-CZ" sz="1000" b="0" i="0" dirty="0">
+                <a:effectLst/>
+                <a:latin typeface="Open Sans" panose="020B0606030504020204" pitchFamily="34" charset="0"/>
+              </a:rPr>
+              <a:t> </a:t>
+            </a:r>
+            <a:r>
+              <a:rPr lang="cs-CZ" sz="1000" b="0" i="0" dirty="0" err="1">
+                <a:effectLst/>
+                <a:latin typeface="Open Sans" panose="020B0606030504020204" pitchFamily="34" charset="0"/>
+              </a:rPr>
+              <a:t>Enterprise</a:t>
+            </a:r>
+            <a:r>
+              <a:rPr lang="cs-CZ" sz="1000" b="0" i="0" dirty="0">
+                <a:effectLst/>
+                <a:latin typeface="Open Sans" panose="020B0606030504020204" pitchFamily="34" charset="0"/>
+              </a:rPr>
+              <a:t> Linux. In: </a:t>
+            </a:r>
+            <a:r>
+              <a:rPr lang="cs-CZ" sz="1000" b="0" i="1" dirty="0">
+                <a:effectLst/>
+                <a:latin typeface="Open Sans" panose="020B0606030504020204" pitchFamily="34" charset="0"/>
+              </a:rPr>
+              <a:t>Wikipedia: </a:t>
+            </a:r>
+            <a:r>
+              <a:rPr lang="cs-CZ" sz="1000" b="0" i="1" dirty="0" err="1">
+                <a:effectLst/>
+                <a:latin typeface="Open Sans" panose="020B0606030504020204" pitchFamily="34" charset="0"/>
+              </a:rPr>
+              <a:t>the</a:t>
+            </a:r>
+            <a:r>
+              <a:rPr lang="cs-CZ" sz="1000" b="0" i="1" dirty="0">
+                <a:effectLst/>
+                <a:latin typeface="Open Sans" panose="020B0606030504020204" pitchFamily="34" charset="0"/>
+              </a:rPr>
+              <a:t> free </a:t>
+            </a:r>
+            <a:r>
+              <a:rPr lang="cs-CZ" sz="1000" b="0" i="1" dirty="0" err="1">
+                <a:effectLst/>
+                <a:latin typeface="Open Sans" panose="020B0606030504020204" pitchFamily="34" charset="0"/>
+              </a:rPr>
+              <a:t>encyclopedia</a:t>
+            </a:r>
+            <a:r>
+              <a:rPr lang="cs-CZ" sz="1000" b="0" i="0" dirty="0">
+                <a:effectLst/>
+                <a:latin typeface="Open Sans" panose="020B0606030504020204" pitchFamily="34" charset="0"/>
+              </a:rPr>
+              <a:t> [online]. San Francisco (CA): </a:t>
+            </a:r>
+            <a:r>
+              <a:rPr lang="cs-CZ" sz="1000" b="0" i="0" dirty="0" err="1">
+                <a:effectLst/>
+                <a:latin typeface="Open Sans" panose="020B0606030504020204" pitchFamily="34" charset="0"/>
+              </a:rPr>
+              <a:t>Wikimedia</a:t>
+            </a:r>
+            <a:r>
+              <a:rPr lang="cs-CZ" sz="1000" b="0" i="0" dirty="0">
+                <a:effectLst/>
+                <a:latin typeface="Open Sans" panose="020B0606030504020204" pitchFamily="34" charset="0"/>
+              </a:rPr>
+              <a:t> </a:t>
+            </a:r>
+            <a:r>
+              <a:rPr lang="cs-CZ" sz="1000" b="0" i="0" dirty="0" err="1">
+                <a:effectLst/>
+                <a:latin typeface="Open Sans" panose="020B0606030504020204" pitchFamily="34" charset="0"/>
+              </a:rPr>
+              <a:t>Foundation</a:t>
+            </a:r>
+            <a:r>
+              <a:rPr lang="cs-CZ" sz="1000" b="0" i="0" dirty="0">
+                <a:effectLst/>
+                <a:latin typeface="Open Sans" panose="020B0606030504020204" pitchFamily="34" charset="0"/>
+              </a:rPr>
+              <a:t>, 2001- [cit. 2023-01-17]. Dostupné z: </a:t>
+            </a:r>
+            <a:r>
+              <a:rPr lang="cs-CZ" sz="1000" b="0" i="0" dirty="0">
+                <a:effectLst/>
+                <a:latin typeface="Open Sans" panose="020B0606030504020204" pitchFamily="34" charset="0"/>
+                <a:hlinkClick r:id="rId7">
+                  <a:extLst>
+                    <a:ext uri="{A12FA001-AC4F-418D-AE19-62706E023703}">
+                      <ahyp:hlinkClr xmlns:ahyp="http://schemas.microsoft.com/office/drawing/2018/hyperlinkcolor" val="tx"/>
+                    </a:ext>
+                  </a:extLst>
+                </a:hlinkClick>
+              </a:rPr>
+              <a:t>https://cs.wikipedia.org/wiki/Red_Hat_Enterprise_Linux</a:t>
+            </a:r>
+            <a:endParaRPr lang="cs-CZ" sz="1000" b="0" i="0" dirty="0">
+              <a:effectLst/>
+              <a:latin typeface="Open Sans" panose="020B0606030504020204" pitchFamily="34" charset="0"/>
+            </a:endParaRPr>
+          </a:p>
+          <a:p>
+            <a:r>
+              <a:rPr lang="en-US" sz="1000" b="0" i="0" dirty="0">
+                <a:effectLst/>
+                <a:latin typeface="Open Sans" panose="020B0606030504020204" pitchFamily="34" charset="0"/>
+              </a:rPr>
+              <a:t>Arch Linux. In: </a:t>
+            </a:r>
+            <a:r>
+              <a:rPr lang="en-US" sz="1000" b="0" i="1" dirty="0">
+                <a:effectLst/>
+                <a:latin typeface="Open Sans" panose="020B0606030504020204" pitchFamily="34" charset="0"/>
+              </a:rPr>
+              <a:t>Wikipedia: the free encyclopedia</a:t>
+            </a:r>
+            <a:r>
+              <a:rPr lang="en-US" sz="1000" b="0" i="0" dirty="0">
+                <a:effectLst/>
+                <a:latin typeface="Open Sans" panose="020B0606030504020204" pitchFamily="34" charset="0"/>
+              </a:rPr>
+              <a:t> [online]. San Francisco (CA): Wikimedia Foundation, 2001- [cit. 2023-01-17]. </a:t>
+            </a:r>
+            <a:r>
+              <a:rPr lang="en-US" sz="1000" b="0" i="0" dirty="0" err="1">
+                <a:effectLst/>
+                <a:latin typeface="Open Sans" panose="020B0606030504020204" pitchFamily="34" charset="0"/>
+              </a:rPr>
+              <a:t>Dostupné</a:t>
+            </a:r>
+            <a:r>
+              <a:rPr lang="en-US" sz="1000" b="0" i="0" dirty="0">
+                <a:effectLst/>
+                <a:latin typeface="Open Sans" panose="020B0606030504020204" pitchFamily="34" charset="0"/>
+              </a:rPr>
+              <a:t> z: </a:t>
+            </a:r>
+            <a:r>
+              <a:rPr lang="en-US" sz="1000" b="0" i="0" dirty="0">
+                <a:solidFill>
+                  <a:srgbClr val="FFAE3E"/>
+                </a:solidFill>
+                <a:effectLst/>
+                <a:latin typeface="Open Sans" panose="020B0606030504020204" pitchFamily="34" charset="0"/>
+                <a:hlinkClick r:id="rId8">
+                  <a:extLst>
+                    <a:ext uri="{A12FA001-AC4F-418D-AE19-62706E023703}">
+                      <ahyp:hlinkClr xmlns:ahyp="http://schemas.microsoft.com/office/drawing/2018/hyperlinkcolor" val="tx"/>
+                    </a:ext>
+                  </a:extLst>
+                </a:hlinkClick>
+              </a:rPr>
+              <a:t>https://cs.wikipedia.org/wiki/Arch_</a:t>
+            </a:r>
+            <a:r>
+              <a:rPr lang="en-US" sz="1000" b="0" i="0" dirty="0">
+                <a:effectLst/>
+                <a:latin typeface="Open Sans" panose="020B0606030504020204" pitchFamily="34" charset="0"/>
+                <a:hlinkClick r:id="rId8">
+                  <a:extLst>
+                    <a:ext uri="{A12FA001-AC4F-418D-AE19-62706E023703}">
+                      <ahyp:hlinkClr xmlns:ahyp="http://schemas.microsoft.com/office/drawing/2018/hyperlinkcolor" val="tx"/>
+                    </a:ext>
+                  </a:extLst>
+                </a:hlinkClick>
+              </a:rPr>
+              <a:t>Linux</a:t>
+            </a:r>
+            <a:endParaRPr lang="cs-CZ" sz="1000" b="0" i="0" dirty="0">
+              <a:effectLst/>
+              <a:latin typeface="Open Sans" panose="020B0606030504020204" pitchFamily="34" charset="0"/>
+            </a:endParaRPr>
+          </a:p>
+          <a:p>
+            <a:r>
+              <a:rPr lang="cs-CZ" sz="1000" b="0" i="0" dirty="0">
+                <a:effectLst/>
+                <a:latin typeface="Open Sans" panose="020B0606030504020204" pitchFamily="34" charset="0"/>
+              </a:rPr>
+              <a:t>Https://commons.wikimedia.org/wiki/File:Glade_3.2.0_on_Xubuntu.png. In: </a:t>
+            </a:r>
+            <a:r>
+              <a:rPr lang="cs-CZ" sz="1000" b="0" i="1" dirty="0">
+                <a:effectLst/>
+                <a:latin typeface="Open Sans" panose="020B0606030504020204" pitchFamily="34" charset="0"/>
+              </a:rPr>
+              <a:t>Wikipedia: </a:t>
+            </a:r>
+            <a:r>
+              <a:rPr lang="cs-CZ" sz="1000" b="0" i="1" dirty="0" err="1">
+                <a:effectLst/>
+                <a:latin typeface="Open Sans" panose="020B0606030504020204" pitchFamily="34" charset="0"/>
+              </a:rPr>
+              <a:t>the</a:t>
+            </a:r>
+            <a:r>
+              <a:rPr lang="cs-CZ" sz="1000" b="0" i="1" dirty="0">
+                <a:effectLst/>
+                <a:latin typeface="Open Sans" panose="020B0606030504020204" pitchFamily="34" charset="0"/>
+              </a:rPr>
+              <a:t> free </a:t>
+            </a:r>
+            <a:r>
+              <a:rPr lang="cs-CZ" sz="1000" b="0" i="1" dirty="0" err="1">
+                <a:effectLst/>
+                <a:latin typeface="Open Sans" panose="020B0606030504020204" pitchFamily="34" charset="0"/>
+              </a:rPr>
+              <a:t>encyclopedia</a:t>
+            </a:r>
+            <a:r>
+              <a:rPr lang="cs-CZ" sz="1000" b="0" i="0" dirty="0">
+                <a:effectLst/>
+                <a:latin typeface="Open Sans" panose="020B0606030504020204" pitchFamily="34" charset="0"/>
+              </a:rPr>
+              <a:t> [online]. San Francisco (CA): </a:t>
+            </a:r>
+            <a:r>
+              <a:rPr lang="cs-CZ" sz="1000" b="0" i="0" dirty="0" err="1">
+                <a:effectLst/>
+                <a:latin typeface="Open Sans" panose="020B0606030504020204" pitchFamily="34" charset="0"/>
+              </a:rPr>
+              <a:t>Wikimedia</a:t>
+            </a:r>
+            <a:r>
+              <a:rPr lang="cs-CZ" sz="1000" b="0" i="0" dirty="0">
+                <a:effectLst/>
+                <a:latin typeface="Open Sans" panose="020B0606030504020204" pitchFamily="34" charset="0"/>
+              </a:rPr>
+              <a:t> </a:t>
+            </a:r>
+            <a:r>
+              <a:rPr lang="cs-CZ" sz="1000" b="0" i="0" dirty="0" err="1">
+                <a:effectLst/>
+                <a:latin typeface="Open Sans" panose="020B0606030504020204" pitchFamily="34" charset="0"/>
+              </a:rPr>
+              <a:t>Foundation</a:t>
+            </a:r>
+            <a:r>
+              <a:rPr lang="cs-CZ" sz="1000" b="0" i="0" dirty="0">
+                <a:effectLst/>
+                <a:latin typeface="Open Sans" panose="020B0606030504020204" pitchFamily="34" charset="0"/>
+              </a:rPr>
+              <a:t>, 2001- [cit. 2023-01-18]. Dostupné z: </a:t>
+            </a:r>
+            <a:r>
+              <a:rPr lang="cs-CZ" sz="1000" b="0" i="0" dirty="0">
+                <a:effectLst/>
+                <a:latin typeface="Open Sans" panose="020B0606030504020204" pitchFamily="34" charset="0"/>
+                <a:hlinkClick r:id="rId9"/>
+              </a:rPr>
+              <a:t>https://commons.wikimedia.org/wiki/File:Glade_3.2.0_on_Xubuntu.png</a:t>
+            </a:r>
+            <a:endParaRPr lang="cs-CZ" sz="1000" b="0" i="0" dirty="0">
+              <a:effectLst/>
+              <a:latin typeface="Open Sans" panose="020B0606030504020204" pitchFamily="34" charset="0"/>
+            </a:endParaRPr>
+          </a:p>
+          <a:p>
+            <a:r>
+              <a:rPr lang="cs-CZ" sz="1000" b="0" i="0" dirty="0">
                 <a:solidFill>
                   <a:srgbClr val="212529"/>
                 </a:solidFill>
                 <a:effectLst/>
                 <a:latin typeface="Open Sans" panose="020B0606030504020204" pitchFamily="34" charset="0"/>
               </a:rPr>
-              <a:t>Linux-</a:t>
-            </a:r>
-            <a:r>
-              <a:rPr lang="en-US" sz="3600" b="0" i="0" dirty="0" err="1">
+              <a:t>Linux-hry. In: </a:t>
+            </a:r>
+            <a:r>
+              <a:rPr lang="cs-CZ" sz="1000" b="0" i="1" dirty="0">
                 <a:solidFill>
                   <a:srgbClr val="212529"/>
                 </a:solidFill>
                 <a:effectLst/>
                 <a:latin typeface="Open Sans" panose="020B0606030504020204" pitchFamily="34" charset="0"/>
               </a:rPr>
-              <a:t>licence</a:t>
-            </a:r>
-            <a:r>
-              <a:rPr lang="en-US" sz="3600" b="0" i="0" dirty="0">
+              <a:t>Wikipedia: </a:t>
+            </a:r>
+            <a:r>
+              <a:rPr lang="cs-CZ" sz="1000" b="0" i="1" dirty="0" err="1">
                 <a:solidFill>
                   <a:srgbClr val="212529"/>
                 </a:solidFill>
                 <a:effectLst/>
                 <a:latin typeface="Open Sans" panose="020B0606030504020204" pitchFamily="34" charset="0"/>
               </a:rPr>
-              <a:t>. In: </a:t>
-            </a:r>
-            <a:r>
-              <a:rPr lang="en-US" sz="3600" b="0" i="1" dirty="0">
+              <a:t>the</a:t>
+            </a:r>
+            <a:r>
+              <a:rPr lang="cs-CZ" sz="1000" b="0" i="1" dirty="0">
                 <a:solidFill>
                   <a:srgbClr val="212529"/>
                 </a:solidFill>
                 <a:effectLst/>
                 <a:latin typeface="Open Sans" panose="020B0606030504020204" pitchFamily="34" charset="0"/>
               </a:rPr>
-              <a:t>Wikipedia: the free encyclopedia</a:t>
-            </a:r>
-            <a:r>
-              <a:rPr lang="en-US" sz="3600" b="0" i="0" dirty="0">
+              <a:t> free </a:t>
+            </a:r>
+            <a:r>
+              <a:rPr lang="cs-CZ" sz="1000" b="0" i="1" dirty="0" err="1">
                 <a:solidFill>
                   <a:srgbClr val="212529"/>
                 </a:solidFill>
                 <a:effectLst/>
                 <a:latin typeface="Open Sans" panose="020B0606030504020204" pitchFamily="34" charset="0"/>
               </a:rPr>
-              <a:t> [online]. San Francisco (CA): Wikimedia Foundation, 2001- [cit. 2023-01-17]. </a:t>
-            </a:r>
-            <a:r>
-              <a:rPr lang="en-US" sz="3600" b="0" i="0" dirty="0" err="1">
+              <a:t>encyclopedia</a:t>
+            </a:r>
+            <a:r>
+              <a:rPr lang="cs-CZ" sz="1000" b="0" i="0" dirty="0">
                 <a:solidFill>
                   <a:srgbClr val="212529"/>
                 </a:solidFill>
                 <a:effectLst/>
                 <a:latin typeface="Open Sans" panose="020B0606030504020204" pitchFamily="34" charset="0"/>
               </a:rPr>
-              <a:t>Dostupné</a:t>
-            </a:r>
-            <a:r>
-              <a:rPr lang="en-US" sz="3600" b="0" i="0" dirty="0">
+              <a:t> [online]. San Francisco (CA): </a:t>
+            </a:r>
+            <a:r>
+              <a:rPr lang="cs-CZ" sz="1000" b="0" i="0" dirty="0" err="1">
                 <a:solidFill>
                   <a:srgbClr val="212529"/>
                 </a:solidFill>
                 <a:effectLst/>
                 <a:latin typeface="Open Sans" panose="020B0606030504020204" pitchFamily="34" charset="0"/>
               </a:rPr>
-              <a:t> z: </a:t>
-            </a:r>
-            <a:r>
-              <a:rPr lang="en-US" sz="3600" b="0" i="0" dirty="0">
+              <a:t>Wikimedia</a:t>
+            </a:r>
+            <a:r>
+              <a:rPr lang="cs-CZ" sz="1000" b="0" i="0" dirty="0">
                 <a:solidFill>
                   <a:srgbClr val="212529"/>
                 </a:solidFill>
                 <a:effectLst/>
                 <a:latin typeface="Open Sans" panose="020B0606030504020204" pitchFamily="34" charset="0"/>
-                <a:hlinkClick r:id="rId5"/>
-              </a:rPr>
-              <a:t>https://cs.wikipedia.org/wiki/Linux#Licence</a:t>
-            </a:r>
-            <a:endParaRPr lang="cs-CZ" sz="3600" b="0" i="0" dirty="0">
+              </a:rPr>
+              <a:t> </a:t>
+            </a:r>
+            <a:r>
+              <a:rPr lang="cs-CZ" sz="1000" b="0" i="0" dirty="0" err="1">
+                <a:solidFill>
+                  <a:srgbClr val="212529"/>
+                </a:solidFill>
+                <a:effectLst/>
+                <a:latin typeface="Open Sans" panose="020B0606030504020204" pitchFamily="34" charset="0"/>
+              </a:rPr>
+              <a:t>Foundation</a:t>
+            </a:r>
+            <a:r>
+              <a:rPr lang="cs-CZ" sz="1000" b="0" i="0" dirty="0">
+                <a:solidFill>
+                  <a:srgbClr val="212529"/>
+                </a:solidFill>
+                <a:effectLst/>
+                <a:latin typeface="Open Sans" panose="020B0606030504020204" pitchFamily="34" charset="0"/>
+              </a:rPr>
+              <a:t>, 2001- [cit. 2023-01-18]. Dostupné z: </a:t>
+            </a:r>
+            <a:r>
+              <a:rPr lang="cs-CZ" sz="1000" b="0" i="0" dirty="0">
+                <a:solidFill>
+                  <a:srgbClr val="212529"/>
+                </a:solidFill>
+                <a:effectLst/>
+                <a:latin typeface="Open Sans" panose="020B0606030504020204" pitchFamily="34" charset="0"/>
+                <a:hlinkClick r:id="rId10"/>
+              </a:rPr>
+              <a:t>https://cs.wikipedia.org/wiki/Linux#Hry</a:t>
+            </a:r>
+            <a:endParaRPr lang="cs-CZ" sz="1000" b="0" i="0" dirty="0">
               <a:solidFill>
                 <a:srgbClr val="212529"/>
               </a:solidFill>
@@ -11133,373 +11671,24 @@
             </a:endParaRPr>
           </a:p>
           <a:p>
-            <a:r>
-              <a:rPr lang="cs-CZ" sz="3600" b="0" i="0" dirty="0">
-                <a:solidFill>
-                  <a:srgbClr val="212529"/>
-                </a:solidFill>
-                <a:effectLst/>
-                <a:latin typeface="Open Sans" panose="020B0606030504020204" pitchFamily="34" charset="0"/>
-              </a:rPr>
-              <a:t>Fedora. In: </a:t>
-            </a:r>
-            <a:r>
-              <a:rPr lang="cs-CZ" sz="3600" b="0" i="1" dirty="0">
-                <a:solidFill>
-                  <a:srgbClr val="212529"/>
-                </a:solidFill>
-                <a:effectLst/>
-                <a:latin typeface="Open Sans" panose="020B0606030504020204" pitchFamily="34" charset="0"/>
-              </a:rPr>
-              <a:t>Wikipedia: </a:t>
-            </a:r>
-            <a:r>
-              <a:rPr lang="cs-CZ" sz="3600" b="0" i="1" dirty="0" err="1">
-                <a:solidFill>
-                  <a:srgbClr val="212529"/>
-                </a:solidFill>
-                <a:effectLst/>
-                <a:latin typeface="Open Sans" panose="020B0606030504020204" pitchFamily="34" charset="0"/>
-              </a:rPr>
-              <a:t>the</a:t>
-            </a:r>
-            <a:r>
-              <a:rPr lang="cs-CZ" sz="3600" b="0" i="1" dirty="0">
-                <a:solidFill>
-                  <a:srgbClr val="212529"/>
-                </a:solidFill>
-                <a:effectLst/>
-                <a:latin typeface="Open Sans" panose="020B0606030504020204" pitchFamily="34" charset="0"/>
-              </a:rPr>
-              <a:t> free </a:t>
-            </a:r>
-            <a:r>
-              <a:rPr lang="cs-CZ" sz="3600" b="0" i="1" dirty="0" err="1">
-                <a:solidFill>
-                  <a:srgbClr val="212529"/>
-                </a:solidFill>
-                <a:effectLst/>
-                <a:latin typeface="Open Sans" panose="020B0606030504020204" pitchFamily="34" charset="0"/>
-              </a:rPr>
-              <a:t>encyclopedia</a:t>
-            </a:r>
-            <a:r>
-              <a:rPr lang="cs-CZ" sz="3600" b="0" i="0" dirty="0">
-                <a:solidFill>
-                  <a:srgbClr val="212529"/>
-                </a:solidFill>
-                <a:effectLst/>
-                <a:latin typeface="Open Sans" panose="020B0606030504020204" pitchFamily="34" charset="0"/>
-              </a:rPr>
-              <a:t> [online]. San Francisco (CA): </a:t>
-            </a:r>
-            <a:r>
-              <a:rPr lang="cs-CZ" sz="3600" b="0" i="0" dirty="0" err="1">
-                <a:solidFill>
-                  <a:srgbClr val="212529"/>
-                </a:solidFill>
-                <a:effectLst/>
-                <a:latin typeface="Open Sans" panose="020B0606030504020204" pitchFamily="34" charset="0"/>
-              </a:rPr>
-              <a:t>Wikimedia</a:t>
-            </a:r>
-            <a:r>
-              <a:rPr lang="cs-CZ" sz="3600" b="0" i="0" dirty="0">
-                <a:solidFill>
-                  <a:srgbClr val="212529"/>
-                </a:solidFill>
-                <a:effectLst/>
-                <a:latin typeface="Open Sans" panose="020B0606030504020204" pitchFamily="34" charset="0"/>
-              </a:rPr>
-              <a:t> </a:t>
-            </a:r>
-            <a:r>
-              <a:rPr lang="cs-CZ" sz="3600" b="0" i="0" dirty="0" err="1">
-                <a:solidFill>
-                  <a:srgbClr val="212529"/>
-                </a:solidFill>
-                <a:effectLst/>
-                <a:latin typeface="Open Sans" panose="020B0606030504020204" pitchFamily="34" charset="0"/>
-              </a:rPr>
-              <a:t>Foundation</a:t>
-            </a:r>
-            <a:r>
-              <a:rPr lang="cs-CZ" sz="3600" b="0" i="0" dirty="0">
-                <a:solidFill>
-                  <a:srgbClr val="212529"/>
-                </a:solidFill>
-                <a:effectLst/>
-                <a:latin typeface="Open Sans" panose="020B0606030504020204" pitchFamily="34" charset="0"/>
-              </a:rPr>
-              <a:t>, 2001- [cit. 2023-01-17]. Dostupné z: </a:t>
-            </a:r>
-            <a:r>
-              <a:rPr lang="cs-CZ" sz="3600" b="0" i="0" dirty="0">
-                <a:solidFill>
-                  <a:srgbClr val="212529"/>
-                </a:solidFill>
-                <a:effectLst/>
-                <a:latin typeface="Open Sans" panose="020B0606030504020204" pitchFamily="34" charset="0"/>
-                <a:hlinkClick r:id="rId6"/>
-              </a:rPr>
-              <a:t>https://cs.wikipedia.org/wiki/Fedora</a:t>
-            </a:r>
-            <a:endParaRPr lang="cs-CZ" sz="3600" b="0" i="0" dirty="0">
-              <a:solidFill>
-                <a:srgbClr val="212529"/>
-              </a:solidFill>
-              <a:effectLst/>
+            <a:endParaRPr lang="cs-CZ" sz="1000" dirty="0">
               <a:latin typeface="Open Sans" panose="020B0606030504020204" pitchFamily="34" charset="0"/>
             </a:endParaRPr>
           </a:p>
           <a:p>
-            <a:r>
-              <a:rPr lang="cs-CZ" sz="3600" b="0" i="0" dirty="0" err="1">
-                <a:solidFill>
-                  <a:srgbClr val="212529"/>
-                </a:solidFill>
-                <a:effectLst/>
-                <a:latin typeface="Open Sans" panose="020B0606030504020204" pitchFamily="34" charset="0"/>
-              </a:rPr>
-              <a:t>Red</a:t>
-            </a:r>
-            <a:r>
-              <a:rPr lang="cs-CZ" sz="3600" b="0" i="0" dirty="0">
-                <a:solidFill>
-                  <a:srgbClr val="212529"/>
-                </a:solidFill>
-                <a:effectLst/>
-                <a:latin typeface="Open Sans" panose="020B0606030504020204" pitchFamily="34" charset="0"/>
-              </a:rPr>
-              <a:t> </a:t>
-            </a:r>
-            <a:r>
-              <a:rPr lang="cs-CZ" sz="3600" b="0" i="0" dirty="0" err="1">
-                <a:solidFill>
-                  <a:srgbClr val="212529"/>
-                </a:solidFill>
-                <a:effectLst/>
-                <a:latin typeface="Open Sans" panose="020B0606030504020204" pitchFamily="34" charset="0"/>
-              </a:rPr>
-              <a:t>Hat</a:t>
-            </a:r>
-            <a:r>
-              <a:rPr lang="cs-CZ" sz="3600" b="0" i="0" dirty="0">
-                <a:solidFill>
-                  <a:srgbClr val="212529"/>
-                </a:solidFill>
-                <a:effectLst/>
-                <a:latin typeface="Open Sans" panose="020B0606030504020204" pitchFamily="34" charset="0"/>
-              </a:rPr>
-              <a:t> </a:t>
-            </a:r>
-            <a:r>
-              <a:rPr lang="cs-CZ" sz="3600" b="0" i="0" dirty="0" err="1">
-                <a:solidFill>
-                  <a:srgbClr val="212529"/>
-                </a:solidFill>
-                <a:effectLst/>
-                <a:latin typeface="Open Sans" panose="020B0606030504020204" pitchFamily="34" charset="0"/>
-              </a:rPr>
-              <a:t>Enterprise</a:t>
-            </a:r>
-            <a:r>
-              <a:rPr lang="cs-CZ" sz="3600" b="0" i="0" dirty="0">
-                <a:solidFill>
-                  <a:srgbClr val="212529"/>
-                </a:solidFill>
-                <a:effectLst/>
-                <a:latin typeface="Open Sans" panose="020B0606030504020204" pitchFamily="34" charset="0"/>
-              </a:rPr>
-              <a:t> Linux. In: </a:t>
-            </a:r>
-            <a:r>
-              <a:rPr lang="cs-CZ" sz="3600" b="0" i="1" dirty="0">
-                <a:solidFill>
-                  <a:srgbClr val="212529"/>
-                </a:solidFill>
-                <a:effectLst/>
-                <a:latin typeface="Open Sans" panose="020B0606030504020204" pitchFamily="34" charset="0"/>
-              </a:rPr>
-              <a:t>Wikipedia: </a:t>
-            </a:r>
-            <a:r>
-              <a:rPr lang="cs-CZ" sz="3600" b="0" i="1" dirty="0" err="1">
-                <a:solidFill>
-                  <a:srgbClr val="212529"/>
-                </a:solidFill>
-                <a:effectLst/>
-                <a:latin typeface="Open Sans" panose="020B0606030504020204" pitchFamily="34" charset="0"/>
-              </a:rPr>
-              <a:t>the</a:t>
-            </a:r>
-            <a:r>
-              <a:rPr lang="cs-CZ" sz="3600" b="0" i="1" dirty="0">
-                <a:solidFill>
-                  <a:srgbClr val="212529"/>
-                </a:solidFill>
-                <a:effectLst/>
-                <a:latin typeface="Open Sans" panose="020B0606030504020204" pitchFamily="34" charset="0"/>
-              </a:rPr>
-              <a:t> free </a:t>
-            </a:r>
-            <a:r>
-              <a:rPr lang="cs-CZ" sz="3600" b="0" i="1" dirty="0" err="1">
-                <a:solidFill>
-                  <a:srgbClr val="212529"/>
-                </a:solidFill>
-                <a:effectLst/>
-                <a:latin typeface="Open Sans" panose="020B0606030504020204" pitchFamily="34" charset="0"/>
-              </a:rPr>
-              <a:t>encyclopedia</a:t>
-            </a:r>
-            <a:r>
-              <a:rPr lang="cs-CZ" sz="3600" b="0" i="0" dirty="0">
-                <a:solidFill>
-                  <a:srgbClr val="212529"/>
-                </a:solidFill>
-                <a:effectLst/>
-                <a:latin typeface="Open Sans" panose="020B0606030504020204" pitchFamily="34" charset="0"/>
-              </a:rPr>
-              <a:t> [online]. San Francisco (CA): </a:t>
-            </a:r>
-            <a:r>
-              <a:rPr lang="cs-CZ" sz="3600" b="0" i="0" dirty="0" err="1">
-                <a:solidFill>
-                  <a:srgbClr val="212529"/>
-                </a:solidFill>
-                <a:effectLst/>
-                <a:latin typeface="Open Sans" panose="020B0606030504020204" pitchFamily="34" charset="0"/>
-              </a:rPr>
-              <a:t>Wikimedia</a:t>
-            </a:r>
-            <a:r>
-              <a:rPr lang="cs-CZ" sz="3600" b="0" i="0" dirty="0">
-                <a:solidFill>
-                  <a:srgbClr val="212529"/>
-                </a:solidFill>
-                <a:effectLst/>
-                <a:latin typeface="Open Sans" panose="020B0606030504020204" pitchFamily="34" charset="0"/>
-              </a:rPr>
-              <a:t> </a:t>
-            </a:r>
-            <a:r>
-              <a:rPr lang="cs-CZ" sz="3600" b="0" i="0" dirty="0" err="1">
-                <a:solidFill>
-                  <a:srgbClr val="212529"/>
-                </a:solidFill>
-                <a:effectLst/>
-                <a:latin typeface="Open Sans" panose="020B0606030504020204" pitchFamily="34" charset="0"/>
-              </a:rPr>
-              <a:t>Foundation</a:t>
-            </a:r>
-            <a:r>
-              <a:rPr lang="cs-CZ" sz="3600" b="0" i="0" dirty="0">
-                <a:solidFill>
-                  <a:srgbClr val="212529"/>
-                </a:solidFill>
-                <a:effectLst/>
-                <a:latin typeface="Open Sans" panose="020B0606030504020204" pitchFamily="34" charset="0"/>
-              </a:rPr>
-              <a:t>, 2001- [cit. 2023-01-17]. Dostupné z: </a:t>
-            </a:r>
-            <a:r>
-              <a:rPr lang="cs-CZ" sz="3600" b="0" i="0" dirty="0">
-                <a:solidFill>
-                  <a:srgbClr val="212529"/>
-                </a:solidFill>
-                <a:effectLst/>
-                <a:latin typeface="Open Sans" panose="020B0606030504020204" pitchFamily="34" charset="0"/>
-                <a:hlinkClick r:id="rId7"/>
-              </a:rPr>
-              <a:t>https://cs.wikipedia.org/wiki/Red_Hat_Enterprise_Linux</a:t>
-            </a:r>
-            <a:endParaRPr lang="cs-CZ" sz="3600" b="0" i="0" dirty="0">
-              <a:solidFill>
-                <a:srgbClr val="212529"/>
-              </a:solidFill>
-              <a:effectLst/>
-              <a:latin typeface="Open Sans" panose="020B0606030504020204" pitchFamily="34" charset="0"/>
-            </a:endParaRPr>
-          </a:p>
-          <a:p>
-            <a:r>
-              <a:rPr lang="en-US" sz="2800" b="0" i="0" dirty="0">
-                <a:solidFill>
-                  <a:srgbClr val="212529"/>
-                </a:solidFill>
-                <a:effectLst/>
-                <a:latin typeface="Open Sans" panose="020B0606030504020204" pitchFamily="34" charset="0"/>
-              </a:rPr>
-              <a:t>Arch Linux. In: </a:t>
-            </a:r>
-            <a:r>
-              <a:rPr lang="en-US" sz="2800" b="0" i="1" dirty="0">
-                <a:solidFill>
-                  <a:srgbClr val="212529"/>
-                </a:solidFill>
-                <a:effectLst/>
-                <a:latin typeface="Open Sans" panose="020B0606030504020204" pitchFamily="34" charset="0"/>
-              </a:rPr>
-              <a:t>Wikipedia: the free encyclopedia</a:t>
-            </a:r>
-            <a:r>
-              <a:rPr lang="en-US" sz="2800" b="0" i="0" dirty="0">
-                <a:solidFill>
-                  <a:srgbClr val="212529"/>
-                </a:solidFill>
-                <a:effectLst/>
-                <a:latin typeface="Open Sans" panose="020B0606030504020204" pitchFamily="34" charset="0"/>
-              </a:rPr>
-              <a:t> [online]. San Francisco (CA): Wikimedia Foundation, 2001- [cit. 2023-01-17]. </a:t>
-            </a:r>
-            <a:r>
-              <a:rPr lang="en-US" sz="2800" b="0" i="0" dirty="0" err="1">
-                <a:solidFill>
-                  <a:srgbClr val="212529"/>
-                </a:solidFill>
-                <a:effectLst/>
-                <a:latin typeface="Open Sans" panose="020B0606030504020204" pitchFamily="34" charset="0"/>
-              </a:rPr>
-              <a:t>Dostupné</a:t>
-            </a:r>
-            <a:r>
-              <a:rPr lang="en-US" sz="2800" b="0" i="0" dirty="0">
-                <a:solidFill>
-                  <a:srgbClr val="212529"/>
-                </a:solidFill>
-                <a:effectLst/>
-                <a:latin typeface="Open Sans" panose="020B0606030504020204" pitchFamily="34" charset="0"/>
-              </a:rPr>
-              <a:t> z: https://cs.wikipedia.org/wiki/Arch_Linux</a:t>
-            </a:r>
-            <a:endParaRPr lang="cs-CZ" sz="3600" dirty="0">
-              <a:solidFill>
-                <a:srgbClr val="212529"/>
-              </a:solidFill>
-              <a:latin typeface="Open Sans" panose="020B0606030504020204" pitchFamily="34" charset="0"/>
-            </a:endParaRPr>
-          </a:p>
-          <a:p>
-            <a:endParaRPr lang="cs-CZ" sz="2600" b="0" i="0" dirty="0">
-              <a:solidFill>
-                <a:schemeClr val="bg1"/>
-              </a:solidFill>
+            <a:endParaRPr lang="cs-CZ" sz="1400" b="0" i="0" dirty="0">
               <a:effectLst/>
               <a:latin typeface="Open Sans" panose="020B0604020202020204" pitchFamily="34" charset="0"/>
             </a:endParaRPr>
           </a:p>
           <a:p>
-            <a:endParaRPr lang="cs-CZ" b="0" i="0" dirty="0">
-              <a:solidFill>
-                <a:schemeClr val="bg1"/>
-              </a:solidFill>
+            <a:endParaRPr lang="cs-CZ" sz="1400" b="0" i="0" dirty="0">
               <a:effectLst/>
               <a:latin typeface="Open Sans" panose="020B0604020202020204" pitchFamily="34" charset="0"/>
             </a:endParaRPr>
           </a:p>
           <a:p>
-            <a:endParaRPr lang="cs-CZ" dirty="0"/>
+            <a:endParaRPr lang="cs-CZ" sz="1400" dirty="0"/>
           </a:p>
         </p:txBody>
       </p:sp>
@@ -11516,7 +11705,7 @@
 </p:sld>
 </file>
 
-<file path=ppt/slides/slide15.xml><?xml version="1.0" encoding="utf-8"?>
+<file path=ppt/slides/slide16.xml><?xml version="1.0" encoding="utf-8"?>
 <p:sld xmlns:a="http://schemas.openxmlformats.org/drawingml/2006/main" xmlns:r="http://schemas.openxmlformats.org/officeDocument/2006/relationships" xmlns:p="http://schemas.openxmlformats.org/presentationml/2006/main">
   <p:cSld>
     <p:spTree>
@@ -11793,9 +11982,24 @@
                 <a:effectLst/>
                 <a:latin typeface="Arial" panose="020B0604020202020204" pitchFamily="34" charset="0"/>
               </a:rPr>
-              <a:t> nebo používat bez instalace (live cd). Distribuce se dále se dělí na svobodný a nesvobodný software</a:t>
-            </a:r>
-            <a:endParaRPr lang="cs-CZ" sz="2800" dirty="0"/>
+              <a:t> nebo používat bez instalace (live cd). </a:t>
+            </a:r>
+          </a:p>
+          <a:p>
+            <a:r>
+              <a:rPr lang="cs-CZ" sz="2800" dirty="0">
+                <a:latin typeface="Arial" panose="020B0604020202020204" pitchFamily="34" charset="0"/>
+              </a:rPr>
+              <a:t>Linux je pouze jádro operačního systému.</a:t>
+            </a:r>
+          </a:p>
+          <a:p>
+            <a:r>
+              <a:rPr lang="cs-CZ" sz="2800" dirty="0">
+                <a:latin typeface="Arial" panose="020B0604020202020204" pitchFamily="34" charset="0"/>
+              </a:rPr>
+              <a:t>Nejúspěšnější projekt open source.</a:t>
+            </a:r>
           </a:p>
         </p:txBody>
       </p:sp>
@@ -11982,7 +12186,9 @@
         </p:nvSpPr>
         <p:spPr/>
         <p:txBody>
-          <a:bodyPr/>
+          <a:bodyPr>
+            <a:normAutofit lnSpcReduction="10000"/>
+          </a:bodyPr>
           <a:lstStyle/>
           <a:p>
             <a:r>
@@ -12025,6 +12231,93 @@
               </a:rPr>
               <a:t> novou licenci GNU GPL, pod kterou jsou šířeny všechny části systému GNU.</a:t>
             </a:r>
+          </a:p>
+          <a:p>
+            <a:r>
+              <a:rPr lang="cs-CZ" b="0" i="0" dirty="0">
+                <a:effectLst/>
+                <a:latin typeface="Roboto" panose="02000000000000000000" pitchFamily="2" charset="0"/>
+                <a:ea typeface="Roboto" panose="02000000000000000000" pitchFamily="2" charset="0"/>
+                <a:cs typeface="Roboto" panose="02000000000000000000" pitchFamily="2" charset="0"/>
+              </a:rPr>
+              <a:t>v roce 1991 začal finský student </a:t>
+            </a:r>
+            <a:r>
+              <a:rPr lang="cs-CZ" dirty="0">
+                <a:latin typeface="Roboto" panose="02000000000000000000" pitchFamily="2" charset="0"/>
+                <a:ea typeface="Roboto" panose="02000000000000000000" pitchFamily="2" charset="0"/>
+                <a:cs typeface="Roboto" panose="02000000000000000000" pitchFamily="2" charset="0"/>
+              </a:rPr>
+              <a:t>Linus</a:t>
+            </a:r>
+            <a:r>
+              <a:rPr lang="cs-CZ" u="sng" dirty="0">
+                <a:latin typeface="Roboto" panose="02000000000000000000" pitchFamily="2" charset="0"/>
+                <a:ea typeface="Roboto" panose="02000000000000000000" pitchFamily="2" charset="0"/>
+                <a:cs typeface="Roboto" panose="02000000000000000000" pitchFamily="2" charset="0"/>
+              </a:rPr>
+              <a:t> </a:t>
+            </a:r>
+            <a:r>
+              <a:rPr lang="cs-CZ" dirty="0" err="1">
+                <a:latin typeface="Roboto" panose="02000000000000000000" pitchFamily="2" charset="0"/>
+                <a:ea typeface="Roboto" panose="02000000000000000000" pitchFamily="2" charset="0"/>
+                <a:cs typeface="Roboto" panose="02000000000000000000" pitchFamily="2" charset="0"/>
+              </a:rPr>
+              <a:t>Torvalds</a:t>
+            </a:r>
+            <a:r>
+              <a:rPr lang="cs-CZ" b="0" i="0" dirty="0">
+                <a:effectLst/>
+                <a:latin typeface="Roboto" panose="02000000000000000000" pitchFamily="2" charset="0"/>
+                <a:ea typeface="Roboto" panose="02000000000000000000" pitchFamily="2" charset="0"/>
+                <a:cs typeface="Roboto" panose="02000000000000000000" pitchFamily="2" charset="0"/>
+              </a:rPr>
+              <a:t> pracovat na vývoji vlastního unixového jádra. </a:t>
+            </a:r>
+            <a:r>
+              <a:rPr lang="cs-CZ" b="0" i="0" dirty="0" err="1">
+                <a:effectLst/>
+                <a:latin typeface="Roboto" panose="02000000000000000000" pitchFamily="2" charset="0"/>
+                <a:ea typeface="Roboto" panose="02000000000000000000" pitchFamily="2" charset="0"/>
+                <a:cs typeface="Roboto" panose="02000000000000000000" pitchFamily="2" charset="0"/>
+              </a:rPr>
+              <a:t>Minix</a:t>
+            </a:r>
+            <a:r>
+              <a:rPr lang="cs-CZ" b="0" i="0" dirty="0">
+                <a:effectLst/>
+                <a:latin typeface="Roboto" panose="02000000000000000000" pitchFamily="2" charset="0"/>
+                <a:ea typeface="Roboto" panose="02000000000000000000" pitchFamily="2" charset="0"/>
+                <a:cs typeface="Roboto" panose="02000000000000000000" pitchFamily="2" charset="0"/>
+              </a:rPr>
+              <a:t> byl ovšem až příliš jednoduchý  a navíc k němu nebylo možno získat zdrojové kódy. Proto se Linus rozhodl jít cestou nejmenšího odporu a napsat si vlastní operační systém, který by se podobal </a:t>
+            </a:r>
+            <a:r>
+              <a:rPr lang="cs-CZ" b="0" i="0" dirty="0" err="1">
+                <a:effectLst/>
+                <a:latin typeface="Roboto" panose="02000000000000000000" pitchFamily="2" charset="0"/>
+                <a:ea typeface="Roboto" panose="02000000000000000000" pitchFamily="2" charset="0"/>
+                <a:cs typeface="Roboto" panose="02000000000000000000" pitchFamily="2" charset="0"/>
+              </a:rPr>
+              <a:t>Minixu</a:t>
+            </a:r>
+            <a:r>
+              <a:rPr lang="cs-CZ" b="0" i="0" dirty="0">
+                <a:effectLst/>
+                <a:latin typeface="Roboto" panose="02000000000000000000" pitchFamily="2" charset="0"/>
+                <a:ea typeface="Roboto" panose="02000000000000000000" pitchFamily="2" charset="0"/>
+                <a:cs typeface="Roboto" panose="02000000000000000000" pitchFamily="2" charset="0"/>
+              </a:rPr>
+              <a:t> a byl provozovatelný na běžném PC. </a:t>
+            </a:r>
+            <a:endParaRPr lang="cs-CZ" dirty="0">
+              <a:latin typeface="Roboto" panose="02000000000000000000" pitchFamily="2" charset="0"/>
+              <a:ea typeface="Roboto" panose="02000000000000000000" pitchFamily="2" charset="0"/>
+              <a:cs typeface="Roboto" panose="02000000000000000000" pitchFamily="2" charset="0"/>
+            </a:endParaRPr>
+          </a:p>
+          <a:p>
             <a:endParaRPr lang="cs-CZ" dirty="0"/>
           </a:p>
         </p:txBody>
@@ -12064,7 +12357,7 @@
           <p:cNvPr id="2" name="Nadpis 1">
             <a:extLst>
               <a:ext uri="{FF2B5EF4-FFF2-40B4-BE49-F238E27FC236}">
-                <a16:creationId xmlns:a16="http://schemas.microsoft.com/office/drawing/2014/main" id="{0EB3D1C6-CD3D-8F26-D9AA-3CE90ACC708A}"/>
+                <a16:creationId xmlns:a16="http://schemas.microsoft.com/office/drawing/2014/main" id="{4DD4391A-CDBD-DD3D-69FD-CD9BE159B2F8}"/>
               </a:ext>
             </a:extLst>
           </p:cNvPr>
@@ -12092,7 +12385,7 @@
           <p:cNvPr id="3" name="Zástupný obsah 2">
             <a:extLst>
               <a:ext uri="{FF2B5EF4-FFF2-40B4-BE49-F238E27FC236}">
-                <a16:creationId xmlns:a16="http://schemas.microsoft.com/office/drawing/2014/main" id="{3CD2F039-C1D0-3481-1DE2-E6EB8C3D8369}"/>
+                <a16:creationId xmlns:a16="http://schemas.microsoft.com/office/drawing/2014/main" id="{DC453D37-C260-DD94-37ED-CBA89DD5A020}"/>
               </a:ext>
             </a:extLst>
           </p:cNvPr>
@@ -12105,101 +12398,68 @@
         </p:nvSpPr>
         <p:spPr/>
         <p:txBody>
-          <a:bodyPr>
-            <a:normAutofit/>
-          </a:bodyPr>
+          <a:bodyPr/>
           <a:lstStyle/>
           <a:p>
+            <a:pPr algn="l"/>
             <a:r>
               <a:rPr lang="cs-CZ" b="0" i="0" dirty="0">
                 <a:effectLst/>
                 <a:latin typeface="Roboto" panose="02000000000000000000" pitchFamily="2" charset="0"/>
-                <a:ea typeface="Roboto" panose="02000000000000000000" pitchFamily="2" charset="0"/>
-                <a:cs typeface="Roboto" panose="02000000000000000000" pitchFamily="2" charset="0"/>
-              </a:rPr>
-              <a:t>v roce 1991 začal finský student </a:t>
+              </a:rPr>
+              <a:t>Jeho </a:t>
             </a:r>
             <a:r>
               <a:rPr lang="cs-CZ" dirty="0">
                 <a:latin typeface="Roboto" panose="02000000000000000000" pitchFamily="2" charset="0"/>
-                <a:ea typeface="Roboto" panose="02000000000000000000" pitchFamily="2" charset="0"/>
-                <a:cs typeface="Roboto" panose="02000000000000000000" pitchFamily="2" charset="0"/>
-              </a:rPr>
-              <a:t>Linus</a:t>
-            </a:r>
-            <a:r>
-              <a:rPr lang="cs-CZ" u="sng" dirty="0">
+              </a:rPr>
+              <a:t>jádro</a:t>
+            </a:r>
+            <a:r>
+              <a:rPr lang="cs-CZ" b="0" i="0" dirty="0">
+                <a:effectLst/>
                 <a:latin typeface="Roboto" panose="02000000000000000000" pitchFamily="2" charset="0"/>
-                <a:ea typeface="Roboto" panose="02000000000000000000" pitchFamily="2" charset="0"/>
-                <a:cs typeface="Roboto" panose="02000000000000000000" pitchFamily="2" charset="0"/>
-              </a:rPr>
-              <a:t> </a:t>
-            </a:r>
-            <a:r>
-              <a:rPr lang="cs-CZ" dirty="0" err="1">
+              </a:rPr>
+              <a:t> si okamžitě našlo řadu příznivců, kteří začali na jeho vývoji spolupracovat a přispívat vlastními myšlenkami. Vývoj se rozrostl do obřích rozměrů. Linus se později rozhodl zdrojové kódy uvolnit pod svobodnou licencí GNU GPL. Tím vznikl výsledný produkt se správným názvem GNU/Linux. Velmi často se používá jen krátké označení Linux, ale podstatná část systému pochází právě z projektu GNU, který kromě Linuxu může běžet s jádry Hurd, </a:t>
+            </a:r>
+            <a:r>
+              <a:rPr lang="cs-CZ" b="0" i="0" dirty="0" err="1">
+                <a:effectLst/>
                 <a:latin typeface="Roboto" panose="02000000000000000000" pitchFamily="2" charset="0"/>
-                <a:ea typeface="Roboto" panose="02000000000000000000" pitchFamily="2" charset="0"/>
-                <a:cs typeface="Roboto" panose="02000000000000000000" pitchFamily="2" charset="0"/>
-              </a:rPr>
-              <a:t>Torvalds</a:t>
+              </a:rPr>
+              <a:t>Minix</a:t>
             </a:r>
             <a:r>
               <a:rPr lang="cs-CZ" b="0" i="0" dirty="0">
                 <a:effectLst/>
                 <a:latin typeface="Roboto" panose="02000000000000000000" pitchFamily="2" charset="0"/>
-                <a:ea typeface="Roboto" panose="02000000000000000000" pitchFamily="2" charset="0"/>
-                <a:cs typeface="Roboto" panose="02000000000000000000" pitchFamily="2" charset="0"/>
-              </a:rPr>
-              <a:t> pracovat na vývoji vlastního unixového jádra. </a:t>
+              </a:rPr>
+              <a:t>, </a:t>
             </a:r>
             <a:r>
               <a:rPr lang="cs-CZ" b="0" i="0" dirty="0" err="1">
                 <a:effectLst/>
                 <a:latin typeface="Roboto" panose="02000000000000000000" pitchFamily="2" charset="0"/>
-                <a:ea typeface="Roboto" panose="02000000000000000000" pitchFamily="2" charset="0"/>
-                <a:cs typeface="Roboto" panose="02000000000000000000" pitchFamily="2" charset="0"/>
-              </a:rPr>
-              <a:t>Minix</a:t>
+              </a:rPr>
+              <a:t>FreeBSD</a:t>
             </a:r>
             <a:r>
               <a:rPr lang="cs-CZ" b="0" i="0" dirty="0">
                 <a:effectLst/>
                 <a:latin typeface="Roboto" panose="02000000000000000000" pitchFamily="2" charset="0"/>
-                <a:ea typeface="Roboto" panose="02000000000000000000" pitchFamily="2" charset="0"/>
-                <a:cs typeface="Roboto" panose="02000000000000000000" pitchFamily="2" charset="0"/>
-              </a:rPr>
-              <a:t> byl ovšem až příliš jednoduchý  a navíc k němu nebylo možno získat zdrojové kódy. Proto se Linus rozhodl jít cestou nejmenšího odporu a napsat si vlastní operační systém, který by se podobal </a:t>
-            </a:r>
-            <a:r>
-              <a:rPr lang="cs-CZ" b="0" i="0" dirty="0" err="1">
-                <a:effectLst/>
-                <a:latin typeface="Roboto" panose="02000000000000000000" pitchFamily="2" charset="0"/>
-                <a:ea typeface="Roboto" panose="02000000000000000000" pitchFamily="2" charset="0"/>
-                <a:cs typeface="Roboto" panose="02000000000000000000" pitchFamily="2" charset="0"/>
-              </a:rPr>
-              <a:t>Minixu</a:t>
-            </a:r>
-            <a:r>
-              <a:rPr lang="cs-CZ" b="0" i="0" dirty="0">
-                <a:effectLst/>
-                <a:latin typeface="Roboto" panose="02000000000000000000" pitchFamily="2" charset="0"/>
-                <a:ea typeface="Roboto" panose="02000000000000000000" pitchFamily="2" charset="0"/>
-                <a:cs typeface="Roboto" panose="02000000000000000000" pitchFamily="2" charset="0"/>
-              </a:rPr>
-              <a:t> a byl provozovatelný na běžném PC. </a:t>
-            </a:r>
-            <a:endParaRPr lang="cs-CZ" dirty="0">
-              <a:latin typeface="Roboto" panose="02000000000000000000" pitchFamily="2" charset="0"/>
-              <a:ea typeface="Roboto" panose="02000000000000000000" pitchFamily="2" charset="0"/>
-              <a:cs typeface="Roboto" panose="02000000000000000000" pitchFamily="2" charset="0"/>
-            </a:endParaRPr>
+              </a:rPr>
+              <a:t> a dalšími.</a:t>
+            </a:r>
+          </a:p>
+          <a:p>
+            <a:endParaRPr lang="cs-CZ" dirty="0"/>
           </a:p>
         </p:txBody>
       </p:sp>
     </p:spTree>
     <p:extLst>
       <p:ext uri="{BB962C8B-B14F-4D97-AF65-F5344CB8AC3E}">
-        <p14:creationId xmlns:p14="http://schemas.microsoft.com/office/powerpoint/2010/main" val="2425386937"/>
+        <p14:creationId xmlns:p14="http://schemas.microsoft.com/office/powerpoint/2010/main" val="192504061"/>
       </p:ext>
     </p:extLst>
   </p:cSld>
@@ -12231,7 +12491,7 @@
           <p:cNvPr id="2" name="Nadpis 1">
             <a:extLst>
               <a:ext uri="{FF2B5EF4-FFF2-40B4-BE49-F238E27FC236}">
-                <a16:creationId xmlns:a16="http://schemas.microsoft.com/office/drawing/2014/main" id="{4DD4391A-CDBD-DD3D-69FD-CD9BE159B2F8}"/>
+                <a16:creationId xmlns:a16="http://schemas.microsoft.com/office/drawing/2014/main" id="{C504C81C-DC31-E9FB-04DE-568600D745F4}"/>
               </a:ext>
             </a:extLst>
           </p:cNvPr>
@@ -12249,7 +12509,7 @@
           <a:p>
             <a:r>
               <a:rPr lang="cs-CZ" dirty="0"/>
-              <a:t>Historie-zakončení</a:t>
+              <a:t>Linuxoví maskot</a:t>
             </a:r>
           </a:p>
         </p:txBody>
@@ -12259,7 +12519,7 @@
           <p:cNvPr id="3" name="Zástupný obsah 2">
             <a:extLst>
               <a:ext uri="{FF2B5EF4-FFF2-40B4-BE49-F238E27FC236}">
-                <a16:creationId xmlns:a16="http://schemas.microsoft.com/office/drawing/2014/main" id="{DC453D37-C260-DD94-37ED-CBA89DD5A020}"/>
+                <a16:creationId xmlns:a16="http://schemas.microsoft.com/office/drawing/2014/main" id="{43182772-BDEA-A0D8-1BF5-E4D775B98751}"/>
               </a:ext>
             </a:extLst>
           </p:cNvPr>
@@ -12275,57 +12535,6 @@
           <a:bodyPr/>
           <a:lstStyle/>
           <a:p>
-            <a:pPr algn="l"/>
-            <a:r>
-              <a:rPr lang="cs-CZ" b="0" i="0" dirty="0">
-                <a:effectLst/>
-                <a:latin typeface="Roboto" panose="02000000000000000000" pitchFamily="2" charset="0"/>
-              </a:rPr>
-              <a:t>Jeho </a:t>
-            </a:r>
-            <a:r>
-              <a:rPr lang="cs-CZ" dirty="0">
-                <a:latin typeface="Roboto" panose="02000000000000000000" pitchFamily="2" charset="0"/>
-              </a:rPr>
-              <a:t>jádro</a:t>
-            </a:r>
-            <a:r>
-              <a:rPr lang="cs-CZ" b="0" i="0" dirty="0">
-                <a:effectLst/>
-                <a:latin typeface="Roboto" panose="02000000000000000000" pitchFamily="2" charset="0"/>
-              </a:rPr>
-              <a:t> si okamžitě našlo řadu příznivců, kteří začali na jeho vývoji spolupracovat a přispívat vlastními myšlenkami. Vývoj se rozrostl do obřích rozměrů. Linus se později rozhodl zdrojové kódy uvolnit pod svobodnou licencí GNU GPL. Tím vznikl výsledný produkt se správným názvem GNU/Linux. Velmi často se používá jen krátké označení Linux, ale podstatná část systému pochází právě z projektu GNU, který kromě Linuxu může běžet s jádry Hurd, </a:t>
-            </a:r>
-            <a:r>
-              <a:rPr lang="cs-CZ" b="0" i="0" dirty="0" err="1">
-                <a:effectLst/>
-                <a:latin typeface="Roboto" panose="02000000000000000000" pitchFamily="2" charset="0"/>
-              </a:rPr>
-              <a:t>Minix</a:t>
-            </a:r>
-            <a:r>
-              <a:rPr lang="cs-CZ" b="0" i="0" dirty="0">
-                <a:effectLst/>
-                <a:latin typeface="Roboto" panose="02000000000000000000" pitchFamily="2" charset="0"/>
-              </a:rPr>
-              <a:t>, </a:t>
-            </a:r>
-            <a:r>
-              <a:rPr lang="cs-CZ" b="0" i="0" dirty="0" err="1">
-                <a:effectLst/>
-                <a:latin typeface="Roboto" panose="02000000000000000000" pitchFamily="2" charset="0"/>
-              </a:rPr>
-              <a:t>FreeBSD</a:t>
-            </a:r>
-            <a:r>
-              <a:rPr lang="cs-CZ" b="0" i="0" dirty="0">
-                <a:effectLst/>
-                <a:latin typeface="Roboto" panose="02000000000000000000" pitchFamily="2" charset="0"/>
-              </a:rPr>
-              <a:t> a dalšími.</a:t>
-            </a:r>
-          </a:p>
-          <a:p>
             <a:endParaRPr lang="cs-CZ" dirty="0"/>
           </a:p>
         </p:txBody>
@@ -12333,7 +12542,7 @@
     </p:spTree>
     <p:extLst>
       <p:ext uri="{BB962C8B-B14F-4D97-AF65-F5344CB8AC3E}">
-        <p14:creationId xmlns:p14="http://schemas.microsoft.com/office/powerpoint/2010/main" val="192504061"/>
+        <p14:creationId xmlns:p14="http://schemas.microsoft.com/office/powerpoint/2010/main" val="1922307236"/>
       </p:ext>
     </p:extLst>
   </p:cSld>
@@ -12365,7 +12574,7 @@
           <p:cNvPr id="2" name="Nadpis 1">
             <a:extLst>
               <a:ext uri="{FF2B5EF4-FFF2-40B4-BE49-F238E27FC236}">
-                <a16:creationId xmlns:a16="http://schemas.microsoft.com/office/drawing/2014/main" id="{C504C81C-DC31-E9FB-04DE-568600D745F4}"/>
+                <a16:creationId xmlns:a16="http://schemas.microsoft.com/office/drawing/2014/main" id="{97944F6D-73E0-55A8-5C3A-6147875EA0DB}"/>
               </a:ext>
             </a:extLst>
           </p:cNvPr>
@@ -12383,7 +12592,7 @@
           <a:p>
             <a:r>
               <a:rPr lang="cs-CZ" dirty="0"/>
-              <a:t>Linuxoví maskot</a:t>
+              <a:t>Linuxové distribuce</a:t>
             </a:r>
           </a:p>
         </p:txBody>
@@ -12393,7 +12602,7 @@
           <p:cNvPr id="3" name="Zástupný obsah 2">
             <a:extLst>
               <a:ext uri="{FF2B5EF4-FFF2-40B4-BE49-F238E27FC236}">
-                <a16:creationId xmlns:a16="http://schemas.microsoft.com/office/drawing/2014/main" id="{43182772-BDEA-A0D8-1BF5-E4D775B98751}"/>
+                <a16:creationId xmlns:a16="http://schemas.microsoft.com/office/drawing/2014/main" id="{864C8048-2C7B-0DFE-92AD-6EE13070B856}"/>
               </a:ext>
             </a:extLst>
           </p:cNvPr>
@@ -12404,19 +12613,143 @@
             <p:ph idx="1"/>
           </p:nvPr>
         </p:nvSpPr>
-        <p:spPr/>
-        <p:txBody>
-          <a:bodyPr/>
+        <p:spPr>
+          <a:xfrm>
+            <a:off x="1" y="2392857"/>
+            <a:ext cx="10294181" cy="3599316"/>
+          </a:xfrm>
+        </p:spPr>
+        <p:txBody>
+          <a:bodyPr>
+            <a:normAutofit/>
+          </a:bodyPr>
           <a:lstStyle/>
           <a:p>
-            <a:endParaRPr lang="cs-CZ" dirty="0"/>
+            <a:pPr lvl="1"/>
+            <a:r>
+              <a:rPr lang="cs-CZ" sz="2800" b="0" i="0" dirty="0">
+                <a:effectLst/>
+                <a:latin typeface="Roboto" panose="02000000000000000000" pitchFamily="2" charset="0"/>
+                <a:ea typeface="Roboto" panose="02000000000000000000" pitchFamily="2" charset="0"/>
+                <a:cs typeface="Roboto" panose="02000000000000000000" pitchFamily="2" charset="0"/>
+              </a:rPr>
+              <a:t>Linux jako takový je pouze </a:t>
+            </a:r>
+            <a:r>
+              <a:rPr lang="cs-CZ" sz="2800" dirty="0">
+                <a:latin typeface="Roboto" panose="02000000000000000000" pitchFamily="2" charset="0"/>
+                <a:ea typeface="Roboto" panose="02000000000000000000" pitchFamily="2" charset="0"/>
+                <a:cs typeface="Roboto" panose="02000000000000000000" pitchFamily="2" charset="0"/>
+              </a:rPr>
+              <a:t>jádro</a:t>
+            </a:r>
+            <a:r>
+              <a:rPr lang="cs-CZ" sz="2800" b="0" i="0" dirty="0">
+                <a:effectLst/>
+                <a:latin typeface="Roboto" panose="02000000000000000000" pitchFamily="2" charset="0"/>
+                <a:ea typeface="Roboto" panose="02000000000000000000" pitchFamily="2" charset="0"/>
+                <a:cs typeface="Roboto" panose="02000000000000000000" pitchFamily="2" charset="0"/>
+              </a:rPr>
+              <a:t> </a:t>
+            </a:r>
+            <a:r>
+              <a:rPr lang="cs-CZ" sz="2800" dirty="0">
+                <a:latin typeface="Roboto" panose="02000000000000000000" pitchFamily="2" charset="0"/>
+                <a:ea typeface="Roboto" panose="02000000000000000000" pitchFamily="2" charset="0"/>
+                <a:cs typeface="Roboto" panose="02000000000000000000" pitchFamily="2" charset="0"/>
+              </a:rPr>
+              <a:t>operačního systému</a:t>
+            </a:r>
+            <a:r>
+              <a:rPr lang="cs-CZ" sz="2800" b="0" i="0" dirty="0">
+                <a:effectLst/>
+                <a:latin typeface="Roboto" panose="02000000000000000000" pitchFamily="2" charset="0"/>
+                <a:ea typeface="Roboto" panose="02000000000000000000" pitchFamily="2" charset="0"/>
+                <a:cs typeface="Roboto" panose="02000000000000000000" pitchFamily="2" charset="0"/>
+              </a:rPr>
+              <a:t>. K tomu, aby bylo možné počítač s Linuxem používat, je nutné doplnit jádro o další programy.</a:t>
+            </a:r>
+            <a:r>
+              <a:rPr lang="cs-CZ" sz="2400" b="0" i="0" dirty="0">
+                <a:effectLst/>
+                <a:latin typeface="Roboto" panose="02000000000000000000" pitchFamily="2" charset="0"/>
+                <a:ea typeface="Roboto" panose="02000000000000000000" pitchFamily="2" charset="0"/>
+                <a:cs typeface="Roboto" panose="02000000000000000000" pitchFamily="2" charset="0"/>
+              </a:rPr>
+              <a:t> </a:t>
+            </a:r>
+            <a:r>
+              <a:rPr lang="cs-CZ" sz="2800" b="0" i="0" dirty="0">
+                <a:effectLst/>
+                <a:latin typeface="Roboto" panose="02000000000000000000" pitchFamily="2" charset="0"/>
+                <a:ea typeface="Roboto" panose="02000000000000000000" pitchFamily="2" charset="0"/>
+                <a:cs typeface="Roboto" panose="02000000000000000000" pitchFamily="2" charset="0"/>
+              </a:rPr>
+              <a:t>Základ tvoří jednoduché </a:t>
+            </a:r>
+            <a:r>
+              <a:rPr lang="cs-CZ" sz="2800" dirty="0">
+                <a:latin typeface="Roboto" panose="02000000000000000000" pitchFamily="2" charset="0"/>
+                <a:ea typeface="Roboto" panose="02000000000000000000" pitchFamily="2" charset="0"/>
+                <a:cs typeface="Roboto" panose="02000000000000000000" pitchFamily="2" charset="0"/>
+              </a:rPr>
+              <a:t>utility. </a:t>
+            </a:r>
+            <a:r>
+              <a:rPr lang="cs-CZ" sz="2800" b="0" i="0" dirty="0">
+                <a:effectLst/>
+                <a:latin typeface="Roboto" panose="02000000000000000000" pitchFamily="2" charset="0"/>
+                <a:ea typeface="Roboto" panose="02000000000000000000" pitchFamily="2" charset="0"/>
+                <a:cs typeface="Roboto" panose="02000000000000000000" pitchFamily="2" charset="0"/>
+              </a:rPr>
+              <a:t>Pro uživatele jsou pak k dispozici </a:t>
+            </a:r>
+            <a:r>
+              <a:rPr lang="cs-CZ" sz="2800" dirty="0">
+                <a:latin typeface="Roboto" panose="02000000000000000000" pitchFamily="2" charset="0"/>
+                <a:ea typeface="Roboto" panose="02000000000000000000" pitchFamily="2" charset="0"/>
+                <a:cs typeface="Roboto" panose="02000000000000000000" pitchFamily="2" charset="0"/>
+              </a:rPr>
+              <a:t>aplikace. </a:t>
+            </a:r>
+            <a:r>
+              <a:rPr lang="cs-CZ" sz="2800" b="0" i="0" dirty="0">
+                <a:effectLst/>
+                <a:latin typeface="Roboto" panose="02000000000000000000" pitchFamily="2" charset="0"/>
+                <a:ea typeface="Roboto" panose="02000000000000000000" pitchFamily="2" charset="0"/>
+                <a:cs typeface="Roboto" panose="02000000000000000000" pitchFamily="2" charset="0"/>
+              </a:rPr>
+              <a:t>Jednotlivé běžně používané nástroje i aplikace jsou volně dostupné na i</a:t>
+            </a:r>
+            <a:r>
+              <a:rPr lang="cs-CZ" sz="2800" dirty="0">
+                <a:latin typeface="Roboto" panose="02000000000000000000" pitchFamily="2" charset="0"/>
+                <a:ea typeface="Roboto" panose="02000000000000000000" pitchFamily="2" charset="0"/>
+                <a:cs typeface="Roboto" panose="02000000000000000000" pitchFamily="2" charset="0"/>
+              </a:rPr>
+              <a:t>nternetu</a:t>
+            </a:r>
+            <a:r>
+              <a:rPr lang="cs-CZ" sz="2800" b="1" i="0" dirty="0">
+                <a:effectLst/>
+                <a:latin typeface="Roboto" panose="02000000000000000000" pitchFamily="2" charset="0"/>
+                <a:ea typeface="Roboto" panose="02000000000000000000" pitchFamily="2" charset="0"/>
+                <a:cs typeface="Roboto" panose="02000000000000000000" pitchFamily="2" charset="0"/>
+              </a:rPr>
+              <a:t>. </a:t>
+            </a:r>
+            <a:endParaRPr lang="cs-CZ" sz="2800" dirty="0">
+              <a:latin typeface="Roboto" panose="02000000000000000000" pitchFamily="2" charset="0"/>
+              <a:ea typeface="Roboto" panose="02000000000000000000" pitchFamily="2" charset="0"/>
+              <a:cs typeface="Roboto" panose="02000000000000000000" pitchFamily="2" charset="0"/>
+            </a:endParaRPr>
           </a:p>
         </p:txBody>
       </p:sp>
     </p:spTree>
     <p:extLst>
       <p:ext uri="{BB962C8B-B14F-4D97-AF65-F5344CB8AC3E}">
-        <p14:creationId xmlns:p14="http://schemas.microsoft.com/office/powerpoint/2010/main" val="1922307236"/>
+        <p14:creationId xmlns:p14="http://schemas.microsoft.com/office/powerpoint/2010/main" val="2707703952"/>
       </p:ext>
     </p:extLst>
   </p:cSld>
@@ -12448,7 +12781,7 @@
           <p:cNvPr id="2" name="Nadpis 1">
             <a:extLst>
               <a:ext uri="{FF2B5EF4-FFF2-40B4-BE49-F238E27FC236}">
-                <a16:creationId xmlns:a16="http://schemas.microsoft.com/office/drawing/2014/main" id="{97944F6D-73E0-55A8-5C3A-6147875EA0DB}"/>
+                <a16:creationId xmlns:a16="http://schemas.microsoft.com/office/drawing/2014/main" id="{F68B8BCD-B92B-6C65-D289-DCF672D1AAE2}"/>
               </a:ext>
             </a:extLst>
           </p:cNvPr>
@@ -12476,7 +12809,7 @@
           <p:cNvPr id="3" name="Zástupný obsah 2">
             <a:extLst>
               <a:ext uri="{FF2B5EF4-FFF2-40B4-BE49-F238E27FC236}">
-                <a16:creationId xmlns:a16="http://schemas.microsoft.com/office/drawing/2014/main" id="{864C8048-2C7B-0DFE-92AD-6EE13070B856}"/>
+                <a16:creationId xmlns:a16="http://schemas.microsoft.com/office/drawing/2014/main" id="{EB278334-E3D5-5EAE-122E-3CCAC9266C05}"/>
               </a:ext>
             </a:extLst>
           </p:cNvPr>
@@ -12487,143 +12820,83 @@
             <p:ph idx="1"/>
           </p:nvPr>
         </p:nvSpPr>
-        <p:spPr>
-          <a:xfrm>
-            <a:off x="1" y="2392857"/>
-            <a:ext cx="10294181" cy="3599316"/>
-          </a:xfrm>
-        </p:spPr>
-        <p:txBody>
-          <a:bodyPr>
-            <a:normAutofit/>
-          </a:bodyPr>
+        <p:spPr/>
+        <p:txBody>
+          <a:bodyPr/>
           <a:lstStyle/>
           <a:p>
-            <a:pPr lvl="1"/>
-            <a:r>
-              <a:rPr lang="cs-CZ" sz="2800" b="0" i="0" dirty="0">
-                <a:effectLst/>
-                <a:latin typeface="Roboto" panose="02000000000000000000" pitchFamily="2" charset="0"/>
-                <a:ea typeface="Roboto" panose="02000000000000000000" pitchFamily="2" charset="0"/>
-                <a:cs typeface="Roboto" panose="02000000000000000000" pitchFamily="2" charset="0"/>
-              </a:rPr>
-              <a:t>Linux jako takový je pouze </a:t>
-            </a:r>
-            <a:r>
-              <a:rPr lang="cs-CZ" sz="2800" dirty="0">
-                <a:latin typeface="Roboto" panose="02000000000000000000" pitchFamily="2" charset="0"/>
-                <a:ea typeface="Roboto" panose="02000000000000000000" pitchFamily="2" charset="0"/>
-                <a:cs typeface="Roboto" panose="02000000000000000000" pitchFamily="2" charset="0"/>
-              </a:rPr>
-              <a:t>jádro</a:t>
-            </a:r>
-            <a:r>
-              <a:rPr lang="cs-CZ" sz="2800" b="0" i="0" dirty="0">
-                <a:effectLst/>
-                <a:latin typeface="Roboto" panose="02000000000000000000" pitchFamily="2" charset="0"/>
-                <a:ea typeface="Roboto" panose="02000000000000000000" pitchFamily="2" charset="0"/>
-                <a:cs typeface="Roboto" panose="02000000000000000000" pitchFamily="2" charset="0"/>
-              </a:rPr>
-              <a:t> </a:t>
-            </a:r>
-            <a:r>
-              <a:rPr lang="cs-CZ" sz="2800" dirty="0">
-                <a:latin typeface="Roboto" panose="02000000000000000000" pitchFamily="2" charset="0"/>
-                <a:ea typeface="Roboto" panose="02000000000000000000" pitchFamily="2" charset="0"/>
-                <a:cs typeface="Roboto" panose="02000000000000000000" pitchFamily="2" charset="0"/>
-              </a:rPr>
-              <a:t>operačního systému</a:t>
-            </a:r>
-            <a:r>
-              <a:rPr lang="cs-CZ" sz="2800" b="0" i="0" dirty="0">
-                <a:effectLst/>
-                <a:latin typeface="Roboto" panose="02000000000000000000" pitchFamily="2" charset="0"/>
-                <a:ea typeface="Roboto" panose="02000000000000000000" pitchFamily="2" charset="0"/>
-                <a:cs typeface="Roboto" panose="02000000000000000000" pitchFamily="2" charset="0"/>
-              </a:rPr>
-              <a:t>. K tomu, aby bylo možné počítač s Linuxem používat, je nutné doplnit jádro o další programy.</a:t>
-            </a:r>
-            <a:r>
-              <a:rPr lang="cs-CZ" sz="2400" b="0" i="0" dirty="0">
-                <a:effectLst/>
-                <a:latin typeface="Roboto" panose="02000000000000000000" pitchFamily="2" charset="0"/>
-                <a:ea typeface="Roboto" panose="02000000000000000000" pitchFamily="2" charset="0"/>
-                <a:cs typeface="Roboto" panose="02000000000000000000" pitchFamily="2" charset="0"/>
-              </a:rPr>
-              <a:t> </a:t>
-            </a:r>
-            <a:r>
-              <a:rPr lang="cs-CZ" sz="2800" b="0" i="0" dirty="0">
-                <a:effectLst/>
-                <a:latin typeface="Roboto" panose="02000000000000000000" pitchFamily="2" charset="0"/>
-                <a:ea typeface="Roboto" panose="02000000000000000000" pitchFamily="2" charset="0"/>
-                <a:cs typeface="Roboto" panose="02000000000000000000" pitchFamily="2" charset="0"/>
-              </a:rPr>
-              <a:t>Základ tvoří jednoduché </a:t>
-            </a:r>
-            <a:r>
-              <a:rPr lang="cs-CZ" sz="2800" dirty="0">
-                <a:latin typeface="Roboto" panose="02000000000000000000" pitchFamily="2" charset="0"/>
-                <a:ea typeface="Roboto" panose="02000000000000000000" pitchFamily="2" charset="0"/>
-                <a:cs typeface="Roboto" panose="02000000000000000000" pitchFamily="2" charset="0"/>
-              </a:rPr>
-              <a:t>utility. </a:t>
-            </a:r>
-            <a:r>
-              <a:rPr lang="cs-CZ" sz="2800" b="0" i="0" dirty="0">
-                <a:effectLst/>
-                <a:latin typeface="Roboto" panose="02000000000000000000" pitchFamily="2" charset="0"/>
-                <a:ea typeface="Roboto" panose="02000000000000000000" pitchFamily="2" charset="0"/>
-                <a:cs typeface="Roboto" panose="02000000000000000000" pitchFamily="2" charset="0"/>
-              </a:rPr>
-              <a:t>Pro uživatele jsou pak k dispozici </a:t>
-            </a:r>
-            <a:r>
-              <a:rPr lang="cs-CZ" sz="2800" dirty="0">
-                <a:latin typeface="Roboto" panose="02000000000000000000" pitchFamily="2" charset="0"/>
-                <a:ea typeface="Roboto" panose="02000000000000000000" pitchFamily="2" charset="0"/>
-                <a:cs typeface="Roboto" panose="02000000000000000000" pitchFamily="2" charset="0"/>
-              </a:rPr>
-              <a:t>aplikace. </a:t>
-            </a:r>
-            <a:r>
-              <a:rPr lang="cs-CZ" sz="2800" b="0" i="0" dirty="0">
-                <a:effectLst/>
-                <a:latin typeface="Roboto" panose="02000000000000000000" pitchFamily="2" charset="0"/>
-                <a:ea typeface="Roboto" panose="02000000000000000000" pitchFamily="2" charset="0"/>
-                <a:cs typeface="Roboto" panose="02000000000000000000" pitchFamily="2" charset="0"/>
-              </a:rPr>
-              <a:t>Jednotlivé běžně používané nástroje i aplikace jsou volně dostupné na i</a:t>
-            </a:r>
-            <a:r>
-              <a:rPr lang="cs-CZ" sz="2800" dirty="0">
-                <a:latin typeface="Roboto" panose="02000000000000000000" pitchFamily="2" charset="0"/>
-                <a:ea typeface="Roboto" panose="02000000000000000000" pitchFamily="2" charset="0"/>
-                <a:cs typeface="Roboto" panose="02000000000000000000" pitchFamily="2" charset="0"/>
-              </a:rPr>
-              <a:t>nternetu</a:t>
-            </a:r>
-            <a:r>
-              <a:rPr lang="cs-CZ" sz="2800" b="1" i="0" dirty="0">
-                <a:effectLst/>
-                <a:latin typeface="Roboto" panose="02000000000000000000" pitchFamily="2" charset="0"/>
-                <a:ea typeface="Roboto" panose="02000000000000000000" pitchFamily="2" charset="0"/>
-                <a:cs typeface="Roboto" panose="02000000000000000000" pitchFamily="2" charset="0"/>
-              </a:rPr>
-              <a:t>. </a:t>
-            </a:r>
-            <a:endParaRPr lang="cs-CZ" sz="2800" dirty="0">
-              <a:latin typeface="Roboto" panose="02000000000000000000" pitchFamily="2" charset="0"/>
-              <a:ea typeface="Roboto" panose="02000000000000000000" pitchFamily="2" charset="0"/>
-              <a:cs typeface="Roboto" panose="02000000000000000000" pitchFamily="2" charset="0"/>
-            </a:endParaRPr>
+            <a:r>
+              <a:rPr lang="cs-CZ" b="0" i="0" dirty="0">
+                <a:effectLst/>
+                <a:latin typeface="Arial" panose="020B0604020202020204" pitchFamily="34" charset="0"/>
+              </a:rPr>
+              <a:t>Distribuce jsou sestavovány jednotlivci, týmy dobrovolníků, ale i komerčními firmami. </a:t>
+            </a:r>
+          </a:p>
+          <a:p>
+            <a:r>
+              <a:rPr lang="cs-CZ" b="0" i="0" dirty="0">
+                <a:effectLst/>
+                <a:latin typeface="Arial" panose="020B0604020202020204" pitchFamily="34" charset="0"/>
+              </a:rPr>
+              <a:t>Distribuce zahrnuje jádro, další systémový a aplikační software, </a:t>
+            </a:r>
+            <a:r>
+              <a:rPr lang="cs-CZ" dirty="0">
+                <a:latin typeface="Arial" panose="020B0604020202020204" pitchFamily="34" charset="0"/>
+              </a:rPr>
+              <a:t>grafické uživatelské rozhraní</a:t>
+            </a:r>
+            <a:r>
+              <a:rPr lang="cs-CZ" b="0" i="0" u="none" strike="noStrike" dirty="0">
+                <a:effectLst/>
+                <a:latin typeface="Arial" panose="020B0604020202020204" pitchFamily="34" charset="0"/>
+              </a:rPr>
+              <a:t>.</a:t>
+            </a:r>
+          </a:p>
+          <a:p>
+            <a:r>
+              <a:rPr lang="cs-CZ" b="0" i="0" dirty="0">
+                <a:effectLst/>
+                <a:latin typeface="Arial" panose="020B0604020202020204" pitchFamily="34" charset="0"/>
+              </a:rPr>
+              <a:t>Distribuce mají různá zaměření, například výběr obsažených programů, podpora určité </a:t>
+            </a:r>
+            <a:r>
+              <a:rPr lang="cs-CZ" dirty="0">
+                <a:latin typeface="Arial" panose="020B0604020202020204" pitchFamily="34" charset="0"/>
+              </a:rPr>
+              <a:t>počítačové architektury</a:t>
+            </a:r>
+            <a:r>
+              <a:rPr lang="cs-CZ" b="0" i="0" dirty="0">
+                <a:effectLst/>
+                <a:latin typeface="Arial" panose="020B0604020202020204" pitchFamily="34" charset="0"/>
+              </a:rPr>
+              <a:t>, použití ve </a:t>
+            </a:r>
+            <a:r>
+              <a:rPr lang="cs-CZ" dirty="0">
+                <a:latin typeface="Arial" panose="020B0604020202020204" pitchFamily="34" charset="0"/>
+              </a:rPr>
+              <a:t>vestavěných systémech</a:t>
+            </a:r>
+            <a:r>
+              <a:rPr lang="cs-CZ" b="0" i="0" dirty="0">
+                <a:effectLst/>
+                <a:latin typeface="Arial" panose="020B0604020202020204" pitchFamily="34" charset="0"/>
+              </a:rPr>
+              <a:t> atd. V současné době existuje kolem 450 různých distribucí.</a:t>
+            </a:r>
+            <a:endParaRPr lang="cs-CZ" dirty="0"/>
           </a:p>
         </p:txBody>
       </p:sp>
     </p:spTree>
     <p:extLst>
       <p:ext uri="{BB962C8B-B14F-4D97-AF65-F5344CB8AC3E}">
-        <p14:creationId xmlns:p14="http://schemas.microsoft.com/office/powerpoint/2010/main" val="2707703952"/>
+        <p14:creationId xmlns:p14="http://schemas.microsoft.com/office/powerpoint/2010/main" val="2835591160"/>
       </p:ext>
     </p:extLst>
   </p:cSld>
@@ -12655,7 +12928,7 @@
           <p:cNvPr id="2" name="Nadpis 1">
             <a:extLst>
               <a:ext uri="{FF2B5EF4-FFF2-40B4-BE49-F238E27FC236}">
-                <a16:creationId xmlns:a16="http://schemas.microsoft.com/office/drawing/2014/main" id="{F68B8BCD-B92B-6C65-D289-DCF672D1AAE2}"/>
+                <a16:creationId xmlns:a16="http://schemas.microsoft.com/office/drawing/2014/main" id="{19C482C5-5F3D-354E-94BF-8FE6E1F890D2}"/>
               </a:ext>
             </a:extLst>
           </p:cNvPr>
@@ -12673,104 +12946,382 @@
           <a:p>
             <a:r>
               <a:rPr lang="cs-CZ" dirty="0"/>
-              <a:t>Linuxové distribuce</a:t>
-            </a:r>
-          </a:p>
-        </p:txBody>
-      </p:sp>
-      <p:sp>
-        <p:nvSpPr>
-          <p:cNvPr id="3" name="Zástupný obsah 2">
+              <a:t>Nejznámější Linuxové distribuce</a:t>
+            </a:r>
+          </a:p>
+        </p:txBody>
+      </p:sp>
+      <p:pic>
+        <p:nvPicPr>
+          <p:cNvPr id="1026" name="Picture 2" descr="Fedora 36 a GNOME 42">
             <a:extLst>
               <a:ext uri="{FF2B5EF4-FFF2-40B4-BE49-F238E27FC236}">
-                <a16:creationId xmlns:a16="http://schemas.microsoft.com/office/drawing/2014/main" id="{EB278334-E3D5-5EAE-122E-3CCAC9266C05}"/>
+                <a16:creationId xmlns:a16="http://schemas.microsoft.com/office/drawing/2014/main" id="{D7898A53-AF28-9472-99FF-461EF1433855}"/>
               </a:ext>
             </a:extLst>
           </p:cNvPr>
-          <p:cNvSpPr>
-            <a:spLocks noGrp="1"/>
-          </p:cNvSpPr>
+          <p:cNvPicPr>
+            <a:picLocks noGrp="1" noChangeAspect="1" noChangeArrowheads="1"/>
+          </p:cNvPicPr>
           <p:nvPr>
             <p:ph idx="1"/>
           </p:nvPr>
-        </p:nvSpPr>
-        <p:spPr/>
-        <p:txBody>
-          <a:bodyPr/>
+        </p:nvPicPr>
+        <p:blipFill>
+          <a:blip r:embed="rId3">
+            <a:extLst>
+              <a:ext uri="{28A0092B-C50C-407E-A947-70E740481C1C}">
+                <a14:useLocalDpi xmlns:a14="http://schemas.microsoft.com/office/drawing/2010/main" val="0"/>
+              </a:ext>
+            </a:extLst>
+          </a:blip>
+          <a:srcRect/>
+          <a:stretch>
+            <a:fillRect/>
+          </a:stretch>
+        </p:blipFill>
+        <p:spPr bwMode="auto">
+          <a:xfrm>
+            <a:off x="48620" y="3169215"/>
+            <a:ext cx="3287003" cy="2051090"/>
+          </a:xfrm>
+          <a:prstGeom prst="rect">
+            <a:avLst/>
+          </a:prstGeom>
+          <a:noFill/>
+          <a:extLst>
+            <a:ext uri="{909E8E84-426E-40DD-AFC4-6F175D3DCCD1}">
+              <a14:hiddenFill xmlns:a14="http://schemas.microsoft.com/office/drawing/2010/main">
+                <a:solidFill>
+                  <a:srgbClr val="FFFFFF"/>
+                </a:solidFill>
+              </a14:hiddenFill>
+            </a:ext>
+          </a:extLst>
+        </p:spPr>
+      </p:pic>
+      <p:sp>
+        <p:nvSpPr>
+          <p:cNvPr id="5" name="TextovéPole 4">
+            <a:extLst>
+              <a:ext uri="{FF2B5EF4-FFF2-40B4-BE49-F238E27FC236}">
+                <a16:creationId xmlns:a16="http://schemas.microsoft.com/office/drawing/2014/main" id="{1C830313-B782-08FB-6540-55B6FB8603C8}"/>
+              </a:ext>
+            </a:extLst>
+          </p:cNvPr>
+          <p:cNvSpPr txBox="1"/>
+          <p:nvPr/>
+        </p:nvSpPr>
+        <p:spPr>
+          <a:xfrm>
+            <a:off x="1126306" y="2746563"/>
+            <a:ext cx="6097554" cy="369332"/>
+          </a:xfrm>
+          <a:prstGeom prst="rect">
+            <a:avLst/>
+          </a:prstGeom>
+          <a:noFill/>
+        </p:spPr>
+        <p:txBody>
+          <a:bodyPr wrap="square">
+            <a:spAutoFit/>
+          </a:bodyPr>
           <a:lstStyle/>
           <a:p>
             <a:r>
-              <a:rPr lang="cs-CZ" b="0" i="0" dirty="0">
+              <a:rPr lang="cs-CZ" b="1" i="0" dirty="0">
+                <a:solidFill>
+                  <a:srgbClr val="202122"/>
+                </a:solidFill>
                 <a:effectLst/>
                 <a:latin typeface="Arial" panose="020B0604020202020204" pitchFamily="34" charset="0"/>
               </a:rPr>
-              <a:t>Distribuce jsou sestavovány jednotlivci, týmy dobrovolníků, ale i komerčními firmami. </a:t>
-            </a:r>
-          </a:p>
-          <a:p>
-            <a:r>
-              <a:rPr lang="cs-CZ" b="0" i="0" dirty="0">
+              <a:t>Fedora</a:t>
+            </a:r>
+            <a:endParaRPr lang="cs-CZ" dirty="0"/>
+          </a:p>
+        </p:txBody>
+      </p:sp>
+      <p:sp>
+        <p:nvSpPr>
+          <p:cNvPr id="7" name="TextovéPole 6">
+            <a:extLst>
+              <a:ext uri="{FF2B5EF4-FFF2-40B4-BE49-F238E27FC236}">
+                <a16:creationId xmlns:a16="http://schemas.microsoft.com/office/drawing/2014/main" id="{3D28168A-3D5D-3AB1-C6C6-A2A83E377034}"/>
+              </a:ext>
+            </a:extLst>
+          </p:cNvPr>
+          <p:cNvSpPr txBox="1"/>
+          <p:nvPr/>
+        </p:nvSpPr>
+        <p:spPr>
+          <a:xfrm>
+            <a:off x="-121298" y="5073133"/>
+            <a:ext cx="4126463" cy="369332"/>
+          </a:xfrm>
+          <a:prstGeom prst="rect">
+            <a:avLst/>
+          </a:prstGeom>
+          <a:noFill/>
+        </p:spPr>
+        <p:txBody>
+          <a:bodyPr wrap="square">
+            <a:spAutoFit/>
+          </a:bodyPr>
+          <a:lstStyle/>
+          <a:p>
+            <a:r>
+              <a:rPr lang="pt-BR" b="0" i="0" dirty="0">
+                <a:solidFill>
+                  <a:srgbClr val="202122"/>
+                </a:solidFill>
                 <a:effectLst/>
                 <a:latin typeface="Arial" panose="020B0604020202020204" pitchFamily="34" charset="0"/>
               </a:rPr>
-              <a:t>Distribuce zahrnuje jádro, další systémový a aplikační software, </a:t>
-            </a:r>
-            <a:r>
-              <a:rPr lang="cs-CZ" dirty="0">
+              <a:t>.</a:t>
+            </a:r>
+            <a:endParaRPr lang="cs-CZ" dirty="0"/>
+          </a:p>
+        </p:txBody>
+      </p:sp>
+      <p:pic>
+        <p:nvPicPr>
+          <p:cNvPr id="1028" name="Picture 4" descr="Arch Linux s upraveným GNOME 40">
+            <a:extLst>
+              <a:ext uri="{FF2B5EF4-FFF2-40B4-BE49-F238E27FC236}">
+                <a16:creationId xmlns:a16="http://schemas.microsoft.com/office/drawing/2014/main" id="{1A01912C-35C6-CE9B-B56D-40C77DC108E4}"/>
+              </a:ext>
+            </a:extLst>
+          </p:cNvPr>
+          <p:cNvPicPr>
+            <a:picLocks noChangeAspect="1" noChangeArrowheads="1"/>
+          </p:cNvPicPr>
+          <p:nvPr/>
+        </p:nvPicPr>
+        <p:blipFill>
+          <a:blip r:embed="rId4">
+            <a:extLst>
+              <a:ext uri="{28A0092B-C50C-407E-A947-70E740481C1C}">
+                <a14:useLocalDpi xmlns:a14="http://schemas.microsoft.com/office/drawing/2010/main" val="0"/>
+              </a:ext>
+            </a:extLst>
+          </a:blip>
+          <a:srcRect/>
+          <a:stretch>
+            <a:fillRect/>
+          </a:stretch>
+        </p:blipFill>
+        <p:spPr bwMode="auto">
+          <a:xfrm>
+            <a:off x="4175083" y="3137842"/>
+            <a:ext cx="3747934" cy="2113835"/>
+          </a:xfrm>
+          <a:prstGeom prst="rect">
+            <a:avLst/>
+          </a:prstGeom>
+          <a:noFill/>
+          <a:extLst>
+            <a:ext uri="{909E8E84-426E-40DD-AFC4-6F175D3DCCD1}">
+              <a14:hiddenFill xmlns:a14="http://schemas.microsoft.com/office/drawing/2010/main">
+                <a:solidFill>
+                  <a:srgbClr val="FFFFFF"/>
+                </a:solidFill>
+              </a14:hiddenFill>
+            </a:ext>
+          </a:extLst>
+        </p:spPr>
+      </p:pic>
+      <p:sp>
+        <p:nvSpPr>
+          <p:cNvPr id="9" name="TextovéPole 8">
+            <a:extLst>
+              <a:ext uri="{FF2B5EF4-FFF2-40B4-BE49-F238E27FC236}">
+                <a16:creationId xmlns:a16="http://schemas.microsoft.com/office/drawing/2014/main" id="{BCFE734A-C925-6042-895A-B609F04FD71D}"/>
+              </a:ext>
+            </a:extLst>
+          </p:cNvPr>
+          <p:cNvSpPr txBox="1"/>
+          <p:nvPr/>
+        </p:nvSpPr>
+        <p:spPr>
+          <a:xfrm>
+            <a:off x="5272085" y="2739442"/>
+            <a:ext cx="6445865" cy="369332"/>
+          </a:xfrm>
+          <a:prstGeom prst="rect">
+            <a:avLst/>
+          </a:prstGeom>
+          <a:noFill/>
+        </p:spPr>
+        <p:txBody>
+          <a:bodyPr wrap="square">
+            <a:spAutoFit/>
+          </a:bodyPr>
+          <a:lstStyle/>
+          <a:p>
+            <a:r>
+              <a:rPr lang="cs-CZ" b="1" i="0" dirty="0">
+                <a:solidFill>
+                  <a:srgbClr val="202122"/>
+                </a:solidFill>
+                <a:effectLst/>
                 <a:latin typeface="Arial" panose="020B0604020202020204" pitchFamily="34" charset="0"/>
               </a:rPr>
-              <a:t>grafické uživatelské rozhraní</a:t>
-            </a:r>
-            <a:r>
-              <a:rPr lang="cs-CZ" b="0" i="0" u="none" strike="noStrike" dirty="0">
+              <a:t>Arch Linux</a:t>
+            </a:r>
+            <a:endParaRPr lang="cs-CZ" dirty="0"/>
+          </a:p>
+        </p:txBody>
+      </p:sp>
+      <p:pic>
+        <p:nvPicPr>
+          <p:cNvPr id="1030" name="Picture 6" descr="GNOME Shell v Red Hat Enterprise Linux 9">
+            <a:extLst>
+              <a:ext uri="{FF2B5EF4-FFF2-40B4-BE49-F238E27FC236}">
+                <a16:creationId xmlns:a16="http://schemas.microsoft.com/office/drawing/2014/main" id="{A4EA06B1-8A9B-D4DA-69A9-E0A5F2BA8BF7}"/>
+              </a:ext>
+            </a:extLst>
+          </p:cNvPr>
+          <p:cNvPicPr>
+            <a:picLocks noChangeAspect="1" noChangeArrowheads="1"/>
+          </p:cNvPicPr>
+          <p:nvPr/>
+        </p:nvPicPr>
+        <p:blipFill>
+          <a:blip r:embed="rId5">
+            <a:extLst>
+              <a:ext uri="{28A0092B-C50C-407E-A947-70E740481C1C}">
+                <a14:useLocalDpi xmlns:a14="http://schemas.microsoft.com/office/drawing/2010/main" val="0"/>
+              </a:ext>
+            </a:extLst>
+          </a:blip>
+          <a:srcRect/>
+          <a:stretch>
+            <a:fillRect/>
+          </a:stretch>
+        </p:blipFill>
+        <p:spPr bwMode="auto">
+          <a:xfrm>
+            <a:off x="8495018" y="3083722"/>
+            <a:ext cx="3598328" cy="2245357"/>
+          </a:xfrm>
+          <a:prstGeom prst="rect">
+            <a:avLst/>
+          </a:prstGeom>
+          <a:noFill/>
+          <a:extLst>
+            <a:ext uri="{909E8E84-426E-40DD-AFC4-6F175D3DCCD1}">
+              <a14:hiddenFill xmlns:a14="http://schemas.microsoft.com/office/drawing/2010/main">
+                <a:solidFill>
+                  <a:srgbClr val="FFFFFF"/>
+                </a:solidFill>
+              </a14:hiddenFill>
+            </a:ext>
+          </a:extLst>
+        </p:spPr>
+      </p:pic>
+      <p:sp>
+        <p:nvSpPr>
+          <p:cNvPr id="11" name="TextovéPole 10">
+            <a:extLst>
+              <a:ext uri="{FF2B5EF4-FFF2-40B4-BE49-F238E27FC236}">
+                <a16:creationId xmlns:a16="http://schemas.microsoft.com/office/drawing/2014/main" id="{41504C25-F455-D683-862E-DD1ECD81F7DD}"/>
+              </a:ext>
+            </a:extLst>
+          </p:cNvPr>
+          <p:cNvSpPr txBox="1"/>
+          <p:nvPr/>
+        </p:nvSpPr>
+        <p:spPr>
+          <a:xfrm>
+            <a:off x="8935819" y="2714390"/>
+            <a:ext cx="3442252" cy="369332"/>
+          </a:xfrm>
+          <a:prstGeom prst="rect">
+            <a:avLst/>
+          </a:prstGeom>
+          <a:noFill/>
+        </p:spPr>
+        <p:txBody>
+          <a:bodyPr wrap="square">
+            <a:spAutoFit/>
+          </a:bodyPr>
+          <a:lstStyle/>
+          <a:p>
+            <a:pPr algn="l"/>
+            <a:r>
+              <a:rPr lang="cs-CZ" b="1" i="0" dirty="0" err="1">
+                <a:solidFill>
+                  <a:srgbClr val="000000"/>
+                </a:solidFill>
                 <a:effectLst/>
                 <a:latin typeface="Arial" panose="020B0604020202020204" pitchFamily="34" charset="0"/>
-              </a:rPr>
-              <a:t>.</a:t>
-            </a:r>
-          </a:p>
-          <a:p>
-            <a:r>
-              <a:rPr lang="cs-CZ" b="0" i="0" dirty="0">
+                <a:cs typeface="Arial" panose="020B0604020202020204" pitchFamily="34" charset="0"/>
+              </a:rPr>
+              <a:t>Red</a:t>
+            </a:r>
+            <a:r>
+              <a:rPr lang="cs-CZ" b="1" i="0" dirty="0">
+                <a:solidFill>
+                  <a:srgbClr val="000000"/>
+                </a:solidFill>
                 <a:effectLst/>
                 <a:latin typeface="Arial" panose="020B0604020202020204" pitchFamily="34" charset="0"/>
-              </a:rPr>
-              <a:t>Distribuce mají různá zaměření, například výběr obsažených programů, podpora určité </a:t>
-            </a:r>
-            <a:r>
-              <a:rPr lang="cs-CZ" dirty="0">
+                <a:cs typeface="Arial" panose="020B0604020202020204" pitchFamily="34" charset="0"/>
+              </a:rPr>
+              <a:t> </a:t>
+            </a:r>
+            <a:r>
+              <a:rPr lang="cs-CZ" b="1" i="0" dirty="0" err="1">
+                <a:solidFill>
+                  <a:srgbClr val="000000"/>
+                </a:solidFill>
+                <a:effectLst/>
                 <a:latin typeface="Arial" panose="020B0604020202020204" pitchFamily="34" charset="0"/>
-              </a:rPr>
-              <a:t>počítačové architektury</a:t>
-            </a:r>
-            <a:r>
-              <a:rPr lang="cs-CZ" b="0" i="0" dirty="0">
+                <a:cs typeface="Arial" panose="020B0604020202020204" pitchFamily="34" charset="0"/>
+              </a:rPr>
+              <a:t>Hat</a:t>
+            </a:r>
+            <a:r>
+              <a:rPr lang="cs-CZ" b="1" i="0" dirty="0">
+                <a:solidFill>
+                  <a:srgbClr val="000000"/>
+                </a:solidFill>
                 <a:effectLst/>
                 <a:latin typeface="Arial" panose="020B0604020202020204" pitchFamily="34" charset="0"/>
-              </a:rPr>
-              <a:t>, použití ve </a:t>
-            </a:r>
-            <a:r>
-              <a:rPr lang="cs-CZ" dirty="0">
+                <a:cs typeface="Arial" panose="020B0604020202020204" pitchFamily="34" charset="0"/>
+              </a:rPr>
+              <a:t> </a:t>
+            </a:r>
+            <a:r>
+              <a:rPr lang="cs-CZ" b="1" i="0" dirty="0" err="1">
+                <a:solidFill>
+                  <a:srgbClr val="000000"/>
+                </a:solidFill>
+                <a:effectLst/>
                 <a:latin typeface="Arial" panose="020B0604020202020204" pitchFamily="34" charset="0"/>
-              </a:rPr>
-              <a:t>vestavěných systémech</a:t>
-            </a:r>
-            <a:r>
-              <a:rPr lang="cs-CZ" b="0" i="0" dirty="0">
+                <a:cs typeface="Arial" panose="020B0604020202020204" pitchFamily="34" charset="0"/>
+              </a:rPr>
+              <a:t>Enterprise</a:t>
+            </a:r>
+            <a:r>
+              <a:rPr lang="cs-CZ" b="1" i="0" dirty="0">
+                <a:solidFill>
+                  <a:srgbClr val="000000"/>
+                </a:solidFill>
                 <a:effectLst/>
                 <a:latin typeface="Arial" panose="020B0604020202020204" pitchFamily="34" charset="0"/>
-              </a:rPr>
-              <a:t> atd. V současné době existuje kolem 450 různých distribucí.</a:t>
-            </a:r>
-            <a:endParaRPr lang="cs-CZ" dirty="0"/>
+                <a:cs typeface="Arial" panose="020B0604020202020204" pitchFamily="34" charset="0"/>
+              </a:rPr>
+              <a:t> Linux</a:t>
+            </a:r>
           </a:p>
         </p:txBody>
       </p:sp>
     </p:spTree>
     <p:extLst>
       <p:ext uri="{BB962C8B-B14F-4D97-AF65-F5344CB8AC3E}">
-        <p14:creationId xmlns:p14="http://schemas.microsoft.com/office/powerpoint/2010/main" val="2835591160"/>
+        <p14:creationId xmlns:p14="http://schemas.microsoft.com/office/powerpoint/2010/main" val="789081118"/>
       </p:ext>
     </p:extLst>
   </p:cSld>

--- a/Linux.pptx
+++ b/Linux.pptx
@@ -212,7 +212,7 @@
           <a:p>
             <a:fld id="{A2CB6FA3-EA73-4C76-9A50-C350990F3718}" type="datetimeFigureOut">
               <a:rPr lang="cs-CZ" smtClean="0"/>
-              <a:t>18.01.2023</a:t>
+              <a:t>19.01.2023</a:t>
             </a:fld>
             <a:endParaRPr lang="cs-CZ"/>
           </a:p>
@@ -524,6 +524,26 @@
           <a:lstStyle/>
           <a:p>
             <a:r>
+              <a:rPr lang="cs-CZ" sz="1200" b="0" i="0" dirty="0">
+                <a:effectLst/>
+                <a:latin typeface="Arial" panose="020B0604020202020204" pitchFamily="34" charset="0"/>
+              </a:rPr>
+              <a:t>které je možné </a:t>
+            </a:r>
+            <a:r>
+              <a:rPr lang="cs-CZ" sz="1200" dirty="0">
+                <a:latin typeface="Arial" panose="020B0604020202020204" pitchFamily="34" charset="0"/>
+              </a:rPr>
+              <a:t>nainstalovat</a:t>
+            </a:r>
+            <a:r>
+              <a:rPr lang="cs-CZ" sz="1200" b="0" i="0" dirty="0">
+                <a:effectLst/>
+                <a:latin typeface="Arial" panose="020B0604020202020204" pitchFamily="34" charset="0"/>
+              </a:rPr>
+              <a:t> nebo používat bez instalace . </a:t>
+            </a:r>
+            <a:r>
               <a:rPr lang="cs-CZ" dirty="0"/>
               <a:t>Live cd= systém na </a:t>
             </a:r>
@@ -619,7 +639,6 @@
                 </a:solidFill>
                 <a:effectLst/>
                 <a:latin typeface="Arial" panose="020B0604020202020204" pitchFamily="34" charset="0"/>
-                <a:hlinkClick r:id="rId3" tooltip="Linux (jádro)"/>
               </a:rPr>
               <a:t>samotné jádro</a:t>
             </a:r>
@@ -631,7 +650,7 @@
                 <a:effectLst/>
                 <a:latin typeface="Arial" panose="020B0604020202020204" pitchFamily="34" charset="0"/>
               </a:rPr>
-              <a:t>, ale velmi brzy byl název zevšeobecněn a vztažen na celý operační systém skládající se z jádra Linux a operačního systému </a:t>
+              <a:t>, ale brzo byl název vztažen na celý operační systém skládající se z jádra Linux a operačního systému </a:t>
             </a:r>
             <a:r>
               <a:rPr lang="cs-CZ" b="0" i="0" u="none" strike="noStrike" dirty="0">
@@ -640,9 +659,18 @@
                 </a:solidFill>
                 <a:effectLst/>
                 <a:latin typeface="Arial" panose="020B0604020202020204" pitchFamily="34" charset="0"/>
-                <a:hlinkClick r:id="rId4" tooltip="GNU"/>
               </a:rPr>
               <a:t>GNU</a:t>
+            </a:r>
+            <a:r>
+              <a:rPr lang="cs-CZ" b="0" i="0" u="none" strike="noStrike" dirty="0">
+                <a:solidFill>
+                  <a:srgbClr val="202122"/>
+                </a:solidFill>
+                <a:effectLst/>
+                <a:latin typeface="Arial" panose="020B0604020202020204" pitchFamily="34" charset="0"/>
+              </a:rPr>
+              <a:t>.</a:t>
             </a:r>
             <a:r>
               <a:rPr lang="cs-CZ" b="0" i="0" dirty="0">
@@ -652,7 +680,7 @@
                 <a:effectLst/>
                 <a:latin typeface="Arial" panose="020B0604020202020204" pitchFamily="34" charset="0"/>
               </a:rPr>
-              <a:t>. </a:t>
+              <a:t> </a:t>
             </a:r>
             <a:endParaRPr lang="cs-CZ" dirty="0"/>
           </a:p>
@@ -738,6 +766,98 @@
           <a:bodyPr/>
           <a:lstStyle/>
           <a:p>
+            <a:r>
+              <a:rPr lang="cs-CZ" dirty="0"/>
+              <a:t>Tvorba grafického rozhraní v </a:t>
+            </a:r>
+            <a:r>
+              <a:rPr lang="cs-CZ" dirty="0" err="1"/>
+              <a:t>Glade</a:t>
+            </a:r>
+            <a:endParaRPr lang="cs-CZ" dirty="0"/>
+          </a:p>
+        </p:txBody>
+      </p:sp>
+      <p:sp>
+        <p:nvSpPr>
+          <p:cNvPr id="4" name="Zástupný symbol pro číslo snímku 3"/>
+          <p:cNvSpPr>
+            <a:spLocks noGrp="1"/>
+          </p:cNvSpPr>
+          <p:nvPr>
+            <p:ph type="sldNum" sz="quarter" idx="5"/>
+          </p:nvPr>
+        </p:nvSpPr>
+        <p:spPr/>
+        <p:txBody>
+          <a:bodyPr/>
+          <a:lstStyle/>
+          <a:p>
+            <a:fld id="{2392C61E-B012-4FBE-A281-EE11B83DE740}" type="slidenum">
+              <a:rPr lang="cs-CZ" smtClean="0"/>
+              <a:t>13</a:t>
+            </a:fld>
+            <a:endParaRPr lang="cs-CZ"/>
+          </a:p>
+        </p:txBody>
+      </p:sp>
+    </p:spTree>
+    <p:extLst>
+      <p:ext uri="{BB962C8B-B14F-4D97-AF65-F5344CB8AC3E}">
+        <p14:creationId xmlns:p14="http://schemas.microsoft.com/office/powerpoint/2010/main" val="3433888549"/>
+      </p:ext>
+    </p:extLst>
+  </p:cSld>
+  <p:clrMapOvr>
+    <a:masterClrMapping/>
+  </p:clrMapOvr>
+</p:notes>
+</file>
+
+<file path=ppt/notesSlides/notesSlide11.xml><?xml version="1.0" encoding="utf-8"?>
+<p:notes xmlns:a="http://schemas.openxmlformats.org/drawingml/2006/main" xmlns:r="http://schemas.openxmlformats.org/officeDocument/2006/relationships" xmlns:p="http://schemas.openxmlformats.org/presentationml/2006/main">
+  <p:cSld>
+    <p:spTree>
+      <p:nvGrpSpPr>
+        <p:cNvPr id="1" name=""/>
+        <p:cNvGrpSpPr/>
+        <p:nvPr/>
+      </p:nvGrpSpPr>
+      <p:grpSpPr>
+        <a:xfrm>
+          <a:off x="0" y="0"/>
+          <a:ext cx="0" cy="0"/>
+          <a:chOff x="0" y="0"/>
+          <a:chExt cx="0" cy="0"/>
+        </a:xfrm>
+      </p:grpSpPr>
+      <p:sp>
+        <p:nvSpPr>
+          <p:cNvPr id="2" name="Zástupný symbol pro obrázek snímku 1"/>
+          <p:cNvSpPr>
+            <a:spLocks noGrp="1" noRot="1" noChangeAspect="1"/>
+          </p:cNvSpPr>
+          <p:nvPr>
+            <p:ph type="sldImg"/>
+          </p:nvPr>
+        </p:nvSpPr>
+        <p:spPr/>
+      </p:sp>
+      <p:sp>
+        <p:nvSpPr>
+          <p:cNvPr id="3" name="Zástupný symbol pro poznámky 2"/>
+          <p:cNvSpPr>
+            <a:spLocks noGrp="1"/>
+          </p:cNvSpPr>
+          <p:nvPr>
+            <p:ph type="body" idx="1"/>
+          </p:nvPr>
+        </p:nvSpPr>
+        <p:spPr/>
+        <p:txBody>
+          <a:bodyPr/>
+          <a:lstStyle/>
+          <a:p>
             <a:endParaRPr lang="cs-CZ" dirty="0"/>
           </a:p>
         </p:txBody>
@@ -822,80 +942,26 @@
           <a:bodyPr/>
           <a:lstStyle/>
           <a:p>
-            <a:pPr marL="0" marR="0" lvl="0" indent="0" algn="l" defTabSz="914400" rtl="0" eaLnBrk="1" fontAlgn="auto" latinLnBrk="0" hangingPunct="1">
-              <a:lnSpc>
-                <a:spcPct val="100000"/>
-              </a:lnSpc>
-              <a:spcBef>
-                <a:spcPts val="0"/>
-              </a:spcBef>
-              <a:spcAft>
-                <a:spcPts val="0"/>
-              </a:spcAft>
-              <a:buClrTx/>
-              <a:buSzTx/>
-              <a:buFontTx/>
-              <a:buNone/>
-              <a:tabLst/>
-              <a:defRPr/>
-            </a:pPr>
-            <a:r>
-              <a:rPr lang="cs-CZ" dirty="0"/>
-              <a:t>Během necelých 10 let se stal GNU zcela použitelným systémem, měl všechny důležité aplikace (systémové knihovny, textový editor,..) Chybělo jen jádro.. </a:t>
-            </a:r>
             <a:r>
               <a:rPr lang="cs-CZ" b="0" i="0" dirty="0">
-                <a:solidFill>
-                  <a:srgbClr val="000000"/>
-                </a:solidFill>
-                <a:effectLst/>
-                <a:latin typeface="Roboto" panose="02000000000000000000" pitchFamily="2" charset="0"/>
-              </a:rPr>
-              <a:t> Ve škole se totiž seznámil s unixovým operačním systémem </a:t>
-            </a:r>
-            <a:r>
-              <a:rPr lang="cs-CZ" b="0" i="0" dirty="0" err="1">
-                <a:solidFill>
-                  <a:srgbClr val="000000"/>
-                </a:solidFill>
-                <a:effectLst/>
-                <a:latin typeface="Roboto" panose="02000000000000000000" pitchFamily="2" charset="0"/>
-              </a:rPr>
-              <a:t>Minix</a:t>
+                <a:effectLst/>
+                <a:latin typeface="Arial" panose="020B0604020202020204" pitchFamily="34" charset="0"/>
+              </a:rPr>
+              <a:t>, která uživatele neomezuje a dovoluje mu </a:t>
+            </a:r>
+            <a:r>
+              <a:rPr lang="cs-CZ" dirty="0">
+                <a:latin typeface="Arial" panose="020B0604020202020204" pitchFamily="34" charset="0"/>
+              </a:rPr>
+              <a:t>Linux</a:t>
             </a:r>
             <a:r>
               <a:rPr lang="cs-CZ" b="0" i="0" dirty="0">
-                <a:solidFill>
-                  <a:srgbClr val="000000"/>
-                </a:solidFill>
-                <a:effectLst/>
-                <a:latin typeface="Roboto" panose="02000000000000000000" pitchFamily="2" charset="0"/>
-              </a:rPr>
-              <a:t>. unixový koncept se mu líbil a chtěl ho mít na svém </a:t>
-            </a:r>
-            <a:r>
-              <a:rPr lang="cs-CZ" b="0" i="0" dirty="0" err="1">
-                <a:solidFill>
-                  <a:srgbClr val="000000"/>
-                </a:solidFill>
-                <a:effectLst/>
-                <a:latin typeface="Roboto" panose="02000000000000000000" pitchFamily="2" charset="0"/>
-              </a:rPr>
-              <a:t>pc</a:t>
-            </a:r>
-            <a:r>
-              <a:rPr lang="cs-CZ" b="0" i="0" dirty="0">
-                <a:solidFill>
-                  <a:srgbClr val="000000"/>
-                </a:solidFill>
-                <a:effectLst/>
-                <a:latin typeface="Roboto" panose="02000000000000000000" pitchFamily="2" charset="0"/>
-              </a:rPr>
-              <a:t>.</a:t>
-            </a:r>
-            <a:endParaRPr lang="cs-CZ" dirty="0"/>
-          </a:p>
-          <a:p>
+                <a:effectLst/>
+                <a:latin typeface="Arial" panose="020B0604020202020204" pitchFamily="34" charset="0"/>
+              </a:rPr>
+              <a:t> a jeho software kopírovat dalším osobám čímž se může velmi volně používat</a:t>
+            </a:r>
             <a:endParaRPr lang="cs-CZ" dirty="0"/>
           </a:p>
         </p:txBody>
@@ -917,7 +983,7 @@
           <a:p>
             <a:fld id="{2392C61E-B012-4FBE-A281-EE11B83DE740}" type="slidenum">
               <a:rPr lang="cs-CZ" smtClean="0"/>
-              <a:t>4</a:t>
+              <a:t>3</a:t>
             </a:fld>
             <a:endParaRPr lang="cs-CZ"/>
           </a:p>
@@ -926,7 +992,7 @@
     </p:spTree>
     <p:extLst>
       <p:ext uri="{BB962C8B-B14F-4D97-AF65-F5344CB8AC3E}">
-        <p14:creationId xmlns:p14="http://schemas.microsoft.com/office/powerpoint/2010/main" val="450007586"/>
+        <p14:creationId xmlns:p14="http://schemas.microsoft.com/office/powerpoint/2010/main" val="4082771575"/>
       </p:ext>
     </p:extLst>
   </p:cSld>
@@ -980,56 +1046,126 @@
           <a:bodyPr/>
           <a:lstStyle/>
           <a:p>
-            <a:r>
-              <a:rPr lang="en-US" b="0" i="0" dirty="0">
+            <a:pPr marL="0" marR="0" lvl="0" indent="0" algn="l" defTabSz="914400" rtl="0" eaLnBrk="1" fontAlgn="auto" latinLnBrk="0" hangingPunct="1">
+              <a:lnSpc>
+                <a:spcPct val="100000"/>
+              </a:lnSpc>
+              <a:spcBef>
+                <a:spcPts val="0"/>
+              </a:spcBef>
+              <a:spcAft>
+                <a:spcPts val="0"/>
+              </a:spcAft>
+              <a:buClrTx/>
+              <a:buSzTx/>
+              <a:buFontTx/>
+              <a:buNone/>
+              <a:tabLst/>
+              <a:defRPr/>
+            </a:pPr>
+            <a:r>
+              <a:rPr lang="cs-CZ" i="0" dirty="0">
+                <a:effectLst/>
+                <a:latin typeface="Roboto" panose="020B0604020202020204" pitchFamily="2" charset="0"/>
+              </a:rPr>
+              <a:t>který by byl složen jen ze svobodného software, Za tímto účelem sepsal </a:t>
+            </a:r>
+            <a:r>
+              <a:rPr lang="cs-CZ" i="0" dirty="0" err="1">
+                <a:effectLst/>
+                <a:latin typeface="Roboto" panose="020B0604020202020204" pitchFamily="2" charset="0"/>
+              </a:rPr>
+              <a:t>Stallman</a:t>
+            </a:r>
+            <a:r>
+              <a:rPr lang="cs-CZ" i="0" dirty="0">
+                <a:effectLst/>
+                <a:latin typeface="Roboto" panose="020B0604020202020204" pitchFamily="2" charset="0"/>
+              </a:rPr>
+              <a:t> novou licenci GNU GPL,     </a:t>
+            </a:r>
+            <a:r>
+              <a:rPr lang="cs-CZ" b="0" i="0" dirty="0" err="1">
+                <a:effectLst/>
+                <a:latin typeface="Roboto" panose="02000000000000000000" pitchFamily="2" charset="0"/>
+                <a:ea typeface="Roboto" panose="02000000000000000000" pitchFamily="2" charset="0"/>
+                <a:cs typeface="Roboto" panose="02000000000000000000" pitchFamily="2" charset="0"/>
+              </a:rPr>
+              <a:t>Minix</a:t>
+            </a:r>
+            <a:r>
+              <a:rPr lang="cs-CZ" b="0" i="0" dirty="0">
+                <a:effectLst/>
+                <a:latin typeface="Roboto" panose="02000000000000000000" pitchFamily="2" charset="0"/>
+                <a:ea typeface="Roboto" panose="02000000000000000000" pitchFamily="2" charset="0"/>
+                <a:cs typeface="Roboto" panose="02000000000000000000" pitchFamily="2" charset="0"/>
+              </a:rPr>
+              <a:t> byl ovšem až příliš jednoduchý  a navíc k němu nebylo možno získat zdrojové kódy tak si napsal vlastní. </a:t>
+            </a:r>
+            <a:r>
+              <a:rPr lang="cs-CZ" i="0" dirty="0">
+                <a:effectLst/>
+                <a:latin typeface="Roboto" panose="020B0604020202020204" pitchFamily="2" charset="0"/>
+              </a:rPr>
+              <a:t>  </a:t>
+            </a:r>
+            <a:r>
+              <a:rPr lang="cs-CZ" dirty="0"/>
+              <a:t>Během necelých 10 let se stal GNU zcela použitelným systémem, měl všechny důležité aplikace (systémové knihovny, textový editor,..) Chybělo jen jádro.. </a:t>
+            </a:r>
+            <a:r>
+              <a:rPr lang="cs-CZ" b="0" i="0" dirty="0">
                 <a:solidFill>
-                  <a:srgbClr val="4D5156"/>
+                  <a:srgbClr val="000000"/>
                 </a:solidFill>
                 <a:effectLst/>
-                <a:latin typeface="arial" panose="020B0604020202020204" pitchFamily="34" charset="0"/>
-              </a:rPr>
-              <a:t>GNU GPL je </a:t>
-            </a:r>
-            <a:r>
-              <a:rPr lang="en-US" b="0" i="0" dirty="0" err="1">
+                <a:latin typeface="Roboto" panose="02000000000000000000" pitchFamily="2" charset="0"/>
+              </a:rPr>
+              <a:t> Ve škole se totiž seznámil s unixovým operačním systémem </a:t>
+            </a:r>
+            <a:r>
+              <a:rPr lang="cs-CZ" b="0" i="0" dirty="0" err="1">
                 <a:solidFill>
-                  <a:srgbClr val="4D5156"/>
+                  <a:srgbClr val="000000"/>
                 </a:solidFill>
                 <a:effectLst/>
-                <a:latin typeface="arial" panose="020B0604020202020204" pitchFamily="34" charset="0"/>
-              </a:rPr>
-              <a:t>licence</a:t>
-            </a:r>
-            <a:r>
-              <a:rPr lang="en-US" b="0" i="0" dirty="0">
+                <a:latin typeface="Roboto" panose="02000000000000000000" pitchFamily="2" charset="0"/>
+              </a:rPr>
+              <a:t>Minix</a:t>
+            </a:r>
+            <a:r>
+              <a:rPr lang="cs-CZ" b="0" i="0" dirty="0">
                 <a:solidFill>
-                  <a:srgbClr val="4D5156"/>
+                  <a:srgbClr val="000000"/>
                 </a:solidFill>
                 <a:effectLst/>
-                <a:latin typeface="arial" panose="020B0604020202020204" pitchFamily="34" charset="0"/>
-              </a:rPr>
-              <a:t> pro </a:t>
-            </a:r>
-            <a:r>
-              <a:rPr lang="en-US" b="0" i="0" dirty="0" err="1">
+                <a:latin typeface="Roboto" panose="02000000000000000000" pitchFamily="2" charset="0"/>
+              </a:rPr>
+              <a:t>. unixový koncept se mu líbil a chtěl ho mít na svém </a:t>
+            </a:r>
+            <a:r>
+              <a:rPr lang="cs-CZ" b="0" i="0" dirty="0" err="1">
                 <a:solidFill>
-                  <a:srgbClr val="4D5156"/>
+                  <a:srgbClr val="000000"/>
                 </a:solidFill>
                 <a:effectLst/>
-                <a:latin typeface="arial" panose="020B0604020202020204" pitchFamily="34" charset="0"/>
-              </a:rPr>
-              <a:t>svobodný</a:t>
-            </a:r>
-            <a:r>
-              <a:rPr lang="en-US" b="0" i="0" dirty="0">
+                <a:latin typeface="Roboto" panose="02000000000000000000" pitchFamily="2" charset="0"/>
+              </a:rPr>
+              <a:t>pc</a:t>
+            </a:r>
+            <a:r>
+              <a:rPr lang="cs-CZ" b="0" i="0" dirty="0">
                 <a:solidFill>
-                  <a:srgbClr val="4D5156"/>
+                  <a:srgbClr val="000000"/>
                 </a:solidFill>
                 <a:effectLst/>
-                <a:latin typeface="arial" panose="020B0604020202020204" pitchFamily="34" charset="0"/>
-              </a:rPr>
-              <a:t> software</a:t>
-            </a:r>
+                <a:latin typeface="Roboto" panose="02000000000000000000" pitchFamily="2" charset="0"/>
+              </a:rPr>
+              <a:t>.</a:t>
+            </a:r>
+            <a:endParaRPr lang="cs-CZ" dirty="0"/>
+          </a:p>
+          <a:p>
             <a:endParaRPr lang="cs-CZ" dirty="0"/>
           </a:p>
         </p:txBody>
@@ -1051,7 +1187,7 @@
           <a:p>
             <a:fld id="{2392C61E-B012-4FBE-A281-EE11B83DE740}" type="slidenum">
               <a:rPr lang="cs-CZ" smtClean="0"/>
-              <a:t>5</a:t>
+              <a:t>4</a:t>
             </a:fld>
             <a:endParaRPr lang="cs-CZ"/>
           </a:p>
@@ -1060,7 +1196,7 @@
     </p:spTree>
     <p:extLst>
       <p:ext uri="{BB962C8B-B14F-4D97-AF65-F5344CB8AC3E}">
-        <p14:creationId xmlns:p14="http://schemas.microsoft.com/office/powerpoint/2010/main" val="4040710463"/>
+        <p14:creationId xmlns:p14="http://schemas.microsoft.com/office/powerpoint/2010/main" val="450007586"/>
       </p:ext>
     </p:extLst>
   </p:cSld>
@@ -1116,73 +1252,60 @@
           <a:p>
             <a:r>
               <a:rPr lang="cs-CZ" b="0" i="0" dirty="0">
+                <a:effectLst/>
+                <a:latin typeface="Roboto" panose="02000000000000000000" pitchFamily="2" charset="0"/>
+              </a:rPr>
+              <a:t> a přispívat vlastními myšlenkami, Tím vznikl výsledný produkt se správným názvem GNU/Linux.     </a:t>
+            </a:r>
+            <a:r>
+              <a:rPr lang="en-US" b="0" i="0" dirty="0">
                 <a:solidFill>
-                  <a:srgbClr val="202122"/>
+                  <a:srgbClr val="4D5156"/>
                 </a:solidFill>
                 <a:effectLst/>
-                <a:latin typeface="Arial" panose="020B0604020202020204" pitchFamily="34" charset="0"/>
-              </a:rPr>
-              <a:t> tučňák </a:t>
-            </a:r>
-            <a:r>
-              <a:rPr lang="cs-CZ" b="0" i="0" u="none" strike="noStrike" dirty="0" err="1">
+                <a:latin typeface="arial" panose="020B0604020202020204" pitchFamily="34" charset="0"/>
+              </a:rPr>
+              <a:t>GNU GPL je </a:t>
+            </a:r>
+            <a:r>
+              <a:rPr lang="en-US" b="0" i="0" dirty="0" err="1">
                 <a:solidFill>
-                  <a:srgbClr val="0645AD"/>
+                  <a:srgbClr val="4D5156"/>
                 </a:solidFill>
                 <a:effectLst/>
-                <a:latin typeface="Arial" panose="020B0604020202020204" pitchFamily="34" charset="0"/>
-              </a:rPr>
-              <a:t>Tux</a:t>
-            </a:r>
-            <a:r>
-              <a:rPr lang="cs-CZ" b="0" i="0" u="none" strike="noStrike" dirty="0">
+                <a:latin typeface="arial" panose="020B0604020202020204" pitchFamily="34" charset="0"/>
+              </a:rPr>
+              <a:t>licence</a:t>
+            </a:r>
+            <a:r>
+              <a:rPr lang="en-US" b="0" i="0" dirty="0">
                 <a:solidFill>
-                  <a:srgbClr val="0645AD"/>
+                  <a:srgbClr val="4D5156"/>
                 </a:solidFill>
                 <a:effectLst/>
-                <a:latin typeface="Arial" panose="020B0604020202020204" pitchFamily="34" charset="0"/>
-              </a:rPr>
-              <a:t> 1996, </a:t>
-            </a:r>
-            <a:r>
-              <a:rPr lang="cs-CZ" b="0" i="0" dirty="0">
+                <a:latin typeface="arial" panose="020B0604020202020204" pitchFamily="34" charset="0"/>
+              </a:rPr>
+              <a:t> pro </a:t>
+            </a:r>
+            <a:r>
+              <a:rPr lang="en-US" b="0" i="0" dirty="0" err="1">
                 <a:solidFill>
-                  <a:srgbClr val="202122"/>
+                  <a:srgbClr val="4D5156"/>
                 </a:solidFill>
                 <a:effectLst/>
-                <a:latin typeface="Arial" panose="020B0604020202020204" pitchFamily="34" charset="0"/>
-              </a:rPr>
-              <a:t> </a:t>
-            </a:r>
-            <a:r>
-              <a:rPr lang="cs-CZ" b="0" i="0" u="none" strike="noStrike" dirty="0" err="1">
+                <a:latin typeface="arial" panose="020B0604020202020204" pitchFamily="34" charset="0"/>
+              </a:rPr>
+              <a:t>svobodný</a:t>
+            </a:r>
+            <a:r>
+              <a:rPr lang="en-US" b="0" i="0" dirty="0">
                 <a:solidFill>
-                  <a:srgbClr val="BA0000"/>
+                  <a:srgbClr val="4D5156"/>
                 </a:solidFill>
                 <a:effectLst/>
-                <a:latin typeface="Arial" panose="020B0604020202020204" pitchFamily="34" charset="0"/>
-              </a:rPr>
-              <a:t>Ari</a:t>
-            </a:r>
-            <a:r>
-              <a:rPr lang="cs-CZ" b="0" i="0" u="none" strike="noStrike" dirty="0">
-                <a:solidFill>
-                  <a:srgbClr val="BA0000"/>
-                </a:solidFill>
-                <a:effectLst/>
-                <a:latin typeface="Arial" panose="020B0604020202020204" pitchFamily="34" charset="0"/>
-              </a:rPr>
-              <a:t> </a:t>
-            </a:r>
-            <a:r>
-              <a:rPr lang="cs-CZ" b="0" i="0" u="none" strike="noStrike" dirty="0" err="1">
-                <a:solidFill>
-                  <a:srgbClr val="BA0000"/>
-                </a:solidFill>
-                <a:effectLst/>
-                <a:latin typeface="Arial" panose="020B0604020202020204" pitchFamily="34" charset="0"/>
-              </a:rPr>
-              <a:t>Lemmke</a:t>
+                <a:latin typeface="arial" panose="020B0604020202020204" pitchFamily="34" charset="0"/>
+              </a:rPr>
+              <a:t> software</a:t>
             </a:r>
             <a:endParaRPr lang="cs-CZ" dirty="0"/>
           </a:p>
@@ -1205,7 +1328,7 @@
           <a:p>
             <a:fld id="{2392C61E-B012-4FBE-A281-EE11B83DE740}" type="slidenum">
               <a:rPr lang="cs-CZ" smtClean="0"/>
-              <a:t>6</a:t>
+              <a:t>5</a:t>
             </a:fld>
             <a:endParaRPr lang="cs-CZ"/>
           </a:p>
@@ -1214,7 +1337,7 @@
     </p:spTree>
     <p:extLst>
       <p:ext uri="{BB962C8B-B14F-4D97-AF65-F5344CB8AC3E}">
-        <p14:creationId xmlns:p14="http://schemas.microsoft.com/office/powerpoint/2010/main" val="22119155"/>
+        <p14:creationId xmlns:p14="http://schemas.microsoft.com/office/powerpoint/2010/main" val="4040710463"/>
       </p:ext>
     </p:extLst>
   </p:cSld>
@@ -1268,274 +1391,56 @@
           <a:bodyPr/>
           <a:lstStyle/>
           <a:p>
-            <a:pPr marL="0" marR="0" lvl="0" indent="0" algn="l" defTabSz="914400" rtl="0" eaLnBrk="1" fontAlgn="auto" latinLnBrk="0" hangingPunct="1">
-              <a:lnSpc>
-                <a:spcPct val="100000"/>
-              </a:lnSpc>
-              <a:spcBef>
-                <a:spcPts val="0"/>
-              </a:spcBef>
-              <a:spcAft>
-                <a:spcPts val="0"/>
-              </a:spcAft>
-              <a:buClrTx/>
-              <a:buSzTx/>
-              <a:buFontTx/>
-              <a:buNone/>
-              <a:tabLst/>
-              <a:defRPr/>
-            </a:pPr>
-            <a:r>
-              <a:rPr lang="cs-CZ" dirty="0"/>
-              <a:t>Nejoblíbenější L. distribuce=1. MX Linux,2. </a:t>
-            </a:r>
-            <a:r>
-              <a:rPr lang="cs-CZ" b="1" i="0" dirty="0" err="1">
-                <a:solidFill>
-                  <a:srgbClr val="000000"/>
-                </a:solidFill>
-                <a:effectLst/>
-                <a:latin typeface="Noticia Text"/>
-              </a:rPr>
-              <a:t>Manjaro</a:t>
-            </a:r>
-            <a:r>
-              <a:rPr lang="cs-CZ" b="1" i="0" dirty="0">
-                <a:solidFill>
-                  <a:srgbClr val="000000"/>
-                </a:solidFill>
-                <a:effectLst/>
-                <a:latin typeface="Noticia Text"/>
-              </a:rPr>
-              <a:t> Linux, 3. místo: Linux </a:t>
-            </a:r>
-            <a:r>
-              <a:rPr lang="cs-CZ" b="1" i="1" u="sng" dirty="0" err="1">
-                <a:solidFill>
-                  <a:srgbClr val="000000"/>
-                </a:solidFill>
-                <a:effectLst/>
-                <a:latin typeface="Noticia Text"/>
-              </a:rPr>
-              <a:t>Mint</a:t>
-            </a:r>
-            <a:r>
-              <a:rPr lang="cs-CZ" b="1" i="1" u="sng" dirty="0">
-                <a:solidFill>
-                  <a:srgbClr val="000000"/>
-                </a:solidFill>
-                <a:effectLst/>
-                <a:latin typeface="Noticia Text"/>
-              </a:rPr>
-              <a:t> </a:t>
-            </a:r>
-            <a:endParaRPr lang="cs-CZ" b="1" i="1" u="sng" dirty="0">
-              <a:solidFill>
-                <a:srgbClr val="FF0000"/>
-              </a:solidFill>
-              <a:effectLst/>
-              <a:highlight>
-                <a:srgbClr val="FFFF00"/>
-              </a:highlight>
-              <a:latin typeface="Noticia Text"/>
-            </a:endParaRPr>
-          </a:p>
-          <a:p>
-            <a:pPr marL="0" marR="0" lvl="0" indent="0" algn="l" defTabSz="914400" rtl="0" eaLnBrk="1" fontAlgn="auto" latinLnBrk="0" hangingPunct="1">
-              <a:lnSpc>
-                <a:spcPct val="100000"/>
-              </a:lnSpc>
-              <a:spcBef>
-                <a:spcPts val="0"/>
-              </a:spcBef>
-              <a:spcAft>
-                <a:spcPts val="0"/>
-              </a:spcAft>
-              <a:buClrTx/>
-              <a:buSzTx/>
-              <a:buFontTx/>
-              <a:buNone/>
-              <a:tabLst/>
-              <a:defRPr/>
-            </a:pPr>
-            <a:r>
-              <a:rPr lang="cs-CZ" b="1" i="0" dirty="0">
-                <a:solidFill>
-                  <a:srgbClr val="000000"/>
-                </a:solidFill>
-                <a:effectLst/>
-                <a:latin typeface="Noticia Text"/>
-              </a:rPr>
-              <a:t> Utility=pomocný programy </a:t>
-            </a:r>
-          </a:p>
-          <a:p>
-            <a:pPr marL="0" marR="0" lvl="0" indent="0" algn="l" defTabSz="914400" rtl="0" eaLnBrk="1" fontAlgn="auto" latinLnBrk="0" hangingPunct="1">
-              <a:lnSpc>
-                <a:spcPct val="100000"/>
-              </a:lnSpc>
-              <a:spcBef>
-                <a:spcPts val="0"/>
-              </a:spcBef>
-              <a:spcAft>
-                <a:spcPts val="0"/>
-              </a:spcAft>
-              <a:buClrTx/>
-              <a:buSzTx/>
-              <a:buFontTx/>
-              <a:buNone/>
-              <a:tabLst/>
-              <a:defRPr/>
-            </a:pPr>
-            <a:r>
-              <a:rPr lang="cs-CZ" b="1" i="0" u="sng" dirty="0">
+            <a:r>
+              <a:rPr lang="cs-CZ" b="0" i="0" dirty="0">
                 <a:solidFill>
                   <a:srgbClr val="202122"/>
                 </a:solidFill>
                 <a:effectLst/>
                 <a:latin typeface="Arial" panose="020B0604020202020204" pitchFamily="34" charset="0"/>
               </a:rPr>
-              <a:t>Protože jsou nástroje i aplikace na Internetu dostupné v podobě </a:t>
-            </a:r>
-            <a:r>
-              <a:rPr lang="cs-CZ" b="1" i="0" u="sng" strike="noStrike" dirty="0">
+              <a:t> Myšlenka, že by maskot Linuxu měl být tučňák, pochází od </a:t>
+            </a:r>
+            <a:r>
+              <a:rPr lang="cs-CZ" b="0" i="0" u="none" strike="noStrike" dirty="0" err="1">
                 <a:solidFill>
                   <a:srgbClr val="0645AD"/>
                 </a:solidFill>
                 <a:effectLst/>
                 <a:latin typeface="Arial" panose="020B0604020202020204" pitchFamily="34" charset="0"/>
-                <a:hlinkClick r:id="rId3" tooltip="Zdrojový kód"/>
-              </a:rPr>
-              <a:t>zdrojových kódů</a:t>
-            </a:r>
-            <a:r>
-              <a:rPr lang="cs-CZ" b="1" i="0" u="sng" dirty="0">
+              </a:rPr>
+              <a:t>Linuse</a:t>
+            </a:r>
+            <a:r>
+              <a:rPr lang="cs-CZ" b="0" i="0" u="none" strike="noStrike" dirty="0">
+                <a:solidFill>
+                  <a:srgbClr val="0645AD"/>
+                </a:solidFill>
+                <a:effectLst/>
+                <a:latin typeface="Arial" panose="020B0604020202020204" pitchFamily="34" charset="0"/>
+              </a:rPr>
+              <a:t> </a:t>
+            </a:r>
+            <a:r>
+              <a:rPr lang="cs-CZ" b="0" i="0" u="none" strike="noStrike" dirty="0" err="1">
+                <a:solidFill>
+                  <a:srgbClr val="0645AD"/>
+                </a:solidFill>
+                <a:effectLst/>
+                <a:latin typeface="Arial" panose="020B0604020202020204" pitchFamily="34" charset="0"/>
+              </a:rPr>
+              <a:t>Torvaldse</a:t>
+            </a:r>
+            <a:r>
+              <a:rPr lang="cs-CZ" b="0" i="0" dirty="0">
                 <a:solidFill>
                   <a:srgbClr val="202122"/>
                 </a:solidFill>
                 <a:effectLst/>
                 <a:latin typeface="Arial" panose="020B0604020202020204" pitchFamily="34" charset="0"/>
               </a:rPr>
-              <a:t>, které je nejprve nutné </a:t>
-            </a:r>
-            <a:r>
-              <a:rPr lang="cs-CZ" b="1" i="0" u="sng" strike="noStrike" dirty="0">
-                <a:solidFill>
-                  <a:srgbClr val="0645AD"/>
-                </a:solidFill>
-                <a:effectLst/>
-                <a:latin typeface="Arial" panose="020B0604020202020204" pitchFamily="34" charset="0"/>
-                <a:hlinkClick r:id="rId4" tooltip="Překladač"/>
-              </a:rPr>
-              <a:t>přeložit</a:t>
-            </a:r>
-            <a:r>
-              <a:rPr lang="cs-CZ" b="1" i="0" u="sng" dirty="0">
-                <a:solidFill>
-                  <a:srgbClr val="202122"/>
-                </a:solidFill>
-                <a:effectLst/>
-                <a:latin typeface="Arial" panose="020B0604020202020204" pitchFamily="34" charset="0"/>
-              </a:rPr>
-              <a:t> do formy </a:t>
-            </a:r>
-            <a:r>
-              <a:rPr lang="cs-CZ" b="1" i="0" u="sng" strike="noStrike" dirty="0">
-                <a:solidFill>
-                  <a:srgbClr val="0645AD"/>
-                </a:solidFill>
-                <a:effectLst/>
-                <a:latin typeface="Arial" panose="020B0604020202020204" pitchFamily="34" charset="0"/>
-                <a:hlinkClick r:id="rId5" tooltip="Spustitelný soubor"/>
-              </a:rPr>
-              <a:t>spustitelných souborů</a:t>
-            </a:r>
-            <a:r>
-              <a:rPr lang="cs-CZ" b="1" i="0" u="sng" dirty="0">
-                <a:solidFill>
-                  <a:srgbClr val="202122"/>
-                </a:solidFill>
-                <a:effectLst/>
-                <a:latin typeface="Arial" panose="020B0604020202020204" pitchFamily="34" charset="0"/>
-              </a:rPr>
-              <a:t>, bylo by pro uživatele velmi nepohodlné proto existují takzvané </a:t>
-            </a:r>
-            <a:r>
-              <a:rPr lang="cs-CZ" b="1" i="1" u="sng" dirty="0">
-                <a:solidFill>
-                  <a:srgbClr val="202122"/>
-                </a:solidFill>
-                <a:effectLst/>
-                <a:latin typeface="Arial" panose="020B0604020202020204" pitchFamily="34" charset="0"/>
-              </a:rPr>
-              <a:t>distribuce</a:t>
-            </a:r>
-            <a:r>
-              <a:rPr lang="cs-CZ" b="1" i="0" u="sng" dirty="0">
-                <a:solidFill>
-                  <a:srgbClr val="202122"/>
-                </a:solidFill>
-                <a:effectLst/>
-                <a:latin typeface="Arial" panose="020B0604020202020204" pitchFamily="34" charset="0"/>
-              </a:rPr>
-              <a:t>, které obsahují vše potřebné v úhledném balení – přeložené </a:t>
-            </a:r>
-            <a:r>
-              <a:rPr lang="cs-CZ" b="1" i="0" u="sng" strike="noStrike" dirty="0">
-                <a:solidFill>
-                  <a:srgbClr val="0645AD"/>
-                </a:solidFill>
-                <a:effectLst/>
-                <a:latin typeface="Arial" panose="020B0604020202020204" pitchFamily="34" charset="0"/>
-                <a:hlinkClick r:id="rId6" tooltip="Binární soubor"/>
-              </a:rPr>
-              <a:t>binární soubory</a:t>
-            </a:r>
-            <a:r>
-              <a:rPr lang="cs-CZ" b="1" i="0" u="sng" dirty="0">
-                <a:solidFill>
-                  <a:srgbClr val="202122"/>
-                </a:solidFill>
-                <a:effectLst/>
-                <a:latin typeface="Arial" panose="020B0604020202020204" pitchFamily="34" charset="0"/>
-              </a:rPr>
-              <a:t> včetně instalačního programu</a:t>
-            </a:r>
-            <a:endParaRPr lang="cs-CZ" b="1" i="0" u="sng" dirty="0">
-              <a:solidFill>
-                <a:srgbClr val="000000"/>
-              </a:solidFill>
-              <a:effectLst/>
-              <a:latin typeface="Noticia Text"/>
-            </a:endParaRPr>
-          </a:p>
-          <a:p>
-            <a:pPr marL="0" marR="0" lvl="0" indent="0" algn="l" defTabSz="914400" rtl="0" eaLnBrk="1" fontAlgn="auto" latinLnBrk="0" hangingPunct="1">
-              <a:lnSpc>
-                <a:spcPct val="100000"/>
-              </a:lnSpc>
-              <a:spcBef>
-                <a:spcPts val="0"/>
-              </a:spcBef>
-              <a:spcAft>
-                <a:spcPts val="0"/>
-              </a:spcAft>
-              <a:buClrTx/>
-              <a:buSzTx/>
-              <a:buFontTx/>
-              <a:buNone/>
-              <a:tabLst/>
-              <a:defRPr/>
-            </a:pPr>
-            <a:endParaRPr lang="cs-CZ" b="1" i="0" dirty="0">
-              <a:solidFill>
-                <a:srgbClr val="000000"/>
-              </a:solidFill>
-              <a:effectLst/>
-              <a:latin typeface="Noticia Text"/>
-            </a:endParaRPr>
-          </a:p>
-          <a:p>
+              <a:t>, tvůrce jádra systému Linux.</a:t>
+            </a:r>
             <a:endParaRPr lang="cs-CZ" dirty="0"/>
           </a:p>
         </p:txBody>
@@ -1557,7 +1462,7 @@
           <a:p>
             <a:fld id="{2392C61E-B012-4FBE-A281-EE11B83DE740}" type="slidenum">
               <a:rPr lang="cs-CZ" smtClean="0"/>
-              <a:t>7</a:t>
+              <a:t>6</a:t>
             </a:fld>
             <a:endParaRPr lang="cs-CZ"/>
           </a:p>
@@ -1566,7 +1471,7 @@
     </p:spTree>
     <p:extLst>
       <p:ext uri="{BB962C8B-B14F-4D97-AF65-F5344CB8AC3E}">
-        <p14:creationId xmlns:p14="http://schemas.microsoft.com/office/powerpoint/2010/main" val="1494332809"/>
+        <p14:creationId xmlns:p14="http://schemas.microsoft.com/office/powerpoint/2010/main" val="22119155"/>
       </p:ext>
     </p:extLst>
   </p:cSld>
@@ -1620,14 +1525,275 @@
           <a:bodyPr/>
           <a:lstStyle/>
           <a:p>
-            <a:r>
-              <a:rPr lang="cs-CZ" dirty="0" err="1"/>
-              <a:t>Jádro+systémové</a:t>
-            </a:r>
+            <a:pPr marL="0" marR="0" lvl="0" indent="0" algn="l" defTabSz="914400" rtl="0" eaLnBrk="1" fontAlgn="auto" latinLnBrk="0" hangingPunct="1">
+              <a:lnSpc>
+                <a:spcPct val="100000"/>
+              </a:lnSpc>
+              <a:spcBef>
+                <a:spcPts val="0"/>
+              </a:spcBef>
+              <a:spcAft>
+                <a:spcPts val="0"/>
+              </a:spcAft>
+              <a:buClrTx/>
+              <a:buSzTx/>
+              <a:buFontTx/>
+              <a:buNone/>
+              <a:tabLst/>
+              <a:defRPr/>
+            </a:pPr>
             <a:r>
               <a:rPr lang="cs-CZ" dirty="0"/>
-              <a:t> programy=linuxová distribuce</a:t>
-            </a:r>
+              <a:t>Nejoblíbenější L. distribuce=1. MX Linux,2. </a:t>
+            </a:r>
+            <a:r>
+              <a:rPr lang="cs-CZ" b="1" i="0" dirty="0" err="1">
+                <a:solidFill>
+                  <a:srgbClr val="000000"/>
+                </a:solidFill>
+                <a:effectLst/>
+                <a:latin typeface="Noticia Text"/>
+              </a:rPr>
+              <a:t>Manjaro</a:t>
+            </a:r>
+            <a:r>
+              <a:rPr lang="cs-CZ" b="1" i="0" dirty="0">
+                <a:solidFill>
+                  <a:srgbClr val="000000"/>
+                </a:solidFill>
+                <a:effectLst/>
+                <a:latin typeface="Noticia Text"/>
+              </a:rPr>
+              <a:t> Linux, 3. místo: Linux </a:t>
+            </a:r>
+            <a:r>
+              <a:rPr lang="cs-CZ" b="1" i="1" u="sng" dirty="0" err="1">
+                <a:solidFill>
+                  <a:srgbClr val="000000"/>
+                </a:solidFill>
+                <a:effectLst/>
+                <a:latin typeface="Noticia Text"/>
+              </a:rPr>
+              <a:t>Mint</a:t>
+            </a:r>
+            <a:r>
+              <a:rPr lang="cs-CZ" b="1" i="1" u="sng" dirty="0">
+                <a:solidFill>
+                  <a:srgbClr val="000000"/>
+                </a:solidFill>
+                <a:effectLst/>
+                <a:latin typeface="Noticia Text"/>
+              </a:rPr>
+              <a:t> </a:t>
+            </a:r>
+            <a:endParaRPr lang="cs-CZ" b="1" i="1" u="sng" dirty="0">
+              <a:solidFill>
+                <a:srgbClr val="FF0000"/>
+              </a:solidFill>
+              <a:effectLst/>
+              <a:highlight>
+                <a:srgbClr val="FFFF00"/>
+              </a:highlight>
+              <a:latin typeface="Noticia Text"/>
+            </a:endParaRPr>
+          </a:p>
+          <a:p>
+            <a:pPr marL="0" marR="0" lvl="0" indent="0" algn="l" defTabSz="914400" rtl="0" eaLnBrk="1" fontAlgn="auto" latinLnBrk="0" hangingPunct="1">
+              <a:lnSpc>
+                <a:spcPct val="100000"/>
+              </a:lnSpc>
+              <a:spcBef>
+                <a:spcPts val="0"/>
+              </a:spcBef>
+              <a:spcAft>
+                <a:spcPts val="0"/>
+              </a:spcAft>
+              <a:buClrTx/>
+              <a:buSzTx/>
+              <a:buFontTx/>
+              <a:buNone/>
+              <a:tabLst/>
+              <a:defRPr/>
+            </a:pPr>
+            <a:r>
+              <a:rPr lang="cs-CZ" b="1" i="0" dirty="0">
+                <a:solidFill>
+                  <a:srgbClr val="000000"/>
+                </a:solidFill>
+                <a:effectLst/>
+                <a:latin typeface="Noticia Text"/>
+              </a:rPr>
+              <a:t> Utility=pomocný programy </a:t>
+            </a:r>
+          </a:p>
+          <a:p>
+            <a:pPr marL="0" marR="0" lvl="0" indent="0" algn="l" defTabSz="914400" rtl="0" eaLnBrk="1" fontAlgn="auto" latinLnBrk="0" hangingPunct="1">
+              <a:lnSpc>
+                <a:spcPct val="100000"/>
+              </a:lnSpc>
+              <a:spcBef>
+                <a:spcPts val="0"/>
+              </a:spcBef>
+              <a:spcAft>
+                <a:spcPts val="0"/>
+              </a:spcAft>
+              <a:buClrTx/>
+              <a:buSzTx/>
+              <a:buFontTx/>
+              <a:buNone/>
+              <a:tabLst/>
+              <a:defRPr/>
+            </a:pPr>
+            <a:r>
+              <a:rPr lang="cs-CZ" b="1" i="0" u="sng" dirty="0">
+                <a:solidFill>
+                  <a:srgbClr val="202122"/>
+                </a:solidFill>
+                <a:effectLst/>
+                <a:latin typeface="Arial" panose="020B0604020202020204" pitchFamily="34" charset="0"/>
+              </a:rPr>
+              <a:t>Protože jsou nástroje i aplikace na Internetu dostupné v podobě </a:t>
+            </a:r>
+            <a:r>
+              <a:rPr lang="cs-CZ" b="1" i="0" u="sng" strike="noStrike" dirty="0">
+                <a:solidFill>
+                  <a:srgbClr val="0645AD"/>
+                </a:solidFill>
+                <a:effectLst/>
+                <a:latin typeface="Arial" panose="020B0604020202020204" pitchFamily="34" charset="0"/>
+                <a:hlinkClick r:id="rId3" tooltip="Zdrojový kód"/>
+              </a:rPr>
+              <a:t>zdrojových kódů</a:t>
+            </a:r>
+            <a:r>
+              <a:rPr lang="cs-CZ" b="1" i="0" u="sng" dirty="0">
+                <a:solidFill>
+                  <a:srgbClr val="202122"/>
+                </a:solidFill>
+                <a:effectLst/>
+                <a:latin typeface="Arial" panose="020B0604020202020204" pitchFamily="34" charset="0"/>
+              </a:rPr>
+              <a:t>, které je nejprve nutné </a:t>
+            </a:r>
+            <a:r>
+              <a:rPr lang="cs-CZ" b="1" i="0" u="sng" strike="noStrike" dirty="0">
+                <a:solidFill>
+                  <a:srgbClr val="0645AD"/>
+                </a:solidFill>
+                <a:effectLst/>
+                <a:latin typeface="Arial" panose="020B0604020202020204" pitchFamily="34" charset="0"/>
+                <a:hlinkClick r:id="rId4" tooltip="Překladač"/>
+              </a:rPr>
+              <a:t>přeložit</a:t>
+            </a:r>
+            <a:r>
+              <a:rPr lang="cs-CZ" b="1" i="0" u="sng" dirty="0">
+                <a:solidFill>
+                  <a:srgbClr val="202122"/>
+                </a:solidFill>
+                <a:effectLst/>
+                <a:latin typeface="Arial" panose="020B0604020202020204" pitchFamily="34" charset="0"/>
+              </a:rPr>
+              <a:t> do formy </a:t>
+            </a:r>
+            <a:r>
+              <a:rPr lang="cs-CZ" b="1" i="0" u="sng" strike="noStrike" dirty="0">
+                <a:solidFill>
+                  <a:srgbClr val="0645AD"/>
+                </a:solidFill>
+                <a:effectLst/>
+                <a:latin typeface="Arial" panose="020B0604020202020204" pitchFamily="34" charset="0"/>
+                <a:hlinkClick r:id="rId5" tooltip="Spustitelný soubor"/>
+              </a:rPr>
+              <a:t>spustitelných souborů</a:t>
+            </a:r>
+            <a:r>
+              <a:rPr lang="cs-CZ" b="1" i="0" u="sng" dirty="0">
+                <a:solidFill>
+                  <a:srgbClr val="202122"/>
+                </a:solidFill>
+                <a:effectLst/>
+                <a:latin typeface="Arial" panose="020B0604020202020204" pitchFamily="34" charset="0"/>
+              </a:rPr>
+              <a:t>, bylo by pro uživatele velmi nepohodlné proto existují takzvané </a:t>
+            </a:r>
+            <a:r>
+              <a:rPr lang="cs-CZ" b="1" i="1" u="sng" dirty="0">
+                <a:solidFill>
+                  <a:srgbClr val="202122"/>
+                </a:solidFill>
+                <a:effectLst/>
+                <a:latin typeface="Arial" panose="020B0604020202020204" pitchFamily="34" charset="0"/>
+              </a:rPr>
+              <a:t>distribuce</a:t>
+            </a:r>
+            <a:r>
+              <a:rPr lang="cs-CZ" b="1" i="0" u="sng" dirty="0">
+                <a:solidFill>
+                  <a:srgbClr val="202122"/>
+                </a:solidFill>
+                <a:effectLst/>
+                <a:latin typeface="Arial" panose="020B0604020202020204" pitchFamily="34" charset="0"/>
+              </a:rPr>
+              <a:t>, které obsahují vše potřebné v úhledném balení – přeložené </a:t>
+            </a:r>
+            <a:r>
+              <a:rPr lang="cs-CZ" b="1" i="0" u="sng" strike="noStrike" dirty="0">
+                <a:solidFill>
+                  <a:srgbClr val="0645AD"/>
+                </a:solidFill>
+                <a:effectLst/>
+                <a:latin typeface="Arial" panose="020B0604020202020204" pitchFamily="34" charset="0"/>
+                <a:hlinkClick r:id="rId6" tooltip="Binární soubor"/>
+              </a:rPr>
+              <a:t>binární soubory</a:t>
+            </a:r>
+            <a:r>
+              <a:rPr lang="cs-CZ" b="1" i="0" u="sng" dirty="0">
+                <a:solidFill>
+                  <a:srgbClr val="202122"/>
+                </a:solidFill>
+                <a:effectLst/>
+                <a:latin typeface="Arial" panose="020B0604020202020204" pitchFamily="34" charset="0"/>
+              </a:rPr>
+              <a:t> včetně instalačního programu</a:t>
+            </a:r>
+            <a:endParaRPr lang="cs-CZ" b="1" i="0" u="sng" dirty="0">
+              <a:solidFill>
+                <a:srgbClr val="000000"/>
+              </a:solidFill>
+              <a:effectLst/>
+              <a:latin typeface="Noticia Text"/>
+            </a:endParaRPr>
+          </a:p>
+          <a:p>
+            <a:pPr marL="0" marR="0" lvl="0" indent="0" algn="l" defTabSz="914400" rtl="0" eaLnBrk="1" fontAlgn="auto" latinLnBrk="0" hangingPunct="1">
+              <a:lnSpc>
+                <a:spcPct val="100000"/>
+              </a:lnSpc>
+              <a:spcBef>
+                <a:spcPts val="0"/>
+              </a:spcBef>
+              <a:spcAft>
+                <a:spcPts val="0"/>
+              </a:spcAft>
+              <a:buClrTx/>
+              <a:buSzTx/>
+              <a:buFontTx/>
+              <a:buNone/>
+              <a:tabLst/>
+              <a:defRPr/>
+            </a:pPr>
+            <a:endParaRPr lang="cs-CZ" b="1" i="0" dirty="0">
+              <a:solidFill>
+                <a:srgbClr val="000000"/>
+              </a:solidFill>
+              <a:effectLst/>
+              <a:latin typeface="Noticia Text"/>
+            </a:endParaRPr>
+          </a:p>
+          <a:p>
+            <a:endParaRPr lang="cs-CZ" dirty="0"/>
           </a:p>
         </p:txBody>
       </p:sp>
@@ -1648,7 +1814,7 @@
           <a:p>
             <a:fld id="{2392C61E-B012-4FBE-A281-EE11B83DE740}" type="slidenum">
               <a:rPr lang="cs-CZ" smtClean="0"/>
-              <a:t>8</a:t>
+              <a:t>7</a:t>
             </a:fld>
             <a:endParaRPr lang="cs-CZ"/>
           </a:p>
@@ -1657,7 +1823,7 @@
     </p:spTree>
     <p:extLst>
       <p:ext uri="{BB962C8B-B14F-4D97-AF65-F5344CB8AC3E}">
-        <p14:creationId xmlns:p14="http://schemas.microsoft.com/office/powerpoint/2010/main" val="4109816928"/>
+        <p14:creationId xmlns:p14="http://schemas.microsoft.com/office/powerpoint/2010/main" val="1494332809"/>
       </p:ext>
     </p:extLst>
   </p:cSld>
@@ -1712,298 +1878,13 @@
           <a:lstStyle/>
           <a:p>
             <a:r>
-              <a:rPr lang="cs-CZ" dirty="0">
-                <a:solidFill>
-                  <a:schemeClr val="accent6">
-                    <a:lumMod val="75000"/>
-                  </a:schemeClr>
-                </a:solidFill>
-                <a:highlight>
-                  <a:srgbClr val="FFFF00"/>
-                </a:highlight>
-              </a:rPr>
-              <a:t>Fedora= cíl je os pro všeobecné použití open source, </a:t>
-            </a:r>
-            <a:r>
-              <a:rPr lang="cs-CZ" b="0" i="0" dirty="0">
-                <a:solidFill>
-                  <a:schemeClr val="accent6">
-                    <a:lumMod val="75000"/>
-                  </a:schemeClr>
-                </a:solidFill>
-                <a:effectLst/>
-                <a:highlight>
-                  <a:srgbClr val="FFFF00"/>
-                </a:highlight>
-                <a:latin typeface="Arial" panose="020B0604020202020204" pitchFamily="34" charset="0"/>
-              </a:rPr>
-              <a:t>Vyvíjí ji komunita vývojářů za </a:t>
-            </a:r>
-            <a:r>
-              <a:rPr lang="cs-CZ" b="0" i="0" u="none" dirty="0">
-                <a:solidFill>
-                  <a:schemeClr val="accent6">
-                    <a:lumMod val="75000"/>
-                  </a:schemeClr>
-                </a:solidFill>
-                <a:effectLst/>
-                <a:highlight>
-                  <a:srgbClr val="FFFF00"/>
-                </a:highlight>
-                <a:latin typeface="Arial" panose="020B0604020202020204" pitchFamily="34" charset="0"/>
-              </a:rPr>
-              <a:t>podpory společnosti </a:t>
-            </a:r>
-            <a:r>
-              <a:rPr lang="cs-CZ" b="0" i="0" u="none" strike="noStrike" dirty="0" err="1">
-                <a:solidFill>
-                  <a:schemeClr val="accent6">
-                    <a:lumMod val="75000"/>
-                  </a:schemeClr>
-                </a:solidFill>
-                <a:effectLst/>
-                <a:highlight>
-                  <a:srgbClr val="FFFF00"/>
-                </a:highlight>
-                <a:latin typeface="Arial" panose="020B0604020202020204" pitchFamily="34" charset="0"/>
-              </a:rPr>
-              <a:t>Red</a:t>
-            </a:r>
-            <a:r>
-              <a:rPr lang="cs-CZ" b="0" i="0" u="none" strike="noStrike" dirty="0">
-                <a:solidFill>
-                  <a:schemeClr val="accent6">
-                    <a:lumMod val="75000"/>
-                  </a:schemeClr>
-                </a:solidFill>
-                <a:effectLst/>
-                <a:highlight>
-                  <a:srgbClr val="FFFF00"/>
-                </a:highlight>
-                <a:latin typeface="Arial" panose="020B0604020202020204" pitchFamily="34" charset="0"/>
-              </a:rPr>
-              <a:t> </a:t>
-            </a:r>
-            <a:r>
-              <a:rPr lang="cs-CZ" b="0" i="0" u="none" strike="noStrike" dirty="0" err="1">
-                <a:solidFill>
-                  <a:schemeClr val="accent6">
-                    <a:lumMod val="75000"/>
-                  </a:schemeClr>
-                </a:solidFill>
-                <a:effectLst/>
-                <a:highlight>
-                  <a:srgbClr val="FFFF00"/>
-                </a:highlight>
-                <a:latin typeface="Arial" panose="020B0604020202020204" pitchFamily="34" charset="0"/>
-              </a:rPr>
-              <a:t>Hat</a:t>
-            </a:r>
-            <a:r>
-              <a:rPr lang="cs-CZ" b="0" i="0" u="none" strike="noStrike" dirty="0">
-                <a:solidFill>
-                  <a:schemeClr val="accent6">
-                    <a:lumMod val="75000"/>
-                  </a:schemeClr>
-                </a:solidFill>
-                <a:effectLst/>
-                <a:highlight>
-                  <a:srgbClr val="FFFF00"/>
-                </a:highlight>
-                <a:latin typeface="Arial" panose="020B0604020202020204" pitchFamily="34" charset="0"/>
-              </a:rPr>
-              <a:t>.   ARCH LINUX=</a:t>
-            </a:r>
-            <a:r>
-              <a:rPr lang="cs-CZ" sz="1200" b="0" i="0" dirty="0">
-                <a:solidFill>
-                  <a:srgbClr val="202122"/>
-                </a:solidFill>
-                <a:effectLst/>
-                <a:latin typeface="Arial" panose="020B0604020202020204" pitchFamily="34" charset="0"/>
-              </a:rPr>
-              <a:t>vhodná pro pokročilejší uživatele, kterým umožňuje přizpůsobit si systém specifickým potřebám </a:t>
-            </a:r>
-            <a:r>
-              <a:rPr lang="cs-CZ" sz="1200" b="0" i="0" dirty="0" err="1">
-                <a:solidFill>
-                  <a:srgbClr val="202122"/>
-                </a:solidFill>
-                <a:effectLst/>
-                <a:latin typeface="Arial" panose="020B0604020202020204" pitchFamily="34" charset="0"/>
-              </a:rPr>
-              <a:t>open.s</a:t>
-            </a:r>
-            <a:r>
-              <a:rPr lang="cs-CZ" sz="1200" b="0" i="0" dirty="0">
-                <a:solidFill>
-                  <a:srgbClr val="202122"/>
-                </a:solidFill>
-                <a:effectLst/>
-                <a:latin typeface="Arial" panose="020B0604020202020204" pitchFamily="34" charset="0"/>
-              </a:rPr>
-              <a:t>.</a:t>
-            </a:r>
-          </a:p>
-          <a:p>
-            <a:r>
-              <a:rPr lang="cs-CZ" b="0" i="0" dirty="0">
-                <a:solidFill>
-                  <a:srgbClr val="202122"/>
-                </a:solidFill>
-                <a:effectLst/>
-                <a:latin typeface="Arial" panose="020B0604020202020204" pitchFamily="34" charset="0"/>
-              </a:rPr>
-              <a:t> </a:t>
-            </a:r>
-            <a:r>
-              <a:rPr lang="cs-CZ" b="0" i="0" dirty="0" err="1">
-                <a:solidFill>
-                  <a:srgbClr val="202122"/>
-                </a:solidFill>
-                <a:effectLst/>
-                <a:latin typeface="Arial" panose="020B0604020202020204" pitchFamily="34" charset="0"/>
-              </a:rPr>
-              <a:t>Red</a:t>
-            </a:r>
-            <a:r>
-              <a:rPr lang="cs-CZ" b="0" i="0" dirty="0">
-                <a:solidFill>
-                  <a:srgbClr val="202122"/>
-                </a:solidFill>
-                <a:effectLst/>
-                <a:latin typeface="Arial" panose="020B0604020202020204" pitchFamily="34" charset="0"/>
-              </a:rPr>
-              <a:t> </a:t>
-            </a:r>
-            <a:r>
-              <a:rPr lang="cs-CZ" b="0" i="0" dirty="0" err="1">
-                <a:solidFill>
-                  <a:srgbClr val="202122"/>
-                </a:solidFill>
-                <a:effectLst/>
-                <a:latin typeface="Arial" panose="020B0604020202020204" pitchFamily="34" charset="0"/>
-              </a:rPr>
-              <a:t>Hat</a:t>
-            </a:r>
-            <a:r>
-              <a:rPr lang="cs-CZ" b="0" i="0" dirty="0">
-                <a:solidFill>
-                  <a:srgbClr val="202122"/>
-                </a:solidFill>
-                <a:effectLst/>
-                <a:latin typeface="Arial" panose="020B0604020202020204" pitchFamily="34" charset="0"/>
-              </a:rPr>
-              <a:t> </a:t>
-            </a:r>
-            <a:r>
-              <a:rPr lang="cs-CZ" b="0" i="0" dirty="0" err="1">
-                <a:solidFill>
-                  <a:srgbClr val="202122"/>
-                </a:solidFill>
-                <a:effectLst/>
-                <a:latin typeface="Arial" panose="020B0604020202020204" pitchFamily="34" charset="0"/>
-              </a:rPr>
-              <a:t>Enterprise</a:t>
-            </a:r>
-            <a:r>
-              <a:rPr lang="cs-CZ" b="0" i="0" dirty="0">
-                <a:solidFill>
-                  <a:srgbClr val="202122"/>
-                </a:solidFill>
-                <a:effectLst/>
-                <a:latin typeface="Arial" panose="020B0604020202020204" pitchFamily="34" charset="0"/>
-              </a:rPr>
-              <a:t> Linux určena pro komerční sféru. Placená je pouze podpora a servis včetně přístupu k </a:t>
-            </a:r>
-            <a:r>
-              <a:rPr lang="cs-CZ" b="0" i="0" u="none" strike="noStrike" dirty="0">
-                <a:solidFill>
-                  <a:srgbClr val="0645AD"/>
-                </a:solidFill>
-                <a:effectLst/>
-                <a:latin typeface="Arial" panose="020B0604020202020204" pitchFamily="34" charset="0"/>
-              </a:rPr>
-              <a:t>webové službě</a:t>
-            </a:r>
-            <a:r>
-              <a:rPr lang="cs-CZ" b="0" i="0" dirty="0">
-                <a:solidFill>
-                  <a:srgbClr val="202122"/>
-                </a:solidFill>
-                <a:effectLst/>
-                <a:latin typeface="Arial" panose="020B0604020202020204" pitchFamily="34" charset="0"/>
-              </a:rPr>
-              <a:t> s názvem </a:t>
-            </a:r>
-            <a:r>
-              <a:rPr lang="cs-CZ" b="0" i="0" u="sng" dirty="0" err="1">
-                <a:solidFill>
-                  <a:srgbClr val="BA0000"/>
-                </a:solidFill>
-                <a:effectLst/>
-                <a:latin typeface="Arial" panose="020B0604020202020204" pitchFamily="34" charset="0"/>
-              </a:rPr>
-              <a:t>Red</a:t>
-            </a:r>
-            <a:r>
-              <a:rPr lang="cs-CZ" b="0" i="0" u="sng" dirty="0">
-                <a:solidFill>
-                  <a:srgbClr val="BA0000"/>
-                </a:solidFill>
-                <a:effectLst/>
-                <a:latin typeface="Arial" panose="020B0604020202020204" pitchFamily="34" charset="0"/>
-              </a:rPr>
-              <a:t> </a:t>
-            </a:r>
-            <a:r>
-              <a:rPr lang="cs-CZ" b="0" i="0" u="sng" dirty="0" err="1">
-                <a:solidFill>
-                  <a:srgbClr val="BA0000"/>
-                </a:solidFill>
-                <a:effectLst/>
-                <a:latin typeface="Arial" panose="020B0604020202020204" pitchFamily="34" charset="0"/>
-              </a:rPr>
-              <a:t>Hat</a:t>
-            </a:r>
-            <a:r>
-              <a:rPr lang="cs-CZ" b="0" i="0" u="sng" dirty="0">
-                <a:solidFill>
-                  <a:srgbClr val="BA0000"/>
-                </a:solidFill>
-                <a:effectLst/>
-                <a:latin typeface="Arial" panose="020B0604020202020204" pitchFamily="34" charset="0"/>
-              </a:rPr>
-              <a:t> Network</a:t>
-            </a:r>
-            <a:endParaRPr lang="cs-CZ" sz="1200" b="0" i="0" dirty="0">
-              <a:solidFill>
-                <a:srgbClr val="202122"/>
-              </a:solidFill>
-              <a:effectLst/>
-              <a:latin typeface="Arial" panose="020B0604020202020204" pitchFamily="34" charset="0"/>
-            </a:endParaRPr>
-          </a:p>
-          <a:p>
-            <a:endParaRPr lang="cs-CZ" sz="1200" b="0" i="0" dirty="0">
-              <a:solidFill>
-                <a:srgbClr val="202122"/>
-              </a:solidFill>
-              <a:effectLst/>
-              <a:latin typeface="Arial" panose="020B0604020202020204" pitchFamily="34" charset="0"/>
-            </a:endParaRPr>
-          </a:p>
-          <a:p>
-            <a:endParaRPr lang="cs-CZ" u="none" dirty="0">
-              <a:solidFill>
-                <a:schemeClr val="accent6">
-                  <a:lumMod val="75000"/>
-                </a:schemeClr>
-              </a:solidFill>
-              <a:highlight>
-                <a:srgbClr val="FFFF00"/>
-              </a:highlight>
-            </a:endParaRPr>
+              <a:rPr lang="cs-CZ" dirty="0" err="1"/>
+              <a:t>Jádro+systémové</a:t>
+            </a:r>
+            <a:r>
+              <a:rPr lang="cs-CZ" dirty="0"/>
+              <a:t> programy=linuxová distribuce</a:t>
+            </a:r>
           </a:p>
         </p:txBody>
       </p:sp>
@@ -2024,7 +1905,7 @@
           <a:p>
             <a:fld id="{2392C61E-B012-4FBE-A281-EE11B83DE740}" type="slidenum">
               <a:rPr lang="cs-CZ" smtClean="0"/>
-              <a:t>9</a:t>
+              <a:t>8</a:t>
             </a:fld>
             <a:endParaRPr lang="cs-CZ"/>
           </a:p>
@@ -2033,7 +1914,7 @@
     </p:spTree>
     <p:extLst>
       <p:ext uri="{BB962C8B-B14F-4D97-AF65-F5344CB8AC3E}">
-        <p14:creationId xmlns:p14="http://schemas.microsoft.com/office/powerpoint/2010/main" val="3950031735"/>
+        <p14:creationId xmlns:p14="http://schemas.microsoft.com/office/powerpoint/2010/main" val="4109816928"/>
       </p:ext>
     </p:extLst>
   </p:cSld>
@@ -2088,6 +1969,141 @@
           <a:lstStyle/>
           <a:p>
             <a:r>
+              <a:rPr lang="cs-CZ" dirty="0">
+                <a:solidFill>
+                  <a:schemeClr val="accent6">
+                    <a:lumMod val="75000"/>
+                  </a:schemeClr>
+                </a:solidFill>
+                <a:highlight>
+                  <a:srgbClr val="FFFF00"/>
+                </a:highlight>
+              </a:rPr>
+              <a:t>Fedora= cíl je os pro všeobecné použití open source, </a:t>
+            </a:r>
+            <a:r>
+              <a:rPr lang="cs-CZ" b="0" i="0" dirty="0">
+                <a:solidFill>
+                  <a:schemeClr val="accent6">
+                    <a:lumMod val="75000"/>
+                  </a:schemeClr>
+                </a:solidFill>
+                <a:effectLst/>
+                <a:highlight>
+                  <a:srgbClr val="FFFF00"/>
+                </a:highlight>
+                <a:latin typeface="Arial" panose="020B0604020202020204" pitchFamily="34" charset="0"/>
+              </a:rPr>
+              <a:t>Vyvíjí ji komunita vývojářů za </a:t>
+            </a:r>
+            <a:r>
+              <a:rPr lang="cs-CZ" b="0" i="0" u="none" dirty="0">
+                <a:solidFill>
+                  <a:schemeClr val="accent6">
+                    <a:lumMod val="75000"/>
+                  </a:schemeClr>
+                </a:solidFill>
+                <a:effectLst/>
+                <a:highlight>
+                  <a:srgbClr val="FFFF00"/>
+                </a:highlight>
+                <a:latin typeface="Arial" panose="020B0604020202020204" pitchFamily="34" charset="0"/>
+              </a:rPr>
+              <a:t>podpory společnosti </a:t>
+            </a:r>
+            <a:r>
+              <a:rPr lang="cs-CZ" b="0" i="0" u="none" strike="noStrike" dirty="0" err="1">
+                <a:solidFill>
+                  <a:schemeClr val="accent6">
+                    <a:lumMod val="75000"/>
+                  </a:schemeClr>
+                </a:solidFill>
+                <a:effectLst/>
+                <a:highlight>
+                  <a:srgbClr val="FFFF00"/>
+                </a:highlight>
+                <a:latin typeface="Arial" panose="020B0604020202020204" pitchFamily="34" charset="0"/>
+              </a:rPr>
+              <a:t>Red</a:t>
+            </a:r>
+            <a:r>
+              <a:rPr lang="cs-CZ" b="0" i="0" u="none" strike="noStrike" dirty="0">
+                <a:solidFill>
+                  <a:schemeClr val="accent6">
+                    <a:lumMod val="75000"/>
+                  </a:schemeClr>
+                </a:solidFill>
+                <a:effectLst/>
+                <a:highlight>
+                  <a:srgbClr val="FFFF00"/>
+                </a:highlight>
+                <a:latin typeface="Arial" panose="020B0604020202020204" pitchFamily="34" charset="0"/>
+              </a:rPr>
+              <a:t> </a:t>
+            </a:r>
+            <a:r>
+              <a:rPr lang="cs-CZ" b="0" i="0" u="none" strike="noStrike" dirty="0" err="1">
+                <a:solidFill>
+                  <a:schemeClr val="accent6">
+                    <a:lumMod val="75000"/>
+                  </a:schemeClr>
+                </a:solidFill>
+                <a:effectLst/>
+                <a:highlight>
+                  <a:srgbClr val="FFFF00"/>
+                </a:highlight>
+                <a:latin typeface="Arial" panose="020B0604020202020204" pitchFamily="34" charset="0"/>
+              </a:rPr>
+              <a:t>Hat</a:t>
+            </a:r>
+            <a:r>
+              <a:rPr lang="cs-CZ" b="0" i="0" u="none" strike="noStrike" dirty="0">
+                <a:solidFill>
+                  <a:schemeClr val="accent6">
+                    <a:lumMod val="75000"/>
+                  </a:schemeClr>
+                </a:solidFill>
+                <a:effectLst/>
+                <a:highlight>
+                  <a:srgbClr val="FFFF00"/>
+                </a:highlight>
+                <a:latin typeface="Arial" panose="020B0604020202020204" pitchFamily="34" charset="0"/>
+              </a:rPr>
+              <a:t>.   ARCH LINUX=</a:t>
+            </a:r>
+            <a:r>
+              <a:rPr lang="cs-CZ" sz="1200" b="0" i="0" dirty="0">
+                <a:solidFill>
+                  <a:srgbClr val="202122"/>
+                </a:solidFill>
+                <a:effectLst/>
+                <a:latin typeface="Arial" panose="020B0604020202020204" pitchFamily="34" charset="0"/>
+              </a:rPr>
+              <a:t>vhodná pro pokročilejší uživatele, kterým umožňuje přizpůsobit si systém specifickým potřebám </a:t>
+            </a:r>
+            <a:r>
+              <a:rPr lang="cs-CZ" sz="1200" b="0" i="0" dirty="0" err="1">
+                <a:solidFill>
+                  <a:srgbClr val="202122"/>
+                </a:solidFill>
+                <a:effectLst/>
+                <a:latin typeface="Arial" panose="020B0604020202020204" pitchFamily="34" charset="0"/>
+              </a:rPr>
+              <a:t>open.s</a:t>
+            </a:r>
+            <a:r>
+              <a:rPr lang="cs-CZ" sz="1200" b="0" i="0" dirty="0">
+                <a:solidFill>
+                  <a:srgbClr val="202122"/>
+                </a:solidFill>
+                <a:effectLst/>
+                <a:latin typeface="Arial" panose="020B0604020202020204" pitchFamily="34" charset="0"/>
+              </a:rPr>
+              <a:t>.</a:t>
+            </a:r>
+          </a:p>
+          <a:p>
+            <a:r>
               <a:rPr lang="cs-CZ" b="0" i="0" dirty="0">
                 <a:solidFill>
                   <a:srgbClr val="202122"/>
@@ -2095,9 +2111,156 @@
                 <a:effectLst/>
                 <a:latin typeface="Arial" panose="020B0604020202020204" pitchFamily="34" charset="0"/>
               </a:rPr>
-              <a:t>(ve skutečnosti open source programy vyžadují, aby s nimi licence byla dodávána nejen u zdrojových kódů, ale i u funkční podoby)</a:t>
-            </a:r>
-            <a:endParaRPr lang="cs-CZ" dirty="0"/>
+              <a:t> </a:t>
+            </a:r>
+            <a:r>
+              <a:rPr lang="cs-CZ" b="0" i="0" dirty="0" err="1">
+                <a:solidFill>
+                  <a:srgbClr val="202122"/>
+                </a:solidFill>
+                <a:effectLst/>
+                <a:latin typeface="Arial" panose="020B0604020202020204" pitchFamily="34" charset="0"/>
+              </a:rPr>
+              <a:t>Red</a:t>
+            </a:r>
+            <a:r>
+              <a:rPr lang="cs-CZ" b="0" i="0" dirty="0">
+                <a:solidFill>
+                  <a:srgbClr val="202122"/>
+                </a:solidFill>
+                <a:effectLst/>
+                <a:latin typeface="Arial" panose="020B0604020202020204" pitchFamily="34" charset="0"/>
+              </a:rPr>
+              <a:t> </a:t>
+            </a:r>
+            <a:r>
+              <a:rPr lang="cs-CZ" b="0" i="0" dirty="0" err="1">
+                <a:solidFill>
+                  <a:srgbClr val="202122"/>
+                </a:solidFill>
+                <a:effectLst/>
+                <a:latin typeface="Arial" panose="020B0604020202020204" pitchFamily="34" charset="0"/>
+              </a:rPr>
+              <a:t>Hat</a:t>
+            </a:r>
+            <a:r>
+              <a:rPr lang="cs-CZ" b="0" i="0" dirty="0">
+                <a:solidFill>
+                  <a:srgbClr val="202122"/>
+                </a:solidFill>
+                <a:effectLst/>
+                <a:latin typeface="Arial" panose="020B0604020202020204" pitchFamily="34" charset="0"/>
+              </a:rPr>
+              <a:t> </a:t>
+            </a:r>
+            <a:r>
+              <a:rPr lang="cs-CZ" b="0" i="0" dirty="0" err="1">
+                <a:solidFill>
+                  <a:srgbClr val="202122"/>
+                </a:solidFill>
+                <a:effectLst/>
+                <a:latin typeface="Arial" panose="020B0604020202020204" pitchFamily="34" charset="0"/>
+              </a:rPr>
+              <a:t>Enterprise</a:t>
+            </a:r>
+            <a:r>
+              <a:rPr lang="cs-CZ" b="0" i="0" dirty="0">
+                <a:solidFill>
+                  <a:srgbClr val="202122"/>
+                </a:solidFill>
+                <a:effectLst/>
+                <a:latin typeface="Arial" panose="020B0604020202020204" pitchFamily="34" charset="0"/>
+              </a:rPr>
+              <a:t> Linux určena pro komerční sféru. Placená je pouze podpora a servis včetně přístupu k </a:t>
+            </a:r>
+            <a:r>
+              <a:rPr lang="cs-CZ" b="0" i="0" u="none" strike="noStrike" dirty="0">
+                <a:solidFill>
+                  <a:srgbClr val="0645AD"/>
+                </a:solidFill>
+                <a:effectLst/>
+                <a:latin typeface="Arial" panose="020B0604020202020204" pitchFamily="34" charset="0"/>
+              </a:rPr>
+              <a:t>webové službě</a:t>
+            </a:r>
+            <a:r>
+              <a:rPr lang="cs-CZ" b="0" i="0" dirty="0">
+                <a:solidFill>
+                  <a:srgbClr val="202122"/>
+                </a:solidFill>
+                <a:effectLst/>
+                <a:latin typeface="Arial" panose="020B0604020202020204" pitchFamily="34" charset="0"/>
+              </a:rPr>
+              <a:t> s názvem </a:t>
+            </a:r>
+            <a:r>
+              <a:rPr lang="cs-CZ" b="0" i="0" u="sng" dirty="0" err="1">
+                <a:solidFill>
+                  <a:srgbClr val="BA0000"/>
+                </a:solidFill>
+                <a:effectLst/>
+                <a:latin typeface="Arial" panose="020B0604020202020204" pitchFamily="34" charset="0"/>
+              </a:rPr>
+              <a:t>Red</a:t>
+            </a:r>
+            <a:r>
+              <a:rPr lang="cs-CZ" b="0" i="0" u="sng" dirty="0">
+                <a:solidFill>
+                  <a:srgbClr val="BA0000"/>
+                </a:solidFill>
+                <a:effectLst/>
+                <a:latin typeface="Arial" panose="020B0604020202020204" pitchFamily="34" charset="0"/>
+              </a:rPr>
+              <a:t> </a:t>
+            </a:r>
+            <a:r>
+              <a:rPr lang="cs-CZ" b="0" i="0" u="sng" dirty="0" err="1">
+                <a:solidFill>
+                  <a:srgbClr val="BA0000"/>
+                </a:solidFill>
+                <a:effectLst/>
+                <a:latin typeface="Arial" panose="020B0604020202020204" pitchFamily="34" charset="0"/>
+              </a:rPr>
+              <a:t>Hat</a:t>
+            </a:r>
+            <a:r>
+              <a:rPr lang="cs-CZ" b="0" i="0" u="sng" dirty="0">
+                <a:solidFill>
+                  <a:srgbClr val="BA0000"/>
+                </a:solidFill>
+                <a:effectLst/>
+                <a:latin typeface="Arial" panose="020B0604020202020204" pitchFamily="34" charset="0"/>
+              </a:rPr>
+              <a:t> Network</a:t>
+            </a:r>
+            <a:endParaRPr lang="cs-CZ" sz="1200" b="0" i="0" dirty="0">
+              <a:solidFill>
+                <a:srgbClr val="202122"/>
+              </a:solidFill>
+              <a:effectLst/>
+              <a:latin typeface="Arial" panose="020B0604020202020204" pitchFamily="34" charset="0"/>
+            </a:endParaRPr>
+          </a:p>
+          <a:p>
+            <a:endParaRPr lang="cs-CZ" sz="1200" b="0" i="0" dirty="0">
+              <a:solidFill>
+                <a:srgbClr val="202122"/>
+              </a:solidFill>
+              <a:effectLst/>
+              <a:latin typeface="Arial" panose="020B0604020202020204" pitchFamily="34" charset="0"/>
+            </a:endParaRPr>
+          </a:p>
+          <a:p>
+            <a:endParaRPr lang="cs-CZ" u="none" dirty="0">
+              <a:solidFill>
+                <a:schemeClr val="accent6">
+                  <a:lumMod val="75000"/>
+                </a:schemeClr>
+              </a:solidFill>
+              <a:highlight>
+                <a:srgbClr val="FFFF00"/>
+              </a:highlight>
+            </a:endParaRPr>
           </a:p>
         </p:txBody>
       </p:sp>
@@ -2118,7 +2281,7 @@
           <a:p>
             <a:fld id="{2392C61E-B012-4FBE-A281-EE11B83DE740}" type="slidenum">
               <a:rPr lang="cs-CZ" smtClean="0"/>
-              <a:t>10</a:t>
+              <a:t>9</a:t>
             </a:fld>
             <a:endParaRPr lang="cs-CZ"/>
           </a:p>
@@ -2127,7 +2290,7 @@
     </p:spTree>
     <p:extLst>
       <p:ext uri="{BB962C8B-B14F-4D97-AF65-F5344CB8AC3E}">
-        <p14:creationId xmlns:p14="http://schemas.microsoft.com/office/powerpoint/2010/main" val="2144685517"/>
+        <p14:creationId xmlns:p14="http://schemas.microsoft.com/office/powerpoint/2010/main" val="3950031735"/>
       </p:ext>
     </p:extLst>
   </p:cSld>
@@ -2182,12 +2345,14 @@
           <a:lstStyle/>
           <a:p>
             <a:r>
-              <a:rPr lang="cs-CZ" dirty="0"/>
-              <a:t>Tvorba grafického rozhraní v </a:t>
-            </a:r>
-            <a:r>
-              <a:rPr lang="cs-CZ" dirty="0" err="1"/>
-              <a:t>Glade</a:t>
+              <a:rPr lang="cs-CZ" b="0" i="0" dirty="0">
+                <a:solidFill>
+                  <a:srgbClr val="202122"/>
+                </a:solidFill>
+                <a:effectLst/>
+                <a:latin typeface="Arial" panose="020B0604020202020204" pitchFamily="34" charset="0"/>
+              </a:rPr>
+              <a:t>(ve skutečnosti open source programy vyžadují, aby s nimi licence byla dodávána nejen u zdrojových kódů, ale i u funkční podoby)</a:t>
             </a:r>
             <a:endParaRPr lang="cs-CZ" dirty="0"/>
           </a:p>
@@ -2210,7 +2375,7 @@
           <a:p>
             <a:fld id="{2392C61E-B012-4FBE-A281-EE11B83DE740}" type="slidenum">
               <a:rPr lang="cs-CZ" smtClean="0"/>
-              <a:t>13</a:t>
+              <a:t>10</a:t>
             </a:fld>
             <a:endParaRPr lang="cs-CZ"/>
           </a:p>
@@ -2219,7 +2384,7 @@
     </p:spTree>
     <p:extLst>
       <p:ext uri="{BB962C8B-B14F-4D97-AF65-F5344CB8AC3E}">
-        <p14:creationId xmlns:p14="http://schemas.microsoft.com/office/powerpoint/2010/main" val="3433888549"/>
+        <p14:creationId xmlns:p14="http://schemas.microsoft.com/office/powerpoint/2010/main" val="2144685517"/>
       </p:ext>
     </p:extLst>
   </p:cSld>
@@ -2503,7 +2668,7 @@
           <a:p>
             <a:fld id="{78ABE3C1-DBE1-495D-B57B-2849774B866A}" type="datetimeFigureOut">
               <a:rPr lang="en-US" dirty="0"/>
-              <a:t>1/18/2023</a:t>
+              <a:t>1/19/2023</a:t>
             </a:fld>
             <a:endParaRPr lang="en-US" dirty="0"/>
           </a:p>
@@ -2912,7 +3077,7 @@
           <a:p>
             <a:fld id="{446C117F-5CCF-4837-BE5F-2B92066CAFAF}" type="datetimeFigureOut">
               <a:rPr lang="en-US" dirty="0"/>
-              <a:t>1/18/2023</a:t>
+              <a:t>1/19/2023</a:t>
             </a:fld>
             <a:endParaRPr lang="en-US" dirty="0"/>
           </a:p>
@@ -3243,7 +3408,7 @@
           <a:p>
             <a:fld id="{84EB90BD-B6CE-46B7-997F-7313B992CCDC}" type="datetimeFigureOut">
               <a:rPr lang="en-US" dirty="0"/>
-              <a:t>1/18/2023</a:t>
+              <a:t>1/19/2023</a:t>
             </a:fld>
             <a:endParaRPr lang="en-US" dirty="0"/>
           </a:p>
@@ -3643,7 +3808,7 @@
           <a:p>
             <a:fld id="{CDB9D11F-B188-461D-B23F-39381795C052}" type="datetimeFigureOut">
               <a:rPr lang="en-US" dirty="0"/>
-              <a:t>1/18/2023</a:t>
+              <a:t>1/19/2023</a:t>
             </a:fld>
             <a:endParaRPr lang="en-US" dirty="0"/>
           </a:p>
@@ -4206,7 +4371,7 @@
           <a:p>
             <a:fld id="{52E6D8D9-55A2-4063-B0F3-121F44549695}" type="datetimeFigureOut">
               <a:rPr lang="en-US" dirty="0"/>
-              <a:t>1/18/2023</a:t>
+              <a:t>1/19/2023</a:t>
             </a:fld>
             <a:endParaRPr lang="en-US" dirty="0"/>
           </a:p>
@@ -4882,7 +5047,7 @@
           <a:p>
             <a:fld id="{D4B24536-994D-4021-A283-9F449C0DB509}" type="datetimeFigureOut">
               <a:rPr lang="en-US" dirty="0"/>
-              <a:t>1/18/2023</a:t>
+              <a:t>1/19/2023</a:t>
             </a:fld>
             <a:endParaRPr lang="en-US" dirty="0"/>
           </a:p>
@@ -5790,7 +5955,7 @@
           <a:p>
             <a:fld id="{3CBBBB78-C96F-47B7-AB17-D852CA960AC9}" type="datetimeFigureOut">
               <a:rPr lang="en-US" dirty="0"/>
-              <a:t>1/18/2023</a:t>
+              <a:t>1/19/2023</a:t>
             </a:fld>
             <a:endParaRPr lang="en-US" dirty="0"/>
           </a:p>
@@ -6098,7 +6263,7 @@
           <a:p>
             <a:fld id="{1FA3F48C-C7C6-4055-9F49-3777875E72AE}" type="datetimeFigureOut">
               <a:rPr lang="en-US" dirty="0"/>
-              <a:t>1/18/2023</a:t>
+              <a:t>1/19/2023</a:t>
             </a:fld>
             <a:endParaRPr lang="en-US" dirty="0"/>
           </a:p>
@@ -6357,7 +6522,7 @@
           <a:p>
             <a:fld id="{6178E61D-D431-422C-9764-11DAFE33AB63}" type="datetimeFigureOut">
               <a:rPr lang="en-US" dirty="0"/>
-              <a:t>1/18/2023</a:t>
+              <a:t>1/19/2023</a:t>
             </a:fld>
             <a:endParaRPr lang="en-US" dirty="0"/>
           </a:p>
@@ -6676,7 +6841,7 @@
           <a:p>
             <a:fld id="{12DE42F4-6EEF-4EF7-8ED4-2208F0F89A08}" type="datetimeFigureOut">
               <a:rPr lang="en-US" dirty="0"/>
-              <a:t>1/18/2023</a:t>
+              <a:t>1/19/2023</a:t>
             </a:fld>
             <a:endParaRPr lang="en-US" dirty="0"/>
           </a:p>
@@ -7060,7 +7225,7 @@
           <a:p>
             <a:fld id="{30578ACC-22D6-47C1-A373-4FD133E34F3C}" type="datetimeFigureOut">
               <a:rPr lang="en-US" dirty="0"/>
-              <a:t>1/18/2023</a:t>
+              <a:t>1/19/2023</a:t>
             </a:fld>
             <a:endParaRPr lang="en-US" dirty="0"/>
           </a:p>
@@ -7431,7 +7596,7 @@
           <a:p>
             <a:fld id="{4E5A6C69-6797-4E8A-BF37-F2C3751466E9}" type="datetimeFigureOut">
               <a:rPr lang="en-US" dirty="0"/>
-              <a:t>1/18/2023</a:t>
+              <a:t>1/19/2023</a:t>
             </a:fld>
             <a:endParaRPr lang="en-US" dirty="0"/>
           </a:p>
@@ -7932,7 +8097,7 @@
           <a:p>
             <a:fld id="{D82014A1-A632-4878-A0D3-F52BA7563730}" type="datetimeFigureOut">
               <a:rPr lang="en-US" dirty="0"/>
-              <a:t>1/18/2023</a:t>
+              <a:t>1/19/2023</a:t>
             </a:fld>
             <a:endParaRPr lang="en-US" dirty="0"/>
           </a:p>
@@ -8184,7 +8349,7 @@
           <a:p>
             <a:fld id="{CE99F462-093F-4566-844B-4C71F2739DA5}" type="datetimeFigureOut">
               <a:rPr lang="en-US" dirty="0"/>
-              <a:t>1/18/2023</a:t>
+              <a:t>1/19/2023</a:t>
             </a:fld>
             <a:endParaRPr lang="en-US" dirty="0"/>
           </a:p>
@@ -8342,7 +8507,7 @@
           <a:p>
             <a:fld id="{3D24A7AC-904D-4781-85BA-7D10C17ED021}" type="datetimeFigureOut">
               <a:rPr lang="en-US" dirty="0"/>
-              <a:t>1/18/2023</a:t>
+              <a:t>1/19/2023</a:t>
             </a:fld>
             <a:endParaRPr lang="en-US" dirty="0"/>
           </a:p>
@@ -8727,7 +8892,7 @@
           <a:p>
             <a:fld id="{E331444B-B92B-4E27-8C94-BB93EAF5CB18}" type="datetimeFigureOut">
               <a:rPr lang="en-US" dirty="0"/>
-              <a:t>1/18/2023</a:t>
+              <a:t>1/19/2023</a:t>
             </a:fld>
             <a:endParaRPr lang="en-US" dirty="0"/>
           </a:p>
@@ -9131,7 +9296,7 @@
           <a:p>
             <a:fld id="{363EFA5E-FA76-400D-B3DC-F0BA90E6D107}" type="datetimeFigureOut">
               <a:rPr lang="en-US" dirty="0"/>
-              <a:t>1/18/2023</a:t>
+              <a:t>1/19/2023</a:t>
             </a:fld>
             <a:endParaRPr lang="en-US" dirty="0"/>
           </a:p>
@@ -9370,7 +9535,7 @@
           <a:p>
             <a:fld id="{9D6E9DEC-419B-4CC5-A080-3B06BD5A8291}" type="datetimeFigureOut">
               <a:rPr lang="en-US" dirty="0"/>
-              <a:t>1/18/2023</a:t>
+              <a:t>1/19/2023</a:t>
             </a:fld>
             <a:endParaRPr lang="en-US" dirty="0"/>
           </a:p>
@@ -9836,6 +10001,53 @@
           </a:p>
         </p:txBody>
       </p:sp>
+      <p:pic>
+        <p:nvPicPr>
+          <p:cNvPr id="3074" name="Picture 2">
+            <a:extLst>
+              <a:ext uri="{FF2B5EF4-FFF2-40B4-BE49-F238E27FC236}">
+                <a16:creationId xmlns:a16="http://schemas.microsoft.com/office/drawing/2014/main" id="{BD49A873-3B88-5769-8D93-6C7D4B5F1DCA}"/>
+              </a:ext>
+            </a:extLst>
+          </p:cNvPr>
+          <p:cNvPicPr>
+            <a:picLocks noChangeAspect="1" noChangeArrowheads="1"/>
+          </p:cNvPicPr>
+          <p:nvPr/>
+        </p:nvPicPr>
+        <p:blipFill>
+          <a:blip r:embed="rId2">
+            <a:extLst>
+              <a:ext uri="{28A0092B-C50C-407E-A947-70E740481C1C}">
+                <a14:useLocalDpi xmlns:a14="http://schemas.microsoft.com/office/drawing/2010/main" val="0"/>
+              </a:ext>
+            </a:extLst>
+          </a:blip>
+          <a:srcRect/>
+          <a:stretch>
+            <a:fillRect/>
+          </a:stretch>
+        </p:blipFill>
+        <p:spPr bwMode="auto">
+          <a:xfrm>
+            <a:off x="10019261" y="2733709"/>
+            <a:ext cx="1244484" cy="1476411"/>
+          </a:xfrm>
+          <a:prstGeom prst="rect">
+            <a:avLst/>
+          </a:prstGeom>
+          <a:noFill/>
+          <a:extLst>
+            <a:ext uri="{909E8E84-426E-40DD-AFC4-6F175D3DCCD1}">
+              <a14:hiddenFill xmlns:a14="http://schemas.microsoft.com/office/drawing/2010/main">
+                <a:solidFill>
+                  <a:srgbClr val="FFFFFF"/>
+                </a:solidFill>
+              </a14:hiddenFill>
+            </a:ext>
+          </a:extLst>
+        </p:spPr>
+      </p:pic>
     </p:spTree>
     <p:extLst>
       <p:ext uri="{BB962C8B-B14F-4D97-AF65-F5344CB8AC3E}">
@@ -9846,6 +10058,18 @@
   <p:clrMapOvr>
     <a:masterClrMapping/>
   </p:clrMapOvr>
+  <mc:AlternateContent xmlns:mc="http://schemas.openxmlformats.org/markup-compatibility/2006">
+    <mc:Choice xmlns:p14="http://schemas.microsoft.com/office/powerpoint/2010/main" Requires="p14">
+      <p:transition spd="med" p14:dur="700">
+        <p:fade/>
+      </p:transition>
+    </mc:Choice>
+    <mc:Fallback>
+      <p:transition spd="med">
+        <p:fade/>
+      </p:transition>
+    </mc:Fallback>
+  </mc:AlternateContent>
 </p:sld>
 </file>
 
@@ -10009,6 +10233,18 @@
   <p:clrMapOvr>
     <a:masterClrMapping/>
   </p:clrMapOvr>
+  <mc:AlternateContent xmlns:mc="http://schemas.openxmlformats.org/markup-compatibility/2006">
+    <mc:Choice xmlns:p14="http://schemas.microsoft.com/office/powerpoint/2010/main" Requires="p14">
+      <p:transition spd="med" p14:dur="700">
+        <p:fade/>
+      </p:transition>
+    </mc:Choice>
+    <mc:Fallback>
+      <p:transition spd="med">
+        <p:fade/>
+      </p:transition>
+    </mc:Fallback>
+  </mc:AlternateContent>
 </p:sld>
 </file>
 
@@ -10210,6 +10446,18 @@
   <p:clrMapOvr>
     <a:masterClrMapping/>
   </p:clrMapOvr>
+  <mc:AlternateContent xmlns:mc="http://schemas.openxmlformats.org/markup-compatibility/2006">
+    <mc:Choice xmlns:p14="http://schemas.microsoft.com/office/powerpoint/2010/main" Requires="p14">
+      <p:transition spd="med" p14:dur="700">
+        <p:fade/>
+      </p:transition>
+    </mc:Choice>
+    <mc:Fallback>
+      <p:transition spd="med">
+        <p:fade/>
+      </p:transition>
+    </mc:Fallback>
+  </mc:AlternateContent>
 </p:sld>
 </file>
 
@@ -10385,6 +10633,18 @@
   <p:clrMapOvr>
     <a:masterClrMapping/>
   </p:clrMapOvr>
+  <mc:AlternateContent xmlns:mc="http://schemas.openxmlformats.org/markup-compatibility/2006">
+    <mc:Choice xmlns:p14="http://schemas.microsoft.com/office/powerpoint/2010/main" Requires="p14">
+      <p:transition spd="med" p14:dur="700">
+        <p:fade/>
+      </p:transition>
+    </mc:Choice>
+    <mc:Fallback>
+      <p:transition spd="med">
+        <p:fade/>
+      </p:transition>
+    </mc:Fallback>
+  </mc:AlternateContent>
 </p:sld>
 </file>
 
@@ -10614,6 +10874,18 @@
   <p:clrMapOvr>
     <a:masterClrMapping/>
   </p:clrMapOvr>
+  <mc:AlternateContent xmlns:mc="http://schemas.openxmlformats.org/markup-compatibility/2006">
+    <mc:Choice xmlns:p14="http://schemas.microsoft.com/office/powerpoint/2010/main" Requires="p14">
+      <p:transition spd="med" p14:dur="700">
+        <p:fade/>
+      </p:transition>
+    </mc:Choice>
+    <mc:Fallback>
+      <p:transition spd="med">
+        <p:fade/>
+      </p:transition>
+    </mc:Fallback>
+  </mc:AlternateContent>
 </p:sld>
 </file>
 
@@ -10778,6 +11050,18 @@
   <p:clrMapOvr>
     <a:masterClrMapping/>
   </p:clrMapOvr>
+  <mc:AlternateContent xmlns:mc="http://schemas.openxmlformats.org/markup-compatibility/2006">
+    <mc:Choice xmlns:p14="http://schemas.microsoft.com/office/powerpoint/2010/main" Requires="p14">
+      <p:transition spd="med" p14:dur="700">
+        <p:fade/>
+      </p:transition>
+    </mc:Choice>
+    <mc:Fallback>
+      <p:transition spd="med">
+        <p:fade/>
+      </p:transition>
+    </mc:Fallback>
+  </mc:AlternateContent>
 </p:sld>
 </file>
 
@@ -10855,42 +11139,42 @@
           <a:lstStyle/>
           <a:p>
             <a:r>
-              <a:rPr lang="en-US" sz="1000" b="0" i="0" dirty="0">
+              <a:rPr lang="en-US" sz="1100" b="0" i="0" dirty="0">
                 <a:effectLst/>
                 <a:latin typeface="Open Sans" panose="020B0604020202020204" pitchFamily="34" charset="0"/>
               </a:rPr>
               <a:t>Linux. In: </a:t>
             </a:r>
             <a:r>
-              <a:rPr lang="en-US" sz="1000" b="0" i="1" dirty="0">
+              <a:rPr lang="en-US" sz="1100" b="0" i="1" dirty="0">
                 <a:effectLst/>
                 <a:latin typeface="Open Sans" panose="020B0604020202020204" pitchFamily="34" charset="0"/>
               </a:rPr>
               <a:t>Wikipedia: the free encyclopedia</a:t>
             </a:r>
             <a:r>
-              <a:rPr lang="en-US" sz="1000" b="0" i="0" dirty="0">
+              <a:rPr lang="en-US" sz="1100" b="0" i="0" dirty="0">
                 <a:effectLst/>
                 <a:latin typeface="Open Sans" panose="020B0604020202020204" pitchFamily="34" charset="0"/>
               </a:rPr>
               <a:t> [online]. San Francisco (CA): Wikimedia Foundation, 2001- [cit. 2023-01-17]. </a:t>
             </a:r>
             <a:r>
-              <a:rPr lang="en-US" sz="1000" b="0" i="0" dirty="0" err="1">
+              <a:rPr lang="en-US" sz="1100" b="0" i="0" dirty="0" err="1">
                 <a:effectLst/>
                 <a:latin typeface="Open Sans" panose="020B0604020202020204" pitchFamily="34" charset="0"/>
               </a:rPr>
               <a:t>Dostupné</a:t>
             </a:r>
             <a:r>
-              <a:rPr lang="en-US" sz="1000" b="0" i="0" dirty="0">
+              <a:rPr lang="en-US" sz="1100" b="0" i="0" dirty="0">
                 <a:effectLst/>
                 <a:latin typeface="Open Sans" panose="020B0604020202020204" pitchFamily="34" charset="0"/>
               </a:rPr>
               <a:t> z: </a:t>
             </a:r>
             <a:r>
-              <a:rPr lang="en-US" sz="1000" b="0" i="0" dirty="0">
+              <a:rPr lang="en-US" sz="1100" b="0" i="0" dirty="0">
                 <a:effectLst/>
                 <a:latin typeface="Open Sans" panose="020B0604020202020204" pitchFamily="34" charset="0"/>
                 <a:hlinkClick r:id="rId2">
@@ -10903,35 +11187,35 @@
               </a:rPr>
               <a:t>https://cs.wikipedia.org/wiki/Linux</a:t>
             </a:r>
-            <a:endParaRPr lang="cs-CZ" sz="1000" b="0" i="0" dirty="0">
+            <a:endParaRPr lang="cs-CZ" sz="1100" b="0" i="0" dirty="0">
               <a:effectLst/>
               <a:latin typeface="Open Sans" panose="020B0604020202020204" pitchFamily="34" charset="0"/>
             </a:endParaRPr>
           </a:p>
           <a:p>
             <a:r>
-              <a:rPr lang="cs-CZ" sz="1000" b="0" i="0" dirty="0">
+              <a:rPr lang="cs-CZ" sz="1100" b="0" i="0" dirty="0">
                 <a:effectLst/>
                 <a:latin typeface="Open Sans" panose="020B0606030504020204" pitchFamily="34" charset="0"/>
               </a:rPr>
               <a:t>Historie operačního systému GNU/Linux. </a:t>
             </a:r>
             <a:r>
-              <a:rPr lang="cs-CZ" sz="1000" b="0" i="1" dirty="0">
+              <a:rPr lang="cs-CZ" sz="1100" b="0" i="1" dirty="0">
                 <a:effectLst/>
                 <a:latin typeface="Open Sans" panose="020B0606030504020204" pitchFamily="34" charset="0"/>
               </a:rPr>
               <a:t>Https://www.root.cz/texty/historie-operacniho-systemu-gnulinux/</a:t>
             </a:r>
             <a:r>
-              <a:rPr lang="cs-CZ" sz="1000" b="0" i="0" dirty="0">
+              <a:rPr lang="cs-CZ" sz="1100" b="0" i="0" dirty="0">
                 <a:effectLst/>
                 <a:latin typeface="Open Sans" panose="020B0606030504020204" pitchFamily="34" charset="0"/>
               </a:rPr>
               <a:t> [online]. [cit. 2023-01-17]. Dostupné z: </a:t>
             </a:r>
             <a:r>
-              <a:rPr lang="cs-CZ" sz="1000" b="0" i="0" dirty="0">
+              <a:rPr lang="cs-CZ" sz="1100" b="0" i="0" dirty="0">
                 <a:effectLst/>
                 <a:latin typeface="Open Sans" panose="020B0606030504020204" pitchFamily="34" charset="0"/>
                 <a:hlinkClick r:id="rId3">
@@ -10944,84 +11228,84 @@
               </a:rPr>
               <a:t>https://www.root.cz/texty/historie-operacniho-systemu-gnulinux/</a:t>
             </a:r>
-            <a:endParaRPr lang="cs-CZ" sz="1000" b="0" i="0" dirty="0">
+            <a:endParaRPr lang="cs-CZ" sz="1100" b="0" i="0" dirty="0">
               <a:effectLst/>
               <a:latin typeface="Open Sans" panose="020B0606030504020204" pitchFamily="34" charset="0"/>
             </a:endParaRPr>
           </a:p>
           <a:p>
             <a:r>
-              <a:rPr lang="cs-CZ" sz="1000" b="0" i="0" dirty="0">
+              <a:rPr lang="cs-CZ" sz="1100" b="0" i="0" dirty="0">
                 <a:effectLst/>
                 <a:latin typeface="Open Sans" panose="020B0606030504020204" pitchFamily="34" charset="0"/>
               </a:rPr>
               <a:t>Linuxové distribuce. In: </a:t>
             </a:r>
             <a:r>
-              <a:rPr lang="cs-CZ" sz="1000" b="0" i="1" dirty="0">
+              <a:rPr lang="cs-CZ" sz="1100" b="0" i="1" dirty="0">
                 <a:effectLst/>
                 <a:latin typeface="Open Sans" panose="020B0606030504020204" pitchFamily="34" charset="0"/>
               </a:rPr>
               <a:t>Wikipedia: </a:t>
             </a:r>
             <a:r>
-              <a:rPr lang="cs-CZ" sz="1000" b="0" i="1" dirty="0" err="1">
+              <a:rPr lang="cs-CZ" sz="1100" b="0" i="1" dirty="0" err="1">
                 <a:effectLst/>
                 <a:latin typeface="Open Sans" panose="020B0606030504020204" pitchFamily="34" charset="0"/>
               </a:rPr>
               <a:t>the</a:t>
             </a:r>
             <a:r>
-              <a:rPr lang="cs-CZ" sz="1000" b="0" i="1" dirty="0">
+              <a:rPr lang="cs-CZ" sz="1100" b="0" i="1" dirty="0">
                 <a:effectLst/>
                 <a:latin typeface="Open Sans" panose="020B0606030504020204" pitchFamily="34" charset="0"/>
               </a:rPr>
               <a:t> free </a:t>
             </a:r>
             <a:r>
-              <a:rPr lang="cs-CZ" sz="1000" b="0" i="1" dirty="0" err="1">
+              <a:rPr lang="cs-CZ" sz="1100" b="0" i="1" dirty="0" err="1">
                 <a:effectLst/>
                 <a:latin typeface="Open Sans" panose="020B0606030504020204" pitchFamily="34" charset="0"/>
               </a:rPr>
               <a:t>encyclopedia</a:t>
             </a:r>
             <a:r>
-              <a:rPr lang="cs-CZ" sz="1000" b="0" i="0" dirty="0">
+              <a:rPr lang="cs-CZ" sz="1100" b="0" i="0" dirty="0">
                 <a:effectLst/>
                 <a:latin typeface="Open Sans" panose="020B0606030504020204" pitchFamily="34" charset="0"/>
               </a:rPr>
               <a:t> [online]. San Francisco (CA): </a:t>
             </a:r>
             <a:r>
-              <a:rPr lang="cs-CZ" sz="1000" b="0" i="0" dirty="0" err="1">
+              <a:rPr lang="cs-CZ" sz="1100" b="0" i="0" dirty="0" err="1">
                 <a:effectLst/>
                 <a:latin typeface="Open Sans" panose="020B0606030504020204" pitchFamily="34" charset="0"/>
               </a:rPr>
               <a:t>Wikimedia</a:t>
             </a:r>
             <a:r>
-              <a:rPr lang="cs-CZ" sz="1000" b="0" i="0" dirty="0">
+              <a:rPr lang="cs-CZ" sz="1100" b="0" i="0" dirty="0">
                 <a:effectLst/>
                 <a:latin typeface="Open Sans" panose="020B0606030504020204" pitchFamily="34" charset="0"/>
               </a:rPr>
               <a:t> </a:t>
             </a:r>
             <a:r>
-              <a:rPr lang="cs-CZ" sz="1000" b="0" i="0" dirty="0" err="1">
+              <a:rPr lang="cs-CZ" sz="1100" b="0" i="0" dirty="0" err="1">
                 <a:effectLst/>
                 <a:latin typeface="Open Sans" panose="020B0606030504020204" pitchFamily="34" charset="0"/>
               </a:rPr>
               <a:t>Foundation</a:t>
             </a:r>
             <a:r>
-              <a:rPr lang="cs-CZ" sz="1000" b="0" i="0" dirty="0">
+              <a:rPr lang="cs-CZ" sz="1100" b="0" i="0" dirty="0">
                 <a:effectLst/>
                 <a:latin typeface="Open Sans" panose="020B0606030504020204" pitchFamily="34" charset="0"/>
               </a:rPr>
               <a:t>, 2001- [cit. 2023-01-17]. Dostupné z: </a:t>
             </a:r>
             <a:r>
-              <a:rPr lang="cs-CZ" sz="1000" b="0" i="0" dirty="0">
+              <a:rPr lang="cs-CZ" sz="1100" b="0" i="0" dirty="0">
                 <a:effectLst/>
                 <a:latin typeface="Open Sans" panose="020B0606030504020204" pitchFamily="34" charset="0"/>
                 <a:hlinkClick r:id="rId4">
@@ -11034,21 +11318,21 @@
               </a:rPr>
               <a:t>https://cs.wikipedia.org/wiki/Linux#Linuxov%C3%A9_distribuce</a:t>
             </a:r>
-            <a:endParaRPr lang="cs-CZ" sz="1000" b="0" i="0" dirty="0">
+            <a:endParaRPr lang="cs-CZ" sz="1100" b="0" i="0" dirty="0">
               <a:effectLst/>
               <a:latin typeface="Open Sans" panose="020B0606030504020204" pitchFamily="34" charset="0"/>
             </a:endParaRPr>
           </a:p>
           <a:p>
             <a:r>
-              <a:rPr lang="cs-CZ" sz="1000" b="0" i="1" dirty="0">
+              <a:rPr lang="cs-CZ" sz="1100" b="0" i="1" dirty="0">
                 <a:effectLst/>
                 <a:latin typeface="Open Sans" panose="020B0606030504020204" pitchFamily="34" charset="0"/>
               </a:rPr>
               <a:t>Linux je stejně jako Microsoft Windows nebo Mac OS operační systém</a:t>
             </a:r>
             <a:r>
-              <a:rPr lang="cs-CZ" sz="1000" b="0" i="0" dirty="0">
+              <a:rPr lang="cs-CZ" sz="1100" b="0" i="0" dirty="0">
                 <a:effectLst/>
                 <a:latin typeface="Open Sans" panose="020B0606030504020204" pitchFamily="34" charset="0"/>
               </a:rPr>
@@ -11057,42 +11341,42 @@
           </a:p>
           <a:p>
             <a:r>
-              <a:rPr lang="en-US" sz="1000" b="0" i="0" dirty="0">
+              <a:rPr lang="en-US" sz="1100" b="0" i="0" dirty="0">
                 <a:effectLst/>
                 <a:latin typeface="Open Sans" panose="020B0606030504020204" pitchFamily="34" charset="0"/>
               </a:rPr>
               <a:t>Linux. In: </a:t>
             </a:r>
             <a:r>
-              <a:rPr lang="en-US" sz="1000" b="0" i="1" dirty="0">
+              <a:rPr lang="en-US" sz="1100" b="0" i="1" dirty="0">
                 <a:effectLst/>
                 <a:latin typeface="Open Sans" panose="020B0606030504020204" pitchFamily="34" charset="0"/>
               </a:rPr>
               <a:t>Wikipedia: the free encyclopedia</a:t>
             </a:r>
             <a:r>
-              <a:rPr lang="en-US" sz="1000" b="0" i="0" dirty="0">
+              <a:rPr lang="en-US" sz="1100" b="0" i="0" dirty="0">
                 <a:effectLst/>
                 <a:latin typeface="Open Sans" panose="020B0606030504020204" pitchFamily="34" charset="0"/>
               </a:rPr>
               <a:t> [online]. San Francisco (CA): Wikimedia Foundation, 2001- [cit. 2023-01-17]. </a:t>
             </a:r>
             <a:r>
-              <a:rPr lang="en-US" sz="1000" b="0" i="0" dirty="0" err="1">
+              <a:rPr lang="en-US" sz="1100" b="0" i="0" dirty="0" err="1">
                 <a:effectLst/>
                 <a:latin typeface="Open Sans" panose="020B0606030504020204" pitchFamily="34" charset="0"/>
               </a:rPr>
               <a:t>Dostupné</a:t>
             </a:r>
             <a:r>
-              <a:rPr lang="en-US" sz="1000" b="0" i="0" dirty="0">
+              <a:rPr lang="en-US" sz="1100" b="0" i="0" dirty="0">
                 <a:effectLst/>
                 <a:latin typeface="Open Sans" panose="020B0606030504020204" pitchFamily="34" charset="0"/>
               </a:rPr>
               <a:t> z: </a:t>
             </a:r>
             <a:r>
-              <a:rPr lang="en-US" sz="1000" b="0" i="0" dirty="0">
+              <a:rPr lang="en-US" sz="1100" b="0" i="0" dirty="0">
                 <a:effectLst/>
                 <a:latin typeface="Open Sans" panose="020B0606030504020204" pitchFamily="34" charset="0"/>
                 <a:hlinkClick r:id="rId2">
@@ -11105,63 +11389,63 @@
               </a:rPr>
               <a:t>https://cs.wikipedia.org/wiki/Linux</a:t>
             </a:r>
-            <a:endParaRPr lang="cs-CZ" sz="1000" b="0" i="0" dirty="0">
+            <a:endParaRPr lang="cs-CZ" sz="1100" b="0" i="0" dirty="0">
               <a:effectLst/>
               <a:latin typeface="Open Sans" panose="020B0606030504020204" pitchFamily="34" charset="0"/>
             </a:endParaRPr>
           </a:p>
           <a:p>
             <a:r>
-              <a:rPr lang="en-US" sz="1000" b="0" i="0" dirty="0">
+              <a:rPr lang="en-US" sz="1100" b="0" i="0" dirty="0">
                 <a:effectLst/>
                 <a:latin typeface="Open Sans" panose="020B0606030504020204" pitchFamily="34" charset="0"/>
               </a:rPr>
               <a:t>Linux-</a:t>
             </a:r>
             <a:r>
-              <a:rPr lang="en-US" sz="1000" b="0" i="0" dirty="0" err="1">
+              <a:rPr lang="en-US" sz="1100" b="0" i="0" dirty="0" err="1">
                 <a:effectLst/>
                 <a:latin typeface="Open Sans" panose="020B0606030504020204" pitchFamily="34" charset="0"/>
               </a:rPr>
               <a:t>licence</a:t>
             </a:r>
             <a:r>
-              <a:rPr lang="en-US" sz="1000" b="0" i="0" dirty="0">
+              <a:rPr lang="en-US" sz="1100" b="0" i="0" dirty="0">
                 <a:effectLst/>
                 <a:latin typeface="Open Sans" panose="020B0606030504020204" pitchFamily="34" charset="0"/>
               </a:rPr>
               <a:t>. In: </a:t>
             </a:r>
             <a:r>
-              <a:rPr lang="en-US" sz="1000" b="0" i="1" dirty="0">
+              <a:rPr lang="en-US" sz="1100" b="0" i="1" dirty="0">
                 <a:effectLst/>
                 <a:latin typeface="Open Sans" panose="020B0606030504020204" pitchFamily="34" charset="0"/>
               </a:rPr>
               <a:t>Wikipedia: the free encyclopedia</a:t>
             </a:r>
             <a:r>
-              <a:rPr lang="en-US" sz="1000" b="0" i="0" dirty="0">
+              <a:rPr lang="en-US" sz="1100" b="0" i="0" dirty="0">
                 <a:effectLst/>
                 <a:latin typeface="Open Sans" panose="020B0606030504020204" pitchFamily="34" charset="0"/>
               </a:rPr>
               <a:t> [online]. San Francisco (CA): Wikimedia Foundation, 2001- [cit. 2023-01-17]. </a:t>
             </a:r>
             <a:r>
-              <a:rPr lang="en-US" sz="1000" b="0" i="0" dirty="0" err="1">
+              <a:rPr lang="en-US" sz="1100" b="0" i="0" dirty="0" err="1">
                 <a:effectLst/>
                 <a:latin typeface="Open Sans" panose="020B0606030504020204" pitchFamily="34" charset="0"/>
               </a:rPr>
               <a:t>Dostupné</a:t>
             </a:r>
             <a:r>
-              <a:rPr lang="en-US" sz="1000" b="0" i="0" dirty="0">
+              <a:rPr lang="en-US" sz="1100" b="0" i="0" dirty="0">
                 <a:effectLst/>
                 <a:latin typeface="Open Sans" panose="020B0606030504020204" pitchFamily="34" charset="0"/>
               </a:rPr>
               <a:t> z: </a:t>
             </a:r>
             <a:r>
-              <a:rPr lang="en-US" sz="1000" b="0" i="0" dirty="0">
+              <a:rPr lang="en-US" sz="1100" b="0" i="0" dirty="0">
                 <a:effectLst/>
                 <a:latin typeface="Open Sans" panose="020B0606030504020204" pitchFamily="34" charset="0"/>
                 <a:hlinkClick r:id="rId5">
@@ -11174,84 +11458,84 @@
               </a:rPr>
               <a:t>https://cs.wikipedia.org/wiki/Linux#Licence</a:t>
             </a:r>
-            <a:endParaRPr lang="cs-CZ" sz="1000" b="0" i="0" dirty="0">
+            <a:endParaRPr lang="cs-CZ" sz="1100" b="0" i="0" dirty="0">
               <a:effectLst/>
               <a:latin typeface="Open Sans" panose="020B0606030504020204" pitchFamily="34" charset="0"/>
             </a:endParaRPr>
           </a:p>
           <a:p>
             <a:r>
-              <a:rPr lang="cs-CZ" sz="1000" b="0" i="0" dirty="0">
+              <a:rPr lang="cs-CZ" sz="1100" b="0" i="0" dirty="0">
                 <a:effectLst/>
                 <a:latin typeface="Open Sans" panose="020B0606030504020204" pitchFamily="34" charset="0"/>
               </a:rPr>
               <a:t>Fedora. In: </a:t>
             </a:r>
             <a:r>
-              <a:rPr lang="cs-CZ" sz="1000" b="0" i="1" dirty="0">
+              <a:rPr lang="cs-CZ" sz="1100" b="0" i="1" dirty="0">
                 <a:effectLst/>
                 <a:latin typeface="Open Sans" panose="020B0606030504020204" pitchFamily="34" charset="0"/>
               </a:rPr>
               <a:t>Wikipedia: </a:t>
             </a:r>
             <a:r>
-              <a:rPr lang="cs-CZ" sz="1000" b="0" i="1" dirty="0" err="1">
+              <a:rPr lang="cs-CZ" sz="1100" b="0" i="1" dirty="0" err="1">
                 <a:effectLst/>
                 <a:latin typeface="Open Sans" panose="020B0606030504020204" pitchFamily="34" charset="0"/>
               </a:rPr>
               <a:t>the</a:t>
             </a:r>
             <a:r>
-              <a:rPr lang="cs-CZ" sz="1000" b="0" i="1" dirty="0">
+              <a:rPr lang="cs-CZ" sz="1100" b="0" i="1" dirty="0">
                 <a:effectLst/>
                 <a:latin typeface="Open Sans" panose="020B0606030504020204" pitchFamily="34" charset="0"/>
               </a:rPr>
               <a:t> free </a:t>
             </a:r>
             <a:r>
-              <a:rPr lang="cs-CZ" sz="1000" b="0" i="1" dirty="0" err="1">
+              <a:rPr lang="cs-CZ" sz="1100" b="0" i="1" dirty="0" err="1">
                 <a:effectLst/>
                 <a:latin typeface="Open Sans" panose="020B0606030504020204" pitchFamily="34" charset="0"/>
               </a:rPr>
               <a:t>encyclopedia</a:t>
             </a:r>
             <a:r>
-              <a:rPr lang="cs-CZ" sz="1000" b="0" i="0" dirty="0">
+              <a:rPr lang="cs-CZ" sz="1100" b="0" i="0" dirty="0">
                 <a:effectLst/>
                 <a:latin typeface="Open Sans" panose="020B0606030504020204" pitchFamily="34" charset="0"/>
               </a:rPr>
               <a:t> [online]. San Francisco (CA): </a:t>
             </a:r>
             <a:r>
-              <a:rPr lang="cs-CZ" sz="1000" b="0" i="0" dirty="0" err="1">
+              <a:rPr lang="cs-CZ" sz="1100" b="0" i="0" dirty="0" err="1">
                 <a:effectLst/>
                 <a:latin typeface="Open Sans" panose="020B0606030504020204" pitchFamily="34" charset="0"/>
               </a:rPr>
               <a:t>Wikimedia</a:t>
             </a:r>
             <a:r>
-              <a:rPr lang="cs-CZ" sz="1000" b="0" i="0" dirty="0">
+              <a:rPr lang="cs-CZ" sz="1100" b="0" i="0" dirty="0">
                 <a:effectLst/>
                 <a:latin typeface="Open Sans" panose="020B0606030504020204" pitchFamily="34" charset="0"/>
               </a:rPr>
               <a:t> </a:t>
             </a:r>
             <a:r>
-              <a:rPr lang="cs-CZ" sz="1000" b="0" i="0" dirty="0" err="1">
+              <a:rPr lang="cs-CZ" sz="1100" b="0" i="0" dirty="0" err="1">
                 <a:effectLst/>
                 <a:latin typeface="Open Sans" panose="020B0606030504020204" pitchFamily="34" charset="0"/>
               </a:rPr>
               <a:t>Foundation</a:t>
             </a:r>
             <a:r>
-              <a:rPr lang="cs-CZ" sz="1000" b="0" i="0" dirty="0">
+              <a:rPr lang="cs-CZ" sz="1100" b="0" i="0" dirty="0">
                 <a:effectLst/>
                 <a:latin typeface="Open Sans" panose="020B0606030504020204" pitchFamily="34" charset="0"/>
               </a:rPr>
               <a:t>, 2001- [cit. 2023-01-17]. Dostupné z: </a:t>
             </a:r>
             <a:r>
-              <a:rPr lang="cs-CZ" sz="1000" b="0" i="0" dirty="0">
+              <a:rPr lang="cs-CZ" sz="1100" b="0" i="0" dirty="0">
                 <a:effectLst/>
                 <a:latin typeface="Open Sans" panose="020B0606030504020204" pitchFamily="34" charset="0"/>
                 <a:hlinkClick r:id="rId6">
@@ -11264,119 +11548,119 @@
               </a:rPr>
               <a:t>https://cs.wikipedia.org/wiki/Fedora</a:t>
             </a:r>
-            <a:endParaRPr lang="cs-CZ" sz="1000" b="0" i="0" dirty="0">
+            <a:endParaRPr lang="cs-CZ" sz="1100" b="0" i="0" dirty="0">
               <a:effectLst/>
               <a:latin typeface="Open Sans" panose="020B0606030504020204" pitchFamily="34" charset="0"/>
             </a:endParaRPr>
           </a:p>
           <a:p>
             <a:r>
-              <a:rPr lang="cs-CZ" sz="1000" b="0" i="0" dirty="0" err="1">
+              <a:rPr lang="cs-CZ" sz="1100" b="0" i="0" dirty="0" err="1">
                 <a:effectLst/>
                 <a:latin typeface="Open Sans" panose="020B0606030504020204" pitchFamily="34" charset="0"/>
               </a:rPr>
               <a:t>Red</a:t>
             </a:r>
             <a:r>
-              <a:rPr lang="cs-CZ" sz="1000" b="0" i="0" dirty="0">
+              <a:rPr lang="cs-CZ" sz="1100" b="0" i="0" dirty="0">
                 <a:effectLst/>
                 <a:latin typeface="Open Sans" panose="020B0606030504020204" pitchFamily="34" charset="0"/>
               </a:rPr>
               <a:t> </a:t>
             </a:r>
             <a:r>
-              <a:rPr lang="cs-CZ" sz="1000" b="0" i="0" dirty="0" err="1">
+              <a:rPr lang="cs-CZ" sz="1100" b="0" i="0" dirty="0" err="1">
                 <a:effectLst/>
                 <a:latin typeface="Open Sans" panose="020B0606030504020204" pitchFamily="34" charset="0"/>
               </a:rPr>
               <a:t>Hat</a:t>
             </a:r>
             <a:r>
-              <a:rPr lang="cs-CZ" sz="1000" b="0" i="0" dirty="0">
+              <a:rPr lang="cs-CZ" sz="1100" b="0" i="0" dirty="0">
                 <a:effectLst/>
                 <a:latin typeface="Open Sans" panose="020B0606030504020204" pitchFamily="34" charset="0"/>
               </a:rPr>
               <a:t> </a:t>
             </a:r>
             <a:r>
-              <a:rPr lang="cs-CZ" sz="1000" b="0" i="0" dirty="0" err="1">
+              <a:rPr lang="cs-CZ" sz="1100" b="0" i="0" dirty="0" err="1">
                 <a:effectLst/>
                 <a:latin typeface="Open Sans" panose="020B0606030504020204" pitchFamily="34" charset="0"/>
               </a:rPr>
               <a:t>Enterprise</a:t>
             </a:r>
             <a:r>
-              <a:rPr lang="cs-CZ" sz="1000" b="0" i="0" dirty="0">
+              <a:rPr lang="cs-CZ" sz="1100" b="0" i="0" dirty="0">
                 <a:effectLst/>
                 <a:latin typeface="Open Sans" panose="020B0606030504020204" pitchFamily="34" charset="0"/>
               </a:rPr>
               <a:t> Linux. In: </a:t>
             </a:r>
             <a:r>
-              <a:rPr lang="cs-CZ" sz="1000" b="0" i="1" dirty="0">
+              <a:rPr lang="cs-CZ" sz="1100" b="0" i="1" dirty="0">
                 <a:effectLst/>
                 <a:latin typeface="Open Sans" panose="020B0606030504020204" pitchFamily="34" charset="0"/>
               </a:rPr>
               <a:t>Wikipedia: </a:t>
             </a:r>
             <a:r>
-              <a:rPr lang="cs-CZ" sz="1000" b="0" i="1" dirty="0" err="1">
+              <a:rPr lang="cs-CZ" sz="1100" b="0" i="1" dirty="0" err="1">
                 <a:effectLst/>
                 <a:latin typeface="Open Sans" panose="020B0606030504020204" pitchFamily="34" charset="0"/>
               </a:rPr>
               <a:t>the</a:t>
             </a:r>
             <a:r>
-              <a:rPr lang="cs-CZ" sz="1000" b="0" i="1" dirty="0">
+              <a:rPr lang="cs-CZ" sz="1100" b="0" i="1" dirty="0">
                 <a:effectLst/>
                 <a:latin typeface="Open Sans" panose="020B0606030504020204" pitchFamily="34" charset="0"/>
               </a:rPr>
               <a:t> free </a:t>
             </a:r>
             <a:r>
-              <a:rPr lang="cs-CZ" sz="1000" b="0" i="1" dirty="0" err="1">
+              <a:rPr lang="cs-CZ" sz="1100" b="0" i="1" dirty="0" err="1">
                 <a:effectLst/>
                 <a:latin typeface="Open Sans" panose="020B0606030504020204" pitchFamily="34" charset="0"/>
               </a:rPr>
               <a:t>encyclopedia</a:t>
             </a:r>
             <a:r>
-              <a:rPr lang="cs-CZ" sz="1000" b="0" i="0" dirty="0">
+              <a:rPr lang="cs-CZ" sz="1100" b="0" i="0" dirty="0">
                 <a:effectLst/>
                 <a:latin typeface="Open Sans" panose="020B0606030504020204" pitchFamily="34" charset="0"/>
               </a:rPr>
               <a:t> [online]. San Francisco (CA): </a:t>
             </a:r>
             <a:r>
-              <a:rPr lang="cs-CZ" sz="1000" b="0" i="0" dirty="0" err="1">
+              <a:rPr lang="cs-CZ" sz="1100" b="0" i="0" dirty="0" err="1">
                 <a:effectLst/>
                 <a:latin typeface="Open Sans" panose="020B0606030504020204" pitchFamily="34" charset="0"/>
               </a:rPr>
               <a:t>Wikimedia</a:t>
             </a:r>
             <a:r>
-              <a:rPr lang="cs-CZ" sz="1000" b="0" i="0" dirty="0">
+              <a:rPr lang="cs-CZ" sz="1100" b="0" i="0" dirty="0">
                 <a:effectLst/>
                 <a:latin typeface="Open Sans" panose="020B0606030504020204" pitchFamily="34" charset="0"/>
               </a:rPr>
               <a:t> </a:t>
             </a:r>
             <a:r>
-              <a:rPr lang="cs-CZ" sz="1000" b="0" i="0" dirty="0" err="1">
+              <a:rPr lang="cs-CZ" sz="1100" b="0" i="0" dirty="0" err="1">
                 <a:effectLst/>
                 <a:latin typeface="Open Sans" panose="020B0606030504020204" pitchFamily="34" charset="0"/>
               </a:rPr>
               <a:t>Foundation</a:t>
             </a:r>
             <a:r>
-              <a:rPr lang="cs-CZ" sz="1000" b="0" i="0" dirty="0">
+              <a:rPr lang="cs-CZ" sz="1100" b="0" i="0" dirty="0">
                 <a:effectLst/>
                 <a:latin typeface="Open Sans" panose="020B0606030504020204" pitchFamily="34" charset="0"/>
               </a:rPr>
               <a:t>, 2001- [cit. 2023-01-17]. Dostupné z: </a:t>
             </a:r>
             <a:r>
-              <a:rPr lang="cs-CZ" sz="1000" b="0" i="0" dirty="0">
+              <a:rPr lang="cs-CZ" sz="1100" b="0" i="0" dirty="0">
                 <a:effectLst/>
                 <a:latin typeface="Open Sans" panose="020B0606030504020204" pitchFamily="34" charset="0"/>
                 <a:hlinkClick r:id="rId7">
@@ -11389,52 +11673,49 @@
               </a:rPr>
               <a:t>https://cs.wikipedia.org/wiki/Red_Hat_Enterprise_Linux</a:t>
             </a:r>
-            <a:endParaRPr lang="cs-CZ" sz="1000" b="0" i="0" dirty="0">
+            <a:endParaRPr lang="cs-CZ" sz="1100" b="0" i="0" dirty="0">
               <a:effectLst/>
               <a:latin typeface="Open Sans" panose="020B0606030504020204" pitchFamily="34" charset="0"/>
             </a:endParaRPr>
           </a:p>
           <a:p>
             <a:r>
-              <a:rPr lang="en-US" sz="1000" b="0" i="0" dirty="0">
+              <a:rPr lang="en-US" sz="1100" b="0" i="0" dirty="0">
                 <a:effectLst/>
                 <a:latin typeface="Open Sans" panose="020B0606030504020204" pitchFamily="34" charset="0"/>
               </a:rPr>
               <a:t>Arch Linux. In: </a:t>
             </a:r>
             <a:r>
-              <a:rPr lang="en-US" sz="1000" b="0" i="1" dirty="0">
+              <a:rPr lang="en-US" sz="1100" b="0" i="1" dirty="0">
                 <a:effectLst/>
                 <a:latin typeface="Open Sans" panose="020B0606030504020204" pitchFamily="34" charset="0"/>
               </a:rPr>
               <a:t>Wikipedia: the free encyclopedia</a:t>
             </a:r>
             <a:r>
-              <a:rPr lang="en-US" sz="1000" b="0" i="0" dirty="0">
+              <a:rPr lang="en-US" sz="1100" b="0" i="0" dirty="0">
                 <a:effectLst/>
                 <a:latin typeface="Open Sans" panose="020B0606030504020204" pitchFamily="34" charset="0"/>
               </a:rPr>
               <a:t> [online]. San Francisco (CA): Wikimedia Foundation, 2001- [cit. 2023-01-17]. </a:t>
             </a:r>
             <a:r>
-              <a:rPr lang="en-US" sz="1000" b="0" i="0" dirty="0" err="1">
+              <a:rPr lang="en-US" sz="1100" b="0" i="0" dirty="0" err="1">
                 <a:effectLst/>
                 <a:latin typeface="Open Sans" panose="020B0606030504020204" pitchFamily="34" charset="0"/>
               </a:rPr>
               <a:t>Dostupné</a:t>
             </a:r>
             <a:r>
-              <a:rPr lang="en-US" sz="1000" b="0" i="0" dirty="0">
+              <a:rPr lang="en-US" sz="1100" b="0" i="0" dirty="0">
                 <a:effectLst/>
                 <a:latin typeface="Open Sans" panose="020B0606030504020204" pitchFamily="34" charset="0"/>
               </a:rPr>
               <a:t> z: </a:t>
             </a:r>
             <a:r>
-              <a:rPr lang="en-US" sz="1000" b="0" i="0" dirty="0">
-                <a:solidFill>
-                  <a:srgbClr val="FFAE3E"/>
-                </a:solidFill>
+              <a:rPr lang="en-US" sz="1100" b="0" i="0" dirty="0">
                 <a:effectLst/>
                 <a:latin typeface="Open Sans" panose="020B0606030504020204" pitchFamily="34" charset="0"/>
                 <a:hlinkClick r:id="rId8">
@@ -11445,13 +11726,89 @@
                   </a:extLst>
                 </a:hlinkClick>
               </a:rPr>
-              <a:t>https://cs.wikipedia.org/wiki/Arch_</a:t>
-            </a:r>
-            <a:r>
-              <a:rPr lang="en-US" sz="1000" b="0" i="0" dirty="0">
+              <a:t>https://cs.wikipedia.org/wiki/Arch_Linux</a:t>
+            </a:r>
+            <a:endParaRPr lang="cs-CZ" sz="1100" b="0" i="0" dirty="0">
+              <a:effectLst/>
+              <a:latin typeface="Open Sans" panose="020B0606030504020204" pitchFamily="34" charset="0"/>
+            </a:endParaRPr>
+          </a:p>
+          <a:p>
+            <a:r>
+              <a:rPr lang="cs-CZ" sz="1100" b="0" i="0" dirty="0">
                 <a:effectLst/>
                 <a:latin typeface="Open Sans" panose="020B0606030504020204" pitchFamily="34" charset="0"/>
-                <a:hlinkClick r:id="rId8">
+              </a:rPr>
+              <a:t>Https://commons.wikimedia.org/wiki/File:Glade_3.2.0_on_Xubuntu.png. In: </a:t>
+            </a:r>
+            <a:r>
+              <a:rPr lang="cs-CZ" sz="1100" b="0" i="1" dirty="0">
+                <a:effectLst/>
+                <a:latin typeface="Open Sans" panose="020B0606030504020204" pitchFamily="34" charset="0"/>
+              </a:rPr>
+              <a:t>Wikipedia: </a:t>
+            </a:r>
+            <a:r>
+              <a:rPr lang="cs-CZ" sz="1100" b="0" i="1" dirty="0" err="1">
+                <a:effectLst/>
+                <a:latin typeface="Open Sans" panose="020B0606030504020204" pitchFamily="34" charset="0"/>
+              </a:rPr>
+              <a:t>the</a:t>
+            </a:r>
+            <a:r>
+              <a:rPr lang="cs-CZ" sz="1100" b="0" i="1" dirty="0">
+                <a:effectLst/>
+                <a:latin typeface="Open Sans" panose="020B0606030504020204" pitchFamily="34" charset="0"/>
+              </a:rPr>
+              <a:t> free </a:t>
+            </a:r>
+            <a:r>
+              <a:rPr lang="cs-CZ" sz="1100" b="0" i="1" dirty="0" err="1">
+                <a:effectLst/>
+                <a:latin typeface="Open Sans" panose="020B0606030504020204" pitchFamily="34" charset="0"/>
+              </a:rPr>
+              <a:t>encyclopedia</a:t>
+            </a:r>
+            <a:r>
+              <a:rPr lang="cs-CZ" sz="1100" b="0" i="0" dirty="0">
+                <a:effectLst/>
+                <a:latin typeface="Open Sans" panose="020B0606030504020204" pitchFamily="34" charset="0"/>
+              </a:rPr>
+              <a:t> [online]. San Francisco (CA): </a:t>
+            </a:r>
+            <a:r>
+              <a:rPr lang="cs-CZ" sz="1100" b="0" i="0" dirty="0" err="1">
+                <a:effectLst/>
+                <a:latin typeface="Open Sans" panose="020B0606030504020204" pitchFamily="34" charset="0"/>
+              </a:rPr>
+              <a:t>Wikimedia</a:t>
+            </a:r>
+            <a:r>
+              <a:rPr lang="cs-CZ" sz="1100" b="0" i="0" dirty="0">
+                <a:effectLst/>
+                <a:latin typeface="Open Sans" panose="020B0606030504020204" pitchFamily="34" charset="0"/>
+              </a:rPr>
+              <a:t> </a:t>
+            </a:r>
+            <a:r>
+              <a:rPr lang="cs-CZ" sz="1100" b="0" i="0" dirty="0" err="1">
+                <a:effectLst/>
+                <a:latin typeface="Open Sans" panose="020B0606030504020204" pitchFamily="34" charset="0"/>
+              </a:rPr>
+              <a:t>Foundation</a:t>
+            </a:r>
+            <a:r>
+              <a:rPr lang="cs-CZ" sz="1100" b="0" i="0" dirty="0">
+                <a:effectLst/>
+                <a:latin typeface="Open Sans" panose="020B0606030504020204" pitchFamily="34" charset="0"/>
+              </a:rPr>
+              <a:t>, 2001- [cit. 2023-01-18]. Dostupné z: </a:t>
+            </a:r>
+            <a:r>
+              <a:rPr lang="cs-CZ" sz="1100" b="0" i="0" dirty="0">
+                <a:effectLst/>
+                <a:latin typeface="Open Sans" panose="020B0606030504020204" pitchFamily="34" charset="0"/>
+                <a:hlinkClick r:id="rId9">
                   <a:extLst>
                     <a:ext uri="{A12FA001-AC4F-418D-AE19-62706E023703}">
                       <ahyp:hlinkClr xmlns:ahyp="http://schemas.microsoft.com/office/drawing/2018/hyperlinkcolor" val="tx"/>
@@ -11459,7 +11816,254 @@
                   </a:extLst>
                 </a:hlinkClick>
               </a:rPr>
-              <a:t>Linux</a:t>
+              <a:t>https://commons.wikimedia.org/wiki/File:Glade_3.2.0_on_Xubuntu.png</a:t>
+            </a:r>
+            <a:endParaRPr lang="cs-CZ" sz="1100" b="0" i="0" dirty="0">
+              <a:effectLst/>
+              <a:latin typeface="Open Sans" panose="020B0606030504020204" pitchFamily="34" charset="0"/>
+            </a:endParaRPr>
+          </a:p>
+          <a:p>
+            <a:r>
+              <a:rPr lang="cs-CZ" sz="1100" b="0" i="0" dirty="0">
+                <a:effectLst/>
+                <a:latin typeface="Open Sans" panose="020B0606030504020204" pitchFamily="34" charset="0"/>
+              </a:rPr>
+              <a:t>Linux-hry. In: </a:t>
+            </a:r>
+            <a:r>
+              <a:rPr lang="cs-CZ" sz="1100" b="0" i="1" dirty="0">
+                <a:effectLst/>
+                <a:latin typeface="Open Sans" panose="020B0606030504020204" pitchFamily="34" charset="0"/>
+              </a:rPr>
+              <a:t>Wikipedia: </a:t>
+            </a:r>
+            <a:r>
+              <a:rPr lang="cs-CZ" sz="1100" b="0" i="1" dirty="0" err="1">
+                <a:effectLst/>
+                <a:latin typeface="Open Sans" panose="020B0606030504020204" pitchFamily="34" charset="0"/>
+              </a:rPr>
+              <a:t>the</a:t>
+            </a:r>
+            <a:r>
+              <a:rPr lang="cs-CZ" sz="1100" b="0" i="1" dirty="0">
+                <a:effectLst/>
+                <a:latin typeface="Open Sans" panose="020B0606030504020204" pitchFamily="34" charset="0"/>
+              </a:rPr>
+              <a:t> free </a:t>
+            </a:r>
+            <a:r>
+              <a:rPr lang="cs-CZ" sz="1100" b="0" i="1" dirty="0" err="1">
+                <a:effectLst/>
+                <a:latin typeface="Open Sans" panose="020B0606030504020204" pitchFamily="34" charset="0"/>
+              </a:rPr>
+              <a:t>encyclopedia</a:t>
+            </a:r>
+            <a:r>
+              <a:rPr lang="cs-CZ" sz="1100" b="0" i="0" dirty="0">
+                <a:effectLst/>
+                <a:latin typeface="Open Sans" panose="020B0606030504020204" pitchFamily="34" charset="0"/>
+              </a:rPr>
+              <a:t> [online]. San Francisco (CA): </a:t>
+            </a:r>
+            <a:r>
+              <a:rPr lang="cs-CZ" sz="1100" b="0" i="0" dirty="0" err="1">
+                <a:effectLst/>
+                <a:latin typeface="Open Sans" panose="020B0606030504020204" pitchFamily="34" charset="0"/>
+              </a:rPr>
+              <a:t>Wikimedia</a:t>
+            </a:r>
+            <a:r>
+              <a:rPr lang="cs-CZ" sz="1100" b="0" i="0" dirty="0">
+                <a:effectLst/>
+                <a:latin typeface="Open Sans" panose="020B0606030504020204" pitchFamily="34" charset="0"/>
+              </a:rPr>
+              <a:t> </a:t>
+            </a:r>
+            <a:r>
+              <a:rPr lang="cs-CZ" sz="1100" b="0" i="0" dirty="0" err="1">
+                <a:effectLst/>
+                <a:latin typeface="Open Sans" panose="020B0606030504020204" pitchFamily="34" charset="0"/>
+              </a:rPr>
+              <a:t>Foundation</a:t>
+            </a:r>
+            <a:r>
+              <a:rPr lang="cs-CZ" sz="1100" b="0" i="0" dirty="0">
+                <a:effectLst/>
+                <a:latin typeface="Open Sans" panose="020B0606030504020204" pitchFamily="34" charset="0"/>
+              </a:rPr>
+              <a:t>, 2001- [cit. 2023-01-18]. Dostupné z: </a:t>
+            </a:r>
+            <a:r>
+              <a:rPr lang="cs-CZ" sz="1100" b="0" i="0" dirty="0">
+                <a:solidFill>
+                  <a:srgbClr val="FFAE3E"/>
+                </a:solidFill>
+                <a:effectLst/>
+                <a:latin typeface="Open Sans" panose="020B0606030504020204" pitchFamily="34" charset="0"/>
+                <a:hlinkClick r:id="rId10">
+                  <a:extLst>
+                    <a:ext uri="{A12FA001-AC4F-418D-AE19-62706E023703}">
+                      <ahyp:hlinkClr xmlns:ahyp="http://schemas.microsoft.com/office/drawing/2018/hyperlinkcolor" val="tx"/>
+                    </a:ext>
+                  </a:extLst>
+                </a:hlinkClick>
+              </a:rPr>
+              <a:t>https://cs.wikipedia.org/wiki/Linux#</a:t>
+            </a:r>
+            <a:r>
+              <a:rPr lang="cs-CZ" sz="1100" b="0" i="0" dirty="0">
+                <a:effectLst/>
+                <a:latin typeface="Open Sans" panose="020B0606030504020204" pitchFamily="34" charset="0"/>
+                <a:hlinkClick r:id="rId10">
+                  <a:extLst>
+                    <a:ext uri="{A12FA001-AC4F-418D-AE19-62706E023703}">
+                      <ahyp:hlinkClr xmlns:ahyp="http://schemas.microsoft.com/office/drawing/2018/hyperlinkcolor" val="tx"/>
+                    </a:ext>
+                  </a:extLst>
+                </a:hlinkClick>
+              </a:rPr>
+              <a:t>Hry</a:t>
+            </a:r>
+            <a:endParaRPr lang="cs-CZ" sz="1100" b="0" i="0" dirty="0">
+              <a:effectLst/>
+              <a:latin typeface="Open Sans" panose="020B0606030504020204" pitchFamily="34" charset="0"/>
+            </a:endParaRPr>
+          </a:p>
+          <a:p>
+            <a:r>
+              <a:rPr lang="cs-CZ" sz="1000" b="0" i="0" dirty="0">
+                <a:effectLst/>
+                <a:latin typeface="Open Sans" panose="020B0606030504020204" pitchFamily="34" charset="0"/>
+              </a:rPr>
+              <a:t>File:Richard </a:t>
+            </a:r>
+            <a:r>
+              <a:rPr lang="cs-CZ" sz="1000" b="0" i="0" dirty="0" err="1">
+                <a:effectLst/>
+                <a:latin typeface="Open Sans" panose="020B0606030504020204" pitchFamily="34" charset="0"/>
+              </a:rPr>
+              <a:t>Stallman</a:t>
+            </a:r>
+            <a:r>
+              <a:rPr lang="cs-CZ" sz="1000" b="0" i="0" dirty="0">
+                <a:effectLst/>
+                <a:latin typeface="Open Sans" panose="020B0606030504020204" pitchFamily="34" charset="0"/>
+              </a:rPr>
+              <a:t> </a:t>
+            </a:r>
+            <a:r>
+              <a:rPr lang="cs-CZ" sz="1000" b="0" i="0" dirty="0" err="1">
+                <a:effectLst/>
+                <a:latin typeface="Open Sans" panose="020B0606030504020204" pitchFamily="34" charset="0"/>
+              </a:rPr>
+              <a:t>at</a:t>
+            </a:r>
+            <a:r>
+              <a:rPr lang="cs-CZ" sz="1000" b="0" i="0" dirty="0">
+                <a:effectLst/>
+                <a:latin typeface="Open Sans" panose="020B0606030504020204" pitchFamily="34" charset="0"/>
+              </a:rPr>
+              <a:t> </a:t>
+            </a:r>
+            <a:r>
+              <a:rPr lang="cs-CZ" sz="1000" b="0" i="0" dirty="0" err="1">
+                <a:effectLst/>
+                <a:latin typeface="Open Sans" panose="020B0606030504020204" pitchFamily="34" charset="0"/>
+              </a:rPr>
+              <a:t>LibrePlanet</a:t>
+            </a:r>
+            <a:r>
+              <a:rPr lang="cs-CZ" sz="1000" b="0" i="0" dirty="0">
+                <a:effectLst/>
+                <a:latin typeface="Open Sans" panose="020B0606030504020204" pitchFamily="34" charset="0"/>
+              </a:rPr>
+              <a:t> 2019.jpg. In: </a:t>
+            </a:r>
+            <a:r>
+              <a:rPr lang="cs-CZ" sz="1000" b="0" i="1" dirty="0">
+                <a:effectLst/>
+                <a:latin typeface="Open Sans" panose="020B0606030504020204" pitchFamily="34" charset="0"/>
+              </a:rPr>
+              <a:t>Wikipedia: </a:t>
+            </a:r>
+            <a:r>
+              <a:rPr lang="cs-CZ" sz="1000" b="0" i="1" dirty="0" err="1">
+                <a:effectLst/>
+                <a:latin typeface="Open Sans" panose="020B0606030504020204" pitchFamily="34" charset="0"/>
+              </a:rPr>
+              <a:t>the</a:t>
+            </a:r>
+            <a:r>
+              <a:rPr lang="cs-CZ" sz="1000" b="0" i="1" dirty="0">
+                <a:effectLst/>
+                <a:latin typeface="Open Sans" panose="020B0606030504020204" pitchFamily="34" charset="0"/>
+              </a:rPr>
+              <a:t> free </a:t>
+            </a:r>
+            <a:r>
+              <a:rPr lang="cs-CZ" sz="1000" b="0" i="1" dirty="0" err="1">
+                <a:effectLst/>
+                <a:latin typeface="Open Sans" panose="020B0606030504020204" pitchFamily="34" charset="0"/>
+              </a:rPr>
+              <a:t>encyclopedia</a:t>
+            </a:r>
+            <a:r>
+              <a:rPr lang="cs-CZ" sz="1000" b="0" i="0" dirty="0">
+                <a:effectLst/>
+                <a:latin typeface="Open Sans" panose="020B0606030504020204" pitchFamily="34" charset="0"/>
+              </a:rPr>
+              <a:t> [online]. San Francisco (CA): </a:t>
+            </a:r>
+            <a:r>
+              <a:rPr lang="cs-CZ" sz="1000" b="0" i="0" dirty="0" err="1">
+                <a:effectLst/>
+                <a:latin typeface="Open Sans" panose="020B0606030504020204" pitchFamily="34" charset="0"/>
+              </a:rPr>
+              <a:t>Wikimedia</a:t>
+            </a:r>
+            <a:r>
+              <a:rPr lang="cs-CZ" sz="1000" b="0" i="0" dirty="0">
+                <a:effectLst/>
+                <a:latin typeface="Open Sans" panose="020B0606030504020204" pitchFamily="34" charset="0"/>
+              </a:rPr>
+              <a:t> </a:t>
+            </a:r>
+            <a:r>
+              <a:rPr lang="cs-CZ" sz="1000" b="0" i="0" dirty="0" err="1">
+                <a:effectLst/>
+                <a:latin typeface="Open Sans" panose="020B0606030504020204" pitchFamily="34" charset="0"/>
+              </a:rPr>
+              <a:t>Foundation</a:t>
+            </a:r>
+            <a:r>
+              <a:rPr lang="cs-CZ" sz="1000" b="0" i="0" dirty="0">
+                <a:effectLst/>
+                <a:latin typeface="Open Sans" panose="020B0606030504020204" pitchFamily="34" charset="0"/>
+              </a:rPr>
+              <a:t>, 23 </a:t>
+            </a:r>
+            <a:r>
+              <a:rPr lang="cs-CZ" sz="1000" b="0" i="0" dirty="0" err="1">
+                <a:effectLst/>
+                <a:latin typeface="Open Sans" panose="020B0606030504020204" pitchFamily="34" charset="0"/>
+              </a:rPr>
+              <a:t>April</a:t>
+            </a:r>
+            <a:r>
+              <a:rPr lang="cs-CZ" sz="1000" b="0" i="0" dirty="0">
+                <a:effectLst/>
+                <a:latin typeface="Open Sans" panose="020B0606030504020204" pitchFamily="34" charset="0"/>
+              </a:rPr>
+              <a:t> 2019n. l. [cit. 2023-01-19]. Dostupné z: </a:t>
+            </a:r>
+            <a:r>
+              <a:rPr lang="cs-CZ" sz="1000" b="0" i="0" dirty="0">
+                <a:effectLst/>
+                <a:latin typeface="Open Sans" panose="020B0606030504020204" pitchFamily="34" charset="0"/>
+                <a:hlinkClick r:id="rId11"/>
+              </a:rPr>
+              <a:t>https://commons.wikimedia.org/wiki/File:Richard_Stallman_at_LibrePlanet_2019.jpg</a:t>
             </a:r>
             <a:endParaRPr lang="cs-CZ" sz="1000" b="0" i="0" dirty="0">
               <a:effectLst/>
@@ -11469,13 +12073,19 @@
           <a:p>
             <a:r>
               <a:rPr lang="cs-CZ" sz="1000" b="0" i="0" dirty="0">
+                <a:solidFill>
+                  <a:srgbClr val="212529"/>
+                </a:solidFill>
                 <a:effectLst/>
                 <a:latin typeface="Open Sans" panose="020B0606030504020204" pitchFamily="34" charset="0"/>
               </a:rPr>
-              <a:t>Https://commons.wikimedia.org/wiki/File:Glade_3.2.0_on_Xubuntu.png. In: </a:t>
+              <a:t>File:Tux.svg. In: </a:t>
             </a:r>
             <a:r>
               <a:rPr lang="cs-CZ" sz="1000" b="0" i="1" dirty="0">
+                <a:solidFill>
+                  <a:srgbClr val="212529"/>
+                </a:solidFill>
                 <a:effectLst/>
                 <a:latin typeface="Open Sans" panose="020B0606030504020204" pitchFamily="34" charset="0"/>
               </a:rPr>
@@ -11483,6 +12093,9 @@
             </a:r>
             <a:r>
               <a:rPr lang="cs-CZ" sz="1000" b="0" i="1" dirty="0" err="1">
+                <a:solidFill>
+                  <a:srgbClr val="212529"/>
+                </a:solidFill>
                 <a:effectLst/>
                 <a:latin typeface="Open Sans" panose="020B0606030504020204" pitchFamily="34" charset="0"/>
               </a:rPr>
@@ -11490,6 +12103,9 @@
             </a:r>
             <a:r>
               <a:rPr lang="cs-CZ" sz="1000" b="0" i="1" dirty="0">
+                <a:solidFill>
+                  <a:srgbClr val="212529"/>
+                </a:solidFill>
                 <a:effectLst/>
                 <a:latin typeface="Open Sans" panose="020B0606030504020204" pitchFamily="34" charset="0"/>
               </a:rPr>
@@ -11497,60 +12113,14 @@
             </a:r>
             <a:r>
               <a:rPr lang="cs-CZ" sz="1000" b="0" i="1" dirty="0" err="1">
+                <a:solidFill>
+                  <a:srgbClr val="212529"/>
+                </a:solidFill>
                 <a:effectLst/>
                 <a:latin typeface="Open Sans" panose="020B0606030504020204" pitchFamily="34" charset="0"/>
               </a:rPr>
               <a:t>encyclopedia</a:t>
             </a:r>
-            <a:r>
-              <a:rPr lang="cs-CZ" sz="1000" b="0" i="0" dirty="0">
-                <a:effectLst/>
-                <a:latin typeface="Open Sans" panose="020B0606030504020204" pitchFamily="34" charset="0"/>
-              </a:rPr>
-              <a:t> [online]. San Francisco (CA): </a:t>
-            </a:r>
-            <a:r>
-              <a:rPr lang="cs-CZ" sz="1000" b="0" i="0" dirty="0" err="1">
-                <a:effectLst/>
-                <a:latin typeface="Open Sans" panose="020B0606030504020204" pitchFamily="34" charset="0"/>
-              </a:rPr>
-              <a:t>Wikimedia</a:t>
-            </a:r>
-            <a:r>
-              <a:rPr lang="cs-CZ" sz="1000" b="0" i="0" dirty="0">
-                <a:effectLst/>
-                <a:latin typeface="Open Sans" panose="020B0606030504020204" pitchFamily="34" charset="0"/>
-              </a:rPr>
-              <a:t> </a:t>
-            </a:r>
-            <a:r>
-              <a:rPr lang="cs-CZ" sz="1000" b="0" i="0" dirty="0" err="1">
-                <a:effectLst/>
-                <a:latin typeface="Open Sans" panose="020B0606030504020204" pitchFamily="34" charset="0"/>
-              </a:rPr>
-              <a:t>Foundation</a:t>
-            </a:r>
-            <a:r>
-              <a:rPr lang="cs-CZ" sz="1000" b="0" i="0" dirty="0">
-                <a:effectLst/>
-                <a:latin typeface="Open Sans" panose="020B0606030504020204" pitchFamily="34" charset="0"/>
-              </a:rPr>
-              <a:t>, 2001- [cit. 2023-01-18]. Dostupné z: </a:t>
-            </a:r>
-            <a:r>
-              <a:rPr lang="cs-CZ" sz="1000" b="0" i="0" dirty="0">
-                <a:effectLst/>
-                <a:latin typeface="Open Sans" panose="020B0606030504020204" pitchFamily="34" charset="0"/>
-                <a:hlinkClick r:id="rId9"/>
-              </a:rPr>
-              <a:t>https://commons.wikimedia.org/wiki/File:Glade_3.2.0_on_Xubuntu.png</a:t>
-            </a:r>
-            <a:endParaRPr lang="cs-CZ" sz="1000" b="0" i="0" dirty="0">
-              <a:effectLst/>
-              <a:latin typeface="Open Sans" panose="020B0606030504020204" pitchFamily="34" charset="0"/>
-            </a:endParaRPr>
-          </a:p>
-          <a:p>
             <a:r>
               <a:rPr lang="cs-CZ" sz="1000" b="0" i="0" dirty="0">
                 <a:solidFill>
@@ -11559,47 +12129,17 @@
                 <a:effectLst/>
                 <a:latin typeface="Open Sans" panose="020B0606030504020204" pitchFamily="34" charset="0"/>
               </a:rPr>
-              <a:t>Linux-hry. In: </a:t>
-            </a:r>
-            <a:r>
-              <a:rPr lang="cs-CZ" sz="1000" b="0" i="1" dirty="0">
+              <a:t> [online]. San Francisco (CA): </a:t>
+            </a:r>
+            <a:r>
+              <a:rPr lang="cs-CZ" sz="1000" b="0" i="0" dirty="0" err="1">
                 <a:solidFill>
                   <a:srgbClr val="212529"/>
                 </a:solidFill>
                 <a:effectLst/>
                 <a:latin typeface="Open Sans" panose="020B0606030504020204" pitchFamily="34" charset="0"/>
               </a:rPr>
-              <a:t>Wikipedia: </a:t>
-            </a:r>
-            <a:r>
-              <a:rPr lang="cs-CZ" sz="1000" b="0" i="1" dirty="0" err="1">
-                <a:solidFill>
-                  <a:srgbClr val="212529"/>
-                </a:solidFill>
-                <a:effectLst/>
-                <a:latin typeface="Open Sans" panose="020B0606030504020204" pitchFamily="34" charset="0"/>
-              </a:rPr>
-              <a:t>the</a:t>
-            </a:r>
-            <a:r>
-              <a:rPr lang="cs-CZ" sz="1000" b="0" i="1" dirty="0">
-                <a:solidFill>
-                  <a:srgbClr val="212529"/>
-                </a:solidFill>
-                <a:effectLst/>
-                <a:latin typeface="Open Sans" panose="020B0606030504020204" pitchFamily="34" charset="0"/>
-              </a:rPr>
-              <a:t> free </a:t>
-            </a:r>
-            <a:r>
-              <a:rPr lang="cs-CZ" sz="1000" b="0" i="1" dirty="0" err="1">
-                <a:solidFill>
-                  <a:srgbClr val="212529"/>
-                </a:solidFill>
-                <a:effectLst/>
-                <a:latin typeface="Open Sans" panose="020B0606030504020204" pitchFamily="34" charset="0"/>
-              </a:rPr>
-              <a:t>encyclopedia</a:t>
+              <a:t>Wikimedia</a:t>
             </a:r>
             <a:r>
               <a:rPr lang="cs-CZ" sz="1000" b="0" i="0" dirty="0">
@@ -11609,7 +12149,7 @@
                 <a:effectLst/>
                 <a:latin typeface="Open Sans" panose="020B0606030504020204" pitchFamily="34" charset="0"/>
               </a:rPr>
-              <a:t> [online]. San Francisco (CA): </a:t>
+              <a:t> </a:t>
             </a:r>
             <a:r>
               <a:rPr lang="cs-CZ" sz="1000" b="0" i="0" dirty="0" err="1">
@@ -11619,7 +12159,7 @@
                 <a:effectLst/>
                 <a:latin typeface="Open Sans" panose="020B0606030504020204" pitchFamily="34" charset="0"/>
               </a:rPr>
-              <a:t>Wikimedia</a:t>
+              <a:t>Foundation</a:t>
             </a:r>
             <a:r>
               <a:rPr lang="cs-CZ" sz="1000" b="0" i="0" dirty="0">
@@ -11629,43 +12169,9 @@
                 <a:effectLst/>
                 <a:latin typeface="Open Sans" panose="020B0606030504020204" pitchFamily="34" charset="0"/>
               </a:rPr>
-              <a:t> </a:t>
-            </a:r>
-            <a:r>
-              <a:rPr lang="cs-CZ" sz="1000" b="0" i="0" dirty="0" err="1">
-                <a:solidFill>
-                  <a:srgbClr val="212529"/>
-                </a:solidFill>
-                <a:effectLst/>
-                <a:latin typeface="Open Sans" panose="020B0606030504020204" pitchFamily="34" charset="0"/>
-              </a:rPr>
-              <a:t>Foundation</a:t>
-            </a:r>
-            <a:r>
-              <a:rPr lang="cs-CZ" sz="1000" b="0" i="0" dirty="0">
-                <a:solidFill>
-                  <a:srgbClr val="212529"/>
-                </a:solidFill>
-                <a:effectLst/>
-                <a:latin typeface="Open Sans" panose="020B0606030504020204" pitchFamily="34" charset="0"/>
-              </a:rPr>
-              <a:t>, 2001- [cit. 2023-01-18]. Dostupné z: </a:t>
-            </a:r>
-            <a:r>
-              <a:rPr lang="cs-CZ" sz="1000" b="0" i="0" dirty="0">
-                <a:solidFill>
-                  <a:srgbClr val="212529"/>
-                </a:solidFill>
-                <a:effectLst/>
-                <a:latin typeface="Open Sans" panose="020B0606030504020204" pitchFamily="34" charset="0"/>
-                <a:hlinkClick r:id="rId10"/>
-              </a:rPr>
-              <a:t>https://cs.wikipedia.org/wiki/Linux#Hry</a:t>
-            </a:r>
-            <a:endParaRPr lang="cs-CZ" sz="1000" b="0" i="0" dirty="0">
-              <a:solidFill>
-                <a:srgbClr val="212529"/>
-              </a:solidFill>
+              <a:t>, 2001- [cit. 2023-01-19]. Dostupné z: https://commons.wikimedia.org/wiki/File:Tux.svg</a:t>
+            </a:r>
+            <a:endParaRPr lang="cs-CZ" sz="1100" b="0" i="0" dirty="0">
               <a:effectLst/>
               <a:latin typeface="Open Sans" panose="020B0606030504020204" pitchFamily="34" charset="0"/>
             </a:endParaRPr>
@@ -11702,6 +12208,18 @@
   <p:clrMapOvr>
     <a:masterClrMapping/>
   </p:clrMapOvr>
+  <mc:AlternateContent xmlns:mc="http://schemas.openxmlformats.org/markup-compatibility/2006">
+    <mc:Choice xmlns:p14="http://schemas.microsoft.com/office/powerpoint/2010/main" Requires="p14">
+      <p:transition spd="med" p14:dur="700">
+        <p:fade/>
+      </p:transition>
+    </mc:Choice>
+    <mc:Fallback>
+      <p:transition spd="med">
+        <p:fade/>
+      </p:transition>
+    </mc:Fallback>
+  </mc:AlternateContent>
 </p:sld>
 </file>
 
@@ -11906,17 +12424,10 @@
           <a:lstStyle/>
           <a:p>
             <a:r>
-              <a:rPr lang="cs-CZ" sz="2800" i="0" dirty="0">
-                <a:effectLst/>
-                <a:latin typeface="Arial" panose="020B0604020202020204" pitchFamily="34" charset="0"/>
-              </a:rPr>
-              <a:t>Linux je označení pro </a:t>
-            </a:r>
-            <a:r>
               <a:rPr lang="cs-CZ" sz="2800" dirty="0">
                 <a:latin typeface="Arial" panose="020B0604020202020204" pitchFamily="34" charset="0"/>
               </a:rPr>
-              <a:t>svobodný</a:t>
+              <a:t>Svobodný</a:t>
             </a:r>
             <a:r>
               <a:rPr lang="cs-CZ" sz="2800" i="0" dirty="0">
@@ -11936,7 +12447,7 @@
                 <a:effectLst/>
                 <a:latin typeface="Arial" panose="020B0604020202020204" pitchFamily="34" charset="0"/>
               </a:rPr>
-              <a:t> počítačový </a:t>
+              <a:t> </a:t>
             </a:r>
             <a:r>
               <a:rPr lang="cs-CZ" sz="2800" dirty="0">
@@ -11949,7 +12460,7 @@
                 <a:effectLst/>
                 <a:latin typeface="Arial" panose="020B0604020202020204" pitchFamily="34" charset="0"/>
               </a:rPr>
-              <a:t>, který je založený na </a:t>
+              <a:t>, založený na </a:t>
             </a:r>
             <a:r>
               <a:rPr lang="cs-CZ" sz="2800" dirty="0">
@@ -11962,27 +12473,16 @@
                 <a:effectLst/>
                 <a:latin typeface="Arial" panose="020B0604020202020204" pitchFamily="34" charset="0"/>
               </a:rPr>
-              <a:t>. </a:t>
-            </a:r>
+              <a:t>.</a:t>
+            </a:r>
+          </a:p>
+          <a:p>
             <a:r>
               <a:rPr lang="cs-CZ" sz="2800" b="0" i="0" dirty="0">
                 <a:effectLst/>
                 <a:latin typeface="Arial" panose="020B0604020202020204" pitchFamily="34" charset="0"/>
               </a:rPr>
-              <a:t>Linuxové systémy jsou šířeny v podobě distribucí, které je možné </a:t>
-            </a:r>
-            <a:r>
-              <a:rPr lang="cs-CZ" sz="2800" dirty="0">
-                <a:latin typeface="Arial" panose="020B0604020202020204" pitchFamily="34" charset="0"/>
-              </a:rPr>
-              <a:t>nainstalovat</a:t>
-            </a:r>
-            <a:r>
-              <a:rPr lang="cs-CZ" sz="2800" b="0" i="0" dirty="0">
-                <a:effectLst/>
-                <a:latin typeface="Arial" panose="020B0604020202020204" pitchFamily="34" charset="0"/>
-              </a:rPr>
-              <a:t> nebo používat bez instalace (live cd). </a:t>
+              <a:t>Linuxové systémy jsou šířeny v podobě distribucí.</a:t>
             </a:r>
           </a:p>
           <a:p>
@@ -12013,6 +12513,18 @@
   <p:clrMapOvr>
     <a:masterClrMapping/>
   </p:clrMapOvr>
+  <mc:AlternateContent xmlns:mc="http://schemas.openxmlformats.org/markup-compatibility/2006">
+    <mc:Choice xmlns:p14="http://schemas.microsoft.com/office/powerpoint/2010/main" Requires="p14">
+      <p:transition spd="med" p14:dur="700">
+        <p:fade/>
+      </p:transition>
+    </mc:Choice>
+    <mc:Fallback>
+      <p:transition spd="med">
+        <p:fade/>
+      </p:transition>
+    </mc:Fallback>
+  </mc:AlternateContent>
 </p:sld>
 </file>
 
@@ -12056,7 +12568,15 @@
           <a:p>
             <a:r>
               <a:rPr lang="cs-CZ" dirty="0"/>
-              <a:t>Čím se Linux odlišuje od jiných operačních systémů?</a:t>
+              <a:t>Čím se Linux </a:t>
+            </a:r>
+            <a:r>
+              <a:rPr lang="cs-CZ" dirty="0" err="1"/>
+              <a:t>liiší</a:t>
+            </a:r>
+            <a:r>
+              <a:rPr lang="cs-CZ" dirty="0"/>
+              <a:t> od jiných operačních systémů?</a:t>
             </a:r>
           </a:p>
         </p:txBody>
@@ -12083,33 +12603,115 @@
           <a:lstStyle/>
           <a:p>
             <a:r>
-              <a:rPr lang="cs-CZ" dirty="0"/>
-              <a:t>Linux se liší v </a:t>
-            </a:r>
-            <a:r>
               <a:rPr lang="cs-CZ" b="0" i="0" dirty="0">
                 <a:effectLst/>
                 <a:latin typeface="Arial" panose="020B0604020202020204" pitchFamily="34" charset="0"/>
               </a:rPr>
-              <a:t>tom, že je poskytován s licencí, která uživatele neomezuje a dovoluje mu </a:t>
+              <a:t>Linux je poskytován s </a:t>
             </a:r>
             <a:r>
               <a:rPr lang="cs-CZ" dirty="0">
                 <a:latin typeface="Arial" panose="020B0604020202020204" pitchFamily="34" charset="0"/>
               </a:rPr>
-              <a:t>Linux</a:t>
+              <a:t>open source </a:t>
             </a:r>
             <a:r>
               <a:rPr lang="cs-CZ" b="0" i="0" dirty="0">
                 <a:effectLst/>
                 <a:latin typeface="Arial" panose="020B0604020202020204" pitchFamily="34" charset="0"/>
               </a:rPr>
-              <a:t> a jeho software kopírovat dalším osobám čímž se může velmi volně používat. To s komerčním softwarem provádět nemůžete - porušili byste tím zákon. Krom toho může být Linux zdarma. A vývojáři oceňují, že získají zdrojové kódy programů a mohou je dále rozvíjet</a:t>
+              <a:t>licencí která nelimituje uživatele.</a:t>
+            </a:r>
+          </a:p>
+          <a:p>
+            <a:r>
+              <a:rPr lang="cs-CZ" dirty="0">
+                <a:latin typeface="Arial" panose="020B0604020202020204" pitchFamily="34" charset="0"/>
+              </a:rPr>
+              <a:t>K</a:t>
+            </a:r>
+            <a:r>
+              <a:rPr lang="cs-CZ" b="0" i="0" dirty="0">
+                <a:effectLst/>
+                <a:latin typeface="Arial" panose="020B0604020202020204" pitchFamily="34" charset="0"/>
+              </a:rPr>
+              <a:t>omerční software je opak, většinu věcí dělat nemůžete - porušili byste tím zákon. </a:t>
+            </a:r>
+          </a:p>
+          <a:p>
+            <a:r>
+              <a:rPr lang="cs-CZ" b="0" i="0" dirty="0">
+                <a:effectLst/>
+                <a:latin typeface="Arial" panose="020B0604020202020204" pitchFamily="34" charset="0"/>
+              </a:rPr>
+              <a:t>Linux může být i zdarma. </a:t>
+            </a:r>
+          </a:p>
+          <a:p>
+            <a:r>
+              <a:rPr lang="cs-CZ" dirty="0">
+                <a:latin typeface="Arial" panose="020B0604020202020204" pitchFamily="34" charset="0"/>
+              </a:rPr>
+              <a:t>V</a:t>
+            </a:r>
+            <a:r>
+              <a:rPr lang="cs-CZ" b="0" i="0" dirty="0">
+                <a:effectLst/>
+                <a:latin typeface="Arial" panose="020B0604020202020204" pitchFamily="34" charset="0"/>
+              </a:rPr>
+              <a:t>ývojáři oceňují, že získají zdrojové kódy programů a mohou je dále rozvíjet.</a:t>
             </a:r>
             <a:endParaRPr lang="cs-CZ" dirty="0"/>
           </a:p>
         </p:txBody>
       </p:sp>
+      <p:pic>
+        <p:nvPicPr>
+          <p:cNvPr id="5122" name="Picture 2">
+            <a:extLst>
+              <a:ext uri="{FF2B5EF4-FFF2-40B4-BE49-F238E27FC236}">
+                <a16:creationId xmlns:a16="http://schemas.microsoft.com/office/drawing/2014/main" id="{344A089A-C8EA-35C7-1531-E5E58983936F}"/>
+              </a:ext>
+            </a:extLst>
+          </p:cNvPr>
+          <p:cNvPicPr>
+            <a:picLocks noChangeAspect="1" noChangeArrowheads="1"/>
+          </p:cNvPicPr>
+          <p:nvPr/>
+        </p:nvPicPr>
+        <p:blipFill>
+          <a:blip r:embed="rId3">
+            <a:extLst>
+              <a:ext uri="{28A0092B-C50C-407E-A947-70E740481C1C}">
+                <a14:useLocalDpi xmlns:a14="http://schemas.microsoft.com/office/drawing/2010/main" val="0"/>
+              </a:ext>
+            </a:extLst>
+          </a:blip>
+          <a:srcRect/>
+          <a:stretch>
+            <a:fillRect/>
+          </a:stretch>
+        </p:blipFill>
+        <p:spPr bwMode="auto">
+          <a:xfrm>
+            <a:off x="9163050" y="3679769"/>
+            <a:ext cx="1992630" cy="2363984"/>
+          </a:xfrm>
+          <a:prstGeom prst="rect">
+            <a:avLst/>
+          </a:prstGeom>
+          <a:noFill/>
+          <a:extLst>
+            <a:ext uri="{909E8E84-426E-40DD-AFC4-6F175D3DCCD1}">
+              <a14:hiddenFill xmlns:a14="http://schemas.microsoft.com/office/drawing/2010/main">
+                <a:solidFill>
+                  <a:srgbClr val="FFFFFF"/>
+                </a:solidFill>
+              </a14:hiddenFill>
+            </a:ext>
+          </a:extLst>
+        </p:spPr>
+      </p:pic>
     </p:spTree>
     <p:extLst>
       <p:ext uri="{BB962C8B-B14F-4D97-AF65-F5344CB8AC3E}">
@@ -12120,6 +12722,18 @@
   <p:clrMapOvr>
     <a:masterClrMapping/>
   </p:clrMapOvr>
+  <mc:AlternateContent xmlns:mc="http://schemas.openxmlformats.org/markup-compatibility/2006">
+    <mc:Choice xmlns:p14="http://schemas.microsoft.com/office/powerpoint/2010/main" Requires="p14">
+      <p:transition spd="med" p14:dur="700">
+        <p:fade/>
+      </p:transition>
+    </mc:Choice>
+    <mc:Fallback>
+      <p:transition spd="med">
+        <p:fade/>
+      </p:transition>
+    </mc:Fallback>
+  </mc:AlternateContent>
 </p:sld>
 </file>
 
@@ -12184,10 +12798,15 @@
             <p:ph idx="1"/>
           </p:nvPr>
         </p:nvSpPr>
-        <p:spPr/>
+        <p:spPr>
+          <a:xfrm>
+            <a:off x="559837" y="2267339"/>
+            <a:ext cx="11308702" cy="5859623"/>
+          </a:xfrm>
+        </p:spPr>
         <p:txBody>
           <a:bodyPr>
-            <a:normAutofit lnSpcReduction="10000"/>
+            <a:normAutofit/>
           </a:bodyPr>
           <a:lstStyle/>
           <a:p>
@@ -12196,40 +12815,7 @@
                 <a:effectLst/>
                 <a:latin typeface="Roboto" panose="020B0604020202020204" pitchFamily="2" charset="0"/>
               </a:rPr>
-              <a:t>V roce 1983 byl založen projekt GNU, jehož cílem bylo vytvořit nový operační systém unixového typu, který by byl složen jen ze svobodného software. Otcem a zakladatelem projektu je </a:t>
-            </a:r>
-            <a:r>
-              <a:rPr lang="cs-CZ" dirty="0">
-                <a:latin typeface="Roboto" panose="020B0604020202020204" pitchFamily="2" charset="0"/>
-              </a:rPr>
-              <a:t>Richard Matthew </a:t>
-            </a:r>
-            <a:r>
-              <a:rPr lang="cs-CZ" dirty="0" err="1">
-                <a:latin typeface="Roboto" panose="020B0604020202020204" pitchFamily="2" charset="0"/>
-              </a:rPr>
-              <a:t>Stallman</a:t>
-            </a:r>
-            <a:r>
-              <a:rPr lang="cs-CZ" i="0" dirty="0">
-                <a:effectLst/>
-                <a:latin typeface="Roboto" panose="020B0604020202020204" pitchFamily="2" charset="0"/>
-              </a:rPr>
-              <a:t>. Za tímto účelem sepsal </a:t>
-            </a:r>
-            <a:r>
-              <a:rPr lang="cs-CZ" i="0" dirty="0" err="1">
-                <a:effectLst/>
-                <a:latin typeface="Roboto" panose="020B0604020202020204" pitchFamily="2" charset="0"/>
-              </a:rPr>
-              <a:t>Stallman</a:t>
-            </a:r>
-            <a:r>
-              <a:rPr lang="cs-CZ" i="0" dirty="0">
-                <a:effectLst/>
-                <a:latin typeface="Roboto" panose="020B0604020202020204" pitchFamily="2" charset="0"/>
-              </a:rPr>
-              <a:t> novou licenci GNU GPL, pod kterou jsou šířeny všechny části systému GNU.</a:t>
+              <a:t>V roce 1983 byl založen projekt GNU, jehož cílem bylo vytvořit nový operační systém unixového typu</a:t>
             </a:r>
           </a:p>
           <a:p>
@@ -12273,44 +12859,47 @@
                 <a:ea typeface="Roboto" panose="02000000000000000000" pitchFamily="2" charset="0"/>
                 <a:cs typeface="Roboto" panose="02000000000000000000" pitchFamily="2" charset="0"/>
               </a:rPr>
-              <a:t> pracovat na vývoji vlastního unixového jádra. </a:t>
-            </a:r>
-            <a:r>
-              <a:rPr lang="cs-CZ" b="0" i="0" dirty="0" err="1">
+              <a:t> pracovat na vývoji vlastního unixového jádra.</a:t>
+            </a:r>
+          </a:p>
+          <a:p>
+            <a:r>
+              <a:rPr lang="cs-CZ" b="0" i="0" dirty="0">
                 <a:effectLst/>
                 <a:latin typeface="Roboto" panose="02000000000000000000" pitchFamily="2" charset="0"/>
                 <a:ea typeface="Roboto" panose="02000000000000000000" pitchFamily="2" charset="0"/>
                 <a:cs typeface="Roboto" panose="02000000000000000000" pitchFamily="2" charset="0"/>
               </a:rPr>
-              <a:t>Minix</a:t>
-            </a:r>
-            <a:r>
-              <a:rPr lang="cs-CZ" b="0" i="0" dirty="0">
-                <a:effectLst/>
-                <a:latin typeface="Roboto" panose="02000000000000000000" pitchFamily="2" charset="0"/>
-                <a:ea typeface="Roboto" panose="02000000000000000000" pitchFamily="2" charset="0"/>
-                <a:cs typeface="Roboto" panose="02000000000000000000" pitchFamily="2" charset="0"/>
-              </a:rPr>
-              <a:t> byl ovšem až příliš jednoduchý  a navíc k němu nebylo možno získat zdrojové kódy. Proto se Linus rozhodl jít cestou nejmenšího odporu a napsat si vlastní operační systém, který by se podobal </a:t>
-            </a:r>
-            <a:r>
-              <a:rPr lang="cs-CZ" b="0" i="0" dirty="0" err="1">
-                <a:effectLst/>
-                <a:latin typeface="Roboto" panose="02000000000000000000" pitchFamily="2" charset="0"/>
-                <a:ea typeface="Roboto" panose="02000000000000000000" pitchFamily="2" charset="0"/>
-                <a:cs typeface="Roboto" panose="02000000000000000000" pitchFamily="2" charset="0"/>
-              </a:rPr>
-              <a:t>Minixu</a:t>
-            </a:r>
-            <a:r>
-              <a:rPr lang="cs-CZ" b="0" i="0" dirty="0">
-                <a:effectLst/>
-                <a:latin typeface="Roboto" panose="02000000000000000000" pitchFamily="2" charset="0"/>
-                <a:ea typeface="Roboto" panose="02000000000000000000" pitchFamily="2" charset="0"/>
-                <a:cs typeface="Roboto" panose="02000000000000000000" pitchFamily="2" charset="0"/>
-              </a:rPr>
-              <a:t> a byl provozovatelný na běžném PC. </a:t>
-            </a:r>
+              <a:t> </a:t>
+            </a:r>
+            <a:r>
+              <a:rPr lang="cs-CZ" i="0" dirty="0">
+                <a:effectLst/>
+                <a:latin typeface="Roboto" panose="020B0604020202020204" pitchFamily="2" charset="0"/>
+              </a:rPr>
+              <a:t>Otec a zakladatel projektu je </a:t>
+            </a:r>
+            <a:r>
+              <a:rPr lang="cs-CZ" dirty="0">
+                <a:latin typeface="Roboto" panose="020B0604020202020204" pitchFamily="2" charset="0"/>
+              </a:rPr>
+              <a:t>Richard Matthew </a:t>
+            </a:r>
+            <a:r>
+              <a:rPr lang="cs-CZ" dirty="0" err="1">
+                <a:latin typeface="Roboto" panose="020B0604020202020204" pitchFamily="2" charset="0"/>
+              </a:rPr>
+              <a:t>Stallman</a:t>
+            </a:r>
+            <a:r>
+              <a:rPr lang="cs-CZ" i="0" dirty="0">
+                <a:effectLst/>
+                <a:latin typeface="Roboto" panose="020B0604020202020204" pitchFamily="2" charset="0"/>
+              </a:rPr>
+              <a:t>. </a:t>
+            </a:r>
+          </a:p>
+          <a:p>
             <a:endParaRPr lang="cs-CZ" dirty="0">
               <a:latin typeface="Roboto" panose="02000000000000000000" pitchFamily="2" charset="0"/>
               <a:ea typeface="Roboto" panose="02000000000000000000" pitchFamily="2" charset="0"/>
@@ -12322,6 +12911,53 @@
           </a:p>
         </p:txBody>
       </p:sp>
+      <p:pic>
+        <p:nvPicPr>
+          <p:cNvPr id="1026" name="Picture 2">
+            <a:extLst>
+              <a:ext uri="{FF2B5EF4-FFF2-40B4-BE49-F238E27FC236}">
+                <a16:creationId xmlns:a16="http://schemas.microsoft.com/office/drawing/2014/main" id="{C2B67594-EF0C-8534-5821-86AD2A7137A5}"/>
+              </a:ext>
+            </a:extLst>
+          </p:cNvPr>
+          <p:cNvPicPr>
+            <a:picLocks noChangeAspect="1" noChangeArrowheads="1"/>
+          </p:cNvPicPr>
+          <p:nvPr/>
+        </p:nvPicPr>
+        <p:blipFill>
+          <a:blip r:embed="rId3">
+            <a:extLst>
+              <a:ext uri="{28A0092B-C50C-407E-A947-70E740481C1C}">
+                <a14:useLocalDpi xmlns:a14="http://schemas.microsoft.com/office/drawing/2010/main" val="0"/>
+              </a:ext>
+            </a:extLst>
+          </a:blip>
+          <a:srcRect/>
+          <a:stretch>
+            <a:fillRect/>
+          </a:stretch>
+        </p:blipFill>
+        <p:spPr bwMode="auto">
+          <a:xfrm>
+            <a:off x="8500286" y="3564294"/>
+            <a:ext cx="2453856" cy="3174644"/>
+          </a:xfrm>
+          <a:prstGeom prst="rect">
+            <a:avLst/>
+          </a:prstGeom>
+          <a:noFill/>
+          <a:extLst>
+            <a:ext uri="{909E8E84-426E-40DD-AFC4-6F175D3DCCD1}">
+              <a14:hiddenFill xmlns:a14="http://schemas.microsoft.com/office/drawing/2010/main">
+                <a:solidFill>
+                  <a:srgbClr val="FFFFFF"/>
+                </a:solidFill>
+              </a14:hiddenFill>
+            </a:ext>
+          </a:extLst>
+        </p:spPr>
+      </p:pic>
     </p:spTree>
     <p:extLst>
       <p:ext uri="{BB962C8B-B14F-4D97-AF65-F5344CB8AC3E}">
@@ -12332,6 +12968,18 @@
   <p:clrMapOvr>
     <a:masterClrMapping/>
   </p:clrMapOvr>
+  <mc:AlternateContent xmlns:mc="http://schemas.openxmlformats.org/markup-compatibility/2006">
+    <mc:Choice xmlns:p14="http://schemas.microsoft.com/office/powerpoint/2010/main" Requires="p14">
+      <p:transition spd="med" p14:dur="700">
+        <p:fade/>
+      </p:transition>
+    </mc:Choice>
+    <mc:Fallback>
+      <p:transition spd="med">
+        <p:fade/>
+      </p:transition>
+    </mc:Fallback>
+  </mc:AlternateContent>
 </p:sld>
 </file>
 
@@ -12403,24 +13051,47 @@
           <a:p>
             <a:pPr algn="l"/>
             <a:r>
-              <a:rPr lang="cs-CZ" b="0" i="0" dirty="0">
-                <a:effectLst/>
-                <a:latin typeface="Roboto" panose="02000000000000000000" pitchFamily="2" charset="0"/>
-              </a:rPr>
-              <a:t>Jeho </a:t>
-            </a:r>
-            <a:r>
               <a:rPr lang="cs-CZ" dirty="0">
                 <a:latin typeface="Roboto" panose="02000000000000000000" pitchFamily="2" charset="0"/>
               </a:rPr>
-              <a:t>jádro</a:t>
+              <a:t>Jádro</a:t>
             </a:r>
             <a:r>
               <a:rPr lang="cs-CZ" b="0" i="0" dirty="0">
                 <a:effectLst/>
                 <a:latin typeface="Roboto" panose="02000000000000000000" pitchFamily="2" charset="0"/>
               </a:rPr>
-              <a:t> si okamžitě našlo řadu příznivců, kteří začali na jeho vývoji spolupracovat a přispívat vlastními myšlenkami. Vývoj se rozrostl do obřích rozměrů. Linus se později rozhodl zdrojové kódy uvolnit pod svobodnou licencí GNU GPL. Tím vznikl výsledný produkt se správným názvem GNU/Linux. Velmi často se používá jen krátké označení Linux, ale podstatná část systému pochází právě z projektu GNU, který kromě Linuxu může běžet s jádry Hurd, </a:t>
+              <a:t> si okamžitě našlo příznivce, kteří začali na jeho vývoji spolupracovat</a:t>
+            </a:r>
+          </a:p>
+          <a:p>
+            <a:pPr algn="l"/>
+            <a:r>
+              <a:rPr lang="cs-CZ" b="0" i="0" dirty="0">
+                <a:effectLst/>
+                <a:latin typeface="Roboto" panose="02000000000000000000" pitchFamily="2" charset="0"/>
+              </a:rPr>
+              <a:t>Linus se později rozhodl zdrojové kódy uvolnit pod licenci GNU GPL.</a:t>
+            </a:r>
+          </a:p>
+          <a:p>
+            <a:pPr algn="l"/>
+            <a:r>
+              <a:rPr lang="cs-CZ" b="0" i="0" dirty="0">
+                <a:effectLst/>
+                <a:latin typeface="Roboto" panose="02000000000000000000" pitchFamily="2" charset="0"/>
+              </a:rPr>
+              <a:t>Velmi často se používá jen krátké označení Linux, ale podstatná část systému pochází právě z projektu GNU.</a:t>
+            </a:r>
+          </a:p>
+          <a:p>
+            <a:pPr algn="l"/>
+            <a:r>
+              <a:rPr lang="cs-CZ" b="0" i="0" dirty="0">
+                <a:effectLst/>
+                <a:latin typeface="Roboto" panose="02000000000000000000" pitchFamily="2" charset="0"/>
+              </a:rPr>
+              <a:t>Linuxu může běžet s jádry Hurd, </a:t>
             </a:r>
             <a:r>
               <a:rPr lang="cs-CZ" b="0" i="0" dirty="0" err="1">
@@ -12466,6 +13137,18 @@
   <p:clrMapOvr>
     <a:masterClrMapping/>
   </p:clrMapOvr>
+  <mc:AlternateContent xmlns:mc="http://schemas.openxmlformats.org/markup-compatibility/2006">
+    <mc:Choice xmlns:p14="http://schemas.microsoft.com/office/powerpoint/2010/main" Requires="p14">
+      <p:transition spd="med" p14:dur="700">
+        <p:fade/>
+      </p:transition>
+    </mc:Choice>
+    <mc:Fallback>
+      <p:transition spd="med">
+        <p:fade/>
+      </p:transition>
+    </mc:Fallback>
+  </mc:AlternateContent>
 </p:sld>
 </file>
 
@@ -12535,10 +13218,192 @@
           <a:bodyPr/>
           <a:lstStyle/>
           <a:p>
-            <a:endParaRPr lang="cs-CZ" dirty="0"/>
-          </a:p>
-        </p:txBody>
-      </p:sp>
+            <a:r>
+              <a:rPr lang="cs-CZ" dirty="0">
+                <a:latin typeface="Roboto" panose="02000000000000000000" pitchFamily="2" charset="0"/>
+                <a:ea typeface="Roboto" panose="02000000000000000000" pitchFamily="2" charset="0"/>
+                <a:cs typeface="Roboto" panose="02000000000000000000" pitchFamily="2" charset="0"/>
+              </a:rPr>
+              <a:t>Linuxový maskot je Tučňák </a:t>
+            </a:r>
+            <a:r>
+              <a:rPr lang="cs-CZ" dirty="0" err="1">
+                <a:latin typeface="Roboto" panose="02000000000000000000" pitchFamily="2" charset="0"/>
+                <a:ea typeface="Roboto" panose="02000000000000000000" pitchFamily="2" charset="0"/>
+                <a:cs typeface="Roboto" panose="02000000000000000000" pitchFamily="2" charset="0"/>
+              </a:rPr>
+              <a:t>Tux</a:t>
+            </a:r>
+            <a:r>
+              <a:rPr lang="cs-CZ" dirty="0">
+                <a:latin typeface="Roboto" panose="02000000000000000000" pitchFamily="2" charset="0"/>
+                <a:ea typeface="Roboto" panose="02000000000000000000" pitchFamily="2" charset="0"/>
+                <a:cs typeface="Roboto" panose="02000000000000000000" pitchFamily="2" charset="0"/>
+              </a:rPr>
+              <a:t>.</a:t>
+            </a:r>
+          </a:p>
+          <a:p>
+            <a:pPr marL="0" indent="0">
+              <a:buNone/>
+            </a:pPr>
+            <a:endParaRPr lang="cs-CZ" dirty="0">
+              <a:latin typeface="Roboto" panose="02000000000000000000" pitchFamily="2" charset="0"/>
+              <a:ea typeface="Roboto" panose="02000000000000000000" pitchFamily="2" charset="0"/>
+              <a:cs typeface="Roboto" panose="02000000000000000000" pitchFamily="2" charset="0"/>
+            </a:endParaRPr>
+          </a:p>
+          <a:p>
+            <a:r>
+              <a:rPr lang="cs-CZ" dirty="0">
+                <a:latin typeface="Roboto" panose="02000000000000000000" pitchFamily="2" charset="0"/>
+                <a:ea typeface="Roboto" panose="02000000000000000000" pitchFamily="2" charset="0"/>
+                <a:cs typeface="Roboto" panose="02000000000000000000" pitchFamily="2" charset="0"/>
+              </a:rPr>
+              <a:t>Byl vytvořen </a:t>
+            </a:r>
+            <a:r>
+              <a:rPr lang="cs-CZ" dirty="0" err="1">
+                <a:latin typeface="Roboto" panose="02000000000000000000" pitchFamily="2" charset="0"/>
+                <a:ea typeface="Roboto" panose="02000000000000000000" pitchFamily="2" charset="0"/>
+                <a:cs typeface="Roboto" panose="02000000000000000000" pitchFamily="2" charset="0"/>
+              </a:rPr>
+              <a:t>Larrym</a:t>
+            </a:r>
+            <a:r>
+              <a:rPr lang="cs-CZ" dirty="0">
+                <a:latin typeface="Roboto" panose="02000000000000000000" pitchFamily="2" charset="0"/>
+                <a:ea typeface="Roboto" panose="02000000000000000000" pitchFamily="2" charset="0"/>
+                <a:cs typeface="Roboto" panose="02000000000000000000" pitchFamily="2" charset="0"/>
+              </a:rPr>
+              <a:t> </a:t>
+            </a:r>
+            <a:r>
+              <a:rPr lang="cs-CZ" dirty="0" err="1">
+                <a:latin typeface="Roboto" panose="02000000000000000000" pitchFamily="2" charset="0"/>
+                <a:ea typeface="Roboto" panose="02000000000000000000" pitchFamily="2" charset="0"/>
+                <a:cs typeface="Roboto" panose="02000000000000000000" pitchFamily="2" charset="0"/>
+              </a:rPr>
+              <a:t>Ewingem</a:t>
+            </a:r>
+            <a:r>
+              <a:rPr lang="cs-CZ" dirty="0">
+                <a:latin typeface="Roboto" panose="02000000000000000000" pitchFamily="2" charset="0"/>
+                <a:ea typeface="Roboto" panose="02000000000000000000" pitchFamily="2" charset="0"/>
+                <a:cs typeface="Roboto" panose="02000000000000000000" pitchFamily="2" charset="0"/>
+              </a:rPr>
+              <a:t> roku 1996.</a:t>
+            </a:r>
+          </a:p>
+          <a:p>
+            <a:pPr marL="0" indent="0">
+              <a:buNone/>
+            </a:pPr>
+            <a:endParaRPr lang="cs-CZ" dirty="0">
+              <a:latin typeface="Roboto" panose="02000000000000000000" pitchFamily="2" charset="0"/>
+              <a:ea typeface="Roboto" panose="02000000000000000000" pitchFamily="2" charset="0"/>
+              <a:cs typeface="Roboto" panose="02000000000000000000" pitchFamily="2" charset="0"/>
+            </a:endParaRPr>
+          </a:p>
+          <a:p>
+            <a:r>
+              <a:rPr lang="cs-CZ" dirty="0">
+                <a:latin typeface="Roboto" panose="02000000000000000000" pitchFamily="2" charset="0"/>
+                <a:ea typeface="Roboto" panose="02000000000000000000" pitchFamily="2" charset="0"/>
+                <a:cs typeface="Roboto" panose="02000000000000000000" pitchFamily="2" charset="0"/>
+              </a:rPr>
+              <a:t>Tvůrcem myšlenky Tučňáka je Linus </a:t>
+            </a:r>
+            <a:r>
+              <a:rPr lang="cs-CZ" dirty="0" err="1">
+                <a:latin typeface="Roboto" panose="02000000000000000000" pitchFamily="2" charset="0"/>
+                <a:ea typeface="Roboto" panose="02000000000000000000" pitchFamily="2" charset="0"/>
+                <a:cs typeface="Roboto" panose="02000000000000000000" pitchFamily="2" charset="0"/>
+              </a:rPr>
+              <a:t>Torvald</a:t>
+            </a:r>
+            <a:r>
+              <a:rPr lang="cs-CZ" dirty="0">
+                <a:latin typeface="Roboto" panose="02000000000000000000" pitchFamily="2" charset="0"/>
+                <a:ea typeface="Roboto" panose="02000000000000000000" pitchFamily="2" charset="0"/>
+                <a:cs typeface="Roboto" panose="02000000000000000000" pitchFamily="2" charset="0"/>
+              </a:rPr>
+              <a:t>.</a:t>
+            </a:r>
+          </a:p>
+          <a:p>
+            <a:endParaRPr lang="cs-CZ" dirty="0">
+              <a:latin typeface="Roboto" panose="02000000000000000000" pitchFamily="2" charset="0"/>
+              <a:ea typeface="Roboto" panose="02000000000000000000" pitchFamily="2" charset="0"/>
+              <a:cs typeface="Roboto" panose="02000000000000000000" pitchFamily="2" charset="0"/>
+            </a:endParaRPr>
+          </a:p>
+          <a:p>
+            <a:endParaRPr lang="cs-CZ" dirty="0">
+              <a:latin typeface="Roboto" panose="02000000000000000000" pitchFamily="2" charset="0"/>
+              <a:ea typeface="Roboto" panose="02000000000000000000" pitchFamily="2" charset="0"/>
+              <a:cs typeface="Roboto" panose="02000000000000000000" pitchFamily="2" charset="0"/>
+            </a:endParaRPr>
+          </a:p>
+          <a:p>
+            <a:pPr marL="0" indent="0">
+              <a:buNone/>
+            </a:pPr>
+            <a:endParaRPr lang="cs-CZ" dirty="0">
+              <a:latin typeface="Roboto" panose="02000000000000000000" pitchFamily="2" charset="0"/>
+              <a:ea typeface="Roboto" panose="02000000000000000000" pitchFamily="2" charset="0"/>
+              <a:cs typeface="Roboto" panose="02000000000000000000" pitchFamily="2" charset="0"/>
+            </a:endParaRPr>
+          </a:p>
+        </p:txBody>
+      </p:sp>
+      <p:pic>
+        <p:nvPicPr>
+          <p:cNvPr id="2050" name="Picture 2">
+            <a:extLst>
+              <a:ext uri="{FF2B5EF4-FFF2-40B4-BE49-F238E27FC236}">
+                <a16:creationId xmlns:a16="http://schemas.microsoft.com/office/drawing/2014/main" id="{40F3FE4F-507A-9409-69FD-04DE93BD98F1}"/>
+              </a:ext>
+            </a:extLst>
+          </p:cNvPr>
+          <p:cNvPicPr>
+            <a:picLocks noChangeAspect="1" noChangeArrowheads="1"/>
+          </p:cNvPicPr>
+          <p:nvPr/>
+        </p:nvPicPr>
+        <p:blipFill>
+          <a:blip r:embed="rId3">
+            <a:extLst>
+              <a:ext uri="{28A0092B-C50C-407E-A947-70E740481C1C}">
+                <a14:useLocalDpi xmlns:a14="http://schemas.microsoft.com/office/drawing/2010/main" val="0"/>
+              </a:ext>
+            </a:extLst>
+          </a:blip>
+          <a:srcRect/>
+          <a:stretch>
+            <a:fillRect/>
+          </a:stretch>
+        </p:blipFill>
+        <p:spPr bwMode="auto">
+          <a:xfrm>
+            <a:off x="6866314" y="2037615"/>
+            <a:ext cx="3998420" cy="4741209"/>
+          </a:xfrm>
+          <a:prstGeom prst="rect">
+            <a:avLst/>
+          </a:prstGeom>
+          <a:noFill/>
+          <a:extLst>
+            <a:ext uri="{909E8E84-426E-40DD-AFC4-6F175D3DCCD1}">
+              <a14:hiddenFill xmlns:a14="http://schemas.microsoft.com/office/drawing/2010/main">
+                <a:solidFill>
+                  <a:srgbClr val="FFFFFF"/>
+                </a:solidFill>
+              </a14:hiddenFill>
+            </a:ext>
+          </a:extLst>
+        </p:spPr>
+      </p:pic>
     </p:spTree>
     <p:extLst>
       <p:ext uri="{BB962C8B-B14F-4D97-AF65-F5344CB8AC3E}">
@@ -12549,6 +13414,18 @@
   <p:clrMapOvr>
     <a:masterClrMapping/>
   </p:clrMapOvr>
+  <mc:AlternateContent xmlns:mc="http://schemas.openxmlformats.org/markup-compatibility/2006">
+    <mc:Choice xmlns:p14="http://schemas.microsoft.com/office/powerpoint/2010/main" Requires="p14">
+      <p:transition spd="med" p14:dur="700">
+        <p:fade/>
+      </p:transition>
+    </mc:Choice>
+    <mc:Fallback>
+      <p:transition spd="med">
+        <p:fade/>
+      </p:transition>
+    </mc:Fallback>
+  </mc:AlternateContent>
 </p:sld>
 </file>
 
@@ -12667,7 +13544,19 @@
                 <a:ea typeface="Roboto" panose="02000000000000000000" pitchFamily="2" charset="0"/>
                 <a:cs typeface="Roboto" panose="02000000000000000000" pitchFamily="2" charset="0"/>
               </a:rPr>
-              <a:t>. K tomu, aby bylo možné počítač s Linuxem používat, je nutné doplnit jádro o další programy.</a:t>
+              <a:t>. </a:t>
+            </a:r>
+          </a:p>
+          <a:p>
+            <a:pPr lvl="1"/>
+            <a:r>
+              <a:rPr lang="cs-CZ" sz="2800" b="0" i="0" dirty="0">
+                <a:effectLst/>
+                <a:latin typeface="Roboto" panose="02000000000000000000" pitchFamily="2" charset="0"/>
+                <a:ea typeface="Roboto" panose="02000000000000000000" pitchFamily="2" charset="0"/>
+                <a:cs typeface="Roboto" panose="02000000000000000000" pitchFamily="2" charset="0"/>
+              </a:rPr>
+              <a:t>K tomu, aby bylo možné počítač s Linuxem používat, je nutné doplnit jádro o další programy.</a:t>
             </a:r>
             <a:r>
               <a:rPr lang="cs-CZ" sz="2400" b="0" i="0" dirty="0">
@@ -12756,6 +13645,18 @@
   <p:clrMapOvr>
     <a:masterClrMapping/>
   </p:clrMapOvr>
+  <mc:AlternateContent xmlns:mc="http://schemas.openxmlformats.org/markup-compatibility/2006">
+    <mc:Choice xmlns:p14="http://schemas.microsoft.com/office/powerpoint/2010/main" Requires="p14">
+      <p:transition spd="med" p14:dur="700">
+        <p:fade/>
+      </p:transition>
+    </mc:Choice>
+    <mc:Fallback>
+      <p:transition spd="med">
+        <p:fade/>
+      </p:transition>
+    </mc:Fallback>
+  </mc:AlternateContent>
 </p:sld>
 </file>
 
@@ -12903,6 +13804,18 @@
   <p:clrMapOvr>
     <a:masterClrMapping/>
   </p:clrMapOvr>
+  <mc:AlternateContent xmlns:mc="http://schemas.openxmlformats.org/markup-compatibility/2006">
+    <mc:Choice xmlns:p14="http://schemas.microsoft.com/office/powerpoint/2010/main" Requires="p14">
+      <p:transition spd="med" p14:dur="700">
+        <p:fade/>
+      </p:transition>
+    </mc:Choice>
+    <mc:Fallback>
+      <p:transition spd="med">
+        <p:fade/>
+      </p:transition>
+    </mc:Fallback>
+  </mc:AlternateContent>
 </p:sld>
 </file>
 
@@ -13328,6 +14241,18 @@
   <p:clrMapOvr>
     <a:masterClrMapping/>
   </p:clrMapOvr>
+  <mc:AlternateContent xmlns:mc="http://schemas.openxmlformats.org/markup-compatibility/2006">
+    <mc:Choice xmlns:p14="http://schemas.microsoft.com/office/powerpoint/2010/main" Requires="p14">
+      <p:transition spd="med" p14:dur="700">
+        <p:fade/>
+      </p:transition>
+    </mc:Choice>
+    <mc:Fallback>
+      <p:transition spd="med">
+        <p:fade/>
+      </p:transition>
+    </mc:Fallback>
+  </mc:AlternateContent>
 </p:sld>
 </file>
 
